--- a/ZASTOSOWANIE_INFORMATYKI/1A-gr_2/Zastosowanie informatyki - 1A gr. 2.pptx
+++ b/ZASTOSOWANIE_INFORMATYKI/1A-gr_2/Zastosowanie informatyki - 1A gr. 2.pptx
@@ -2,79 +2,88 @@
 <file path=ppt/presentation.xml><?xml version="1.0" encoding="utf-8"?>
 <p:presentation xmlns:a="http://schemas.openxmlformats.org/drawingml/2006/main" xmlns:r="http://schemas.openxmlformats.org/officeDocument/2006/relationships" xmlns:mc="http://schemas.openxmlformats.org/markup-compatibility/2006" xmlns:mv="urn:schemas-microsoft-com:mac:vml" xmlns:p="http://schemas.openxmlformats.org/presentationml/2006/main" xmlns:c="http://schemas.openxmlformats.org/drawingml/2006/chart" xmlns:dgm="http://schemas.openxmlformats.org/drawingml/2006/diagram" xmlns:o="urn:schemas-microsoft-com:office:office" xmlns:v="urn:schemas-microsoft-com:vml" xmlns:pvml="urn:schemas-microsoft-com:office:powerpoint" xmlns:com="http://schemas.openxmlformats.org/drawingml/2006/compatibility" xmlns:p14="http://schemas.microsoft.com/office/powerpoint/2010/main" xmlns:p15="http://schemas.microsoft.com/office/powerpoint/2012/main" xmlns:ahyp="http://schemas.microsoft.com/office/drawing/2018/hyperlinkcolor" autoCompressPictures="0" embedTrueTypeFonts="1" strictFirstAndLastChars="0" saveSubsetFonts="1">
   <p:sldMasterIdLst>
-    <p:sldMasterId id="2147483659" r:id="rId4"/>
+    <p:sldMasterId id="2147483659" r:id="rId5"/>
   </p:sldMasterIdLst>
   <p:notesMasterIdLst>
-    <p:notesMasterId r:id="rId5"/>
+    <p:notesMasterId r:id="rId6"/>
   </p:notesMasterIdLst>
   <p:sldIdLst>
-    <p:sldId id="256" r:id="rId6"/>
-    <p:sldId id="257" r:id="rId7"/>
-    <p:sldId id="258" r:id="rId8"/>
-    <p:sldId id="259" r:id="rId9"/>
-    <p:sldId id="260" r:id="rId10"/>
-    <p:sldId id="261" r:id="rId11"/>
-    <p:sldId id="262" r:id="rId12"/>
-    <p:sldId id="263" r:id="rId13"/>
-    <p:sldId id="264" r:id="rId14"/>
-    <p:sldId id="265" r:id="rId15"/>
-    <p:sldId id="266" r:id="rId16"/>
-    <p:sldId id="267" r:id="rId17"/>
-    <p:sldId id="268" r:id="rId18"/>
-    <p:sldId id="269" r:id="rId19"/>
-    <p:sldId id="270" r:id="rId20"/>
-    <p:sldId id="271" r:id="rId21"/>
-    <p:sldId id="272" r:id="rId22"/>
-    <p:sldId id="273" r:id="rId23"/>
-    <p:sldId id="274" r:id="rId24"/>
-    <p:sldId id="275" r:id="rId25"/>
-    <p:sldId id="276" r:id="rId26"/>
-    <p:sldId id="277" r:id="rId27"/>
-    <p:sldId id="278" r:id="rId28"/>
-    <p:sldId id="279" r:id="rId29"/>
-    <p:sldId id="280" r:id="rId30"/>
-    <p:sldId id="281" r:id="rId31"/>
-    <p:sldId id="282" r:id="rId32"/>
-    <p:sldId id="283" r:id="rId33"/>
-    <p:sldId id="284" r:id="rId34"/>
-    <p:sldId id="285" r:id="rId35"/>
-    <p:sldId id="286" r:id="rId36"/>
-    <p:sldId id="287" r:id="rId37"/>
-    <p:sldId id="288" r:id="rId38"/>
-    <p:sldId id="289" r:id="rId39"/>
-    <p:sldId id="290" r:id="rId40"/>
-    <p:sldId id="291" r:id="rId41"/>
-    <p:sldId id="292" r:id="rId42"/>
-    <p:sldId id="293" r:id="rId43"/>
+    <p:sldId id="256" r:id="rId7"/>
+    <p:sldId id="257" r:id="rId8"/>
+    <p:sldId id="258" r:id="rId9"/>
+    <p:sldId id="259" r:id="rId10"/>
+    <p:sldId id="260" r:id="rId11"/>
+    <p:sldId id="261" r:id="rId12"/>
+    <p:sldId id="262" r:id="rId13"/>
+    <p:sldId id="263" r:id="rId14"/>
+    <p:sldId id="264" r:id="rId15"/>
+    <p:sldId id="265" r:id="rId16"/>
+    <p:sldId id="266" r:id="rId17"/>
+    <p:sldId id="267" r:id="rId18"/>
+    <p:sldId id="268" r:id="rId19"/>
+    <p:sldId id="269" r:id="rId20"/>
+    <p:sldId id="270" r:id="rId21"/>
+    <p:sldId id="271" r:id="rId22"/>
+    <p:sldId id="272" r:id="rId23"/>
+    <p:sldId id="273" r:id="rId24"/>
+    <p:sldId id="274" r:id="rId25"/>
+    <p:sldId id="275" r:id="rId26"/>
+    <p:sldId id="276" r:id="rId27"/>
+    <p:sldId id="277" r:id="rId28"/>
+    <p:sldId id="278" r:id="rId29"/>
+    <p:sldId id="279" r:id="rId30"/>
+    <p:sldId id="280" r:id="rId31"/>
+    <p:sldId id="281" r:id="rId32"/>
+    <p:sldId id="282" r:id="rId33"/>
+    <p:sldId id="283" r:id="rId34"/>
+    <p:sldId id="284" r:id="rId35"/>
+    <p:sldId id="285" r:id="rId36"/>
+    <p:sldId id="286" r:id="rId37"/>
+    <p:sldId id="287" r:id="rId38"/>
+    <p:sldId id="288" r:id="rId39"/>
+    <p:sldId id="289" r:id="rId40"/>
+    <p:sldId id="290" r:id="rId41"/>
+    <p:sldId id="291" r:id="rId42"/>
+    <p:sldId id="292" r:id="rId43"/>
+    <p:sldId id="293" r:id="rId44"/>
+    <p:sldId id="294" r:id="rId45"/>
+    <p:sldId id="295" r:id="rId46"/>
+    <p:sldId id="296" r:id="rId47"/>
+    <p:sldId id="297" r:id="rId48"/>
+    <p:sldId id="298" r:id="rId49"/>
+    <p:sldId id="299" r:id="rId50"/>
+    <p:sldId id="300" r:id="rId51"/>
+    <p:sldId id="301" r:id="rId52"/>
+    <p:sldId id="302" r:id="rId53"/>
   </p:sldIdLst>
   <p:sldSz cy="5143500" cx="9144000"/>
   <p:notesSz cx="6858000" cy="9144000"/>
   <p:embeddedFontLst>
     <p:embeddedFont>
       <p:font typeface="Raleway"/>
-      <p:regular r:id="rId44"/>
-      <p:bold r:id="rId45"/>
-      <p:italic r:id="rId46"/>
-      <p:boldItalic r:id="rId47"/>
+      <p:regular r:id="rId54"/>
+      <p:bold r:id="rId55"/>
+      <p:italic r:id="rId56"/>
+      <p:boldItalic r:id="rId57"/>
     </p:embeddedFont>
     <p:embeddedFont>
       <p:font typeface="Roboto"/>
-      <p:regular r:id="rId48"/>
-      <p:bold r:id="rId49"/>
-      <p:italic r:id="rId50"/>
-      <p:boldItalic r:id="rId51"/>
+      <p:regular r:id="rId58"/>
+      <p:bold r:id="rId59"/>
+      <p:italic r:id="rId60"/>
+      <p:boldItalic r:id="rId61"/>
     </p:embeddedFont>
     <p:embeddedFont>
       <p:font typeface="Lato"/>
-      <p:regular r:id="rId52"/>
-      <p:bold r:id="rId53"/>
-      <p:italic r:id="rId54"/>
-      <p:boldItalic r:id="rId55"/>
+      <p:regular r:id="rId62"/>
+      <p:bold r:id="rId63"/>
+      <p:italic r:id="rId64"/>
+      <p:boldItalic r:id="rId65"/>
     </p:embeddedFont>
     <p:embeddedFont>
       <p:font typeface="Tahoma"/>
-      <p:regular r:id="rId56"/>
-      <p:bold r:id="rId57"/>
+      <p:regular r:id="rId66"/>
+      <p:bold r:id="rId67"/>
     </p:embeddedFont>
   </p:embeddedFontLst>
   <p:defaultTextStyle>
@@ -3919,6 +3928,105 @@
 </p:notes>
 </file>
 
+<file path=ppt/notesSlides/notesSlide39.xml><?xml version="1.0" encoding="utf-8"?>
+<p:notes xmlns:a="http://schemas.openxmlformats.org/drawingml/2006/main" xmlns:r="http://schemas.openxmlformats.org/officeDocument/2006/relationships" xmlns:mc="http://schemas.openxmlformats.org/markup-compatibility/2006" xmlns:mv="urn:schemas-microsoft-com:mac:vml" xmlns:p="http://schemas.openxmlformats.org/presentationml/2006/main" xmlns:c="http://schemas.openxmlformats.org/drawingml/2006/chart" xmlns:dgm="http://schemas.openxmlformats.org/drawingml/2006/diagram" xmlns:o="urn:schemas-microsoft-com:office:office" xmlns:v="urn:schemas-microsoft-com:vml" xmlns:pvml="urn:schemas-microsoft-com:office:powerpoint" xmlns:com="http://schemas.openxmlformats.org/drawingml/2006/compatibility" xmlns:p14="http://schemas.microsoft.com/office/powerpoint/2010/main" xmlns:p15="http://schemas.microsoft.com/office/powerpoint/2012/main" xmlns:ahyp="http://schemas.microsoft.com/office/drawing/2018/hyperlinkcolor" showMasterPhAnim="0" showMasterSp="0">
+  <p:cSld>
+    <p:spTree>
+      <p:nvGrpSpPr>
+        <p:cNvPr id="324" name="Shape 324"/>
+        <p:cNvGrpSpPr/>
+        <p:nvPr/>
+      </p:nvGrpSpPr>
+      <p:grpSpPr>
+        <a:xfrm>
+          <a:off x="0" y="0"/>
+          <a:ext cx="0" cy="0"/>
+          <a:chOff x="0" y="0"/>
+          <a:chExt cx="0" cy="0"/>
+        </a:xfrm>
+      </p:grpSpPr>
+      <p:sp>
+        <p:nvSpPr>
+          <p:cNvPr id="325" name="Google Shape;325;g37e31890b22_0_0:notes"/>
+          <p:cNvSpPr/>
+          <p:nvPr>
+            <p:ph idx="2" type="sldImg"/>
+          </p:nvPr>
+        </p:nvSpPr>
+        <p:spPr>
+          <a:xfrm>
+            <a:off x="381300" y="685800"/>
+            <a:ext cx="6096000" cy="3429000"/>
+          </a:xfrm>
+          <a:custGeom>
+            <a:rect b="b" l="l" r="r" t="t"/>
+            <a:pathLst>
+              <a:path extrusionOk="0" h="120000" w="120000">
+                <a:moveTo>
+                  <a:pt x="0" y="0"/>
+                </a:moveTo>
+                <a:lnTo>
+                  <a:pt x="120000" y="0"/>
+                </a:lnTo>
+                <a:lnTo>
+                  <a:pt x="120000" y="120000"/>
+                </a:lnTo>
+                <a:lnTo>
+                  <a:pt x="0" y="120000"/>
+                </a:lnTo>
+                <a:close/>
+              </a:path>
+            </a:pathLst>
+          </a:custGeom>
+        </p:spPr>
+      </p:sp>
+      <p:sp>
+        <p:nvSpPr>
+          <p:cNvPr id="326" name="Google Shape;326;g37e31890b22_0_0:notes"/>
+          <p:cNvSpPr txBox="1"/>
+          <p:nvPr>
+            <p:ph idx="1" type="body"/>
+          </p:nvPr>
+        </p:nvSpPr>
+        <p:spPr>
+          <a:xfrm>
+            <a:off x="685800" y="4343400"/>
+            <a:ext cx="5486400" cy="4114800"/>
+          </a:xfrm>
+          <a:prstGeom prst="rect">
+            <a:avLst/>
+          </a:prstGeom>
+        </p:spPr>
+        <p:txBody>
+          <a:bodyPr anchorCtr="0" anchor="t" bIns="91425" lIns="91425" spcFirstLastPara="1" rIns="91425" wrap="square" tIns="91425">
+            <a:noAutofit/>
+          </a:bodyPr>
+          <a:lstStyle/>
+          <a:p>
+            <a:pPr indent="0" lvl="0" marL="0" rtl="0" algn="l">
+              <a:spcBef>
+                <a:spcPts val="0"/>
+              </a:spcBef>
+              <a:spcAft>
+                <a:spcPts val="0"/>
+              </a:spcAft>
+              <a:buNone/>
+            </a:pPr>
+            <a:r>
+              <a:t/>
+            </a:r>
+            <a:endParaRPr/>
+          </a:p>
+        </p:txBody>
+      </p:sp>
+    </p:spTree>
+  </p:cSld>
+  <p:clrMapOvr>
+    <a:masterClrMapping/>
+  </p:clrMapOvr>
+</p:notes>
+</file>
+
 <file path=ppt/notesSlides/notesSlide4.xml><?xml version="1.0" encoding="utf-8"?>
 <p:notes xmlns:a="http://schemas.openxmlformats.org/drawingml/2006/main" xmlns:r="http://schemas.openxmlformats.org/officeDocument/2006/relationships" xmlns:mc="http://schemas.openxmlformats.org/markup-compatibility/2006" xmlns:mv="urn:schemas-microsoft-com:mac:vml" xmlns:p="http://schemas.openxmlformats.org/presentationml/2006/main" xmlns:c="http://schemas.openxmlformats.org/drawingml/2006/chart" xmlns:dgm="http://schemas.openxmlformats.org/drawingml/2006/diagram" xmlns:o="urn:schemas-microsoft-com:office:office" xmlns:v="urn:schemas-microsoft-com:vml" xmlns:pvml="urn:schemas-microsoft-com:office:powerpoint" xmlns:com="http://schemas.openxmlformats.org/drawingml/2006/compatibility" xmlns:p14="http://schemas.microsoft.com/office/powerpoint/2010/main" xmlns:p15="http://schemas.microsoft.com/office/powerpoint/2012/main" xmlns:ahyp="http://schemas.microsoft.com/office/drawing/2018/hyperlinkcolor" showMasterPhAnim="0" showMasterSp="0">
   <p:cSld>
@@ -3974,6 +4082,798 @@
       <p:sp>
         <p:nvSpPr>
           <p:cNvPr id="102" name="Google Shape;102;g37a7fb0f999_0_187:notes"/>
+          <p:cNvSpPr txBox="1"/>
+          <p:nvPr>
+            <p:ph idx="1" type="body"/>
+          </p:nvPr>
+        </p:nvSpPr>
+        <p:spPr>
+          <a:xfrm>
+            <a:off x="685800" y="4343400"/>
+            <a:ext cx="5486400" cy="4114800"/>
+          </a:xfrm>
+          <a:prstGeom prst="rect">
+            <a:avLst/>
+          </a:prstGeom>
+        </p:spPr>
+        <p:txBody>
+          <a:bodyPr anchorCtr="0" anchor="t" bIns="91425" lIns="91425" spcFirstLastPara="1" rIns="91425" wrap="square" tIns="91425">
+            <a:noAutofit/>
+          </a:bodyPr>
+          <a:lstStyle/>
+          <a:p>
+            <a:pPr indent="0" lvl="0" marL="0" rtl="0" algn="l">
+              <a:spcBef>
+                <a:spcPts val="0"/>
+              </a:spcBef>
+              <a:spcAft>
+                <a:spcPts val="0"/>
+              </a:spcAft>
+              <a:buNone/>
+            </a:pPr>
+            <a:r>
+              <a:t/>
+            </a:r>
+            <a:endParaRPr/>
+          </a:p>
+        </p:txBody>
+      </p:sp>
+    </p:spTree>
+  </p:cSld>
+  <p:clrMapOvr>
+    <a:masterClrMapping/>
+  </p:clrMapOvr>
+</p:notes>
+</file>
+
+<file path=ppt/notesSlides/notesSlide40.xml><?xml version="1.0" encoding="utf-8"?>
+<p:notes xmlns:a="http://schemas.openxmlformats.org/drawingml/2006/main" xmlns:r="http://schemas.openxmlformats.org/officeDocument/2006/relationships" xmlns:mc="http://schemas.openxmlformats.org/markup-compatibility/2006" xmlns:mv="urn:schemas-microsoft-com:mac:vml" xmlns:p="http://schemas.openxmlformats.org/presentationml/2006/main" xmlns:c="http://schemas.openxmlformats.org/drawingml/2006/chart" xmlns:dgm="http://schemas.openxmlformats.org/drawingml/2006/diagram" xmlns:o="urn:schemas-microsoft-com:office:office" xmlns:v="urn:schemas-microsoft-com:vml" xmlns:pvml="urn:schemas-microsoft-com:office:powerpoint" xmlns:com="http://schemas.openxmlformats.org/drawingml/2006/compatibility" xmlns:p14="http://schemas.microsoft.com/office/powerpoint/2010/main" xmlns:p15="http://schemas.microsoft.com/office/powerpoint/2012/main" xmlns:ahyp="http://schemas.microsoft.com/office/drawing/2018/hyperlinkcolor" showMasterPhAnim="0" showMasterSp="0">
+  <p:cSld>
+    <p:spTree>
+      <p:nvGrpSpPr>
+        <p:cNvPr id="330" name="Shape 330"/>
+        <p:cNvGrpSpPr/>
+        <p:nvPr/>
+      </p:nvGrpSpPr>
+      <p:grpSpPr>
+        <a:xfrm>
+          <a:off x="0" y="0"/>
+          <a:ext cx="0" cy="0"/>
+          <a:chOff x="0" y="0"/>
+          <a:chExt cx="0" cy="0"/>
+        </a:xfrm>
+      </p:grpSpPr>
+      <p:sp>
+        <p:nvSpPr>
+          <p:cNvPr id="331" name="Google Shape;331;g37e31890b22_0_6:notes"/>
+          <p:cNvSpPr/>
+          <p:nvPr>
+            <p:ph idx="2" type="sldImg"/>
+          </p:nvPr>
+        </p:nvSpPr>
+        <p:spPr>
+          <a:xfrm>
+            <a:off x="381300" y="685800"/>
+            <a:ext cx="6096000" cy="3429000"/>
+          </a:xfrm>
+          <a:custGeom>
+            <a:rect b="b" l="l" r="r" t="t"/>
+            <a:pathLst>
+              <a:path extrusionOk="0" h="120000" w="120000">
+                <a:moveTo>
+                  <a:pt x="0" y="0"/>
+                </a:moveTo>
+                <a:lnTo>
+                  <a:pt x="120000" y="0"/>
+                </a:lnTo>
+                <a:lnTo>
+                  <a:pt x="120000" y="120000"/>
+                </a:lnTo>
+                <a:lnTo>
+                  <a:pt x="0" y="120000"/>
+                </a:lnTo>
+                <a:close/>
+              </a:path>
+            </a:pathLst>
+          </a:custGeom>
+        </p:spPr>
+      </p:sp>
+      <p:sp>
+        <p:nvSpPr>
+          <p:cNvPr id="332" name="Google Shape;332;g37e31890b22_0_6:notes"/>
+          <p:cNvSpPr txBox="1"/>
+          <p:nvPr>
+            <p:ph idx="1" type="body"/>
+          </p:nvPr>
+        </p:nvSpPr>
+        <p:spPr>
+          <a:xfrm>
+            <a:off x="685800" y="4343400"/>
+            <a:ext cx="5486400" cy="4114800"/>
+          </a:xfrm>
+          <a:prstGeom prst="rect">
+            <a:avLst/>
+          </a:prstGeom>
+        </p:spPr>
+        <p:txBody>
+          <a:bodyPr anchorCtr="0" anchor="t" bIns="91425" lIns="91425" spcFirstLastPara="1" rIns="91425" wrap="square" tIns="91425">
+            <a:noAutofit/>
+          </a:bodyPr>
+          <a:lstStyle/>
+          <a:p>
+            <a:pPr indent="0" lvl="0" marL="0" rtl="0" algn="l">
+              <a:spcBef>
+                <a:spcPts val="0"/>
+              </a:spcBef>
+              <a:spcAft>
+                <a:spcPts val="0"/>
+              </a:spcAft>
+              <a:buNone/>
+            </a:pPr>
+            <a:r>
+              <a:t/>
+            </a:r>
+            <a:endParaRPr/>
+          </a:p>
+        </p:txBody>
+      </p:sp>
+    </p:spTree>
+  </p:cSld>
+  <p:clrMapOvr>
+    <a:masterClrMapping/>
+  </p:clrMapOvr>
+</p:notes>
+</file>
+
+<file path=ppt/notesSlides/notesSlide41.xml><?xml version="1.0" encoding="utf-8"?>
+<p:notes xmlns:a="http://schemas.openxmlformats.org/drawingml/2006/main" xmlns:r="http://schemas.openxmlformats.org/officeDocument/2006/relationships" xmlns:mc="http://schemas.openxmlformats.org/markup-compatibility/2006" xmlns:mv="urn:schemas-microsoft-com:mac:vml" xmlns:p="http://schemas.openxmlformats.org/presentationml/2006/main" xmlns:c="http://schemas.openxmlformats.org/drawingml/2006/chart" xmlns:dgm="http://schemas.openxmlformats.org/drawingml/2006/diagram" xmlns:o="urn:schemas-microsoft-com:office:office" xmlns:v="urn:schemas-microsoft-com:vml" xmlns:pvml="urn:schemas-microsoft-com:office:powerpoint" xmlns:com="http://schemas.openxmlformats.org/drawingml/2006/compatibility" xmlns:p14="http://schemas.microsoft.com/office/powerpoint/2010/main" xmlns:p15="http://schemas.microsoft.com/office/powerpoint/2012/main" xmlns:ahyp="http://schemas.microsoft.com/office/drawing/2018/hyperlinkcolor" showMasterPhAnim="0" showMasterSp="0">
+  <p:cSld>
+    <p:spTree>
+      <p:nvGrpSpPr>
+        <p:cNvPr id="336" name="Shape 336"/>
+        <p:cNvGrpSpPr/>
+        <p:nvPr/>
+      </p:nvGrpSpPr>
+      <p:grpSpPr>
+        <a:xfrm>
+          <a:off x="0" y="0"/>
+          <a:ext cx="0" cy="0"/>
+          <a:chOff x="0" y="0"/>
+          <a:chExt cx="0" cy="0"/>
+        </a:xfrm>
+      </p:grpSpPr>
+      <p:sp>
+        <p:nvSpPr>
+          <p:cNvPr id="337" name="Google Shape;337;g37e31890b22_0_13:notes"/>
+          <p:cNvSpPr/>
+          <p:nvPr>
+            <p:ph idx="2" type="sldImg"/>
+          </p:nvPr>
+        </p:nvSpPr>
+        <p:spPr>
+          <a:xfrm>
+            <a:off x="381300" y="685800"/>
+            <a:ext cx="6096000" cy="3429000"/>
+          </a:xfrm>
+          <a:custGeom>
+            <a:rect b="b" l="l" r="r" t="t"/>
+            <a:pathLst>
+              <a:path extrusionOk="0" h="120000" w="120000">
+                <a:moveTo>
+                  <a:pt x="0" y="0"/>
+                </a:moveTo>
+                <a:lnTo>
+                  <a:pt x="120000" y="0"/>
+                </a:lnTo>
+                <a:lnTo>
+                  <a:pt x="120000" y="120000"/>
+                </a:lnTo>
+                <a:lnTo>
+                  <a:pt x="0" y="120000"/>
+                </a:lnTo>
+                <a:close/>
+              </a:path>
+            </a:pathLst>
+          </a:custGeom>
+        </p:spPr>
+      </p:sp>
+      <p:sp>
+        <p:nvSpPr>
+          <p:cNvPr id="338" name="Google Shape;338;g37e31890b22_0_13:notes"/>
+          <p:cNvSpPr txBox="1"/>
+          <p:nvPr>
+            <p:ph idx="1" type="body"/>
+          </p:nvPr>
+        </p:nvSpPr>
+        <p:spPr>
+          <a:xfrm>
+            <a:off x="685800" y="4343400"/>
+            <a:ext cx="5486400" cy="4114800"/>
+          </a:xfrm>
+          <a:prstGeom prst="rect">
+            <a:avLst/>
+          </a:prstGeom>
+        </p:spPr>
+        <p:txBody>
+          <a:bodyPr anchorCtr="0" anchor="t" bIns="91425" lIns="91425" spcFirstLastPara="1" rIns="91425" wrap="square" tIns="91425">
+            <a:noAutofit/>
+          </a:bodyPr>
+          <a:lstStyle/>
+          <a:p>
+            <a:pPr indent="0" lvl="0" marL="0" rtl="0" algn="l">
+              <a:spcBef>
+                <a:spcPts val="0"/>
+              </a:spcBef>
+              <a:spcAft>
+                <a:spcPts val="0"/>
+              </a:spcAft>
+              <a:buNone/>
+            </a:pPr>
+            <a:r>
+              <a:t/>
+            </a:r>
+            <a:endParaRPr/>
+          </a:p>
+        </p:txBody>
+      </p:sp>
+    </p:spTree>
+  </p:cSld>
+  <p:clrMapOvr>
+    <a:masterClrMapping/>
+  </p:clrMapOvr>
+</p:notes>
+</file>
+
+<file path=ppt/notesSlides/notesSlide42.xml><?xml version="1.0" encoding="utf-8"?>
+<p:notes xmlns:a="http://schemas.openxmlformats.org/drawingml/2006/main" xmlns:r="http://schemas.openxmlformats.org/officeDocument/2006/relationships" xmlns:mc="http://schemas.openxmlformats.org/markup-compatibility/2006" xmlns:mv="urn:schemas-microsoft-com:mac:vml" xmlns:p="http://schemas.openxmlformats.org/presentationml/2006/main" xmlns:c="http://schemas.openxmlformats.org/drawingml/2006/chart" xmlns:dgm="http://schemas.openxmlformats.org/drawingml/2006/diagram" xmlns:o="urn:schemas-microsoft-com:office:office" xmlns:v="urn:schemas-microsoft-com:vml" xmlns:pvml="urn:schemas-microsoft-com:office:powerpoint" xmlns:com="http://schemas.openxmlformats.org/drawingml/2006/compatibility" xmlns:p14="http://schemas.microsoft.com/office/powerpoint/2010/main" xmlns:p15="http://schemas.microsoft.com/office/powerpoint/2012/main" xmlns:ahyp="http://schemas.microsoft.com/office/drawing/2018/hyperlinkcolor" showMasterPhAnim="0" showMasterSp="0">
+  <p:cSld>
+    <p:spTree>
+      <p:nvGrpSpPr>
+        <p:cNvPr id="342" name="Shape 342"/>
+        <p:cNvGrpSpPr/>
+        <p:nvPr/>
+      </p:nvGrpSpPr>
+      <p:grpSpPr>
+        <a:xfrm>
+          <a:off x="0" y="0"/>
+          <a:ext cx="0" cy="0"/>
+          <a:chOff x="0" y="0"/>
+          <a:chExt cx="0" cy="0"/>
+        </a:xfrm>
+      </p:grpSpPr>
+      <p:sp>
+        <p:nvSpPr>
+          <p:cNvPr id="343" name="Google Shape;343;g37e31890b22_0_20:notes"/>
+          <p:cNvSpPr/>
+          <p:nvPr>
+            <p:ph idx="2" type="sldImg"/>
+          </p:nvPr>
+        </p:nvSpPr>
+        <p:spPr>
+          <a:xfrm>
+            <a:off x="381300" y="685800"/>
+            <a:ext cx="6096000" cy="3429000"/>
+          </a:xfrm>
+          <a:custGeom>
+            <a:rect b="b" l="l" r="r" t="t"/>
+            <a:pathLst>
+              <a:path extrusionOk="0" h="120000" w="120000">
+                <a:moveTo>
+                  <a:pt x="0" y="0"/>
+                </a:moveTo>
+                <a:lnTo>
+                  <a:pt x="120000" y="0"/>
+                </a:lnTo>
+                <a:lnTo>
+                  <a:pt x="120000" y="120000"/>
+                </a:lnTo>
+                <a:lnTo>
+                  <a:pt x="0" y="120000"/>
+                </a:lnTo>
+                <a:close/>
+              </a:path>
+            </a:pathLst>
+          </a:custGeom>
+        </p:spPr>
+      </p:sp>
+      <p:sp>
+        <p:nvSpPr>
+          <p:cNvPr id="344" name="Google Shape;344;g37e31890b22_0_20:notes"/>
+          <p:cNvSpPr txBox="1"/>
+          <p:nvPr>
+            <p:ph idx="1" type="body"/>
+          </p:nvPr>
+        </p:nvSpPr>
+        <p:spPr>
+          <a:xfrm>
+            <a:off x="685800" y="4343400"/>
+            <a:ext cx="5486400" cy="4114800"/>
+          </a:xfrm>
+          <a:prstGeom prst="rect">
+            <a:avLst/>
+          </a:prstGeom>
+        </p:spPr>
+        <p:txBody>
+          <a:bodyPr anchorCtr="0" anchor="t" bIns="91425" lIns="91425" spcFirstLastPara="1" rIns="91425" wrap="square" tIns="91425">
+            <a:noAutofit/>
+          </a:bodyPr>
+          <a:lstStyle/>
+          <a:p>
+            <a:pPr indent="0" lvl="0" marL="0" rtl="0" algn="l">
+              <a:spcBef>
+                <a:spcPts val="0"/>
+              </a:spcBef>
+              <a:spcAft>
+                <a:spcPts val="0"/>
+              </a:spcAft>
+              <a:buNone/>
+            </a:pPr>
+            <a:r>
+              <a:t/>
+            </a:r>
+            <a:endParaRPr/>
+          </a:p>
+        </p:txBody>
+      </p:sp>
+    </p:spTree>
+  </p:cSld>
+  <p:clrMapOvr>
+    <a:masterClrMapping/>
+  </p:clrMapOvr>
+</p:notes>
+</file>
+
+<file path=ppt/notesSlides/notesSlide43.xml><?xml version="1.0" encoding="utf-8"?>
+<p:notes xmlns:a="http://schemas.openxmlformats.org/drawingml/2006/main" xmlns:r="http://schemas.openxmlformats.org/officeDocument/2006/relationships" xmlns:mc="http://schemas.openxmlformats.org/markup-compatibility/2006" xmlns:mv="urn:schemas-microsoft-com:mac:vml" xmlns:p="http://schemas.openxmlformats.org/presentationml/2006/main" xmlns:c="http://schemas.openxmlformats.org/drawingml/2006/chart" xmlns:dgm="http://schemas.openxmlformats.org/drawingml/2006/diagram" xmlns:o="urn:schemas-microsoft-com:office:office" xmlns:v="urn:schemas-microsoft-com:vml" xmlns:pvml="urn:schemas-microsoft-com:office:powerpoint" xmlns:com="http://schemas.openxmlformats.org/drawingml/2006/compatibility" xmlns:p14="http://schemas.microsoft.com/office/powerpoint/2010/main" xmlns:p15="http://schemas.microsoft.com/office/powerpoint/2012/main" xmlns:ahyp="http://schemas.microsoft.com/office/drawing/2018/hyperlinkcolor" showMasterPhAnim="0" showMasterSp="0">
+  <p:cSld>
+    <p:spTree>
+      <p:nvGrpSpPr>
+        <p:cNvPr id="348" name="Shape 348"/>
+        <p:cNvGrpSpPr/>
+        <p:nvPr/>
+      </p:nvGrpSpPr>
+      <p:grpSpPr>
+        <a:xfrm>
+          <a:off x="0" y="0"/>
+          <a:ext cx="0" cy="0"/>
+          <a:chOff x="0" y="0"/>
+          <a:chExt cx="0" cy="0"/>
+        </a:xfrm>
+      </p:grpSpPr>
+      <p:sp>
+        <p:nvSpPr>
+          <p:cNvPr id="349" name="Google Shape;349;g37e31890b22_0_26:notes"/>
+          <p:cNvSpPr/>
+          <p:nvPr>
+            <p:ph idx="2" type="sldImg"/>
+          </p:nvPr>
+        </p:nvSpPr>
+        <p:spPr>
+          <a:xfrm>
+            <a:off x="381300" y="685800"/>
+            <a:ext cx="6096000" cy="3429000"/>
+          </a:xfrm>
+          <a:custGeom>
+            <a:rect b="b" l="l" r="r" t="t"/>
+            <a:pathLst>
+              <a:path extrusionOk="0" h="120000" w="120000">
+                <a:moveTo>
+                  <a:pt x="0" y="0"/>
+                </a:moveTo>
+                <a:lnTo>
+                  <a:pt x="120000" y="0"/>
+                </a:lnTo>
+                <a:lnTo>
+                  <a:pt x="120000" y="120000"/>
+                </a:lnTo>
+                <a:lnTo>
+                  <a:pt x="0" y="120000"/>
+                </a:lnTo>
+                <a:close/>
+              </a:path>
+            </a:pathLst>
+          </a:custGeom>
+        </p:spPr>
+      </p:sp>
+      <p:sp>
+        <p:nvSpPr>
+          <p:cNvPr id="350" name="Google Shape;350;g37e31890b22_0_26:notes"/>
+          <p:cNvSpPr txBox="1"/>
+          <p:nvPr>
+            <p:ph idx="1" type="body"/>
+          </p:nvPr>
+        </p:nvSpPr>
+        <p:spPr>
+          <a:xfrm>
+            <a:off x="685800" y="4343400"/>
+            <a:ext cx="5486400" cy="4114800"/>
+          </a:xfrm>
+          <a:prstGeom prst="rect">
+            <a:avLst/>
+          </a:prstGeom>
+        </p:spPr>
+        <p:txBody>
+          <a:bodyPr anchorCtr="0" anchor="t" bIns="91425" lIns="91425" spcFirstLastPara="1" rIns="91425" wrap="square" tIns="91425">
+            <a:noAutofit/>
+          </a:bodyPr>
+          <a:lstStyle/>
+          <a:p>
+            <a:pPr indent="0" lvl="0" marL="0" rtl="0" algn="l">
+              <a:spcBef>
+                <a:spcPts val="0"/>
+              </a:spcBef>
+              <a:spcAft>
+                <a:spcPts val="0"/>
+              </a:spcAft>
+              <a:buNone/>
+            </a:pPr>
+            <a:r>
+              <a:t/>
+            </a:r>
+            <a:endParaRPr/>
+          </a:p>
+        </p:txBody>
+      </p:sp>
+    </p:spTree>
+  </p:cSld>
+  <p:clrMapOvr>
+    <a:masterClrMapping/>
+  </p:clrMapOvr>
+</p:notes>
+</file>
+
+<file path=ppt/notesSlides/notesSlide44.xml><?xml version="1.0" encoding="utf-8"?>
+<p:notes xmlns:a="http://schemas.openxmlformats.org/drawingml/2006/main" xmlns:r="http://schemas.openxmlformats.org/officeDocument/2006/relationships" xmlns:mc="http://schemas.openxmlformats.org/markup-compatibility/2006" xmlns:mv="urn:schemas-microsoft-com:mac:vml" xmlns:p="http://schemas.openxmlformats.org/presentationml/2006/main" xmlns:c="http://schemas.openxmlformats.org/drawingml/2006/chart" xmlns:dgm="http://schemas.openxmlformats.org/drawingml/2006/diagram" xmlns:o="urn:schemas-microsoft-com:office:office" xmlns:v="urn:schemas-microsoft-com:vml" xmlns:pvml="urn:schemas-microsoft-com:office:powerpoint" xmlns:com="http://schemas.openxmlformats.org/drawingml/2006/compatibility" xmlns:p14="http://schemas.microsoft.com/office/powerpoint/2010/main" xmlns:p15="http://schemas.microsoft.com/office/powerpoint/2012/main" xmlns:ahyp="http://schemas.microsoft.com/office/drawing/2018/hyperlinkcolor" showMasterPhAnim="0" showMasterSp="0">
+  <p:cSld>
+    <p:spTree>
+      <p:nvGrpSpPr>
+        <p:cNvPr id="354" name="Shape 354"/>
+        <p:cNvGrpSpPr/>
+        <p:nvPr/>
+      </p:nvGrpSpPr>
+      <p:grpSpPr>
+        <a:xfrm>
+          <a:off x="0" y="0"/>
+          <a:ext cx="0" cy="0"/>
+          <a:chOff x="0" y="0"/>
+          <a:chExt cx="0" cy="0"/>
+        </a:xfrm>
+      </p:grpSpPr>
+      <p:sp>
+        <p:nvSpPr>
+          <p:cNvPr id="355" name="Google Shape;355;g37e31890b22_0_74:notes"/>
+          <p:cNvSpPr/>
+          <p:nvPr>
+            <p:ph idx="2" type="sldImg"/>
+          </p:nvPr>
+        </p:nvSpPr>
+        <p:spPr>
+          <a:xfrm>
+            <a:off x="381300" y="685800"/>
+            <a:ext cx="6096000" cy="3429000"/>
+          </a:xfrm>
+          <a:custGeom>
+            <a:rect b="b" l="l" r="r" t="t"/>
+            <a:pathLst>
+              <a:path extrusionOk="0" h="120000" w="120000">
+                <a:moveTo>
+                  <a:pt x="0" y="0"/>
+                </a:moveTo>
+                <a:lnTo>
+                  <a:pt x="120000" y="0"/>
+                </a:lnTo>
+                <a:lnTo>
+                  <a:pt x="120000" y="120000"/>
+                </a:lnTo>
+                <a:lnTo>
+                  <a:pt x="0" y="120000"/>
+                </a:lnTo>
+                <a:close/>
+              </a:path>
+            </a:pathLst>
+          </a:custGeom>
+        </p:spPr>
+      </p:sp>
+      <p:sp>
+        <p:nvSpPr>
+          <p:cNvPr id="356" name="Google Shape;356;g37e31890b22_0_74:notes"/>
+          <p:cNvSpPr txBox="1"/>
+          <p:nvPr>
+            <p:ph idx="1" type="body"/>
+          </p:nvPr>
+        </p:nvSpPr>
+        <p:spPr>
+          <a:xfrm>
+            <a:off x="685800" y="4343400"/>
+            <a:ext cx="5486400" cy="4114800"/>
+          </a:xfrm>
+          <a:prstGeom prst="rect">
+            <a:avLst/>
+          </a:prstGeom>
+        </p:spPr>
+        <p:txBody>
+          <a:bodyPr anchorCtr="0" anchor="t" bIns="91425" lIns="91425" spcFirstLastPara="1" rIns="91425" wrap="square" tIns="91425">
+            <a:noAutofit/>
+          </a:bodyPr>
+          <a:lstStyle/>
+          <a:p>
+            <a:pPr indent="0" lvl="0" marL="0" rtl="0" algn="l">
+              <a:spcBef>
+                <a:spcPts val="0"/>
+              </a:spcBef>
+              <a:spcAft>
+                <a:spcPts val="0"/>
+              </a:spcAft>
+              <a:buNone/>
+            </a:pPr>
+            <a:r>
+              <a:t/>
+            </a:r>
+            <a:endParaRPr/>
+          </a:p>
+        </p:txBody>
+      </p:sp>
+    </p:spTree>
+  </p:cSld>
+  <p:clrMapOvr>
+    <a:masterClrMapping/>
+  </p:clrMapOvr>
+</p:notes>
+</file>
+
+<file path=ppt/notesSlides/notesSlide45.xml><?xml version="1.0" encoding="utf-8"?>
+<p:notes xmlns:a="http://schemas.openxmlformats.org/drawingml/2006/main" xmlns:r="http://schemas.openxmlformats.org/officeDocument/2006/relationships" xmlns:mc="http://schemas.openxmlformats.org/markup-compatibility/2006" xmlns:mv="urn:schemas-microsoft-com:mac:vml" xmlns:p="http://schemas.openxmlformats.org/presentationml/2006/main" xmlns:c="http://schemas.openxmlformats.org/drawingml/2006/chart" xmlns:dgm="http://schemas.openxmlformats.org/drawingml/2006/diagram" xmlns:o="urn:schemas-microsoft-com:office:office" xmlns:v="urn:schemas-microsoft-com:vml" xmlns:pvml="urn:schemas-microsoft-com:office:powerpoint" xmlns:com="http://schemas.openxmlformats.org/drawingml/2006/compatibility" xmlns:p14="http://schemas.microsoft.com/office/powerpoint/2010/main" xmlns:p15="http://schemas.microsoft.com/office/powerpoint/2012/main" xmlns:ahyp="http://schemas.microsoft.com/office/drawing/2018/hyperlinkcolor" showMasterPhAnim="0" showMasterSp="0">
+  <p:cSld>
+    <p:spTree>
+      <p:nvGrpSpPr>
+        <p:cNvPr id="360" name="Shape 360"/>
+        <p:cNvGrpSpPr/>
+        <p:nvPr/>
+      </p:nvGrpSpPr>
+      <p:grpSpPr>
+        <a:xfrm>
+          <a:off x="0" y="0"/>
+          <a:ext cx="0" cy="0"/>
+          <a:chOff x="0" y="0"/>
+          <a:chExt cx="0" cy="0"/>
+        </a:xfrm>
+      </p:grpSpPr>
+      <p:sp>
+        <p:nvSpPr>
+          <p:cNvPr id="361" name="Google Shape;361;g37e31890b22_0_41:notes"/>
+          <p:cNvSpPr/>
+          <p:nvPr>
+            <p:ph idx="2" type="sldImg"/>
+          </p:nvPr>
+        </p:nvSpPr>
+        <p:spPr>
+          <a:xfrm>
+            <a:off x="381300" y="685800"/>
+            <a:ext cx="6096000" cy="3429000"/>
+          </a:xfrm>
+          <a:custGeom>
+            <a:rect b="b" l="l" r="r" t="t"/>
+            <a:pathLst>
+              <a:path extrusionOk="0" h="120000" w="120000">
+                <a:moveTo>
+                  <a:pt x="0" y="0"/>
+                </a:moveTo>
+                <a:lnTo>
+                  <a:pt x="120000" y="0"/>
+                </a:lnTo>
+                <a:lnTo>
+                  <a:pt x="120000" y="120000"/>
+                </a:lnTo>
+                <a:lnTo>
+                  <a:pt x="0" y="120000"/>
+                </a:lnTo>
+                <a:close/>
+              </a:path>
+            </a:pathLst>
+          </a:custGeom>
+        </p:spPr>
+      </p:sp>
+      <p:sp>
+        <p:nvSpPr>
+          <p:cNvPr id="362" name="Google Shape;362;g37e31890b22_0_41:notes"/>
+          <p:cNvSpPr txBox="1"/>
+          <p:nvPr>
+            <p:ph idx="1" type="body"/>
+          </p:nvPr>
+        </p:nvSpPr>
+        <p:spPr>
+          <a:xfrm>
+            <a:off x="685800" y="4343400"/>
+            <a:ext cx="5486400" cy="4114800"/>
+          </a:xfrm>
+          <a:prstGeom prst="rect">
+            <a:avLst/>
+          </a:prstGeom>
+        </p:spPr>
+        <p:txBody>
+          <a:bodyPr anchorCtr="0" anchor="t" bIns="91425" lIns="91425" spcFirstLastPara="1" rIns="91425" wrap="square" tIns="91425">
+            <a:noAutofit/>
+          </a:bodyPr>
+          <a:lstStyle/>
+          <a:p>
+            <a:pPr indent="0" lvl="0" marL="0" rtl="0" algn="l">
+              <a:spcBef>
+                <a:spcPts val="0"/>
+              </a:spcBef>
+              <a:spcAft>
+                <a:spcPts val="0"/>
+              </a:spcAft>
+              <a:buNone/>
+            </a:pPr>
+            <a:r>
+              <a:t/>
+            </a:r>
+            <a:endParaRPr/>
+          </a:p>
+        </p:txBody>
+      </p:sp>
+    </p:spTree>
+  </p:cSld>
+  <p:clrMapOvr>
+    <a:masterClrMapping/>
+  </p:clrMapOvr>
+</p:notes>
+</file>
+
+<file path=ppt/notesSlides/notesSlide46.xml><?xml version="1.0" encoding="utf-8"?>
+<p:notes xmlns:a="http://schemas.openxmlformats.org/drawingml/2006/main" xmlns:r="http://schemas.openxmlformats.org/officeDocument/2006/relationships" xmlns:mc="http://schemas.openxmlformats.org/markup-compatibility/2006" xmlns:mv="urn:schemas-microsoft-com:mac:vml" xmlns:p="http://schemas.openxmlformats.org/presentationml/2006/main" xmlns:c="http://schemas.openxmlformats.org/drawingml/2006/chart" xmlns:dgm="http://schemas.openxmlformats.org/drawingml/2006/diagram" xmlns:o="urn:schemas-microsoft-com:office:office" xmlns:v="urn:schemas-microsoft-com:vml" xmlns:pvml="urn:schemas-microsoft-com:office:powerpoint" xmlns:com="http://schemas.openxmlformats.org/drawingml/2006/compatibility" xmlns:p14="http://schemas.microsoft.com/office/powerpoint/2010/main" xmlns:p15="http://schemas.microsoft.com/office/powerpoint/2012/main" xmlns:ahyp="http://schemas.microsoft.com/office/drawing/2018/hyperlinkcolor" showMasterPhAnim="0" showMasterSp="0">
+  <p:cSld>
+    <p:spTree>
+      <p:nvGrpSpPr>
+        <p:cNvPr id="366" name="Shape 366"/>
+        <p:cNvGrpSpPr/>
+        <p:nvPr/>
+      </p:nvGrpSpPr>
+      <p:grpSpPr>
+        <a:xfrm>
+          <a:off x="0" y="0"/>
+          <a:ext cx="0" cy="0"/>
+          <a:chOff x="0" y="0"/>
+          <a:chExt cx="0" cy="0"/>
+        </a:xfrm>
+      </p:grpSpPr>
+      <p:sp>
+        <p:nvSpPr>
+          <p:cNvPr id="367" name="Google Shape;367;g37e31890b22_0_54:notes"/>
+          <p:cNvSpPr/>
+          <p:nvPr>
+            <p:ph idx="2" type="sldImg"/>
+          </p:nvPr>
+        </p:nvSpPr>
+        <p:spPr>
+          <a:xfrm>
+            <a:off x="381300" y="685800"/>
+            <a:ext cx="6096000" cy="3429000"/>
+          </a:xfrm>
+          <a:custGeom>
+            <a:rect b="b" l="l" r="r" t="t"/>
+            <a:pathLst>
+              <a:path extrusionOk="0" h="120000" w="120000">
+                <a:moveTo>
+                  <a:pt x="0" y="0"/>
+                </a:moveTo>
+                <a:lnTo>
+                  <a:pt x="120000" y="0"/>
+                </a:lnTo>
+                <a:lnTo>
+                  <a:pt x="120000" y="120000"/>
+                </a:lnTo>
+                <a:lnTo>
+                  <a:pt x="0" y="120000"/>
+                </a:lnTo>
+                <a:close/>
+              </a:path>
+            </a:pathLst>
+          </a:custGeom>
+        </p:spPr>
+      </p:sp>
+      <p:sp>
+        <p:nvSpPr>
+          <p:cNvPr id="368" name="Google Shape;368;g37e31890b22_0_54:notes"/>
+          <p:cNvSpPr txBox="1"/>
+          <p:nvPr>
+            <p:ph idx="1" type="body"/>
+          </p:nvPr>
+        </p:nvSpPr>
+        <p:spPr>
+          <a:xfrm>
+            <a:off x="685800" y="4343400"/>
+            <a:ext cx="5486400" cy="4114800"/>
+          </a:xfrm>
+          <a:prstGeom prst="rect">
+            <a:avLst/>
+          </a:prstGeom>
+        </p:spPr>
+        <p:txBody>
+          <a:bodyPr anchorCtr="0" anchor="t" bIns="91425" lIns="91425" spcFirstLastPara="1" rIns="91425" wrap="square" tIns="91425">
+            <a:noAutofit/>
+          </a:bodyPr>
+          <a:lstStyle/>
+          <a:p>
+            <a:pPr indent="0" lvl="0" marL="0" rtl="0" algn="l">
+              <a:spcBef>
+                <a:spcPts val="0"/>
+              </a:spcBef>
+              <a:spcAft>
+                <a:spcPts val="0"/>
+              </a:spcAft>
+              <a:buNone/>
+            </a:pPr>
+            <a:r>
+              <a:t/>
+            </a:r>
+            <a:endParaRPr/>
+          </a:p>
+        </p:txBody>
+      </p:sp>
+    </p:spTree>
+  </p:cSld>
+  <p:clrMapOvr>
+    <a:masterClrMapping/>
+  </p:clrMapOvr>
+</p:notes>
+</file>
+
+<file path=ppt/notesSlides/notesSlide47.xml><?xml version="1.0" encoding="utf-8"?>
+<p:notes xmlns:a="http://schemas.openxmlformats.org/drawingml/2006/main" xmlns:r="http://schemas.openxmlformats.org/officeDocument/2006/relationships" xmlns:mc="http://schemas.openxmlformats.org/markup-compatibility/2006" xmlns:mv="urn:schemas-microsoft-com:mac:vml" xmlns:p="http://schemas.openxmlformats.org/presentationml/2006/main" xmlns:c="http://schemas.openxmlformats.org/drawingml/2006/chart" xmlns:dgm="http://schemas.openxmlformats.org/drawingml/2006/diagram" xmlns:o="urn:schemas-microsoft-com:office:office" xmlns:v="urn:schemas-microsoft-com:vml" xmlns:pvml="urn:schemas-microsoft-com:office:powerpoint" xmlns:com="http://schemas.openxmlformats.org/drawingml/2006/compatibility" xmlns:p14="http://schemas.microsoft.com/office/powerpoint/2010/main" xmlns:p15="http://schemas.microsoft.com/office/powerpoint/2012/main" xmlns:ahyp="http://schemas.microsoft.com/office/drawing/2018/hyperlinkcolor" showMasterPhAnim="0" showMasterSp="0">
+  <p:cSld>
+    <p:spTree>
+      <p:nvGrpSpPr>
+        <p:cNvPr id="372" name="Shape 372"/>
+        <p:cNvGrpSpPr/>
+        <p:nvPr/>
+      </p:nvGrpSpPr>
+      <p:grpSpPr>
+        <a:xfrm>
+          <a:off x="0" y="0"/>
+          <a:ext cx="0" cy="0"/>
+          <a:chOff x="0" y="0"/>
+          <a:chExt cx="0" cy="0"/>
+        </a:xfrm>
+      </p:grpSpPr>
+      <p:sp>
+        <p:nvSpPr>
+          <p:cNvPr id="373" name="Google Shape;373;g37e31890b22_0_61:notes"/>
+          <p:cNvSpPr/>
+          <p:nvPr>
+            <p:ph idx="2" type="sldImg"/>
+          </p:nvPr>
+        </p:nvSpPr>
+        <p:spPr>
+          <a:xfrm>
+            <a:off x="381300" y="685800"/>
+            <a:ext cx="6096000" cy="3429000"/>
+          </a:xfrm>
+          <a:custGeom>
+            <a:rect b="b" l="l" r="r" t="t"/>
+            <a:pathLst>
+              <a:path extrusionOk="0" h="120000" w="120000">
+                <a:moveTo>
+                  <a:pt x="0" y="0"/>
+                </a:moveTo>
+                <a:lnTo>
+                  <a:pt x="120000" y="0"/>
+                </a:lnTo>
+                <a:lnTo>
+                  <a:pt x="120000" y="120000"/>
+                </a:lnTo>
+                <a:lnTo>
+                  <a:pt x="0" y="120000"/>
+                </a:lnTo>
+                <a:close/>
+              </a:path>
+            </a:pathLst>
+          </a:custGeom>
+        </p:spPr>
+      </p:sp>
+      <p:sp>
+        <p:nvSpPr>
+          <p:cNvPr id="374" name="Google Shape;374;g37e31890b22_0_61:notes"/>
           <p:cNvSpPr txBox="1"/>
           <p:nvPr>
             <p:ph idx="1" type="body"/>
@@ -20504,6 +21404,205 @@
 </p:sld>
 </file>
 
+<file path=ppt/slides/slide39.xml><?xml version="1.0" encoding="utf-8"?>
+<p:sld xmlns:a="http://schemas.openxmlformats.org/drawingml/2006/main" xmlns:r="http://schemas.openxmlformats.org/officeDocument/2006/relationships" xmlns:mc="http://schemas.openxmlformats.org/markup-compatibility/2006" xmlns:mv="urn:schemas-microsoft-com:mac:vml" xmlns:p="http://schemas.openxmlformats.org/presentationml/2006/main" xmlns:c="http://schemas.openxmlformats.org/drawingml/2006/chart" xmlns:dgm="http://schemas.openxmlformats.org/drawingml/2006/diagram" xmlns:o="urn:schemas-microsoft-com:office:office" xmlns:v="urn:schemas-microsoft-com:vml" xmlns:pvml="urn:schemas-microsoft-com:office:powerpoint" xmlns:com="http://schemas.openxmlformats.org/drawingml/2006/compatibility" xmlns:p14="http://schemas.microsoft.com/office/powerpoint/2010/main" xmlns:p15="http://schemas.microsoft.com/office/powerpoint/2012/main" xmlns:ahyp="http://schemas.microsoft.com/office/drawing/2018/hyperlinkcolor">
+  <p:cSld>
+    <p:spTree>
+      <p:nvGrpSpPr>
+        <p:cNvPr id="327" name="Shape 327"/>
+        <p:cNvGrpSpPr/>
+        <p:nvPr/>
+      </p:nvGrpSpPr>
+      <p:grpSpPr>
+        <a:xfrm>
+          <a:off x="0" y="0"/>
+          <a:ext cx="0" cy="0"/>
+          <a:chOff x="0" y="0"/>
+          <a:chExt cx="0" cy="0"/>
+        </a:xfrm>
+      </p:grpSpPr>
+      <p:sp>
+        <p:nvSpPr>
+          <p:cNvPr id="328" name="Google Shape;328;p51"/>
+          <p:cNvSpPr txBox="1"/>
+          <p:nvPr>
+            <p:ph type="title"/>
+          </p:nvPr>
+        </p:nvSpPr>
+        <p:spPr>
+          <a:xfrm>
+            <a:off x="729450" y="1318650"/>
+            <a:ext cx="7688700" cy="1571700"/>
+          </a:xfrm>
+          <a:prstGeom prst="rect">
+            <a:avLst/>
+          </a:prstGeom>
+        </p:spPr>
+        <p:txBody>
+          <a:bodyPr anchorCtr="0" anchor="t" bIns="91425" lIns="91425" spcFirstLastPara="1" rIns="91425" wrap="square" tIns="91425">
+            <a:normAutofit fontScale="90000"/>
+          </a:bodyPr>
+          <a:lstStyle/>
+          <a:p>
+            <a:pPr indent="0" lvl="0" marL="0" rtl="0" algn="l">
+              <a:lnSpc>
+                <a:spcPct val="115000"/>
+              </a:lnSpc>
+              <a:spcBef>
+                <a:spcPts val="1200"/>
+              </a:spcBef>
+              <a:spcAft>
+                <a:spcPts val="0"/>
+              </a:spcAft>
+              <a:buNone/>
+            </a:pPr>
+            <a:r>
+              <a:rPr lang="pl" sz="2316">
+                <a:solidFill>
+                  <a:srgbClr val="0B5394"/>
+                </a:solidFill>
+                <a:latin typeface="Tahoma"/>
+                <a:ea typeface="Tahoma"/>
+                <a:cs typeface="Tahoma"/>
+                <a:sym typeface="Tahoma"/>
+              </a:rPr>
+              <a:t>Dekodowanie Liczb: </a:t>
+            </a:r>
+            <a:endParaRPr sz="2316">
+              <a:solidFill>
+                <a:srgbClr val="0B5394"/>
+              </a:solidFill>
+              <a:latin typeface="Tahoma"/>
+              <a:ea typeface="Tahoma"/>
+              <a:cs typeface="Tahoma"/>
+              <a:sym typeface="Tahoma"/>
+            </a:endParaRPr>
+          </a:p>
+          <a:p>
+            <a:pPr indent="457200" lvl="0" marL="457200" rtl="0" algn="l">
+              <a:lnSpc>
+                <a:spcPct val="115000"/>
+              </a:lnSpc>
+              <a:spcBef>
+                <a:spcPts val="1200"/>
+              </a:spcBef>
+              <a:spcAft>
+                <a:spcPts val="0"/>
+              </a:spcAft>
+              <a:buNone/>
+            </a:pPr>
+            <a:r>
+              <a:rPr lang="pl" sz="2316">
+                <a:solidFill>
+                  <a:srgbClr val="0B5394"/>
+                </a:solidFill>
+                <a:latin typeface="Tahoma"/>
+                <a:ea typeface="Tahoma"/>
+                <a:cs typeface="Tahoma"/>
+                <a:sym typeface="Tahoma"/>
+              </a:rPr>
+              <a:t>Binarny, Ósemkowy, Szesnastkowy i Dziesiętny</a:t>
+            </a:r>
+            <a:endParaRPr sz="2316">
+              <a:solidFill>
+                <a:srgbClr val="0B5394"/>
+              </a:solidFill>
+              <a:latin typeface="Tahoma"/>
+              <a:ea typeface="Tahoma"/>
+              <a:cs typeface="Tahoma"/>
+              <a:sym typeface="Tahoma"/>
+            </a:endParaRPr>
+          </a:p>
+          <a:p>
+            <a:pPr indent="0" lvl="0" marL="0" rtl="0" algn="l">
+              <a:lnSpc>
+                <a:spcPct val="115000"/>
+              </a:lnSpc>
+              <a:spcBef>
+                <a:spcPts val="1200"/>
+              </a:spcBef>
+              <a:spcAft>
+                <a:spcPts val="0"/>
+              </a:spcAft>
+              <a:buNone/>
+            </a:pPr>
+            <a:r>
+              <a:t/>
+            </a:r>
+            <a:endParaRPr sz="1200">
+              <a:solidFill>
+                <a:srgbClr val="0B5394"/>
+              </a:solidFill>
+              <a:latin typeface="Tahoma"/>
+              <a:ea typeface="Tahoma"/>
+              <a:cs typeface="Tahoma"/>
+              <a:sym typeface="Tahoma"/>
+            </a:endParaRPr>
+          </a:p>
+          <a:p>
+            <a:pPr indent="0" lvl="0" marL="0" rtl="0" algn="l">
+              <a:spcBef>
+                <a:spcPts val="1200"/>
+              </a:spcBef>
+              <a:spcAft>
+                <a:spcPts val="0"/>
+              </a:spcAft>
+              <a:buNone/>
+            </a:pPr>
+            <a:r>
+              <a:t/>
+            </a:r>
+            <a:endParaRPr/>
+          </a:p>
+        </p:txBody>
+      </p:sp>
+      <p:sp>
+        <p:nvSpPr>
+          <p:cNvPr id="329" name="Google Shape;329;p51"/>
+          <p:cNvSpPr txBox="1"/>
+          <p:nvPr>
+            <p:ph idx="1" type="body"/>
+          </p:nvPr>
+        </p:nvSpPr>
+        <p:spPr>
+          <a:xfrm>
+            <a:off x="729450" y="2078875"/>
+            <a:ext cx="7688700" cy="2261100"/>
+          </a:xfrm>
+          <a:prstGeom prst="rect">
+            <a:avLst/>
+          </a:prstGeom>
+        </p:spPr>
+        <p:txBody>
+          <a:bodyPr anchorCtr="0" anchor="t" bIns="91425" lIns="91425" spcFirstLastPara="1" rIns="91425" wrap="square" tIns="91425">
+            <a:normAutofit/>
+          </a:bodyPr>
+          <a:lstStyle/>
+          <a:p>
+            <a:pPr indent="0" lvl="0" marL="0" rtl="0" algn="l">
+              <a:spcBef>
+                <a:spcPts val="0"/>
+              </a:spcBef>
+              <a:spcAft>
+                <a:spcPts val="1200"/>
+              </a:spcAft>
+              <a:buNone/>
+            </a:pPr>
+            <a:r>
+              <a:t/>
+            </a:r>
+            <a:endParaRPr/>
+          </a:p>
+        </p:txBody>
+      </p:sp>
+    </p:spTree>
+  </p:cSld>
+  <p:clrMapOvr>
+    <a:masterClrMapping/>
+  </p:clrMapOvr>
+</p:sld>
+</file>
+
 <file path=ppt/slides/slide4.xml><?xml version="1.0" encoding="utf-8"?>
 <p:sld xmlns:a="http://schemas.openxmlformats.org/drawingml/2006/main" xmlns:r="http://schemas.openxmlformats.org/officeDocument/2006/relationships" xmlns:mc="http://schemas.openxmlformats.org/markup-compatibility/2006" xmlns:mv="urn:schemas-microsoft-com:mac:vml" xmlns:p="http://schemas.openxmlformats.org/presentationml/2006/main" xmlns:c="http://schemas.openxmlformats.org/drawingml/2006/chart" xmlns:dgm="http://schemas.openxmlformats.org/drawingml/2006/diagram" xmlns:o="urn:schemas-microsoft-com:office:office" xmlns:v="urn:schemas-microsoft-com:vml" xmlns:pvml="urn:schemas-microsoft-com:office:powerpoint" xmlns:com="http://schemas.openxmlformats.org/drawingml/2006/compatibility" xmlns:p14="http://schemas.microsoft.com/office/powerpoint/2010/main" xmlns:p15="http://schemas.microsoft.com/office/powerpoint/2012/main" xmlns:ahyp="http://schemas.microsoft.com/office/drawing/2018/hyperlinkcolor">
   <p:cSld>
@@ -20770,6 +21869,4865 @@
           </a:p>
         </p:txBody>
       </p:sp>
+    </p:spTree>
+  </p:cSld>
+  <p:clrMapOvr>
+    <a:masterClrMapping/>
+  </p:clrMapOvr>
+</p:sld>
+</file>
+
+<file path=ppt/slides/slide40.xml><?xml version="1.0" encoding="utf-8"?>
+<p:sld xmlns:a="http://schemas.openxmlformats.org/drawingml/2006/main" xmlns:r="http://schemas.openxmlformats.org/officeDocument/2006/relationships" xmlns:mc="http://schemas.openxmlformats.org/markup-compatibility/2006" xmlns:mv="urn:schemas-microsoft-com:mac:vml" xmlns:p="http://schemas.openxmlformats.org/presentationml/2006/main" xmlns:c="http://schemas.openxmlformats.org/drawingml/2006/chart" xmlns:dgm="http://schemas.openxmlformats.org/drawingml/2006/diagram" xmlns:o="urn:schemas-microsoft-com:office:office" xmlns:v="urn:schemas-microsoft-com:vml" xmlns:pvml="urn:schemas-microsoft-com:office:powerpoint" xmlns:com="http://schemas.openxmlformats.org/drawingml/2006/compatibility" xmlns:p14="http://schemas.microsoft.com/office/powerpoint/2010/main" xmlns:p15="http://schemas.microsoft.com/office/powerpoint/2012/main" xmlns:ahyp="http://schemas.microsoft.com/office/drawing/2018/hyperlinkcolor">
+  <p:cSld>
+    <p:spTree>
+      <p:nvGrpSpPr>
+        <p:cNvPr id="333" name="Shape 333"/>
+        <p:cNvGrpSpPr/>
+        <p:nvPr/>
+      </p:nvGrpSpPr>
+      <p:grpSpPr>
+        <a:xfrm>
+          <a:off x="0" y="0"/>
+          <a:ext cx="0" cy="0"/>
+          <a:chOff x="0" y="0"/>
+          <a:chExt cx="0" cy="0"/>
+        </a:xfrm>
+      </p:grpSpPr>
+      <p:sp>
+        <p:nvSpPr>
+          <p:cNvPr id="334" name="Google Shape;334;p52"/>
+          <p:cNvSpPr txBox="1"/>
+          <p:nvPr>
+            <p:ph type="title"/>
+          </p:nvPr>
+        </p:nvSpPr>
+        <p:spPr>
+          <a:xfrm>
+            <a:off x="729450" y="1318650"/>
+            <a:ext cx="7688700" cy="535200"/>
+          </a:xfrm>
+          <a:prstGeom prst="rect">
+            <a:avLst/>
+          </a:prstGeom>
+        </p:spPr>
+        <p:txBody>
+          <a:bodyPr anchorCtr="0" anchor="t" bIns="91425" lIns="91425" spcFirstLastPara="1" rIns="91425" wrap="square" tIns="91425">
+            <a:normAutofit fontScale="90000"/>
+          </a:bodyPr>
+          <a:lstStyle/>
+          <a:p>
+            <a:pPr indent="0" lvl="0" marL="0" rtl="0" algn="l">
+              <a:lnSpc>
+                <a:spcPct val="115000"/>
+              </a:lnSpc>
+              <a:spcBef>
+                <a:spcPts val="1200"/>
+              </a:spcBef>
+              <a:spcAft>
+                <a:spcPts val="0"/>
+              </a:spcAft>
+              <a:buNone/>
+            </a:pPr>
+            <a:r>
+              <a:rPr lang="pl"/>
+              <a:t>System dziesiętny</a:t>
+            </a:r>
+            <a:endParaRPr/>
+          </a:p>
+          <a:p>
+            <a:pPr indent="0" lvl="0" marL="0" rtl="0" algn="l">
+              <a:spcBef>
+                <a:spcPts val="1200"/>
+              </a:spcBef>
+              <a:spcAft>
+                <a:spcPts val="0"/>
+              </a:spcAft>
+              <a:buNone/>
+            </a:pPr>
+            <a:r>
+              <a:t/>
+            </a:r>
+            <a:endParaRPr/>
+          </a:p>
+        </p:txBody>
+      </p:sp>
+      <p:sp>
+        <p:nvSpPr>
+          <p:cNvPr id="335" name="Google Shape;335;p52"/>
+          <p:cNvSpPr txBox="1"/>
+          <p:nvPr>
+            <p:ph idx="1" type="body"/>
+          </p:nvPr>
+        </p:nvSpPr>
+        <p:spPr>
+          <a:xfrm>
+            <a:off x="729450" y="2078875"/>
+            <a:ext cx="7688700" cy="2261100"/>
+          </a:xfrm>
+          <a:prstGeom prst="rect">
+            <a:avLst/>
+          </a:prstGeom>
+        </p:spPr>
+        <p:txBody>
+          <a:bodyPr anchorCtr="0" anchor="t" bIns="91425" lIns="91425" spcFirstLastPara="1" rIns="91425" wrap="square" tIns="91425">
+            <a:normAutofit/>
+          </a:bodyPr>
+          <a:lstStyle/>
+          <a:p>
+            <a:pPr indent="0" lvl="0" marL="0" rtl="0" algn="l">
+              <a:lnSpc>
+                <a:spcPct val="150000"/>
+              </a:lnSpc>
+              <a:spcBef>
+                <a:spcPts val="2400"/>
+              </a:spcBef>
+              <a:spcAft>
+                <a:spcPts val="0"/>
+              </a:spcAft>
+              <a:buNone/>
+            </a:pPr>
+            <a:r>
+              <a:rPr b="1" lang="pl" sz="1200">
+                <a:solidFill>
+                  <a:srgbClr val="0F1115"/>
+                </a:solidFill>
+                <a:highlight>
+                  <a:srgbClr val="FFFFFF"/>
+                </a:highlight>
+                <a:latin typeface="Tahoma"/>
+                <a:ea typeface="Tahoma"/>
+                <a:cs typeface="Tahoma"/>
+                <a:sym typeface="Tahoma"/>
+              </a:rPr>
+              <a:t>Kluczowe cechy systemu dziesiętnego:</a:t>
+            </a:r>
+            <a:endParaRPr b="1" sz="1200">
+              <a:solidFill>
+                <a:srgbClr val="0F1115"/>
+              </a:solidFill>
+              <a:highlight>
+                <a:srgbClr val="FFFFFF"/>
+              </a:highlight>
+              <a:latin typeface="Tahoma"/>
+              <a:ea typeface="Tahoma"/>
+              <a:cs typeface="Tahoma"/>
+              <a:sym typeface="Tahoma"/>
+            </a:endParaRPr>
+          </a:p>
+          <a:p>
+            <a:pPr indent="0" lvl="0" marL="0" rtl="0" algn="l">
+              <a:spcBef>
+                <a:spcPts val="1200"/>
+              </a:spcBef>
+              <a:spcAft>
+                <a:spcPts val="0"/>
+              </a:spcAft>
+              <a:buNone/>
+            </a:pPr>
+            <a:r>
+              <a:rPr b="1" lang="pl" sz="1200">
+                <a:solidFill>
+                  <a:srgbClr val="0F1115"/>
+                </a:solidFill>
+                <a:highlight>
+                  <a:srgbClr val="FFFFFF"/>
+                </a:highlight>
+                <a:latin typeface="Tahoma"/>
+                <a:ea typeface="Tahoma"/>
+                <a:cs typeface="Tahoma"/>
+                <a:sym typeface="Tahoma"/>
+              </a:rPr>
+              <a:t>Podstawa systemu: 10</a:t>
+            </a:r>
+            <a:endParaRPr b="1" sz="1200">
+              <a:solidFill>
+                <a:srgbClr val="0F1115"/>
+              </a:solidFill>
+              <a:highlight>
+                <a:srgbClr val="FFFFFF"/>
+              </a:highlight>
+              <a:latin typeface="Tahoma"/>
+              <a:ea typeface="Tahoma"/>
+              <a:cs typeface="Tahoma"/>
+              <a:sym typeface="Tahoma"/>
+            </a:endParaRPr>
+          </a:p>
+          <a:p>
+            <a:pPr indent="0" lvl="0" marL="0" rtl="0" algn="l">
+              <a:spcBef>
+                <a:spcPts val="1200"/>
+              </a:spcBef>
+              <a:spcAft>
+                <a:spcPts val="0"/>
+              </a:spcAft>
+              <a:buNone/>
+            </a:pPr>
+            <a:br>
+              <a:rPr lang="pl" sz="1200">
+                <a:solidFill>
+                  <a:srgbClr val="0F1115"/>
+                </a:solidFill>
+                <a:highlight>
+                  <a:srgbClr val="FFFFFF"/>
+                </a:highlight>
+                <a:latin typeface="Tahoma"/>
+                <a:ea typeface="Tahoma"/>
+                <a:cs typeface="Tahoma"/>
+                <a:sym typeface="Tahoma"/>
+              </a:rPr>
+            </a:br>
+            <a:r>
+              <a:rPr lang="pl" sz="1200">
+                <a:solidFill>
+                  <a:srgbClr val="0F1115"/>
+                </a:solidFill>
+                <a:highlight>
+                  <a:srgbClr val="FFFFFF"/>
+                </a:highlight>
+                <a:latin typeface="Tahoma"/>
+                <a:ea typeface="Tahoma"/>
+                <a:cs typeface="Tahoma"/>
+                <a:sym typeface="Tahoma"/>
+              </a:rPr>
+              <a:t>Oznacza to, że do zapisu liczby używamy dziesięciu cyfr:</a:t>
+            </a:r>
+            <a:br>
+              <a:rPr lang="pl" sz="1200">
+                <a:solidFill>
+                  <a:srgbClr val="0F1115"/>
+                </a:solidFill>
+                <a:highlight>
+                  <a:srgbClr val="FFFFFF"/>
+                </a:highlight>
+                <a:latin typeface="Tahoma"/>
+                <a:ea typeface="Tahoma"/>
+                <a:cs typeface="Tahoma"/>
+                <a:sym typeface="Tahoma"/>
+              </a:rPr>
+            </a:br>
+            <a:r>
+              <a:rPr lang="pl" sz="1200">
+                <a:solidFill>
+                  <a:srgbClr val="0F1115"/>
+                </a:solidFill>
+                <a:highlight>
+                  <a:srgbClr val="EBEEF2"/>
+                </a:highlight>
+                <a:latin typeface="Tahoma"/>
+                <a:ea typeface="Tahoma"/>
+                <a:cs typeface="Tahoma"/>
+                <a:sym typeface="Tahoma"/>
+              </a:rPr>
+              <a:t>0, 1, 2, 3, 4, 5, 6, 7, 8, 9</a:t>
+            </a:r>
+            <a:r>
+              <a:rPr lang="pl" sz="1200">
+                <a:solidFill>
+                  <a:srgbClr val="0F1115"/>
+                </a:solidFill>
+                <a:highlight>
+                  <a:srgbClr val="FFFFFF"/>
+                </a:highlight>
+                <a:latin typeface="Tahoma"/>
+                <a:ea typeface="Tahoma"/>
+                <a:cs typeface="Tahoma"/>
+                <a:sym typeface="Tahoma"/>
+              </a:rPr>
+              <a:t>.</a:t>
+            </a:r>
+            <a:endParaRPr sz="1200">
+              <a:solidFill>
+                <a:srgbClr val="0F1115"/>
+              </a:solidFill>
+              <a:highlight>
+                <a:srgbClr val="FFFFFF"/>
+              </a:highlight>
+              <a:latin typeface="Tahoma"/>
+              <a:ea typeface="Tahoma"/>
+              <a:cs typeface="Tahoma"/>
+              <a:sym typeface="Tahoma"/>
+            </a:endParaRPr>
+          </a:p>
+          <a:p>
+            <a:pPr indent="0" lvl="0" marL="0" rtl="0" algn="l">
+              <a:spcBef>
+                <a:spcPts val="1200"/>
+              </a:spcBef>
+              <a:spcAft>
+                <a:spcPts val="1200"/>
+              </a:spcAft>
+              <a:buNone/>
+            </a:pPr>
+            <a:r>
+              <a:t/>
+            </a:r>
+            <a:endParaRPr/>
+          </a:p>
+        </p:txBody>
+      </p:sp>
+    </p:spTree>
+  </p:cSld>
+  <p:clrMapOvr>
+    <a:masterClrMapping/>
+  </p:clrMapOvr>
+</p:sld>
+</file>
+
+<file path=ppt/slides/slide41.xml><?xml version="1.0" encoding="utf-8"?>
+<p:sld xmlns:a="http://schemas.openxmlformats.org/drawingml/2006/main" xmlns:r="http://schemas.openxmlformats.org/officeDocument/2006/relationships" xmlns:mc="http://schemas.openxmlformats.org/markup-compatibility/2006" xmlns:mv="urn:schemas-microsoft-com:mac:vml" xmlns:p="http://schemas.openxmlformats.org/presentationml/2006/main" xmlns:c="http://schemas.openxmlformats.org/drawingml/2006/chart" xmlns:dgm="http://schemas.openxmlformats.org/drawingml/2006/diagram" xmlns:o="urn:schemas-microsoft-com:office:office" xmlns:v="urn:schemas-microsoft-com:vml" xmlns:pvml="urn:schemas-microsoft-com:office:powerpoint" xmlns:com="http://schemas.openxmlformats.org/drawingml/2006/compatibility" xmlns:p14="http://schemas.microsoft.com/office/powerpoint/2010/main" xmlns:p15="http://schemas.microsoft.com/office/powerpoint/2012/main" xmlns:ahyp="http://schemas.microsoft.com/office/drawing/2018/hyperlinkcolor">
+  <p:cSld>
+    <p:spTree>
+      <p:nvGrpSpPr>
+        <p:cNvPr id="339" name="Shape 339"/>
+        <p:cNvGrpSpPr/>
+        <p:nvPr/>
+      </p:nvGrpSpPr>
+      <p:grpSpPr>
+        <a:xfrm>
+          <a:off x="0" y="0"/>
+          <a:ext cx="0" cy="0"/>
+          <a:chOff x="0" y="0"/>
+          <a:chExt cx="0" cy="0"/>
+        </a:xfrm>
+      </p:grpSpPr>
+      <p:sp>
+        <p:nvSpPr>
+          <p:cNvPr id="340" name="Google Shape;340;p53"/>
+          <p:cNvSpPr txBox="1"/>
+          <p:nvPr>
+            <p:ph type="title"/>
+          </p:nvPr>
+        </p:nvSpPr>
+        <p:spPr>
+          <a:xfrm>
+            <a:off x="729450" y="1318650"/>
+            <a:ext cx="7688700" cy="535200"/>
+          </a:xfrm>
+          <a:prstGeom prst="rect">
+            <a:avLst/>
+          </a:prstGeom>
+        </p:spPr>
+        <p:txBody>
+          <a:bodyPr anchorCtr="0" anchor="t" bIns="91425" lIns="91425" spcFirstLastPara="1" rIns="91425" wrap="square" tIns="91425">
+            <a:noAutofit/>
+          </a:bodyPr>
+          <a:lstStyle/>
+          <a:p>
+            <a:pPr indent="0" lvl="0" marL="0" rtl="0" algn="l">
+              <a:lnSpc>
+                <a:spcPct val="115000"/>
+              </a:lnSpc>
+              <a:spcBef>
+                <a:spcPts val="0"/>
+              </a:spcBef>
+              <a:spcAft>
+                <a:spcPts val="0"/>
+              </a:spcAft>
+              <a:buNone/>
+            </a:pPr>
+            <a:r>
+              <a:rPr lang="pl" sz="2400">
+                <a:solidFill>
+                  <a:srgbClr val="000000"/>
+                </a:solidFill>
+                <a:latin typeface="Tahoma"/>
+                <a:ea typeface="Tahoma"/>
+                <a:cs typeface="Tahoma"/>
+                <a:sym typeface="Tahoma"/>
+              </a:rPr>
+              <a:t>D</a:t>
+            </a:r>
+            <a:r>
+              <a:rPr lang="pl" sz="2400">
+                <a:solidFill>
+                  <a:srgbClr val="000000"/>
+                </a:solidFill>
+                <a:latin typeface="Tahoma"/>
+                <a:ea typeface="Tahoma"/>
+                <a:cs typeface="Tahoma"/>
+                <a:sym typeface="Tahoma"/>
+              </a:rPr>
+              <a:t>ziesiętny na binarny</a:t>
+            </a:r>
+            <a:endParaRPr sz="2400">
+              <a:latin typeface="Tahoma"/>
+              <a:ea typeface="Tahoma"/>
+              <a:cs typeface="Tahoma"/>
+              <a:sym typeface="Tahoma"/>
+            </a:endParaRPr>
+          </a:p>
+          <a:p>
+            <a:pPr indent="0" lvl="0" marL="0" rtl="0" algn="l">
+              <a:spcBef>
+                <a:spcPts val="1200"/>
+              </a:spcBef>
+              <a:spcAft>
+                <a:spcPts val="0"/>
+              </a:spcAft>
+              <a:buNone/>
+            </a:pPr>
+            <a:r>
+              <a:t/>
+            </a:r>
+            <a:endParaRPr/>
+          </a:p>
+        </p:txBody>
+      </p:sp>
+      <p:sp>
+        <p:nvSpPr>
+          <p:cNvPr id="341" name="Google Shape;341;p53"/>
+          <p:cNvSpPr txBox="1"/>
+          <p:nvPr>
+            <p:ph idx="1" type="body"/>
+          </p:nvPr>
+        </p:nvSpPr>
+        <p:spPr>
+          <a:xfrm>
+            <a:off x="729450" y="2078875"/>
+            <a:ext cx="7688700" cy="3064500"/>
+          </a:xfrm>
+          <a:prstGeom prst="rect">
+            <a:avLst/>
+          </a:prstGeom>
+        </p:spPr>
+        <p:txBody>
+          <a:bodyPr anchorCtr="0" anchor="t" bIns="91425" lIns="91425" spcFirstLastPara="1" rIns="91425" wrap="square" tIns="91425">
+            <a:normAutofit fontScale="55000" lnSpcReduction="20000"/>
+          </a:bodyPr>
+          <a:lstStyle/>
+          <a:p>
+            <a:pPr indent="-306147" lvl="0" marL="457200" rtl="0" algn="l">
+              <a:spcBef>
+                <a:spcPts val="0"/>
+              </a:spcBef>
+              <a:spcAft>
+                <a:spcPts val="0"/>
+              </a:spcAft>
+              <a:buClr>
+                <a:srgbClr val="000000"/>
+              </a:buClr>
+              <a:buSzPct val="100000"/>
+              <a:buFont typeface="Tahoma"/>
+              <a:buChar char="❏"/>
+            </a:pPr>
+            <a:r>
+              <a:rPr b="1" lang="pl" sz="2220">
+                <a:solidFill>
+                  <a:srgbClr val="000000"/>
+                </a:solidFill>
+                <a:latin typeface="Tahoma"/>
+                <a:ea typeface="Tahoma"/>
+                <a:cs typeface="Tahoma"/>
+                <a:sym typeface="Tahoma"/>
+              </a:rPr>
+              <a:t>Liczba</a:t>
+            </a:r>
+            <a:r>
+              <a:rPr lang="pl" sz="2220">
+                <a:solidFill>
+                  <a:srgbClr val="000000"/>
+                </a:solidFill>
+                <a:latin typeface="Tahoma"/>
+                <a:ea typeface="Tahoma"/>
+                <a:cs typeface="Tahoma"/>
+                <a:sym typeface="Tahoma"/>
+              </a:rPr>
+              <a:t>: </a:t>
+            </a:r>
+            <a:r>
+              <a:rPr lang="pl" sz="2220">
+                <a:solidFill>
+                  <a:srgbClr val="000000"/>
+                </a:solidFill>
+                <a:latin typeface="Tahoma"/>
+                <a:ea typeface="Tahoma"/>
+                <a:cs typeface="Tahoma"/>
+                <a:sym typeface="Tahoma"/>
+              </a:rPr>
+              <a:t>235 </a:t>
+            </a:r>
+            <a:endParaRPr sz="2220">
+              <a:solidFill>
+                <a:srgbClr val="000000"/>
+              </a:solidFill>
+              <a:latin typeface="Tahoma"/>
+              <a:ea typeface="Tahoma"/>
+              <a:cs typeface="Tahoma"/>
+              <a:sym typeface="Tahoma"/>
+            </a:endParaRPr>
+          </a:p>
+          <a:p>
+            <a:pPr indent="0" lvl="0" marL="0" rtl="0" algn="l">
+              <a:spcBef>
+                <a:spcPts val="1200"/>
+              </a:spcBef>
+              <a:spcAft>
+                <a:spcPts val="0"/>
+              </a:spcAft>
+              <a:buNone/>
+            </a:pPr>
+            <a:r>
+              <a:rPr b="1" lang="pl" sz="2220">
+                <a:solidFill>
+                  <a:srgbClr val="000000"/>
+                </a:solidFill>
+                <a:latin typeface="Tahoma"/>
+                <a:ea typeface="Tahoma"/>
+                <a:cs typeface="Tahoma"/>
+                <a:sym typeface="Tahoma"/>
+              </a:rPr>
+              <a:t>Przekształcenie z dziesiętnego na binarny</a:t>
+            </a:r>
+            <a:r>
+              <a:rPr lang="pl" sz="2220">
+                <a:solidFill>
+                  <a:srgbClr val="000000"/>
+                </a:solidFill>
+                <a:latin typeface="Tahoma"/>
+                <a:ea typeface="Tahoma"/>
+                <a:cs typeface="Tahoma"/>
+                <a:sym typeface="Tahoma"/>
+              </a:rPr>
+              <a:t>: Aby przeliczyć 235 na binarny, dzielimy przez 2, zapisując reszty od końca:</a:t>
+            </a:r>
+            <a:endParaRPr sz="2220">
+              <a:solidFill>
+                <a:srgbClr val="000000"/>
+              </a:solidFill>
+              <a:latin typeface="Tahoma"/>
+              <a:ea typeface="Tahoma"/>
+              <a:cs typeface="Tahoma"/>
+              <a:sym typeface="Tahoma"/>
+            </a:endParaRPr>
+          </a:p>
+          <a:p>
+            <a:pPr indent="-306147" lvl="0" marL="457200" rtl="0" algn="l">
+              <a:spcBef>
+                <a:spcPts val="1200"/>
+              </a:spcBef>
+              <a:spcAft>
+                <a:spcPts val="0"/>
+              </a:spcAft>
+              <a:buClr>
+                <a:srgbClr val="000000"/>
+              </a:buClr>
+              <a:buSzPct val="100000"/>
+              <a:buFont typeface="Tahoma"/>
+              <a:buChar char="●"/>
+            </a:pPr>
+            <a:r>
+              <a:rPr lang="pl" sz="2220">
+                <a:solidFill>
+                  <a:srgbClr val="000000"/>
+                </a:solidFill>
+                <a:latin typeface="Tahoma"/>
+                <a:ea typeface="Tahoma"/>
+                <a:cs typeface="Tahoma"/>
+                <a:sym typeface="Tahoma"/>
+              </a:rPr>
+              <a:t>235 ÷ 2 = 117, reszta 1</a:t>
+            </a:r>
+            <a:endParaRPr sz="2220">
+              <a:solidFill>
+                <a:srgbClr val="000000"/>
+              </a:solidFill>
+              <a:latin typeface="Tahoma"/>
+              <a:ea typeface="Tahoma"/>
+              <a:cs typeface="Tahoma"/>
+              <a:sym typeface="Tahoma"/>
+            </a:endParaRPr>
+          </a:p>
+          <a:p>
+            <a:pPr indent="-306147" lvl="0" marL="457200" rtl="0" algn="l">
+              <a:spcBef>
+                <a:spcPts val="0"/>
+              </a:spcBef>
+              <a:spcAft>
+                <a:spcPts val="0"/>
+              </a:spcAft>
+              <a:buClr>
+                <a:srgbClr val="000000"/>
+              </a:buClr>
+              <a:buSzPct val="100000"/>
+              <a:buFont typeface="Tahoma"/>
+              <a:buChar char="●"/>
+            </a:pPr>
+            <a:r>
+              <a:rPr lang="pl" sz="2220">
+                <a:solidFill>
+                  <a:srgbClr val="000000"/>
+                </a:solidFill>
+                <a:latin typeface="Tahoma"/>
+                <a:ea typeface="Tahoma"/>
+                <a:cs typeface="Tahoma"/>
+                <a:sym typeface="Tahoma"/>
+              </a:rPr>
+              <a:t>117 ÷ 2 = 58, reszta 1</a:t>
+            </a:r>
+            <a:endParaRPr sz="2220">
+              <a:solidFill>
+                <a:srgbClr val="000000"/>
+              </a:solidFill>
+              <a:latin typeface="Tahoma"/>
+              <a:ea typeface="Tahoma"/>
+              <a:cs typeface="Tahoma"/>
+              <a:sym typeface="Tahoma"/>
+            </a:endParaRPr>
+          </a:p>
+          <a:p>
+            <a:pPr indent="-306147" lvl="0" marL="457200" rtl="0" algn="l">
+              <a:spcBef>
+                <a:spcPts val="0"/>
+              </a:spcBef>
+              <a:spcAft>
+                <a:spcPts val="0"/>
+              </a:spcAft>
+              <a:buClr>
+                <a:srgbClr val="000000"/>
+              </a:buClr>
+              <a:buSzPct val="100000"/>
+              <a:buFont typeface="Tahoma"/>
+              <a:buChar char="●"/>
+            </a:pPr>
+            <a:r>
+              <a:rPr lang="pl" sz="2220">
+                <a:solidFill>
+                  <a:srgbClr val="000000"/>
+                </a:solidFill>
+                <a:latin typeface="Tahoma"/>
+                <a:ea typeface="Tahoma"/>
+                <a:cs typeface="Tahoma"/>
+                <a:sym typeface="Tahoma"/>
+              </a:rPr>
+              <a:t>58 ÷ 2 = 29, reszta 0</a:t>
+            </a:r>
+            <a:endParaRPr sz="2220">
+              <a:solidFill>
+                <a:srgbClr val="000000"/>
+              </a:solidFill>
+              <a:latin typeface="Tahoma"/>
+              <a:ea typeface="Tahoma"/>
+              <a:cs typeface="Tahoma"/>
+              <a:sym typeface="Tahoma"/>
+            </a:endParaRPr>
+          </a:p>
+          <a:p>
+            <a:pPr indent="-306147" lvl="0" marL="457200" rtl="0" algn="l">
+              <a:spcBef>
+                <a:spcPts val="0"/>
+              </a:spcBef>
+              <a:spcAft>
+                <a:spcPts val="0"/>
+              </a:spcAft>
+              <a:buClr>
+                <a:srgbClr val="000000"/>
+              </a:buClr>
+              <a:buSzPct val="100000"/>
+              <a:buFont typeface="Tahoma"/>
+              <a:buChar char="●"/>
+            </a:pPr>
+            <a:r>
+              <a:rPr lang="pl" sz="2220">
+                <a:solidFill>
+                  <a:srgbClr val="000000"/>
+                </a:solidFill>
+                <a:latin typeface="Tahoma"/>
+                <a:ea typeface="Tahoma"/>
+                <a:cs typeface="Tahoma"/>
+                <a:sym typeface="Tahoma"/>
+              </a:rPr>
+              <a:t>29 ÷ 2 = 14, reszta 1</a:t>
+            </a:r>
+            <a:endParaRPr sz="2220">
+              <a:solidFill>
+                <a:srgbClr val="000000"/>
+              </a:solidFill>
+              <a:latin typeface="Tahoma"/>
+              <a:ea typeface="Tahoma"/>
+              <a:cs typeface="Tahoma"/>
+              <a:sym typeface="Tahoma"/>
+            </a:endParaRPr>
+          </a:p>
+          <a:p>
+            <a:pPr indent="-306147" lvl="0" marL="457200" rtl="0" algn="l">
+              <a:spcBef>
+                <a:spcPts val="0"/>
+              </a:spcBef>
+              <a:spcAft>
+                <a:spcPts val="0"/>
+              </a:spcAft>
+              <a:buClr>
+                <a:srgbClr val="000000"/>
+              </a:buClr>
+              <a:buSzPct val="100000"/>
+              <a:buFont typeface="Tahoma"/>
+              <a:buChar char="●"/>
+            </a:pPr>
+            <a:r>
+              <a:rPr lang="pl" sz="2220">
+                <a:solidFill>
+                  <a:srgbClr val="000000"/>
+                </a:solidFill>
+                <a:latin typeface="Tahoma"/>
+                <a:ea typeface="Tahoma"/>
+                <a:cs typeface="Tahoma"/>
+                <a:sym typeface="Tahoma"/>
+              </a:rPr>
+              <a:t>14 ÷ 2 = 7, reszta 0</a:t>
+            </a:r>
+            <a:endParaRPr sz="2220">
+              <a:solidFill>
+                <a:srgbClr val="000000"/>
+              </a:solidFill>
+              <a:latin typeface="Tahoma"/>
+              <a:ea typeface="Tahoma"/>
+              <a:cs typeface="Tahoma"/>
+              <a:sym typeface="Tahoma"/>
+            </a:endParaRPr>
+          </a:p>
+          <a:p>
+            <a:pPr indent="-306147" lvl="0" marL="457200" rtl="0" algn="l">
+              <a:spcBef>
+                <a:spcPts val="0"/>
+              </a:spcBef>
+              <a:spcAft>
+                <a:spcPts val="0"/>
+              </a:spcAft>
+              <a:buClr>
+                <a:srgbClr val="000000"/>
+              </a:buClr>
+              <a:buSzPct val="100000"/>
+              <a:buFont typeface="Tahoma"/>
+              <a:buChar char="●"/>
+            </a:pPr>
+            <a:r>
+              <a:rPr lang="pl" sz="2220">
+                <a:solidFill>
+                  <a:srgbClr val="000000"/>
+                </a:solidFill>
+                <a:latin typeface="Tahoma"/>
+                <a:ea typeface="Tahoma"/>
+                <a:cs typeface="Tahoma"/>
+                <a:sym typeface="Tahoma"/>
+              </a:rPr>
+              <a:t>7 ÷ 2 = 3, reszta 1</a:t>
+            </a:r>
+            <a:endParaRPr sz="2220">
+              <a:solidFill>
+                <a:srgbClr val="000000"/>
+              </a:solidFill>
+              <a:latin typeface="Tahoma"/>
+              <a:ea typeface="Tahoma"/>
+              <a:cs typeface="Tahoma"/>
+              <a:sym typeface="Tahoma"/>
+            </a:endParaRPr>
+          </a:p>
+          <a:p>
+            <a:pPr indent="-306147" lvl="0" marL="457200" rtl="0" algn="l">
+              <a:spcBef>
+                <a:spcPts val="0"/>
+              </a:spcBef>
+              <a:spcAft>
+                <a:spcPts val="0"/>
+              </a:spcAft>
+              <a:buClr>
+                <a:srgbClr val="000000"/>
+              </a:buClr>
+              <a:buSzPct val="100000"/>
+              <a:buFont typeface="Tahoma"/>
+              <a:buChar char="●"/>
+            </a:pPr>
+            <a:r>
+              <a:rPr lang="pl" sz="2220">
+                <a:solidFill>
+                  <a:srgbClr val="000000"/>
+                </a:solidFill>
+                <a:latin typeface="Tahoma"/>
+                <a:ea typeface="Tahoma"/>
+                <a:cs typeface="Tahoma"/>
+                <a:sym typeface="Tahoma"/>
+              </a:rPr>
+              <a:t>3 ÷ 2 = 1, reszta 1</a:t>
+            </a:r>
+            <a:endParaRPr sz="2220">
+              <a:solidFill>
+                <a:srgbClr val="000000"/>
+              </a:solidFill>
+              <a:latin typeface="Tahoma"/>
+              <a:ea typeface="Tahoma"/>
+              <a:cs typeface="Tahoma"/>
+              <a:sym typeface="Tahoma"/>
+            </a:endParaRPr>
+          </a:p>
+          <a:p>
+            <a:pPr indent="-306147" lvl="0" marL="457200" rtl="0" algn="l">
+              <a:spcBef>
+                <a:spcPts val="0"/>
+              </a:spcBef>
+              <a:spcAft>
+                <a:spcPts val="0"/>
+              </a:spcAft>
+              <a:buClr>
+                <a:srgbClr val="000000"/>
+              </a:buClr>
+              <a:buSzPct val="100000"/>
+              <a:buFont typeface="Tahoma"/>
+              <a:buChar char="●"/>
+            </a:pPr>
+            <a:r>
+              <a:rPr lang="pl" sz="2220">
+                <a:solidFill>
+                  <a:srgbClr val="000000"/>
+                </a:solidFill>
+                <a:latin typeface="Tahoma"/>
+                <a:ea typeface="Tahoma"/>
+                <a:cs typeface="Tahoma"/>
+                <a:sym typeface="Tahoma"/>
+              </a:rPr>
+              <a:t>1 ÷ 2 = 0, reszta 1</a:t>
+            </a:r>
+            <a:endParaRPr sz="2220">
+              <a:solidFill>
+                <a:srgbClr val="000000"/>
+              </a:solidFill>
+              <a:latin typeface="Tahoma"/>
+              <a:ea typeface="Tahoma"/>
+              <a:cs typeface="Tahoma"/>
+              <a:sym typeface="Tahoma"/>
+            </a:endParaRPr>
+          </a:p>
+          <a:p>
+            <a:pPr indent="0" lvl="0" marL="457200" rtl="0" algn="l">
+              <a:spcBef>
+                <a:spcPts val="1200"/>
+              </a:spcBef>
+              <a:spcAft>
+                <a:spcPts val="0"/>
+              </a:spcAft>
+              <a:buNone/>
+            </a:pPr>
+            <a:r>
+              <a:rPr lang="pl" sz="2220">
+                <a:solidFill>
+                  <a:srgbClr val="000000"/>
+                </a:solidFill>
+                <a:latin typeface="Tahoma"/>
+                <a:ea typeface="Tahoma"/>
+                <a:cs typeface="Tahoma"/>
+                <a:sym typeface="Tahoma"/>
+              </a:rPr>
+              <a:t>Odczyt reszt od końca: </a:t>
+            </a:r>
+            <a:r>
+              <a:rPr b="1" lang="pl" sz="2220">
+                <a:solidFill>
+                  <a:srgbClr val="000000"/>
+                </a:solidFill>
+                <a:latin typeface="Tahoma"/>
+                <a:ea typeface="Tahoma"/>
+                <a:cs typeface="Tahoma"/>
+                <a:sym typeface="Tahoma"/>
+              </a:rPr>
+              <a:t>11101011</a:t>
+            </a:r>
+            <a:endParaRPr b="1" sz="2220">
+              <a:solidFill>
+                <a:srgbClr val="000000"/>
+              </a:solidFill>
+              <a:latin typeface="Tahoma"/>
+              <a:ea typeface="Tahoma"/>
+              <a:cs typeface="Tahoma"/>
+              <a:sym typeface="Tahoma"/>
+            </a:endParaRPr>
+          </a:p>
+          <a:p>
+            <a:pPr indent="0" lvl="0" marL="0" rtl="0" algn="l">
+              <a:spcBef>
+                <a:spcPts val="1200"/>
+              </a:spcBef>
+              <a:spcAft>
+                <a:spcPts val="1200"/>
+              </a:spcAft>
+              <a:buNone/>
+            </a:pPr>
+            <a:r>
+              <a:t/>
+            </a:r>
+            <a:endParaRPr/>
+          </a:p>
+        </p:txBody>
+      </p:sp>
+    </p:spTree>
+  </p:cSld>
+  <p:clrMapOvr>
+    <a:masterClrMapping/>
+  </p:clrMapOvr>
+</p:sld>
+</file>
+
+<file path=ppt/slides/slide42.xml><?xml version="1.0" encoding="utf-8"?>
+<p:sld xmlns:a="http://schemas.openxmlformats.org/drawingml/2006/main" xmlns:r="http://schemas.openxmlformats.org/officeDocument/2006/relationships" xmlns:mc="http://schemas.openxmlformats.org/markup-compatibility/2006" xmlns:mv="urn:schemas-microsoft-com:mac:vml" xmlns:p="http://schemas.openxmlformats.org/presentationml/2006/main" xmlns:c="http://schemas.openxmlformats.org/drawingml/2006/chart" xmlns:dgm="http://schemas.openxmlformats.org/drawingml/2006/diagram" xmlns:o="urn:schemas-microsoft-com:office:office" xmlns:v="urn:schemas-microsoft-com:vml" xmlns:pvml="urn:schemas-microsoft-com:office:powerpoint" xmlns:com="http://schemas.openxmlformats.org/drawingml/2006/compatibility" xmlns:p14="http://schemas.microsoft.com/office/powerpoint/2010/main" xmlns:p15="http://schemas.microsoft.com/office/powerpoint/2012/main" xmlns:ahyp="http://schemas.microsoft.com/office/drawing/2018/hyperlinkcolor">
+  <p:cSld>
+    <p:spTree>
+      <p:nvGrpSpPr>
+        <p:cNvPr id="345" name="Shape 345"/>
+        <p:cNvGrpSpPr/>
+        <p:nvPr/>
+      </p:nvGrpSpPr>
+      <p:grpSpPr>
+        <a:xfrm>
+          <a:off x="0" y="0"/>
+          <a:ext cx="0" cy="0"/>
+          <a:chOff x="0" y="0"/>
+          <a:chExt cx="0" cy="0"/>
+        </a:xfrm>
+      </p:grpSpPr>
+      <p:sp>
+        <p:nvSpPr>
+          <p:cNvPr id="346" name="Google Shape;346;p54"/>
+          <p:cNvSpPr txBox="1"/>
+          <p:nvPr>
+            <p:ph type="title"/>
+          </p:nvPr>
+        </p:nvSpPr>
+        <p:spPr>
+          <a:xfrm>
+            <a:off x="729450" y="1318650"/>
+            <a:ext cx="7688700" cy="535200"/>
+          </a:xfrm>
+          <a:prstGeom prst="rect">
+            <a:avLst/>
+          </a:prstGeom>
+        </p:spPr>
+        <p:txBody>
+          <a:bodyPr anchorCtr="0" anchor="t" bIns="91425" lIns="91425" spcFirstLastPara="1" rIns="91425" wrap="square" tIns="91425">
+            <a:noAutofit/>
+          </a:bodyPr>
+          <a:lstStyle/>
+          <a:p>
+            <a:pPr indent="0" lvl="0" marL="0" rtl="0" algn="l">
+              <a:lnSpc>
+                <a:spcPct val="115000"/>
+              </a:lnSpc>
+              <a:spcBef>
+                <a:spcPts val="0"/>
+              </a:spcBef>
+              <a:spcAft>
+                <a:spcPts val="1200"/>
+              </a:spcAft>
+              <a:buNone/>
+            </a:pPr>
+            <a:r>
+              <a:rPr lang="pl" sz="2400">
+                <a:solidFill>
+                  <a:srgbClr val="000000"/>
+                </a:solidFill>
+                <a:latin typeface="Tahoma"/>
+                <a:ea typeface="Tahoma"/>
+                <a:cs typeface="Tahoma"/>
+                <a:sym typeface="Tahoma"/>
+              </a:rPr>
+              <a:t>B</a:t>
+            </a:r>
+            <a:r>
+              <a:rPr lang="pl" sz="2400">
+                <a:solidFill>
+                  <a:srgbClr val="000000"/>
+                </a:solidFill>
+                <a:latin typeface="Tahoma"/>
+                <a:ea typeface="Tahoma"/>
+                <a:cs typeface="Tahoma"/>
+                <a:sym typeface="Tahoma"/>
+              </a:rPr>
+              <a:t>inarny na dziesiętny</a:t>
+            </a:r>
+            <a:endParaRPr sz="2400">
+              <a:latin typeface="Tahoma"/>
+              <a:ea typeface="Tahoma"/>
+              <a:cs typeface="Tahoma"/>
+              <a:sym typeface="Tahoma"/>
+            </a:endParaRPr>
+          </a:p>
+        </p:txBody>
+      </p:sp>
+      <p:sp>
+        <p:nvSpPr>
+          <p:cNvPr id="347" name="Google Shape;347;p54"/>
+          <p:cNvSpPr txBox="1"/>
+          <p:nvPr>
+            <p:ph idx="1" type="body"/>
+          </p:nvPr>
+        </p:nvSpPr>
+        <p:spPr>
+          <a:xfrm>
+            <a:off x="729450" y="2078875"/>
+            <a:ext cx="7688700" cy="2979300"/>
+          </a:xfrm>
+          <a:prstGeom prst="rect">
+            <a:avLst/>
+          </a:prstGeom>
+        </p:spPr>
+        <p:txBody>
+          <a:bodyPr anchorCtr="0" anchor="t" bIns="91425" lIns="91425" spcFirstLastPara="1" rIns="91425" wrap="square" tIns="91425">
+            <a:normAutofit lnSpcReduction="20000"/>
+          </a:bodyPr>
+          <a:lstStyle/>
+          <a:p>
+            <a:pPr indent="-304800" lvl="0" marL="457200" rtl="0" algn="l">
+              <a:spcBef>
+                <a:spcPts val="0"/>
+              </a:spcBef>
+              <a:spcAft>
+                <a:spcPts val="0"/>
+              </a:spcAft>
+              <a:buClr>
+                <a:srgbClr val="000000"/>
+              </a:buClr>
+              <a:buSzPts val="1200"/>
+              <a:buFont typeface="Tahoma"/>
+              <a:buChar char="❏"/>
+            </a:pPr>
+            <a:r>
+              <a:rPr b="1" lang="pl" sz="1200">
+                <a:solidFill>
+                  <a:srgbClr val="000000"/>
+                </a:solidFill>
+                <a:latin typeface="Tahoma"/>
+                <a:ea typeface="Tahoma"/>
+                <a:cs typeface="Tahoma"/>
+                <a:sym typeface="Tahoma"/>
+              </a:rPr>
+              <a:t>Liczba</a:t>
+            </a:r>
+            <a:r>
+              <a:rPr lang="pl" sz="1200">
+                <a:solidFill>
+                  <a:srgbClr val="000000"/>
+                </a:solidFill>
+                <a:latin typeface="Tahoma"/>
+                <a:ea typeface="Tahoma"/>
+                <a:cs typeface="Tahoma"/>
+                <a:sym typeface="Tahoma"/>
+              </a:rPr>
+              <a:t>: 11101011</a:t>
+            </a:r>
+            <a:endParaRPr b="1" sz="1200">
+              <a:solidFill>
+                <a:srgbClr val="000000"/>
+              </a:solidFill>
+              <a:latin typeface="Tahoma"/>
+              <a:ea typeface="Tahoma"/>
+              <a:cs typeface="Tahoma"/>
+              <a:sym typeface="Tahoma"/>
+            </a:endParaRPr>
+          </a:p>
+          <a:p>
+            <a:pPr indent="0" lvl="0" marL="0" rtl="0" algn="l">
+              <a:spcBef>
+                <a:spcPts val="1200"/>
+              </a:spcBef>
+              <a:spcAft>
+                <a:spcPts val="0"/>
+              </a:spcAft>
+              <a:buNone/>
+            </a:pPr>
+            <a:r>
+              <a:rPr b="1" lang="pl" sz="1200">
+                <a:solidFill>
+                  <a:srgbClr val="000000"/>
+                </a:solidFill>
+                <a:latin typeface="Tahoma"/>
+                <a:ea typeface="Tahoma"/>
+                <a:cs typeface="Tahoma"/>
+                <a:sym typeface="Tahoma"/>
+              </a:rPr>
+              <a:t>Przekształcenie z binarnego na dziesiętny</a:t>
+            </a:r>
+            <a:r>
+              <a:rPr lang="pl" sz="1200">
+                <a:solidFill>
+                  <a:srgbClr val="000000"/>
+                </a:solidFill>
+                <a:latin typeface="Tahoma"/>
+                <a:ea typeface="Tahoma"/>
+                <a:cs typeface="Tahoma"/>
+                <a:sym typeface="Tahoma"/>
+              </a:rPr>
+              <a:t>: Obliczamy sumę wartości pozycji bitów:</a:t>
+            </a:r>
+            <a:endParaRPr sz="1200">
+              <a:solidFill>
+                <a:srgbClr val="000000"/>
+              </a:solidFill>
+              <a:latin typeface="Tahoma"/>
+              <a:ea typeface="Tahoma"/>
+              <a:cs typeface="Tahoma"/>
+              <a:sym typeface="Tahoma"/>
+            </a:endParaRPr>
+          </a:p>
+          <a:p>
+            <a:pPr indent="-304800" lvl="0" marL="457200" rtl="0" algn="l">
+              <a:spcBef>
+                <a:spcPts val="1200"/>
+              </a:spcBef>
+              <a:spcAft>
+                <a:spcPts val="0"/>
+              </a:spcAft>
+              <a:buClr>
+                <a:srgbClr val="000000"/>
+              </a:buClr>
+              <a:buSzPts val="1200"/>
+              <a:buFont typeface="Tahoma"/>
+              <a:buChar char="●"/>
+            </a:pPr>
+            <a:r>
+              <a:rPr lang="pl" sz="1200">
+                <a:solidFill>
+                  <a:srgbClr val="000000"/>
+                </a:solidFill>
+                <a:latin typeface="Tahoma"/>
+                <a:ea typeface="Tahoma"/>
+                <a:cs typeface="Tahoma"/>
+                <a:sym typeface="Tahoma"/>
+              </a:rPr>
+              <a:t>1 * 2⁷ = 1 * 128 = 128</a:t>
+            </a:r>
+            <a:endParaRPr sz="1200">
+              <a:solidFill>
+                <a:srgbClr val="000000"/>
+              </a:solidFill>
+              <a:latin typeface="Tahoma"/>
+              <a:ea typeface="Tahoma"/>
+              <a:cs typeface="Tahoma"/>
+              <a:sym typeface="Tahoma"/>
+            </a:endParaRPr>
+          </a:p>
+          <a:p>
+            <a:pPr indent="-304800" lvl="0" marL="457200" rtl="0" algn="l">
+              <a:spcBef>
+                <a:spcPts val="0"/>
+              </a:spcBef>
+              <a:spcAft>
+                <a:spcPts val="0"/>
+              </a:spcAft>
+              <a:buClr>
+                <a:srgbClr val="000000"/>
+              </a:buClr>
+              <a:buSzPts val="1200"/>
+              <a:buFont typeface="Tahoma"/>
+              <a:buChar char="●"/>
+            </a:pPr>
+            <a:r>
+              <a:rPr lang="pl" sz="1200">
+                <a:solidFill>
+                  <a:srgbClr val="000000"/>
+                </a:solidFill>
+                <a:latin typeface="Tahoma"/>
+                <a:ea typeface="Tahoma"/>
+                <a:cs typeface="Tahoma"/>
+                <a:sym typeface="Tahoma"/>
+              </a:rPr>
+              <a:t>1 * 2⁶ = 1 * 64 = 64</a:t>
+            </a:r>
+            <a:endParaRPr sz="1200">
+              <a:solidFill>
+                <a:srgbClr val="000000"/>
+              </a:solidFill>
+              <a:latin typeface="Tahoma"/>
+              <a:ea typeface="Tahoma"/>
+              <a:cs typeface="Tahoma"/>
+              <a:sym typeface="Tahoma"/>
+            </a:endParaRPr>
+          </a:p>
+          <a:p>
+            <a:pPr indent="-304800" lvl="0" marL="457200" rtl="0" algn="l">
+              <a:spcBef>
+                <a:spcPts val="0"/>
+              </a:spcBef>
+              <a:spcAft>
+                <a:spcPts val="0"/>
+              </a:spcAft>
+              <a:buClr>
+                <a:srgbClr val="000000"/>
+              </a:buClr>
+              <a:buSzPts val="1200"/>
+              <a:buFont typeface="Tahoma"/>
+              <a:buChar char="●"/>
+            </a:pPr>
+            <a:r>
+              <a:rPr lang="pl" sz="1200">
+                <a:solidFill>
+                  <a:srgbClr val="000000"/>
+                </a:solidFill>
+                <a:latin typeface="Tahoma"/>
+                <a:ea typeface="Tahoma"/>
+                <a:cs typeface="Tahoma"/>
+                <a:sym typeface="Tahoma"/>
+              </a:rPr>
+              <a:t>1 * 2⁵ = 1 * 32 = 32</a:t>
+            </a:r>
+            <a:endParaRPr sz="1200">
+              <a:solidFill>
+                <a:srgbClr val="000000"/>
+              </a:solidFill>
+              <a:latin typeface="Tahoma"/>
+              <a:ea typeface="Tahoma"/>
+              <a:cs typeface="Tahoma"/>
+              <a:sym typeface="Tahoma"/>
+            </a:endParaRPr>
+          </a:p>
+          <a:p>
+            <a:pPr indent="-304800" lvl="0" marL="457200" rtl="0" algn="l">
+              <a:spcBef>
+                <a:spcPts val="0"/>
+              </a:spcBef>
+              <a:spcAft>
+                <a:spcPts val="0"/>
+              </a:spcAft>
+              <a:buClr>
+                <a:srgbClr val="000000"/>
+              </a:buClr>
+              <a:buSzPts val="1200"/>
+              <a:buFont typeface="Tahoma"/>
+              <a:buChar char="●"/>
+            </a:pPr>
+            <a:r>
+              <a:rPr lang="pl" sz="1200">
+                <a:solidFill>
+                  <a:srgbClr val="000000"/>
+                </a:solidFill>
+                <a:latin typeface="Tahoma"/>
+                <a:ea typeface="Tahoma"/>
+                <a:cs typeface="Tahoma"/>
+                <a:sym typeface="Tahoma"/>
+              </a:rPr>
+              <a:t>0 * 2⁴ = 0 * 16 = 0</a:t>
+            </a:r>
+            <a:endParaRPr sz="1200">
+              <a:solidFill>
+                <a:srgbClr val="000000"/>
+              </a:solidFill>
+              <a:latin typeface="Tahoma"/>
+              <a:ea typeface="Tahoma"/>
+              <a:cs typeface="Tahoma"/>
+              <a:sym typeface="Tahoma"/>
+            </a:endParaRPr>
+          </a:p>
+          <a:p>
+            <a:pPr indent="-304800" lvl="0" marL="457200" rtl="0" algn="l">
+              <a:spcBef>
+                <a:spcPts val="0"/>
+              </a:spcBef>
+              <a:spcAft>
+                <a:spcPts val="0"/>
+              </a:spcAft>
+              <a:buClr>
+                <a:srgbClr val="000000"/>
+              </a:buClr>
+              <a:buSzPts val="1200"/>
+              <a:buFont typeface="Tahoma"/>
+              <a:buChar char="●"/>
+            </a:pPr>
+            <a:r>
+              <a:rPr lang="pl" sz="1200">
+                <a:solidFill>
+                  <a:srgbClr val="000000"/>
+                </a:solidFill>
+                <a:latin typeface="Tahoma"/>
+                <a:ea typeface="Tahoma"/>
+                <a:cs typeface="Tahoma"/>
+                <a:sym typeface="Tahoma"/>
+              </a:rPr>
+              <a:t>1 * 2³ = 1 * 8 = 8</a:t>
+            </a:r>
+            <a:endParaRPr sz="1200">
+              <a:solidFill>
+                <a:srgbClr val="000000"/>
+              </a:solidFill>
+              <a:latin typeface="Tahoma"/>
+              <a:ea typeface="Tahoma"/>
+              <a:cs typeface="Tahoma"/>
+              <a:sym typeface="Tahoma"/>
+            </a:endParaRPr>
+          </a:p>
+          <a:p>
+            <a:pPr indent="-304800" lvl="0" marL="457200" rtl="0" algn="l">
+              <a:spcBef>
+                <a:spcPts val="0"/>
+              </a:spcBef>
+              <a:spcAft>
+                <a:spcPts val="0"/>
+              </a:spcAft>
+              <a:buClr>
+                <a:srgbClr val="000000"/>
+              </a:buClr>
+              <a:buSzPts val="1200"/>
+              <a:buFont typeface="Tahoma"/>
+              <a:buChar char="●"/>
+            </a:pPr>
+            <a:r>
+              <a:rPr lang="pl" sz="1200">
+                <a:solidFill>
+                  <a:srgbClr val="000000"/>
+                </a:solidFill>
+                <a:latin typeface="Tahoma"/>
+                <a:ea typeface="Tahoma"/>
+                <a:cs typeface="Tahoma"/>
+                <a:sym typeface="Tahoma"/>
+              </a:rPr>
+              <a:t>0 * 2² = 0 * 4 = 0</a:t>
+            </a:r>
+            <a:endParaRPr sz="1200">
+              <a:solidFill>
+                <a:srgbClr val="000000"/>
+              </a:solidFill>
+              <a:latin typeface="Tahoma"/>
+              <a:ea typeface="Tahoma"/>
+              <a:cs typeface="Tahoma"/>
+              <a:sym typeface="Tahoma"/>
+            </a:endParaRPr>
+          </a:p>
+          <a:p>
+            <a:pPr indent="-304800" lvl="0" marL="457200" rtl="0" algn="l">
+              <a:spcBef>
+                <a:spcPts val="0"/>
+              </a:spcBef>
+              <a:spcAft>
+                <a:spcPts val="0"/>
+              </a:spcAft>
+              <a:buClr>
+                <a:srgbClr val="000000"/>
+              </a:buClr>
+              <a:buSzPts val="1200"/>
+              <a:buFont typeface="Tahoma"/>
+              <a:buChar char="●"/>
+            </a:pPr>
+            <a:r>
+              <a:rPr lang="pl" sz="1200">
+                <a:solidFill>
+                  <a:srgbClr val="000000"/>
+                </a:solidFill>
+                <a:latin typeface="Tahoma"/>
+                <a:ea typeface="Tahoma"/>
+                <a:cs typeface="Tahoma"/>
+                <a:sym typeface="Tahoma"/>
+              </a:rPr>
+              <a:t>1 * 2¹ = 1 * 2 = 2</a:t>
+            </a:r>
+            <a:endParaRPr sz="1200">
+              <a:solidFill>
+                <a:srgbClr val="000000"/>
+              </a:solidFill>
+              <a:latin typeface="Tahoma"/>
+              <a:ea typeface="Tahoma"/>
+              <a:cs typeface="Tahoma"/>
+              <a:sym typeface="Tahoma"/>
+            </a:endParaRPr>
+          </a:p>
+          <a:p>
+            <a:pPr indent="-304800" lvl="0" marL="457200" rtl="0" algn="l">
+              <a:spcBef>
+                <a:spcPts val="0"/>
+              </a:spcBef>
+              <a:spcAft>
+                <a:spcPts val="0"/>
+              </a:spcAft>
+              <a:buClr>
+                <a:srgbClr val="000000"/>
+              </a:buClr>
+              <a:buSzPts val="1200"/>
+              <a:buFont typeface="Tahoma"/>
+              <a:buChar char="●"/>
+            </a:pPr>
+            <a:r>
+              <a:rPr lang="pl" sz="1200">
+                <a:solidFill>
+                  <a:srgbClr val="000000"/>
+                </a:solidFill>
+                <a:latin typeface="Tahoma"/>
+                <a:ea typeface="Tahoma"/>
+                <a:cs typeface="Tahoma"/>
+                <a:sym typeface="Tahoma"/>
+              </a:rPr>
+              <a:t>1 * 2⁰ = 1 * 1 = 1</a:t>
+            </a:r>
+            <a:endParaRPr sz="1200">
+              <a:solidFill>
+                <a:srgbClr val="000000"/>
+              </a:solidFill>
+              <a:latin typeface="Tahoma"/>
+              <a:ea typeface="Tahoma"/>
+              <a:cs typeface="Tahoma"/>
+              <a:sym typeface="Tahoma"/>
+            </a:endParaRPr>
+          </a:p>
+          <a:p>
+            <a:pPr indent="0" lvl="0" marL="457200" rtl="0" algn="l">
+              <a:spcBef>
+                <a:spcPts val="1200"/>
+              </a:spcBef>
+              <a:spcAft>
+                <a:spcPts val="0"/>
+              </a:spcAft>
+              <a:buNone/>
+            </a:pPr>
+            <a:r>
+              <a:rPr lang="pl" sz="1200">
+                <a:solidFill>
+                  <a:srgbClr val="000000"/>
+                </a:solidFill>
+                <a:latin typeface="Tahoma"/>
+                <a:ea typeface="Tahoma"/>
+                <a:cs typeface="Tahoma"/>
+                <a:sym typeface="Tahoma"/>
+              </a:rPr>
+              <a:t>Suma: 128 + 64 + 32 + 0 + 8 + 0 + 2 + 1 = </a:t>
+            </a:r>
+            <a:r>
+              <a:rPr b="1" lang="pl" sz="1200">
+                <a:solidFill>
+                  <a:srgbClr val="000000"/>
+                </a:solidFill>
+                <a:latin typeface="Tahoma"/>
+                <a:ea typeface="Tahoma"/>
+                <a:cs typeface="Tahoma"/>
+                <a:sym typeface="Tahoma"/>
+              </a:rPr>
+              <a:t>235</a:t>
+            </a:r>
+            <a:endParaRPr b="1" sz="1200">
+              <a:solidFill>
+                <a:srgbClr val="000000"/>
+              </a:solidFill>
+              <a:latin typeface="Tahoma"/>
+              <a:ea typeface="Tahoma"/>
+              <a:cs typeface="Tahoma"/>
+              <a:sym typeface="Tahoma"/>
+            </a:endParaRPr>
+          </a:p>
+          <a:p>
+            <a:pPr indent="0" lvl="0" marL="0" rtl="0" algn="l">
+              <a:spcBef>
+                <a:spcPts val="1200"/>
+              </a:spcBef>
+              <a:spcAft>
+                <a:spcPts val="1200"/>
+              </a:spcAft>
+              <a:buNone/>
+            </a:pPr>
+            <a:r>
+              <a:t/>
+            </a:r>
+            <a:endParaRPr/>
+          </a:p>
+        </p:txBody>
+      </p:sp>
+    </p:spTree>
+  </p:cSld>
+  <p:clrMapOvr>
+    <a:masterClrMapping/>
+  </p:clrMapOvr>
+</p:sld>
+</file>
+
+<file path=ppt/slides/slide43.xml><?xml version="1.0" encoding="utf-8"?>
+<p:sld xmlns:a="http://schemas.openxmlformats.org/drawingml/2006/main" xmlns:r="http://schemas.openxmlformats.org/officeDocument/2006/relationships" xmlns:mc="http://schemas.openxmlformats.org/markup-compatibility/2006" xmlns:mv="urn:schemas-microsoft-com:mac:vml" xmlns:p="http://schemas.openxmlformats.org/presentationml/2006/main" xmlns:c="http://schemas.openxmlformats.org/drawingml/2006/chart" xmlns:dgm="http://schemas.openxmlformats.org/drawingml/2006/diagram" xmlns:o="urn:schemas-microsoft-com:office:office" xmlns:v="urn:schemas-microsoft-com:vml" xmlns:pvml="urn:schemas-microsoft-com:office:powerpoint" xmlns:com="http://schemas.openxmlformats.org/drawingml/2006/compatibility" xmlns:p14="http://schemas.microsoft.com/office/powerpoint/2010/main" xmlns:p15="http://schemas.microsoft.com/office/powerpoint/2012/main" xmlns:ahyp="http://schemas.microsoft.com/office/drawing/2018/hyperlinkcolor">
+  <p:cSld>
+    <p:spTree>
+      <p:nvGrpSpPr>
+        <p:cNvPr id="351" name="Shape 351"/>
+        <p:cNvGrpSpPr/>
+        <p:nvPr/>
+      </p:nvGrpSpPr>
+      <p:grpSpPr>
+        <a:xfrm>
+          <a:off x="0" y="0"/>
+          <a:ext cx="0" cy="0"/>
+          <a:chOff x="0" y="0"/>
+          <a:chExt cx="0" cy="0"/>
+        </a:xfrm>
+      </p:grpSpPr>
+      <p:sp>
+        <p:nvSpPr>
+          <p:cNvPr id="352" name="Google Shape;352;p55"/>
+          <p:cNvSpPr txBox="1"/>
+          <p:nvPr>
+            <p:ph type="title"/>
+          </p:nvPr>
+        </p:nvSpPr>
+        <p:spPr>
+          <a:xfrm>
+            <a:off x="729450" y="1318650"/>
+            <a:ext cx="7688700" cy="535200"/>
+          </a:xfrm>
+          <a:prstGeom prst="rect">
+            <a:avLst/>
+          </a:prstGeom>
+        </p:spPr>
+        <p:txBody>
+          <a:bodyPr anchorCtr="0" anchor="t" bIns="91425" lIns="91425" spcFirstLastPara="1" rIns="91425" wrap="square" tIns="91425">
+            <a:noAutofit/>
+          </a:bodyPr>
+          <a:lstStyle/>
+          <a:p>
+            <a:pPr indent="0" lvl="0" marL="0" rtl="0" algn="l">
+              <a:lnSpc>
+                <a:spcPct val="115000"/>
+              </a:lnSpc>
+              <a:spcBef>
+                <a:spcPts val="0"/>
+              </a:spcBef>
+              <a:spcAft>
+                <a:spcPts val="1200"/>
+              </a:spcAft>
+              <a:buNone/>
+            </a:pPr>
+            <a:r>
+              <a:rPr lang="pl" sz="2400">
+                <a:solidFill>
+                  <a:srgbClr val="000000"/>
+                </a:solidFill>
+                <a:latin typeface="Tahoma"/>
+                <a:ea typeface="Tahoma"/>
+                <a:cs typeface="Tahoma"/>
+                <a:sym typeface="Tahoma"/>
+              </a:rPr>
+              <a:t>D</a:t>
+            </a:r>
+            <a:r>
+              <a:rPr lang="pl" sz="2400">
+                <a:solidFill>
+                  <a:srgbClr val="000000"/>
+                </a:solidFill>
+                <a:latin typeface="Tahoma"/>
+                <a:ea typeface="Tahoma"/>
+                <a:cs typeface="Tahoma"/>
+                <a:sym typeface="Tahoma"/>
+              </a:rPr>
+              <a:t>ziesiętny na ósemkowy</a:t>
+            </a:r>
+            <a:endParaRPr sz="2400">
+              <a:latin typeface="Tahoma"/>
+              <a:ea typeface="Tahoma"/>
+              <a:cs typeface="Tahoma"/>
+              <a:sym typeface="Tahoma"/>
+            </a:endParaRPr>
+          </a:p>
+        </p:txBody>
+      </p:sp>
+      <p:sp>
+        <p:nvSpPr>
+          <p:cNvPr id="353" name="Google Shape;353;p55"/>
+          <p:cNvSpPr txBox="1"/>
+          <p:nvPr>
+            <p:ph idx="1" type="body"/>
+          </p:nvPr>
+        </p:nvSpPr>
+        <p:spPr>
+          <a:xfrm>
+            <a:off x="729450" y="2078875"/>
+            <a:ext cx="7688700" cy="2261100"/>
+          </a:xfrm>
+          <a:prstGeom prst="rect">
+            <a:avLst/>
+          </a:prstGeom>
+        </p:spPr>
+        <p:txBody>
+          <a:bodyPr anchorCtr="0" anchor="t" bIns="91425" lIns="91425" spcFirstLastPara="1" rIns="91425" wrap="square" tIns="91425">
+            <a:normAutofit/>
+          </a:bodyPr>
+          <a:lstStyle/>
+          <a:p>
+            <a:pPr indent="-304800" lvl="0" marL="457200" rtl="0" algn="l">
+              <a:spcBef>
+                <a:spcPts val="1200"/>
+              </a:spcBef>
+              <a:spcAft>
+                <a:spcPts val="0"/>
+              </a:spcAft>
+              <a:buClr>
+                <a:srgbClr val="000000"/>
+              </a:buClr>
+              <a:buSzPts val="1200"/>
+              <a:buFont typeface="Arial"/>
+              <a:buChar char="❏"/>
+            </a:pPr>
+            <a:r>
+              <a:rPr b="1" lang="pl" sz="1200">
+                <a:solidFill>
+                  <a:srgbClr val="000000"/>
+                </a:solidFill>
+                <a:latin typeface="Tahoma"/>
+                <a:ea typeface="Tahoma"/>
+                <a:cs typeface="Tahoma"/>
+                <a:sym typeface="Tahoma"/>
+              </a:rPr>
+              <a:t>Liczba: </a:t>
+            </a:r>
+            <a:r>
+              <a:rPr lang="pl" sz="1200">
+                <a:solidFill>
+                  <a:srgbClr val="000000"/>
+                </a:solidFill>
+                <a:latin typeface="Tahoma"/>
+                <a:ea typeface="Tahoma"/>
+                <a:cs typeface="Tahoma"/>
+                <a:sym typeface="Tahoma"/>
+              </a:rPr>
+              <a:t>353 </a:t>
+            </a:r>
+            <a:endParaRPr sz="1200">
+              <a:solidFill>
+                <a:srgbClr val="000000"/>
+              </a:solidFill>
+              <a:latin typeface="Tahoma"/>
+              <a:ea typeface="Tahoma"/>
+              <a:cs typeface="Tahoma"/>
+              <a:sym typeface="Tahoma"/>
+            </a:endParaRPr>
+          </a:p>
+          <a:p>
+            <a:pPr indent="0" lvl="0" marL="0" rtl="0" algn="l">
+              <a:spcBef>
+                <a:spcPts val="1200"/>
+              </a:spcBef>
+              <a:spcAft>
+                <a:spcPts val="0"/>
+              </a:spcAft>
+              <a:buNone/>
+            </a:pPr>
+            <a:r>
+              <a:rPr b="1" lang="pl" sz="1200">
+                <a:solidFill>
+                  <a:srgbClr val="000000"/>
+                </a:solidFill>
+                <a:latin typeface="Tahoma"/>
+                <a:ea typeface="Tahoma"/>
+                <a:cs typeface="Tahoma"/>
+                <a:sym typeface="Tahoma"/>
+              </a:rPr>
+              <a:t>Przekształcenie z dziesiętnego na ósemkowy</a:t>
+            </a:r>
+            <a:r>
+              <a:rPr lang="pl" sz="1200">
+                <a:solidFill>
+                  <a:srgbClr val="000000"/>
+                </a:solidFill>
+                <a:latin typeface="Tahoma"/>
+                <a:ea typeface="Tahoma"/>
+                <a:cs typeface="Tahoma"/>
+                <a:sym typeface="Tahoma"/>
+              </a:rPr>
+              <a:t>: Dzielimy </a:t>
+            </a:r>
+            <a:r>
+              <a:rPr lang="pl" sz="1200">
+                <a:solidFill>
+                  <a:srgbClr val="000000"/>
+                </a:solidFill>
+                <a:latin typeface="Tahoma"/>
+                <a:ea typeface="Tahoma"/>
+                <a:cs typeface="Tahoma"/>
+                <a:sym typeface="Tahoma"/>
+              </a:rPr>
+              <a:t>353 </a:t>
+            </a:r>
+            <a:r>
+              <a:rPr lang="pl" sz="1200">
+                <a:solidFill>
+                  <a:srgbClr val="000000"/>
+                </a:solidFill>
+                <a:latin typeface="Tahoma"/>
+                <a:ea typeface="Tahoma"/>
+                <a:cs typeface="Tahoma"/>
+                <a:sym typeface="Tahoma"/>
+              </a:rPr>
+              <a:t>przez 8, zapisując reszty od końca:</a:t>
+            </a:r>
+            <a:endParaRPr sz="1200">
+              <a:solidFill>
+                <a:srgbClr val="000000"/>
+              </a:solidFill>
+              <a:latin typeface="Tahoma"/>
+              <a:ea typeface="Tahoma"/>
+              <a:cs typeface="Tahoma"/>
+              <a:sym typeface="Tahoma"/>
+            </a:endParaRPr>
+          </a:p>
+          <a:p>
+            <a:pPr indent="-304800" lvl="0" marL="457200" rtl="0" algn="l">
+              <a:spcBef>
+                <a:spcPts val="1200"/>
+              </a:spcBef>
+              <a:spcAft>
+                <a:spcPts val="0"/>
+              </a:spcAft>
+              <a:buClr>
+                <a:srgbClr val="000000"/>
+              </a:buClr>
+              <a:buSzPts val="1200"/>
+              <a:buFont typeface="Arial"/>
+              <a:buChar char="●"/>
+            </a:pPr>
+            <a:r>
+              <a:rPr lang="pl" sz="1200">
+                <a:solidFill>
+                  <a:srgbClr val="000000"/>
+                </a:solidFill>
+                <a:latin typeface="Tahoma"/>
+                <a:ea typeface="Tahoma"/>
+                <a:cs typeface="Tahoma"/>
+                <a:sym typeface="Tahoma"/>
+              </a:rPr>
+              <a:t>353 ÷ 8 = 44, reszta </a:t>
+            </a:r>
+            <a:r>
+              <a:rPr b="1" lang="pl" sz="1200">
+                <a:solidFill>
+                  <a:srgbClr val="000000"/>
+                </a:solidFill>
+                <a:latin typeface="Tahoma"/>
+                <a:ea typeface="Tahoma"/>
+                <a:cs typeface="Tahoma"/>
+                <a:sym typeface="Tahoma"/>
+              </a:rPr>
+              <a:t>1</a:t>
+            </a:r>
+            <a:r>
+              <a:rPr lang="pl" sz="1200">
+                <a:solidFill>
+                  <a:srgbClr val="000000"/>
+                </a:solidFill>
+                <a:latin typeface="Tahoma"/>
+                <a:ea typeface="Tahoma"/>
+                <a:cs typeface="Tahoma"/>
+                <a:sym typeface="Tahoma"/>
+              </a:rPr>
+              <a:t> (bo 44 × 8 = 352, a 353 - 352 = 1)</a:t>
+            </a:r>
+            <a:endParaRPr sz="1200">
+              <a:solidFill>
+                <a:srgbClr val="000000"/>
+              </a:solidFill>
+              <a:latin typeface="Tahoma"/>
+              <a:ea typeface="Tahoma"/>
+              <a:cs typeface="Tahoma"/>
+              <a:sym typeface="Tahoma"/>
+            </a:endParaRPr>
+          </a:p>
+          <a:p>
+            <a:pPr indent="-304800" lvl="0" marL="457200" rtl="0" algn="l">
+              <a:spcBef>
+                <a:spcPts val="0"/>
+              </a:spcBef>
+              <a:spcAft>
+                <a:spcPts val="0"/>
+              </a:spcAft>
+              <a:buClr>
+                <a:srgbClr val="000000"/>
+              </a:buClr>
+              <a:buSzPts val="1200"/>
+              <a:buFont typeface="Arial"/>
+              <a:buChar char="●"/>
+            </a:pPr>
+            <a:r>
+              <a:rPr lang="pl" sz="1200">
+                <a:solidFill>
+                  <a:srgbClr val="000000"/>
+                </a:solidFill>
+                <a:latin typeface="Tahoma"/>
+                <a:ea typeface="Tahoma"/>
+                <a:cs typeface="Tahoma"/>
+                <a:sym typeface="Tahoma"/>
+              </a:rPr>
+              <a:t>44 ÷ 8 = 5, reszta </a:t>
+            </a:r>
+            <a:r>
+              <a:rPr b="1" lang="pl" sz="1200">
+                <a:solidFill>
+                  <a:srgbClr val="000000"/>
+                </a:solidFill>
+                <a:latin typeface="Tahoma"/>
+                <a:ea typeface="Tahoma"/>
+                <a:cs typeface="Tahoma"/>
+                <a:sym typeface="Tahoma"/>
+              </a:rPr>
+              <a:t>4</a:t>
+            </a:r>
+            <a:r>
+              <a:rPr lang="pl" sz="1200">
+                <a:solidFill>
+                  <a:srgbClr val="000000"/>
+                </a:solidFill>
+                <a:latin typeface="Tahoma"/>
+                <a:ea typeface="Tahoma"/>
+                <a:cs typeface="Tahoma"/>
+                <a:sym typeface="Tahoma"/>
+              </a:rPr>
+              <a:t> (bo 5 × 8 = 40, a 44 - 40 = 4)</a:t>
+            </a:r>
+            <a:endParaRPr sz="1200">
+              <a:solidFill>
+                <a:srgbClr val="000000"/>
+              </a:solidFill>
+              <a:latin typeface="Tahoma"/>
+              <a:ea typeface="Tahoma"/>
+              <a:cs typeface="Tahoma"/>
+              <a:sym typeface="Tahoma"/>
+            </a:endParaRPr>
+          </a:p>
+          <a:p>
+            <a:pPr indent="-304800" lvl="0" marL="457200" rtl="0" algn="l">
+              <a:spcBef>
+                <a:spcPts val="0"/>
+              </a:spcBef>
+              <a:spcAft>
+                <a:spcPts val="0"/>
+              </a:spcAft>
+              <a:buClr>
+                <a:srgbClr val="000000"/>
+              </a:buClr>
+              <a:buSzPts val="1200"/>
+              <a:buFont typeface="Tahoma"/>
+              <a:buChar char="●"/>
+            </a:pPr>
+            <a:r>
+              <a:rPr lang="pl" sz="1200">
+                <a:solidFill>
+                  <a:srgbClr val="000000"/>
+                </a:solidFill>
+                <a:latin typeface="Tahoma"/>
+                <a:ea typeface="Tahoma"/>
+                <a:cs typeface="Tahoma"/>
+                <a:sym typeface="Tahoma"/>
+              </a:rPr>
+              <a:t>5 ÷ 8 = 0, reszta </a:t>
+            </a:r>
+            <a:r>
+              <a:rPr b="1" lang="pl" sz="1200">
+                <a:solidFill>
+                  <a:srgbClr val="000000"/>
+                </a:solidFill>
+                <a:latin typeface="Tahoma"/>
+                <a:ea typeface="Tahoma"/>
+                <a:cs typeface="Tahoma"/>
+                <a:sym typeface="Tahoma"/>
+              </a:rPr>
+              <a:t>5</a:t>
+            </a:r>
+            <a:r>
+              <a:rPr lang="pl" sz="1200">
+                <a:solidFill>
+                  <a:srgbClr val="000000"/>
+                </a:solidFill>
+                <a:latin typeface="Tahoma"/>
+                <a:ea typeface="Tahoma"/>
+                <a:cs typeface="Tahoma"/>
+                <a:sym typeface="Tahoma"/>
+              </a:rPr>
+              <a:t> (bo 5 &lt; 8)</a:t>
+            </a:r>
+            <a:endParaRPr sz="1200">
+              <a:solidFill>
+                <a:srgbClr val="000000"/>
+              </a:solidFill>
+              <a:latin typeface="Tahoma"/>
+              <a:ea typeface="Tahoma"/>
+              <a:cs typeface="Tahoma"/>
+              <a:sym typeface="Tahoma"/>
+            </a:endParaRPr>
+          </a:p>
+          <a:p>
+            <a:pPr indent="457200" lvl="0" marL="0" rtl="0" algn="l">
+              <a:spcBef>
+                <a:spcPts val="1200"/>
+              </a:spcBef>
+              <a:spcAft>
+                <a:spcPts val="1200"/>
+              </a:spcAft>
+              <a:buNone/>
+            </a:pPr>
+            <a:r>
+              <a:rPr lang="pl" sz="1200">
+                <a:solidFill>
+                  <a:srgbClr val="000000"/>
+                </a:solidFill>
+                <a:latin typeface="Tahoma"/>
+                <a:ea typeface="Tahoma"/>
+                <a:cs typeface="Tahoma"/>
+                <a:sym typeface="Tahoma"/>
+              </a:rPr>
+              <a:t>Odczyt reszt od końca: </a:t>
+            </a:r>
+            <a:r>
+              <a:rPr b="1" lang="pl" sz="1200">
+                <a:solidFill>
+                  <a:srgbClr val="000000"/>
+                </a:solidFill>
+                <a:latin typeface="Tahoma"/>
+                <a:ea typeface="Tahoma"/>
+                <a:cs typeface="Tahoma"/>
+                <a:sym typeface="Tahoma"/>
+              </a:rPr>
+              <a:t>5, 4, 1 → 541 w systemie ósemkowym</a:t>
+            </a:r>
+            <a:endParaRPr sz="1400">
+              <a:latin typeface="Tahoma"/>
+              <a:ea typeface="Tahoma"/>
+              <a:cs typeface="Tahoma"/>
+              <a:sym typeface="Tahoma"/>
+            </a:endParaRPr>
+          </a:p>
+        </p:txBody>
+      </p:sp>
+    </p:spTree>
+  </p:cSld>
+  <p:clrMapOvr>
+    <a:masterClrMapping/>
+  </p:clrMapOvr>
+</p:sld>
+</file>
+
+<file path=ppt/slides/slide44.xml><?xml version="1.0" encoding="utf-8"?>
+<p:sld xmlns:a="http://schemas.openxmlformats.org/drawingml/2006/main" xmlns:r="http://schemas.openxmlformats.org/officeDocument/2006/relationships" xmlns:mc="http://schemas.openxmlformats.org/markup-compatibility/2006" xmlns:mv="urn:schemas-microsoft-com:mac:vml" xmlns:p="http://schemas.openxmlformats.org/presentationml/2006/main" xmlns:c="http://schemas.openxmlformats.org/drawingml/2006/chart" xmlns:dgm="http://schemas.openxmlformats.org/drawingml/2006/diagram" xmlns:o="urn:schemas-microsoft-com:office:office" xmlns:v="urn:schemas-microsoft-com:vml" xmlns:pvml="urn:schemas-microsoft-com:office:powerpoint" xmlns:com="http://schemas.openxmlformats.org/drawingml/2006/compatibility" xmlns:p14="http://schemas.microsoft.com/office/powerpoint/2010/main" xmlns:p15="http://schemas.microsoft.com/office/powerpoint/2012/main" xmlns:ahyp="http://schemas.microsoft.com/office/drawing/2018/hyperlinkcolor">
+  <p:cSld>
+    <p:spTree>
+      <p:nvGrpSpPr>
+        <p:cNvPr id="357" name="Shape 357"/>
+        <p:cNvGrpSpPr/>
+        <p:nvPr/>
+      </p:nvGrpSpPr>
+      <p:grpSpPr>
+        <a:xfrm>
+          <a:off x="0" y="0"/>
+          <a:ext cx="0" cy="0"/>
+          <a:chOff x="0" y="0"/>
+          <a:chExt cx="0" cy="0"/>
+        </a:xfrm>
+      </p:grpSpPr>
+      <p:sp>
+        <p:nvSpPr>
+          <p:cNvPr id="358" name="Google Shape;358;p56"/>
+          <p:cNvSpPr txBox="1"/>
+          <p:nvPr>
+            <p:ph type="title"/>
+          </p:nvPr>
+        </p:nvSpPr>
+        <p:spPr>
+          <a:xfrm>
+            <a:off x="729450" y="1318650"/>
+            <a:ext cx="7688700" cy="535200"/>
+          </a:xfrm>
+          <a:prstGeom prst="rect">
+            <a:avLst/>
+          </a:prstGeom>
+        </p:spPr>
+        <p:txBody>
+          <a:bodyPr anchorCtr="0" anchor="t" bIns="91425" lIns="91425" spcFirstLastPara="1" rIns="91425" wrap="square" tIns="91425">
+            <a:normAutofit fontScale="90000"/>
+          </a:bodyPr>
+          <a:lstStyle/>
+          <a:p>
+            <a:pPr indent="0" lvl="0" marL="0" rtl="0" algn="l">
+              <a:lnSpc>
+                <a:spcPct val="115000"/>
+              </a:lnSpc>
+              <a:spcBef>
+                <a:spcPts val="0"/>
+              </a:spcBef>
+              <a:spcAft>
+                <a:spcPts val="0"/>
+              </a:spcAft>
+              <a:buNone/>
+            </a:pPr>
+            <a:r>
+              <a:rPr lang="pl" sz="2400">
+                <a:solidFill>
+                  <a:srgbClr val="000000"/>
+                </a:solidFill>
+                <a:latin typeface="Tahoma"/>
+                <a:ea typeface="Tahoma"/>
+                <a:cs typeface="Tahoma"/>
+                <a:sym typeface="Tahoma"/>
+              </a:rPr>
+              <a:t>Ó</a:t>
+            </a:r>
+            <a:r>
+              <a:rPr lang="pl" sz="2400">
+                <a:solidFill>
+                  <a:srgbClr val="000000"/>
+                </a:solidFill>
+                <a:latin typeface="Tahoma"/>
+                <a:ea typeface="Tahoma"/>
+                <a:cs typeface="Tahoma"/>
+                <a:sym typeface="Tahoma"/>
+              </a:rPr>
+              <a:t>semkowy na dziesiętny </a:t>
+            </a:r>
+            <a:endParaRPr sz="2400">
+              <a:latin typeface="Tahoma"/>
+              <a:ea typeface="Tahoma"/>
+              <a:cs typeface="Tahoma"/>
+              <a:sym typeface="Tahoma"/>
+            </a:endParaRPr>
+          </a:p>
+          <a:p>
+            <a:pPr indent="0" lvl="0" marL="0" rtl="0" algn="l">
+              <a:spcBef>
+                <a:spcPts val="1200"/>
+              </a:spcBef>
+              <a:spcAft>
+                <a:spcPts val="0"/>
+              </a:spcAft>
+              <a:buNone/>
+            </a:pPr>
+            <a:r>
+              <a:t/>
+            </a:r>
+            <a:endParaRPr/>
+          </a:p>
+        </p:txBody>
+      </p:sp>
+      <p:sp>
+        <p:nvSpPr>
+          <p:cNvPr id="359" name="Google Shape;359;p56"/>
+          <p:cNvSpPr txBox="1"/>
+          <p:nvPr>
+            <p:ph idx="1" type="body"/>
+          </p:nvPr>
+        </p:nvSpPr>
+        <p:spPr>
+          <a:xfrm>
+            <a:off x="729450" y="2078875"/>
+            <a:ext cx="7688700" cy="2261100"/>
+          </a:xfrm>
+          <a:prstGeom prst="rect">
+            <a:avLst/>
+          </a:prstGeom>
+        </p:spPr>
+        <p:txBody>
+          <a:bodyPr anchorCtr="0" anchor="t" bIns="91425" lIns="91425" spcFirstLastPara="1" rIns="91425" wrap="square" tIns="91425">
+            <a:normAutofit fontScale="85000" lnSpcReduction="20000"/>
+          </a:bodyPr>
+          <a:lstStyle/>
+          <a:p>
+            <a:pPr indent="-296068" lvl="0" marL="457200" rtl="0" algn="l">
+              <a:spcBef>
+                <a:spcPts val="1200"/>
+              </a:spcBef>
+              <a:spcAft>
+                <a:spcPts val="0"/>
+              </a:spcAft>
+              <a:buClr>
+                <a:srgbClr val="000000"/>
+              </a:buClr>
+              <a:buSzPct val="100000"/>
+              <a:buFont typeface="Arial"/>
+              <a:buChar char="❏"/>
+            </a:pPr>
+            <a:r>
+              <a:rPr b="1" lang="pl" sz="1250">
+                <a:solidFill>
+                  <a:srgbClr val="000000"/>
+                </a:solidFill>
+                <a:latin typeface="Tahoma"/>
+                <a:ea typeface="Tahoma"/>
+                <a:cs typeface="Tahoma"/>
+                <a:sym typeface="Tahoma"/>
+              </a:rPr>
+              <a:t>Liczba: </a:t>
+            </a:r>
+            <a:r>
+              <a:rPr lang="pl" sz="1250">
+                <a:solidFill>
+                  <a:srgbClr val="000000"/>
+                </a:solidFill>
+                <a:latin typeface="Tahoma"/>
+                <a:ea typeface="Tahoma"/>
+                <a:cs typeface="Tahoma"/>
+                <a:sym typeface="Tahoma"/>
+              </a:rPr>
+              <a:t>541</a:t>
+            </a:r>
+            <a:endParaRPr sz="1250">
+              <a:solidFill>
+                <a:srgbClr val="000000"/>
+              </a:solidFill>
+              <a:latin typeface="Tahoma"/>
+              <a:ea typeface="Tahoma"/>
+              <a:cs typeface="Tahoma"/>
+              <a:sym typeface="Tahoma"/>
+            </a:endParaRPr>
+          </a:p>
+          <a:p>
+            <a:pPr indent="0" lvl="0" marL="0" rtl="0" algn="l">
+              <a:spcBef>
+                <a:spcPts val="1200"/>
+              </a:spcBef>
+              <a:spcAft>
+                <a:spcPts val="0"/>
+              </a:spcAft>
+              <a:buNone/>
+            </a:pPr>
+            <a:r>
+              <a:rPr b="1" lang="pl" sz="1250">
+                <a:solidFill>
+                  <a:srgbClr val="000000"/>
+                </a:solidFill>
+                <a:latin typeface="Tahoma"/>
+                <a:ea typeface="Tahoma"/>
+                <a:cs typeface="Tahoma"/>
+                <a:sym typeface="Tahoma"/>
+              </a:rPr>
+              <a:t>Przekształcenie z ósemkowego na dziesiętny</a:t>
+            </a:r>
+            <a:r>
+              <a:rPr lang="pl" sz="1250">
+                <a:solidFill>
+                  <a:srgbClr val="000000"/>
+                </a:solidFill>
+                <a:latin typeface="Tahoma"/>
+                <a:ea typeface="Tahoma"/>
+                <a:cs typeface="Tahoma"/>
+                <a:sym typeface="Tahoma"/>
+              </a:rPr>
+              <a:t>:  </a:t>
+            </a:r>
+            <a:endParaRPr sz="1250">
+              <a:solidFill>
+                <a:srgbClr val="000000"/>
+              </a:solidFill>
+              <a:latin typeface="Tahoma"/>
+              <a:ea typeface="Tahoma"/>
+              <a:cs typeface="Tahoma"/>
+              <a:sym typeface="Tahoma"/>
+            </a:endParaRPr>
+          </a:p>
+          <a:p>
+            <a:pPr indent="-296068" lvl="0" marL="457200" rtl="0" algn="l">
+              <a:spcBef>
+                <a:spcPts val="1200"/>
+              </a:spcBef>
+              <a:spcAft>
+                <a:spcPts val="0"/>
+              </a:spcAft>
+              <a:buClr>
+                <a:srgbClr val="000000"/>
+              </a:buClr>
+              <a:buSzPct val="100000"/>
+              <a:buFont typeface="Tahoma"/>
+              <a:buChar char="●"/>
+            </a:pPr>
+            <a:r>
+              <a:rPr lang="pl" sz="1250">
+                <a:solidFill>
+                  <a:srgbClr val="000000"/>
+                </a:solidFill>
+                <a:latin typeface="Tahoma"/>
+                <a:ea typeface="Tahoma"/>
+                <a:cs typeface="Tahoma"/>
+                <a:sym typeface="Tahoma"/>
+              </a:rPr>
+              <a:t>5 * 8² = 5 * 64 = 320</a:t>
+            </a:r>
+            <a:endParaRPr sz="1250">
+              <a:solidFill>
+                <a:srgbClr val="000000"/>
+              </a:solidFill>
+              <a:latin typeface="Tahoma"/>
+              <a:ea typeface="Tahoma"/>
+              <a:cs typeface="Tahoma"/>
+              <a:sym typeface="Tahoma"/>
+            </a:endParaRPr>
+          </a:p>
+          <a:p>
+            <a:pPr indent="-296068" lvl="0" marL="457200" rtl="0" algn="l">
+              <a:spcBef>
+                <a:spcPts val="0"/>
+              </a:spcBef>
+              <a:spcAft>
+                <a:spcPts val="0"/>
+              </a:spcAft>
+              <a:buClr>
+                <a:srgbClr val="000000"/>
+              </a:buClr>
+              <a:buSzPct val="100000"/>
+              <a:buFont typeface="Tahoma"/>
+              <a:buChar char="●"/>
+            </a:pPr>
+            <a:r>
+              <a:rPr lang="pl" sz="1250">
+                <a:solidFill>
+                  <a:srgbClr val="000000"/>
+                </a:solidFill>
+                <a:latin typeface="Tahoma"/>
+                <a:ea typeface="Tahoma"/>
+                <a:cs typeface="Tahoma"/>
+                <a:sym typeface="Tahoma"/>
+              </a:rPr>
+              <a:t>4 * 8¹ = 4 * 8 = 32</a:t>
+            </a:r>
+            <a:endParaRPr sz="1250">
+              <a:solidFill>
+                <a:srgbClr val="000000"/>
+              </a:solidFill>
+              <a:latin typeface="Tahoma"/>
+              <a:ea typeface="Tahoma"/>
+              <a:cs typeface="Tahoma"/>
+              <a:sym typeface="Tahoma"/>
+            </a:endParaRPr>
+          </a:p>
+          <a:p>
+            <a:pPr indent="-296068" lvl="0" marL="457200" rtl="0" algn="l">
+              <a:spcBef>
+                <a:spcPts val="0"/>
+              </a:spcBef>
+              <a:spcAft>
+                <a:spcPts val="0"/>
+              </a:spcAft>
+              <a:buClr>
+                <a:srgbClr val="000000"/>
+              </a:buClr>
+              <a:buSzPct val="100000"/>
+              <a:buFont typeface="Tahoma"/>
+              <a:buChar char="●"/>
+            </a:pPr>
+            <a:r>
+              <a:rPr lang="pl" sz="1250">
+                <a:solidFill>
+                  <a:srgbClr val="000000"/>
+                </a:solidFill>
+                <a:latin typeface="Tahoma"/>
+                <a:ea typeface="Tahoma"/>
+                <a:cs typeface="Tahoma"/>
+                <a:sym typeface="Tahoma"/>
+              </a:rPr>
+              <a:t>1 * 8⁰ = 1 * 1 = 1</a:t>
+            </a:r>
+            <a:endParaRPr sz="1250">
+              <a:solidFill>
+                <a:srgbClr val="000000"/>
+              </a:solidFill>
+              <a:latin typeface="Tahoma"/>
+              <a:ea typeface="Tahoma"/>
+              <a:cs typeface="Tahoma"/>
+              <a:sym typeface="Tahoma"/>
+            </a:endParaRPr>
+          </a:p>
+          <a:p>
+            <a:pPr indent="0" lvl="0" marL="457200" rtl="0" algn="l">
+              <a:spcBef>
+                <a:spcPts val="1200"/>
+              </a:spcBef>
+              <a:spcAft>
+                <a:spcPts val="0"/>
+              </a:spcAft>
+              <a:buNone/>
+            </a:pPr>
+            <a:r>
+              <a:rPr lang="pl" sz="1250">
+                <a:solidFill>
+                  <a:srgbClr val="000000"/>
+                </a:solidFill>
+                <a:latin typeface="Tahoma"/>
+                <a:ea typeface="Tahoma"/>
+                <a:cs typeface="Tahoma"/>
+                <a:sym typeface="Tahoma"/>
+              </a:rPr>
+              <a:t>Suma: 320 + 32 + 1 = </a:t>
+            </a:r>
+            <a:r>
+              <a:rPr b="1" lang="pl" sz="1250">
+                <a:solidFill>
+                  <a:srgbClr val="000000"/>
+                </a:solidFill>
+                <a:latin typeface="Tahoma"/>
+                <a:ea typeface="Tahoma"/>
+                <a:cs typeface="Tahoma"/>
+                <a:sym typeface="Tahoma"/>
+              </a:rPr>
+              <a:t>353</a:t>
+            </a:r>
+            <a:endParaRPr b="1" sz="1250">
+              <a:solidFill>
+                <a:srgbClr val="000000"/>
+              </a:solidFill>
+              <a:latin typeface="Tahoma"/>
+              <a:ea typeface="Tahoma"/>
+              <a:cs typeface="Tahoma"/>
+              <a:sym typeface="Tahoma"/>
+            </a:endParaRPr>
+          </a:p>
+          <a:p>
+            <a:pPr indent="0" lvl="0" marL="457200" rtl="0" algn="l">
+              <a:spcBef>
+                <a:spcPts val="1200"/>
+              </a:spcBef>
+              <a:spcAft>
+                <a:spcPts val="0"/>
+              </a:spcAft>
+              <a:buNone/>
+            </a:pPr>
+            <a:r>
+              <a:t/>
+            </a:r>
+            <a:endParaRPr sz="1200">
+              <a:solidFill>
+                <a:srgbClr val="000000"/>
+              </a:solidFill>
+              <a:latin typeface="Tahoma"/>
+              <a:ea typeface="Tahoma"/>
+              <a:cs typeface="Tahoma"/>
+              <a:sym typeface="Tahoma"/>
+            </a:endParaRPr>
+          </a:p>
+          <a:p>
+            <a:pPr indent="0" lvl="0" marL="0" rtl="0" algn="l">
+              <a:spcBef>
+                <a:spcPts val="1200"/>
+              </a:spcBef>
+              <a:spcAft>
+                <a:spcPts val="1200"/>
+              </a:spcAft>
+              <a:buNone/>
+            </a:pPr>
+            <a:r>
+              <a:t/>
+            </a:r>
+            <a:endParaRPr/>
+          </a:p>
+        </p:txBody>
+      </p:sp>
+    </p:spTree>
+  </p:cSld>
+  <p:clrMapOvr>
+    <a:masterClrMapping/>
+  </p:clrMapOvr>
+</p:sld>
+</file>
+
+<file path=ppt/slides/slide45.xml><?xml version="1.0" encoding="utf-8"?>
+<p:sld xmlns:a="http://schemas.openxmlformats.org/drawingml/2006/main" xmlns:r="http://schemas.openxmlformats.org/officeDocument/2006/relationships" xmlns:mc="http://schemas.openxmlformats.org/markup-compatibility/2006" xmlns:mv="urn:schemas-microsoft-com:mac:vml" xmlns:p="http://schemas.openxmlformats.org/presentationml/2006/main" xmlns:c="http://schemas.openxmlformats.org/drawingml/2006/chart" xmlns:dgm="http://schemas.openxmlformats.org/drawingml/2006/diagram" xmlns:o="urn:schemas-microsoft-com:office:office" xmlns:v="urn:schemas-microsoft-com:vml" xmlns:pvml="urn:schemas-microsoft-com:office:powerpoint" xmlns:com="http://schemas.openxmlformats.org/drawingml/2006/compatibility" xmlns:p14="http://schemas.microsoft.com/office/powerpoint/2010/main" xmlns:p15="http://schemas.microsoft.com/office/powerpoint/2012/main" xmlns:ahyp="http://schemas.microsoft.com/office/drawing/2018/hyperlinkcolor">
+  <p:cSld>
+    <p:spTree>
+      <p:nvGrpSpPr>
+        <p:cNvPr id="363" name="Shape 363"/>
+        <p:cNvGrpSpPr/>
+        <p:nvPr/>
+      </p:nvGrpSpPr>
+      <p:grpSpPr>
+        <a:xfrm>
+          <a:off x="0" y="0"/>
+          <a:ext cx="0" cy="0"/>
+          <a:chOff x="0" y="0"/>
+          <a:chExt cx="0" cy="0"/>
+        </a:xfrm>
+      </p:grpSpPr>
+      <p:sp>
+        <p:nvSpPr>
+          <p:cNvPr id="364" name="Google Shape;364;p57"/>
+          <p:cNvSpPr txBox="1"/>
+          <p:nvPr>
+            <p:ph type="title"/>
+          </p:nvPr>
+        </p:nvSpPr>
+        <p:spPr>
+          <a:xfrm>
+            <a:off x="729450" y="1318650"/>
+            <a:ext cx="7688700" cy="535200"/>
+          </a:xfrm>
+          <a:prstGeom prst="rect">
+            <a:avLst/>
+          </a:prstGeom>
+        </p:spPr>
+        <p:txBody>
+          <a:bodyPr anchorCtr="0" anchor="t" bIns="91425" lIns="91425" spcFirstLastPara="1" rIns="91425" wrap="square" tIns="91425">
+            <a:normAutofit fontScale="90000"/>
+          </a:bodyPr>
+          <a:lstStyle/>
+          <a:p>
+            <a:pPr indent="0" lvl="0" marL="0" rtl="0" algn="l">
+              <a:lnSpc>
+                <a:spcPct val="115000"/>
+              </a:lnSpc>
+              <a:spcBef>
+                <a:spcPts val="0"/>
+              </a:spcBef>
+              <a:spcAft>
+                <a:spcPts val="0"/>
+              </a:spcAft>
+              <a:buNone/>
+            </a:pPr>
+            <a:r>
+              <a:rPr lang="pl" sz="2400">
+                <a:solidFill>
+                  <a:srgbClr val="000000"/>
+                </a:solidFill>
+                <a:latin typeface="Tahoma"/>
+                <a:ea typeface="Tahoma"/>
+                <a:cs typeface="Tahoma"/>
+                <a:sym typeface="Tahoma"/>
+              </a:rPr>
+              <a:t>Dziesiętny na szesnastkowy</a:t>
+            </a:r>
+            <a:endParaRPr sz="2400">
+              <a:latin typeface="Tahoma"/>
+              <a:ea typeface="Tahoma"/>
+              <a:cs typeface="Tahoma"/>
+              <a:sym typeface="Tahoma"/>
+            </a:endParaRPr>
+          </a:p>
+          <a:p>
+            <a:pPr indent="0" lvl="0" marL="0" rtl="0" algn="l">
+              <a:spcBef>
+                <a:spcPts val="1200"/>
+              </a:spcBef>
+              <a:spcAft>
+                <a:spcPts val="0"/>
+              </a:spcAft>
+              <a:buNone/>
+            </a:pPr>
+            <a:r>
+              <a:t/>
+            </a:r>
+            <a:endParaRPr/>
+          </a:p>
+        </p:txBody>
+      </p:sp>
+      <p:sp>
+        <p:nvSpPr>
+          <p:cNvPr id="365" name="Google Shape;365;p57"/>
+          <p:cNvSpPr txBox="1"/>
+          <p:nvPr>
+            <p:ph idx="1" type="body"/>
+          </p:nvPr>
+        </p:nvSpPr>
+        <p:spPr>
+          <a:xfrm>
+            <a:off x="727650" y="2055550"/>
+            <a:ext cx="7688700" cy="2261100"/>
+          </a:xfrm>
+          <a:prstGeom prst="rect">
+            <a:avLst/>
+          </a:prstGeom>
+        </p:spPr>
+        <p:txBody>
+          <a:bodyPr anchorCtr="0" anchor="t" bIns="91425" lIns="91425" spcFirstLastPara="1" rIns="91425" wrap="square" tIns="91425">
+            <a:normAutofit/>
+          </a:bodyPr>
+          <a:lstStyle/>
+          <a:p>
+            <a:pPr indent="-304800" lvl="0" marL="457200" rtl="0" algn="l">
+              <a:spcBef>
+                <a:spcPts val="1200"/>
+              </a:spcBef>
+              <a:spcAft>
+                <a:spcPts val="0"/>
+              </a:spcAft>
+              <a:buClr>
+                <a:srgbClr val="000000"/>
+              </a:buClr>
+              <a:buSzPts val="1200"/>
+              <a:buFont typeface="Arial"/>
+              <a:buChar char="❏"/>
+            </a:pPr>
+            <a:r>
+              <a:rPr b="1" lang="pl" sz="1200">
+                <a:solidFill>
+                  <a:srgbClr val="000000"/>
+                </a:solidFill>
+                <a:latin typeface="Tahoma"/>
+                <a:ea typeface="Tahoma"/>
+                <a:cs typeface="Tahoma"/>
+                <a:sym typeface="Tahoma"/>
+              </a:rPr>
+              <a:t>Liczba: </a:t>
+            </a:r>
+            <a:r>
+              <a:rPr lang="pl" sz="1200">
+                <a:solidFill>
+                  <a:srgbClr val="000000"/>
+                </a:solidFill>
+                <a:latin typeface="Tahoma"/>
+                <a:ea typeface="Tahoma"/>
+                <a:cs typeface="Tahoma"/>
+                <a:sym typeface="Tahoma"/>
+              </a:rPr>
+              <a:t>235 </a:t>
+            </a:r>
+            <a:endParaRPr b="1" sz="1200">
+              <a:solidFill>
+                <a:srgbClr val="000000"/>
+              </a:solidFill>
+              <a:latin typeface="Tahoma"/>
+              <a:ea typeface="Tahoma"/>
+              <a:cs typeface="Tahoma"/>
+              <a:sym typeface="Tahoma"/>
+            </a:endParaRPr>
+          </a:p>
+          <a:p>
+            <a:pPr indent="0" lvl="0" marL="0" rtl="0" algn="l">
+              <a:spcBef>
+                <a:spcPts val="1200"/>
+              </a:spcBef>
+              <a:spcAft>
+                <a:spcPts val="0"/>
+              </a:spcAft>
+              <a:buNone/>
+            </a:pPr>
+            <a:r>
+              <a:rPr b="1" lang="pl" sz="1200">
+                <a:solidFill>
+                  <a:srgbClr val="000000"/>
+                </a:solidFill>
+                <a:latin typeface="Tahoma"/>
+                <a:ea typeface="Tahoma"/>
+                <a:cs typeface="Tahoma"/>
+                <a:sym typeface="Tahoma"/>
+              </a:rPr>
+              <a:t>Opis</a:t>
+            </a:r>
+            <a:r>
+              <a:rPr lang="pl" sz="1200">
+                <a:solidFill>
+                  <a:srgbClr val="000000"/>
+                </a:solidFill>
+                <a:latin typeface="Tahoma"/>
+                <a:ea typeface="Tahoma"/>
+                <a:cs typeface="Tahoma"/>
+                <a:sym typeface="Tahoma"/>
+              </a:rPr>
+              <a:t>: Używa cyfr 0–9 oraz liter A–F (A=10, B=11, C=12, D=13, E=14, F=15).</a:t>
+            </a:r>
+            <a:endParaRPr sz="1200">
+              <a:solidFill>
+                <a:srgbClr val="000000"/>
+              </a:solidFill>
+              <a:latin typeface="Tahoma"/>
+              <a:ea typeface="Tahoma"/>
+              <a:cs typeface="Tahoma"/>
+              <a:sym typeface="Tahoma"/>
+            </a:endParaRPr>
+          </a:p>
+          <a:p>
+            <a:pPr indent="-304800" lvl="0" marL="457200" rtl="0" algn="l">
+              <a:spcBef>
+                <a:spcPts val="1200"/>
+              </a:spcBef>
+              <a:spcAft>
+                <a:spcPts val="0"/>
+              </a:spcAft>
+              <a:buClr>
+                <a:srgbClr val="000000"/>
+              </a:buClr>
+              <a:buSzPts val="1200"/>
+              <a:buFont typeface="Arial"/>
+              <a:buChar char="●"/>
+            </a:pPr>
+            <a:r>
+              <a:rPr lang="pl" sz="1200">
+                <a:solidFill>
+                  <a:srgbClr val="000000"/>
+                </a:solidFill>
+                <a:latin typeface="Tahoma"/>
+                <a:ea typeface="Tahoma"/>
+                <a:cs typeface="Tahoma"/>
+                <a:sym typeface="Tahoma"/>
+              </a:rPr>
+              <a:t>235 ÷ 16 = 14, reszta </a:t>
+            </a:r>
+            <a:r>
+              <a:rPr b="1" lang="pl" sz="1200">
+                <a:solidFill>
+                  <a:srgbClr val="000000"/>
+                </a:solidFill>
+                <a:latin typeface="Tahoma"/>
+                <a:ea typeface="Tahoma"/>
+                <a:cs typeface="Tahoma"/>
+                <a:sym typeface="Tahoma"/>
+              </a:rPr>
+              <a:t>11</a:t>
+            </a:r>
+            <a:r>
+              <a:rPr lang="pl" sz="1200">
+                <a:solidFill>
+                  <a:srgbClr val="000000"/>
+                </a:solidFill>
+                <a:latin typeface="Tahoma"/>
+                <a:ea typeface="Tahoma"/>
+                <a:cs typeface="Tahoma"/>
+                <a:sym typeface="Tahoma"/>
+              </a:rPr>
+              <a:t> (bo 14 × 16 = 224, a 235 - 224 = 11). Reszta 11 odpowiada cyfrze </a:t>
+            </a:r>
+            <a:r>
+              <a:rPr b="1" lang="pl" sz="1200">
+                <a:solidFill>
+                  <a:srgbClr val="000000"/>
+                </a:solidFill>
+                <a:latin typeface="Tahoma"/>
+                <a:ea typeface="Tahoma"/>
+                <a:cs typeface="Tahoma"/>
+                <a:sym typeface="Tahoma"/>
+              </a:rPr>
+              <a:t>B</a:t>
+            </a:r>
+            <a:r>
+              <a:rPr lang="pl" sz="1200">
+                <a:solidFill>
+                  <a:srgbClr val="000000"/>
+                </a:solidFill>
+                <a:latin typeface="Tahoma"/>
+                <a:ea typeface="Tahoma"/>
+                <a:cs typeface="Tahoma"/>
+                <a:sym typeface="Tahoma"/>
+              </a:rPr>
+              <a:t> w systemie szesnastkowym.</a:t>
+            </a:r>
+            <a:endParaRPr sz="1200">
+              <a:solidFill>
+                <a:srgbClr val="000000"/>
+              </a:solidFill>
+              <a:latin typeface="Tahoma"/>
+              <a:ea typeface="Tahoma"/>
+              <a:cs typeface="Tahoma"/>
+              <a:sym typeface="Tahoma"/>
+            </a:endParaRPr>
+          </a:p>
+          <a:p>
+            <a:pPr indent="-304800" lvl="0" marL="457200" rtl="0" algn="l">
+              <a:spcBef>
+                <a:spcPts val="0"/>
+              </a:spcBef>
+              <a:spcAft>
+                <a:spcPts val="0"/>
+              </a:spcAft>
+              <a:buClr>
+                <a:srgbClr val="000000"/>
+              </a:buClr>
+              <a:buSzPts val="1200"/>
+              <a:buFont typeface="Arial"/>
+              <a:buChar char="●"/>
+            </a:pPr>
+            <a:r>
+              <a:rPr lang="pl" sz="1200">
+                <a:solidFill>
+                  <a:srgbClr val="000000"/>
+                </a:solidFill>
+                <a:latin typeface="Tahoma"/>
+                <a:ea typeface="Tahoma"/>
+                <a:cs typeface="Tahoma"/>
+                <a:sym typeface="Tahoma"/>
+              </a:rPr>
+              <a:t>14 ÷ 16 = 0, reszta </a:t>
+            </a:r>
+            <a:r>
+              <a:rPr b="1" lang="pl" sz="1200">
+                <a:solidFill>
+                  <a:srgbClr val="000000"/>
+                </a:solidFill>
+                <a:latin typeface="Tahoma"/>
+                <a:ea typeface="Tahoma"/>
+                <a:cs typeface="Tahoma"/>
+                <a:sym typeface="Tahoma"/>
+              </a:rPr>
+              <a:t>14</a:t>
+            </a:r>
+            <a:r>
+              <a:rPr lang="pl" sz="1200">
+                <a:solidFill>
+                  <a:srgbClr val="000000"/>
+                </a:solidFill>
+                <a:latin typeface="Tahoma"/>
+                <a:ea typeface="Tahoma"/>
+                <a:cs typeface="Tahoma"/>
+                <a:sym typeface="Tahoma"/>
+              </a:rPr>
+              <a:t> (bo 14 &lt; 16). Reszta 14 odpowiada cyfrze </a:t>
+            </a:r>
+            <a:r>
+              <a:rPr b="1" lang="pl" sz="1200">
+                <a:solidFill>
+                  <a:srgbClr val="000000"/>
+                </a:solidFill>
+                <a:latin typeface="Tahoma"/>
+                <a:ea typeface="Tahoma"/>
+                <a:cs typeface="Tahoma"/>
+                <a:sym typeface="Tahoma"/>
+              </a:rPr>
+              <a:t>E</a:t>
+            </a:r>
+            <a:r>
+              <a:rPr lang="pl" sz="1200">
+                <a:solidFill>
+                  <a:srgbClr val="000000"/>
+                </a:solidFill>
+                <a:latin typeface="Tahoma"/>
+                <a:ea typeface="Tahoma"/>
+                <a:cs typeface="Tahoma"/>
+                <a:sym typeface="Tahoma"/>
+              </a:rPr>
+              <a:t> w systemie szesnastkowym.</a:t>
+            </a:r>
+            <a:endParaRPr sz="1200">
+              <a:solidFill>
+                <a:srgbClr val="000000"/>
+              </a:solidFill>
+              <a:latin typeface="Tahoma"/>
+              <a:ea typeface="Tahoma"/>
+              <a:cs typeface="Tahoma"/>
+              <a:sym typeface="Tahoma"/>
+            </a:endParaRPr>
+          </a:p>
+          <a:p>
+            <a:pPr indent="0" lvl="0" marL="0" rtl="0" algn="l">
+              <a:spcBef>
+                <a:spcPts val="1200"/>
+              </a:spcBef>
+              <a:spcAft>
+                <a:spcPts val="0"/>
+              </a:spcAft>
+              <a:buNone/>
+            </a:pPr>
+            <a:r>
+              <a:rPr lang="pl" sz="1200">
+                <a:solidFill>
+                  <a:srgbClr val="000000"/>
+                </a:solidFill>
+                <a:latin typeface="Tahoma"/>
+                <a:ea typeface="Tahoma"/>
+                <a:cs typeface="Tahoma"/>
+                <a:sym typeface="Tahoma"/>
+              </a:rPr>
+              <a:t>Odczytujemy reszty od końca: </a:t>
+            </a:r>
+            <a:r>
+              <a:rPr b="1" lang="pl" sz="1200">
+                <a:solidFill>
+                  <a:srgbClr val="000000"/>
+                </a:solidFill>
+                <a:latin typeface="Tahoma"/>
+                <a:ea typeface="Tahoma"/>
+                <a:cs typeface="Tahoma"/>
+                <a:sym typeface="Tahoma"/>
+              </a:rPr>
+              <a:t>E, B</a:t>
+            </a:r>
+            <a:r>
+              <a:rPr lang="pl" sz="1200">
+                <a:solidFill>
+                  <a:srgbClr val="000000"/>
+                </a:solidFill>
+                <a:latin typeface="Tahoma"/>
+                <a:ea typeface="Tahoma"/>
+                <a:cs typeface="Tahoma"/>
+                <a:sym typeface="Tahoma"/>
+              </a:rPr>
+              <a:t> → </a:t>
+            </a:r>
+            <a:r>
+              <a:rPr b="1" lang="pl" sz="1200">
+                <a:solidFill>
+                  <a:srgbClr val="000000"/>
+                </a:solidFill>
+                <a:latin typeface="Tahoma"/>
+                <a:ea typeface="Tahoma"/>
+                <a:cs typeface="Tahoma"/>
+                <a:sym typeface="Tahoma"/>
+              </a:rPr>
+              <a:t>EB</a:t>
+            </a:r>
+            <a:r>
+              <a:rPr lang="pl" sz="1200">
+                <a:solidFill>
+                  <a:srgbClr val="000000"/>
+                </a:solidFill>
+                <a:latin typeface="Tahoma"/>
+                <a:ea typeface="Tahoma"/>
+                <a:cs typeface="Tahoma"/>
+                <a:sym typeface="Tahoma"/>
+              </a:rPr>
+              <a:t>.</a:t>
+            </a:r>
+            <a:endParaRPr sz="1200">
+              <a:solidFill>
+                <a:srgbClr val="000000"/>
+              </a:solidFill>
+              <a:latin typeface="Tahoma"/>
+              <a:ea typeface="Tahoma"/>
+              <a:cs typeface="Tahoma"/>
+              <a:sym typeface="Tahoma"/>
+            </a:endParaRPr>
+          </a:p>
+          <a:p>
+            <a:pPr indent="0" lvl="0" marL="0" rtl="0" algn="l">
+              <a:spcBef>
+                <a:spcPts val="1200"/>
+              </a:spcBef>
+              <a:spcAft>
+                <a:spcPts val="1200"/>
+              </a:spcAft>
+              <a:buNone/>
+            </a:pPr>
+            <a:r>
+              <a:rPr b="1" lang="pl" sz="1200">
+                <a:solidFill>
+                  <a:srgbClr val="000000"/>
+                </a:solidFill>
+                <a:latin typeface="Tahoma"/>
+                <a:ea typeface="Tahoma"/>
+                <a:cs typeface="Tahoma"/>
+                <a:sym typeface="Tahoma"/>
+              </a:rPr>
+              <a:t>Wynik</a:t>
+            </a:r>
+            <a:r>
+              <a:rPr lang="pl" sz="1200">
+                <a:solidFill>
+                  <a:srgbClr val="000000"/>
+                </a:solidFill>
+                <a:latin typeface="Tahoma"/>
+                <a:ea typeface="Tahoma"/>
+                <a:cs typeface="Tahoma"/>
+                <a:sym typeface="Tahoma"/>
+              </a:rPr>
+              <a:t>: 235 (dziesiętny) = </a:t>
+            </a:r>
+            <a:r>
+              <a:rPr b="1" lang="pl" sz="1200">
+                <a:solidFill>
+                  <a:srgbClr val="000000"/>
+                </a:solidFill>
+                <a:latin typeface="Tahoma"/>
+                <a:ea typeface="Tahoma"/>
+                <a:cs typeface="Tahoma"/>
+                <a:sym typeface="Tahoma"/>
+              </a:rPr>
+              <a:t>EB</a:t>
+            </a:r>
+            <a:r>
+              <a:rPr lang="pl" sz="1200">
+                <a:solidFill>
+                  <a:srgbClr val="000000"/>
+                </a:solidFill>
+                <a:latin typeface="Tahoma"/>
+                <a:ea typeface="Tahoma"/>
+                <a:cs typeface="Tahoma"/>
+                <a:sym typeface="Tahoma"/>
+              </a:rPr>
+              <a:t> (szesnastkowy).</a:t>
+            </a:r>
+            <a:endParaRPr sz="1400">
+              <a:latin typeface="Tahoma"/>
+              <a:ea typeface="Tahoma"/>
+              <a:cs typeface="Tahoma"/>
+              <a:sym typeface="Tahoma"/>
+            </a:endParaRPr>
+          </a:p>
+        </p:txBody>
+      </p:sp>
+    </p:spTree>
+  </p:cSld>
+  <p:clrMapOvr>
+    <a:masterClrMapping/>
+  </p:clrMapOvr>
+</p:sld>
+</file>
+
+<file path=ppt/slides/slide46.xml><?xml version="1.0" encoding="utf-8"?>
+<p:sld xmlns:a="http://schemas.openxmlformats.org/drawingml/2006/main" xmlns:r="http://schemas.openxmlformats.org/officeDocument/2006/relationships" xmlns:mc="http://schemas.openxmlformats.org/markup-compatibility/2006" xmlns:mv="urn:schemas-microsoft-com:mac:vml" xmlns:p="http://schemas.openxmlformats.org/presentationml/2006/main" xmlns:c="http://schemas.openxmlformats.org/drawingml/2006/chart" xmlns:dgm="http://schemas.openxmlformats.org/drawingml/2006/diagram" xmlns:o="urn:schemas-microsoft-com:office:office" xmlns:v="urn:schemas-microsoft-com:vml" xmlns:pvml="urn:schemas-microsoft-com:office:powerpoint" xmlns:com="http://schemas.openxmlformats.org/drawingml/2006/compatibility" xmlns:p14="http://schemas.microsoft.com/office/powerpoint/2010/main" xmlns:p15="http://schemas.microsoft.com/office/powerpoint/2012/main" xmlns:ahyp="http://schemas.microsoft.com/office/drawing/2018/hyperlinkcolor">
+  <p:cSld>
+    <p:spTree>
+      <p:nvGrpSpPr>
+        <p:cNvPr id="369" name="Shape 369"/>
+        <p:cNvGrpSpPr/>
+        <p:nvPr/>
+      </p:nvGrpSpPr>
+      <p:grpSpPr>
+        <a:xfrm>
+          <a:off x="0" y="0"/>
+          <a:ext cx="0" cy="0"/>
+          <a:chOff x="0" y="0"/>
+          <a:chExt cx="0" cy="0"/>
+        </a:xfrm>
+      </p:grpSpPr>
+      <p:sp>
+        <p:nvSpPr>
+          <p:cNvPr id="370" name="Google Shape;370;p58"/>
+          <p:cNvSpPr txBox="1"/>
+          <p:nvPr>
+            <p:ph type="title"/>
+          </p:nvPr>
+        </p:nvSpPr>
+        <p:spPr>
+          <a:xfrm>
+            <a:off x="729450" y="1318650"/>
+            <a:ext cx="7688700" cy="535200"/>
+          </a:xfrm>
+          <a:prstGeom prst="rect">
+            <a:avLst/>
+          </a:prstGeom>
+        </p:spPr>
+        <p:txBody>
+          <a:bodyPr anchorCtr="0" anchor="t" bIns="91425" lIns="91425" spcFirstLastPara="1" rIns="91425" wrap="square" tIns="91425">
+            <a:normAutofit fontScale="90000"/>
+          </a:bodyPr>
+          <a:lstStyle/>
+          <a:p>
+            <a:pPr indent="0" lvl="0" marL="0" rtl="0" algn="l">
+              <a:lnSpc>
+                <a:spcPct val="115000"/>
+              </a:lnSpc>
+              <a:spcBef>
+                <a:spcPts val="1200"/>
+              </a:spcBef>
+              <a:spcAft>
+                <a:spcPts val="0"/>
+              </a:spcAft>
+              <a:buNone/>
+            </a:pPr>
+            <a:r>
+              <a:rPr lang="pl">
+                <a:latin typeface="Tahoma"/>
+                <a:ea typeface="Tahoma"/>
+                <a:cs typeface="Tahoma"/>
+                <a:sym typeface="Tahoma"/>
+              </a:rPr>
+              <a:t>S</a:t>
+            </a:r>
+            <a:r>
+              <a:rPr lang="pl">
+                <a:latin typeface="Tahoma"/>
+                <a:ea typeface="Tahoma"/>
+                <a:cs typeface="Tahoma"/>
+                <a:sym typeface="Tahoma"/>
+              </a:rPr>
+              <a:t>zesnastkowy na dziesiętny</a:t>
+            </a:r>
+            <a:endParaRPr>
+              <a:latin typeface="Tahoma"/>
+              <a:ea typeface="Tahoma"/>
+              <a:cs typeface="Tahoma"/>
+              <a:sym typeface="Tahoma"/>
+            </a:endParaRPr>
+          </a:p>
+          <a:p>
+            <a:pPr indent="0" lvl="0" marL="0" rtl="0" algn="l">
+              <a:spcBef>
+                <a:spcPts val="1200"/>
+              </a:spcBef>
+              <a:spcAft>
+                <a:spcPts val="0"/>
+              </a:spcAft>
+              <a:buNone/>
+            </a:pPr>
+            <a:r>
+              <a:t/>
+            </a:r>
+            <a:endParaRPr/>
+          </a:p>
+        </p:txBody>
+      </p:sp>
+      <p:sp>
+        <p:nvSpPr>
+          <p:cNvPr id="371" name="Google Shape;371;p58"/>
+          <p:cNvSpPr txBox="1"/>
+          <p:nvPr>
+            <p:ph idx="1" type="body"/>
+          </p:nvPr>
+        </p:nvSpPr>
+        <p:spPr>
+          <a:xfrm>
+            <a:off x="729450" y="2078875"/>
+            <a:ext cx="7688700" cy="2261100"/>
+          </a:xfrm>
+          <a:prstGeom prst="rect">
+            <a:avLst/>
+          </a:prstGeom>
+        </p:spPr>
+        <p:txBody>
+          <a:bodyPr anchorCtr="0" anchor="t" bIns="91425" lIns="91425" spcFirstLastPara="1" rIns="91425" wrap="square" tIns="91425">
+            <a:normAutofit lnSpcReduction="20000"/>
+          </a:bodyPr>
+          <a:lstStyle/>
+          <a:p>
+            <a:pPr indent="-304800" lvl="0" marL="457200" rtl="0" algn="l">
+              <a:spcBef>
+                <a:spcPts val="1200"/>
+              </a:spcBef>
+              <a:spcAft>
+                <a:spcPts val="0"/>
+              </a:spcAft>
+              <a:buClr>
+                <a:srgbClr val="000000"/>
+              </a:buClr>
+              <a:buSzPts val="1200"/>
+              <a:buFont typeface="Arial"/>
+              <a:buChar char="❏"/>
+            </a:pPr>
+            <a:r>
+              <a:rPr b="1" lang="pl" sz="1200">
+                <a:solidFill>
+                  <a:srgbClr val="000000"/>
+                </a:solidFill>
+                <a:latin typeface="Tahoma"/>
+                <a:ea typeface="Tahoma"/>
+                <a:cs typeface="Tahoma"/>
+                <a:sym typeface="Tahoma"/>
+              </a:rPr>
+              <a:t>Liczba: </a:t>
+            </a:r>
+            <a:r>
+              <a:rPr lang="pl" sz="1200">
+                <a:solidFill>
+                  <a:srgbClr val="000000"/>
+                </a:solidFill>
+                <a:latin typeface="Tahoma"/>
+                <a:ea typeface="Tahoma"/>
+                <a:cs typeface="Tahoma"/>
+                <a:sym typeface="Tahoma"/>
+              </a:rPr>
+              <a:t>EB</a:t>
+            </a:r>
+            <a:endParaRPr sz="1200">
+              <a:solidFill>
+                <a:srgbClr val="000000"/>
+              </a:solidFill>
+              <a:latin typeface="Tahoma"/>
+              <a:ea typeface="Tahoma"/>
+              <a:cs typeface="Tahoma"/>
+              <a:sym typeface="Tahoma"/>
+            </a:endParaRPr>
+          </a:p>
+          <a:p>
+            <a:pPr indent="0" lvl="0" marL="0" rtl="0" algn="l">
+              <a:spcBef>
+                <a:spcPts val="1200"/>
+              </a:spcBef>
+              <a:spcAft>
+                <a:spcPts val="0"/>
+              </a:spcAft>
+              <a:buNone/>
+            </a:pPr>
+            <a:r>
+              <a:rPr b="1" lang="pl" sz="1200">
+                <a:solidFill>
+                  <a:srgbClr val="000000"/>
+                </a:solidFill>
+                <a:latin typeface="Tahoma"/>
+                <a:ea typeface="Tahoma"/>
+                <a:cs typeface="Tahoma"/>
+                <a:sym typeface="Tahoma"/>
+              </a:rPr>
+              <a:t>Opis</a:t>
+            </a:r>
+            <a:r>
+              <a:rPr lang="pl" sz="1200">
+                <a:solidFill>
+                  <a:srgbClr val="000000"/>
+                </a:solidFill>
+                <a:latin typeface="Tahoma"/>
+                <a:ea typeface="Tahoma"/>
+                <a:cs typeface="Tahoma"/>
+                <a:sym typeface="Tahoma"/>
+              </a:rPr>
+              <a:t>: Używa cyfr 0–9 oraz liter A–F (A=10, B=11, C=12, D=13, E=14, F=15)</a:t>
+            </a:r>
+            <a:endParaRPr sz="1200">
+              <a:solidFill>
+                <a:srgbClr val="000000"/>
+              </a:solidFill>
+              <a:latin typeface="Tahoma"/>
+              <a:ea typeface="Tahoma"/>
+              <a:cs typeface="Tahoma"/>
+              <a:sym typeface="Tahoma"/>
+            </a:endParaRPr>
+          </a:p>
+          <a:p>
+            <a:pPr indent="0" lvl="0" marL="0" rtl="0" algn="l">
+              <a:spcBef>
+                <a:spcPts val="1200"/>
+              </a:spcBef>
+              <a:spcAft>
+                <a:spcPts val="0"/>
+              </a:spcAft>
+              <a:buNone/>
+            </a:pPr>
+            <a:r>
+              <a:rPr b="1" lang="pl" sz="1200">
+                <a:solidFill>
+                  <a:srgbClr val="000000"/>
+                </a:solidFill>
+                <a:latin typeface="Tahoma"/>
+                <a:ea typeface="Tahoma"/>
+                <a:cs typeface="Tahoma"/>
+                <a:sym typeface="Tahoma"/>
+              </a:rPr>
+              <a:t>Przekształcenie z szesnastkowego na dziesiętny</a:t>
+            </a:r>
+            <a:endParaRPr sz="1200">
+              <a:solidFill>
+                <a:srgbClr val="000000"/>
+              </a:solidFill>
+              <a:latin typeface="Tahoma"/>
+              <a:ea typeface="Tahoma"/>
+              <a:cs typeface="Tahoma"/>
+              <a:sym typeface="Tahoma"/>
+            </a:endParaRPr>
+          </a:p>
+          <a:p>
+            <a:pPr indent="-304800" lvl="0" marL="457200" rtl="0" algn="l">
+              <a:spcBef>
+                <a:spcPts val="1200"/>
+              </a:spcBef>
+              <a:spcAft>
+                <a:spcPts val="0"/>
+              </a:spcAft>
+              <a:buClr>
+                <a:srgbClr val="000000"/>
+              </a:buClr>
+              <a:buSzPts val="1200"/>
+              <a:buFont typeface="Tahoma"/>
+              <a:buChar char="●"/>
+            </a:pPr>
+            <a:r>
+              <a:rPr lang="pl" sz="1200">
+                <a:solidFill>
+                  <a:srgbClr val="000000"/>
+                </a:solidFill>
+                <a:latin typeface="Tahoma"/>
+                <a:ea typeface="Tahoma"/>
+                <a:cs typeface="Tahoma"/>
+                <a:sym typeface="Tahoma"/>
+              </a:rPr>
+              <a:t>E * 16¹ = 14 * 16 = 224</a:t>
+            </a:r>
+            <a:endParaRPr sz="1200">
+              <a:solidFill>
+                <a:srgbClr val="000000"/>
+              </a:solidFill>
+              <a:latin typeface="Tahoma"/>
+              <a:ea typeface="Tahoma"/>
+              <a:cs typeface="Tahoma"/>
+              <a:sym typeface="Tahoma"/>
+            </a:endParaRPr>
+          </a:p>
+          <a:p>
+            <a:pPr indent="-304800" lvl="0" marL="457200" rtl="0" algn="l">
+              <a:spcBef>
+                <a:spcPts val="0"/>
+              </a:spcBef>
+              <a:spcAft>
+                <a:spcPts val="0"/>
+              </a:spcAft>
+              <a:buClr>
+                <a:srgbClr val="000000"/>
+              </a:buClr>
+              <a:buSzPts val="1200"/>
+              <a:buFont typeface="Tahoma"/>
+              <a:buChar char="●"/>
+            </a:pPr>
+            <a:r>
+              <a:rPr lang="pl" sz="1200">
+                <a:solidFill>
+                  <a:srgbClr val="000000"/>
+                </a:solidFill>
+                <a:latin typeface="Tahoma"/>
+                <a:ea typeface="Tahoma"/>
+                <a:cs typeface="Tahoma"/>
+                <a:sym typeface="Tahoma"/>
+              </a:rPr>
+              <a:t>B * 16⁰ = 11 * 1 = 11</a:t>
+            </a:r>
+            <a:endParaRPr sz="1200">
+              <a:solidFill>
+                <a:srgbClr val="000000"/>
+              </a:solidFill>
+              <a:latin typeface="Tahoma"/>
+              <a:ea typeface="Tahoma"/>
+              <a:cs typeface="Tahoma"/>
+              <a:sym typeface="Tahoma"/>
+            </a:endParaRPr>
+          </a:p>
+          <a:p>
+            <a:pPr indent="0" lvl="0" marL="0" rtl="0" algn="l">
+              <a:spcBef>
+                <a:spcPts val="1200"/>
+              </a:spcBef>
+              <a:spcAft>
+                <a:spcPts val="0"/>
+              </a:spcAft>
+              <a:buNone/>
+            </a:pPr>
+            <a:r>
+              <a:rPr lang="pl" sz="1200">
+                <a:solidFill>
+                  <a:srgbClr val="000000"/>
+                </a:solidFill>
+                <a:latin typeface="Tahoma"/>
+                <a:ea typeface="Tahoma"/>
+                <a:cs typeface="Tahoma"/>
+                <a:sym typeface="Tahoma"/>
+              </a:rPr>
+              <a:t>Suma: 224 + 11 = </a:t>
+            </a:r>
+            <a:r>
+              <a:rPr b="1" lang="pl" sz="1200">
+                <a:solidFill>
+                  <a:srgbClr val="000000"/>
+                </a:solidFill>
+                <a:latin typeface="Tahoma"/>
+                <a:ea typeface="Tahoma"/>
+                <a:cs typeface="Tahoma"/>
+                <a:sym typeface="Tahoma"/>
+              </a:rPr>
+              <a:t>235</a:t>
+            </a:r>
+            <a:endParaRPr b="1" sz="1200">
+              <a:solidFill>
+                <a:srgbClr val="000000"/>
+              </a:solidFill>
+              <a:latin typeface="Tahoma"/>
+              <a:ea typeface="Tahoma"/>
+              <a:cs typeface="Tahoma"/>
+              <a:sym typeface="Tahoma"/>
+            </a:endParaRPr>
+          </a:p>
+          <a:p>
+            <a:pPr indent="0" lvl="0" marL="0" rtl="0" algn="l">
+              <a:spcBef>
+                <a:spcPts val="1200"/>
+              </a:spcBef>
+              <a:spcAft>
+                <a:spcPts val="1200"/>
+              </a:spcAft>
+              <a:buNone/>
+            </a:pPr>
+            <a:r>
+              <a:t/>
+            </a:r>
+            <a:endParaRPr sz="1100">
+              <a:solidFill>
+                <a:srgbClr val="000000"/>
+              </a:solidFill>
+              <a:latin typeface="Arial"/>
+              <a:ea typeface="Arial"/>
+              <a:cs typeface="Arial"/>
+              <a:sym typeface="Arial"/>
+            </a:endParaRPr>
+          </a:p>
+        </p:txBody>
+      </p:sp>
+    </p:spTree>
+  </p:cSld>
+  <p:clrMapOvr>
+    <a:masterClrMapping/>
+  </p:clrMapOvr>
+</p:sld>
+</file>
+
+<file path=ppt/slides/slide47.xml><?xml version="1.0" encoding="utf-8"?>
+<p:sld xmlns:a="http://schemas.openxmlformats.org/drawingml/2006/main" xmlns:r="http://schemas.openxmlformats.org/officeDocument/2006/relationships" xmlns:mc="http://schemas.openxmlformats.org/markup-compatibility/2006" xmlns:mv="urn:schemas-microsoft-com:mac:vml" xmlns:p="http://schemas.openxmlformats.org/presentationml/2006/main" xmlns:c="http://schemas.openxmlformats.org/drawingml/2006/chart" xmlns:dgm="http://schemas.openxmlformats.org/drawingml/2006/diagram" xmlns:o="urn:schemas-microsoft-com:office:office" xmlns:v="urn:schemas-microsoft-com:vml" xmlns:pvml="urn:schemas-microsoft-com:office:powerpoint" xmlns:com="http://schemas.openxmlformats.org/drawingml/2006/compatibility" xmlns:p14="http://schemas.microsoft.com/office/powerpoint/2010/main" xmlns:p15="http://schemas.microsoft.com/office/powerpoint/2012/main" xmlns:ahyp="http://schemas.microsoft.com/office/drawing/2018/hyperlinkcolor">
+  <p:cSld>
+    <p:spTree>
+      <p:nvGrpSpPr>
+        <p:cNvPr id="375" name="Shape 375"/>
+        <p:cNvGrpSpPr/>
+        <p:nvPr/>
+      </p:nvGrpSpPr>
+      <p:grpSpPr>
+        <a:xfrm>
+          <a:off x="0" y="0"/>
+          <a:ext cx="0" cy="0"/>
+          <a:chOff x="0" y="0"/>
+          <a:chExt cx="0" cy="0"/>
+        </a:xfrm>
+      </p:grpSpPr>
+      <p:sp>
+        <p:nvSpPr>
+          <p:cNvPr id="376" name="Google Shape;376;p59"/>
+          <p:cNvSpPr txBox="1"/>
+          <p:nvPr>
+            <p:ph type="title"/>
+          </p:nvPr>
+        </p:nvSpPr>
+        <p:spPr>
+          <a:xfrm>
+            <a:off x="729450" y="1318650"/>
+            <a:ext cx="7688700" cy="535200"/>
+          </a:xfrm>
+          <a:prstGeom prst="rect">
+            <a:avLst/>
+          </a:prstGeom>
+        </p:spPr>
+        <p:txBody>
+          <a:bodyPr anchorCtr="0" anchor="t" bIns="91425" lIns="91425" spcFirstLastPara="1" rIns="91425" wrap="square" tIns="91425">
+            <a:normAutofit fontScale="90000"/>
+          </a:bodyPr>
+          <a:lstStyle/>
+          <a:p>
+            <a:pPr indent="0" lvl="0" marL="0" rtl="0" algn="l">
+              <a:lnSpc>
+                <a:spcPct val="115000"/>
+              </a:lnSpc>
+              <a:spcBef>
+                <a:spcPts val="1200"/>
+              </a:spcBef>
+              <a:spcAft>
+                <a:spcPts val="0"/>
+              </a:spcAft>
+              <a:buNone/>
+            </a:pPr>
+            <a:r>
+              <a:rPr lang="pl">
+                <a:latin typeface="Tahoma"/>
+                <a:ea typeface="Tahoma"/>
+                <a:cs typeface="Tahoma"/>
+                <a:sym typeface="Tahoma"/>
+              </a:rPr>
+              <a:t>MySQL</a:t>
+            </a:r>
+            <a:endParaRPr>
+              <a:latin typeface="Tahoma"/>
+              <a:ea typeface="Tahoma"/>
+              <a:cs typeface="Tahoma"/>
+              <a:sym typeface="Tahoma"/>
+            </a:endParaRPr>
+          </a:p>
+          <a:p>
+            <a:pPr indent="0" lvl="0" marL="0" rtl="0" algn="l">
+              <a:spcBef>
+                <a:spcPts val="1200"/>
+              </a:spcBef>
+              <a:spcAft>
+                <a:spcPts val="0"/>
+              </a:spcAft>
+              <a:buNone/>
+            </a:pPr>
+            <a:r>
+              <a:t/>
+            </a:r>
+            <a:endParaRPr/>
+          </a:p>
+        </p:txBody>
+      </p:sp>
+      <p:sp>
+        <p:nvSpPr>
+          <p:cNvPr id="377" name="Google Shape;377;p59"/>
+          <p:cNvSpPr txBox="1"/>
+          <p:nvPr>
+            <p:ph idx="1" type="body"/>
+          </p:nvPr>
+        </p:nvSpPr>
+        <p:spPr>
+          <a:xfrm>
+            <a:off x="729450" y="2078875"/>
+            <a:ext cx="8011500" cy="3064500"/>
+          </a:xfrm>
+          <a:prstGeom prst="rect">
+            <a:avLst/>
+          </a:prstGeom>
+        </p:spPr>
+        <p:txBody>
+          <a:bodyPr anchorCtr="0" anchor="t" bIns="91425" lIns="91425" spcFirstLastPara="1" rIns="91425" wrap="square" tIns="91425">
+            <a:normAutofit/>
+          </a:bodyPr>
+          <a:lstStyle/>
+          <a:p>
+            <a:pPr indent="0" lvl="0" marL="152400" marR="152400" rtl="0" algn="l">
+              <a:lnSpc>
+                <a:spcPct val="150000"/>
+              </a:lnSpc>
+              <a:spcBef>
+                <a:spcPts val="0"/>
+              </a:spcBef>
+              <a:spcAft>
+                <a:spcPts val="0"/>
+              </a:spcAft>
+              <a:buNone/>
+            </a:pPr>
+            <a:r>
+              <a:rPr lang="pl" sz="1200">
+                <a:solidFill>
+                  <a:srgbClr val="FF00FF"/>
+                </a:solidFill>
+                <a:highlight>
+                  <a:srgbClr val="FFFFFF"/>
+                </a:highlight>
+                <a:latin typeface="Tahoma"/>
+                <a:ea typeface="Tahoma"/>
+                <a:cs typeface="Tahoma"/>
+                <a:sym typeface="Tahoma"/>
+              </a:rPr>
+              <a:t>SELECT </a:t>
+            </a:r>
+            <a:r>
+              <a:rPr lang="pl" sz="1200">
+                <a:solidFill>
+                  <a:srgbClr val="BF9000"/>
+                </a:solidFill>
+                <a:highlight>
+                  <a:srgbClr val="FFFFFF"/>
+                </a:highlight>
+                <a:latin typeface="Tahoma"/>
+                <a:ea typeface="Tahoma"/>
+                <a:cs typeface="Tahoma"/>
+                <a:sym typeface="Tahoma"/>
+              </a:rPr>
+              <a:t>BIN</a:t>
+            </a:r>
+            <a:r>
+              <a:rPr lang="pl" sz="1200">
+                <a:solidFill>
+                  <a:srgbClr val="171717"/>
+                </a:solidFill>
+                <a:highlight>
+                  <a:srgbClr val="FFFFFF"/>
+                </a:highlight>
+                <a:latin typeface="Tahoma"/>
+                <a:ea typeface="Tahoma"/>
+                <a:cs typeface="Tahoma"/>
+                <a:sym typeface="Tahoma"/>
+              </a:rPr>
+              <a:t>(235) </a:t>
+            </a:r>
+            <a:r>
+              <a:rPr lang="pl" sz="1200">
+                <a:solidFill>
+                  <a:srgbClr val="FF00FF"/>
+                </a:solidFill>
+                <a:highlight>
+                  <a:srgbClr val="FFFFFF"/>
+                </a:highlight>
+                <a:latin typeface="Tahoma"/>
+                <a:ea typeface="Tahoma"/>
+                <a:cs typeface="Tahoma"/>
+                <a:sym typeface="Tahoma"/>
+              </a:rPr>
+              <a:t>AS </a:t>
+            </a:r>
+            <a:r>
+              <a:rPr lang="pl" sz="1200">
+                <a:solidFill>
+                  <a:srgbClr val="171717"/>
+                </a:solidFill>
+                <a:highlight>
+                  <a:srgbClr val="FFFFFF"/>
+                </a:highlight>
+                <a:latin typeface="Tahoma"/>
+                <a:ea typeface="Tahoma"/>
+                <a:cs typeface="Tahoma"/>
+                <a:sym typeface="Tahoma"/>
+              </a:rPr>
+              <a:t>Binarny, </a:t>
+            </a:r>
+            <a:r>
+              <a:rPr lang="pl" sz="1200">
+                <a:solidFill>
+                  <a:srgbClr val="BF9000"/>
+                </a:solidFill>
+                <a:highlight>
+                  <a:srgbClr val="FFFFFF"/>
+                </a:highlight>
+                <a:latin typeface="Tahoma"/>
+                <a:ea typeface="Tahoma"/>
+                <a:cs typeface="Tahoma"/>
+                <a:sym typeface="Tahoma"/>
+              </a:rPr>
+              <a:t>OCT</a:t>
+            </a:r>
+            <a:r>
+              <a:rPr lang="pl" sz="1200">
+                <a:solidFill>
+                  <a:srgbClr val="171717"/>
+                </a:solidFill>
+                <a:highlight>
+                  <a:srgbClr val="FFFFFF"/>
+                </a:highlight>
+                <a:latin typeface="Tahoma"/>
+                <a:ea typeface="Tahoma"/>
+                <a:cs typeface="Tahoma"/>
+                <a:sym typeface="Tahoma"/>
+              </a:rPr>
+              <a:t>(235) </a:t>
+            </a:r>
+            <a:r>
+              <a:rPr lang="pl" sz="1200">
+                <a:solidFill>
+                  <a:srgbClr val="FF00FF"/>
+                </a:solidFill>
+                <a:highlight>
+                  <a:srgbClr val="FFFFFF"/>
+                </a:highlight>
+                <a:latin typeface="Tahoma"/>
+                <a:ea typeface="Tahoma"/>
+                <a:cs typeface="Tahoma"/>
+                <a:sym typeface="Tahoma"/>
+              </a:rPr>
+              <a:t>AS </a:t>
+            </a:r>
+            <a:r>
+              <a:rPr lang="pl" sz="1200">
+                <a:solidFill>
+                  <a:srgbClr val="171717"/>
+                </a:solidFill>
+                <a:highlight>
+                  <a:srgbClr val="FFFFFF"/>
+                </a:highlight>
+                <a:latin typeface="Tahoma"/>
+                <a:ea typeface="Tahoma"/>
+                <a:cs typeface="Tahoma"/>
+                <a:sym typeface="Tahoma"/>
+              </a:rPr>
+              <a:t>‘</a:t>
+            </a:r>
+            <a:r>
+              <a:rPr lang="pl" sz="1200">
+                <a:solidFill>
+                  <a:srgbClr val="171717"/>
+                </a:solidFill>
+                <a:latin typeface="Tahoma"/>
+                <a:ea typeface="Tahoma"/>
+                <a:cs typeface="Tahoma"/>
+                <a:sym typeface="Tahoma"/>
+              </a:rPr>
+              <a:t>Ósemkowy’</a:t>
+            </a:r>
+            <a:r>
+              <a:rPr lang="pl" sz="1200">
+                <a:solidFill>
+                  <a:srgbClr val="171717"/>
+                </a:solidFill>
+                <a:highlight>
+                  <a:srgbClr val="FFFFFF"/>
+                </a:highlight>
+                <a:latin typeface="Tahoma"/>
+                <a:ea typeface="Tahoma"/>
+                <a:cs typeface="Tahoma"/>
+                <a:sym typeface="Tahoma"/>
+              </a:rPr>
+              <a:t>, </a:t>
+            </a:r>
+            <a:r>
+              <a:rPr lang="pl" sz="1200">
+                <a:solidFill>
+                  <a:srgbClr val="BF9000"/>
+                </a:solidFill>
+                <a:highlight>
+                  <a:srgbClr val="FFFFFF"/>
+                </a:highlight>
+                <a:latin typeface="Tahoma"/>
+                <a:ea typeface="Tahoma"/>
+                <a:cs typeface="Tahoma"/>
+                <a:sym typeface="Tahoma"/>
+              </a:rPr>
+              <a:t>HEX</a:t>
+            </a:r>
+            <a:r>
+              <a:rPr lang="pl" sz="1200">
+                <a:solidFill>
+                  <a:srgbClr val="171717"/>
+                </a:solidFill>
+                <a:highlight>
+                  <a:srgbClr val="FFFFFF"/>
+                </a:highlight>
+                <a:latin typeface="Tahoma"/>
+                <a:ea typeface="Tahoma"/>
+                <a:cs typeface="Tahoma"/>
+                <a:sym typeface="Tahoma"/>
+              </a:rPr>
+              <a:t>(235) </a:t>
+            </a:r>
+            <a:r>
+              <a:rPr lang="pl" sz="1200">
+                <a:solidFill>
+                  <a:srgbClr val="FF00FF"/>
+                </a:solidFill>
+                <a:highlight>
+                  <a:srgbClr val="FFFFFF"/>
+                </a:highlight>
+                <a:latin typeface="Tahoma"/>
+                <a:ea typeface="Tahoma"/>
+                <a:cs typeface="Tahoma"/>
+                <a:sym typeface="Tahoma"/>
+              </a:rPr>
+              <a:t>AS </a:t>
+            </a:r>
+            <a:r>
+              <a:rPr lang="pl" sz="1200">
+                <a:solidFill>
+                  <a:srgbClr val="171717"/>
+                </a:solidFill>
+                <a:highlight>
+                  <a:srgbClr val="FFFFFF"/>
+                </a:highlight>
+                <a:latin typeface="Tahoma"/>
+                <a:ea typeface="Tahoma"/>
+                <a:cs typeface="Tahoma"/>
+                <a:sym typeface="Tahoma"/>
+              </a:rPr>
+              <a:t>Szesnastkowy;</a:t>
+            </a:r>
+            <a:endParaRPr sz="1200">
+              <a:solidFill>
+                <a:srgbClr val="171717"/>
+              </a:solidFill>
+              <a:highlight>
+                <a:srgbClr val="FFFFFF"/>
+              </a:highlight>
+              <a:latin typeface="Tahoma"/>
+              <a:ea typeface="Tahoma"/>
+              <a:cs typeface="Tahoma"/>
+              <a:sym typeface="Tahoma"/>
+            </a:endParaRPr>
+          </a:p>
+          <a:p>
+            <a:pPr indent="0" lvl="0" marL="152400" marR="152400" rtl="0" algn="l">
+              <a:lnSpc>
+                <a:spcPct val="150000"/>
+              </a:lnSpc>
+              <a:spcBef>
+                <a:spcPts val="0"/>
+              </a:spcBef>
+              <a:spcAft>
+                <a:spcPts val="0"/>
+              </a:spcAft>
+              <a:buNone/>
+            </a:pPr>
+            <a:r>
+              <a:t/>
+            </a:r>
+            <a:endParaRPr sz="1200">
+              <a:solidFill>
+                <a:srgbClr val="171717"/>
+              </a:solidFill>
+              <a:highlight>
+                <a:srgbClr val="FFFFFF"/>
+              </a:highlight>
+              <a:latin typeface="Tahoma"/>
+              <a:ea typeface="Tahoma"/>
+              <a:cs typeface="Tahoma"/>
+              <a:sym typeface="Tahoma"/>
+            </a:endParaRPr>
+          </a:p>
+          <a:p>
+            <a:pPr indent="0" lvl="0" marL="152400" marR="152400" rtl="0" algn="l">
+              <a:lnSpc>
+                <a:spcPct val="150000"/>
+              </a:lnSpc>
+              <a:spcBef>
+                <a:spcPts val="0"/>
+              </a:spcBef>
+              <a:spcAft>
+                <a:spcPts val="0"/>
+              </a:spcAft>
+              <a:buNone/>
+            </a:pPr>
+            <a:r>
+              <a:t/>
+            </a:r>
+            <a:endParaRPr sz="1200">
+              <a:solidFill>
+                <a:srgbClr val="171717"/>
+              </a:solidFill>
+              <a:highlight>
+                <a:srgbClr val="FFFFFF"/>
+              </a:highlight>
+              <a:latin typeface="Tahoma"/>
+              <a:ea typeface="Tahoma"/>
+              <a:cs typeface="Tahoma"/>
+              <a:sym typeface="Tahoma"/>
+            </a:endParaRPr>
+          </a:p>
+          <a:p>
+            <a:pPr indent="0" lvl="0" marL="152400" marR="152400" rtl="0" algn="l">
+              <a:lnSpc>
+                <a:spcPct val="150000"/>
+              </a:lnSpc>
+              <a:spcBef>
+                <a:spcPts val="0"/>
+              </a:spcBef>
+              <a:spcAft>
+                <a:spcPts val="0"/>
+              </a:spcAft>
+              <a:buNone/>
+            </a:pPr>
+            <a:r>
+              <a:t/>
+            </a:r>
+            <a:endParaRPr sz="1200">
+              <a:solidFill>
+                <a:srgbClr val="171717"/>
+              </a:solidFill>
+              <a:highlight>
+                <a:srgbClr val="FFFFFF"/>
+              </a:highlight>
+              <a:latin typeface="Tahoma"/>
+              <a:ea typeface="Tahoma"/>
+              <a:cs typeface="Tahoma"/>
+              <a:sym typeface="Tahoma"/>
+            </a:endParaRPr>
+          </a:p>
+          <a:p>
+            <a:pPr indent="0" lvl="0" marL="152400" marR="152400" rtl="0" algn="l">
+              <a:lnSpc>
+                <a:spcPct val="150000"/>
+              </a:lnSpc>
+              <a:spcBef>
+                <a:spcPts val="0"/>
+              </a:spcBef>
+              <a:spcAft>
+                <a:spcPts val="0"/>
+              </a:spcAft>
+              <a:buNone/>
+            </a:pPr>
+            <a:r>
+              <a:t/>
+            </a:r>
+            <a:endParaRPr sz="1200">
+              <a:solidFill>
+                <a:srgbClr val="FF00FF"/>
+              </a:solidFill>
+              <a:highlight>
+                <a:srgbClr val="FFFFFF"/>
+              </a:highlight>
+              <a:latin typeface="Tahoma"/>
+              <a:ea typeface="Tahoma"/>
+              <a:cs typeface="Tahoma"/>
+              <a:sym typeface="Tahoma"/>
+            </a:endParaRPr>
+          </a:p>
+          <a:p>
+            <a:pPr indent="0" lvl="0" marL="152400" marR="152400" rtl="0" algn="l">
+              <a:lnSpc>
+                <a:spcPct val="150000"/>
+              </a:lnSpc>
+              <a:spcBef>
+                <a:spcPts val="0"/>
+              </a:spcBef>
+              <a:spcAft>
+                <a:spcPts val="0"/>
+              </a:spcAft>
+              <a:buNone/>
+            </a:pPr>
+            <a:r>
+              <a:rPr lang="pl" sz="1200">
+                <a:solidFill>
+                  <a:srgbClr val="FF00FF"/>
+                </a:solidFill>
+                <a:highlight>
+                  <a:srgbClr val="FFFFFF"/>
+                </a:highlight>
+                <a:latin typeface="Tahoma"/>
+                <a:ea typeface="Tahoma"/>
+                <a:cs typeface="Tahoma"/>
+                <a:sym typeface="Tahoma"/>
+              </a:rPr>
+              <a:t>SELECT </a:t>
+            </a:r>
+            <a:r>
+              <a:rPr lang="pl" sz="1200">
+                <a:solidFill>
+                  <a:srgbClr val="BF9000"/>
+                </a:solidFill>
+                <a:highlight>
+                  <a:srgbClr val="FFFFFF"/>
+                </a:highlight>
+                <a:latin typeface="Tahoma"/>
+                <a:ea typeface="Tahoma"/>
+                <a:cs typeface="Tahoma"/>
+                <a:sym typeface="Tahoma"/>
+              </a:rPr>
+              <a:t>CONV</a:t>
+            </a:r>
+            <a:r>
+              <a:rPr lang="pl" sz="1200">
+                <a:solidFill>
+                  <a:srgbClr val="002339"/>
+                </a:solidFill>
+                <a:highlight>
+                  <a:srgbClr val="FFFFFF"/>
+                </a:highlight>
+                <a:latin typeface="Tahoma"/>
+                <a:ea typeface="Tahoma"/>
+                <a:cs typeface="Tahoma"/>
+                <a:sym typeface="Tahoma"/>
+              </a:rPr>
+              <a:t>(</a:t>
+            </a:r>
+            <a:r>
+              <a:rPr lang="pl" sz="1200">
+                <a:solidFill>
+                  <a:srgbClr val="A44185"/>
+                </a:solidFill>
+                <a:highlight>
+                  <a:srgbClr val="FFFFFF"/>
+                </a:highlight>
+                <a:latin typeface="Tahoma"/>
+                <a:ea typeface="Tahoma"/>
+                <a:cs typeface="Tahoma"/>
+                <a:sym typeface="Tahoma"/>
+              </a:rPr>
+              <a:t>'11101011'</a:t>
+            </a:r>
+            <a:r>
+              <a:rPr lang="pl" sz="1200">
+                <a:solidFill>
+                  <a:srgbClr val="002339"/>
+                </a:solidFill>
+                <a:highlight>
+                  <a:srgbClr val="FFFFFF"/>
+                </a:highlight>
+                <a:latin typeface="Tahoma"/>
+                <a:ea typeface="Tahoma"/>
+                <a:cs typeface="Tahoma"/>
+                <a:sym typeface="Tahoma"/>
+              </a:rPr>
+              <a:t>, </a:t>
+            </a:r>
+            <a:r>
+              <a:rPr lang="pl" sz="1200">
+                <a:solidFill>
+                  <a:srgbClr val="174781"/>
+                </a:solidFill>
+                <a:highlight>
+                  <a:srgbClr val="FFFFFF"/>
+                </a:highlight>
+                <a:latin typeface="Tahoma"/>
+                <a:ea typeface="Tahoma"/>
+                <a:cs typeface="Tahoma"/>
+                <a:sym typeface="Tahoma"/>
+              </a:rPr>
+              <a:t>2</a:t>
+            </a:r>
+            <a:r>
+              <a:rPr lang="pl" sz="1200">
+                <a:solidFill>
+                  <a:srgbClr val="002339"/>
+                </a:solidFill>
+                <a:highlight>
+                  <a:srgbClr val="FFFFFF"/>
+                </a:highlight>
+                <a:latin typeface="Tahoma"/>
+                <a:ea typeface="Tahoma"/>
+                <a:cs typeface="Tahoma"/>
+                <a:sym typeface="Tahoma"/>
+              </a:rPr>
+              <a:t>, </a:t>
+            </a:r>
+            <a:r>
+              <a:rPr lang="pl" sz="1200">
+                <a:solidFill>
+                  <a:srgbClr val="174781"/>
+                </a:solidFill>
+                <a:highlight>
+                  <a:srgbClr val="FFFFFF"/>
+                </a:highlight>
+                <a:latin typeface="Tahoma"/>
+                <a:ea typeface="Tahoma"/>
+                <a:cs typeface="Tahoma"/>
+                <a:sym typeface="Tahoma"/>
+              </a:rPr>
+              <a:t>10</a:t>
+            </a:r>
+            <a:r>
+              <a:rPr lang="pl" sz="1200">
+                <a:solidFill>
+                  <a:srgbClr val="002339"/>
+                </a:solidFill>
+                <a:highlight>
+                  <a:srgbClr val="FFFFFF"/>
+                </a:highlight>
+                <a:latin typeface="Tahoma"/>
+                <a:ea typeface="Tahoma"/>
+                <a:cs typeface="Tahoma"/>
+                <a:sym typeface="Tahoma"/>
+              </a:rPr>
+              <a:t>) </a:t>
+            </a:r>
+            <a:r>
+              <a:rPr lang="pl" sz="1200">
+                <a:solidFill>
+                  <a:srgbClr val="FF00FF"/>
+                </a:solidFill>
+                <a:highlight>
+                  <a:srgbClr val="FFFFFF"/>
+                </a:highlight>
+                <a:latin typeface="Tahoma"/>
+                <a:ea typeface="Tahoma"/>
+                <a:cs typeface="Tahoma"/>
+                <a:sym typeface="Tahoma"/>
+              </a:rPr>
+              <a:t>AS </a:t>
+            </a:r>
+            <a:r>
+              <a:rPr lang="pl" sz="1200">
+                <a:solidFill>
+                  <a:srgbClr val="002339"/>
+                </a:solidFill>
+                <a:highlight>
+                  <a:srgbClr val="FFFFFF"/>
+                </a:highlight>
+                <a:latin typeface="Tahoma"/>
+                <a:ea typeface="Tahoma"/>
+                <a:cs typeface="Tahoma"/>
+                <a:sym typeface="Tahoma"/>
+              </a:rPr>
+              <a:t>‘</a:t>
+            </a:r>
+            <a:r>
+              <a:rPr lang="pl" sz="1200">
+                <a:solidFill>
+                  <a:srgbClr val="002339"/>
+                </a:solidFill>
+                <a:highlight>
+                  <a:srgbClr val="FFFFFF"/>
+                </a:highlight>
+                <a:latin typeface="Tahoma"/>
+                <a:ea typeface="Tahoma"/>
+                <a:cs typeface="Tahoma"/>
+                <a:sym typeface="Tahoma"/>
+              </a:rPr>
+              <a:t>Dziesiętny’</a:t>
+            </a:r>
+            <a:r>
+              <a:rPr lang="pl" sz="1200">
+                <a:solidFill>
+                  <a:srgbClr val="002339"/>
+                </a:solidFill>
+                <a:highlight>
+                  <a:srgbClr val="FFFFFF"/>
+                </a:highlight>
+                <a:latin typeface="Tahoma"/>
+                <a:ea typeface="Tahoma"/>
+                <a:cs typeface="Tahoma"/>
+                <a:sym typeface="Tahoma"/>
+              </a:rPr>
+              <a:t>, </a:t>
+            </a:r>
+            <a:r>
+              <a:rPr lang="pl" sz="1200">
+                <a:solidFill>
+                  <a:srgbClr val="BF9000"/>
+                </a:solidFill>
+                <a:highlight>
+                  <a:srgbClr val="FFFFFF"/>
+                </a:highlight>
+                <a:latin typeface="Tahoma"/>
+                <a:ea typeface="Tahoma"/>
+                <a:cs typeface="Tahoma"/>
+                <a:sym typeface="Tahoma"/>
+              </a:rPr>
+              <a:t>CONV</a:t>
+            </a:r>
+            <a:r>
+              <a:rPr lang="pl" sz="1200">
+                <a:solidFill>
+                  <a:srgbClr val="002339"/>
+                </a:solidFill>
+                <a:highlight>
+                  <a:srgbClr val="FFFFFF"/>
+                </a:highlight>
+                <a:latin typeface="Tahoma"/>
+                <a:ea typeface="Tahoma"/>
+                <a:cs typeface="Tahoma"/>
+                <a:sym typeface="Tahoma"/>
+              </a:rPr>
+              <a:t>(</a:t>
+            </a:r>
+            <a:r>
+              <a:rPr lang="pl" sz="1200">
+                <a:solidFill>
+                  <a:srgbClr val="A44185"/>
+                </a:solidFill>
+                <a:highlight>
+                  <a:srgbClr val="FFFFFF"/>
+                </a:highlight>
+                <a:latin typeface="Tahoma"/>
+                <a:ea typeface="Tahoma"/>
+                <a:cs typeface="Tahoma"/>
+                <a:sym typeface="Tahoma"/>
+              </a:rPr>
+              <a:t>'11101011'</a:t>
+            </a:r>
+            <a:r>
+              <a:rPr lang="pl" sz="1200">
+                <a:solidFill>
+                  <a:srgbClr val="002339"/>
+                </a:solidFill>
+                <a:highlight>
+                  <a:srgbClr val="FFFFFF"/>
+                </a:highlight>
+                <a:latin typeface="Tahoma"/>
+                <a:ea typeface="Tahoma"/>
+                <a:cs typeface="Tahoma"/>
+                <a:sym typeface="Tahoma"/>
+              </a:rPr>
+              <a:t>, </a:t>
+            </a:r>
+            <a:r>
+              <a:rPr lang="pl" sz="1200">
+                <a:solidFill>
+                  <a:srgbClr val="174781"/>
+                </a:solidFill>
+                <a:highlight>
+                  <a:srgbClr val="FFFFFF"/>
+                </a:highlight>
+                <a:latin typeface="Tahoma"/>
+                <a:ea typeface="Tahoma"/>
+                <a:cs typeface="Tahoma"/>
+                <a:sym typeface="Tahoma"/>
+              </a:rPr>
+              <a:t>2</a:t>
+            </a:r>
+            <a:r>
+              <a:rPr lang="pl" sz="1200">
+                <a:solidFill>
+                  <a:srgbClr val="002339"/>
+                </a:solidFill>
+                <a:highlight>
+                  <a:srgbClr val="FFFFFF"/>
+                </a:highlight>
+                <a:latin typeface="Tahoma"/>
+                <a:ea typeface="Tahoma"/>
+                <a:cs typeface="Tahoma"/>
+                <a:sym typeface="Tahoma"/>
+              </a:rPr>
+              <a:t>, </a:t>
+            </a:r>
+            <a:r>
+              <a:rPr lang="pl" sz="1200">
+                <a:solidFill>
+                  <a:srgbClr val="174781"/>
+                </a:solidFill>
+                <a:highlight>
+                  <a:srgbClr val="FFFFFF"/>
+                </a:highlight>
+                <a:latin typeface="Tahoma"/>
+                <a:ea typeface="Tahoma"/>
+                <a:cs typeface="Tahoma"/>
+                <a:sym typeface="Tahoma"/>
+              </a:rPr>
+              <a:t>8</a:t>
+            </a:r>
+            <a:r>
+              <a:rPr lang="pl" sz="1200">
+                <a:solidFill>
+                  <a:srgbClr val="002339"/>
+                </a:solidFill>
+                <a:highlight>
+                  <a:srgbClr val="FFFFFF"/>
+                </a:highlight>
+                <a:latin typeface="Tahoma"/>
+                <a:ea typeface="Tahoma"/>
+                <a:cs typeface="Tahoma"/>
+                <a:sym typeface="Tahoma"/>
+              </a:rPr>
+              <a:t>) </a:t>
+            </a:r>
+            <a:r>
+              <a:rPr lang="pl" sz="1200">
+                <a:solidFill>
+                  <a:srgbClr val="FF00FF"/>
+                </a:solidFill>
+                <a:highlight>
+                  <a:srgbClr val="FFFFFF"/>
+                </a:highlight>
+                <a:latin typeface="Tahoma"/>
+                <a:ea typeface="Tahoma"/>
+                <a:cs typeface="Tahoma"/>
+                <a:sym typeface="Tahoma"/>
+              </a:rPr>
+              <a:t>AS  </a:t>
+            </a:r>
+            <a:r>
+              <a:rPr lang="pl" sz="1200">
+                <a:solidFill>
+                  <a:srgbClr val="171717"/>
+                </a:solidFill>
+                <a:highlight>
+                  <a:srgbClr val="FFFFFF"/>
+                </a:highlight>
+                <a:latin typeface="Tahoma"/>
+                <a:ea typeface="Tahoma"/>
+                <a:cs typeface="Tahoma"/>
+                <a:sym typeface="Tahoma"/>
+              </a:rPr>
+              <a:t>‘</a:t>
+            </a:r>
+            <a:r>
+              <a:rPr lang="pl" sz="1200">
+                <a:solidFill>
+                  <a:srgbClr val="171717"/>
+                </a:solidFill>
+                <a:latin typeface="Tahoma"/>
+                <a:ea typeface="Tahoma"/>
+                <a:cs typeface="Tahoma"/>
+                <a:sym typeface="Tahoma"/>
+              </a:rPr>
+              <a:t>Ósemkowy’</a:t>
+            </a:r>
+            <a:r>
+              <a:rPr lang="pl" sz="1200">
+                <a:solidFill>
+                  <a:srgbClr val="002339"/>
+                </a:solidFill>
+                <a:highlight>
+                  <a:srgbClr val="FFFFFF"/>
+                </a:highlight>
+                <a:latin typeface="Tahoma"/>
+                <a:ea typeface="Tahoma"/>
+                <a:cs typeface="Tahoma"/>
+                <a:sym typeface="Tahoma"/>
+              </a:rPr>
+              <a:t>, </a:t>
+            </a:r>
+            <a:r>
+              <a:rPr lang="pl" sz="1200">
+                <a:solidFill>
+                  <a:srgbClr val="BF9000"/>
+                </a:solidFill>
+                <a:highlight>
+                  <a:srgbClr val="FFFFFF"/>
+                </a:highlight>
+                <a:latin typeface="Tahoma"/>
+                <a:ea typeface="Tahoma"/>
+                <a:cs typeface="Tahoma"/>
+                <a:sym typeface="Tahoma"/>
+              </a:rPr>
+              <a:t>HEX</a:t>
+            </a:r>
+            <a:r>
+              <a:rPr lang="pl" sz="1200">
+                <a:solidFill>
+                  <a:srgbClr val="002339"/>
+                </a:solidFill>
+                <a:highlight>
+                  <a:srgbClr val="FFFFFF"/>
+                </a:highlight>
+                <a:latin typeface="Tahoma"/>
+                <a:ea typeface="Tahoma"/>
+                <a:cs typeface="Tahoma"/>
+                <a:sym typeface="Tahoma"/>
+              </a:rPr>
+              <a:t>(</a:t>
+            </a:r>
+            <a:r>
+              <a:rPr lang="pl" sz="1200">
+                <a:solidFill>
+                  <a:srgbClr val="BF9000"/>
+                </a:solidFill>
+                <a:highlight>
+                  <a:srgbClr val="FFFFFF"/>
+                </a:highlight>
+                <a:latin typeface="Tahoma"/>
+                <a:ea typeface="Tahoma"/>
+                <a:cs typeface="Tahoma"/>
+                <a:sym typeface="Tahoma"/>
+              </a:rPr>
+              <a:t>CONV</a:t>
+            </a:r>
+            <a:r>
+              <a:rPr lang="pl" sz="1200">
+                <a:solidFill>
+                  <a:srgbClr val="002339"/>
+                </a:solidFill>
+                <a:highlight>
+                  <a:srgbClr val="FFFFFF"/>
+                </a:highlight>
+                <a:latin typeface="Tahoma"/>
+                <a:ea typeface="Tahoma"/>
+                <a:cs typeface="Tahoma"/>
+                <a:sym typeface="Tahoma"/>
+              </a:rPr>
+              <a:t>(</a:t>
+            </a:r>
+            <a:r>
+              <a:rPr lang="pl" sz="1200">
+                <a:solidFill>
+                  <a:srgbClr val="A44185"/>
+                </a:solidFill>
+                <a:highlight>
+                  <a:srgbClr val="FFFFFF"/>
+                </a:highlight>
+                <a:latin typeface="Tahoma"/>
+                <a:ea typeface="Tahoma"/>
+                <a:cs typeface="Tahoma"/>
+                <a:sym typeface="Tahoma"/>
+              </a:rPr>
+              <a:t>'11101011'</a:t>
+            </a:r>
+            <a:r>
+              <a:rPr lang="pl" sz="1200">
+                <a:solidFill>
+                  <a:srgbClr val="002339"/>
+                </a:solidFill>
+                <a:highlight>
+                  <a:srgbClr val="FFFFFF"/>
+                </a:highlight>
+                <a:latin typeface="Tahoma"/>
+                <a:ea typeface="Tahoma"/>
+                <a:cs typeface="Tahoma"/>
+                <a:sym typeface="Tahoma"/>
+              </a:rPr>
+              <a:t>, </a:t>
+            </a:r>
+            <a:r>
+              <a:rPr lang="pl" sz="1200">
+                <a:solidFill>
+                  <a:srgbClr val="174781"/>
+                </a:solidFill>
+                <a:highlight>
+                  <a:srgbClr val="FFFFFF"/>
+                </a:highlight>
+                <a:latin typeface="Tahoma"/>
+                <a:ea typeface="Tahoma"/>
+                <a:cs typeface="Tahoma"/>
+                <a:sym typeface="Tahoma"/>
+              </a:rPr>
+              <a:t>2</a:t>
+            </a:r>
+            <a:r>
+              <a:rPr lang="pl" sz="1200">
+                <a:solidFill>
+                  <a:srgbClr val="002339"/>
+                </a:solidFill>
+                <a:highlight>
+                  <a:srgbClr val="FFFFFF"/>
+                </a:highlight>
+                <a:latin typeface="Tahoma"/>
+                <a:ea typeface="Tahoma"/>
+                <a:cs typeface="Tahoma"/>
+                <a:sym typeface="Tahoma"/>
+              </a:rPr>
+              <a:t>, </a:t>
+            </a:r>
+            <a:r>
+              <a:rPr lang="pl" sz="1200">
+                <a:solidFill>
+                  <a:srgbClr val="174781"/>
+                </a:solidFill>
+                <a:highlight>
+                  <a:srgbClr val="FFFFFF"/>
+                </a:highlight>
+                <a:latin typeface="Tahoma"/>
+                <a:ea typeface="Tahoma"/>
+                <a:cs typeface="Tahoma"/>
+                <a:sym typeface="Tahoma"/>
+              </a:rPr>
+              <a:t>16</a:t>
+            </a:r>
+            <a:r>
+              <a:rPr lang="pl" sz="1200">
+                <a:solidFill>
+                  <a:srgbClr val="002339"/>
+                </a:solidFill>
+                <a:highlight>
+                  <a:srgbClr val="FFFFFF"/>
+                </a:highlight>
+                <a:latin typeface="Tahoma"/>
+                <a:ea typeface="Tahoma"/>
+                <a:cs typeface="Tahoma"/>
+                <a:sym typeface="Tahoma"/>
+              </a:rPr>
+              <a:t>)) </a:t>
+            </a:r>
+            <a:r>
+              <a:rPr lang="pl" sz="1200">
+                <a:solidFill>
+                  <a:srgbClr val="FF00FF"/>
+                </a:solidFill>
+                <a:highlight>
+                  <a:srgbClr val="FFFFFF"/>
+                </a:highlight>
+                <a:latin typeface="Tahoma"/>
+                <a:ea typeface="Tahoma"/>
+                <a:cs typeface="Tahoma"/>
+                <a:sym typeface="Tahoma"/>
+              </a:rPr>
+              <a:t>AS </a:t>
+            </a:r>
+            <a:r>
+              <a:rPr lang="pl" sz="1200">
+                <a:solidFill>
+                  <a:srgbClr val="002339"/>
+                </a:solidFill>
+                <a:highlight>
+                  <a:srgbClr val="FFFFFF"/>
+                </a:highlight>
+                <a:latin typeface="Tahoma"/>
+                <a:ea typeface="Tahoma"/>
+                <a:cs typeface="Tahoma"/>
+                <a:sym typeface="Tahoma"/>
+              </a:rPr>
+              <a:t>Szesnastkowy;</a:t>
+            </a:r>
+            <a:endParaRPr sz="1200">
+              <a:solidFill>
+                <a:srgbClr val="002339"/>
+              </a:solidFill>
+              <a:highlight>
+                <a:srgbClr val="FFFFFF"/>
+              </a:highlight>
+              <a:latin typeface="Tahoma"/>
+              <a:ea typeface="Tahoma"/>
+              <a:cs typeface="Tahoma"/>
+              <a:sym typeface="Tahoma"/>
+            </a:endParaRPr>
+          </a:p>
+          <a:p>
+            <a:pPr indent="0" lvl="0" marL="152400" marR="152400" rtl="0" algn="l">
+              <a:lnSpc>
+                <a:spcPct val="150000"/>
+              </a:lnSpc>
+              <a:spcBef>
+                <a:spcPts val="0"/>
+              </a:spcBef>
+              <a:spcAft>
+                <a:spcPts val="0"/>
+              </a:spcAft>
+              <a:buNone/>
+            </a:pPr>
+            <a:r>
+              <a:t/>
+            </a:r>
+            <a:endParaRPr sz="1200">
+              <a:solidFill>
+                <a:srgbClr val="002339"/>
+              </a:solidFill>
+              <a:highlight>
+                <a:srgbClr val="FFFFFF"/>
+              </a:highlight>
+              <a:latin typeface="Tahoma"/>
+              <a:ea typeface="Tahoma"/>
+              <a:cs typeface="Tahoma"/>
+              <a:sym typeface="Tahoma"/>
+            </a:endParaRPr>
+          </a:p>
+          <a:p>
+            <a:pPr indent="0" lvl="0" marL="152400" marR="152400" rtl="0" algn="l">
+              <a:lnSpc>
+                <a:spcPct val="150000"/>
+              </a:lnSpc>
+              <a:spcBef>
+                <a:spcPts val="0"/>
+              </a:spcBef>
+              <a:spcAft>
+                <a:spcPts val="0"/>
+              </a:spcAft>
+              <a:buNone/>
+            </a:pPr>
+            <a:r>
+              <a:t/>
+            </a:r>
+            <a:endParaRPr sz="1200">
+              <a:solidFill>
+                <a:srgbClr val="171717"/>
+              </a:solidFill>
+              <a:highlight>
+                <a:srgbClr val="FFFFFF"/>
+              </a:highlight>
+              <a:latin typeface="Tahoma"/>
+              <a:ea typeface="Tahoma"/>
+              <a:cs typeface="Tahoma"/>
+              <a:sym typeface="Tahoma"/>
+            </a:endParaRPr>
+          </a:p>
+        </p:txBody>
+      </p:sp>
+      <p:graphicFrame>
+        <p:nvGraphicFramePr>
+          <p:cNvPr id="378" name="Google Shape;378;p59"/>
+          <p:cNvGraphicFramePr/>
+          <p:nvPr/>
+        </p:nvGraphicFramePr>
+        <p:xfrm>
+          <a:off x="952500" y="2459150"/>
+          <a:ext cx="3000000" cy="3000000"/>
+        </p:xfrm>
+        <a:graphic>
+          <a:graphicData uri="http://schemas.openxmlformats.org/drawingml/2006/table">
+            <a:tbl>
+              <a:tblPr>
+                <a:noFill/>
+                <a:tableStyleId>{DED04A10-4780-42A0-8463-DAC58E4381F0}</a:tableStyleId>
+              </a:tblPr>
+              <a:tblGrid>
+                <a:gridCol w="2413000"/>
+                <a:gridCol w="2413000"/>
+                <a:gridCol w="2413000"/>
+              </a:tblGrid>
+              <a:tr h="381000">
+                <a:tc>
+                  <a:txBody>
+                    <a:bodyPr/>
+                    <a:lstStyle/>
+                    <a:p>
+                      <a:pPr indent="0" lvl="0" marL="0" rtl="0" algn="l">
+                        <a:spcBef>
+                          <a:spcPts val="0"/>
+                        </a:spcBef>
+                        <a:spcAft>
+                          <a:spcPts val="0"/>
+                        </a:spcAft>
+                        <a:buNone/>
+                      </a:pPr>
+                      <a:r>
+                        <a:rPr b="1" lang="pl" sz="1200">
+                          <a:latin typeface="Tahoma"/>
+                          <a:ea typeface="Tahoma"/>
+                          <a:cs typeface="Tahoma"/>
+                          <a:sym typeface="Tahoma"/>
+                        </a:rPr>
+                        <a:t>Binarny</a:t>
+                      </a:r>
+                      <a:endParaRPr b="1" sz="1200">
+                        <a:latin typeface="Tahoma"/>
+                        <a:ea typeface="Tahoma"/>
+                        <a:cs typeface="Tahoma"/>
+                        <a:sym typeface="Tahoma"/>
+                      </a:endParaRPr>
+                    </a:p>
+                  </a:txBody>
+                  <a:tcPr marT="91425" marB="91425" marR="91425" marL="91425"/>
+                </a:tc>
+                <a:tc>
+                  <a:txBody>
+                    <a:bodyPr/>
+                    <a:lstStyle/>
+                    <a:p>
+                      <a:pPr indent="0" lvl="0" marL="0" rtl="0" algn="l">
+                        <a:spcBef>
+                          <a:spcPts val="0"/>
+                        </a:spcBef>
+                        <a:spcAft>
+                          <a:spcPts val="0"/>
+                        </a:spcAft>
+                        <a:buNone/>
+                      </a:pPr>
+                      <a:r>
+                        <a:rPr b="1" lang="pl" sz="1200">
+                          <a:latin typeface="Tahoma"/>
+                          <a:ea typeface="Tahoma"/>
+                          <a:cs typeface="Tahoma"/>
+                          <a:sym typeface="Tahoma"/>
+                        </a:rPr>
+                        <a:t>Ósemkowy</a:t>
+                      </a:r>
+                      <a:endParaRPr b="1" sz="1200">
+                        <a:latin typeface="Tahoma"/>
+                        <a:ea typeface="Tahoma"/>
+                        <a:cs typeface="Tahoma"/>
+                        <a:sym typeface="Tahoma"/>
+                      </a:endParaRPr>
+                    </a:p>
+                  </a:txBody>
+                  <a:tcPr marT="91425" marB="91425" marR="91425" marL="91425"/>
+                </a:tc>
+                <a:tc>
+                  <a:txBody>
+                    <a:bodyPr/>
+                    <a:lstStyle/>
+                    <a:p>
+                      <a:pPr indent="0" lvl="0" marL="0" rtl="0" algn="l">
+                        <a:spcBef>
+                          <a:spcPts val="0"/>
+                        </a:spcBef>
+                        <a:spcAft>
+                          <a:spcPts val="0"/>
+                        </a:spcAft>
+                        <a:buNone/>
+                      </a:pPr>
+                      <a:r>
+                        <a:rPr b="1" lang="pl" sz="1200">
+                          <a:latin typeface="Tahoma"/>
+                          <a:ea typeface="Tahoma"/>
+                          <a:cs typeface="Tahoma"/>
+                          <a:sym typeface="Tahoma"/>
+                        </a:rPr>
+                        <a:t>Szesnastkowy</a:t>
+                      </a:r>
+                      <a:endParaRPr b="1" sz="1200">
+                        <a:latin typeface="Tahoma"/>
+                        <a:ea typeface="Tahoma"/>
+                        <a:cs typeface="Tahoma"/>
+                        <a:sym typeface="Tahoma"/>
+                      </a:endParaRPr>
+                    </a:p>
+                  </a:txBody>
+                  <a:tcPr marT="91425" marB="91425" marR="91425" marL="91425"/>
+                </a:tc>
+              </a:tr>
+              <a:tr h="381000">
+                <a:tc>
+                  <a:txBody>
+                    <a:bodyPr/>
+                    <a:lstStyle/>
+                    <a:p>
+                      <a:pPr indent="0" lvl="0" marL="0" rtl="0" algn="l">
+                        <a:lnSpc>
+                          <a:spcPct val="115000"/>
+                        </a:lnSpc>
+                        <a:spcBef>
+                          <a:spcPts val="1200"/>
+                        </a:spcBef>
+                        <a:spcAft>
+                          <a:spcPts val="1200"/>
+                        </a:spcAft>
+                        <a:buNone/>
+                      </a:pPr>
+                      <a:r>
+                        <a:rPr lang="pl" sz="1200">
+                          <a:solidFill>
+                            <a:srgbClr val="171717"/>
+                          </a:solidFill>
+                          <a:latin typeface="Tahoma"/>
+                          <a:ea typeface="Tahoma"/>
+                          <a:cs typeface="Tahoma"/>
+                          <a:sym typeface="Tahoma"/>
+                        </a:rPr>
+                        <a:t>11101011</a:t>
+                      </a:r>
+                      <a:endParaRPr sz="1200">
+                        <a:latin typeface="Tahoma"/>
+                        <a:ea typeface="Tahoma"/>
+                        <a:cs typeface="Tahoma"/>
+                        <a:sym typeface="Tahoma"/>
+                      </a:endParaRPr>
+                    </a:p>
+                  </a:txBody>
+                  <a:tcPr marT="91425" marB="91425" marR="91425" marL="91425"/>
+                </a:tc>
+                <a:tc>
+                  <a:txBody>
+                    <a:bodyPr/>
+                    <a:lstStyle/>
+                    <a:p>
+                      <a:pPr indent="0" lvl="0" marL="0" rtl="0" algn="l">
+                        <a:lnSpc>
+                          <a:spcPct val="115000"/>
+                        </a:lnSpc>
+                        <a:spcBef>
+                          <a:spcPts val="1200"/>
+                        </a:spcBef>
+                        <a:spcAft>
+                          <a:spcPts val="1200"/>
+                        </a:spcAft>
+                        <a:buNone/>
+                      </a:pPr>
+                      <a:r>
+                        <a:rPr lang="pl" sz="1200">
+                          <a:solidFill>
+                            <a:srgbClr val="171717"/>
+                          </a:solidFill>
+                          <a:latin typeface="Tahoma"/>
+                          <a:ea typeface="Tahoma"/>
+                          <a:cs typeface="Tahoma"/>
+                          <a:sym typeface="Tahoma"/>
+                        </a:rPr>
+                        <a:t>353</a:t>
+                      </a:r>
+                      <a:endParaRPr sz="1200">
+                        <a:latin typeface="Tahoma"/>
+                        <a:ea typeface="Tahoma"/>
+                        <a:cs typeface="Tahoma"/>
+                        <a:sym typeface="Tahoma"/>
+                      </a:endParaRPr>
+                    </a:p>
+                  </a:txBody>
+                  <a:tcPr marT="91425" marB="91425" marR="91425" marL="91425"/>
+                </a:tc>
+                <a:tc>
+                  <a:txBody>
+                    <a:bodyPr/>
+                    <a:lstStyle/>
+                    <a:p>
+                      <a:pPr indent="0" lvl="0" marL="0" rtl="0" algn="l">
+                        <a:lnSpc>
+                          <a:spcPct val="115000"/>
+                        </a:lnSpc>
+                        <a:spcBef>
+                          <a:spcPts val="1200"/>
+                        </a:spcBef>
+                        <a:spcAft>
+                          <a:spcPts val="1200"/>
+                        </a:spcAft>
+                        <a:buNone/>
+                      </a:pPr>
+                      <a:r>
+                        <a:rPr lang="pl" sz="1200">
+                          <a:solidFill>
+                            <a:srgbClr val="171717"/>
+                          </a:solidFill>
+                          <a:latin typeface="Tahoma"/>
+                          <a:ea typeface="Tahoma"/>
+                          <a:cs typeface="Tahoma"/>
+                          <a:sym typeface="Tahoma"/>
+                        </a:rPr>
+                        <a:t>EB</a:t>
+                      </a:r>
+                      <a:endParaRPr sz="1200">
+                        <a:latin typeface="Tahoma"/>
+                        <a:ea typeface="Tahoma"/>
+                        <a:cs typeface="Tahoma"/>
+                        <a:sym typeface="Tahoma"/>
+                      </a:endParaRPr>
+                    </a:p>
+                  </a:txBody>
+                  <a:tcPr marT="91425" marB="91425" marR="91425" marL="91425"/>
+                </a:tc>
+              </a:tr>
+            </a:tbl>
+          </a:graphicData>
+        </a:graphic>
+      </p:graphicFrame>
+      <p:graphicFrame>
+        <p:nvGraphicFramePr>
+          <p:cNvPr id="379" name="Google Shape;379;p59"/>
+          <p:cNvGraphicFramePr/>
+          <p:nvPr/>
+        </p:nvGraphicFramePr>
+        <p:xfrm>
+          <a:off x="985400" y="4140925"/>
+          <a:ext cx="3000000" cy="3000000"/>
+        </p:xfrm>
+        <a:graphic>
+          <a:graphicData uri="http://schemas.openxmlformats.org/drawingml/2006/table">
+            <a:tbl>
+              <a:tblPr>
+                <a:noFill/>
+                <a:tableStyleId>{DED04A10-4780-42A0-8463-DAC58E4381F0}</a:tableStyleId>
+              </a:tblPr>
+              <a:tblGrid>
+                <a:gridCol w="2413000"/>
+                <a:gridCol w="2413000"/>
+                <a:gridCol w="2413000"/>
+              </a:tblGrid>
+              <a:tr h="381000">
+                <a:tc>
+                  <a:txBody>
+                    <a:bodyPr/>
+                    <a:lstStyle/>
+                    <a:p>
+                      <a:pPr indent="0" lvl="0" marL="0" marR="152400" rtl="0" algn="l">
+                        <a:lnSpc>
+                          <a:spcPct val="150000"/>
+                        </a:lnSpc>
+                        <a:spcBef>
+                          <a:spcPts val="0"/>
+                        </a:spcBef>
+                        <a:spcAft>
+                          <a:spcPts val="0"/>
+                        </a:spcAft>
+                        <a:buNone/>
+                      </a:pPr>
+                      <a:r>
+                        <a:rPr b="1" lang="pl" sz="1200">
+                          <a:solidFill>
+                            <a:srgbClr val="002339"/>
+                          </a:solidFill>
+                          <a:highlight>
+                            <a:srgbClr val="FFFFFF"/>
+                          </a:highlight>
+                          <a:latin typeface="Tahoma"/>
+                          <a:ea typeface="Tahoma"/>
+                          <a:cs typeface="Tahoma"/>
+                          <a:sym typeface="Tahoma"/>
+                        </a:rPr>
+                        <a:t>Dziesiętny</a:t>
+                      </a:r>
+                      <a:endParaRPr b="1" sz="1200">
+                        <a:latin typeface="Tahoma"/>
+                        <a:ea typeface="Tahoma"/>
+                        <a:cs typeface="Tahoma"/>
+                        <a:sym typeface="Tahoma"/>
+                      </a:endParaRPr>
+                    </a:p>
+                  </a:txBody>
+                  <a:tcPr marT="91425" marB="91425" marR="91425" marL="91425"/>
+                </a:tc>
+                <a:tc>
+                  <a:txBody>
+                    <a:bodyPr/>
+                    <a:lstStyle/>
+                    <a:p>
+                      <a:pPr indent="0" lvl="0" marL="0" marR="152400" rtl="0" algn="l">
+                        <a:lnSpc>
+                          <a:spcPct val="150000"/>
+                        </a:lnSpc>
+                        <a:spcBef>
+                          <a:spcPts val="0"/>
+                        </a:spcBef>
+                        <a:spcAft>
+                          <a:spcPts val="0"/>
+                        </a:spcAft>
+                        <a:buNone/>
+                      </a:pPr>
+                      <a:r>
+                        <a:rPr b="1" lang="pl" sz="1200">
+                          <a:solidFill>
+                            <a:srgbClr val="171717"/>
+                          </a:solidFill>
+                          <a:latin typeface="Tahoma"/>
+                          <a:ea typeface="Tahoma"/>
+                          <a:cs typeface="Tahoma"/>
+                          <a:sym typeface="Tahoma"/>
+                        </a:rPr>
+                        <a:t>Ósemkowy</a:t>
+                      </a:r>
+                      <a:endParaRPr b="1" sz="1200">
+                        <a:latin typeface="Tahoma"/>
+                        <a:ea typeface="Tahoma"/>
+                        <a:cs typeface="Tahoma"/>
+                        <a:sym typeface="Tahoma"/>
+                      </a:endParaRPr>
+                    </a:p>
+                  </a:txBody>
+                  <a:tcPr marT="91425" marB="91425" marR="91425" marL="91425"/>
+                </a:tc>
+                <a:tc>
+                  <a:txBody>
+                    <a:bodyPr/>
+                    <a:lstStyle/>
+                    <a:p>
+                      <a:pPr indent="0" lvl="0" marL="0" rtl="0" algn="l">
+                        <a:spcBef>
+                          <a:spcPts val="0"/>
+                        </a:spcBef>
+                        <a:spcAft>
+                          <a:spcPts val="0"/>
+                        </a:spcAft>
+                        <a:buNone/>
+                      </a:pPr>
+                      <a:r>
+                        <a:rPr b="1" lang="pl" sz="1200">
+                          <a:latin typeface="Tahoma"/>
+                          <a:ea typeface="Tahoma"/>
+                          <a:cs typeface="Tahoma"/>
+                          <a:sym typeface="Tahoma"/>
+                        </a:rPr>
+                        <a:t>Szesnastkowy</a:t>
+                      </a:r>
+                      <a:endParaRPr sz="1200">
+                        <a:latin typeface="Tahoma"/>
+                        <a:ea typeface="Tahoma"/>
+                        <a:cs typeface="Tahoma"/>
+                        <a:sym typeface="Tahoma"/>
+                      </a:endParaRPr>
+                    </a:p>
+                  </a:txBody>
+                  <a:tcPr marT="91425" marB="91425" marR="91425" marL="91425"/>
+                </a:tc>
+              </a:tr>
+              <a:tr h="381000">
+                <a:tc>
+                  <a:txBody>
+                    <a:bodyPr/>
+                    <a:lstStyle/>
+                    <a:p>
+                      <a:pPr indent="0" lvl="0" marL="0" rtl="0" algn="l">
+                        <a:lnSpc>
+                          <a:spcPct val="115000"/>
+                        </a:lnSpc>
+                        <a:spcBef>
+                          <a:spcPts val="1200"/>
+                        </a:spcBef>
+                        <a:spcAft>
+                          <a:spcPts val="1200"/>
+                        </a:spcAft>
+                        <a:buNone/>
+                      </a:pPr>
+                      <a:r>
+                        <a:rPr lang="pl" sz="1200">
+                          <a:latin typeface="Tahoma"/>
+                          <a:ea typeface="Tahoma"/>
+                          <a:cs typeface="Tahoma"/>
+                          <a:sym typeface="Tahoma"/>
+                        </a:rPr>
+                        <a:t>235</a:t>
+                      </a:r>
+                      <a:endParaRPr sz="1200">
+                        <a:latin typeface="Tahoma"/>
+                        <a:ea typeface="Tahoma"/>
+                        <a:cs typeface="Tahoma"/>
+                        <a:sym typeface="Tahoma"/>
+                      </a:endParaRPr>
+                    </a:p>
+                  </a:txBody>
+                  <a:tcPr marT="91425" marB="91425" marR="91425" marL="91425"/>
+                </a:tc>
+                <a:tc>
+                  <a:txBody>
+                    <a:bodyPr/>
+                    <a:lstStyle/>
+                    <a:p>
+                      <a:pPr indent="0" lvl="0" marL="0" rtl="0" algn="l">
+                        <a:spcBef>
+                          <a:spcPts val="0"/>
+                        </a:spcBef>
+                        <a:spcAft>
+                          <a:spcPts val="0"/>
+                        </a:spcAft>
+                        <a:buNone/>
+                      </a:pPr>
+                      <a:r>
+                        <a:rPr lang="pl" sz="1200">
+                          <a:latin typeface="Tahoma"/>
+                          <a:ea typeface="Tahoma"/>
+                          <a:cs typeface="Tahoma"/>
+                          <a:sym typeface="Tahoma"/>
+                        </a:rPr>
+                        <a:t>353</a:t>
+                      </a:r>
+                      <a:endParaRPr sz="1200">
+                        <a:latin typeface="Tahoma"/>
+                        <a:ea typeface="Tahoma"/>
+                        <a:cs typeface="Tahoma"/>
+                        <a:sym typeface="Tahoma"/>
+                      </a:endParaRPr>
+                    </a:p>
+                  </a:txBody>
+                  <a:tcPr marT="91425" marB="91425" marR="91425" marL="91425"/>
+                </a:tc>
+                <a:tc>
+                  <a:txBody>
+                    <a:bodyPr/>
+                    <a:lstStyle/>
+                    <a:p>
+                      <a:pPr indent="0" lvl="0" marL="0" rtl="0" algn="l">
+                        <a:spcBef>
+                          <a:spcPts val="0"/>
+                        </a:spcBef>
+                        <a:spcAft>
+                          <a:spcPts val="0"/>
+                        </a:spcAft>
+                        <a:buNone/>
+                      </a:pPr>
+                      <a:r>
+                        <a:rPr lang="pl" sz="1200">
+                          <a:latin typeface="Tahoma"/>
+                          <a:ea typeface="Tahoma"/>
+                          <a:cs typeface="Tahoma"/>
+                          <a:sym typeface="Tahoma"/>
+                        </a:rPr>
+                        <a:t>EB</a:t>
+                      </a:r>
+                      <a:endParaRPr sz="1200">
+                        <a:latin typeface="Tahoma"/>
+                        <a:ea typeface="Tahoma"/>
+                        <a:cs typeface="Tahoma"/>
+                        <a:sym typeface="Tahoma"/>
+                      </a:endParaRPr>
+                    </a:p>
+                  </a:txBody>
+                  <a:tcPr marT="91425" marB="91425" marR="91425" marL="91425"/>
+                </a:tc>
+              </a:tr>
+            </a:tbl>
+          </a:graphicData>
+        </a:graphic>
+      </p:graphicFrame>
     </p:spTree>
   </p:cSld>
   <p:clrMapOvr>
@@ -21643,6 +27601,285 @@
 </file>
 
 <file path=ppt/theme/theme1.xml><?xml version="1.0" encoding="utf-8"?>
+<a:theme xmlns:a="http://schemas.openxmlformats.org/drawingml/2006/main" xmlns:r="http://schemas.openxmlformats.org/officeDocument/2006/relationships">
+  <a:themeElements>
+    <a:clrScheme name="Default">
+      <a:dk1>
+        <a:srgbClr val="000000"/>
+      </a:dk1>
+      <a:lt1>
+        <a:srgbClr val="FFFFFF"/>
+      </a:lt1>
+      <a:dk2>
+        <a:srgbClr val="158158"/>
+      </a:dk2>
+      <a:lt2>
+        <a:srgbClr val="F3F3F3"/>
+      </a:lt2>
+      <a:accent1>
+        <a:srgbClr val="058DC7"/>
+      </a:accent1>
+      <a:accent2>
+        <a:srgbClr val="50B432"/>
+      </a:accent2>
+      <a:accent3>
+        <a:srgbClr val="ED561B"/>
+      </a:accent3>
+      <a:accent4>
+        <a:srgbClr val="EDEF00"/>
+      </a:accent4>
+      <a:accent5>
+        <a:srgbClr val="24CBE5"/>
+      </a:accent5>
+      <a:accent6>
+        <a:srgbClr val="64E572"/>
+      </a:accent6>
+      <a:hlink>
+        <a:srgbClr val="2200CC"/>
+      </a:hlink>
+      <a:folHlink>
+        <a:srgbClr val="551A8B"/>
+      </a:folHlink>
+    </a:clrScheme>
+    <a:fontScheme name="Office">
+      <a:majorFont>
+        <a:latin typeface="Arial"/>
+        <a:ea typeface=""/>
+        <a:cs typeface=""/>
+        <a:font script="Jpan" typeface="ＭＳ Ｐゴシック"/>
+        <a:font script="Hang" typeface="맑은 고딕"/>
+        <a:font script="Hans" typeface="宋体"/>
+        <a:font script="Hant" typeface="新細明體"/>
+        <a:font script="Arab" typeface="Times New Roman"/>
+        <a:font script="Hebr" typeface="Times New Roman"/>
+        <a:font script="Thai" typeface="Angsana New"/>
+        <a:font script="Ethi" typeface="Nyala"/>
+        <a:font script="Beng" typeface="Vrinda"/>
+        <a:font script="Gujr" typeface="Shruti"/>
+        <a:font script="Khmr" typeface="MoolBoran"/>
+        <a:font script="Knda" typeface="Tunga"/>
+        <a:font script="Guru" typeface="Raavi"/>
+        <a:font script="Cans" typeface="Euphemia"/>
+        <a:font script="Cher" typeface="Plantagenet Cherokee"/>
+        <a:font script="Yiii" typeface="Microsoft Yi Baiti"/>
+        <a:font script="Tibt" typeface="Microsoft Himalaya"/>
+        <a:font script="Thaa" typeface="MV Boli"/>
+        <a:font script="Deva" typeface="Mangal"/>
+        <a:font script="Telu" typeface="Gautami"/>
+        <a:font script="Taml" typeface="Latha"/>
+        <a:font script="Syrc" typeface="Estrangelo Edessa"/>
+        <a:font script="Orya" typeface="Kalinga"/>
+        <a:font script="Mlym" typeface="Kartika"/>
+        <a:font script="Laoo" typeface="DokChampa"/>
+        <a:font script="Sinh" typeface="Iskoola Pota"/>
+        <a:font script="Mong" typeface="Mongolian Baiti"/>
+        <a:font script="Viet" typeface="Times New Roman"/>
+        <a:font script="Uigh" typeface="Microsoft Uighur"/>
+        <a:font script="Geor" typeface="Sylfaen"/>
+      </a:majorFont>
+      <a:minorFont>
+        <a:latin typeface="Arial"/>
+        <a:ea typeface=""/>
+        <a:cs typeface=""/>
+        <a:font script="Jpan" typeface="ＭＳ Ｐゴシック"/>
+        <a:font script="Hang" typeface="맑은 고딕"/>
+        <a:font script="Hans" typeface="宋体"/>
+        <a:font script="Hant" typeface="新細明體"/>
+        <a:font script="Arab" typeface="Arial"/>
+        <a:font script="Hebr" typeface="Arial"/>
+        <a:font script="Thai" typeface="Cordia New"/>
+        <a:font script="Ethi" typeface="Nyala"/>
+        <a:font script="Beng" typeface="Vrinda"/>
+        <a:font script="Gujr" typeface="Shruti"/>
+        <a:font script="Khmr" typeface="DaunPenh"/>
+        <a:font script="Knda" typeface="Tunga"/>
+        <a:font script="Guru" typeface="Raavi"/>
+        <a:font script="Cans" typeface="Euphemia"/>
+        <a:font script="Cher" typeface="Plantagenet Cherokee"/>
+        <a:font script="Yiii" typeface="Microsoft Yi Baiti"/>
+        <a:font script="Tibt" typeface="Microsoft Himalaya"/>
+        <a:font script="Thaa" typeface="MV Boli"/>
+        <a:font script="Deva" typeface="Mangal"/>
+        <a:font script="Telu" typeface="Gautami"/>
+        <a:font script="Taml" typeface="Latha"/>
+        <a:font script="Syrc" typeface="Estrangelo Edessa"/>
+        <a:font script="Orya" typeface="Kalinga"/>
+        <a:font script="Mlym" typeface="Kartika"/>
+        <a:font script="Laoo" typeface="DokChampa"/>
+        <a:font script="Sinh" typeface="Iskoola Pota"/>
+        <a:font script="Mong" typeface="Mongolian Baiti"/>
+        <a:font script="Viet" typeface="Arial"/>
+        <a:font script="Uigh" typeface="Microsoft Uighur"/>
+        <a:font script="Geor" typeface="Sylfaen"/>
+      </a:minorFont>
+    </a:fontScheme>
+    <a:fmtScheme name="Office">
+      <a:fillStyleLst>
+        <a:solidFill>
+          <a:schemeClr val="phClr"/>
+        </a:solidFill>
+        <a:gradFill rotWithShape="1">
+          <a:gsLst>
+            <a:gs pos="0">
+              <a:schemeClr val="phClr">
+                <a:tint val="50000"/>
+                <a:satMod val="300000"/>
+              </a:schemeClr>
+            </a:gs>
+            <a:gs pos="35000">
+              <a:schemeClr val="phClr">
+                <a:tint val="37000"/>
+                <a:satMod val="300000"/>
+              </a:schemeClr>
+            </a:gs>
+            <a:gs pos="100000">
+              <a:schemeClr val="phClr">
+                <a:tint val="15000"/>
+                <a:satMod val="350000"/>
+              </a:schemeClr>
+            </a:gs>
+          </a:gsLst>
+          <a:lin ang="16200000" scaled="1"/>
+        </a:gradFill>
+        <a:gradFill rotWithShape="1">
+          <a:gsLst>
+            <a:gs pos="0">
+              <a:schemeClr val="phClr">
+                <a:tint val="100000"/>
+                <a:shade val="100000"/>
+                <a:satMod val="130000"/>
+              </a:schemeClr>
+            </a:gs>
+            <a:gs pos="100000">
+              <a:schemeClr val="phClr">
+                <a:tint val="50000"/>
+                <a:shade val="100000"/>
+                <a:satMod val="350000"/>
+              </a:schemeClr>
+            </a:gs>
+          </a:gsLst>
+          <a:lin ang="16200000" scaled="0"/>
+        </a:gradFill>
+      </a:fillStyleLst>
+      <a:lnStyleLst>
+        <a:ln w="9525" cap="flat" cmpd="sng" algn="ctr">
+          <a:solidFill>
+            <a:schemeClr val="phClr">
+              <a:shade val="95000"/>
+              <a:satMod val="105000"/>
+            </a:schemeClr>
+          </a:solidFill>
+          <a:prstDash val="solid"/>
+        </a:ln>
+        <a:ln w="25400" cap="flat" cmpd="sng" algn="ctr">
+          <a:solidFill>
+            <a:schemeClr val="phClr"/>
+          </a:solidFill>
+          <a:prstDash val="solid"/>
+        </a:ln>
+        <a:ln w="38100" cap="flat" cmpd="sng" algn="ctr">
+          <a:solidFill>
+            <a:schemeClr val="phClr"/>
+          </a:solidFill>
+          <a:prstDash val="solid"/>
+        </a:ln>
+      </a:lnStyleLst>
+      <a:effectStyleLst>
+        <a:effectStyle>
+          <a:effectLst>
+            <a:outerShdw blurRad="40000" dist="20000" dir="5400000" rotWithShape="0">
+              <a:srgbClr val="000000">
+                <a:alpha val="38000"/>
+              </a:srgbClr>
+            </a:outerShdw>
+          </a:effectLst>
+        </a:effectStyle>
+        <a:effectStyle>
+          <a:effectLst>
+            <a:outerShdw blurRad="40000" dist="23000" dir="5400000" rotWithShape="0">
+              <a:srgbClr val="000000">
+                <a:alpha val="35000"/>
+              </a:srgbClr>
+            </a:outerShdw>
+          </a:effectLst>
+        </a:effectStyle>
+        <a:effectStyle>
+          <a:effectLst>
+            <a:outerShdw blurRad="40000" dist="23000" dir="5400000" rotWithShape="0">
+              <a:srgbClr val="000000">
+                <a:alpha val="35000"/>
+              </a:srgbClr>
+            </a:outerShdw>
+          </a:effectLst>
+          <a:scene3d>
+            <a:camera prst="orthographicFront">
+              <a:rot lat="0" lon="0" rev="0"/>
+            </a:camera>
+            <a:lightRig rig="threePt" dir="t">
+              <a:rot lat="0" lon="0" rev="1200000"/>
+            </a:lightRig>
+          </a:scene3d>
+          <a:sp3d>
+            <a:bevelT w="63500" h="25400"/>
+          </a:sp3d>
+        </a:effectStyle>
+      </a:effectStyleLst>
+      <a:bgFillStyleLst>
+        <a:solidFill>
+          <a:schemeClr val="phClr"/>
+        </a:solidFill>
+        <a:gradFill rotWithShape="1">
+          <a:gsLst>
+            <a:gs pos="0">
+              <a:schemeClr val="phClr">
+                <a:tint val="40000"/>
+                <a:satMod val="350000"/>
+              </a:schemeClr>
+            </a:gs>
+            <a:gs pos="40000">
+              <a:schemeClr val="phClr">
+                <a:tint val="45000"/>
+                <a:shade val="99000"/>
+                <a:satMod val="350000"/>
+              </a:schemeClr>
+            </a:gs>
+            <a:gs pos="100000">
+              <a:schemeClr val="phClr">
+                <a:shade val="20000"/>
+                <a:satMod val="255000"/>
+              </a:schemeClr>
+            </a:gs>
+          </a:gsLst>
+          <a:path path="circle">
+            <a:fillToRect l="50000" t="-80000" r="50000" b="180000"/>
+          </a:path>
+        </a:gradFill>
+        <a:gradFill rotWithShape="1">
+          <a:gsLst>
+            <a:gs pos="0">
+              <a:schemeClr val="phClr">
+                <a:tint val="80000"/>
+                <a:satMod val="300000"/>
+              </a:schemeClr>
+            </a:gs>
+            <a:gs pos="100000">
+              <a:schemeClr val="phClr">
+                <a:shade val="30000"/>
+                <a:satMod val="200000"/>
+              </a:schemeClr>
+            </a:gs>
+          </a:gsLst>
+          <a:path path="circle">
+            <a:fillToRect l="50000" t="50000" r="50000" b="50000"/>
+          </a:path>
+        </a:gradFill>
+      </a:bgFillStyleLst>
+    </a:fmtScheme>
+  </a:themeElements>
+</a:theme>
+</file>
+
+<file path=ppt/theme/theme2.xml><?xml version="1.0" encoding="utf-8"?>
 <a:theme xmlns:a="http://schemas.openxmlformats.org/drawingml/2006/main" xmlns:r="http://schemas.openxmlformats.org/officeDocument/2006/relationships" name="Streamline">
   <a:themeElements>
     <a:clrScheme name="Streamline">
@@ -21919,283 +28156,4 @@
     </a:fmtScheme>
   </a:themeElements>
 </a:theme>
-</file>
-
-<file path=ppt/theme/theme2.xml><?xml version="1.0" encoding="utf-8"?>
-<a:theme xmlns:a="http://schemas.openxmlformats.org/drawingml/2006/main" xmlns:r="http://schemas.openxmlformats.org/officeDocument/2006/relationships">
-  <a:themeElements>
-    <a:clrScheme name="Default">
-      <a:dk1>
-        <a:srgbClr val="000000"/>
-      </a:dk1>
-      <a:lt1>
-        <a:srgbClr val="FFFFFF"/>
-      </a:lt1>
-      <a:dk2>
-        <a:srgbClr val="158158"/>
-      </a:dk2>
-      <a:lt2>
-        <a:srgbClr val="F3F3F3"/>
-      </a:lt2>
-      <a:accent1>
-        <a:srgbClr val="058DC7"/>
-      </a:accent1>
-      <a:accent2>
-        <a:srgbClr val="50B432"/>
-      </a:accent2>
-      <a:accent3>
-        <a:srgbClr val="ED561B"/>
-      </a:accent3>
-      <a:accent4>
-        <a:srgbClr val="EDEF00"/>
-      </a:accent4>
-      <a:accent5>
-        <a:srgbClr val="24CBE5"/>
-      </a:accent5>
-      <a:accent6>
-        <a:srgbClr val="64E572"/>
-      </a:accent6>
-      <a:hlink>
-        <a:srgbClr val="2200CC"/>
-      </a:hlink>
-      <a:folHlink>
-        <a:srgbClr val="551A8B"/>
-      </a:folHlink>
-    </a:clrScheme>
-    <a:fontScheme name="Office">
-      <a:majorFont>
-        <a:latin typeface="Arial"/>
-        <a:ea typeface=""/>
-        <a:cs typeface=""/>
-        <a:font script="Jpan" typeface="ＭＳ Ｐゴシック"/>
-        <a:font script="Hang" typeface="맑은 고딕"/>
-        <a:font script="Hans" typeface="宋体"/>
-        <a:font script="Hant" typeface="新細明體"/>
-        <a:font script="Arab" typeface="Times New Roman"/>
-        <a:font script="Hebr" typeface="Times New Roman"/>
-        <a:font script="Thai" typeface="Angsana New"/>
-        <a:font script="Ethi" typeface="Nyala"/>
-        <a:font script="Beng" typeface="Vrinda"/>
-        <a:font script="Gujr" typeface="Shruti"/>
-        <a:font script="Khmr" typeface="MoolBoran"/>
-        <a:font script="Knda" typeface="Tunga"/>
-        <a:font script="Guru" typeface="Raavi"/>
-        <a:font script="Cans" typeface="Euphemia"/>
-        <a:font script="Cher" typeface="Plantagenet Cherokee"/>
-        <a:font script="Yiii" typeface="Microsoft Yi Baiti"/>
-        <a:font script="Tibt" typeface="Microsoft Himalaya"/>
-        <a:font script="Thaa" typeface="MV Boli"/>
-        <a:font script="Deva" typeface="Mangal"/>
-        <a:font script="Telu" typeface="Gautami"/>
-        <a:font script="Taml" typeface="Latha"/>
-        <a:font script="Syrc" typeface="Estrangelo Edessa"/>
-        <a:font script="Orya" typeface="Kalinga"/>
-        <a:font script="Mlym" typeface="Kartika"/>
-        <a:font script="Laoo" typeface="DokChampa"/>
-        <a:font script="Sinh" typeface="Iskoola Pota"/>
-        <a:font script="Mong" typeface="Mongolian Baiti"/>
-        <a:font script="Viet" typeface="Times New Roman"/>
-        <a:font script="Uigh" typeface="Microsoft Uighur"/>
-        <a:font script="Geor" typeface="Sylfaen"/>
-      </a:majorFont>
-      <a:minorFont>
-        <a:latin typeface="Arial"/>
-        <a:ea typeface=""/>
-        <a:cs typeface=""/>
-        <a:font script="Jpan" typeface="ＭＳ Ｐゴシック"/>
-        <a:font script="Hang" typeface="맑은 고딕"/>
-        <a:font script="Hans" typeface="宋体"/>
-        <a:font script="Hant" typeface="新細明體"/>
-        <a:font script="Arab" typeface="Arial"/>
-        <a:font script="Hebr" typeface="Arial"/>
-        <a:font script="Thai" typeface="Cordia New"/>
-        <a:font script="Ethi" typeface="Nyala"/>
-        <a:font script="Beng" typeface="Vrinda"/>
-        <a:font script="Gujr" typeface="Shruti"/>
-        <a:font script="Khmr" typeface="DaunPenh"/>
-        <a:font script="Knda" typeface="Tunga"/>
-        <a:font script="Guru" typeface="Raavi"/>
-        <a:font script="Cans" typeface="Euphemia"/>
-        <a:font script="Cher" typeface="Plantagenet Cherokee"/>
-        <a:font script="Yiii" typeface="Microsoft Yi Baiti"/>
-        <a:font script="Tibt" typeface="Microsoft Himalaya"/>
-        <a:font script="Thaa" typeface="MV Boli"/>
-        <a:font script="Deva" typeface="Mangal"/>
-        <a:font script="Telu" typeface="Gautami"/>
-        <a:font script="Taml" typeface="Latha"/>
-        <a:font script="Syrc" typeface="Estrangelo Edessa"/>
-        <a:font script="Orya" typeface="Kalinga"/>
-        <a:font script="Mlym" typeface="Kartika"/>
-        <a:font script="Laoo" typeface="DokChampa"/>
-        <a:font script="Sinh" typeface="Iskoola Pota"/>
-        <a:font script="Mong" typeface="Mongolian Baiti"/>
-        <a:font script="Viet" typeface="Arial"/>
-        <a:font script="Uigh" typeface="Microsoft Uighur"/>
-        <a:font script="Geor" typeface="Sylfaen"/>
-      </a:minorFont>
-    </a:fontScheme>
-    <a:fmtScheme name="Office">
-      <a:fillStyleLst>
-        <a:solidFill>
-          <a:schemeClr val="phClr"/>
-        </a:solidFill>
-        <a:gradFill rotWithShape="1">
-          <a:gsLst>
-            <a:gs pos="0">
-              <a:schemeClr val="phClr">
-                <a:tint val="50000"/>
-                <a:satMod val="300000"/>
-              </a:schemeClr>
-            </a:gs>
-            <a:gs pos="35000">
-              <a:schemeClr val="phClr">
-                <a:tint val="37000"/>
-                <a:satMod val="300000"/>
-              </a:schemeClr>
-            </a:gs>
-            <a:gs pos="100000">
-              <a:schemeClr val="phClr">
-                <a:tint val="15000"/>
-                <a:satMod val="350000"/>
-              </a:schemeClr>
-            </a:gs>
-          </a:gsLst>
-          <a:lin ang="16200000" scaled="1"/>
-        </a:gradFill>
-        <a:gradFill rotWithShape="1">
-          <a:gsLst>
-            <a:gs pos="0">
-              <a:schemeClr val="phClr">
-                <a:tint val="100000"/>
-                <a:shade val="100000"/>
-                <a:satMod val="130000"/>
-              </a:schemeClr>
-            </a:gs>
-            <a:gs pos="100000">
-              <a:schemeClr val="phClr">
-                <a:tint val="50000"/>
-                <a:shade val="100000"/>
-                <a:satMod val="350000"/>
-              </a:schemeClr>
-            </a:gs>
-          </a:gsLst>
-          <a:lin ang="16200000" scaled="0"/>
-        </a:gradFill>
-      </a:fillStyleLst>
-      <a:lnStyleLst>
-        <a:ln w="9525" cap="flat" cmpd="sng" algn="ctr">
-          <a:solidFill>
-            <a:schemeClr val="phClr">
-              <a:shade val="95000"/>
-              <a:satMod val="105000"/>
-            </a:schemeClr>
-          </a:solidFill>
-          <a:prstDash val="solid"/>
-        </a:ln>
-        <a:ln w="25400" cap="flat" cmpd="sng" algn="ctr">
-          <a:solidFill>
-            <a:schemeClr val="phClr"/>
-          </a:solidFill>
-          <a:prstDash val="solid"/>
-        </a:ln>
-        <a:ln w="38100" cap="flat" cmpd="sng" algn="ctr">
-          <a:solidFill>
-            <a:schemeClr val="phClr"/>
-          </a:solidFill>
-          <a:prstDash val="solid"/>
-        </a:ln>
-      </a:lnStyleLst>
-      <a:effectStyleLst>
-        <a:effectStyle>
-          <a:effectLst>
-            <a:outerShdw blurRad="40000" dist="20000" dir="5400000" rotWithShape="0">
-              <a:srgbClr val="000000">
-                <a:alpha val="38000"/>
-              </a:srgbClr>
-            </a:outerShdw>
-          </a:effectLst>
-        </a:effectStyle>
-        <a:effectStyle>
-          <a:effectLst>
-            <a:outerShdw blurRad="40000" dist="23000" dir="5400000" rotWithShape="0">
-              <a:srgbClr val="000000">
-                <a:alpha val="35000"/>
-              </a:srgbClr>
-            </a:outerShdw>
-          </a:effectLst>
-        </a:effectStyle>
-        <a:effectStyle>
-          <a:effectLst>
-            <a:outerShdw blurRad="40000" dist="23000" dir="5400000" rotWithShape="0">
-              <a:srgbClr val="000000">
-                <a:alpha val="35000"/>
-              </a:srgbClr>
-            </a:outerShdw>
-          </a:effectLst>
-          <a:scene3d>
-            <a:camera prst="orthographicFront">
-              <a:rot lat="0" lon="0" rev="0"/>
-            </a:camera>
-            <a:lightRig rig="threePt" dir="t">
-              <a:rot lat="0" lon="0" rev="1200000"/>
-            </a:lightRig>
-          </a:scene3d>
-          <a:sp3d>
-            <a:bevelT w="63500" h="25400"/>
-          </a:sp3d>
-        </a:effectStyle>
-      </a:effectStyleLst>
-      <a:bgFillStyleLst>
-        <a:solidFill>
-          <a:schemeClr val="phClr"/>
-        </a:solidFill>
-        <a:gradFill rotWithShape="1">
-          <a:gsLst>
-            <a:gs pos="0">
-              <a:schemeClr val="phClr">
-                <a:tint val="40000"/>
-                <a:satMod val="350000"/>
-              </a:schemeClr>
-            </a:gs>
-            <a:gs pos="40000">
-              <a:schemeClr val="phClr">
-                <a:tint val="45000"/>
-                <a:shade val="99000"/>
-                <a:satMod val="350000"/>
-              </a:schemeClr>
-            </a:gs>
-            <a:gs pos="100000">
-              <a:schemeClr val="phClr">
-                <a:shade val="20000"/>
-                <a:satMod val="255000"/>
-              </a:schemeClr>
-            </a:gs>
-          </a:gsLst>
-          <a:path path="circle">
-            <a:fillToRect l="50000" t="-80000" r="50000" b="180000"/>
-          </a:path>
-        </a:gradFill>
-        <a:gradFill rotWithShape="1">
-          <a:gsLst>
-            <a:gs pos="0">
-              <a:schemeClr val="phClr">
-                <a:tint val="80000"/>
-                <a:satMod val="300000"/>
-              </a:schemeClr>
-            </a:gs>
-            <a:gs pos="100000">
-              <a:schemeClr val="phClr">
-                <a:shade val="30000"/>
-                <a:satMod val="200000"/>
-              </a:schemeClr>
-            </a:gs>
-          </a:gsLst>
-          <a:path path="circle">
-            <a:fillToRect l="50000" t="50000" r="50000" b="50000"/>
-          </a:path>
-        </a:gradFill>
-      </a:bgFillStyleLst>
-    </a:fmtScheme>
-  </a:themeElements>
-</a:theme>
 </file>
--- a/ZASTOSOWANIE_INFORMATYKI/1A-gr_2/Zastosowanie informatyki - 1A gr. 2.pptx
+++ b/ZASTOSOWANIE_INFORMATYKI/1A-gr_2/Zastosowanie informatyki - 1A gr. 2.pptx
@@ -55,35 +55,42 @@
     <p:sldId id="300" r:id="rId51"/>
     <p:sldId id="301" r:id="rId52"/>
     <p:sldId id="302" r:id="rId53"/>
+    <p:sldId id="303" r:id="rId54"/>
+    <p:sldId id="304" r:id="rId55"/>
+    <p:sldId id="305" r:id="rId56"/>
+    <p:sldId id="306" r:id="rId57"/>
+    <p:sldId id="307" r:id="rId58"/>
+    <p:sldId id="308" r:id="rId59"/>
+    <p:sldId id="309" r:id="rId60"/>
   </p:sldIdLst>
   <p:sldSz cy="5143500" cx="9144000"/>
   <p:notesSz cx="6858000" cy="9144000"/>
   <p:embeddedFontLst>
     <p:embeddedFont>
       <p:font typeface="Raleway"/>
-      <p:regular r:id="rId54"/>
-      <p:bold r:id="rId55"/>
-      <p:italic r:id="rId56"/>
-      <p:boldItalic r:id="rId57"/>
+      <p:regular r:id="rId61"/>
+      <p:bold r:id="rId62"/>
+      <p:italic r:id="rId63"/>
+      <p:boldItalic r:id="rId64"/>
     </p:embeddedFont>
     <p:embeddedFont>
       <p:font typeface="Roboto"/>
-      <p:regular r:id="rId58"/>
-      <p:bold r:id="rId59"/>
-      <p:italic r:id="rId60"/>
-      <p:boldItalic r:id="rId61"/>
+      <p:regular r:id="rId65"/>
+      <p:bold r:id="rId66"/>
+      <p:italic r:id="rId67"/>
+      <p:boldItalic r:id="rId68"/>
     </p:embeddedFont>
     <p:embeddedFont>
       <p:font typeface="Lato"/>
-      <p:regular r:id="rId62"/>
-      <p:bold r:id="rId63"/>
-      <p:italic r:id="rId64"/>
-      <p:boldItalic r:id="rId65"/>
+      <p:regular r:id="rId69"/>
+      <p:bold r:id="rId70"/>
+      <p:italic r:id="rId71"/>
+      <p:boldItalic r:id="rId72"/>
     </p:embeddedFont>
     <p:embeddedFont>
       <p:font typeface="Tahoma"/>
-      <p:regular r:id="rId66"/>
-      <p:bold r:id="rId67"/>
+      <p:regular r:id="rId73"/>
+      <p:bold r:id="rId74"/>
     </p:embeddedFont>
   </p:embeddedFontLst>
   <p:defaultTextStyle>
@@ -4918,6 +4925,204 @@
 </p:notes>
 </file>
 
+<file path=ppt/notesSlides/notesSlide48.xml><?xml version="1.0" encoding="utf-8"?>
+<p:notes xmlns:a="http://schemas.openxmlformats.org/drawingml/2006/main" xmlns:r="http://schemas.openxmlformats.org/officeDocument/2006/relationships" xmlns:mc="http://schemas.openxmlformats.org/markup-compatibility/2006" xmlns:mv="urn:schemas-microsoft-com:mac:vml" xmlns:p="http://schemas.openxmlformats.org/presentationml/2006/main" xmlns:c="http://schemas.openxmlformats.org/drawingml/2006/chart" xmlns:dgm="http://schemas.openxmlformats.org/drawingml/2006/diagram" xmlns:o="urn:schemas-microsoft-com:office:office" xmlns:v="urn:schemas-microsoft-com:vml" xmlns:pvml="urn:schemas-microsoft-com:office:powerpoint" xmlns:com="http://schemas.openxmlformats.org/drawingml/2006/compatibility" xmlns:p14="http://schemas.microsoft.com/office/powerpoint/2010/main" xmlns:p15="http://schemas.microsoft.com/office/powerpoint/2012/main" xmlns:ahyp="http://schemas.microsoft.com/office/drawing/2018/hyperlinkcolor" showMasterPhAnim="0" showMasterSp="0">
+  <p:cSld>
+    <p:spTree>
+      <p:nvGrpSpPr>
+        <p:cNvPr id="380" name="Shape 380"/>
+        <p:cNvGrpSpPr/>
+        <p:nvPr/>
+      </p:nvGrpSpPr>
+      <p:grpSpPr>
+        <a:xfrm>
+          <a:off x="0" y="0"/>
+          <a:ext cx="0" cy="0"/>
+          <a:chOff x="0" y="0"/>
+          <a:chExt cx="0" cy="0"/>
+        </a:xfrm>
+      </p:grpSpPr>
+      <p:sp>
+        <p:nvSpPr>
+          <p:cNvPr id="381" name="Google Shape;381;g37f9672ca00_0_0:notes"/>
+          <p:cNvSpPr/>
+          <p:nvPr>
+            <p:ph idx="2" type="sldImg"/>
+          </p:nvPr>
+        </p:nvSpPr>
+        <p:spPr>
+          <a:xfrm>
+            <a:off x="381300" y="685800"/>
+            <a:ext cx="6096000" cy="3429000"/>
+          </a:xfrm>
+          <a:custGeom>
+            <a:rect b="b" l="l" r="r" t="t"/>
+            <a:pathLst>
+              <a:path extrusionOk="0" h="120000" w="120000">
+                <a:moveTo>
+                  <a:pt x="0" y="0"/>
+                </a:moveTo>
+                <a:lnTo>
+                  <a:pt x="120000" y="0"/>
+                </a:lnTo>
+                <a:lnTo>
+                  <a:pt x="120000" y="120000"/>
+                </a:lnTo>
+                <a:lnTo>
+                  <a:pt x="0" y="120000"/>
+                </a:lnTo>
+                <a:close/>
+              </a:path>
+            </a:pathLst>
+          </a:custGeom>
+        </p:spPr>
+      </p:sp>
+      <p:sp>
+        <p:nvSpPr>
+          <p:cNvPr id="382" name="Google Shape;382;g37f9672ca00_0_0:notes"/>
+          <p:cNvSpPr txBox="1"/>
+          <p:nvPr>
+            <p:ph idx="1" type="body"/>
+          </p:nvPr>
+        </p:nvSpPr>
+        <p:spPr>
+          <a:xfrm>
+            <a:off x="685800" y="4343400"/>
+            <a:ext cx="5486400" cy="4114800"/>
+          </a:xfrm>
+          <a:prstGeom prst="rect">
+            <a:avLst/>
+          </a:prstGeom>
+        </p:spPr>
+        <p:txBody>
+          <a:bodyPr anchorCtr="0" anchor="t" bIns="91425" lIns="91425" spcFirstLastPara="1" rIns="91425" wrap="square" tIns="91425">
+            <a:noAutofit/>
+          </a:bodyPr>
+          <a:lstStyle/>
+          <a:p>
+            <a:pPr indent="0" lvl="0" marL="0" rtl="0" algn="l">
+              <a:spcBef>
+                <a:spcPts val="0"/>
+              </a:spcBef>
+              <a:spcAft>
+                <a:spcPts val="0"/>
+              </a:spcAft>
+              <a:buNone/>
+            </a:pPr>
+            <a:r>
+              <a:t/>
+            </a:r>
+            <a:endParaRPr/>
+          </a:p>
+        </p:txBody>
+      </p:sp>
+    </p:spTree>
+  </p:cSld>
+  <p:clrMapOvr>
+    <a:masterClrMapping/>
+  </p:clrMapOvr>
+</p:notes>
+</file>
+
+<file path=ppt/notesSlides/notesSlide49.xml><?xml version="1.0" encoding="utf-8"?>
+<p:notes xmlns:a="http://schemas.openxmlformats.org/drawingml/2006/main" xmlns:r="http://schemas.openxmlformats.org/officeDocument/2006/relationships" xmlns:mc="http://schemas.openxmlformats.org/markup-compatibility/2006" xmlns:mv="urn:schemas-microsoft-com:mac:vml" xmlns:p="http://schemas.openxmlformats.org/presentationml/2006/main" xmlns:c="http://schemas.openxmlformats.org/drawingml/2006/chart" xmlns:dgm="http://schemas.openxmlformats.org/drawingml/2006/diagram" xmlns:o="urn:schemas-microsoft-com:office:office" xmlns:v="urn:schemas-microsoft-com:vml" xmlns:pvml="urn:schemas-microsoft-com:office:powerpoint" xmlns:com="http://schemas.openxmlformats.org/drawingml/2006/compatibility" xmlns:p14="http://schemas.microsoft.com/office/powerpoint/2010/main" xmlns:p15="http://schemas.microsoft.com/office/powerpoint/2012/main" xmlns:ahyp="http://schemas.microsoft.com/office/drawing/2018/hyperlinkcolor" showMasterPhAnim="0" showMasterSp="0">
+  <p:cSld>
+    <p:spTree>
+      <p:nvGrpSpPr>
+        <p:cNvPr id="386" name="Shape 386"/>
+        <p:cNvGrpSpPr/>
+        <p:nvPr/>
+      </p:nvGrpSpPr>
+      <p:grpSpPr>
+        <a:xfrm>
+          <a:off x="0" y="0"/>
+          <a:ext cx="0" cy="0"/>
+          <a:chOff x="0" y="0"/>
+          <a:chExt cx="0" cy="0"/>
+        </a:xfrm>
+      </p:grpSpPr>
+      <p:sp>
+        <p:nvSpPr>
+          <p:cNvPr id="387" name="Google Shape;387;g37f9672ca00_0_6:notes"/>
+          <p:cNvSpPr/>
+          <p:nvPr>
+            <p:ph idx="2" type="sldImg"/>
+          </p:nvPr>
+        </p:nvSpPr>
+        <p:spPr>
+          <a:xfrm>
+            <a:off x="381300" y="685800"/>
+            <a:ext cx="6096000" cy="3429000"/>
+          </a:xfrm>
+          <a:custGeom>
+            <a:rect b="b" l="l" r="r" t="t"/>
+            <a:pathLst>
+              <a:path extrusionOk="0" h="120000" w="120000">
+                <a:moveTo>
+                  <a:pt x="0" y="0"/>
+                </a:moveTo>
+                <a:lnTo>
+                  <a:pt x="120000" y="0"/>
+                </a:lnTo>
+                <a:lnTo>
+                  <a:pt x="120000" y="120000"/>
+                </a:lnTo>
+                <a:lnTo>
+                  <a:pt x="0" y="120000"/>
+                </a:lnTo>
+                <a:close/>
+              </a:path>
+            </a:pathLst>
+          </a:custGeom>
+        </p:spPr>
+      </p:sp>
+      <p:sp>
+        <p:nvSpPr>
+          <p:cNvPr id="388" name="Google Shape;388;g37f9672ca00_0_6:notes"/>
+          <p:cNvSpPr txBox="1"/>
+          <p:nvPr>
+            <p:ph idx="1" type="body"/>
+          </p:nvPr>
+        </p:nvSpPr>
+        <p:spPr>
+          <a:xfrm>
+            <a:off x="685800" y="4343400"/>
+            <a:ext cx="5486400" cy="4114800"/>
+          </a:xfrm>
+          <a:prstGeom prst="rect">
+            <a:avLst/>
+          </a:prstGeom>
+        </p:spPr>
+        <p:txBody>
+          <a:bodyPr anchorCtr="0" anchor="t" bIns="91425" lIns="91425" spcFirstLastPara="1" rIns="91425" wrap="square" tIns="91425">
+            <a:noAutofit/>
+          </a:bodyPr>
+          <a:lstStyle/>
+          <a:p>
+            <a:pPr indent="0" lvl="0" marL="0" rtl="0" algn="l">
+              <a:spcBef>
+                <a:spcPts val="0"/>
+              </a:spcBef>
+              <a:spcAft>
+                <a:spcPts val="0"/>
+              </a:spcAft>
+              <a:buNone/>
+            </a:pPr>
+            <a:r>
+              <a:t/>
+            </a:r>
+            <a:endParaRPr/>
+          </a:p>
+        </p:txBody>
+      </p:sp>
+    </p:spTree>
+  </p:cSld>
+  <p:clrMapOvr>
+    <a:masterClrMapping/>
+  </p:clrMapOvr>
+</p:notes>
+</file>
+
 <file path=ppt/notesSlides/notesSlide5.xml><?xml version="1.0" encoding="utf-8"?>
 <p:notes xmlns:a="http://schemas.openxmlformats.org/drawingml/2006/main" xmlns:r="http://schemas.openxmlformats.org/officeDocument/2006/relationships" xmlns:mc="http://schemas.openxmlformats.org/markup-compatibility/2006" xmlns:mv="urn:schemas-microsoft-com:mac:vml" xmlns:p="http://schemas.openxmlformats.org/presentationml/2006/main" xmlns:c="http://schemas.openxmlformats.org/drawingml/2006/chart" xmlns:dgm="http://schemas.openxmlformats.org/drawingml/2006/diagram" xmlns:o="urn:schemas-microsoft-com:office:office" xmlns:v="urn:schemas-microsoft-com:vml" xmlns:pvml="urn:schemas-microsoft-com:office:powerpoint" xmlns:com="http://schemas.openxmlformats.org/drawingml/2006/compatibility" xmlns:p14="http://schemas.microsoft.com/office/powerpoint/2010/main" xmlns:p15="http://schemas.microsoft.com/office/powerpoint/2012/main" xmlns:ahyp="http://schemas.microsoft.com/office/drawing/2018/hyperlinkcolor" showMasterPhAnim="0" showMasterSp="0">
   <p:cSld>
@@ -4973,6 +5178,501 @@
       <p:sp>
         <p:nvSpPr>
           <p:cNvPr id="108" name="Google Shape;108;g37a7fb0f999_0_194:notes"/>
+          <p:cNvSpPr txBox="1"/>
+          <p:nvPr>
+            <p:ph idx="1" type="body"/>
+          </p:nvPr>
+        </p:nvSpPr>
+        <p:spPr>
+          <a:xfrm>
+            <a:off x="685800" y="4343400"/>
+            <a:ext cx="5486400" cy="4114800"/>
+          </a:xfrm>
+          <a:prstGeom prst="rect">
+            <a:avLst/>
+          </a:prstGeom>
+        </p:spPr>
+        <p:txBody>
+          <a:bodyPr anchorCtr="0" anchor="t" bIns="91425" lIns="91425" spcFirstLastPara="1" rIns="91425" wrap="square" tIns="91425">
+            <a:noAutofit/>
+          </a:bodyPr>
+          <a:lstStyle/>
+          <a:p>
+            <a:pPr indent="0" lvl="0" marL="0" rtl="0" algn="l">
+              <a:spcBef>
+                <a:spcPts val="0"/>
+              </a:spcBef>
+              <a:spcAft>
+                <a:spcPts val="0"/>
+              </a:spcAft>
+              <a:buNone/>
+            </a:pPr>
+            <a:r>
+              <a:t/>
+            </a:r>
+            <a:endParaRPr/>
+          </a:p>
+        </p:txBody>
+      </p:sp>
+    </p:spTree>
+  </p:cSld>
+  <p:clrMapOvr>
+    <a:masterClrMapping/>
+  </p:clrMapOvr>
+</p:notes>
+</file>
+
+<file path=ppt/notesSlides/notesSlide50.xml><?xml version="1.0" encoding="utf-8"?>
+<p:notes xmlns:a="http://schemas.openxmlformats.org/drawingml/2006/main" xmlns:r="http://schemas.openxmlformats.org/officeDocument/2006/relationships" xmlns:mc="http://schemas.openxmlformats.org/markup-compatibility/2006" xmlns:mv="urn:schemas-microsoft-com:mac:vml" xmlns:p="http://schemas.openxmlformats.org/presentationml/2006/main" xmlns:c="http://schemas.openxmlformats.org/drawingml/2006/chart" xmlns:dgm="http://schemas.openxmlformats.org/drawingml/2006/diagram" xmlns:o="urn:schemas-microsoft-com:office:office" xmlns:v="urn:schemas-microsoft-com:vml" xmlns:pvml="urn:schemas-microsoft-com:office:powerpoint" xmlns:com="http://schemas.openxmlformats.org/drawingml/2006/compatibility" xmlns:p14="http://schemas.microsoft.com/office/powerpoint/2010/main" xmlns:p15="http://schemas.microsoft.com/office/powerpoint/2012/main" xmlns:ahyp="http://schemas.microsoft.com/office/drawing/2018/hyperlinkcolor" showMasterPhAnim="0" showMasterSp="0">
+  <p:cSld>
+    <p:spTree>
+      <p:nvGrpSpPr>
+        <p:cNvPr id="392" name="Shape 392"/>
+        <p:cNvGrpSpPr/>
+        <p:nvPr/>
+      </p:nvGrpSpPr>
+      <p:grpSpPr>
+        <a:xfrm>
+          <a:off x="0" y="0"/>
+          <a:ext cx="0" cy="0"/>
+          <a:chOff x="0" y="0"/>
+          <a:chExt cx="0" cy="0"/>
+        </a:xfrm>
+      </p:grpSpPr>
+      <p:sp>
+        <p:nvSpPr>
+          <p:cNvPr id="393" name="Google Shape;393;g37f9672ca00_0_13:notes"/>
+          <p:cNvSpPr/>
+          <p:nvPr>
+            <p:ph idx="2" type="sldImg"/>
+          </p:nvPr>
+        </p:nvSpPr>
+        <p:spPr>
+          <a:xfrm>
+            <a:off x="381300" y="685800"/>
+            <a:ext cx="6096000" cy="3429000"/>
+          </a:xfrm>
+          <a:custGeom>
+            <a:rect b="b" l="l" r="r" t="t"/>
+            <a:pathLst>
+              <a:path extrusionOk="0" h="120000" w="120000">
+                <a:moveTo>
+                  <a:pt x="0" y="0"/>
+                </a:moveTo>
+                <a:lnTo>
+                  <a:pt x="120000" y="0"/>
+                </a:lnTo>
+                <a:lnTo>
+                  <a:pt x="120000" y="120000"/>
+                </a:lnTo>
+                <a:lnTo>
+                  <a:pt x="0" y="120000"/>
+                </a:lnTo>
+                <a:close/>
+              </a:path>
+            </a:pathLst>
+          </a:custGeom>
+        </p:spPr>
+      </p:sp>
+      <p:sp>
+        <p:nvSpPr>
+          <p:cNvPr id="394" name="Google Shape;394;g37f9672ca00_0_13:notes"/>
+          <p:cNvSpPr txBox="1"/>
+          <p:nvPr>
+            <p:ph idx="1" type="body"/>
+          </p:nvPr>
+        </p:nvSpPr>
+        <p:spPr>
+          <a:xfrm>
+            <a:off x="685800" y="4343400"/>
+            <a:ext cx="5486400" cy="4114800"/>
+          </a:xfrm>
+          <a:prstGeom prst="rect">
+            <a:avLst/>
+          </a:prstGeom>
+        </p:spPr>
+        <p:txBody>
+          <a:bodyPr anchorCtr="0" anchor="t" bIns="91425" lIns="91425" spcFirstLastPara="1" rIns="91425" wrap="square" tIns="91425">
+            <a:noAutofit/>
+          </a:bodyPr>
+          <a:lstStyle/>
+          <a:p>
+            <a:pPr indent="0" lvl="0" marL="0" rtl="0" algn="l">
+              <a:spcBef>
+                <a:spcPts val="0"/>
+              </a:spcBef>
+              <a:spcAft>
+                <a:spcPts val="0"/>
+              </a:spcAft>
+              <a:buNone/>
+            </a:pPr>
+            <a:r>
+              <a:t/>
+            </a:r>
+            <a:endParaRPr/>
+          </a:p>
+        </p:txBody>
+      </p:sp>
+    </p:spTree>
+  </p:cSld>
+  <p:clrMapOvr>
+    <a:masterClrMapping/>
+  </p:clrMapOvr>
+</p:notes>
+</file>
+
+<file path=ppt/notesSlides/notesSlide51.xml><?xml version="1.0" encoding="utf-8"?>
+<p:notes xmlns:a="http://schemas.openxmlformats.org/drawingml/2006/main" xmlns:r="http://schemas.openxmlformats.org/officeDocument/2006/relationships" xmlns:mc="http://schemas.openxmlformats.org/markup-compatibility/2006" xmlns:mv="urn:schemas-microsoft-com:mac:vml" xmlns:p="http://schemas.openxmlformats.org/presentationml/2006/main" xmlns:c="http://schemas.openxmlformats.org/drawingml/2006/chart" xmlns:dgm="http://schemas.openxmlformats.org/drawingml/2006/diagram" xmlns:o="urn:schemas-microsoft-com:office:office" xmlns:v="urn:schemas-microsoft-com:vml" xmlns:pvml="urn:schemas-microsoft-com:office:powerpoint" xmlns:com="http://schemas.openxmlformats.org/drawingml/2006/compatibility" xmlns:p14="http://schemas.microsoft.com/office/powerpoint/2010/main" xmlns:p15="http://schemas.microsoft.com/office/powerpoint/2012/main" xmlns:ahyp="http://schemas.microsoft.com/office/drawing/2018/hyperlinkcolor" showMasterPhAnim="0" showMasterSp="0">
+  <p:cSld>
+    <p:spTree>
+      <p:nvGrpSpPr>
+        <p:cNvPr id="398" name="Shape 398"/>
+        <p:cNvGrpSpPr/>
+        <p:nvPr/>
+      </p:nvGrpSpPr>
+      <p:grpSpPr>
+        <a:xfrm>
+          <a:off x="0" y="0"/>
+          <a:ext cx="0" cy="0"/>
+          <a:chOff x="0" y="0"/>
+          <a:chExt cx="0" cy="0"/>
+        </a:xfrm>
+      </p:grpSpPr>
+      <p:sp>
+        <p:nvSpPr>
+          <p:cNvPr id="399" name="Google Shape;399;g37f9672ca00_0_21:notes"/>
+          <p:cNvSpPr/>
+          <p:nvPr>
+            <p:ph idx="2" type="sldImg"/>
+          </p:nvPr>
+        </p:nvSpPr>
+        <p:spPr>
+          <a:xfrm>
+            <a:off x="381300" y="685800"/>
+            <a:ext cx="6096000" cy="3429000"/>
+          </a:xfrm>
+          <a:custGeom>
+            <a:rect b="b" l="l" r="r" t="t"/>
+            <a:pathLst>
+              <a:path extrusionOk="0" h="120000" w="120000">
+                <a:moveTo>
+                  <a:pt x="0" y="0"/>
+                </a:moveTo>
+                <a:lnTo>
+                  <a:pt x="120000" y="0"/>
+                </a:lnTo>
+                <a:lnTo>
+                  <a:pt x="120000" y="120000"/>
+                </a:lnTo>
+                <a:lnTo>
+                  <a:pt x="0" y="120000"/>
+                </a:lnTo>
+                <a:close/>
+              </a:path>
+            </a:pathLst>
+          </a:custGeom>
+        </p:spPr>
+      </p:sp>
+      <p:sp>
+        <p:nvSpPr>
+          <p:cNvPr id="400" name="Google Shape;400;g37f9672ca00_0_21:notes"/>
+          <p:cNvSpPr txBox="1"/>
+          <p:nvPr>
+            <p:ph idx="1" type="body"/>
+          </p:nvPr>
+        </p:nvSpPr>
+        <p:spPr>
+          <a:xfrm>
+            <a:off x="685800" y="4343400"/>
+            <a:ext cx="5486400" cy="4114800"/>
+          </a:xfrm>
+          <a:prstGeom prst="rect">
+            <a:avLst/>
+          </a:prstGeom>
+        </p:spPr>
+        <p:txBody>
+          <a:bodyPr anchorCtr="0" anchor="t" bIns="91425" lIns="91425" spcFirstLastPara="1" rIns="91425" wrap="square" tIns="91425">
+            <a:noAutofit/>
+          </a:bodyPr>
+          <a:lstStyle/>
+          <a:p>
+            <a:pPr indent="0" lvl="0" marL="0" rtl="0" algn="l">
+              <a:spcBef>
+                <a:spcPts val="0"/>
+              </a:spcBef>
+              <a:spcAft>
+                <a:spcPts val="0"/>
+              </a:spcAft>
+              <a:buNone/>
+            </a:pPr>
+            <a:r>
+              <a:t/>
+            </a:r>
+            <a:endParaRPr/>
+          </a:p>
+        </p:txBody>
+      </p:sp>
+    </p:spTree>
+  </p:cSld>
+  <p:clrMapOvr>
+    <a:masterClrMapping/>
+  </p:clrMapOvr>
+</p:notes>
+</file>
+
+<file path=ppt/notesSlides/notesSlide52.xml><?xml version="1.0" encoding="utf-8"?>
+<p:notes xmlns:a="http://schemas.openxmlformats.org/drawingml/2006/main" xmlns:r="http://schemas.openxmlformats.org/officeDocument/2006/relationships" xmlns:mc="http://schemas.openxmlformats.org/markup-compatibility/2006" xmlns:mv="urn:schemas-microsoft-com:mac:vml" xmlns:p="http://schemas.openxmlformats.org/presentationml/2006/main" xmlns:c="http://schemas.openxmlformats.org/drawingml/2006/chart" xmlns:dgm="http://schemas.openxmlformats.org/drawingml/2006/diagram" xmlns:o="urn:schemas-microsoft-com:office:office" xmlns:v="urn:schemas-microsoft-com:vml" xmlns:pvml="urn:schemas-microsoft-com:office:powerpoint" xmlns:com="http://schemas.openxmlformats.org/drawingml/2006/compatibility" xmlns:p14="http://schemas.microsoft.com/office/powerpoint/2010/main" xmlns:p15="http://schemas.microsoft.com/office/powerpoint/2012/main" xmlns:ahyp="http://schemas.microsoft.com/office/drawing/2018/hyperlinkcolor" showMasterPhAnim="0" showMasterSp="0">
+  <p:cSld>
+    <p:spTree>
+      <p:nvGrpSpPr>
+        <p:cNvPr id="404" name="Shape 404"/>
+        <p:cNvGrpSpPr/>
+        <p:nvPr/>
+      </p:nvGrpSpPr>
+      <p:grpSpPr>
+        <a:xfrm>
+          <a:off x="0" y="0"/>
+          <a:ext cx="0" cy="0"/>
+          <a:chOff x="0" y="0"/>
+          <a:chExt cx="0" cy="0"/>
+        </a:xfrm>
+      </p:grpSpPr>
+      <p:sp>
+        <p:nvSpPr>
+          <p:cNvPr id="405" name="Google Shape;405;g37f9672ca00_0_29:notes"/>
+          <p:cNvSpPr/>
+          <p:nvPr>
+            <p:ph idx="2" type="sldImg"/>
+          </p:nvPr>
+        </p:nvSpPr>
+        <p:spPr>
+          <a:xfrm>
+            <a:off x="381300" y="685800"/>
+            <a:ext cx="6096000" cy="3429000"/>
+          </a:xfrm>
+          <a:custGeom>
+            <a:rect b="b" l="l" r="r" t="t"/>
+            <a:pathLst>
+              <a:path extrusionOk="0" h="120000" w="120000">
+                <a:moveTo>
+                  <a:pt x="0" y="0"/>
+                </a:moveTo>
+                <a:lnTo>
+                  <a:pt x="120000" y="0"/>
+                </a:lnTo>
+                <a:lnTo>
+                  <a:pt x="120000" y="120000"/>
+                </a:lnTo>
+                <a:lnTo>
+                  <a:pt x="0" y="120000"/>
+                </a:lnTo>
+                <a:close/>
+              </a:path>
+            </a:pathLst>
+          </a:custGeom>
+        </p:spPr>
+      </p:sp>
+      <p:sp>
+        <p:nvSpPr>
+          <p:cNvPr id="406" name="Google Shape;406;g37f9672ca00_0_29:notes"/>
+          <p:cNvSpPr txBox="1"/>
+          <p:nvPr>
+            <p:ph idx="1" type="body"/>
+          </p:nvPr>
+        </p:nvSpPr>
+        <p:spPr>
+          <a:xfrm>
+            <a:off x="685800" y="4343400"/>
+            <a:ext cx="5486400" cy="4114800"/>
+          </a:xfrm>
+          <a:prstGeom prst="rect">
+            <a:avLst/>
+          </a:prstGeom>
+        </p:spPr>
+        <p:txBody>
+          <a:bodyPr anchorCtr="0" anchor="t" bIns="91425" lIns="91425" spcFirstLastPara="1" rIns="91425" wrap="square" tIns="91425">
+            <a:noAutofit/>
+          </a:bodyPr>
+          <a:lstStyle/>
+          <a:p>
+            <a:pPr indent="0" lvl="0" marL="0" rtl="0" algn="l">
+              <a:spcBef>
+                <a:spcPts val="0"/>
+              </a:spcBef>
+              <a:spcAft>
+                <a:spcPts val="0"/>
+              </a:spcAft>
+              <a:buNone/>
+            </a:pPr>
+            <a:r>
+              <a:t/>
+            </a:r>
+            <a:endParaRPr/>
+          </a:p>
+        </p:txBody>
+      </p:sp>
+    </p:spTree>
+  </p:cSld>
+  <p:clrMapOvr>
+    <a:masterClrMapping/>
+  </p:clrMapOvr>
+</p:notes>
+</file>
+
+<file path=ppt/notesSlides/notesSlide53.xml><?xml version="1.0" encoding="utf-8"?>
+<p:notes xmlns:a="http://schemas.openxmlformats.org/drawingml/2006/main" xmlns:r="http://schemas.openxmlformats.org/officeDocument/2006/relationships" xmlns:mc="http://schemas.openxmlformats.org/markup-compatibility/2006" xmlns:mv="urn:schemas-microsoft-com:mac:vml" xmlns:p="http://schemas.openxmlformats.org/presentationml/2006/main" xmlns:c="http://schemas.openxmlformats.org/drawingml/2006/chart" xmlns:dgm="http://schemas.openxmlformats.org/drawingml/2006/diagram" xmlns:o="urn:schemas-microsoft-com:office:office" xmlns:v="urn:schemas-microsoft-com:vml" xmlns:pvml="urn:schemas-microsoft-com:office:powerpoint" xmlns:com="http://schemas.openxmlformats.org/drawingml/2006/compatibility" xmlns:p14="http://schemas.microsoft.com/office/powerpoint/2010/main" xmlns:p15="http://schemas.microsoft.com/office/powerpoint/2012/main" xmlns:ahyp="http://schemas.microsoft.com/office/drawing/2018/hyperlinkcolor" showMasterPhAnim="0" showMasterSp="0">
+  <p:cSld>
+    <p:spTree>
+      <p:nvGrpSpPr>
+        <p:cNvPr id="410" name="Shape 410"/>
+        <p:cNvGrpSpPr/>
+        <p:nvPr/>
+      </p:nvGrpSpPr>
+      <p:grpSpPr>
+        <a:xfrm>
+          <a:off x="0" y="0"/>
+          <a:ext cx="0" cy="0"/>
+          <a:chOff x="0" y="0"/>
+          <a:chExt cx="0" cy="0"/>
+        </a:xfrm>
+      </p:grpSpPr>
+      <p:sp>
+        <p:nvSpPr>
+          <p:cNvPr id="411" name="Google Shape;411;g37f9672ca00_0_35:notes"/>
+          <p:cNvSpPr/>
+          <p:nvPr>
+            <p:ph idx="2" type="sldImg"/>
+          </p:nvPr>
+        </p:nvSpPr>
+        <p:spPr>
+          <a:xfrm>
+            <a:off x="381300" y="685800"/>
+            <a:ext cx="6096000" cy="3429000"/>
+          </a:xfrm>
+          <a:custGeom>
+            <a:rect b="b" l="l" r="r" t="t"/>
+            <a:pathLst>
+              <a:path extrusionOk="0" h="120000" w="120000">
+                <a:moveTo>
+                  <a:pt x="0" y="0"/>
+                </a:moveTo>
+                <a:lnTo>
+                  <a:pt x="120000" y="0"/>
+                </a:lnTo>
+                <a:lnTo>
+                  <a:pt x="120000" y="120000"/>
+                </a:lnTo>
+                <a:lnTo>
+                  <a:pt x="0" y="120000"/>
+                </a:lnTo>
+                <a:close/>
+              </a:path>
+            </a:pathLst>
+          </a:custGeom>
+        </p:spPr>
+      </p:sp>
+      <p:sp>
+        <p:nvSpPr>
+          <p:cNvPr id="412" name="Google Shape;412;g37f9672ca00_0_35:notes"/>
+          <p:cNvSpPr txBox="1"/>
+          <p:nvPr>
+            <p:ph idx="1" type="body"/>
+          </p:nvPr>
+        </p:nvSpPr>
+        <p:spPr>
+          <a:xfrm>
+            <a:off x="685800" y="4343400"/>
+            <a:ext cx="5486400" cy="4114800"/>
+          </a:xfrm>
+          <a:prstGeom prst="rect">
+            <a:avLst/>
+          </a:prstGeom>
+        </p:spPr>
+        <p:txBody>
+          <a:bodyPr anchorCtr="0" anchor="t" bIns="91425" lIns="91425" spcFirstLastPara="1" rIns="91425" wrap="square" tIns="91425">
+            <a:noAutofit/>
+          </a:bodyPr>
+          <a:lstStyle/>
+          <a:p>
+            <a:pPr indent="0" lvl="0" marL="0" rtl="0" algn="l">
+              <a:spcBef>
+                <a:spcPts val="0"/>
+              </a:spcBef>
+              <a:spcAft>
+                <a:spcPts val="0"/>
+              </a:spcAft>
+              <a:buNone/>
+            </a:pPr>
+            <a:r>
+              <a:t/>
+            </a:r>
+            <a:endParaRPr/>
+          </a:p>
+        </p:txBody>
+      </p:sp>
+    </p:spTree>
+  </p:cSld>
+  <p:clrMapOvr>
+    <a:masterClrMapping/>
+  </p:clrMapOvr>
+</p:notes>
+</file>
+
+<file path=ppt/notesSlides/notesSlide54.xml><?xml version="1.0" encoding="utf-8"?>
+<p:notes xmlns:a="http://schemas.openxmlformats.org/drawingml/2006/main" xmlns:r="http://schemas.openxmlformats.org/officeDocument/2006/relationships" xmlns:mc="http://schemas.openxmlformats.org/markup-compatibility/2006" xmlns:mv="urn:schemas-microsoft-com:mac:vml" xmlns:p="http://schemas.openxmlformats.org/presentationml/2006/main" xmlns:c="http://schemas.openxmlformats.org/drawingml/2006/chart" xmlns:dgm="http://schemas.openxmlformats.org/drawingml/2006/diagram" xmlns:o="urn:schemas-microsoft-com:office:office" xmlns:v="urn:schemas-microsoft-com:vml" xmlns:pvml="urn:schemas-microsoft-com:office:powerpoint" xmlns:com="http://schemas.openxmlformats.org/drawingml/2006/compatibility" xmlns:p14="http://schemas.microsoft.com/office/powerpoint/2010/main" xmlns:p15="http://schemas.microsoft.com/office/powerpoint/2012/main" xmlns:ahyp="http://schemas.microsoft.com/office/drawing/2018/hyperlinkcolor" showMasterPhAnim="0" showMasterSp="0">
+  <p:cSld>
+    <p:spTree>
+      <p:nvGrpSpPr>
+        <p:cNvPr id="416" name="Shape 416"/>
+        <p:cNvGrpSpPr/>
+        <p:nvPr/>
+      </p:nvGrpSpPr>
+      <p:grpSpPr>
+        <a:xfrm>
+          <a:off x="0" y="0"/>
+          <a:ext cx="0" cy="0"/>
+          <a:chOff x="0" y="0"/>
+          <a:chExt cx="0" cy="0"/>
+        </a:xfrm>
+      </p:grpSpPr>
+      <p:sp>
+        <p:nvSpPr>
+          <p:cNvPr id="417" name="Google Shape;417;g37f9672ca00_0_42:notes"/>
+          <p:cNvSpPr/>
+          <p:nvPr>
+            <p:ph idx="2" type="sldImg"/>
+          </p:nvPr>
+        </p:nvSpPr>
+        <p:spPr>
+          <a:xfrm>
+            <a:off x="381300" y="685800"/>
+            <a:ext cx="6096000" cy="3429000"/>
+          </a:xfrm>
+          <a:custGeom>
+            <a:rect b="b" l="l" r="r" t="t"/>
+            <a:pathLst>
+              <a:path extrusionOk="0" h="120000" w="120000">
+                <a:moveTo>
+                  <a:pt x="0" y="0"/>
+                </a:moveTo>
+                <a:lnTo>
+                  <a:pt x="120000" y="0"/>
+                </a:lnTo>
+                <a:lnTo>
+                  <a:pt x="120000" y="120000"/>
+                </a:lnTo>
+                <a:lnTo>
+                  <a:pt x="0" y="120000"/>
+                </a:lnTo>
+                <a:close/>
+              </a:path>
+            </a:pathLst>
+          </a:custGeom>
+        </p:spPr>
+      </p:sp>
+      <p:sp>
+        <p:nvSpPr>
+          <p:cNvPr id="418" name="Google Shape;418;g37f9672ca00_0_42:notes"/>
           <p:cNvSpPr txBox="1"/>
           <p:nvPr>
             <p:ph idx="1" type="body"/>
@@ -26251,7 +26951,7 @@
             <a:tbl>
               <a:tblPr>
                 <a:noFill/>
-                <a:tableStyleId>{DED04A10-4780-42A0-8463-DAC58E4381F0}</a:tableStyleId>
+                <a:tableStyleId>{C6BE707B-F363-4AAB-A470-6ED262641FC7}</a:tableStyleId>
               </a:tblPr>
               <a:tblGrid>
                 <a:gridCol w="2413000"/>
@@ -26497,7 +27197,7 @@
             <a:tbl>
               <a:tblPr>
                 <a:noFill/>
-                <a:tableStyleId>{DED04A10-4780-42A0-8463-DAC58E4381F0}</a:tableStyleId>
+                <a:tableStyleId>{C6BE707B-F363-4AAB-A470-6ED262641FC7}</a:tableStyleId>
               </a:tblPr>
               <a:tblGrid>
                 <a:gridCol w="2413000"/>
@@ -26736,6 +27436,423 @@
 </p:sld>
 </file>
 
+<file path=ppt/slides/slide48.xml><?xml version="1.0" encoding="utf-8"?>
+<p:sld xmlns:a="http://schemas.openxmlformats.org/drawingml/2006/main" xmlns:r="http://schemas.openxmlformats.org/officeDocument/2006/relationships" xmlns:mc="http://schemas.openxmlformats.org/markup-compatibility/2006" xmlns:mv="urn:schemas-microsoft-com:mac:vml" xmlns:p="http://schemas.openxmlformats.org/presentationml/2006/main" xmlns:c="http://schemas.openxmlformats.org/drawingml/2006/chart" xmlns:dgm="http://schemas.openxmlformats.org/drawingml/2006/diagram" xmlns:o="urn:schemas-microsoft-com:office:office" xmlns:v="urn:schemas-microsoft-com:vml" xmlns:pvml="urn:schemas-microsoft-com:office:powerpoint" xmlns:com="http://schemas.openxmlformats.org/drawingml/2006/compatibility" xmlns:p14="http://schemas.microsoft.com/office/powerpoint/2010/main" xmlns:p15="http://schemas.microsoft.com/office/powerpoint/2012/main" xmlns:ahyp="http://schemas.microsoft.com/office/drawing/2018/hyperlinkcolor">
+  <p:cSld>
+    <p:spTree>
+      <p:nvGrpSpPr>
+        <p:cNvPr id="383" name="Shape 383"/>
+        <p:cNvGrpSpPr/>
+        <p:nvPr/>
+      </p:nvGrpSpPr>
+      <p:grpSpPr>
+        <a:xfrm>
+          <a:off x="0" y="0"/>
+          <a:ext cx="0" cy="0"/>
+          <a:chOff x="0" y="0"/>
+          <a:chExt cx="0" cy="0"/>
+        </a:xfrm>
+      </p:grpSpPr>
+      <p:sp>
+        <p:nvSpPr>
+          <p:cNvPr id="384" name="Google Shape;384;p60"/>
+          <p:cNvSpPr txBox="1"/>
+          <p:nvPr>
+            <p:ph type="title"/>
+          </p:nvPr>
+        </p:nvSpPr>
+        <p:spPr>
+          <a:xfrm>
+            <a:off x="729450" y="1318650"/>
+            <a:ext cx="7688700" cy="2131200"/>
+          </a:xfrm>
+          <a:prstGeom prst="rect">
+            <a:avLst/>
+          </a:prstGeom>
+        </p:spPr>
+        <p:txBody>
+          <a:bodyPr anchorCtr="0" anchor="t" bIns="91425" lIns="91425" spcFirstLastPara="1" rIns="91425" wrap="square" tIns="91425">
+            <a:normAutofit/>
+          </a:bodyPr>
+          <a:lstStyle/>
+          <a:p>
+            <a:pPr indent="0" lvl="0" marL="0" rtl="0" algn="ctr">
+              <a:lnSpc>
+                <a:spcPct val="115000"/>
+              </a:lnSpc>
+              <a:spcBef>
+                <a:spcPts val="1200"/>
+              </a:spcBef>
+              <a:spcAft>
+                <a:spcPts val="0"/>
+              </a:spcAft>
+              <a:buNone/>
+            </a:pPr>
+            <a:r>
+              <a:rPr lang="pl">
+                <a:latin typeface="Tahoma"/>
+                <a:ea typeface="Tahoma"/>
+                <a:cs typeface="Tahoma"/>
+                <a:sym typeface="Tahoma"/>
+              </a:rPr>
+              <a:t>AWS, Google Cloud i Microsoft Azure </a:t>
+            </a:r>
+            <a:endParaRPr>
+              <a:latin typeface="Tahoma"/>
+              <a:ea typeface="Tahoma"/>
+              <a:cs typeface="Tahoma"/>
+              <a:sym typeface="Tahoma"/>
+            </a:endParaRPr>
+          </a:p>
+          <a:p>
+            <a:pPr indent="0" lvl="0" marL="0" rtl="0" algn="ctr">
+              <a:lnSpc>
+                <a:spcPct val="115000"/>
+              </a:lnSpc>
+              <a:spcBef>
+                <a:spcPts val="1200"/>
+              </a:spcBef>
+              <a:spcAft>
+                <a:spcPts val="0"/>
+              </a:spcAft>
+              <a:buNone/>
+            </a:pPr>
+            <a:r>
+              <a:rPr lang="pl">
+                <a:latin typeface="Tahoma"/>
+                <a:ea typeface="Tahoma"/>
+                <a:cs typeface="Tahoma"/>
+                <a:sym typeface="Tahoma"/>
+              </a:rPr>
+              <a:t>to trzy największe platformy chmurowe</a:t>
+            </a:r>
+            <a:endParaRPr>
+              <a:latin typeface="Tahoma"/>
+              <a:ea typeface="Tahoma"/>
+              <a:cs typeface="Tahoma"/>
+              <a:sym typeface="Tahoma"/>
+            </a:endParaRPr>
+          </a:p>
+          <a:p>
+            <a:pPr indent="0" lvl="0" marL="0" rtl="0" algn="l">
+              <a:spcBef>
+                <a:spcPts val="1200"/>
+              </a:spcBef>
+              <a:spcAft>
+                <a:spcPts val="0"/>
+              </a:spcAft>
+              <a:buNone/>
+            </a:pPr>
+            <a:r>
+              <a:t/>
+            </a:r>
+            <a:endParaRPr>
+              <a:latin typeface="Tahoma"/>
+              <a:ea typeface="Tahoma"/>
+              <a:cs typeface="Tahoma"/>
+              <a:sym typeface="Tahoma"/>
+            </a:endParaRPr>
+          </a:p>
+        </p:txBody>
+      </p:sp>
+      <p:sp>
+        <p:nvSpPr>
+          <p:cNvPr id="385" name="Google Shape;385;p60"/>
+          <p:cNvSpPr txBox="1"/>
+          <p:nvPr>
+            <p:ph idx="1" type="body"/>
+          </p:nvPr>
+        </p:nvSpPr>
+        <p:spPr>
+          <a:xfrm>
+            <a:off x="729450" y="2078875"/>
+            <a:ext cx="7688700" cy="2261100"/>
+          </a:xfrm>
+          <a:prstGeom prst="rect">
+            <a:avLst/>
+          </a:prstGeom>
+        </p:spPr>
+        <p:txBody>
+          <a:bodyPr anchorCtr="0" anchor="t" bIns="91425" lIns="91425" spcFirstLastPara="1" rIns="91425" wrap="square" tIns="91425">
+            <a:normAutofit/>
+          </a:bodyPr>
+          <a:lstStyle/>
+          <a:p>
+            <a:pPr indent="0" lvl="0" marL="0" rtl="0" algn="l">
+              <a:spcBef>
+                <a:spcPts val="0"/>
+              </a:spcBef>
+              <a:spcAft>
+                <a:spcPts val="1200"/>
+              </a:spcAft>
+              <a:buNone/>
+            </a:pPr>
+            <a:r>
+              <a:t/>
+            </a:r>
+            <a:endParaRPr/>
+          </a:p>
+        </p:txBody>
+      </p:sp>
+    </p:spTree>
+  </p:cSld>
+  <p:clrMapOvr>
+    <a:masterClrMapping/>
+  </p:clrMapOvr>
+</p:sld>
+</file>
+
+<file path=ppt/slides/slide49.xml><?xml version="1.0" encoding="utf-8"?>
+<p:sld xmlns:a="http://schemas.openxmlformats.org/drawingml/2006/main" xmlns:r="http://schemas.openxmlformats.org/officeDocument/2006/relationships" xmlns:mc="http://schemas.openxmlformats.org/markup-compatibility/2006" xmlns:mv="urn:schemas-microsoft-com:mac:vml" xmlns:p="http://schemas.openxmlformats.org/presentationml/2006/main" xmlns:c="http://schemas.openxmlformats.org/drawingml/2006/chart" xmlns:dgm="http://schemas.openxmlformats.org/drawingml/2006/diagram" xmlns:o="urn:schemas-microsoft-com:office:office" xmlns:v="urn:schemas-microsoft-com:vml" xmlns:pvml="urn:schemas-microsoft-com:office:powerpoint" xmlns:com="http://schemas.openxmlformats.org/drawingml/2006/compatibility" xmlns:p14="http://schemas.microsoft.com/office/powerpoint/2010/main" xmlns:p15="http://schemas.microsoft.com/office/powerpoint/2012/main" xmlns:ahyp="http://schemas.microsoft.com/office/drawing/2018/hyperlinkcolor">
+  <p:cSld>
+    <p:spTree>
+      <p:nvGrpSpPr>
+        <p:cNvPr id="389" name="Shape 389"/>
+        <p:cNvGrpSpPr/>
+        <p:nvPr/>
+      </p:nvGrpSpPr>
+      <p:grpSpPr>
+        <a:xfrm>
+          <a:off x="0" y="0"/>
+          <a:ext cx="0" cy="0"/>
+          <a:chOff x="0" y="0"/>
+          <a:chExt cx="0" cy="0"/>
+        </a:xfrm>
+      </p:grpSpPr>
+      <p:sp>
+        <p:nvSpPr>
+          <p:cNvPr id="390" name="Google Shape;390;p61"/>
+          <p:cNvSpPr txBox="1"/>
+          <p:nvPr>
+            <p:ph type="title"/>
+          </p:nvPr>
+        </p:nvSpPr>
+        <p:spPr>
+          <a:xfrm>
+            <a:off x="729450" y="1318650"/>
+            <a:ext cx="7688700" cy="535200"/>
+          </a:xfrm>
+          <a:prstGeom prst="rect">
+            <a:avLst/>
+          </a:prstGeom>
+        </p:spPr>
+        <p:txBody>
+          <a:bodyPr anchorCtr="0" anchor="t" bIns="91425" lIns="91425" spcFirstLastPara="1" rIns="91425" wrap="square" tIns="91425">
+            <a:noAutofit/>
+          </a:bodyPr>
+          <a:lstStyle/>
+          <a:p>
+            <a:pPr indent="0" lvl="0" marL="0" rtl="0" algn="l">
+              <a:lnSpc>
+                <a:spcPct val="115000"/>
+              </a:lnSpc>
+              <a:spcBef>
+                <a:spcPts val="1200"/>
+              </a:spcBef>
+              <a:spcAft>
+                <a:spcPts val="0"/>
+              </a:spcAft>
+              <a:buSzPts val="990"/>
+              <a:buNone/>
+            </a:pPr>
+            <a:r>
+              <a:rPr lang="pl" sz="2440">
+                <a:latin typeface="Tahoma"/>
+                <a:ea typeface="Tahoma"/>
+                <a:cs typeface="Tahoma"/>
+                <a:sym typeface="Tahoma"/>
+              </a:rPr>
+              <a:t>AWS (Amazon Web Services)</a:t>
+            </a:r>
+            <a:endParaRPr sz="2440">
+              <a:latin typeface="Tahoma"/>
+              <a:ea typeface="Tahoma"/>
+              <a:cs typeface="Tahoma"/>
+              <a:sym typeface="Tahoma"/>
+            </a:endParaRPr>
+          </a:p>
+          <a:p>
+            <a:pPr indent="0" lvl="0" marL="0" rtl="0" algn="l">
+              <a:spcBef>
+                <a:spcPts val="1200"/>
+              </a:spcBef>
+              <a:spcAft>
+                <a:spcPts val="0"/>
+              </a:spcAft>
+              <a:buSzPts val="990"/>
+              <a:buNone/>
+            </a:pPr>
+            <a:r>
+              <a:t/>
+            </a:r>
+            <a:endParaRPr sz="2340"/>
+          </a:p>
+        </p:txBody>
+      </p:sp>
+      <p:sp>
+        <p:nvSpPr>
+          <p:cNvPr id="391" name="Google Shape;391;p61"/>
+          <p:cNvSpPr txBox="1"/>
+          <p:nvPr>
+            <p:ph idx="1" type="body"/>
+          </p:nvPr>
+        </p:nvSpPr>
+        <p:spPr>
+          <a:xfrm>
+            <a:off x="729450" y="2078875"/>
+            <a:ext cx="7688700" cy="2261100"/>
+          </a:xfrm>
+          <a:prstGeom prst="rect">
+            <a:avLst/>
+          </a:prstGeom>
+        </p:spPr>
+        <p:txBody>
+          <a:bodyPr anchorCtr="0" anchor="t" bIns="91425" lIns="91425" spcFirstLastPara="1" rIns="91425" wrap="square" tIns="91425">
+            <a:normAutofit lnSpcReduction="20000"/>
+          </a:bodyPr>
+          <a:lstStyle/>
+          <a:p>
+            <a:pPr indent="0" lvl="0" marL="0" rtl="0" algn="l">
+              <a:spcBef>
+                <a:spcPts val="1200"/>
+              </a:spcBef>
+              <a:spcAft>
+                <a:spcPts val="0"/>
+              </a:spcAft>
+              <a:buNone/>
+            </a:pPr>
+            <a:r>
+              <a:rPr lang="pl"/>
+              <a:t>AWS to platforma chmurowa stworzona przez Amazon. </a:t>
+            </a:r>
+            <a:endParaRPr/>
+          </a:p>
+          <a:p>
+            <a:pPr indent="0" lvl="0" marL="0" rtl="0" algn="l">
+              <a:spcBef>
+                <a:spcPts val="1200"/>
+              </a:spcBef>
+              <a:spcAft>
+                <a:spcPts val="0"/>
+              </a:spcAft>
+              <a:buNone/>
+            </a:pPr>
+            <a:r>
+              <a:rPr lang="pl"/>
+              <a:t>Oferująca szeroki zestaw usług, takich jak:</a:t>
+            </a:r>
+            <a:endParaRPr/>
+          </a:p>
+          <a:p>
+            <a:pPr indent="-311150" lvl="0" marL="457200" rtl="0" algn="l">
+              <a:spcBef>
+                <a:spcPts val="1200"/>
+              </a:spcBef>
+              <a:spcAft>
+                <a:spcPts val="0"/>
+              </a:spcAft>
+              <a:buSzPts val="1300"/>
+              <a:buChar char="●"/>
+            </a:pPr>
+            <a:r>
+              <a:rPr b="1" lang="pl"/>
+              <a:t>moc obliczeniowa, </a:t>
+            </a:r>
+            <a:endParaRPr b="1"/>
+          </a:p>
+          <a:p>
+            <a:pPr indent="-311150" lvl="0" marL="457200" rtl="0" algn="l">
+              <a:spcBef>
+                <a:spcPts val="0"/>
+              </a:spcBef>
+              <a:spcAft>
+                <a:spcPts val="0"/>
+              </a:spcAft>
+              <a:buSzPts val="1300"/>
+              <a:buChar char="●"/>
+            </a:pPr>
+            <a:r>
+              <a:rPr b="1" lang="pl"/>
+              <a:t>przechowywanie danych, </a:t>
+            </a:r>
+            <a:endParaRPr b="1"/>
+          </a:p>
+          <a:p>
+            <a:pPr indent="-311150" lvl="0" marL="457200" rtl="0" algn="l">
+              <a:spcBef>
+                <a:spcPts val="0"/>
+              </a:spcBef>
+              <a:spcAft>
+                <a:spcPts val="0"/>
+              </a:spcAft>
+              <a:buSzPts val="1300"/>
+              <a:buChar char="●"/>
+            </a:pPr>
+            <a:r>
+              <a:rPr b="1" lang="pl"/>
+              <a:t>bazy danych, </a:t>
+            </a:r>
+            <a:endParaRPr b="1"/>
+          </a:p>
+          <a:p>
+            <a:pPr indent="-311150" lvl="0" marL="457200" rtl="0" algn="l">
+              <a:spcBef>
+                <a:spcPts val="0"/>
+              </a:spcBef>
+              <a:spcAft>
+                <a:spcPts val="0"/>
+              </a:spcAft>
+              <a:buSzPts val="1300"/>
+              <a:buChar char="●"/>
+            </a:pPr>
+            <a:r>
+              <a:rPr b="1" lang="pl"/>
+              <a:t>uczenie maszynowe </a:t>
+            </a:r>
+            <a:endParaRPr b="1"/>
+          </a:p>
+          <a:p>
+            <a:pPr indent="-311150" lvl="0" marL="457200" rtl="0" algn="l">
+              <a:spcBef>
+                <a:spcPts val="0"/>
+              </a:spcBef>
+              <a:spcAft>
+                <a:spcPts val="0"/>
+              </a:spcAft>
+              <a:buSzPts val="1300"/>
+              <a:buChar char="●"/>
+            </a:pPr>
+            <a:r>
+              <a:rPr b="1" lang="pl"/>
+              <a:t>analityka.</a:t>
+            </a:r>
+            <a:endParaRPr b="1"/>
+          </a:p>
+          <a:p>
+            <a:pPr indent="0" lvl="0" marL="0" rtl="0" algn="l">
+              <a:spcBef>
+                <a:spcPts val="1200"/>
+              </a:spcBef>
+              <a:spcAft>
+                <a:spcPts val="1200"/>
+              </a:spcAft>
+              <a:buNone/>
+            </a:pPr>
+            <a:r>
+              <a:t/>
+            </a:r>
+            <a:endParaRPr/>
+          </a:p>
+        </p:txBody>
+      </p:sp>
+    </p:spTree>
+  </p:cSld>
+  <p:clrMapOvr>
+    <a:masterClrMapping/>
+  </p:clrMapOvr>
+</p:sld>
+</file>
+
 <file path=ppt/slides/slide5.xml><?xml version="1.0" encoding="utf-8"?>
 <p:sld xmlns:a="http://schemas.openxmlformats.org/drawingml/2006/main" xmlns:r="http://schemas.openxmlformats.org/officeDocument/2006/relationships" xmlns:mc="http://schemas.openxmlformats.org/markup-compatibility/2006" xmlns:mv="urn:schemas-microsoft-com:mac:vml" xmlns:p="http://schemas.openxmlformats.org/presentationml/2006/main" xmlns:c="http://schemas.openxmlformats.org/drawingml/2006/chart" xmlns:dgm="http://schemas.openxmlformats.org/drawingml/2006/diagram" xmlns:o="urn:schemas-microsoft-com:office:office" xmlns:v="urn:schemas-microsoft-com:vml" xmlns:pvml="urn:schemas-microsoft-com:office:powerpoint" xmlns:com="http://schemas.openxmlformats.org/drawingml/2006/compatibility" xmlns:p14="http://schemas.microsoft.com/office/powerpoint/2010/main" xmlns:p15="http://schemas.microsoft.com/office/powerpoint/2012/main" xmlns:ahyp="http://schemas.microsoft.com/office/drawing/2018/hyperlinkcolor">
   <p:cSld>
@@ -26901,6 +28018,2075 @@
           </a:ln>
         </p:spPr>
       </p:pic>
+    </p:spTree>
+  </p:cSld>
+  <p:clrMapOvr>
+    <a:masterClrMapping/>
+  </p:clrMapOvr>
+</p:sld>
+</file>
+
+<file path=ppt/slides/slide50.xml><?xml version="1.0" encoding="utf-8"?>
+<p:sld xmlns:a="http://schemas.openxmlformats.org/drawingml/2006/main" xmlns:r="http://schemas.openxmlformats.org/officeDocument/2006/relationships" xmlns:mc="http://schemas.openxmlformats.org/markup-compatibility/2006" xmlns:mv="urn:schemas-microsoft-com:mac:vml" xmlns:p="http://schemas.openxmlformats.org/presentationml/2006/main" xmlns:c="http://schemas.openxmlformats.org/drawingml/2006/chart" xmlns:dgm="http://schemas.openxmlformats.org/drawingml/2006/diagram" xmlns:o="urn:schemas-microsoft-com:office:office" xmlns:v="urn:schemas-microsoft-com:vml" xmlns:pvml="urn:schemas-microsoft-com:office:powerpoint" xmlns:com="http://schemas.openxmlformats.org/drawingml/2006/compatibility" xmlns:p14="http://schemas.microsoft.com/office/powerpoint/2010/main" xmlns:p15="http://schemas.microsoft.com/office/powerpoint/2012/main" xmlns:ahyp="http://schemas.microsoft.com/office/drawing/2018/hyperlinkcolor">
+  <p:cSld>
+    <p:spTree>
+      <p:nvGrpSpPr>
+        <p:cNvPr id="395" name="Shape 395"/>
+        <p:cNvGrpSpPr/>
+        <p:nvPr/>
+      </p:nvGrpSpPr>
+      <p:grpSpPr>
+        <a:xfrm>
+          <a:off x="0" y="0"/>
+          <a:ext cx="0" cy="0"/>
+          <a:chOff x="0" y="0"/>
+          <a:chExt cx="0" cy="0"/>
+        </a:xfrm>
+      </p:grpSpPr>
+      <p:sp>
+        <p:nvSpPr>
+          <p:cNvPr id="396" name="Google Shape;396;p62"/>
+          <p:cNvSpPr txBox="1"/>
+          <p:nvPr>
+            <p:ph type="title"/>
+          </p:nvPr>
+        </p:nvSpPr>
+        <p:spPr>
+          <a:xfrm>
+            <a:off x="729450" y="1318650"/>
+            <a:ext cx="7688700" cy="535200"/>
+          </a:xfrm>
+          <a:prstGeom prst="rect">
+            <a:avLst/>
+          </a:prstGeom>
+        </p:spPr>
+        <p:txBody>
+          <a:bodyPr anchorCtr="0" anchor="t" bIns="91425" lIns="91425" spcFirstLastPara="1" rIns="91425" wrap="square" tIns="91425">
+            <a:noAutofit/>
+          </a:bodyPr>
+          <a:lstStyle/>
+          <a:p>
+            <a:pPr indent="0" lvl="0" marL="0" rtl="0" algn="l">
+              <a:lnSpc>
+                <a:spcPct val="115000"/>
+              </a:lnSpc>
+              <a:spcBef>
+                <a:spcPts val="1200"/>
+              </a:spcBef>
+              <a:spcAft>
+                <a:spcPts val="0"/>
+              </a:spcAft>
+              <a:buSzPts val="990"/>
+              <a:buNone/>
+            </a:pPr>
+            <a:r>
+              <a:rPr lang="pl" sz="2440">
+                <a:latin typeface="Tahoma"/>
+                <a:ea typeface="Tahoma"/>
+                <a:cs typeface="Tahoma"/>
+                <a:sym typeface="Tahoma"/>
+              </a:rPr>
+              <a:t>AWS (Amazon Web Services)</a:t>
+            </a:r>
+            <a:endParaRPr sz="2440">
+              <a:latin typeface="Tahoma"/>
+              <a:ea typeface="Tahoma"/>
+              <a:cs typeface="Tahoma"/>
+              <a:sym typeface="Tahoma"/>
+            </a:endParaRPr>
+          </a:p>
+          <a:p>
+            <a:pPr indent="0" lvl="0" marL="0" rtl="0" algn="l">
+              <a:spcBef>
+                <a:spcPts val="1200"/>
+              </a:spcBef>
+              <a:spcAft>
+                <a:spcPts val="0"/>
+              </a:spcAft>
+              <a:buSzPts val="990"/>
+              <a:buNone/>
+            </a:pPr>
+            <a:r>
+              <a:t/>
+            </a:r>
+            <a:endParaRPr sz="2340"/>
+          </a:p>
+        </p:txBody>
+      </p:sp>
+      <p:sp>
+        <p:nvSpPr>
+          <p:cNvPr id="397" name="Google Shape;397;p62"/>
+          <p:cNvSpPr txBox="1"/>
+          <p:nvPr>
+            <p:ph idx="1" type="body"/>
+          </p:nvPr>
+        </p:nvSpPr>
+        <p:spPr>
+          <a:xfrm>
+            <a:off x="729450" y="2078875"/>
+            <a:ext cx="7688700" cy="2940300"/>
+          </a:xfrm>
+          <a:prstGeom prst="rect">
+            <a:avLst/>
+          </a:prstGeom>
+        </p:spPr>
+        <p:txBody>
+          <a:bodyPr anchorCtr="0" anchor="t" bIns="91425" lIns="91425" spcFirstLastPara="1" rIns="91425" wrap="square" tIns="91425">
+            <a:normAutofit/>
+          </a:bodyPr>
+          <a:lstStyle/>
+          <a:p>
+            <a:pPr indent="-298450" lvl="0" marL="457200" rtl="0" algn="l">
+              <a:spcBef>
+                <a:spcPts val="0"/>
+              </a:spcBef>
+              <a:spcAft>
+                <a:spcPts val="0"/>
+              </a:spcAft>
+              <a:buClr>
+                <a:srgbClr val="000000"/>
+              </a:buClr>
+              <a:buSzPts val="1100"/>
+              <a:buFont typeface="Arial"/>
+              <a:buChar char="●"/>
+            </a:pPr>
+            <a:r>
+              <a:rPr b="1" lang="pl" sz="1100">
+                <a:solidFill>
+                  <a:srgbClr val="000000"/>
+                </a:solidFill>
+                <a:latin typeface="Arial"/>
+                <a:ea typeface="Arial"/>
+                <a:cs typeface="Arial"/>
+                <a:sym typeface="Arial"/>
+              </a:rPr>
+              <a:t>Kluczowe usługi</a:t>
+            </a:r>
+            <a:r>
+              <a:rPr lang="pl" sz="1100">
+                <a:solidFill>
+                  <a:srgbClr val="000000"/>
+                </a:solidFill>
+                <a:latin typeface="Arial"/>
+                <a:ea typeface="Arial"/>
+                <a:cs typeface="Arial"/>
+                <a:sym typeface="Arial"/>
+              </a:rPr>
+              <a:t>:</a:t>
+            </a:r>
+            <a:endParaRPr sz="1100">
+              <a:solidFill>
+                <a:srgbClr val="000000"/>
+              </a:solidFill>
+              <a:latin typeface="Arial"/>
+              <a:ea typeface="Arial"/>
+              <a:cs typeface="Arial"/>
+              <a:sym typeface="Arial"/>
+            </a:endParaRPr>
+          </a:p>
+          <a:p>
+            <a:pPr indent="-298450" lvl="1" marL="914400" rtl="0" algn="l">
+              <a:spcBef>
+                <a:spcPts val="0"/>
+              </a:spcBef>
+              <a:spcAft>
+                <a:spcPts val="0"/>
+              </a:spcAft>
+              <a:buClr>
+                <a:srgbClr val="000000"/>
+              </a:buClr>
+              <a:buSzPts val="1100"/>
+              <a:buFont typeface="Arial"/>
+              <a:buChar char="○"/>
+            </a:pPr>
+            <a:r>
+              <a:rPr b="1" lang="pl" sz="1100">
+                <a:solidFill>
+                  <a:srgbClr val="0B5394"/>
+                </a:solidFill>
+                <a:latin typeface="Arial"/>
+                <a:ea typeface="Arial"/>
+                <a:cs typeface="Arial"/>
+                <a:sym typeface="Arial"/>
+              </a:rPr>
+              <a:t>EC2</a:t>
+            </a:r>
+            <a:r>
+              <a:rPr lang="pl" sz="1100">
+                <a:solidFill>
+                  <a:srgbClr val="0B5394"/>
+                </a:solidFill>
+                <a:latin typeface="Arial"/>
+                <a:ea typeface="Arial"/>
+                <a:cs typeface="Arial"/>
+                <a:sym typeface="Arial"/>
+              </a:rPr>
+              <a:t> (Elastic Compute Cloud) </a:t>
+            </a:r>
+            <a:r>
+              <a:rPr lang="pl" sz="1100">
+                <a:solidFill>
+                  <a:srgbClr val="000000"/>
+                </a:solidFill>
+                <a:latin typeface="Arial"/>
+                <a:ea typeface="Arial"/>
+                <a:cs typeface="Arial"/>
+                <a:sym typeface="Arial"/>
+              </a:rPr>
+              <a:t>– wirtualne maszyny do obliczeń.</a:t>
+            </a:r>
+            <a:endParaRPr sz="1100">
+              <a:solidFill>
+                <a:srgbClr val="000000"/>
+              </a:solidFill>
+              <a:latin typeface="Arial"/>
+              <a:ea typeface="Arial"/>
+              <a:cs typeface="Arial"/>
+              <a:sym typeface="Arial"/>
+            </a:endParaRPr>
+          </a:p>
+          <a:p>
+            <a:pPr indent="-298450" lvl="1" marL="914400" rtl="0" algn="l">
+              <a:spcBef>
+                <a:spcPts val="0"/>
+              </a:spcBef>
+              <a:spcAft>
+                <a:spcPts val="0"/>
+              </a:spcAft>
+              <a:buClr>
+                <a:srgbClr val="000000"/>
+              </a:buClr>
+              <a:buSzPts val="1100"/>
+              <a:buFont typeface="Arial"/>
+              <a:buChar char="○"/>
+            </a:pPr>
+            <a:r>
+              <a:rPr b="1" lang="pl" sz="1100">
+                <a:solidFill>
+                  <a:srgbClr val="0B5394"/>
+                </a:solidFill>
+                <a:latin typeface="Arial"/>
+                <a:ea typeface="Arial"/>
+                <a:cs typeface="Arial"/>
+                <a:sym typeface="Arial"/>
+              </a:rPr>
+              <a:t>S3</a:t>
+            </a:r>
+            <a:r>
+              <a:rPr lang="pl" sz="1100">
+                <a:solidFill>
+                  <a:srgbClr val="0B5394"/>
+                </a:solidFill>
+                <a:latin typeface="Arial"/>
+                <a:ea typeface="Arial"/>
+                <a:cs typeface="Arial"/>
+                <a:sym typeface="Arial"/>
+              </a:rPr>
+              <a:t> (Simple Storage Service)</a:t>
+            </a:r>
+            <a:r>
+              <a:rPr lang="pl" sz="1100">
+                <a:solidFill>
+                  <a:srgbClr val="000000"/>
+                </a:solidFill>
+                <a:latin typeface="Arial"/>
+                <a:ea typeface="Arial"/>
+                <a:cs typeface="Arial"/>
+                <a:sym typeface="Arial"/>
+              </a:rPr>
+              <a:t> – przechowywanie obiektów.</a:t>
+            </a:r>
+            <a:endParaRPr sz="1100">
+              <a:solidFill>
+                <a:srgbClr val="000000"/>
+              </a:solidFill>
+              <a:latin typeface="Arial"/>
+              <a:ea typeface="Arial"/>
+              <a:cs typeface="Arial"/>
+              <a:sym typeface="Arial"/>
+            </a:endParaRPr>
+          </a:p>
+          <a:p>
+            <a:pPr indent="-298450" lvl="1" marL="914400" rtl="0" algn="l">
+              <a:spcBef>
+                <a:spcPts val="0"/>
+              </a:spcBef>
+              <a:spcAft>
+                <a:spcPts val="0"/>
+              </a:spcAft>
+              <a:buClr>
+                <a:srgbClr val="000000"/>
+              </a:buClr>
+              <a:buSzPts val="1100"/>
+              <a:buFont typeface="Arial"/>
+              <a:buChar char="○"/>
+            </a:pPr>
+            <a:r>
+              <a:rPr b="1" lang="pl" sz="1100">
+                <a:solidFill>
+                  <a:srgbClr val="0B5394"/>
+                </a:solidFill>
+                <a:latin typeface="Arial"/>
+                <a:ea typeface="Arial"/>
+                <a:cs typeface="Arial"/>
+                <a:sym typeface="Arial"/>
+              </a:rPr>
+              <a:t>Lambda</a:t>
+            </a:r>
+            <a:r>
+              <a:rPr lang="pl" sz="1100">
+                <a:solidFill>
+                  <a:srgbClr val="000000"/>
+                </a:solidFill>
+                <a:latin typeface="Arial"/>
+                <a:ea typeface="Arial"/>
+                <a:cs typeface="Arial"/>
+                <a:sym typeface="Arial"/>
+              </a:rPr>
+              <a:t> – obliczenia bezserwerowe.</a:t>
+            </a:r>
+            <a:endParaRPr sz="1100">
+              <a:solidFill>
+                <a:srgbClr val="000000"/>
+              </a:solidFill>
+              <a:latin typeface="Arial"/>
+              <a:ea typeface="Arial"/>
+              <a:cs typeface="Arial"/>
+              <a:sym typeface="Arial"/>
+            </a:endParaRPr>
+          </a:p>
+          <a:p>
+            <a:pPr indent="-298450" lvl="1" marL="914400" rtl="0" algn="l">
+              <a:spcBef>
+                <a:spcPts val="0"/>
+              </a:spcBef>
+              <a:spcAft>
+                <a:spcPts val="0"/>
+              </a:spcAft>
+              <a:buClr>
+                <a:srgbClr val="000000"/>
+              </a:buClr>
+              <a:buSzPts val="1100"/>
+              <a:buFont typeface="Arial"/>
+              <a:buChar char="○"/>
+            </a:pPr>
+            <a:r>
+              <a:rPr b="1" lang="pl" sz="1100">
+                <a:solidFill>
+                  <a:srgbClr val="0B5394"/>
+                </a:solidFill>
+                <a:latin typeface="Arial"/>
+                <a:ea typeface="Arial"/>
+                <a:cs typeface="Arial"/>
+                <a:sym typeface="Arial"/>
+              </a:rPr>
+              <a:t>RDS</a:t>
+            </a:r>
+            <a:r>
+              <a:rPr lang="pl" sz="1100">
+                <a:solidFill>
+                  <a:srgbClr val="0B5394"/>
+                </a:solidFill>
+                <a:latin typeface="Arial"/>
+                <a:ea typeface="Arial"/>
+                <a:cs typeface="Arial"/>
+                <a:sym typeface="Arial"/>
+              </a:rPr>
+              <a:t> </a:t>
+            </a:r>
+            <a:r>
+              <a:rPr lang="pl" sz="1100">
+                <a:solidFill>
+                  <a:srgbClr val="000000"/>
+                </a:solidFill>
+                <a:latin typeface="Arial"/>
+                <a:ea typeface="Arial"/>
+                <a:cs typeface="Arial"/>
+                <a:sym typeface="Arial"/>
+              </a:rPr>
+              <a:t>(Relational Database Service) – zarządzane bazy danych.</a:t>
+            </a:r>
+            <a:endParaRPr>
+              <a:solidFill>
+                <a:srgbClr val="000000"/>
+              </a:solidFill>
+              <a:latin typeface="Arial"/>
+              <a:ea typeface="Arial"/>
+              <a:cs typeface="Arial"/>
+              <a:sym typeface="Arial"/>
+            </a:endParaRPr>
+          </a:p>
+          <a:p>
+            <a:pPr indent="0" lvl="0" marL="914400" rtl="0" algn="l">
+              <a:spcBef>
+                <a:spcPts val="1200"/>
+              </a:spcBef>
+              <a:spcAft>
+                <a:spcPts val="0"/>
+              </a:spcAft>
+              <a:buNone/>
+            </a:pPr>
+            <a:r>
+              <a:t/>
+            </a:r>
+            <a:endParaRPr>
+              <a:solidFill>
+                <a:srgbClr val="000000"/>
+              </a:solidFill>
+              <a:latin typeface="Arial"/>
+              <a:ea typeface="Arial"/>
+              <a:cs typeface="Arial"/>
+              <a:sym typeface="Arial"/>
+            </a:endParaRPr>
+          </a:p>
+          <a:p>
+            <a:pPr indent="-298450" lvl="0" marL="457200" rtl="0" algn="l">
+              <a:spcBef>
+                <a:spcPts val="1200"/>
+              </a:spcBef>
+              <a:spcAft>
+                <a:spcPts val="0"/>
+              </a:spcAft>
+              <a:buClr>
+                <a:srgbClr val="000000"/>
+              </a:buClr>
+              <a:buSzPts val="1100"/>
+              <a:buFont typeface="Arial"/>
+              <a:buChar char="●"/>
+            </a:pPr>
+            <a:r>
+              <a:rPr b="1" lang="pl" sz="1100">
+                <a:solidFill>
+                  <a:srgbClr val="000000"/>
+                </a:solidFill>
+                <a:latin typeface="Arial"/>
+                <a:ea typeface="Arial"/>
+                <a:cs typeface="Arial"/>
+                <a:sym typeface="Arial"/>
+              </a:rPr>
+              <a:t>Zastosowania</a:t>
+            </a:r>
+            <a:r>
+              <a:rPr lang="pl" sz="1100">
+                <a:solidFill>
+                  <a:srgbClr val="000000"/>
+                </a:solidFill>
+                <a:latin typeface="Arial"/>
+                <a:ea typeface="Arial"/>
+                <a:cs typeface="Arial"/>
+                <a:sym typeface="Arial"/>
+              </a:rPr>
+              <a:t>: </a:t>
+            </a:r>
+            <a:r>
+              <a:rPr b="1" lang="pl" sz="1100">
+                <a:solidFill>
+                  <a:srgbClr val="274E13"/>
+                </a:solidFill>
+                <a:latin typeface="Arial"/>
+                <a:ea typeface="Arial"/>
+                <a:cs typeface="Arial"/>
+                <a:sym typeface="Arial"/>
+              </a:rPr>
+              <a:t>Hostowanie aplikacji, przechowywanie danych, tworzenie środowisk testowych, AI/ML, IoT.</a:t>
+            </a:r>
+            <a:endParaRPr b="1" sz="1100">
+              <a:solidFill>
+                <a:srgbClr val="274E13"/>
+              </a:solidFill>
+              <a:latin typeface="Arial"/>
+              <a:ea typeface="Arial"/>
+              <a:cs typeface="Arial"/>
+              <a:sym typeface="Arial"/>
+            </a:endParaRPr>
+          </a:p>
+          <a:p>
+            <a:pPr indent="-298450" lvl="0" marL="457200" rtl="0" algn="l">
+              <a:spcBef>
+                <a:spcPts val="0"/>
+              </a:spcBef>
+              <a:spcAft>
+                <a:spcPts val="0"/>
+              </a:spcAft>
+              <a:buClr>
+                <a:srgbClr val="000000"/>
+              </a:buClr>
+              <a:buSzPts val="1100"/>
+              <a:buFont typeface="Arial"/>
+              <a:buChar char="●"/>
+            </a:pPr>
+            <a:r>
+              <a:rPr b="1" lang="pl" sz="1100">
+                <a:solidFill>
+                  <a:srgbClr val="000000"/>
+                </a:solidFill>
+                <a:latin typeface="Arial"/>
+                <a:ea typeface="Arial"/>
+                <a:cs typeface="Arial"/>
+                <a:sym typeface="Arial"/>
+              </a:rPr>
+              <a:t>Zalety</a:t>
+            </a:r>
+            <a:r>
+              <a:rPr lang="pl" sz="1100">
+                <a:solidFill>
+                  <a:srgbClr val="000000"/>
+                </a:solidFill>
+                <a:latin typeface="Arial"/>
+                <a:ea typeface="Arial"/>
+                <a:cs typeface="Arial"/>
+                <a:sym typeface="Arial"/>
+              </a:rPr>
+              <a:t>: Największy udział w rynku, ogromny ekosystem usług, globalna infrastruktura (regiony i strefy dostępności).</a:t>
+            </a:r>
+            <a:endParaRPr sz="1100">
+              <a:solidFill>
+                <a:srgbClr val="000000"/>
+              </a:solidFill>
+              <a:latin typeface="Arial"/>
+              <a:ea typeface="Arial"/>
+              <a:cs typeface="Arial"/>
+              <a:sym typeface="Arial"/>
+            </a:endParaRPr>
+          </a:p>
+          <a:p>
+            <a:pPr indent="-298450" lvl="0" marL="457200" rtl="0" algn="l">
+              <a:spcBef>
+                <a:spcPts val="0"/>
+              </a:spcBef>
+              <a:spcAft>
+                <a:spcPts val="0"/>
+              </a:spcAft>
+              <a:buClr>
+                <a:srgbClr val="000000"/>
+              </a:buClr>
+              <a:buSzPts val="1100"/>
+              <a:buFont typeface="Arial"/>
+              <a:buChar char="●"/>
+            </a:pPr>
+            <a:r>
+              <a:rPr b="1" lang="pl" sz="1100">
+                <a:solidFill>
+                  <a:srgbClr val="000000"/>
+                </a:solidFill>
+                <a:latin typeface="Arial"/>
+                <a:ea typeface="Arial"/>
+                <a:cs typeface="Arial"/>
+                <a:sym typeface="Arial"/>
+              </a:rPr>
+              <a:t>Wady</a:t>
+            </a:r>
+            <a:r>
+              <a:rPr lang="pl" sz="1100">
+                <a:solidFill>
+                  <a:srgbClr val="000000"/>
+                </a:solidFill>
+                <a:latin typeface="Arial"/>
+                <a:ea typeface="Arial"/>
+                <a:cs typeface="Arial"/>
+                <a:sym typeface="Arial"/>
+              </a:rPr>
+              <a:t>: Złożoność dla początkujących, potencjalnie wysokie koszty przy złym zarządzaniu.</a:t>
+            </a:r>
+            <a:endParaRPr sz="1100">
+              <a:solidFill>
+                <a:srgbClr val="000000"/>
+              </a:solidFill>
+              <a:latin typeface="Arial"/>
+              <a:ea typeface="Arial"/>
+              <a:cs typeface="Arial"/>
+              <a:sym typeface="Arial"/>
+            </a:endParaRPr>
+          </a:p>
+          <a:p>
+            <a:pPr indent="0" lvl="0" marL="0" rtl="0" algn="l">
+              <a:spcBef>
+                <a:spcPts val="1200"/>
+              </a:spcBef>
+              <a:spcAft>
+                <a:spcPts val="1200"/>
+              </a:spcAft>
+              <a:buNone/>
+            </a:pPr>
+            <a:r>
+              <a:t/>
+            </a:r>
+            <a:endParaRPr/>
+          </a:p>
+        </p:txBody>
+      </p:sp>
+    </p:spTree>
+  </p:cSld>
+  <p:clrMapOvr>
+    <a:masterClrMapping/>
+  </p:clrMapOvr>
+</p:sld>
+</file>
+
+<file path=ppt/slides/slide51.xml><?xml version="1.0" encoding="utf-8"?>
+<p:sld xmlns:a="http://schemas.openxmlformats.org/drawingml/2006/main" xmlns:r="http://schemas.openxmlformats.org/officeDocument/2006/relationships" xmlns:mc="http://schemas.openxmlformats.org/markup-compatibility/2006" xmlns:mv="urn:schemas-microsoft-com:mac:vml" xmlns:p="http://schemas.openxmlformats.org/presentationml/2006/main" xmlns:c="http://schemas.openxmlformats.org/drawingml/2006/chart" xmlns:dgm="http://schemas.openxmlformats.org/drawingml/2006/diagram" xmlns:o="urn:schemas-microsoft-com:office:office" xmlns:v="urn:schemas-microsoft-com:vml" xmlns:pvml="urn:schemas-microsoft-com:office:powerpoint" xmlns:com="http://schemas.openxmlformats.org/drawingml/2006/compatibility" xmlns:p14="http://schemas.microsoft.com/office/powerpoint/2010/main" xmlns:p15="http://schemas.microsoft.com/office/powerpoint/2012/main" xmlns:ahyp="http://schemas.microsoft.com/office/drawing/2018/hyperlinkcolor">
+  <p:cSld>
+    <p:spTree>
+      <p:nvGrpSpPr>
+        <p:cNvPr id="401" name="Shape 401"/>
+        <p:cNvGrpSpPr/>
+        <p:nvPr/>
+      </p:nvGrpSpPr>
+      <p:grpSpPr>
+        <a:xfrm>
+          <a:off x="0" y="0"/>
+          <a:ext cx="0" cy="0"/>
+          <a:chOff x="0" y="0"/>
+          <a:chExt cx="0" cy="0"/>
+        </a:xfrm>
+      </p:grpSpPr>
+      <p:sp>
+        <p:nvSpPr>
+          <p:cNvPr id="402" name="Google Shape;402;p63"/>
+          <p:cNvSpPr txBox="1"/>
+          <p:nvPr>
+            <p:ph type="title"/>
+          </p:nvPr>
+        </p:nvSpPr>
+        <p:spPr>
+          <a:xfrm>
+            <a:off x="729450" y="1318650"/>
+            <a:ext cx="7688700" cy="535200"/>
+          </a:xfrm>
+          <a:prstGeom prst="rect">
+            <a:avLst/>
+          </a:prstGeom>
+        </p:spPr>
+        <p:txBody>
+          <a:bodyPr anchorCtr="0" anchor="t" bIns="91425" lIns="91425" spcFirstLastPara="1" rIns="91425" wrap="square" tIns="91425">
+            <a:noAutofit/>
+          </a:bodyPr>
+          <a:lstStyle/>
+          <a:p>
+            <a:pPr indent="0" lvl="0" marL="0" rtl="0" algn="l">
+              <a:lnSpc>
+                <a:spcPct val="115000"/>
+              </a:lnSpc>
+              <a:spcBef>
+                <a:spcPts val="1200"/>
+              </a:spcBef>
+              <a:spcAft>
+                <a:spcPts val="1200"/>
+              </a:spcAft>
+              <a:buNone/>
+            </a:pPr>
+            <a:r>
+              <a:rPr lang="pl" sz="2400">
+                <a:solidFill>
+                  <a:srgbClr val="000000"/>
+                </a:solidFill>
+                <a:latin typeface="Tahoma"/>
+                <a:ea typeface="Tahoma"/>
+                <a:cs typeface="Tahoma"/>
+                <a:sym typeface="Tahoma"/>
+              </a:rPr>
+              <a:t>Google Cloud (Google Cloud Platform, GCP)</a:t>
+            </a:r>
+            <a:endParaRPr sz="2400">
+              <a:latin typeface="Tahoma"/>
+              <a:ea typeface="Tahoma"/>
+              <a:cs typeface="Tahoma"/>
+              <a:sym typeface="Tahoma"/>
+            </a:endParaRPr>
+          </a:p>
+        </p:txBody>
+      </p:sp>
+      <p:sp>
+        <p:nvSpPr>
+          <p:cNvPr id="403" name="Google Shape;403;p63"/>
+          <p:cNvSpPr txBox="1"/>
+          <p:nvPr>
+            <p:ph idx="1" type="body"/>
+          </p:nvPr>
+        </p:nvSpPr>
+        <p:spPr>
+          <a:xfrm>
+            <a:off x="729450" y="2078875"/>
+            <a:ext cx="7688700" cy="2261100"/>
+          </a:xfrm>
+          <a:prstGeom prst="rect">
+            <a:avLst/>
+          </a:prstGeom>
+        </p:spPr>
+        <p:txBody>
+          <a:bodyPr anchorCtr="0" anchor="t" bIns="91425" lIns="91425" spcFirstLastPara="1" rIns="91425" wrap="square" tIns="91425">
+            <a:normAutofit/>
+          </a:bodyPr>
+          <a:lstStyle/>
+          <a:p>
+            <a:pPr indent="0" lvl="0" marL="0" rtl="0" algn="l">
+              <a:spcBef>
+                <a:spcPts val="1200"/>
+              </a:spcBef>
+              <a:spcAft>
+                <a:spcPts val="0"/>
+              </a:spcAft>
+              <a:buNone/>
+            </a:pPr>
+            <a:r>
+              <a:rPr lang="pl"/>
+              <a:t>Platforma chmurowa od Google, oferująca usługi podobne do AWS, z </a:t>
+            </a:r>
+            <a:r>
+              <a:rPr b="1" lang="pl"/>
+              <a:t>naciskiem na </a:t>
+            </a:r>
+            <a:endParaRPr b="1"/>
+          </a:p>
+          <a:p>
+            <a:pPr indent="-311150" lvl="0" marL="457200" rtl="0" algn="l">
+              <a:spcBef>
+                <a:spcPts val="1200"/>
+              </a:spcBef>
+              <a:spcAft>
+                <a:spcPts val="0"/>
+              </a:spcAft>
+              <a:buSzPts val="1300"/>
+              <a:buChar char="●"/>
+            </a:pPr>
+            <a:r>
+              <a:rPr b="1" lang="pl"/>
+              <a:t>analitykę danych, </a:t>
+            </a:r>
+            <a:endParaRPr b="1"/>
+          </a:p>
+          <a:p>
+            <a:pPr indent="-311150" lvl="0" marL="457200" rtl="0" algn="l">
+              <a:spcBef>
+                <a:spcPts val="0"/>
+              </a:spcBef>
+              <a:spcAft>
+                <a:spcPts val="0"/>
+              </a:spcAft>
+              <a:buSzPts val="1300"/>
+              <a:buChar char="●"/>
+            </a:pPr>
+            <a:r>
+              <a:rPr b="1" lang="pl"/>
+              <a:t>sztuczną inteligencję </a:t>
+            </a:r>
+            <a:endParaRPr b="1"/>
+          </a:p>
+          <a:p>
+            <a:pPr indent="-311150" lvl="0" marL="457200" rtl="0" algn="l">
+              <a:spcBef>
+                <a:spcPts val="0"/>
+              </a:spcBef>
+              <a:spcAft>
+                <a:spcPts val="0"/>
+              </a:spcAft>
+              <a:buSzPts val="1300"/>
+              <a:buChar char="●"/>
+            </a:pPr>
+            <a:r>
+              <a:rPr b="1" lang="pl"/>
+              <a:t>uczenie maszynowe.</a:t>
+            </a:r>
+            <a:endParaRPr b="1"/>
+          </a:p>
+          <a:p>
+            <a:pPr indent="0" lvl="0" marL="0" rtl="0" algn="l">
+              <a:spcBef>
+                <a:spcPts val="1200"/>
+              </a:spcBef>
+              <a:spcAft>
+                <a:spcPts val="1200"/>
+              </a:spcAft>
+              <a:buNone/>
+            </a:pPr>
+            <a:r>
+              <a:t/>
+            </a:r>
+            <a:endParaRPr/>
+          </a:p>
+        </p:txBody>
+      </p:sp>
+    </p:spTree>
+  </p:cSld>
+  <p:clrMapOvr>
+    <a:masterClrMapping/>
+  </p:clrMapOvr>
+</p:sld>
+</file>
+
+<file path=ppt/slides/slide52.xml><?xml version="1.0" encoding="utf-8"?>
+<p:sld xmlns:a="http://schemas.openxmlformats.org/drawingml/2006/main" xmlns:r="http://schemas.openxmlformats.org/officeDocument/2006/relationships" xmlns:mc="http://schemas.openxmlformats.org/markup-compatibility/2006" xmlns:mv="urn:schemas-microsoft-com:mac:vml" xmlns:p="http://schemas.openxmlformats.org/presentationml/2006/main" xmlns:c="http://schemas.openxmlformats.org/drawingml/2006/chart" xmlns:dgm="http://schemas.openxmlformats.org/drawingml/2006/diagram" xmlns:o="urn:schemas-microsoft-com:office:office" xmlns:v="urn:schemas-microsoft-com:vml" xmlns:pvml="urn:schemas-microsoft-com:office:powerpoint" xmlns:com="http://schemas.openxmlformats.org/drawingml/2006/compatibility" xmlns:p14="http://schemas.microsoft.com/office/powerpoint/2010/main" xmlns:p15="http://schemas.microsoft.com/office/powerpoint/2012/main" xmlns:ahyp="http://schemas.microsoft.com/office/drawing/2018/hyperlinkcolor">
+  <p:cSld>
+    <p:spTree>
+      <p:nvGrpSpPr>
+        <p:cNvPr id="407" name="Shape 407"/>
+        <p:cNvGrpSpPr/>
+        <p:nvPr/>
+      </p:nvGrpSpPr>
+      <p:grpSpPr>
+        <a:xfrm>
+          <a:off x="0" y="0"/>
+          <a:ext cx="0" cy="0"/>
+          <a:chOff x="0" y="0"/>
+          <a:chExt cx="0" cy="0"/>
+        </a:xfrm>
+      </p:grpSpPr>
+      <p:sp>
+        <p:nvSpPr>
+          <p:cNvPr id="408" name="Google Shape;408;p64"/>
+          <p:cNvSpPr txBox="1"/>
+          <p:nvPr>
+            <p:ph type="title"/>
+          </p:nvPr>
+        </p:nvSpPr>
+        <p:spPr>
+          <a:xfrm>
+            <a:off x="729450" y="1318650"/>
+            <a:ext cx="7688700" cy="535200"/>
+          </a:xfrm>
+          <a:prstGeom prst="rect">
+            <a:avLst/>
+          </a:prstGeom>
+        </p:spPr>
+        <p:txBody>
+          <a:bodyPr anchorCtr="0" anchor="t" bIns="91425" lIns="91425" spcFirstLastPara="1" rIns="91425" wrap="square" tIns="91425">
+            <a:normAutofit fontScale="90000"/>
+          </a:bodyPr>
+          <a:lstStyle/>
+          <a:p>
+            <a:pPr indent="0" lvl="0" marL="0" rtl="0" algn="l">
+              <a:lnSpc>
+                <a:spcPct val="115000"/>
+              </a:lnSpc>
+              <a:spcBef>
+                <a:spcPts val="1200"/>
+              </a:spcBef>
+              <a:spcAft>
+                <a:spcPts val="0"/>
+              </a:spcAft>
+              <a:buNone/>
+            </a:pPr>
+            <a:r>
+              <a:rPr lang="pl" sz="2400">
+                <a:solidFill>
+                  <a:srgbClr val="000000"/>
+                </a:solidFill>
+                <a:latin typeface="Tahoma"/>
+                <a:ea typeface="Tahoma"/>
+                <a:cs typeface="Tahoma"/>
+                <a:sym typeface="Tahoma"/>
+              </a:rPr>
+              <a:t>Google Cloud (Google Cloud Platform, GCP)</a:t>
+            </a:r>
+            <a:endParaRPr sz="2400">
+              <a:latin typeface="Tahoma"/>
+              <a:ea typeface="Tahoma"/>
+              <a:cs typeface="Tahoma"/>
+              <a:sym typeface="Tahoma"/>
+            </a:endParaRPr>
+          </a:p>
+          <a:p>
+            <a:pPr indent="0" lvl="0" marL="0" rtl="0" algn="l">
+              <a:spcBef>
+                <a:spcPts val="1200"/>
+              </a:spcBef>
+              <a:spcAft>
+                <a:spcPts val="0"/>
+              </a:spcAft>
+              <a:buNone/>
+            </a:pPr>
+            <a:r>
+              <a:t/>
+            </a:r>
+            <a:endParaRPr/>
+          </a:p>
+        </p:txBody>
+      </p:sp>
+      <p:sp>
+        <p:nvSpPr>
+          <p:cNvPr id="409" name="Google Shape;409;p64"/>
+          <p:cNvSpPr txBox="1"/>
+          <p:nvPr>
+            <p:ph idx="1" type="body"/>
+          </p:nvPr>
+        </p:nvSpPr>
+        <p:spPr>
+          <a:xfrm>
+            <a:off x="729450" y="2078875"/>
+            <a:ext cx="7688700" cy="2971500"/>
+          </a:xfrm>
+          <a:prstGeom prst="rect">
+            <a:avLst/>
+          </a:prstGeom>
+        </p:spPr>
+        <p:txBody>
+          <a:bodyPr anchorCtr="0" anchor="t" bIns="91425" lIns="91425" spcFirstLastPara="1" rIns="91425" wrap="square" tIns="91425">
+            <a:normAutofit/>
+          </a:bodyPr>
+          <a:lstStyle/>
+          <a:p>
+            <a:pPr indent="0" lvl="0" marL="0" rtl="0" algn="l">
+              <a:spcBef>
+                <a:spcPts val="0"/>
+              </a:spcBef>
+              <a:spcAft>
+                <a:spcPts val="0"/>
+              </a:spcAft>
+              <a:buNone/>
+            </a:pPr>
+            <a:r>
+              <a:rPr b="1" lang="pl" sz="1100">
+                <a:solidFill>
+                  <a:srgbClr val="000000"/>
+                </a:solidFill>
+                <a:latin typeface="Arial"/>
+                <a:ea typeface="Arial"/>
+                <a:cs typeface="Arial"/>
+                <a:sym typeface="Arial"/>
+              </a:rPr>
+              <a:t>Kluczowe usługi</a:t>
+            </a:r>
+            <a:r>
+              <a:rPr lang="pl" sz="1100">
+                <a:solidFill>
+                  <a:srgbClr val="000000"/>
+                </a:solidFill>
+                <a:latin typeface="Arial"/>
+                <a:ea typeface="Arial"/>
+                <a:cs typeface="Arial"/>
+                <a:sym typeface="Arial"/>
+              </a:rPr>
+              <a:t>:</a:t>
+            </a:r>
+            <a:endParaRPr sz="1100">
+              <a:solidFill>
+                <a:srgbClr val="000000"/>
+              </a:solidFill>
+              <a:latin typeface="Arial"/>
+              <a:ea typeface="Arial"/>
+              <a:cs typeface="Arial"/>
+              <a:sym typeface="Arial"/>
+            </a:endParaRPr>
+          </a:p>
+          <a:p>
+            <a:pPr indent="-298450" lvl="0" marL="457200" rtl="0" algn="l">
+              <a:spcBef>
+                <a:spcPts val="1200"/>
+              </a:spcBef>
+              <a:spcAft>
+                <a:spcPts val="0"/>
+              </a:spcAft>
+              <a:buClr>
+                <a:srgbClr val="000000"/>
+              </a:buClr>
+              <a:buSzPts val="1100"/>
+              <a:buFont typeface="Arial"/>
+              <a:buChar char="●"/>
+            </a:pPr>
+            <a:r>
+              <a:rPr b="1" lang="pl" sz="1100">
+                <a:solidFill>
+                  <a:srgbClr val="0B5394"/>
+                </a:solidFill>
+                <a:latin typeface="Arial"/>
+                <a:ea typeface="Arial"/>
+                <a:cs typeface="Arial"/>
+                <a:sym typeface="Arial"/>
+              </a:rPr>
+              <a:t>Compute Engine</a:t>
+            </a:r>
+            <a:r>
+              <a:rPr lang="pl" sz="1100">
+                <a:solidFill>
+                  <a:srgbClr val="000000"/>
+                </a:solidFill>
+                <a:latin typeface="Arial"/>
+                <a:ea typeface="Arial"/>
+                <a:cs typeface="Arial"/>
+                <a:sym typeface="Arial"/>
+              </a:rPr>
+              <a:t> – wirtualne maszyny.</a:t>
+            </a:r>
+            <a:endParaRPr sz="1100">
+              <a:solidFill>
+                <a:srgbClr val="000000"/>
+              </a:solidFill>
+              <a:latin typeface="Arial"/>
+              <a:ea typeface="Arial"/>
+              <a:cs typeface="Arial"/>
+              <a:sym typeface="Arial"/>
+            </a:endParaRPr>
+          </a:p>
+          <a:p>
+            <a:pPr indent="-298450" lvl="0" marL="457200" rtl="0" algn="l">
+              <a:spcBef>
+                <a:spcPts val="0"/>
+              </a:spcBef>
+              <a:spcAft>
+                <a:spcPts val="0"/>
+              </a:spcAft>
+              <a:buClr>
+                <a:srgbClr val="000000"/>
+              </a:buClr>
+              <a:buSzPts val="1100"/>
+              <a:buFont typeface="Arial"/>
+              <a:buChar char="●"/>
+            </a:pPr>
+            <a:r>
+              <a:rPr b="1" lang="pl" sz="1100">
+                <a:solidFill>
+                  <a:srgbClr val="0B5394"/>
+                </a:solidFill>
+                <a:latin typeface="Arial"/>
+                <a:ea typeface="Arial"/>
+                <a:cs typeface="Arial"/>
+                <a:sym typeface="Arial"/>
+              </a:rPr>
+              <a:t>Cloud Storage</a:t>
+            </a:r>
+            <a:r>
+              <a:rPr lang="pl" sz="1100">
+                <a:solidFill>
+                  <a:srgbClr val="000000"/>
+                </a:solidFill>
+                <a:latin typeface="Arial"/>
+                <a:ea typeface="Arial"/>
+                <a:cs typeface="Arial"/>
+                <a:sym typeface="Arial"/>
+              </a:rPr>
+              <a:t> – przechowywanie obiektów.</a:t>
+            </a:r>
+            <a:endParaRPr sz="1100">
+              <a:solidFill>
+                <a:srgbClr val="000000"/>
+              </a:solidFill>
+              <a:latin typeface="Arial"/>
+              <a:ea typeface="Arial"/>
+              <a:cs typeface="Arial"/>
+              <a:sym typeface="Arial"/>
+            </a:endParaRPr>
+          </a:p>
+          <a:p>
+            <a:pPr indent="-298450" lvl="0" marL="457200" rtl="0" algn="l">
+              <a:spcBef>
+                <a:spcPts val="0"/>
+              </a:spcBef>
+              <a:spcAft>
+                <a:spcPts val="0"/>
+              </a:spcAft>
+              <a:buClr>
+                <a:srgbClr val="000000"/>
+              </a:buClr>
+              <a:buSzPts val="1100"/>
+              <a:buFont typeface="Arial"/>
+              <a:buChar char="●"/>
+            </a:pPr>
+            <a:r>
+              <a:rPr b="1" lang="pl" sz="1100">
+                <a:solidFill>
+                  <a:srgbClr val="0B5394"/>
+                </a:solidFill>
+                <a:latin typeface="Arial"/>
+                <a:ea typeface="Arial"/>
+                <a:cs typeface="Arial"/>
+                <a:sym typeface="Arial"/>
+              </a:rPr>
+              <a:t>BigQuery</a:t>
+            </a:r>
+            <a:r>
+              <a:rPr lang="pl" sz="1100">
+                <a:solidFill>
+                  <a:srgbClr val="0B5394"/>
+                </a:solidFill>
+                <a:latin typeface="Arial"/>
+                <a:ea typeface="Arial"/>
+                <a:cs typeface="Arial"/>
+                <a:sym typeface="Arial"/>
+              </a:rPr>
+              <a:t> </a:t>
+            </a:r>
+            <a:r>
+              <a:rPr lang="pl" sz="1100">
+                <a:solidFill>
+                  <a:srgbClr val="000000"/>
+                </a:solidFill>
+                <a:latin typeface="Arial"/>
+                <a:ea typeface="Arial"/>
+                <a:cs typeface="Arial"/>
+                <a:sym typeface="Arial"/>
+              </a:rPr>
+              <a:t>– analityka dużych zbiorów danych.</a:t>
+            </a:r>
+            <a:endParaRPr sz="1100">
+              <a:solidFill>
+                <a:srgbClr val="000000"/>
+              </a:solidFill>
+              <a:latin typeface="Arial"/>
+              <a:ea typeface="Arial"/>
+              <a:cs typeface="Arial"/>
+              <a:sym typeface="Arial"/>
+            </a:endParaRPr>
+          </a:p>
+          <a:p>
+            <a:pPr indent="-298450" lvl="0" marL="457200" rtl="0" algn="l">
+              <a:spcBef>
+                <a:spcPts val="0"/>
+              </a:spcBef>
+              <a:spcAft>
+                <a:spcPts val="0"/>
+              </a:spcAft>
+              <a:buClr>
+                <a:srgbClr val="000000"/>
+              </a:buClr>
+              <a:buSzPts val="1100"/>
+              <a:buFont typeface="Arial"/>
+              <a:buChar char="●"/>
+            </a:pPr>
+            <a:r>
+              <a:rPr b="1" lang="pl" sz="1100">
+                <a:solidFill>
+                  <a:srgbClr val="0B5394"/>
+                </a:solidFill>
+                <a:latin typeface="Arial"/>
+                <a:ea typeface="Arial"/>
+                <a:cs typeface="Arial"/>
+                <a:sym typeface="Arial"/>
+              </a:rPr>
+              <a:t>Cloud Functions</a:t>
+            </a:r>
+            <a:r>
+              <a:rPr lang="pl" sz="1100">
+                <a:solidFill>
+                  <a:srgbClr val="000000"/>
+                </a:solidFill>
+                <a:latin typeface="Arial"/>
+                <a:ea typeface="Arial"/>
+                <a:cs typeface="Arial"/>
+                <a:sym typeface="Arial"/>
+              </a:rPr>
+              <a:t> – obliczenia bezserwerowe.</a:t>
+            </a:r>
+            <a:endParaRPr sz="1100">
+              <a:solidFill>
+                <a:srgbClr val="000000"/>
+              </a:solidFill>
+              <a:latin typeface="Arial"/>
+              <a:ea typeface="Arial"/>
+              <a:cs typeface="Arial"/>
+              <a:sym typeface="Arial"/>
+            </a:endParaRPr>
+          </a:p>
+          <a:p>
+            <a:pPr indent="0" lvl="0" marL="457200" rtl="0" algn="l">
+              <a:spcBef>
+                <a:spcPts val="1200"/>
+              </a:spcBef>
+              <a:spcAft>
+                <a:spcPts val="0"/>
+              </a:spcAft>
+              <a:buNone/>
+            </a:pPr>
+            <a:r>
+              <a:t/>
+            </a:r>
+            <a:endParaRPr sz="1100">
+              <a:solidFill>
+                <a:srgbClr val="000000"/>
+              </a:solidFill>
+              <a:latin typeface="Arial"/>
+              <a:ea typeface="Arial"/>
+              <a:cs typeface="Arial"/>
+              <a:sym typeface="Arial"/>
+            </a:endParaRPr>
+          </a:p>
+          <a:p>
+            <a:pPr indent="0" lvl="0" marL="0" rtl="0" algn="l">
+              <a:spcBef>
+                <a:spcPts val="1200"/>
+              </a:spcBef>
+              <a:spcAft>
+                <a:spcPts val="0"/>
+              </a:spcAft>
+              <a:buNone/>
+            </a:pPr>
+            <a:r>
+              <a:rPr b="1" lang="pl" sz="1100">
+                <a:solidFill>
+                  <a:srgbClr val="000000"/>
+                </a:solidFill>
+                <a:latin typeface="Arial"/>
+                <a:ea typeface="Arial"/>
+                <a:cs typeface="Arial"/>
+                <a:sym typeface="Arial"/>
+              </a:rPr>
+              <a:t>Zastosowania</a:t>
+            </a:r>
+            <a:r>
+              <a:rPr lang="pl" sz="1100">
+                <a:solidFill>
+                  <a:srgbClr val="000000"/>
+                </a:solidFill>
+                <a:latin typeface="Arial"/>
+                <a:ea typeface="Arial"/>
+                <a:cs typeface="Arial"/>
+                <a:sym typeface="Arial"/>
+              </a:rPr>
+              <a:t>: </a:t>
+            </a:r>
+            <a:r>
+              <a:rPr b="1" lang="pl" sz="1100">
+                <a:solidFill>
+                  <a:srgbClr val="274E13"/>
+                </a:solidFill>
+                <a:latin typeface="Arial"/>
+                <a:ea typeface="Arial"/>
+                <a:cs typeface="Arial"/>
+                <a:sym typeface="Arial"/>
+              </a:rPr>
+              <a:t>Analityka danych, aplikacje oparte na AI (np. TensorFlow), hostowanie aplikacji, big data.</a:t>
+            </a:r>
+            <a:endParaRPr b="1" sz="1100">
+              <a:solidFill>
+                <a:srgbClr val="274E13"/>
+              </a:solidFill>
+              <a:latin typeface="Arial"/>
+              <a:ea typeface="Arial"/>
+              <a:cs typeface="Arial"/>
+              <a:sym typeface="Arial"/>
+            </a:endParaRPr>
+          </a:p>
+          <a:p>
+            <a:pPr indent="0" lvl="0" marL="0" rtl="0" algn="l">
+              <a:spcBef>
+                <a:spcPts val="0"/>
+              </a:spcBef>
+              <a:spcAft>
+                <a:spcPts val="0"/>
+              </a:spcAft>
+              <a:buNone/>
+            </a:pPr>
+            <a:r>
+              <a:rPr b="1" lang="pl" sz="1100">
+                <a:solidFill>
+                  <a:srgbClr val="000000"/>
+                </a:solidFill>
+                <a:latin typeface="Arial"/>
+                <a:ea typeface="Arial"/>
+                <a:cs typeface="Arial"/>
+                <a:sym typeface="Arial"/>
+              </a:rPr>
+              <a:t>Zalety</a:t>
+            </a:r>
+            <a:r>
+              <a:rPr lang="pl" sz="1100">
+                <a:solidFill>
+                  <a:srgbClr val="000000"/>
+                </a:solidFill>
+                <a:latin typeface="Arial"/>
+                <a:ea typeface="Arial"/>
+                <a:cs typeface="Arial"/>
+                <a:sym typeface="Arial"/>
+              </a:rPr>
+              <a:t>: Silne wsparcie dla AI/ML, konkurencyjne ceny, świetne narzędzia do analizy danych.</a:t>
+            </a:r>
+            <a:endParaRPr sz="1100">
+              <a:solidFill>
+                <a:srgbClr val="000000"/>
+              </a:solidFill>
+              <a:latin typeface="Arial"/>
+              <a:ea typeface="Arial"/>
+              <a:cs typeface="Arial"/>
+              <a:sym typeface="Arial"/>
+            </a:endParaRPr>
+          </a:p>
+          <a:p>
+            <a:pPr indent="0" lvl="0" marL="0" rtl="0" algn="l">
+              <a:spcBef>
+                <a:spcPts val="1200"/>
+              </a:spcBef>
+              <a:spcAft>
+                <a:spcPts val="0"/>
+              </a:spcAft>
+              <a:buNone/>
+            </a:pPr>
+            <a:r>
+              <a:rPr b="1" lang="pl" sz="1100">
+                <a:solidFill>
+                  <a:srgbClr val="000000"/>
+                </a:solidFill>
+                <a:latin typeface="Arial"/>
+                <a:ea typeface="Arial"/>
+                <a:cs typeface="Arial"/>
+                <a:sym typeface="Arial"/>
+              </a:rPr>
+              <a:t>Wady</a:t>
+            </a:r>
+            <a:r>
+              <a:rPr lang="pl" sz="1100">
+                <a:solidFill>
+                  <a:srgbClr val="000000"/>
+                </a:solidFill>
+                <a:latin typeface="Arial"/>
+                <a:ea typeface="Arial"/>
+                <a:cs typeface="Arial"/>
+                <a:sym typeface="Arial"/>
+              </a:rPr>
+              <a:t>: Mniejszy ekosystem niż AWS, mniejszy udział w rynku.</a:t>
+            </a:r>
+            <a:endParaRPr sz="1100">
+              <a:solidFill>
+                <a:srgbClr val="000000"/>
+              </a:solidFill>
+              <a:latin typeface="Arial"/>
+              <a:ea typeface="Arial"/>
+              <a:cs typeface="Arial"/>
+              <a:sym typeface="Arial"/>
+            </a:endParaRPr>
+          </a:p>
+          <a:p>
+            <a:pPr indent="0" lvl="0" marL="0" rtl="0" algn="l">
+              <a:spcBef>
+                <a:spcPts val="1200"/>
+              </a:spcBef>
+              <a:spcAft>
+                <a:spcPts val="1200"/>
+              </a:spcAft>
+              <a:buNone/>
+            </a:pPr>
+            <a:r>
+              <a:t/>
+            </a:r>
+            <a:endParaRPr/>
+          </a:p>
+        </p:txBody>
+      </p:sp>
+    </p:spTree>
+  </p:cSld>
+  <p:clrMapOvr>
+    <a:masterClrMapping/>
+  </p:clrMapOvr>
+</p:sld>
+</file>
+
+<file path=ppt/slides/slide53.xml><?xml version="1.0" encoding="utf-8"?>
+<p:sld xmlns:a="http://schemas.openxmlformats.org/drawingml/2006/main" xmlns:r="http://schemas.openxmlformats.org/officeDocument/2006/relationships" xmlns:mc="http://schemas.openxmlformats.org/markup-compatibility/2006" xmlns:mv="urn:schemas-microsoft-com:mac:vml" xmlns:p="http://schemas.openxmlformats.org/presentationml/2006/main" xmlns:c="http://schemas.openxmlformats.org/drawingml/2006/chart" xmlns:dgm="http://schemas.openxmlformats.org/drawingml/2006/diagram" xmlns:o="urn:schemas-microsoft-com:office:office" xmlns:v="urn:schemas-microsoft-com:vml" xmlns:pvml="urn:schemas-microsoft-com:office:powerpoint" xmlns:com="http://schemas.openxmlformats.org/drawingml/2006/compatibility" xmlns:p14="http://schemas.microsoft.com/office/powerpoint/2010/main" xmlns:p15="http://schemas.microsoft.com/office/powerpoint/2012/main" xmlns:ahyp="http://schemas.microsoft.com/office/drawing/2018/hyperlinkcolor">
+  <p:cSld>
+    <p:spTree>
+      <p:nvGrpSpPr>
+        <p:cNvPr id="413" name="Shape 413"/>
+        <p:cNvGrpSpPr/>
+        <p:nvPr/>
+      </p:nvGrpSpPr>
+      <p:grpSpPr>
+        <a:xfrm>
+          <a:off x="0" y="0"/>
+          <a:ext cx="0" cy="0"/>
+          <a:chOff x="0" y="0"/>
+          <a:chExt cx="0" cy="0"/>
+        </a:xfrm>
+      </p:grpSpPr>
+      <p:sp>
+        <p:nvSpPr>
+          <p:cNvPr id="414" name="Google Shape;414;p65"/>
+          <p:cNvSpPr txBox="1"/>
+          <p:nvPr>
+            <p:ph type="title"/>
+          </p:nvPr>
+        </p:nvSpPr>
+        <p:spPr>
+          <a:xfrm>
+            <a:off x="729450" y="1318650"/>
+            <a:ext cx="7688700" cy="535200"/>
+          </a:xfrm>
+          <a:prstGeom prst="rect">
+            <a:avLst/>
+          </a:prstGeom>
+        </p:spPr>
+        <p:txBody>
+          <a:bodyPr anchorCtr="0" anchor="t" bIns="91425" lIns="91425" spcFirstLastPara="1" rIns="91425" wrap="square" tIns="91425">
+            <a:normAutofit fontScale="90000"/>
+          </a:bodyPr>
+          <a:lstStyle/>
+          <a:p>
+            <a:pPr indent="0" lvl="0" marL="0" rtl="0" algn="l">
+              <a:lnSpc>
+                <a:spcPct val="115000"/>
+              </a:lnSpc>
+              <a:spcBef>
+                <a:spcPts val="1200"/>
+              </a:spcBef>
+              <a:spcAft>
+                <a:spcPts val="0"/>
+              </a:spcAft>
+              <a:buNone/>
+            </a:pPr>
+            <a:r>
+              <a:rPr lang="pl"/>
+              <a:t>Microsoft Azure</a:t>
+            </a:r>
+            <a:endParaRPr/>
+          </a:p>
+          <a:p>
+            <a:pPr indent="0" lvl="0" marL="0" rtl="0" algn="l">
+              <a:spcBef>
+                <a:spcPts val="1200"/>
+              </a:spcBef>
+              <a:spcAft>
+                <a:spcPts val="0"/>
+              </a:spcAft>
+              <a:buNone/>
+            </a:pPr>
+            <a:r>
+              <a:t/>
+            </a:r>
+            <a:endParaRPr/>
+          </a:p>
+        </p:txBody>
+      </p:sp>
+      <p:sp>
+        <p:nvSpPr>
+          <p:cNvPr id="415" name="Google Shape;415;p65"/>
+          <p:cNvSpPr txBox="1"/>
+          <p:nvPr>
+            <p:ph idx="1" type="body"/>
+          </p:nvPr>
+        </p:nvSpPr>
+        <p:spPr>
+          <a:xfrm>
+            <a:off x="729450" y="2078875"/>
+            <a:ext cx="7688700" cy="2261100"/>
+          </a:xfrm>
+          <a:prstGeom prst="rect">
+            <a:avLst/>
+          </a:prstGeom>
+        </p:spPr>
+        <p:txBody>
+          <a:bodyPr anchorCtr="0" anchor="t" bIns="91425" lIns="91425" spcFirstLastPara="1" rIns="91425" wrap="square" tIns="91425">
+            <a:normAutofit/>
+          </a:bodyPr>
+          <a:lstStyle/>
+          <a:p>
+            <a:pPr indent="0" lvl="0" marL="0" rtl="0" algn="l">
+              <a:spcBef>
+                <a:spcPts val="0"/>
+              </a:spcBef>
+              <a:spcAft>
+                <a:spcPts val="0"/>
+              </a:spcAft>
+              <a:buNone/>
+            </a:pPr>
+            <a:r>
+              <a:rPr lang="pl"/>
+              <a:t>Platforma chmurowa od Microsoftu, oferująca usługi </a:t>
+            </a:r>
+            <a:endParaRPr/>
+          </a:p>
+          <a:p>
+            <a:pPr indent="-311150" lvl="0" marL="457200" rtl="0" algn="l">
+              <a:spcBef>
+                <a:spcPts val="1200"/>
+              </a:spcBef>
+              <a:spcAft>
+                <a:spcPts val="0"/>
+              </a:spcAft>
+              <a:buSzPts val="1300"/>
+              <a:buChar char="●"/>
+            </a:pPr>
+            <a:r>
+              <a:rPr b="1" lang="pl"/>
+              <a:t>obliczeniowe, </a:t>
+            </a:r>
+            <a:endParaRPr b="1"/>
+          </a:p>
+          <a:p>
+            <a:pPr indent="-311150" lvl="0" marL="457200" rtl="0" algn="l">
+              <a:spcBef>
+                <a:spcPts val="0"/>
+              </a:spcBef>
+              <a:spcAft>
+                <a:spcPts val="0"/>
+              </a:spcAft>
+              <a:buSzPts val="1300"/>
+              <a:buChar char="●"/>
+            </a:pPr>
+            <a:r>
+              <a:rPr b="1" lang="pl"/>
+              <a:t>przechowywanie, </a:t>
+            </a:r>
+            <a:endParaRPr b="1"/>
+          </a:p>
+          <a:p>
+            <a:pPr indent="-311150" lvl="0" marL="457200" rtl="0" algn="l">
+              <a:spcBef>
+                <a:spcPts val="0"/>
+              </a:spcBef>
+              <a:spcAft>
+                <a:spcPts val="0"/>
+              </a:spcAft>
+              <a:buSzPts val="1300"/>
+              <a:buChar char="●"/>
+            </a:pPr>
+            <a:r>
+              <a:rPr b="1" lang="pl"/>
+              <a:t>bazy danych,</a:t>
+            </a:r>
+            <a:endParaRPr b="1"/>
+          </a:p>
+          <a:p>
+            <a:pPr indent="-311150" lvl="0" marL="457200" rtl="0" algn="l">
+              <a:spcBef>
+                <a:spcPts val="0"/>
+              </a:spcBef>
+              <a:spcAft>
+                <a:spcPts val="0"/>
+              </a:spcAft>
+              <a:buSzPts val="1300"/>
+              <a:buChar char="●"/>
+            </a:pPr>
+            <a:r>
+              <a:rPr b="1" lang="pl"/>
+              <a:t>integrację z narzędziami Microsoftu (np. Office 365, Windows Server).</a:t>
+            </a:r>
+            <a:endParaRPr b="1"/>
+          </a:p>
+          <a:p>
+            <a:pPr indent="0" lvl="0" marL="0" rtl="0" algn="l">
+              <a:spcBef>
+                <a:spcPts val="1200"/>
+              </a:spcBef>
+              <a:spcAft>
+                <a:spcPts val="0"/>
+              </a:spcAft>
+              <a:buNone/>
+            </a:pPr>
+            <a:r>
+              <a:t/>
+            </a:r>
+            <a:endParaRPr/>
+          </a:p>
+          <a:p>
+            <a:pPr indent="0" lvl="0" marL="0" rtl="0" algn="l">
+              <a:spcBef>
+                <a:spcPts val="1200"/>
+              </a:spcBef>
+              <a:spcAft>
+                <a:spcPts val="1200"/>
+              </a:spcAft>
+              <a:buNone/>
+            </a:pPr>
+            <a:r>
+              <a:t/>
+            </a:r>
+            <a:endParaRPr/>
+          </a:p>
+        </p:txBody>
+      </p:sp>
+    </p:spTree>
+  </p:cSld>
+  <p:clrMapOvr>
+    <a:masterClrMapping/>
+  </p:clrMapOvr>
+</p:sld>
+</file>
+
+<file path=ppt/slides/slide54.xml><?xml version="1.0" encoding="utf-8"?>
+<p:sld xmlns:a="http://schemas.openxmlformats.org/drawingml/2006/main" xmlns:r="http://schemas.openxmlformats.org/officeDocument/2006/relationships" xmlns:mc="http://schemas.openxmlformats.org/markup-compatibility/2006" xmlns:mv="urn:schemas-microsoft-com:mac:vml" xmlns:p="http://schemas.openxmlformats.org/presentationml/2006/main" xmlns:c="http://schemas.openxmlformats.org/drawingml/2006/chart" xmlns:dgm="http://schemas.openxmlformats.org/drawingml/2006/diagram" xmlns:o="urn:schemas-microsoft-com:office:office" xmlns:v="urn:schemas-microsoft-com:vml" xmlns:pvml="urn:schemas-microsoft-com:office:powerpoint" xmlns:com="http://schemas.openxmlformats.org/drawingml/2006/compatibility" xmlns:p14="http://schemas.microsoft.com/office/powerpoint/2010/main" xmlns:p15="http://schemas.microsoft.com/office/powerpoint/2012/main" xmlns:ahyp="http://schemas.microsoft.com/office/drawing/2018/hyperlinkcolor">
+  <p:cSld>
+    <p:spTree>
+      <p:nvGrpSpPr>
+        <p:cNvPr id="419" name="Shape 419"/>
+        <p:cNvGrpSpPr/>
+        <p:nvPr/>
+      </p:nvGrpSpPr>
+      <p:grpSpPr>
+        <a:xfrm>
+          <a:off x="0" y="0"/>
+          <a:ext cx="0" cy="0"/>
+          <a:chOff x="0" y="0"/>
+          <a:chExt cx="0" cy="0"/>
+        </a:xfrm>
+      </p:grpSpPr>
+      <p:sp>
+        <p:nvSpPr>
+          <p:cNvPr id="420" name="Google Shape;420;p66"/>
+          <p:cNvSpPr txBox="1"/>
+          <p:nvPr>
+            <p:ph type="title"/>
+          </p:nvPr>
+        </p:nvSpPr>
+        <p:spPr>
+          <a:xfrm>
+            <a:off x="729450" y="1318650"/>
+            <a:ext cx="7688700" cy="535200"/>
+          </a:xfrm>
+          <a:prstGeom prst="rect">
+            <a:avLst/>
+          </a:prstGeom>
+        </p:spPr>
+        <p:txBody>
+          <a:bodyPr anchorCtr="0" anchor="t" bIns="91425" lIns="91425" spcFirstLastPara="1" rIns="91425" wrap="square" tIns="91425">
+            <a:normAutofit fontScale="90000"/>
+          </a:bodyPr>
+          <a:lstStyle/>
+          <a:p>
+            <a:pPr indent="0" lvl="0" marL="0" rtl="0" algn="l">
+              <a:lnSpc>
+                <a:spcPct val="115000"/>
+              </a:lnSpc>
+              <a:spcBef>
+                <a:spcPts val="1200"/>
+              </a:spcBef>
+              <a:spcAft>
+                <a:spcPts val="0"/>
+              </a:spcAft>
+              <a:buNone/>
+            </a:pPr>
+            <a:r>
+              <a:rPr lang="pl"/>
+              <a:t>Microsoft Azure</a:t>
+            </a:r>
+            <a:endParaRPr/>
+          </a:p>
+          <a:p>
+            <a:pPr indent="0" lvl="0" marL="0" rtl="0" algn="l">
+              <a:spcBef>
+                <a:spcPts val="1200"/>
+              </a:spcBef>
+              <a:spcAft>
+                <a:spcPts val="0"/>
+              </a:spcAft>
+              <a:buNone/>
+            </a:pPr>
+            <a:r>
+              <a:t/>
+            </a:r>
+            <a:endParaRPr/>
+          </a:p>
+        </p:txBody>
+      </p:sp>
+      <p:sp>
+        <p:nvSpPr>
+          <p:cNvPr id="421" name="Google Shape;421;p66"/>
+          <p:cNvSpPr txBox="1"/>
+          <p:nvPr>
+            <p:ph idx="1" type="body"/>
+          </p:nvPr>
+        </p:nvSpPr>
+        <p:spPr>
+          <a:xfrm>
+            <a:off x="729450" y="2078875"/>
+            <a:ext cx="7688700" cy="2261100"/>
+          </a:xfrm>
+          <a:prstGeom prst="rect">
+            <a:avLst/>
+          </a:prstGeom>
+        </p:spPr>
+        <p:txBody>
+          <a:bodyPr anchorCtr="0" anchor="t" bIns="91425" lIns="91425" spcFirstLastPara="1" rIns="91425" wrap="square" tIns="91425">
+            <a:normAutofit lnSpcReduction="20000"/>
+          </a:bodyPr>
+          <a:lstStyle/>
+          <a:p>
+            <a:pPr indent="0" lvl="0" marL="0" rtl="0" algn="l">
+              <a:spcBef>
+                <a:spcPts val="0"/>
+              </a:spcBef>
+              <a:spcAft>
+                <a:spcPts val="0"/>
+              </a:spcAft>
+              <a:buNone/>
+            </a:pPr>
+            <a:r>
+              <a:rPr b="1" lang="pl" sz="1100">
+                <a:solidFill>
+                  <a:srgbClr val="000000"/>
+                </a:solidFill>
+                <a:latin typeface="Arial"/>
+                <a:ea typeface="Arial"/>
+                <a:cs typeface="Arial"/>
+                <a:sym typeface="Arial"/>
+              </a:rPr>
+              <a:t>Kluczowe usługi</a:t>
+            </a:r>
+            <a:r>
+              <a:rPr lang="pl" sz="1100">
+                <a:solidFill>
+                  <a:srgbClr val="000000"/>
+                </a:solidFill>
+                <a:latin typeface="Arial"/>
+                <a:ea typeface="Arial"/>
+                <a:cs typeface="Arial"/>
+                <a:sym typeface="Arial"/>
+              </a:rPr>
+              <a:t>:</a:t>
+            </a:r>
+            <a:endParaRPr sz="1100">
+              <a:solidFill>
+                <a:srgbClr val="000000"/>
+              </a:solidFill>
+              <a:latin typeface="Arial"/>
+              <a:ea typeface="Arial"/>
+              <a:cs typeface="Arial"/>
+              <a:sym typeface="Arial"/>
+            </a:endParaRPr>
+          </a:p>
+          <a:p>
+            <a:pPr indent="-298450" lvl="0" marL="457200" rtl="0" algn="l">
+              <a:spcBef>
+                <a:spcPts val="1200"/>
+              </a:spcBef>
+              <a:spcAft>
+                <a:spcPts val="0"/>
+              </a:spcAft>
+              <a:buClr>
+                <a:srgbClr val="000000"/>
+              </a:buClr>
+              <a:buSzPts val="1100"/>
+              <a:buFont typeface="Arial"/>
+              <a:buChar char="●"/>
+            </a:pPr>
+            <a:r>
+              <a:rPr b="1" lang="pl" sz="1100">
+                <a:solidFill>
+                  <a:srgbClr val="0B5394"/>
+                </a:solidFill>
+                <a:latin typeface="Arial"/>
+                <a:ea typeface="Arial"/>
+                <a:cs typeface="Arial"/>
+                <a:sym typeface="Arial"/>
+              </a:rPr>
+              <a:t>Azure Virtual Machines</a:t>
+            </a:r>
+            <a:r>
+              <a:rPr lang="pl" sz="1100">
+                <a:solidFill>
+                  <a:srgbClr val="000000"/>
+                </a:solidFill>
+                <a:latin typeface="Arial"/>
+                <a:ea typeface="Arial"/>
+                <a:cs typeface="Arial"/>
+                <a:sym typeface="Arial"/>
+              </a:rPr>
+              <a:t> – wirtualne maszyny.</a:t>
+            </a:r>
+            <a:endParaRPr sz="1100">
+              <a:solidFill>
+                <a:srgbClr val="000000"/>
+              </a:solidFill>
+              <a:latin typeface="Arial"/>
+              <a:ea typeface="Arial"/>
+              <a:cs typeface="Arial"/>
+              <a:sym typeface="Arial"/>
+            </a:endParaRPr>
+          </a:p>
+          <a:p>
+            <a:pPr indent="-298450" lvl="0" marL="457200" rtl="0" algn="l">
+              <a:spcBef>
+                <a:spcPts val="0"/>
+              </a:spcBef>
+              <a:spcAft>
+                <a:spcPts val="0"/>
+              </a:spcAft>
+              <a:buClr>
+                <a:srgbClr val="000000"/>
+              </a:buClr>
+              <a:buSzPts val="1100"/>
+              <a:buFont typeface="Arial"/>
+              <a:buChar char="●"/>
+            </a:pPr>
+            <a:r>
+              <a:rPr b="1" lang="pl" sz="1100">
+                <a:solidFill>
+                  <a:srgbClr val="0B5394"/>
+                </a:solidFill>
+                <a:latin typeface="Arial"/>
+                <a:ea typeface="Arial"/>
+                <a:cs typeface="Arial"/>
+                <a:sym typeface="Arial"/>
+              </a:rPr>
+              <a:t>Blob Storage</a:t>
+            </a:r>
+            <a:r>
+              <a:rPr lang="pl" sz="1100">
+                <a:solidFill>
+                  <a:srgbClr val="000000"/>
+                </a:solidFill>
+                <a:latin typeface="Arial"/>
+                <a:ea typeface="Arial"/>
+                <a:cs typeface="Arial"/>
+                <a:sym typeface="Arial"/>
+              </a:rPr>
+              <a:t> – przechowywanie danych.</a:t>
+            </a:r>
+            <a:endParaRPr sz="1100">
+              <a:solidFill>
+                <a:srgbClr val="000000"/>
+              </a:solidFill>
+              <a:latin typeface="Arial"/>
+              <a:ea typeface="Arial"/>
+              <a:cs typeface="Arial"/>
+              <a:sym typeface="Arial"/>
+            </a:endParaRPr>
+          </a:p>
+          <a:p>
+            <a:pPr indent="-298450" lvl="0" marL="457200" rtl="0" algn="l">
+              <a:spcBef>
+                <a:spcPts val="0"/>
+              </a:spcBef>
+              <a:spcAft>
+                <a:spcPts val="0"/>
+              </a:spcAft>
+              <a:buClr>
+                <a:srgbClr val="000000"/>
+              </a:buClr>
+              <a:buSzPts val="1100"/>
+              <a:buFont typeface="Arial"/>
+              <a:buChar char="●"/>
+            </a:pPr>
+            <a:r>
+              <a:rPr b="1" lang="pl" sz="1100">
+                <a:solidFill>
+                  <a:srgbClr val="0B5394"/>
+                </a:solidFill>
+                <a:latin typeface="Arial"/>
+                <a:ea typeface="Arial"/>
+                <a:cs typeface="Arial"/>
+                <a:sym typeface="Arial"/>
+              </a:rPr>
+              <a:t>Azure Functions</a:t>
+            </a:r>
+            <a:r>
+              <a:rPr lang="pl" sz="1100">
+                <a:solidFill>
+                  <a:srgbClr val="000000"/>
+                </a:solidFill>
+                <a:latin typeface="Arial"/>
+                <a:ea typeface="Arial"/>
+                <a:cs typeface="Arial"/>
+                <a:sym typeface="Arial"/>
+              </a:rPr>
+              <a:t> – obliczenia bezserwerowe.</a:t>
+            </a:r>
+            <a:endParaRPr sz="1100">
+              <a:solidFill>
+                <a:srgbClr val="000000"/>
+              </a:solidFill>
+              <a:latin typeface="Arial"/>
+              <a:ea typeface="Arial"/>
+              <a:cs typeface="Arial"/>
+              <a:sym typeface="Arial"/>
+            </a:endParaRPr>
+          </a:p>
+          <a:p>
+            <a:pPr indent="-298450" lvl="0" marL="457200" rtl="0" algn="l">
+              <a:spcBef>
+                <a:spcPts val="0"/>
+              </a:spcBef>
+              <a:spcAft>
+                <a:spcPts val="0"/>
+              </a:spcAft>
+              <a:buClr>
+                <a:srgbClr val="000000"/>
+              </a:buClr>
+              <a:buSzPts val="1100"/>
+              <a:buFont typeface="Arial"/>
+              <a:buChar char="●"/>
+            </a:pPr>
+            <a:r>
+              <a:rPr b="1" lang="pl" sz="1100">
+                <a:solidFill>
+                  <a:srgbClr val="0B5394"/>
+                </a:solidFill>
+                <a:latin typeface="Arial"/>
+                <a:ea typeface="Arial"/>
+                <a:cs typeface="Arial"/>
+                <a:sym typeface="Arial"/>
+              </a:rPr>
+              <a:t>Azure Active Directory</a:t>
+            </a:r>
+            <a:r>
+              <a:rPr lang="pl" sz="1100">
+                <a:solidFill>
+                  <a:srgbClr val="000000"/>
+                </a:solidFill>
+                <a:latin typeface="Arial"/>
+                <a:ea typeface="Arial"/>
+                <a:cs typeface="Arial"/>
+                <a:sym typeface="Arial"/>
+              </a:rPr>
+              <a:t> – zarządzanie tożsamością.</a:t>
+            </a:r>
+            <a:endParaRPr sz="1100">
+              <a:solidFill>
+                <a:srgbClr val="000000"/>
+              </a:solidFill>
+              <a:latin typeface="Arial"/>
+              <a:ea typeface="Arial"/>
+              <a:cs typeface="Arial"/>
+              <a:sym typeface="Arial"/>
+            </a:endParaRPr>
+          </a:p>
+          <a:p>
+            <a:pPr indent="0" lvl="0" marL="0" rtl="0" algn="l">
+              <a:spcBef>
+                <a:spcPts val="1200"/>
+              </a:spcBef>
+              <a:spcAft>
+                <a:spcPts val="0"/>
+              </a:spcAft>
+              <a:buNone/>
+            </a:pPr>
+            <a:r>
+              <a:rPr b="1" lang="pl" sz="1100">
+                <a:solidFill>
+                  <a:srgbClr val="000000"/>
+                </a:solidFill>
+                <a:latin typeface="Arial"/>
+                <a:ea typeface="Arial"/>
+                <a:cs typeface="Arial"/>
+                <a:sym typeface="Arial"/>
+              </a:rPr>
+              <a:t>Zastosowania</a:t>
+            </a:r>
+            <a:r>
+              <a:rPr lang="pl" sz="1100">
+                <a:solidFill>
+                  <a:srgbClr val="000000"/>
+                </a:solidFill>
+                <a:latin typeface="Arial"/>
+                <a:ea typeface="Arial"/>
+                <a:cs typeface="Arial"/>
+                <a:sym typeface="Arial"/>
+              </a:rPr>
+              <a:t>: </a:t>
+            </a:r>
+            <a:r>
+              <a:rPr b="1" lang="pl" sz="1100">
+                <a:solidFill>
+                  <a:srgbClr val="274E13"/>
+                </a:solidFill>
+                <a:latin typeface="Arial"/>
+                <a:ea typeface="Arial"/>
+                <a:cs typeface="Arial"/>
+                <a:sym typeface="Arial"/>
+              </a:rPr>
+              <a:t>Aplikacje korporacyjne, integracja z ekosystemem Microsoftu, hybrydowe rozwiązania chmurowe.</a:t>
+            </a:r>
+            <a:endParaRPr b="1" sz="1100">
+              <a:solidFill>
+                <a:srgbClr val="274E13"/>
+              </a:solidFill>
+              <a:latin typeface="Arial"/>
+              <a:ea typeface="Arial"/>
+              <a:cs typeface="Arial"/>
+              <a:sym typeface="Arial"/>
+            </a:endParaRPr>
+          </a:p>
+          <a:p>
+            <a:pPr indent="0" lvl="0" marL="0" rtl="0" algn="l">
+              <a:spcBef>
+                <a:spcPts val="0"/>
+              </a:spcBef>
+              <a:spcAft>
+                <a:spcPts val="0"/>
+              </a:spcAft>
+              <a:buNone/>
+            </a:pPr>
+            <a:r>
+              <a:rPr b="1" lang="pl" sz="1100">
+                <a:solidFill>
+                  <a:srgbClr val="000000"/>
+                </a:solidFill>
+                <a:latin typeface="Arial"/>
+                <a:ea typeface="Arial"/>
+                <a:cs typeface="Arial"/>
+                <a:sym typeface="Arial"/>
+              </a:rPr>
+              <a:t>Zalety</a:t>
+            </a:r>
+            <a:r>
+              <a:rPr lang="pl" sz="1100">
+                <a:solidFill>
+                  <a:srgbClr val="000000"/>
+                </a:solidFill>
+                <a:latin typeface="Arial"/>
+                <a:ea typeface="Arial"/>
+                <a:cs typeface="Arial"/>
+                <a:sym typeface="Arial"/>
+              </a:rPr>
+              <a:t>: Świetna integracja z narzędziami Microsoftu, silne wsparcie dla środowisk hybrydowych, duża dostępność.</a:t>
+            </a:r>
+            <a:endParaRPr sz="1100">
+              <a:solidFill>
+                <a:srgbClr val="000000"/>
+              </a:solidFill>
+              <a:latin typeface="Arial"/>
+              <a:ea typeface="Arial"/>
+              <a:cs typeface="Arial"/>
+              <a:sym typeface="Arial"/>
+            </a:endParaRPr>
+          </a:p>
+          <a:p>
+            <a:pPr indent="0" lvl="0" marL="0" rtl="0" algn="l">
+              <a:spcBef>
+                <a:spcPts val="1200"/>
+              </a:spcBef>
+              <a:spcAft>
+                <a:spcPts val="0"/>
+              </a:spcAft>
+              <a:buNone/>
+            </a:pPr>
+            <a:r>
+              <a:rPr b="1" lang="pl" sz="1100">
+                <a:solidFill>
+                  <a:srgbClr val="000000"/>
+                </a:solidFill>
+                <a:latin typeface="Arial"/>
+                <a:ea typeface="Arial"/>
+                <a:cs typeface="Arial"/>
+                <a:sym typeface="Arial"/>
+              </a:rPr>
+              <a:t>Wady</a:t>
+            </a:r>
+            <a:r>
+              <a:rPr lang="pl" sz="1100">
+                <a:solidFill>
+                  <a:srgbClr val="000000"/>
+                </a:solidFill>
+                <a:latin typeface="Arial"/>
+                <a:ea typeface="Arial"/>
+                <a:cs typeface="Arial"/>
+                <a:sym typeface="Arial"/>
+              </a:rPr>
+              <a:t>: Może być mniej intuicyjny dla użytkowników spoza ekosystemu Microsoftu.</a:t>
+            </a:r>
+            <a:endParaRPr sz="1100">
+              <a:solidFill>
+                <a:srgbClr val="000000"/>
+              </a:solidFill>
+              <a:latin typeface="Arial"/>
+              <a:ea typeface="Arial"/>
+              <a:cs typeface="Arial"/>
+              <a:sym typeface="Arial"/>
+            </a:endParaRPr>
+          </a:p>
+          <a:p>
+            <a:pPr indent="0" lvl="0" marL="0" rtl="0" algn="l">
+              <a:spcBef>
+                <a:spcPts val="1200"/>
+              </a:spcBef>
+              <a:spcAft>
+                <a:spcPts val="1200"/>
+              </a:spcAft>
+              <a:buNone/>
+            </a:pPr>
+            <a:r>
+              <a:t/>
+            </a:r>
+            <a:endParaRPr/>
+          </a:p>
+        </p:txBody>
+      </p:sp>
     </p:spTree>
   </p:cSld>
   <p:clrMapOvr>

--- a/ZASTOSOWANIE_INFORMATYKI/1A-gr_2/Zastosowanie informatyki - 1A gr. 2.pptx
+++ b/ZASTOSOWANIE_INFORMATYKI/1A-gr_2/Zastosowanie informatyki - 1A gr. 2.pptx
@@ -67,35 +67,43 @@
     <p:sldId id="312" r:id="rId63"/>
     <p:sldId id="313" r:id="rId64"/>
     <p:sldId id="314" r:id="rId65"/>
+    <p:sldId id="315" r:id="rId66"/>
+    <p:sldId id="316" r:id="rId67"/>
+    <p:sldId id="317" r:id="rId68"/>
+    <p:sldId id="318" r:id="rId69"/>
+    <p:sldId id="319" r:id="rId70"/>
+    <p:sldId id="320" r:id="rId71"/>
+    <p:sldId id="321" r:id="rId72"/>
+    <p:sldId id="322" r:id="rId73"/>
   </p:sldIdLst>
   <p:sldSz cy="5143500" cx="9144000"/>
   <p:notesSz cx="6858000" cy="9144000"/>
   <p:embeddedFontLst>
     <p:embeddedFont>
       <p:font typeface="Raleway"/>
-      <p:regular r:id="rId66"/>
-      <p:bold r:id="rId67"/>
-      <p:italic r:id="rId68"/>
-      <p:boldItalic r:id="rId69"/>
-    </p:embeddedFont>
-    <p:embeddedFont>
-      <p:font typeface="Roboto"/>
-      <p:regular r:id="rId70"/>
-      <p:bold r:id="rId71"/>
-      <p:italic r:id="rId72"/>
-      <p:boldItalic r:id="rId73"/>
-    </p:embeddedFont>
-    <p:embeddedFont>
-      <p:font typeface="Lato"/>
       <p:regular r:id="rId74"/>
       <p:bold r:id="rId75"/>
       <p:italic r:id="rId76"/>
       <p:boldItalic r:id="rId77"/>
     </p:embeddedFont>
     <p:embeddedFont>
-      <p:font typeface="Tahoma"/>
+      <p:font typeface="Roboto"/>
       <p:regular r:id="rId78"/>
       <p:bold r:id="rId79"/>
+      <p:italic r:id="rId80"/>
+      <p:boldItalic r:id="rId81"/>
+    </p:embeddedFont>
+    <p:embeddedFont>
+      <p:font typeface="Lato"/>
+      <p:regular r:id="rId82"/>
+      <p:bold r:id="rId83"/>
+      <p:italic r:id="rId84"/>
+      <p:boldItalic r:id="rId85"/>
+    </p:embeddedFont>
+    <p:embeddedFont>
+      <p:font typeface="Tahoma"/>
+      <p:regular r:id="rId86"/>
+      <p:bold r:id="rId87"/>
     </p:embeddedFont>
   </p:embeddedFontLst>
   <p:defaultTextStyle>
@@ -6272,6 +6280,798 @@
       <p:sp>
         <p:nvSpPr>
           <p:cNvPr id="115" name="Google Shape;115;g37a7fb0f999_0_201:notes"/>
+          <p:cNvSpPr txBox="1"/>
+          <p:nvPr>
+            <p:ph idx="1" type="body"/>
+          </p:nvPr>
+        </p:nvSpPr>
+        <p:spPr>
+          <a:xfrm>
+            <a:off x="685800" y="4343400"/>
+            <a:ext cx="5486400" cy="4114800"/>
+          </a:xfrm>
+          <a:prstGeom prst="rect">
+            <a:avLst/>
+          </a:prstGeom>
+        </p:spPr>
+        <p:txBody>
+          <a:bodyPr anchorCtr="0" anchor="t" bIns="91425" lIns="91425" spcFirstLastPara="1" rIns="91425" wrap="square" tIns="91425">
+            <a:noAutofit/>
+          </a:bodyPr>
+          <a:lstStyle/>
+          <a:p>
+            <a:pPr indent="0" lvl="0" marL="0" rtl="0" algn="l">
+              <a:spcBef>
+                <a:spcPts val="0"/>
+              </a:spcBef>
+              <a:spcAft>
+                <a:spcPts val="0"/>
+              </a:spcAft>
+              <a:buNone/>
+            </a:pPr>
+            <a:r>
+              <a:t/>
+            </a:r>
+            <a:endParaRPr/>
+          </a:p>
+        </p:txBody>
+      </p:sp>
+    </p:spTree>
+  </p:cSld>
+  <p:clrMapOvr>
+    <a:masterClrMapping/>
+  </p:clrMapOvr>
+</p:notes>
+</file>
+
+<file path=ppt/notesSlides/notesSlide60.xml><?xml version="1.0" encoding="utf-8"?>
+<p:notes xmlns:a="http://schemas.openxmlformats.org/drawingml/2006/main" xmlns:r="http://schemas.openxmlformats.org/officeDocument/2006/relationships" xmlns:mc="http://schemas.openxmlformats.org/markup-compatibility/2006" xmlns:mv="urn:schemas-microsoft-com:mac:vml" xmlns:p="http://schemas.openxmlformats.org/presentationml/2006/main" xmlns:c="http://schemas.openxmlformats.org/drawingml/2006/chart" xmlns:dgm="http://schemas.openxmlformats.org/drawingml/2006/diagram" xmlns:o="urn:schemas-microsoft-com:office:office" xmlns:v="urn:schemas-microsoft-com:vml" xmlns:pvml="urn:schemas-microsoft-com:office:powerpoint" xmlns:com="http://schemas.openxmlformats.org/drawingml/2006/compatibility" xmlns:p14="http://schemas.microsoft.com/office/powerpoint/2010/main" xmlns:p15="http://schemas.microsoft.com/office/powerpoint/2012/main" xmlns:ahyp="http://schemas.microsoft.com/office/drawing/2018/hyperlinkcolor" showMasterPhAnim="0" showMasterSp="0">
+  <p:cSld>
+    <p:spTree>
+      <p:nvGrpSpPr>
+        <p:cNvPr id="452" name="Shape 452"/>
+        <p:cNvGrpSpPr/>
+        <p:nvPr/>
+      </p:nvGrpSpPr>
+      <p:grpSpPr>
+        <a:xfrm>
+          <a:off x="0" y="0"/>
+          <a:ext cx="0" cy="0"/>
+          <a:chOff x="0" y="0"/>
+          <a:chExt cx="0" cy="0"/>
+        </a:xfrm>
+      </p:grpSpPr>
+      <p:sp>
+        <p:nvSpPr>
+          <p:cNvPr id="453" name="Google Shape;453;g3821305c9e2_0_0:notes"/>
+          <p:cNvSpPr/>
+          <p:nvPr>
+            <p:ph idx="2" type="sldImg"/>
+          </p:nvPr>
+        </p:nvSpPr>
+        <p:spPr>
+          <a:xfrm>
+            <a:off x="381300" y="685800"/>
+            <a:ext cx="6096000" cy="3429000"/>
+          </a:xfrm>
+          <a:custGeom>
+            <a:rect b="b" l="l" r="r" t="t"/>
+            <a:pathLst>
+              <a:path extrusionOk="0" h="120000" w="120000">
+                <a:moveTo>
+                  <a:pt x="0" y="0"/>
+                </a:moveTo>
+                <a:lnTo>
+                  <a:pt x="120000" y="0"/>
+                </a:lnTo>
+                <a:lnTo>
+                  <a:pt x="120000" y="120000"/>
+                </a:lnTo>
+                <a:lnTo>
+                  <a:pt x="0" y="120000"/>
+                </a:lnTo>
+                <a:close/>
+              </a:path>
+            </a:pathLst>
+          </a:custGeom>
+        </p:spPr>
+      </p:sp>
+      <p:sp>
+        <p:nvSpPr>
+          <p:cNvPr id="454" name="Google Shape;454;g3821305c9e2_0_0:notes"/>
+          <p:cNvSpPr txBox="1"/>
+          <p:nvPr>
+            <p:ph idx="1" type="body"/>
+          </p:nvPr>
+        </p:nvSpPr>
+        <p:spPr>
+          <a:xfrm>
+            <a:off x="685800" y="4343400"/>
+            <a:ext cx="5486400" cy="4114800"/>
+          </a:xfrm>
+          <a:prstGeom prst="rect">
+            <a:avLst/>
+          </a:prstGeom>
+        </p:spPr>
+        <p:txBody>
+          <a:bodyPr anchorCtr="0" anchor="t" bIns="91425" lIns="91425" spcFirstLastPara="1" rIns="91425" wrap="square" tIns="91425">
+            <a:noAutofit/>
+          </a:bodyPr>
+          <a:lstStyle/>
+          <a:p>
+            <a:pPr indent="0" lvl="0" marL="0" rtl="0" algn="l">
+              <a:spcBef>
+                <a:spcPts val="0"/>
+              </a:spcBef>
+              <a:spcAft>
+                <a:spcPts val="0"/>
+              </a:spcAft>
+              <a:buNone/>
+            </a:pPr>
+            <a:r>
+              <a:t/>
+            </a:r>
+            <a:endParaRPr/>
+          </a:p>
+        </p:txBody>
+      </p:sp>
+    </p:spTree>
+  </p:cSld>
+  <p:clrMapOvr>
+    <a:masterClrMapping/>
+  </p:clrMapOvr>
+</p:notes>
+</file>
+
+<file path=ppt/notesSlides/notesSlide61.xml><?xml version="1.0" encoding="utf-8"?>
+<p:notes xmlns:a="http://schemas.openxmlformats.org/drawingml/2006/main" xmlns:r="http://schemas.openxmlformats.org/officeDocument/2006/relationships" xmlns:mc="http://schemas.openxmlformats.org/markup-compatibility/2006" xmlns:mv="urn:schemas-microsoft-com:mac:vml" xmlns:p="http://schemas.openxmlformats.org/presentationml/2006/main" xmlns:c="http://schemas.openxmlformats.org/drawingml/2006/chart" xmlns:dgm="http://schemas.openxmlformats.org/drawingml/2006/diagram" xmlns:o="urn:schemas-microsoft-com:office:office" xmlns:v="urn:schemas-microsoft-com:vml" xmlns:pvml="urn:schemas-microsoft-com:office:powerpoint" xmlns:com="http://schemas.openxmlformats.org/drawingml/2006/compatibility" xmlns:p14="http://schemas.microsoft.com/office/powerpoint/2010/main" xmlns:p15="http://schemas.microsoft.com/office/powerpoint/2012/main" xmlns:ahyp="http://schemas.microsoft.com/office/drawing/2018/hyperlinkcolor" showMasterPhAnim="0" showMasterSp="0">
+  <p:cSld>
+    <p:spTree>
+      <p:nvGrpSpPr>
+        <p:cNvPr id="458" name="Shape 458"/>
+        <p:cNvGrpSpPr/>
+        <p:nvPr/>
+      </p:nvGrpSpPr>
+      <p:grpSpPr>
+        <a:xfrm>
+          <a:off x="0" y="0"/>
+          <a:ext cx="0" cy="0"/>
+          <a:chOff x="0" y="0"/>
+          <a:chExt cx="0" cy="0"/>
+        </a:xfrm>
+      </p:grpSpPr>
+      <p:sp>
+        <p:nvSpPr>
+          <p:cNvPr id="459" name="Google Shape;459;g3821305c9e2_0_7:notes"/>
+          <p:cNvSpPr/>
+          <p:nvPr>
+            <p:ph idx="2" type="sldImg"/>
+          </p:nvPr>
+        </p:nvSpPr>
+        <p:spPr>
+          <a:xfrm>
+            <a:off x="381300" y="685800"/>
+            <a:ext cx="6096000" cy="3429000"/>
+          </a:xfrm>
+          <a:custGeom>
+            <a:rect b="b" l="l" r="r" t="t"/>
+            <a:pathLst>
+              <a:path extrusionOk="0" h="120000" w="120000">
+                <a:moveTo>
+                  <a:pt x="0" y="0"/>
+                </a:moveTo>
+                <a:lnTo>
+                  <a:pt x="120000" y="0"/>
+                </a:lnTo>
+                <a:lnTo>
+                  <a:pt x="120000" y="120000"/>
+                </a:lnTo>
+                <a:lnTo>
+                  <a:pt x="0" y="120000"/>
+                </a:lnTo>
+                <a:close/>
+              </a:path>
+            </a:pathLst>
+          </a:custGeom>
+        </p:spPr>
+      </p:sp>
+      <p:sp>
+        <p:nvSpPr>
+          <p:cNvPr id="460" name="Google Shape;460;g3821305c9e2_0_7:notes"/>
+          <p:cNvSpPr txBox="1"/>
+          <p:nvPr>
+            <p:ph idx="1" type="body"/>
+          </p:nvPr>
+        </p:nvSpPr>
+        <p:spPr>
+          <a:xfrm>
+            <a:off x="685800" y="4343400"/>
+            <a:ext cx="5486400" cy="4114800"/>
+          </a:xfrm>
+          <a:prstGeom prst="rect">
+            <a:avLst/>
+          </a:prstGeom>
+        </p:spPr>
+        <p:txBody>
+          <a:bodyPr anchorCtr="0" anchor="t" bIns="91425" lIns="91425" spcFirstLastPara="1" rIns="91425" wrap="square" tIns="91425">
+            <a:noAutofit/>
+          </a:bodyPr>
+          <a:lstStyle/>
+          <a:p>
+            <a:pPr indent="0" lvl="0" marL="0" rtl="0" algn="l">
+              <a:spcBef>
+                <a:spcPts val="0"/>
+              </a:spcBef>
+              <a:spcAft>
+                <a:spcPts val="0"/>
+              </a:spcAft>
+              <a:buNone/>
+            </a:pPr>
+            <a:r>
+              <a:t/>
+            </a:r>
+            <a:endParaRPr/>
+          </a:p>
+        </p:txBody>
+      </p:sp>
+    </p:spTree>
+  </p:cSld>
+  <p:clrMapOvr>
+    <a:masterClrMapping/>
+  </p:clrMapOvr>
+</p:notes>
+</file>
+
+<file path=ppt/notesSlides/notesSlide62.xml><?xml version="1.0" encoding="utf-8"?>
+<p:notes xmlns:a="http://schemas.openxmlformats.org/drawingml/2006/main" xmlns:r="http://schemas.openxmlformats.org/officeDocument/2006/relationships" xmlns:mc="http://schemas.openxmlformats.org/markup-compatibility/2006" xmlns:mv="urn:schemas-microsoft-com:mac:vml" xmlns:p="http://schemas.openxmlformats.org/presentationml/2006/main" xmlns:c="http://schemas.openxmlformats.org/drawingml/2006/chart" xmlns:dgm="http://schemas.openxmlformats.org/drawingml/2006/diagram" xmlns:o="urn:schemas-microsoft-com:office:office" xmlns:v="urn:schemas-microsoft-com:vml" xmlns:pvml="urn:schemas-microsoft-com:office:powerpoint" xmlns:com="http://schemas.openxmlformats.org/drawingml/2006/compatibility" xmlns:p14="http://schemas.microsoft.com/office/powerpoint/2010/main" xmlns:p15="http://schemas.microsoft.com/office/powerpoint/2012/main" xmlns:ahyp="http://schemas.microsoft.com/office/drawing/2018/hyperlinkcolor" showMasterPhAnim="0" showMasterSp="0">
+  <p:cSld>
+    <p:spTree>
+      <p:nvGrpSpPr>
+        <p:cNvPr id="464" name="Shape 464"/>
+        <p:cNvGrpSpPr/>
+        <p:nvPr/>
+      </p:nvGrpSpPr>
+      <p:grpSpPr>
+        <a:xfrm>
+          <a:off x="0" y="0"/>
+          <a:ext cx="0" cy="0"/>
+          <a:chOff x="0" y="0"/>
+          <a:chExt cx="0" cy="0"/>
+        </a:xfrm>
+      </p:grpSpPr>
+      <p:sp>
+        <p:nvSpPr>
+          <p:cNvPr id="465" name="Google Shape;465;g3821305c9e2_0_14:notes"/>
+          <p:cNvSpPr/>
+          <p:nvPr>
+            <p:ph idx="2" type="sldImg"/>
+          </p:nvPr>
+        </p:nvSpPr>
+        <p:spPr>
+          <a:xfrm>
+            <a:off x="381300" y="685800"/>
+            <a:ext cx="6096000" cy="3429000"/>
+          </a:xfrm>
+          <a:custGeom>
+            <a:rect b="b" l="l" r="r" t="t"/>
+            <a:pathLst>
+              <a:path extrusionOk="0" h="120000" w="120000">
+                <a:moveTo>
+                  <a:pt x="0" y="0"/>
+                </a:moveTo>
+                <a:lnTo>
+                  <a:pt x="120000" y="0"/>
+                </a:lnTo>
+                <a:lnTo>
+                  <a:pt x="120000" y="120000"/>
+                </a:lnTo>
+                <a:lnTo>
+                  <a:pt x="0" y="120000"/>
+                </a:lnTo>
+                <a:close/>
+              </a:path>
+            </a:pathLst>
+          </a:custGeom>
+        </p:spPr>
+      </p:sp>
+      <p:sp>
+        <p:nvSpPr>
+          <p:cNvPr id="466" name="Google Shape;466;g3821305c9e2_0_14:notes"/>
+          <p:cNvSpPr txBox="1"/>
+          <p:nvPr>
+            <p:ph idx="1" type="body"/>
+          </p:nvPr>
+        </p:nvSpPr>
+        <p:spPr>
+          <a:xfrm>
+            <a:off x="685800" y="4343400"/>
+            <a:ext cx="5486400" cy="4114800"/>
+          </a:xfrm>
+          <a:prstGeom prst="rect">
+            <a:avLst/>
+          </a:prstGeom>
+        </p:spPr>
+        <p:txBody>
+          <a:bodyPr anchorCtr="0" anchor="t" bIns="91425" lIns="91425" spcFirstLastPara="1" rIns="91425" wrap="square" tIns="91425">
+            <a:noAutofit/>
+          </a:bodyPr>
+          <a:lstStyle/>
+          <a:p>
+            <a:pPr indent="0" lvl="0" marL="0" rtl="0" algn="l">
+              <a:spcBef>
+                <a:spcPts val="0"/>
+              </a:spcBef>
+              <a:spcAft>
+                <a:spcPts val="0"/>
+              </a:spcAft>
+              <a:buNone/>
+            </a:pPr>
+            <a:r>
+              <a:t/>
+            </a:r>
+            <a:endParaRPr/>
+          </a:p>
+        </p:txBody>
+      </p:sp>
+    </p:spTree>
+  </p:cSld>
+  <p:clrMapOvr>
+    <a:masterClrMapping/>
+  </p:clrMapOvr>
+</p:notes>
+</file>
+
+<file path=ppt/notesSlides/notesSlide63.xml><?xml version="1.0" encoding="utf-8"?>
+<p:notes xmlns:a="http://schemas.openxmlformats.org/drawingml/2006/main" xmlns:r="http://schemas.openxmlformats.org/officeDocument/2006/relationships" xmlns:mc="http://schemas.openxmlformats.org/markup-compatibility/2006" xmlns:mv="urn:schemas-microsoft-com:mac:vml" xmlns:p="http://schemas.openxmlformats.org/presentationml/2006/main" xmlns:c="http://schemas.openxmlformats.org/drawingml/2006/chart" xmlns:dgm="http://schemas.openxmlformats.org/drawingml/2006/diagram" xmlns:o="urn:schemas-microsoft-com:office:office" xmlns:v="urn:schemas-microsoft-com:vml" xmlns:pvml="urn:schemas-microsoft-com:office:powerpoint" xmlns:com="http://schemas.openxmlformats.org/drawingml/2006/compatibility" xmlns:p14="http://schemas.microsoft.com/office/powerpoint/2010/main" xmlns:p15="http://schemas.microsoft.com/office/powerpoint/2012/main" xmlns:ahyp="http://schemas.microsoft.com/office/drawing/2018/hyperlinkcolor" showMasterPhAnim="0" showMasterSp="0">
+  <p:cSld>
+    <p:spTree>
+      <p:nvGrpSpPr>
+        <p:cNvPr id="470" name="Shape 470"/>
+        <p:cNvGrpSpPr/>
+        <p:nvPr/>
+      </p:nvGrpSpPr>
+      <p:grpSpPr>
+        <a:xfrm>
+          <a:off x="0" y="0"/>
+          <a:ext cx="0" cy="0"/>
+          <a:chOff x="0" y="0"/>
+          <a:chExt cx="0" cy="0"/>
+        </a:xfrm>
+      </p:grpSpPr>
+      <p:sp>
+        <p:nvSpPr>
+          <p:cNvPr id="471" name="Google Shape;471;g3821305c9e2_0_36:notes"/>
+          <p:cNvSpPr/>
+          <p:nvPr>
+            <p:ph idx="2" type="sldImg"/>
+          </p:nvPr>
+        </p:nvSpPr>
+        <p:spPr>
+          <a:xfrm>
+            <a:off x="381300" y="685800"/>
+            <a:ext cx="6096000" cy="3429000"/>
+          </a:xfrm>
+          <a:custGeom>
+            <a:rect b="b" l="l" r="r" t="t"/>
+            <a:pathLst>
+              <a:path extrusionOk="0" h="120000" w="120000">
+                <a:moveTo>
+                  <a:pt x="0" y="0"/>
+                </a:moveTo>
+                <a:lnTo>
+                  <a:pt x="120000" y="0"/>
+                </a:lnTo>
+                <a:lnTo>
+                  <a:pt x="120000" y="120000"/>
+                </a:lnTo>
+                <a:lnTo>
+                  <a:pt x="0" y="120000"/>
+                </a:lnTo>
+                <a:close/>
+              </a:path>
+            </a:pathLst>
+          </a:custGeom>
+        </p:spPr>
+      </p:sp>
+      <p:sp>
+        <p:nvSpPr>
+          <p:cNvPr id="472" name="Google Shape;472;g3821305c9e2_0_36:notes"/>
+          <p:cNvSpPr txBox="1"/>
+          <p:nvPr>
+            <p:ph idx="1" type="body"/>
+          </p:nvPr>
+        </p:nvSpPr>
+        <p:spPr>
+          <a:xfrm>
+            <a:off x="685800" y="4343400"/>
+            <a:ext cx="5486400" cy="4114800"/>
+          </a:xfrm>
+          <a:prstGeom prst="rect">
+            <a:avLst/>
+          </a:prstGeom>
+        </p:spPr>
+        <p:txBody>
+          <a:bodyPr anchorCtr="0" anchor="t" bIns="91425" lIns="91425" spcFirstLastPara="1" rIns="91425" wrap="square" tIns="91425">
+            <a:noAutofit/>
+          </a:bodyPr>
+          <a:lstStyle/>
+          <a:p>
+            <a:pPr indent="0" lvl="0" marL="0" rtl="0" algn="l">
+              <a:spcBef>
+                <a:spcPts val="0"/>
+              </a:spcBef>
+              <a:spcAft>
+                <a:spcPts val="0"/>
+              </a:spcAft>
+              <a:buNone/>
+            </a:pPr>
+            <a:r>
+              <a:t/>
+            </a:r>
+            <a:endParaRPr/>
+          </a:p>
+        </p:txBody>
+      </p:sp>
+    </p:spTree>
+  </p:cSld>
+  <p:clrMapOvr>
+    <a:masterClrMapping/>
+  </p:clrMapOvr>
+</p:notes>
+</file>
+
+<file path=ppt/notesSlides/notesSlide64.xml><?xml version="1.0" encoding="utf-8"?>
+<p:notes xmlns:a="http://schemas.openxmlformats.org/drawingml/2006/main" xmlns:r="http://schemas.openxmlformats.org/officeDocument/2006/relationships" xmlns:mc="http://schemas.openxmlformats.org/markup-compatibility/2006" xmlns:mv="urn:schemas-microsoft-com:mac:vml" xmlns:p="http://schemas.openxmlformats.org/presentationml/2006/main" xmlns:c="http://schemas.openxmlformats.org/drawingml/2006/chart" xmlns:dgm="http://schemas.openxmlformats.org/drawingml/2006/diagram" xmlns:o="urn:schemas-microsoft-com:office:office" xmlns:v="urn:schemas-microsoft-com:vml" xmlns:pvml="urn:schemas-microsoft-com:office:powerpoint" xmlns:com="http://schemas.openxmlformats.org/drawingml/2006/compatibility" xmlns:p14="http://schemas.microsoft.com/office/powerpoint/2010/main" xmlns:p15="http://schemas.microsoft.com/office/powerpoint/2012/main" xmlns:ahyp="http://schemas.microsoft.com/office/drawing/2018/hyperlinkcolor" showMasterPhAnim="0" showMasterSp="0">
+  <p:cSld>
+    <p:spTree>
+      <p:nvGrpSpPr>
+        <p:cNvPr id="476" name="Shape 476"/>
+        <p:cNvGrpSpPr/>
+        <p:nvPr/>
+      </p:nvGrpSpPr>
+      <p:grpSpPr>
+        <a:xfrm>
+          <a:off x="0" y="0"/>
+          <a:ext cx="0" cy="0"/>
+          <a:chOff x="0" y="0"/>
+          <a:chExt cx="0" cy="0"/>
+        </a:xfrm>
+      </p:grpSpPr>
+      <p:sp>
+        <p:nvSpPr>
+          <p:cNvPr id="477" name="Google Shape;477;g3821305c9e2_0_21:notes"/>
+          <p:cNvSpPr/>
+          <p:nvPr>
+            <p:ph idx="2" type="sldImg"/>
+          </p:nvPr>
+        </p:nvSpPr>
+        <p:spPr>
+          <a:xfrm>
+            <a:off x="381300" y="685800"/>
+            <a:ext cx="6096000" cy="3429000"/>
+          </a:xfrm>
+          <a:custGeom>
+            <a:rect b="b" l="l" r="r" t="t"/>
+            <a:pathLst>
+              <a:path extrusionOk="0" h="120000" w="120000">
+                <a:moveTo>
+                  <a:pt x="0" y="0"/>
+                </a:moveTo>
+                <a:lnTo>
+                  <a:pt x="120000" y="0"/>
+                </a:lnTo>
+                <a:lnTo>
+                  <a:pt x="120000" y="120000"/>
+                </a:lnTo>
+                <a:lnTo>
+                  <a:pt x="0" y="120000"/>
+                </a:lnTo>
+                <a:close/>
+              </a:path>
+            </a:pathLst>
+          </a:custGeom>
+        </p:spPr>
+      </p:sp>
+      <p:sp>
+        <p:nvSpPr>
+          <p:cNvPr id="478" name="Google Shape;478;g3821305c9e2_0_21:notes"/>
+          <p:cNvSpPr txBox="1"/>
+          <p:nvPr>
+            <p:ph idx="1" type="body"/>
+          </p:nvPr>
+        </p:nvSpPr>
+        <p:spPr>
+          <a:xfrm>
+            <a:off x="685800" y="4343400"/>
+            <a:ext cx="5486400" cy="4114800"/>
+          </a:xfrm>
+          <a:prstGeom prst="rect">
+            <a:avLst/>
+          </a:prstGeom>
+        </p:spPr>
+        <p:txBody>
+          <a:bodyPr anchorCtr="0" anchor="t" bIns="91425" lIns="91425" spcFirstLastPara="1" rIns="91425" wrap="square" tIns="91425">
+            <a:noAutofit/>
+          </a:bodyPr>
+          <a:lstStyle/>
+          <a:p>
+            <a:pPr indent="0" lvl="0" marL="0" rtl="0" algn="l">
+              <a:spcBef>
+                <a:spcPts val="0"/>
+              </a:spcBef>
+              <a:spcAft>
+                <a:spcPts val="0"/>
+              </a:spcAft>
+              <a:buNone/>
+            </a:pPr>
+            <a:r>
+              <a:t/>
+            </a:r>
+            <a:endParaRPr/>
+          </a:p>
+        </p:txBody>
+      </p:sp>
+    </p:spTree>
+  </p:cSld>
+  <p:clrMapOvr>
+    <a:masterClrMapping/>
+  </p:clrMapOvr>
+</p:notes>
+</file>
+
+<file path=ppt/notesSlides/notesSlide65.xml><?xml version="1.0" encoding="utf-8"?>
+<p:notes xmlns:a="http://schemas.openxmlformats.org/drawingml/2006/main" xmlns:r="http://schemas.openxmlformats.org/officeDocument/2006/relationships" xmlns:mc="http://schemas.openxmlformats.org/markup-compatibility/2006" xmlns:mv="urn:schemas-microsoft-com:mac:vml" xmlns:p="http://schemas.openxmlformats.org/presentationml/2006/main" xmlns:c="http://schemas.openxmlformats.org/drawingml/2006/chart" xmlns:dgm="http://schemas.openxmlformats.org/drawingml/2006/diagram" xmlns:o="urn:schemas-microsoft-com:office:office" xmlns:v="urn:schemas-microsoft-com:vml" xmlns:pvml="urn:schemas-microsoft-com:office:powerpoint" xmlns:com="http://schemas.openxmlformats.org/drawingml/2006/compatibility" xmlns:p14="http://schemas.microsoft.com/office/powerpoint/2010/main" xmlns:p15="http://schemas.microsoft.com/office/powerpoint/2012/main" xmlns:ahyp="http://schemas.microsoft.com/office/drawing/2018/hyperlinkcolor" showMasterPhAnim="0" showMasterSp="0">
+  <p:cSld>
+    <p:spTree>
+      <p:nvGrpSpPr>
+        <p:cNvPr id="482" name="Shape 482"/>
+        <p:cNvGrpSpPr/>
+        <p:nvPr/>
+      </p:nvGrpSpPr>
+      <p:grpSpPr>
+        <a:xfrm>
+          <a:off x="0" y="0"/>
+          <a:ext cx="0" cy="0"/>
+          <a:chOff x="0" y="0"/>
+          <a:chExt cx="0" cy="0"/>
+        </a:xfrm>
+      </p:grpSpPr>
+      <p:sp>
+        <p:nvSpPr>
+          <p:cNvPr id="483" name="Google Shape;483;g3821305c9e2_0_30:notes"/>
+          <p:cNvSpPr/>
+          <p:nvPr>
+            <p:ph idx="2" type="sldImg"/>
+          </p:nvPr>
+        </p:nvSpPr>
+        <p:spPr>
+          <a:xfrm>
+            <a:off x="381300" y="685800"/>
+            <a:ext cx="6096000" cy="3429000"/>
+          </a:xfrm>
+          <a:custGeom>
+            <a:rect b="b" l="l" r="r" t="t"/>
+            <a:pathLst>
+              <a:path extrusionOk="0" h="120000" w="120000">
+                <a:moveTo>
+                  <a:pt x="0" y="0"/>
+                </a:moveTo>
+                <a:lnTo>
+                  <a:pt x="120000" y="0"/>
+                </a:lnTo>
+                <a:lnTo>
+                  <a:pt x="120000" y="120000"/>
+                </a:lnTo>
+                <a:lnTo>
+                  <a:pt x="0" y="120000"/>
+                </a:lnTo>
+                <a:close/>
+              </a:path>
+            </a:pathLst>
+          </a:custGeom>
+        </p:spPr>
+      </p:sp>
+      <p:sp>
+        <p:nvSpPr>
+          <p:cNvPr id="484" name="Google Shape;484;g3821305c9e2_0_30:notes"/>
+          <p:cNvSpPr txBox="1"/>
+          <p:nvPr>
+            <p:ph idx="1" type="body"/>
+          </p:nvPr>
+        </p:nvSpPr>
+        <p:spPr>
+          <a:xfrm>
+            <a:off x="685800" y="4343400"/>
+            <a:ext cx="5486400" cy="4114800"/>
+          </a:xfrm>
+          <a:prstGeom prst="rect">
+            <a:avLst/>
+          </a:prstGeom>
+        </p:spPr>
+        <p:txBody>
+          <a:bodyPr anchorCtr="0" anchor="t" bIns="91425" lIns="91425" spcFirstLastPara="1" rIns="91425" wrap="square" tIns="91425">
+            <a:noAutofit/>
+          </a:bodyPr>
+          <a:lstStyle/>
+          <a:p>
+            <a:pPr indent="0" lvl="0" marL="0" rtl="0" algn="l">
+              <a:spcBef>
+                <a:spcPts val="0"/>
+              </a:spcBef>
+              <a:spcAft>
+                <a:spcPts val="0"/>
+              </a:spcAft>
+              <a:buNone/>
+            </a:pPr>
+            <a:r>
+              <a:t/>
+            </a:r>
+            <a:endParaRPr/>
+          </a:p>
+        </p:txBody>
+      </p:sp>
+    </p:spTree>
+  </p:cSld>
+  <p:clrMapOvr>
+    <a:masterClrMapping/>
+  </p:clrMapOvr>
+</p:notes>
+</file>
+
+<file path=ppt/notesSlides/notesSlide66.xml><?xml version="1.0" encoding="utf-8"?>
+<p:notes xmlns:a="http://schemas.openxmlformats.org/drawingml/2006/main" xmlns:r="http://schemas.openxmlformats.org/officeDocument/2006/relationships" xmlns:mc="http://schemas.openxmlformats.org/markup-compatibility/2006" xmlns:mv="urn:schemas-microsoft-com:mac:vml" xmlns:p="http://schemas.openxmlformats.org/presentationml/2006/main" xmlns:c="http://schemas.openxmlformats.org/drawingml/2006/chart" xmlns:dgm="http://schemas.openxmlformats.org/drawingml/2006/diagram" xmlns:o="urn:schemas-microsoft-com:office:office" xmlns:v="urn:schemas-microsoft-com:vml" xmlns:pvml="urn:schemas-microsoft-com:office:powerpoint" xmlns:com="http://schemas.openxmlformats.org/drawingml/2006/compatibility" xmlns:p14="http://schemas.microsoft.com/office/powerpoint/2010/main" xmlns:p15="http://schemas.microsoft.com/office/powerpoint/2012/main" xmlns:ahyp="http://schemas.microsoft.com/office/drawing/2018/hyperlinkcolor" showMasterPhAnim="0" showMasterSp="0">
+  <p:cSld>
+    <p:spTree>
+      <p:nvGrpSpPr>
+        <p:cNvPr id="488" name="Shape 488"/>
+        <p:cNvGrpSpPr/>
+        <p:nvPr/>
+      </p:nvGrpSpPr>
+      <p:grpSpPr>
+        <a:xfrm>
+          <a:off x="0" y="0"/>
+          <a:ext cx="0" cy="0"/>
+          <a:chOff x="0" y="0"/>
+          <a:chExt cx="0" cy="0"/>
+        </a:xfrm>
+      </p:grpSpPr>
+      <p:sp>
+        <p:nvSpPr>
+          <p:cNvPr id="489" name="Google Shape;489;g3821305c9e2_0_42:notes"/>
+          <p:cNvSpPr/>
+          <p:nvPr>
+            <p:ph idx="2" type="sldImg"/>
+          </p:nvPr>
+        </p:nvSpPr>
+        <p:spPr>
+          <a:xfrm>
+            <a:off x="381300" y="685800"/>
+            <a:ext cx="6096000" cy="3429000"/>
+          </a:xfrm>
+          <a:custGeom>
+            <a:rect b="b" l="l" r="r" t="t"/>
+            <a:pathLst>
+              <a:path extrusionOk="0" h="120000" w="120000">
+                <a:moveTo>
+                  <a:pt x="0" y="0"/>
+                </a:moveTo>
+                <a:lnTo>
+                  <a:pt x="120000" y="0"/>
+                </a:lnTo>
+                <a:lnTo>
+                  <a:pt x="120000" y="120000"/>
+                </a:lnTo>
+                <a:lnTo>
+                  <a:pt x="0" y="120000"/>
+                </a:lnTo>
+                <a:close/>
+              </a:path>
+            </a:pathLst>
+          </a:custGeom>
+        </p:spPr>
+      </p:sp>
+      <p:sp>
+        <p:nvSpPr>
+          <p:cNvPr id="490" name="Google Shape;490;g3821305c9e2_0_42:notes"/>
+          <p:cNvSpPr txBox="1"/>
+          <p:nvPr>
+            <p:ph idx="1" type="body"/>
+          </p:nvPr>
+        </p:nvSpPr>
+        <p:spPr>
+          <a:xfrm>
+            <a:off x="685800" y="4343400"/>
+            <a:ext cx="5486400" cy="4114800"/>
+          </a:xfrm>
+          <a:prstGeom prst="rect">
+            <a:avLst/>
+          </a:prstGeom>
+        </p:spPr>
+        <p:txBody>
+          <a:bodyPr anchorCtr="0" anchor="t" bIns="91425" lIns="91425" spcFirstLastPara="1" rIns="91425" wrap="square" tIns="91425">
+            <a:noAutofit/>
+          </a:bodyPr>
+          <a:lstStyle/>
+          <a:p>
+            <a:pPr indent="0" lvl="0" marL="0" rtl="0" algn="l">
+              <a:spcBef>
+                <a:spcPts val="0"/>
+              </a:spcBef>
+              <a:spcAft>
+                <a:spcPts val="0"/>
+              </a:spcAft>
+              <a:buNone/>
+            </a:pPr>
+            <a:r>
+              <a:t/>
+            </a:r>
+            <a:endParaRPr/>
+          </a:p>
+        </p:txBody>
+      </p:sp>
+    </p:spTree>
+  </p:cSld>
+  <p:clrMapOvr>
+    <a:masterClrMapping/>
+  </p:clrMapOvr>
+</p:notes>
+</file>
+
+<file path=ppt/notesSlides/notesSlide67.xml><?xml version="1.0" encoding="utf-8"?>
+<p:notes xmlns:a="http://schemas.openxmlformats.org/drawingml/2006/main" xmlns:r="http://schemas.openxmlformats.org/officeDocument/2006/relationships" xmlns:mc="http://schemas.openxmlformats.org/markup-compatibility/2006" xmlns:mv="urn:schemas-microsoft-com:mac:vml" xmlns:p="http://schemas.openxmlformats.org/presentationml/2006/main" xmlns:c="http://schemas.openxmlformats.org/drawingml/2006/chart" xmlns:dgm="http://schemas.openxmlformats.org/drawingml/2006/diagram" xmlns:o="urn:schemas-microsoft-com:office:office" xmlns:v="urn:schemas-microsoft-com:vml" xmlns:pvml="urn:schemas-microsoft-com:office:powerpoint" xmlns:com="http://schemas.openxmlformats.org/drawingml/2006/compatibility" xmlns:p14="http://schemas.microsoft.com/office/powerpoint/2010/main" xmlns:p15="http://schemas.microsoft.com/office/powerpoint/2012/main" xmlns:ahyp="http://schemas.microsoft.com/office/drawing/2018/hyperlinkcolor" showMasterPhAnim="0" showMasterSp="0">
+  <p:cSld>
+    <p:spTree>
+      <p:nvGrpSpPr>
+        <p:cNvPr id="494" name="Shape 494"/>
+        <p:cNvGrpSpPr/>
+        <p:nvPr/>
+      </p:nvGrpSpPr>
+      <p:grpSpPr>
+        <a:xfrm>
+          <a:off x="0" y="0"/>
+          <a:ext cx="0" cy="0"/>
+          <a:chOff x="0" y="0"/>
+          <a:chExt cx="0" cy="0"/>
+        </a:xfrm>
+      </p:grpSpPr>
+      <p:sp>
+        <p:nvSpPr>
+          <p:cNvPr id="495" name="Google Shape;495;g3821305c9e2_0_48:notes"/>
+          <p:cNvSpPr/>
+          <p:nvPr>
+            <p:ph idx="2" type="sldImg"/>
+          </p:nvPr>
+        </p:nvSpPr>
+        <p:spPr>
+          <a:xfrm>
+            <a:off x="381300" y="685800"/>
+            <a:ext cx="6096000" cy="3429000"/>
+          </a:xfrm>
+          <a:custGeom>
+            <a:rect b="b" l="l" r="r" t="t"/>
+            <a:pathLst>
+              <a:path extrusionOk="0" h="120000" w="120000">
+                <a:moveTo>
+                  <a:pt x="0" y="0"/>
+                </a:moveTo>
+                <a:lnTo>
+                  <a:pt x="120000" y="0"/>
+                </a:lnTo>
+                <a:lnTo>
+                  <a:pt x="120000" y="120000"/>
+                </a:lnTo>
+                <a:lnTo>
+                  <a:pt x="0" y="120000"/>
+                </a:lnTo>
+                <a:close/>
+              </a:path>
+            </a:pathLst>
+          </a:custGeom>
+        </p:spPr>
+      </p:sp>
+      <p:sp>
+        <p:nvSpPr>
+          <p:cNvPr id="496" name="Google Shape;496;g3821305c9e2_0_48:notes"/>
           <p:cNvSpPr txBox="1"/>
           <p:nvPr>
             <p:ph idx="1" type="body"/>
@@ -27451,7 +28251,7 @@
             <a:tbl>
               <a:tblPr>
                 <a:noFill/>
-                <a:tableStyleId>{2D140946-5535-4F6A-A295-BC2D0843A784}</a:tableStyleId>
+                <a:tableStyleId>{6F8C872C-5506-4483-B3A0-E3DF3634D3A8}</a:tableStyleId>
               </a:tblPr>
               <a:tblGrid>
                 <a:gridCol w="2413000"/>
@@ -27697,7 +28497,7 @@
             <a:tbl>
               <a:tblPr>
                 <a:noFill/>
-                <a:tableStyleId>{2D140946-5535-4F6A-A295-BC2D0843A784}</a:tableStyleId>
+                <a:tableStyleId>{6F8C872C-5506-4483-B3A0-E3DF3634D3A8}</a:tableStyleId>
               </a:tblPr>
               <a:tblGrid>
                 <a:gridCol w="2413000"/>
@@ -32381,6 +33181,2821 @@
           </a:ln>
         </p:spPr>
       </p:pic>
+    </p:spTree>
+  </p:cSld>
+  <p:clrMapOvr>
+    <a:masterClrMapping/>
+  </p:clrMapOvr>
+</p:sld>
+</file>
+
+<file path=ppt/slides/slide60.xml><?xml version="1.0" encoding="utf-8"?>
+<p:sld xmlns:a="http://schemas.openxmlformats.org/drawingml/2006/main" xmlns:r="http://schemas.openxmlformats.org/officeDocument/2006/relationships" xmlns:mc="http://schemas.openxmlformats.org/markup-compatibility/2006" xmlns:mv="urn:schemas-microsoft-com:mac:vml" xmlns:p="http://schemas.openxmlformats.org/presentationml/2006/main" xmlns:c="http://schemas.openxmlformats.org/drawingml/2006/chart" xmlns:dgm="http://schemas.openxmlformats.org/drawingml/2006/diagram" xmlns:o="urn:schemas-microsoft-com:office:office" xmlns:v="urn:schemas-microsoft-com:vml" xmlns:pvml="urn:schemas-microsoft-com:office:powerpoint" xmlns:com="http://schemas.openxmlformats.org/drawingml/2006/compatibility" xmlns:p14="http://schemas.microsoft.com/office/powerpoint/2010/main" xmlns:p15="http://schemas.microsoft.com/office/powerpoint/2012/main" xmlns:ahyp="http://schemas.microsoft.com/office/drawing/2018/hyperlinkcolor">
+  <p:cSld>
+    <p:spTree>
+      <p:nvGrpSpPr>
+        <p:cNvPr id="455" name="Shape 455"/>
+        <p:cNvGrpSpPr/>
+        <p:nvPr/>
+      </p:nvGrpSpPr>
+      <p:grpSpPr>
+        <a:xfrm>
+          <a:off x="0" y="0"/>
+          <a:ext cx="0" cy="0"/>
+          <a:chOff x="0" y="0"/>
+          <a:chExt cx="0" cy="0"/>
+        </a:xfrm>
+      </p:grpSpPr>
+      <p:sp>
+        <p:nvSpPr>
+          <p:cNvPr id="456" name="Google Shape;456;p72"/>
+          <p:cNvSpPr txBox="1"/>
+          <p:nvPr>
+            <p:ph type="title"/>
+          </p:nvPr>
+        </p:nvSpPr>
+        <p:spPr>
+          <a:xfrm>
+            <a:off x="729450" y="1318650"/>
+            <a:ext cx="7688700" cy="535200"/>
+          </a:xfrm>
+          <a:prstGeom prst="rect">
+            <a:avLst/>
+          </a:prstGeom>
+        </p:spPr>
+        <p:txBody>
+          <a:bodyPr anchorCtr="0" anchor="t" bIns="91425" lIns="91425" spcFirstLastPara="1" rIns="91425" wrap="square" tIns="91425">
+            <a:noAutofit/>
+          </a:bodyPr>
+          <a:lstStyle/>
+          <a:p>
+            <a:pPr indent="0" lvl="0" marL="0" rtl="0" algn="l">
+              <a:spcBef>
+                <a:spcPts val="0"/>
+              </a:spcBef>
+              <a:spcAft>
+                <a:spcPts val="0"/>
+              </a:spcAft>
+              <a:buNone/>
+            </a:pPr>
+            <a:r>
+              <a:rPr lang="pl" sz="2400">
+                <a:solidFill>
+                  <a:srgbClr val="001D35"/>
+                </a:solidFill>
+                <a:highlight>
+                  <a:srgbClr val="FFFFFF"/>
+                </a:highlight>
+                <a:latin typeface="Tahoma"/>
+                <a:ea typeface="Tahoma"/>
+                <a:cs typeface="Tahoma"/>
+                <a:sym typeface="Tahoma"/>
+              </a:rPr>
+              <a:t>Sieć komputerowa</a:t>
+            </a:r>
+            <a:endParaRPr sz="2400">
+              <a:latin typeface="Tahoma"/>
+              <a:ea typeface="Tahoma"/>
+              <a:cs typeface="Tahoma"/>
+              <a:sym typeface="Tahoma"/>
+            </a:endParaRPr>
+          </a:p>
+        </p:txBody>
+      </p:sp>
+      <p:sp>
+        <p:nvSpPr>
+          <p:cNvPr id="457" name="Google Shape;457;p72"/>
+          <p:cNvSpPr txBox="1"/>
+          <p:nvPr>
+            <p:ph idx="1" type="body"/>
+          </p:nvPr>
+        </p:nvSpPr>
+        <p:spPr>
+          <a:xfrm>
+            <a:off x="729450" y="2078875"/>
+            <a:ext cx="7688700" cy="2261100"/>
+          </a:xfrm>
+          <a:prstGeom prst="rect">
+            <a:avLst/>
+          </a:prstGeom>
+        </p:spPr>
+        <p:txBody>
+          <a:bodyPr anchorCtr="0" anchor="t" bIns="91425" lIns="91425" spcFirstLastPara="1" rIns="91425" wrap="square" tIns="91425">
+            <a:normAutofit/>
+          </a:bodyPr>
+          <a:lstStyle/>
+          <a:p>
+            <a:pPr indent="0" lvl="0" marL="0" rtl="0" algn="l">
+              <a:spcBef>
+                <a:spcPts val="0"/>
+              </a:spcBef>
+              <a:spcAft>
+                <a:spcPts val="1200"/>
+              </a:spcAft>
+              <a:buNone/>
+            </a:pPr>
+            <a:r>
+              <a:rPr lang="pl" sz="1800">
+                <a:solidFill>
+                  <a:srgbClr val="001D35"/>
+                </a:solidFill>
+                <a:highlight>
+                  <a:srgbClr val="FFFFFF"/>
+                </a:highlight>
+                <a:latin typeface="Tahoma"/>
+                <a:ea typeface="Tahoma"/>
+                <a:cs typeface="Tahoma"/>
+                <a:sym typeface="Tahoma"/>
+              </a:rPr>
+              <a:t>to </a:t>
+            </a:r>
+            <a:r>
+              <a:rPr b="1" lang="pl" sz="1800">
+                <a:solidFill>
+                  <a:srgbClr val="001D35"/>
+                </a:solidFill>
+                <a:highlight>
+                  <a:srgbClr val="FFFFFF"/>
+                </a:highlight>
+                <a:latin typeface="Tahoma"/>
+                <a:ea typeface="Tahoma"/>
+                <a:cs typeface="Tahoma"/>
+                <a:sym typeface="Tahoma"/>
+              </a:rPr>
+              <a:t>system połączonych ze sobą urządzeń</a:t>
+            </a:r>
+            <a:r>
+              <a:rPr lang="pl" sz="1800">
+                <a:solidFill>
+                  <a:srgbClr val="001D35"/>
+                </a:solidFill>
+                <a:highlight>
+                  <a:srgbClr val="FFFFFF"/>
+                </a:highlight>
+                <a:latin typeface="Tahoma"/>
+                <a:ea typeface="Tahoma"/>
+                <a:cs typeface="Tahoma"/>
+                <a:sym typeface="Tahoma"/>
+              </a:rPr>
+              <a:t> (np. komputerów, drukarek), które </a:t>
+            </a:r>
+            <a:r>
+              <a:rPr b="1" lang="pl" sz="1800">
+                <a:solidFill>
+                  <a:srgbClr val="001D35"/>
+                </a:solidFill>
+                <a:highlight>
+                  <a:srgbClr val="FFFFFF"/>
+                </a:highlight>
+                <a:latin typeface="Tahoma"/>
+                <a:ea typeface="Tahoma"/>
+                <a:cs typeface="Tahoma"/>
+                <a:sym typeface="Tahoma"/>
+              </a:rPr>
+              <a:t>umożliwiają wymianę danych i zasobów</a:t>
+            </a:r>
+            <a:r>
+              <a:rPr lang="pl" sz="1800">
+                <a:solidFill>
+                  <a:srgbClr val="001D35"/>
+                </a:solidFill>
+                <a:highlight>
+                  <a:srgbClr val="FFFFFF"/>
+                </a:highlight>
+                <a:latin typeface="Tahoma"/>
+                <a:ea typeface="Tahoma"/>
+                <a:cs typeface="Tahoma"/>
+                <a:sym typeface="Tahoma"/>
+              </a:rPr>
+              <a:t>, takie jak pliki, drukarki czy dostęp do internetu. Kluczowe technologie sieciowe to media transmisyjne, protokoły komunikacyjne, routery i interfejsy sieciowe</a:t>
+            </a:r>
+            <a:endParaRPr sz="1900">
+              <a:latin typeface="Tahoma"/>
+              <a:ea typeface="Tahoma"/>
+              <a:cs typeface="Tahoma"/>
+              <a:sym typeface="Tahoma"/>
+            </a:endParaRPr>
+          </a:p>
+        </p:txBody>
+      </p:sp>
+    </p:spTree>
+  </p:cSld>
+  <p:clrMapOvr>
+    <a:masterClrMapping/>
+  </p:clrMapOvr>
+</p:sld>
+</file>
+
+<file path=ppt/slides/slide61.xml><?xml version="1.0" encoding="utf-8"?>
+<p:sld xmlns:a="http://schemas.openxmlformats.org/drawingml/2006/main" xmlns:r="http://schemas.openxmlformats.org/officeDocument/2006/relationships" xmlns:mc="http://schemas.openxmlformats.org/markup-compatibility/2006" xmlns:mv="urn:schemas-microsoft-com:mac:vml" xmlns:p="http://schemas.openxmlformats.org/presentationml/2006/main" xmlns:c="http://schemas.openxmlformats.org/drawingml/2006/chart" xmlns:dgm="http://schemas.openxmlformats.org/drawingml/2006/diagram" xmlns:o="urn:schemas-microsoft-com:office:office" xmlns:v="urn:schemas-microsoft-com:vml" xmlns:pvml="urn:schemas-microsoft-com:office:powerpoint" xmlns:com="http://schemas.openxmlformats.org/drawingml/2006/compatibility" xmlns:p14="http://schemas.microsoft.com/office/powerpoint/2010/main" xmlns:p15="http://schemas.microsoft.com/office/powerpoint/2012/main" xmlns:ahyp="http://schemas.microsoft.com/office/drawing/2018/hyperlinkcolor">
+  <p:cSld>
+    <p:spTree>
+      <p:nvGrpSpPr>
+        <p:cNvPr id="461" name="Shape 461"/>
+        <p:cNvGrpSpPr/>
+        <p:nvPr/>
+      </p:nvGrpSpPr>
+      <p:grpSpPr>
+        <a:xfrm>
+          <a:off x="0" y="0"/>
+          <a:ext cx="0" cy="0"/>
+          <a:chOff x="0" y="0"/>
+          <a:chExt cx="0" cy="0"/>
+        </a:xfrm>
+      </p:grpSpPr>
+      <p:sp>
+        <p:nvSpPr>
+          <p:cNvPr id="462" name="Google Shape;462;p73"/>
+          <p:cNvSpPr txBox="1"/>
+          <p:nvPr>
+            <p:ph type="title"/>
+          </p:nvPr>
+        </p:nvSpPr>
+        <p:spPr>
+          <a:xfrm>
+            <a:off x="729450" y="1318650"/>
+            <a:ext cx="7688700" cy="535200"/>
+          </a:xfrm>
+          <a:prstGeom prst="rect">
+            <a:avLst/>
+          </a:prstGeom>
+        </p:spPr>
+        <p:txBody>
+          <a:bodyPr anchorCtr="0" anchor="t" bIns="91425" lIns="91425" spcFirstLastPara="1" rIns="91425" wrap="square" tIns="91425">
+            <a:noAutofit/>
+          </a:bodyPr>
+          <a:lstStyle/>
+          <a:p>
+            <a:pPr indent="0" lvl="0" marL="0" rtl="0" algn="l">
+              <a:spcBef>
+                <a:spcPts val="0"/>
+              </a:spcBef>
+              <a:spcAft>
+                <a:spcPts val="0"/>
+              </a:spcAft>
+              <a:buNone/>
+            </a:pPr>
+            <a:r>
+              <a:rPr lang="pl" sz="2400">
+                <a:solidFill>
+                  <a:srgbClr val="001D35"/>
+                </a:solidFill>
+                <a:highlight>
+                  <a:srgbClr val="FFFFFF"/>
+                </a:highlight>
+                <a:latin typeface="Tahoma"/>
+                <a:ea typeface="Tahoma"/>
+                <a:cs typeface="Tahoma"/>
+                <a:sym typeface="Tahoma"/>
+              </a:rPr>
+              <a:t> Sieci klasyfikuje się ze względu na zasięg</a:t>
+            </a:r>
+            <a:endParaRPr sz="3800">
+              <a:latin typeface="Tahoma"/>
+              <a:ea typeface="Tahoma"/>
+              <a:cs typeface="Tahoma"/>
+              <a:sym typeface="Tahoma"/>
+            </a:endParaRPr>
+          </a:p>
+        </p:txBody>
+      </p:sp>
+      <p:sp>
+        <p:nvSpPr>
+          <p:cNvPr id="463" name="Google Shape;463;p73"/>
+          <p:cNvSpPr txBox="1"/>
+          <p:nvPr>
+            <p:ph idx="1" type="body"/>
+          </p:nvPr>
+        </p:nvSpPr>
+        <p:spPr>
+          <a:xfrm>
+            <a:off x="729450" y="2078875"/>
+            <a:ext cx="7688700" cy="2261100"/>
+          </a:xfrm>
+          <a:prstGeom prst="rect">
+            <a:avLst/>
+          </a:prstGeom>
+        </p:spPr>
+        <p:txBody>
+          <a:bodyPr anchorCtr="0" anchor="t" bIns="91425" lIns="91425" spcFirstLastPara="1" rIns="91425" wrap="square" tIns="91425">
+            <a:normAutofit lnSpcReduction="10000"/>
+          </a:bodyPr>
+          <a:lstStyle/>
+          <a:p>
+            <a:pPr indent="-336550" lvl="0" marL="457200" rtl="0" algn="l">
+              <a:spcBef>
+                <a:spcPts val="0"/>
+              </a:spcBef>
+              <a:spcAft>
+                <a:spcPts val="0"/>
+              </a:spcAft>
+              <a:buClr>
+                <a:srgbClr val="171717"/>
+              </a:buClr>
+              <a:buSzPts val="1700"/>
+              <a:buFont typeface="Tahoma"/>
+              <a:buChar char="●"/>
+            </a:pPr>
+            <a:r>
+              <a:rPr lang="pl" sz="1700">
+                <a:solidFill>
+                  <a:srgbClr val="0B5394"/>
+                </a:solidFill>
+                <a:uFill>
+                  <a:noFill/>
+                </a:uFill>
+                <a:latin typeface="Tahoma"/>
+                <a:ea typeface="Tahoma"/>
+                <a:cs typeface="Tahoma"/>
+                <a:sym typeface="Tahoma"/>
+                <a:hlinkClick r:id="rId3">
+                  <a:extLst>
+                    <a:ext uri="{A12FA001-AC4F-418D-AE19-62706E023703}">
+                      <ahyp:hlinkClr val="tx"/>
+                    </a:ext>
+                  </a:extLst>
+                </a:hlinkClick>
+              </a:rPr>
+              <a:t>LAN</a:t>
+            </a:r>
+            <a:r>
+              <a:rPr lang="pl" sz="1700">
+                <a:solidFill>
+                  <a:srgbClr val="0B5394"/>
+                </a:solidFill>
+                <a:latin typeface="Tahoma"/>
+                <a:ea typeface="Tahoma"/>
+                <a:cs typeface="Tahoma"/>
+                <a:sym typeface="Tahoma"/>
+              </a:rPr>
+              <a:t> </a:t>
+            </a:r>
+            <a:r>
+              <a:rPr lang="pl" sz="1700">
+                <a:solidFill>
+                  <a:srgbClr val="171717"/>
+                </a:solidFill>
+                <a:latin typeface="Tahoma"/>
+                <a:ea typeface="Tahoma"/>
+                <a:cs typeface="Tahoma"/>
+                <a:sym typeface="Tahoma"/>
+              </a:rPr>
+              <a:t>(Local Area Network): Sieć lokalna, ograniczona do małego obszaru, np. biura, szkoły lub domu. </a:t>
+            </a:r>
+            <a:endParaRPr sz="1700">
+              <a:solidFill>
+                <a:srgbClr val="171717"/>
+              </a:solidFill>
+              <a:latin typeface="Tahoma"/>
+              <a:ea typeface="Tahoma"/>
+              <a:cs typeface="Tahoma"/>
+              <a:sym typeface="Tahoma"/>
+            </a:endParaRPr>
+          </a:p>
+          <a:p>
+            <a:pPr indent="-336550" lvl="0" marL="457200" rtl="0" algn="l">
+              <a:spcBef>
+                <a:spcPts val="0"/>
+              </a:spcBef>
+              <a:spcAft>
+                <a:spcPts val="0"/>
+              </a:spcAft>
+              <a:buClr>
+                <a:srgbClr val="171717"/>
+              </a:buClr>
+              <a:buSzPts val="1700"/>
+              <a:buFont typeface="Tahoma"/>
+              <a:buChar char="●"/>
+            </a:pPr>
+            <a:r>
+              <a:rPr lang="pl" sz="1700">
+                <a:solidFill>
+                  <a:srgbClr val="0B5394"/>
+                </a:solidFill>
+                <a:uFill>
+                  <a:noFill/>
+                </a:uFill>
+                <a:latin typeface="Tahoma"/>
+                <a:ea typeface="Tahoma"/>
+                <a:cs typeface="Tahoma"/>
+                <a:sym typeface="Tahoma"/>
+                <a:hlinkClick r:id="rId4">
+                  <a:extLst>
+                    <a:ext uri="{A12FA001-AC4F-418D-AE19-62706E023703}">
+                      <ahyp:hlinkClr val="tx"/>
+                    </a:ext>
+                  </a:extLst>
+                </a:hlinkClick>
+              </a:rPr>
+              <a:t>MAN</a:t>
+            </a:r>
+            <a:r>
+              <a:rPr lang="pl" sz="1700">
+                <a:solidFill>
+                  <a:srgbClr val="0B5394"/>
+                </a:solidFill>
+                <a:latin typeface="Tahoma"/>
+                <a:ea typeface="Tahoma"/>
+                <a:cs typeface="Tahoma"/>
+                <a:sym typeface="Tahoma"/>
+              </a:rPr>
+              <a:t> </a:t>
+            </a:r>
+            <a:r>
+              <a:rPr lang="pl" sz="1700">
+                <a:solidFill>
+                  <a:srgbClr val="171717"/>
+                </a:solidFill>
+                <a:latin typeface="Tahoma"/>
+                <a:ea typeface="Tahoma"/>
+                <a:cs typeface="Tahoma"/>
+                <a:sym typeface="Tahoma"/>
+              </a:rPr>
+              <a:t>(Metropolitan Area Network): Sieć miejska, która obejmuje swoim zasięgiem miasto. </a:t>
+            </a:r>
+            <a:endParaRPr sz="1700">
+              <a:solidFill>
+                <a:srgbClr val="171717"/>
+              </a:solidFill>
+              <a:latin typeface="Tahoma"/>
+              <a:ea typeface="Tahoma"/>
+              <a:cs typeface="Tahoma"/>
+              <a:sym typeface="Tahoma"/>
+            </a:endParaRPr>
+          </a:p>
+          <a:p>
+            <a:pPr indent="-336550" lvl="0" marL="457200" rtl="0" algn="l">
+              <a:spcBef>
+                <a:spcPts val="0"/>
+              </a:spcBef>
+              <a:spcAft>
+                <a:spcPts val="0"/>
+              </a:spcAft>
+              <a:buClr>
+                <a:srgbClr val="171717"/>
+              </a:buClr>
+              <a:buSzPts val="1700"/>
+              <a:buFont typeface="Tahoma"/>
+              <a:buChar char="●"/>
+            </a:pPr>
+            <a:r>
+              <a:rPr lang="pl" sz="1700">
+                <a:solidFill>
+                  <a:srgbClr val="0B5394"/>
+                </a:solidFill>
+                <a:uFill>
+                  <a:noFill/>
+                </a:uFill>
+                <a:latin typeface="Tahoma"/>
+                <a:ea typeface="Tahoma"/>
+                <a:cs typeface="Tahoma"/>
+                <a:sym typeface="Tahoma"/>
+                <a:hlinkClick r:id="rId5">
+                  <a:extLst>
+                    <a:ext uri="{A12FA001-AC4F-418D-AE19-62706E023703}">
+                      <ahyp:hlinkClr val="tx"/>
+                    </a:ext>
+                  </a:extLst>
+                </a:hlinkClick>
+              </a:rPr>
+              <a:t>WAN</a:t>
+            </a:r>
+            <a:r>
+              <a:rPr lang="pl" sz="1700">
+                <a:solidFill>
+                  <a:srgbClr val="0B5394"/>
+                </a:solidFill>
+                <a:latin typeface="Tahoma"/>
+                <a:ea typeface="Tahoma"/>
+                <a:cs typeface="Tahoma"/>
+                <a:sym typeface="Tahoma"/>
+              </a:rPr>
+              <a:t> </a:t>
+            </a:r>
+            <a:r>
+              <a:rPr lang="pl" sz="1700">
+                <a:solidFill>
+                  <a:srgbClr val="171717"/>
+                </a:solidFill>
+                <a:latin typeface="Tahoma"/>
+                <a:ea typeface="Tahoma"/>
+                <a:cs typeface="Tahoma"/>
+                <a:sym typeface="Tahoma"/>
+              </a:rPr>
+              <a:t>(Wide Area Network): Sieć rozległa, obejmująca duży obszar geograficzny, np. Internet. </a:t>
+            </a:r>
+            <a:endParaRPr sz="1600">
+              <a:solidFill>
+                <a:srgbClr val="171717"/>
+              </a:solidFill>
+              <a:highlight>
+                <a:srgbClr val="FFFFFF"/>
+              </a:highlight>
+              <a:latin typeface="Tahoma"/>
+              <a:ea typeface="Tahoma"/>
+              <a:cs typeface="Tahoma"/>
+              <a:sym typeface="Tahoma"/>
+            </a:endParaRPr>
+          </a:p>
+          <a:p>
+            <a:pPr indent="0" lvl="0" marL="0" rtl="0" algn="l">
+              <a:spcBef>
+                <a:spcPts val="1200"/>
+              </a:spcBef>
+              <a:spcAft>
+                <a:spcPts val="1200"/>
+              </a:spcAft>
+              <a:buNone/>
+            </a:pPr>
+            <a:r>
+              <a:t/>
+            </a:r>
+            <a:endParaRPr/>
+          </a:p>
+        </p:txBody>
+      </p:sp>
+    </p:spTree>
+  </p:cSld>
+  <p:clrMapOvr>
+    <a:masterClrMapping/>
+  </p:clrMapOvr>
+</p:sld>
+</file>
+
+<file path=ppt/slides/slide62.xml><?xml version="1.0" encoding="utf-8"?>
+<p:sld xmlns:a="http://schemas.openxmlformats.org/drawingml/2006/main" xmlns:r="http://schemas.openxmlformats.org/officeDocument/2006/relationships" xmlns:mc="http://schemas.openxmlformats.org/markup-compatibility/2006" xmlns:mv="urn:schemas-microsoft-com:mac:vml" xmlns:p="http://schemas.openxmlformats.org/presentationml/2006/main" xmlns:c="http://schemas.openxmlformats.org/drawingml/2006/chart" xmlns:dgm="http://schemas.openxmlformats.org/drawingml/2006/diagram" xmlns:o="urn:schemas-microsoft-com:office:office" xmlns:v="urn:schemas-microsoft-com:vml" xmlns:pvml="urn:schemas-microsoft-com:office:powerpoint" xmlns:com="http://schemas.openxmlformats.org/drawingml/2006/compatibility" xmlns:p14="http://schemas.microsoft.com/office/powerpoint/2010/main" xmlns:p15="http://schemas.microsoft.com/office/powerpoint/2012/main" xmlns:ahyp="http://schemas.microsoft.com/office/drawing/2018/hyperlinkcolor">
+  <p:cSld>
+    <p:spTree>
+      <p:nvGrpSpPr>
+        <p:cNvPr id="467" name="Shape 467"/>
+        <p:cNvGrpSpPr/>
+        <p:nvPr/>
+      </p:nvGrpSpPr>
+      <p:grpSpPr>
+        <a:xfrm>
+          <a:off x="0" y="0"/>
+          <a:ext cx="0" cy="0"/>
+          <a:chOff x="0" y="0"/>
+          <a:chExt cx="0" cy="0"/>
+        </a:xfrm>
+      </p:grpSpPr>
+      <p:sp>
+        <p:nvSpPr>
+          <p:cNvPr id="468" name="Google Shape;468;p74"/>
+          <p:cNvSpPr txBox="1"/>
+          <p:nvPr>
+            <p:ph type="title"/>
+          </p:nvPr>
+        </p:nvSpPr>
+        <p:spPr>
+          <a:xfrm>
+            <a:off x="729450" y="1318650"/>
+            <a:ext cx="7688700" cy="535200"/>
+          </a:xfrm>
+          <a:prstGeom prst="rect">
+            <a:avLst/>
+          </a:prstGeom>
+        </p:spPr>
+        <p:txBody>
+          <a:bodyPr anchorCtr="0" anchor="t" bIns="91425" lIns="91425" spcFirstLastPara="1" rIns="91425" wrap="square" tIns="91425">
+            <a:noAutofit/>
+          </a:bodyPr>
+          <a:lstStyle/>
+          <a:p>
+            <a:pPr indent="0" lvl="0" marL="0" rtl="0" algn="l">
+              <a:spcBef>
+                <a:spcPts val="0"/>
+              </a:spcBef>
+              <a:spcAft>
+                <a:spcPts val="0"/>
+              </a:spcAft>
+              <a:buNone/>
+            </a:pPr>
+            <a:r>
+              <a:rPr lang="pl" sz="2400">
+                <a:solidFill>
+                  <a:srgbClr val="001D35"/>
+                </a:solidFill>
+                <a:highlight>
+                  <a:srgbClr val="FFFFFF"/>
+                </a:highlight>
+                <a:latin typeface="Tahoma"/>
+                <a:ea typeface="Tahoma"/>
+                <a:cs typeface="Tahoma"/>
+                <a:sym typeface="Tahoma"/>
+              </a:rPr>
+              <a:t>LAN (Local Area Network) – Sieć lokalna</a:t>
+            </a:r>
+            <a:endParaRPr sz="2400">
+              <a:solidFill>
+                <a:srgbClr val="001D35"/>
+              </a:solidFill>
+              <a:highlight>
+                <a:srgbClr val="FFFFFF"/>
+              </a:highlight>
+              <a:latin typeface="Tahoma"/>
+              <a:ea typeface="Tahoma"/>
+              <a:cs typeface="Tahoma"/>
+              <a:sym typeface="Tahoma"/>
+            </a:endParaRPr>
+          </a:p>
+          <a:p>
+            <a:pPr indent="0" lvl="0" marL="0" rtl="0" algn="l">
+              <a:spcBef>
+                <a:spcPts val="0"/>
+              </a:spcBef>
+              <a:spcAft>
+                <a:spcPts val="0"/>
+              </a:spcAft>
+              <a:buNone/>
+            </a:pPr>
+            <a:r>
+              <a:t/>
+            </a:r>
+            <a:endParaRPr sz="2400">
+              <a:solidFill>
+                <a:srgbClr val="001D35"/>
+              </a:solidFill>
+              <a:highlight>
+                <a:srgbClr val="FFFFFF"/>
+              </a:highlight>
+              <a:latin typeface="Tahoma"/>
+              <a:ea typeface="Tahoma"/>
+              <a:cs typeface="Tahoma"/>
+              <a:sym typeface="Tahoma"/>
+            </a:endParaRPr>
+          </a:p>
+        </p:txBody>
+      </p:sp>
+      <p:sp>
+        <p:nvSpPr>
+          <p:cNvPr id="469" name="Google Shape;469;p74"/>
+          <p:cNvSpPr txBox="1"/>
+          <p:nvPr>
+            <p:ph idx="1" type="body"/>
+          </p:nvPr>
+        </p:nvSpPr>
+        <p:spPr>
+          <a:xfrm>
+            <a:off x="729450" y="2078875"/>
+            <a:ext cx="7688700" cy="2972400"/>
+          </a:xfrm>
+          <a:prstGeom prst="rect">
+            <a:avLst/>
+          </a:prstGeom>
+        </p:spPr>
+        <p:txBody>
+          <a:bodyPr anchorCtr="0" anchor="t" bIns="91425" lIns="91425" spcFirstLastPara="1" rIns="91425" wrap="square" tIns="91425">
+            <a:normAutofit/>
+          </a:bodyPr>
+          <a:lstStyle/>
+          <a:p>
+            <a:pPr indent="0" lvl="0" marL="0" rtl="0" algn="l">
+              <a:spcBef>
+                <a:spcPts val="0"/>
+              </a:spcBef>
+              <a:spcAft>
+                <a:spcPts val="0"/>
+              </a:spcAft>
+              <a:buNone/>
+            </a:pPr>
+            <a:r>
+              <a:rPr lang="pl" sz="1500">
+                <a:solidFill>
+                  <a:srgbClr val="171717"/>
+                </a:solidFill>
+                <a:latin typeface="Tahoma"/>
+                <a:ea typeface="Tahoma"/>
+                <a:cs typeface="Tahoma"/>
+                <a:sym typeface="Tahoma"/>
+              </a:rPr>
+              <a:t>Sieć lokalna, to sieć komputerowa</a:t>
+            </a:r>
+            <a:r>
+              <a:rPr b="1" lang="pl" sz="1500">
+                <a:solidFill>
+                  <a:srgbClr val="171717"/>
+                </a:solidFill>
+                <a:latin typeface="Tahoma"/>
+                <a:ea typeface="Tahoma"/>
+                <a:cs typeface="Tahoma"/>
+                <a:sym typeface="Tahoma"/>
+              </a:rPr>
+              <a:t> łącząca urządzenia na ograniczonym obszarze</a:t>
+            </a:r>
+            <a:r>
+              <a:rPr lang="pl" sz="1500">
+                <a:solidFill>
+                  <a:srgbClr val="171717"/>
+                </a:solidFill>
+                <a:latin typeface="Tahoma"/>
+                <a:ea typeface="Tahoma"/>
+                <a:cs typeface="Tahoma"/>
+                <a:sym typeface="Tahoma"/>
+              </a:rPr>
+              <a:t>, takim jak dom, biuro czy szkoła. </a:t>
+            </a:r>
+            <a:endParaRPr sz="1500">
+              <a:solidFill>
+                <a:srgbClr val="171717"/>
+              </a:solidFill>
+              <a:latin typeface="Tahoma"/>
+              <a:ea typeface="Tahoma"/>
+              <a:cs typeface="Tahoma"/>
+              <a:sym typeface="Tahoma"/>
+            </a:endParaRPr>
+          </a:p>
+          <a:p>
+            <a:pPr indent="0" lvl="0" marL="0" rtl="0" algn="l">
+              <a:spcBef>
+                <a:spcPts val="1200"/>
+              </a:spcBef>
+              <a:spcAft>
+                <a:spcPts val="0"/>
+              </a:spcAft>
+              <a:buNone/>
+            </a:pPr>
+            <a:r>
+              <a:rPr lang="pl" sz="1500">
+                <a:solidFill>
+                  <a:srgbClr val="171717"/>
+                </a:solidFill>
+                <a:latin typeface="Tahoma"/>
+                <a:ea typeface="Tahoma"/>
+                <a:cs typeface="Tahoma"/>
+                <a:sym typeface="Tahoma"/>
+              </a:rPr>
+              <a:t>Jej główną funkcją jest </a:t>
+            </a:r>
+            <a:r>
+              <a:rPr b="1" lang="pl" sz="1500">
+                <a:solidFill>
+                  <a:srgbClr val="171717"/>
+                </a:solidFill>
+                <a:latin typeface="Tahoma"/>
+                <a:ea typeface="Tahoma"/>
+                <a:cs typeface="Tahoma"/>
+                <a:sym typeface="Tahoma"/>
+              </a:rPr>
+              <a:t>umożliwienie szybkiej wymiany danych i współdzielenia zasobów</a:t>
+            </a:r>
+            <a:r>
+              <a:rPr lang="pl" sz="1500">
+                <a:solidFill>
+                  <a:srgbClr val="171717"/>
+                </a:solidFill>
+                <a:latin typeface="Tahoma"/>
+                <a:ea typeface="Tahoma"/>
+                <a:cs typeface="Tahoma"/>
+                <a:sym typeface="Tahoma"/>
+              </a:rPr>
+              <a:t>, takich jak drukarki czy Internet, między połączonymi urządzeniami. </a:t>
+            </a:r>
+            <a:endParaRPr sz="1500">
+              <a:solidFill>
+                <a:srgbClr val="171717"/>
+              </a:solidFill>
+              <a:latin typeface="Tahoma"/>
+              <a:ea typeface="Tahoma"/>
+              <a:cs typeface="Tahoma"/>
+              <a:sym typeface="Tahoma"/>
+            </a:endParaRPr>
+          </a:p>
+          <a:p>
+            <a:pPr indent="0" lvl="0" marL="0" rtl="0" algn="l">
+              <a:spcBef>
+                <a:spcPts val="1200"/>
+              </a:spcBef>
+              <a:spcAft>
+                <a:spcPts val="0"/>
+              </a:spcAft>
+              <a:buNone/>
+            </a:pPr>
+            <a:r>
+              <a:rPr lang="pl" sz="1500">
+                <a:solidFill>
+                  <a:srgbClr val="171717"/>
+                </a:solidFill>
+                <a:latin typeface="Tahoma"/>
+                <a:ea typeface="Tahoma"/>
+                <a:cs typeface="Tahoma"/>
+                <a:sym typeface="Tahoma"/>
+              </a:rPr>
+              <a:t>Sieci LAN mogą być</a:t>
+            </a:r>
+            <a:endParaRPr sz="1500">
+              <a:solidFill>
+                <a:srgbClr val="171717"/>
+              </a:solidFill>
+              <a:latin typeface="Tahoma"/>
+              <a:ea typeface="Tahoma"/>
+              <a:cs typeface="Tahoma"/>
+              <a:sym typeface="Tahoma"/>
+            </a:endParaRPr>
+          </a:p>
+          <a:p>
+            <a:pPr indent="-323850" lvl="0" marL="457200" rtl="0" algn="l">
+              <a:spcBef>
+                <a:spcPts val="1200"/>
+              </a:spcBef>
+              <a:spcAft>
+                <a:spcPts val="0"/>
+              </a:spcAft>
+              <a:buClr>
+                <a:srgbClr val="171717"/>
+              </a:buClr>
+              <a:buSzPts val="1500"/>
+              <a:buFont typeface="Tahoma"/>
+              <a:buChar char="●"/>
+            </a:pPr>
+            <a:r>
+              <a:rPr lang="pl" sz="1500">
+                <a:solidFill>
+                  <a:srgbClr val="171717"/>
+                </a:solidFill>
+                <a:latin typeface="Tahoma"/>
+                <a:ea typeface="Tahoma"/>
+                <a:cs typeface="Tahoma"/>
+                <a:sym typeface="Tahoma"/>
+              </a:rPr>
+              <a:t>przewodowe (np. </a:t>
+            </a:r>
+            <a:r>
+              <a:rPr lang="pl" sz="1500">
+                <a:solidFill>
+                  <a:srgbClr val="171717"/>
+                </a:solidFill>
+                <a:uFill>
+                  <a:noFill/>
+                </a:uFill>
+                <a:latin typeface="Tahoma"/>
+                <a:ea typeface="Tahoma"/>
+                <a:cs typeface="Tahoma"/>
+                <a:sym typeface="Tahoma"/>
+                <a:hlinkClick r:id="rId3">
+                  <a:extLst>
+                    <a:ext uri="{A12FA001-AC4F-418D-AE19-62706E023703}">
+                      <ahyp:hlinkClr val="tx"/>
+                    </a:ext>
+                  </a:extLst>
+                </a:hlinkClick>
+              </a:rPr>
+              <a:t>Ethernet</a:t>
+            </a:r>
+            <a:r>
+              <a:rPr lang="pl" sz="1500">
+                <a:solidFill>
+                  <a:srgbClr val="171717"/>
+                </a:solidFill>
+                <a:latin typeface="Tahoma"/>
+                <a:ea typeface="Tahoma"/>
+                <a:cs typeface="Tahoma"/>
+                <a:sym typeface="Tahoma"/>
+              </a:rPr>
+              <a:t>) ,</a:t>
+            </a:r>
+            <a:endParaRPr sz="1500">
+              <a:solidFill>
+                <a:srgbClr val="171717"/>
+              </a:solidFill>
+              <a:latin typeface="Tahoma"/>
+              <a:ea typeface="Tahoma"/>
+              <a:cs typeface="Tahoma"/>
+              <a:sym typeface="Tahoma"/>
+            </a:endParaRPr>
+          </a:p>
+          <a:p>
+            <a:pPr indent="-323850" lvl="0" marL="457200" rtl="0" algn="l">
+              <a:spcBef>
+                <a:spcPts val="0"/>
+              </a:spcBef>
+              <a:spcAft>
+                <a:spcPts val="0"/>
+              </a:spcAft>
+              <a:buClr>
+                <a:srgbClr val="171717"/>
+              </a:buClr>
+              <a:buSzPts val="1500"/>
+              <a:buFont typeface="Tahoma"/>
+              <a:buChar char="●"/>
+            </a:pPr>
+            <a:r>
+              <a:rPr lang="pl" sz="1500">
+                <a:solidFill>
+                  <a:srgbClr val="171717"/>
+                </a:solidFill>
+                <a:latin typeface="Tahoma"/>
+                <a:ea typeface="Tahoma"/>
+                <a:cs typeface="Tahoma"/>
+                <a:sym typeface="Tahoma"/>
+              </a:rPr>
+              <a:t>bezprzewodowe (WLAN), </a:t>
+            </a:r>
+            <a:endParaRPr sz="1500">
+              <a:solidFill>
+                <a:srgbClr val="171717"/>
+              </a:solidFill>
+              <a:latin typeface="Tahoma"/>
+              <a:ea typeface="Tahoma"/>
+              <a:cs typeface="Tahoma"/>
+              <a:sym typeface="Tahoma"/>
+            </a:endParaRPr>
+          </a:p>
+          <a:p>
+            <a:pPr indent="-323850" lvl="0" marL="457200" rtl="0" algn="l">
+              <a:spcBef>
+                <a:spcPts val="0"/>
+              </a:spcBef>
+              <a:spcAft>
+                <a:spcPts val="0"/>
+              </a:spcAft>
+              <a:buSzPts val="1500"/>
+              <a:buFont typeface="Tahoma"/>
+              <a:buChar char="●"/>
+            </a:pPr>
+            <a:r>
+              <a:rPr lang="pl" sz="1500">
+                <a:solidFill>
+                  <a:srgbClr val="171717"/>
+                </a:solidFill>
+                <a:latin typeface="Tahoma"/>
+                <a:ea typeface="Tahoma"/>
+                <a:cs typeface="Tahoma"/>
+                <a:sym typeface="Tahoma"/>
+              </a:rPr>
+              <a:t>wirtualne (VLAN), które pozwalają na logiczne podzielenie dużej sieci.</a:t>
+            </a:r>
+            <a:r>
+              <a:rPr lang="pl" sz="1500">
+                <a:latin typeface="Tahoma"/>
+                <a:ea typeface="Tahoma"/>
+                <a:cs typeface="Tahoma"/>
+                <a:sym typeface="Tahoma"/>
+              </a:rPr>
+              <a:t> </a:t>
+            </a:r>
+            <a:endParaRPr sz="1500">
+              <a:latin typeface="Tahoma"/>
+              <a:ea typeface="Tahoma"/>
+              <a:cs typeface="Tahoma"/>
+              <a:sym typeface="Tahoma"/>
+            </a:endParaRPr>
+          </a:p>
+        </p:txBody>
+      </p:sp>
+    </p:spTree>
+  </p:cSld>
+  <p:clrMapOvr>
+    <a:masterClrMapping/>
+  </p:clrMapOvr>
+</p:sld>
+</file>
+
+<file path=ppt/slides/slide63.xml><?xml version="1.0" encoding="utf-8"?>
+<p:sld xmlns:a="http://schemas.openxmlformats.org/drawingml/2006/main" xmlns:r="http://schemas.openxmlformats.org/officeDocument/2006/relationships" xmlns:mc="http://schemas.openxmlformats.org/markup-compatibility/2006" xmlns:mv="urn:schemas-microsoft-com:mac:vml" xmlns:p="http://schemas.openxmlformats.org/presentationml/2006/main" xmlns:c="http://schemas.openxmlformats.org/drawingml/2006/chart" xmlns:dgm="http://schemas.openxmlformats.org/drawingml/2006/diagram" xmlns:o="urn:schemas-microsoft-com:office:office" xmlns:v="urn:schemas-microsoft-com:vml" xmlns:pvml="urn:schemas-microsoft-com:office:powerpoint" xmlns:com="http://schemas.openxmlformats.org/drawingml/2006/compatibility" xmlns:p14="http://schemas.microsoft.com/office/powerpoint/2010/main" xmlns:p15="http://schemas.microsoft.com/office/powerpoint/2012/main" xmlns:ahyp="http://schemas.microsoft.com/office/drawing/2018/hyperlinkcolor">
+  <p:cSld>
+    <p:spTree>
+      <p:nvGrpSpPr>
+        <p:cNvPr id="473" name="Shape 473"/>
+        <p:cNvGrpSpPr/>
+        <p:nvPr/>
+      </p:nvGrpSpPr>
+      <p:grpSpPr>
+        <a:xfrm>
+          <a:off x="0" y="0"/>
+          <a:ext cx="0" cy="0"/>
+          <a:chOff x="0" y="0"/>
+          <a:chExt cx="0" cy="0"/>
+        </a:xfrm>
+      </p:grpSpPr>
+      <p:sp>
+        <p:nvSpPr>
+          <p:cNvPr id="474" name="Google Shape;474;p75"/>
+          <p:cNvSpPr txBox="1"/>
+          <p:nvPr>
+            <p:ph type="title"/>
+          </p:nvPr>
+        </p:nvSpPr>
+        <p:spPr>
+          <a:xfrm>
+            <a:off x="729450" y="1318650"/>
+            <a:ext cx="7688700" cy="535200"/>
+          </a:xfrm>
+          <a:prstGeom prst="rect">
+            <a:avLst/>
+          </a:prstGeom>
+        </p:spPr>
+        <p:txBody>
+          <a:bodyPr anchorCtr="0" anchor="t" bIns="91425" lIns="91425" spcFirstLastPara="1" rIns="91425" wrap="square" tIns="91425">
+            <a:noAutofit/>
+          </a:bodyPr>
+          <a:lstStyle/>
+          <a:p>
+            <a:pPr indent="0" lvl="0" marL="0" rtl="0" algn="l">
+              <a:lnSpc>
+                <a:spcPct val="140000"/>
+              </a:lnSpc>
+              <a:spcBef>
+                <a:spcPts val="1500"/>
+              </a:spcBef>
+              <a:spcAft>
+                <a:spcPts val="800"/>
+              </a:spcAft>
+              <a:buNone/>
+            </a:pPr>
+            <a:r>
+              <a:rPr lang="pl" sz="2400">
+                <a:solidFill>
+                  <a:srgbClr val="001D35"/>
+                </a:solidFill>
+                <a:highlight>
+                  <a:srgbClr val="FFFFFF"/>
+                </a:highlight>
+                <a:latin typeface="Tahoma"/>
+                <a:ea typeface="Tahoma"/>
+                <a:cs typeface="Tahoma"/>
+                <a:sym typeface="Tahoma"/>
+              </a:rPr>
+              <a:t>Główne cechy sieci LAN:</a:t>
+            </a:r>
+            <a:endParaRPr sz="3500">
+              <a:latin typeface="Tahoma"/>
+              <a:ea typeface="Tahoma"/>
+              <a:cs typeface="Tahoma"/>
+              <a:sym typeface="Tahoma"/>
+            </a:endParaRPr>
+          </a:p>
+        </p:txBody>
+      </p:sp>
+      <p:sp>
+        <p:nvSpPr>
+          <p:cNvPr id="475" name="Google Shape;475;p75"/>
+          <p:cNvSpPr txBox="1"/>
+          <p:nvPr>
+            <p:ph idx="1" type="body"/>
+          </p:nvPr>
+        </p:nvSpPr>
+        <p:spPr>
+          <a:xfrm>
+            <a:off x="729450" y="2078875"/>
+            <a:ext cx="7688700" cy="2261100"/>
+          </a:xfrm>
+          <a:prstGeom prst="rect">
+            <a:avLst/>
+          </a:prstGeom>
+        </p:spPr>
+        <p:txBody>
+          <a:bodyPr anchorCtr="0" anchor="t" bIns="91425" lIns="91425" spcFirstLastPara="1" rIns="91425" wrap="square" tIns="91425">
+            <a:normAutofit fontScale="25000" lnSpcReduction="20000"/>
+          </a:bodyPr>
+          <a:lstStyle/>
+          <a:p>
+            <a:pPr indent="0" lvl="0" marL="0" rtl="0" algn="l">
+              <a:lnSpc>
+                <a:spcPct val="140000"/>
+              </a:lnSpc>
+              <a:spcBef>
+                <a:spcPts val="1500"/>
+              </a:spcBef>
+              <a:spcAft>
+                <a:spcPts val="0"/>
+              </a:spcAft>
+              <a:buNone/>
+            </a:pPr>
+            <a:r>
+              <a:t/>
+            </a:r>
+            <a:endParaRPr sz="4500">
+              <a:solidFill>
+                <a:srgbClr val="001D35"/>
+              </a:solidFill>
+              <a:highlight>
+                <a:srgbClr val="FFFFFF"/>
+              </a:highlight>
+              <a:latin typeface="Tahoma"/>
+              <a:ea typeface="Tahoma"/>
+              <a:cs typeface="Tahoma"/>
+              <a:sym typeface="Tahoma"/>
+            </a:endParaRPr>
+          </a:p>
+          <a:p>
+            <a:pPr indent="-300037" lvl="0" marL="457200" rtl="0" algn="l">
+              <a:lnSpc>
+                <a:spcPct val="150000"/>
+              </a:lnSpc>
+              <a:spcBef>
+                <a:spcPts val="800"/>
+              </a:spcBef>
+              <a:spcAft>
+                <a:spcPts val="0"/>
+              </a:spcAft>
+              <a:buClr>
+                <a:srgbClr val="001D35"/>
+              </a:buClr>
+              <a:buSzPct val="100000"/>
+              <a:buFont typeface="Arial"/>
+              <a:buChar char="●"/>
+            </a:pPr>
+            <a:r>
+              <a:rPr b="1" lang="pl" sz="4500">
+                <a:solidFill>
+                  <a:srgbClr val="001D35"/>
+                </a:solidFill>
+                <a:highlight>
+                  <a:srgbClr val="FFFFFF"/>
+                </a:highlight>
+                <a:latin typeface="Tahoma"/>
+                <a:ea typeface="Tahoma"/>
+                <a:cs typeface="Tahoma"/>
+                <a:sym typeface="Tahoma"/>
+              </a:rPr>
+              <a:t>Ograniczony zasięg:</a:t>
+            </a:r>
+            <a:r>
+              <a:rPr lang="pl" sz="4500">
+                <a:solidFill>
+                  <a:srgbClr val="001D35"/>
+                </a:solidFill>
+                <a:highlight>
+                  <a:srgbClr val="FFFFFF"/>
+                </a:highlight>
+                <a:latin typeface="Tahoma"/>
+                <a:ea typeface="Tahoma"/>
+                <a:cs typeface="Tahoma"/>
+                <a:sym typeface="Tahoma"/>
+              </a:rPr>
+              <a:t> Sieć obejmuje niewielki obszar geograficzny, zazwyczaj jeden budynek lub grupę sąsiadujących budynków. </a:t>
+            </a:r>
+            <a:endParaRPr sz="4500">
+              <a:solidFill>
+                <a:srgbClr val="001D35"/>
+              </a:solidFill>
+              <a:highlight>
+                <a:srgbClr val="FFFFFF"/>
+              </a:highlight>
+              <a:latin typeface="Tahoma"/>
+              <a:ea typeface="Tahoma"/>
+              <a:cs typeface="Tahoma"/>
+              <a:sym typeface="Tahoma"/>
+            </a:endParaRPr>
+          </a:p>
+          <a:p>
+            <a:pPr indent="-300037" lvl="0" marL="457200" rtl="0" algn="l">
+              <a:lnSpc>
+                <a:spcPct val="150000"/>
+              </a:lnSpc>
+              <a:spcBef>
+                <a:spcPts val="0"/>
+              </a:spcBef>
+              <a:spcAft>
+                <a:spcPts val="0"/>
+              </a:spcAft>
+              <a:buClr>
+                <a:srgbClr val="001D35"/>
+              </a:buClr>
+              <a:buSzPct val="100000"/>
+              <a:buFont typeface="Arial"/>
+              <a:buChar char="●"/>
+            </a:pPr>
+            <a:r>
+              <a:rPr b="1" lang="pl" sz="4500">
+                <a:solidFill>
+                  <a:srgbClr val="001D35"/>
+                </a:solidFill>
+                <a:highlight>
+                  <a:srgbClr val="FFFFFF"/>
+                </a:highlight>
+                <a:latin typeface="Tahoma"/>
+                <a:ea typeface="Tahoma"/>
+                <a:cs typeface="Tahoma"/>
+                <a:sym typeface="Tahoma"/>
+              </a:rPr>
+              <a:t>Szybka komunikacja:</a:t>
+            </a:r>
+            <a:r>
+              <a:rPr lang="pl" sz="4500">
+                <a:solidFill>
+                  <a:srgbClr val="001D35"/>
+                </a:solidFill>
+                <a:highlight>
+                  <a:srgbClr val="FFFFFF"/>
+                </a:highlight>
+                <a:latin typeface="Tahoma"/>
+                <a:ea typeface="Tahoma"/>
+                <a:cs typeface="Tahoma"/>
+                <a:sym typeface="Tahoma"/>
+              </a:rPr>
+              <a:t> Pozwala na szybki i niezawodny przepływ danych między połączonymi urządzeniami. </a:t>
+            </a:r>
+            <a:endParaRPr sz="4500">
+              <a:solidFill>
+                <a:srgbClr val="001D35"/>
+              </a:solidFill>
+              <a:highlight>
+                <a:srgbClr val="FFFFFF"/>
+              </a:highlight>
+              <a:latin typeface="Tahoma"/>
+              <a:ea typeface="Tahoma"/>
+              <a:cs typeface="Tahoma"/>
+              <a:sym typeface="Tahoma"/>
+            </a:endParaRPr>
+          </a:p>
+          <a:p>
+            <a:pPr indent="-300037" lvl="0" marL="457200" rtl="0" algn="l">
+              <a:lnSpc>
+                <a:spcPct val="150000"/>
+              </a:lnSpc>
+              <a:spcBef>
+                <a:spcPts val="0"/>
+              </a:spcBef>
+              <a:spcAft>
+                <a:spcPts val="0"/>
+              </a:spcAft>
+              <a:buClr>
+                <a:srgbClr val="001D35"/>
+              </a:buClr>
+              <a:buSzPct val="100000"/>
+              <a:buFont typeface="Arial"/>
+              <a:buChar char="●"/>
+            </a:pPr>
+            <a:r>
+              <a:rPr b="1" lang="pl" sz="4500">
+                <a:solidFill>
+                  <a:srgbClr val="001D35"/>
+                </a:solidFill>
+                <a:highlight>
+                  <a:srgbClr val="FFFFFF"/>
+                </a:highlight>
+                <a:latin typeface="Tahoma"/>
+                <a:ea typeface="Tahoma"/>
+                <a:cs typeface="Tahoma"/>
+                <a:sym typeface="Tahoma"/>
+              </a:rPr>
+              <a:t>Współdzielenie zasobów:</a:t>
+            </a:r>
+            <a:r>
+              <a:rPr lang="pl" sz="4500">
+                <a:solidFill>
+                  <a:srgbClr val="001D35"/>
+                </a:solidFill>
+                <a:highlight>
+                  <a:srgbClr val="FFFFFF"/>
+                </a:highlight>
+                <a:latin typeface="Tahoma"/>
+                <a:ea typeface="Tahoma"/>
+                <a:cs typeface="Tahoma"/>
+                <a:sym typeface="Tahoma"/>
+              </a:rPr>
+              <a:t> Umożliwia łatwe korzystanie z tych samych zasobów, takich jak drukarki, pliki czy dostęp do Internetu. </a:t>
+            </a:r>
+            <a:endParaRPr sz="4500">
+              <a:solidFill>
+                <a:srgbClr val="001D35"/>
+              </a:solidFill>
+              <a:highlight>
+                <a:srgbClr val="FFFFFF"/>
+              </a:highlight>
+              <a:latin typeface="Tahoma"/>
+              <a:ea typeface="Tahoma"/>
+              <a:cs typeface="Tahoma"/>
+              <a:sym typeface="Tahoma"/>
+            </a:endParaRPr>
+          </a:p>
+          <a:p>
+            <a:pPr indent="-300037" lvl="0" marL="457200" rtl="0" algn="l">
+              <a:lnSpc>
+                <a:spcPct val="150000"/>
+              </a:lnSpc>
+              <a:spcBef>
+                <a:spcPts val="0"/>
+              </a:spcBef>
+              <a:spcAft>
+                <a:spcPts val="0"/>
+              </a:spcAft>
+              <a:buClr>
+                <a:srgbClr val="001D35"/>
+              </a:buClr>
+              <a:buSzPct val="100000"/>
+              <a:buFont typeface="Arial"/>
+              <a:buChar char="●"/>
+            </a:pPr>
+            <a:r>
+              <a:rPr b="1" lang="pl" sz="4500">
+                <a:solidFill>
+                  <a:srgbClr val="001D35"/>
+                </a:solidFill>
+                <a:highlight>
+                  <a:srgbClr val="FFFFFF"/>
+                </a:highlight>
+                <a:latin typeface="Tahoma"/>
+                <a:ea typeface="Tahoma"/>
+                <a:cs typeface="Tahoma"/>
+                <a:sym typeface="Tahoma"/>
+              </a:rPr>
+              <a:t>Wysoka przepustowość:</a:t>
+            </a:r>
+            <a:r>
+              <a:rPr lang="pl" sz="4500">
+                <a:solidFill>
+                  <a:srgbClr val="001D35"/>
+                </a:solidFill>
+                <a:highlight>
+                  <a:srgbClr val="FFFFFF"/>
+                </a:highlight>
+                <a:latin typeface="Tahoma"/>
+                <a:ea typeface="Tahoma"/>
+                <a:cs typeface="Tahoma"/>
+                <a:sym typeface="Tahoma"/>
+              </a:rPr>
+              <a:t> Połączenia przewodowe (Ethernet) w sieciach LAN charakteryzują się wysoką przepustowością i niskimi opóźnieniami, co jest kluczowe dla środowisk biznesowych. </a:t>
+            </a:r>
+            <a:endParaRPr sz="4500">
+              <a:solidFill>
+                <a:srgbClr val="001D35"/>
+              </a:solidFill>
+              <a:highlight>
+                <a:srgbClr val="FFFFFF"/>
+              </a:highlight>
+              <a:latin typeface="Tahoma"/>
+              <a:ea typeface="Tahoma"/>
+              <a:cs typeface="Tahoma"/>
+              <a:sym typeface="Tahoma"/>
+            </a:endParaRPr>
+          </a:p>
+          <a:p>
+            <a:pPr indent="0" lvl="0" marL="0" rtl="0" algn="l">
+              <a:spcBef>
+                <a:spcPts val="1500"/>
+              </a:spcBef>
+              <a:spcAft>
+                <a:spcPts val="1200"/>
+              </a:spcAft>
+              <a:buNone/>
+            </a:pPr>
+            <a:r>
+              <a:t/>
+            </a:r>
+            <a:endParaRPr/>
+          </a:p>
+        </p:txBody>
+      </p:sp>
+    </p:spTree>
+  </p:cSld>
+  <p:clrMapOvr>
+    <a:masterClrMapping/>
+  </p:clrMapOvr>
+</p:sld>
+</file>
+
+<file path=ppt/slides/slide64.xml><?xml version="1.0" encoding="utf-8"?>
+<p:sld xmlns:a="http://schemas.openxmlformats.org/drawingml/2006/main" xmlns:r="http://schemas.openxmlformats.org/officeDocument/2006/relationships" xmlns:mc="http://schemas.openxmlformats.org/markup-compatibility/2006" xmlns:mv="urn:schemas-microsoft-com:mac:vml" xmlns:p="http://schemas.openxmlformats.org/presentationml/2006/main" xmlns:c="http://schemas.openxmlformats.org/drawingml/2006/chart" xmlns:dgm="http://schemas.openxmlformats.org/drawingml/2006/diagram" xmlns:o="urn:schemas-microsoft-com:office:office" xmlns:v="urn:schemas-microsoft-com:vml" xmlns:pvml="urn:schemas-microsoft-com:office:powerpoint" xmlns:com="http://schemas.openxmlformats.org/drawingml/2006/compatibility" xmlns:p14="http://schemas.microsoft.com/office/powerpoint/2010/main" xmlns:p15="http://schemas.microsoft.com/office/powerpoint/2012/main" xmlns:ahyp="http://schemas.microsoft.com/office/drawing/2018/hyperlinkcolor">
+  <p:cSld>
+    <p:spTree>
+      <p:nvGrpSpPr>
+        <p:cNvPr id="479" name="Shape 479"/>
+        <p:cNvGrpSpPr/>
+        <p:nvPr/>
+      </p:nvGrpSpPr>
+      <p:grpSpPr>
+        <a:xfrm>
+          <a:off x="0" y="0"/>
+          <a:ext cx="0" cy="0"/>
+          <a:chOff x="0" y="0"/>
+          <a:chExt cx="0" cy="0"/>
+        </a:xfrm>
+      </p:grpSpPr>
+      <p:sp>
+        <p:nvSpPr>
+          <p:cNvPr id="480" name="Google Shape;480;p76"/>
+          <p:cNvSpPr txBox="1"/>
+          <p:nvPr>
+            <p:ph type="title"/>
+          </p:nvPr>
+        </p:nvSpPr>
+        <p:spPr>
+          <a:xfrm>
+            <a:off x="729450" y="1318650"/>
+            <a:ext cx="7688700" cy="535200"/>
+          </a:xfrm>
+          <a:prstGeom prst="rect">
+            <a:avLst/>
+          </a:prstGeom>
+        </p:spPr>
+        <p:txBody>
+          <a:bodyPr anchorCtr="0" anchor="t" bIns="91425" lIns="91425" spcFirstLastPara="1" rIns="91425" wrap="square" tIns="91425">
+            <a:noAutofit/>
+          </a:bodyPr>
+          <a:lstStyle/>
+          <a:p>
+            <a:pPr indent="0" lvl="0" marL="0" rtl="0" algn="l">
+              <a:lnSpc>
+                <a:spcPct val="115000"/>
+              </a:lnSpc>
+              <a:spcBef>
+                <a:spcPts val="1200"/>
+              </a:spcBef>
+              <a:spcAft>
+                <a:spcPts val="0"/>
+              </a:spcAft>
+              <a:buNone/>
+            </a:pPr>
+            <a:r>
+              <a:rPr lang="pl" sz="2440">
+                <a:latin typeface="Tahoma"/>
+                <a:ea typeface="Tahoma"/>
+                <a:cs typeface="Tahoma"/>
+                <a:sym typeface="Tahoma"/>
+              </a:rPr>
+              <a:t>WAN (Wide Area Network) – Sieć rozległa</a:t>
+            </a:r>
+            <a:endParaRPr sz="2440">
+              <a:latin typeface="Tahoma"/>
+              <a:ea typeface="Tahoma"/>
+              <a:cs typeface="Tahoma"/>
+              <a:sym typeface="Tahoma"/>
+            </a:endParaRPr>
+          </a:p>
+          <a:p>
+            <a:pPr indent="0" lvl="0" marL="0" rtl="0" algn="l">
+              <a:spcBef>
+                <a:spcPts val="1200"/>
+              </a:spcBef>
+              <a:spcAft>
+                <a:spcPts val="0"/>
+              </a:spcAft>
+              <a:buSzPts val="990"/>
+              <a:buNone/>
+            </a:pPr>
+            <a:r>
+              <a:t/>
+            </a:r>
+            <a:endParaRPr sz="2440">
+              <a:latin typeface="Tahoma"/>
+              <a:ea typeface="Tahoma"/>
+              <a:cs typeface="Tahoma"/>
+              <a:sym typeface="Tahoma"/>
+            </a:endParaRPr>
+          </a:p>
+        </p:txBody>
+      </p:sp>
+      <p:sp>
+        <p:nvSpPr>
+          <p:cNvPr id="481" name="Google Shape;481;p76"/>
+          <p:cNvSpPr txBox="1"/>
+          <p:nvPr>
+            <p:ph idx="1" type="body"/>
+          </p:nvPr>
+        </p:nvSpPr>
+        <p:spPr>
+          <a:xfrm>
+            <a:off x="729450" y="2078875"/>
+            <a:ext cx="7688700" cy="2823300"/>
+          </a:xfrm>
+          <a:prstGeom prst="rect">
+            <a:avLst/>
+          </a:prstGeom>
+        </p:spPr>
+        <p:txBody>
+          <a:bodyPr anchorCtr="0" anchor="t" bIns="91425" lIns="91425" spcFirstLastPara="1" rIns="91425" wrap="square" tIns="91425">
+            <a:normAutofit/>
+          </a:bodyPr>
+          <a:lstStyle/>
+          <a:p>
+            <a:pPr indent="0" lvl="0" marL="0" rtl="0" algn="l">
+              <a:spcBef>
+                <a:spcPts val="0"/>
+              </a:spcBef>
+              <a:spcAft>
+                <a:spcPts val="0"/>
+              </a:spcAft>
+              <a:buNone/>
+            </a:pPr>
+            <a:r>
+              <a:rPr lang="pl" sz="1700">
+                <a:solidFill>
+                  <a:srgbClr val="001D35"/>
+                </a:solidFill>
+                <a:highlight>
+                  <a:srgbClr val="FFFFFF"/>
+                </a:highlight>
+                <a:latin typeface="Tahoma"/>
+                <a:ea typeface="Tahoma"/>
+                <a:cs typeface="Tahoma"/>
+                <a:sym typeface="Tahoma"/>
+              </a:rPr>
+              <a:t>to </a:t>
+            </a:r>
+            <a:r>
+              <a:rPr b="1" lang="pl" sz="1700">
+                <a:solidFill>
+                  <a:srgbClr val="001D35"/>
+                </a:solidFill>
+                <a:highlight>
+                  <a:srgbClr val="FFFFFF"/>
+                </a:highlight>
+                <a:latin typeface="Tahoma"/>
+                <a:ea typeface="Tahoma"/>
+                <a:cs typeface="Tahoma"/>
+                <a:sym typeface="Tahoma"/>
+              </a:rPr>
+              <a:t>rozbudowana sieć komputerowa łącząca oddzielne lokalizacje</a:t>
+            </a:r>
+            <a:r>
+              <a:rPr lang="pl" sz="1700">
+                <a:solidFill>
+                  <a:srgbClr val="001D35"/>
+                </a:solidFill>
+                <a:highlight>
+                  <a:srgbClr val="FFFFFF"/>
+                </a:highlight>
+                <a:latin typeface="Tahoma"/>
+                <a:ea typeface="Tahoma"/>
+                <a:cs typeface="Tahoma"/>
+                <a:sym typeface="Tahoma"/>
+              </a:rPr>
+              <a:t>, takie jak biura czy centra danych, </a:t>
+            </a:r>
+            <a:r>
+              <a:rPr b="1" lang="pl" sz="1700">
+                <a:solidFill>
+                  <a:srgbClr val="001D35"/>
+                </a:solidFill>
+                <a:highlight>
+                  <a:srgbClr val="FFFFFF"/>
+                </a:highlight>
+                <a:latin typeface="Tahoma"/>
+                <a:ea typeface="Tahoma"/>
+                <a:cs typeface="Tahoma"/>
+                <a:sym typeface="Tahoma"/>
+              </a:rPr>
+              <a:t>na dużych obszarach geograficznych</a:t>
+            </a:r>
+            <a:r>
+              <a:rPr lang="pl" sz="1700">
+                <a:solidFill>
+                  <a:srgbClr val="001D35"/>
+                </a:solidFill>
+                <a:highlight>
+                  <a:srgbClr val="FFFFFF"/>
+                </a:highlight>
+                <a:latin typeface="Tahoma"/>
+                <a:ea typeface="Tahoma"/>
+                <a:cs typeface="Tahoma"/>
+                <a:sym typeface="Tahoma"/>
+              </a:rPr>
+              <a:t>, nawet na całym świecie. </a:t>
+            </a:r>
+            <a:endParaRPr sz="1700">
+              <a:solidFill>
+                <a:srgbClr val="001D35"/>
+              </a:solidFill>
+              <a:highlight>
+                <a:srgbClr val="FFFFFF"/>
+              </a:highlight>
+              <a:latin typeface="Tahoma"/>
+              <a:ea typeface="Tahoma"/>
+              <a:cs typeface="Tahoma"/>
+              <a:sym typeface="Tahoma"/>
+            </a:endParaRPr>
+          </a:p>
+          <a:p>
+            <a:pPr indent="0" lvl="0" marL="0" rtl="0" algn="l">
+              <a:spcBef>
+                <a:spcPts val="1200"/>
+              </a:spcBef>
+              <a:spcAft>
+                <a:spcPts val="1200"/>
+              </a:spcAft>
+              <a:buNone/>
+            </a:pPr>
+            <a:r>
+              <a:rPr lang="pl" sz="1700">
+                <a:solidFill>
+                  <a:srgbClr val="001D35"/>
+                </a:solidFill>
+                <a:highlight>
+                  <a:srgbClr val="FFFFFF"/>
+                </a:highlight>
+                <a:latin typeface="Tahoma"/>
+                <a:ea typeface="Tahoma"/>
+                <a:cs typeface="Tahoma"/>
+                <a:sym typeface="Tahoma"/>
+              </a:rPr>
+              <a:t>Umożliwia ona komunikację między odległymi sieciami lokalnymi (LAN), wykorzystując do tego celu infrastrukturę operatorów telekomunikacyjnych. Przykładem globalnej sieci WAN jest Internet</a:t>
+            </a:r>
+            <a:endParaRPr sz="1800">
+              <a:latin typeface="Tahoma"/>
+              <a:ea typeface="Tahoma"/>
+              <a:cs typeface="Tahoma"/>
+              <a:sym typeface="Tahoma"/>
+            </a:endParaRPr>
+          </a:p>
+        </p:txBody>
+      </p:sp>
+    </p:spTree>
+  </p:cSld>
+  <p:clrMapOvr>
+    <a:masterClrMapping/>
+  </p:clrMapOvr>
+</p:sld>
+</file>
+
+<file path=ppt/slides/slide65.xml><?xml version="1.0" encoding="utf-8"?>
+<p:sld xmlns:a="http://schemas.openxmlformats.org/drawingml/2006/main" xmlns:r="http://schemas.openxmlformats.org/officeDocument/2006/relationships" xmlns:mc="http://schemas.openxmlformats.org/markup-compatibility/2006" xmlns:mv="urn:schemas-microsoft-com:mac:vml" xmlns:p="http://schemas.openxmlformats.org/presentationml/2006/main" xmlns:c="http://schemas.openxmlformats.org/drawingml/2006/chart" xmlns:dgm="http://schemas.openxmlformats.org/drawingml/2006/diagram" xmlns:o="urn:schemas-microsoft-com:office:office" xmlns:v="urn:schemas-microsoft-com:vml" xmlns:pvml="urn:schemas-microsoft-com:office:powerpoint" xmlns:com="http://schemas.openxmlformats.org/drawingml/2006/compatibility" xmlns:p14="http://schemas.microsoft.com/office/powerpoint/2010/main" xmlns:p15="http://schemas.microsoft.com/office/powerpoint/2012/main" xmlns:ahyp="http://schemas.microsoft.com/office/drawing/2018/hyperlinkcolor">
+  <p:cSld>
+    <p:spTree>
+      <p:nvGrpSpPr>
+        <p:cNvPr id="485" name="Shape 485"/>
+        <p:cNvGrpSpPr/>
+        <p:nvPr/>
+      </p:nvGrpSpPr>
+      <p:grpSpPr>
+        <a:xfrm>
+          <a:off x="0" y="0"/>
+          <a:ext cx="0" cy="0"/>
+          <a:chOff x="0" y="0"/>
+          <a:chExt cx="0" cy="0"/>
+        </a:xfrm>
+      </p:grpSpPr>
+      <p:sp>
+        <p:nvSpPr>
+          <p:cNvPr id="486" name="Google Shape;486;p77"/>
+          <p:cNvSpPr txBox="1"/>
+          <p:nvPr>
+            <p:ph type="title"/>
+          </p:nvPr>
+        </p:nvSpPr>
+        <p:spPr>
+          <a:xfrm>
+            <a:off x="729450" y="1318650"/>
+            <a:ext cx="7688700" cy="535200"/>
+          </a:xfrm>
+          <a:prstGeom prst="rect">
+            <a:avLst/>
+          </a:prstGeom>
+        </p:spPr>
+        <p:txBody>
+          <a:bodyPr anchorCtr="0" anchor="t" bIns="91425" lIns="91425" spcFirstLastPara="1" rIns="91425" wrap="square" tIns="91425">
+            <a:noAutofit/>
+          </a:bodyPr>
+          <a:lstStyle/>
+          <a:p>
+            <a:pPr indent="0" lvl="0" marL="0" rtl="0" algn="l">
+              <a:lnSpc>
+                <a:spcPct val="140000"/>
+              </a:lnSpc>
+              <a:spcBef>
+                <a:spcPts val="1500"/>
+              </a:spcBef>
+              <a:spcAft>
+                <a:spcPts val="800"/>
+              </a:spcAft>
+              <a:buNone/>
+            </a:pPr>
+            <a:r>
+              <a:rPr lang="pl" sz="2400">
+                <a:solidFill>
+                  <a:srgbClr val="001D35"/>
+                </a:solidFill>
+                <a:highlight>
+                  <a:srgbClr val="FFFFFF"/>
+                </a:highlight>
+                <a:latin typeface="Tahoma"/>
+                <a:ea typeface="Tahoma"/>
+                <a:cs typeface="Tahoma"/>
+                <a:sym typeface="Tahoma"/>
+              </a:rPr>
+              <a:t>Cechy i funkcje sieci WAN</a:t>
+            </a:r>
+            <a:endParaRPr sz="3500">
+              <a:latin typeface="Tahoma"/>
+              <a:ea typeface="Tahoma"/>
+              <a:cs typeface="Tahoma"/>
+              <a:sym typeface="Tahoma"/>
+            </a:endParaRPr>
+          </a:p>
+        </p:txBody>
+      </p:sp>
+      <p:sp>
+        <p:nvSpPr>
+          <p:cNvPr id="487" name="Google Shape;487;p77"/>
+          <p:cNvSpPr txBox="1"/>
+          <p:nvPr>
+            <p:ph idx="1" type="body"/>
+          </p:nvPr>
+        </p:nvSpPr>
+        <p:spPr>
+          <a:xfrm>
+            <a:off x="729450" y="2078875"/>
+            <a:ext cx="7688700" cy="3041700"/>
+          </a:xfrm>
+          <a:prstGeom prst="rect">
+            <a:avLst/>
+          </a:prstGeom>
+        </p:spPr>
+        <p:txBody>
+          <a:bodyPr anchorCtr="0" anchor="t" bIns="91425" lIns="91425" spcFirstLastPara="1" rIns="91425" wrap="square" tIns="91425">
+            <a:normAutofit fontScale="85000" lnSpcReduction="10000"/>
+          </a:bodyPr>
+          <a:lstStyle/>
+          <a:p>
+            <a:pPr indent="-300334" lvl="0" marL="457200" rtl="0" algn="l">
+              <a:lnSpc>
+                <a:spcPct val="150000"/>
+              </a:lnSpc>
+              <a:spcBef>
+                <a:spcPts val="800"/>
+              </a:spcBef>
+              <a:spcAft>
+                <a:spcPts val="0"/>
+              </a:spcAft>
+              <a:buClr>
+                <a:srgbClr val="001D35"/>
+              </a:buClr>
+              <a:buSzPct val="100000"/>
+              <a:buFont typeface="Arial"/>
+              <a:buChar char="●"/>
+            </a:pPr>
+            <a:r>
+              <a:rPr b="1" lang="pl" sz="1329">
+                <a:solidFill>
+                  <a:srgbClr val="001D35"/>
+                </a:solidFill>
+                <a:highlight>
+                  <a:srgbClr val="FFFFFF"/>
+                </a:highlight>
+                <a:latin typeface="Tahoma"/>
+                <a:ea typeface="Tahoma"/>
+                <a:cs typeface="Tahoma"/>
+                <a:sym typeface="Tahoma"/>
+              </a:rPr>
+              <a:t>Duży zasięg geograficzny</a:t>
+            </a:r>
+            <a:r>
+              <a:rPr lang="pl" sz="1329">
+                <a:solidFill>
+                  <a:srgbClr val="001D35"/>
+                </a:solidFill>
+                <a:highlight>
+                  <a:srgbClr val="FFFFFF"/>
+                </a:highlight>
+                <a:latin typeface="Tahoma"/>
+                <a:ea typeface="Tahoma"/>
+                <a:cs typeface="Tahoma"/>
+                <a:sym typeface="Tahoma"/>
+              </a:rPr>
+              <a:t>: WAN obejmuje znaczące obszary, np. kraje, kontynenty, wykraczając poza pojedynczy budynek czy kampus. </a:t>
+            </a:r>
+            <a:endParaRPr sz="1329">
+              <a:solidFill>
+                <a:srgbClr val="001D35"/>
+              </a:solidFill>
+              <a:highlight>
+                <a:srgbClr val="FFFFFF"/>
+              </a:highlight>
+              <a:latin typeface="Tahoma"/>
+              <a:ea typeface="Tahoma"/>
+              <a:cs typeface="Tahoma"/>
+              <a:sym typeface="Tahoma"/>
+            </a:endParaRPr>
+          </a:p>
+          <a:p>
+            <a:pPr indent="-300334" lvl="0" marL="457200" rtl="0" algn="l">
+              <a:lnSpc>
+                <a:spcPct val="150000"/>
+              </a:lnSpc>
+              <a:spcBef>
+                <a:spcPts val="0"/>
+              </a:spcBef>
+              <a:spcAft>
+                <a:spcPts val="0"/>
+              </a:spcAft>
+              <a:buClr>
+                <a:srgbClr val="001D35"/>
+              </a:buClr>
+              <a:buSzPct val="100000"/>
+              <a:buFont typeface="Arial"/>
+              <a:buChar char="●"/>
+            </a:pPr>
+            <a:r>
+              <a:rPr b="1" lang="pl" sz="1329">
+                <a:solidFill>
+                  <a:srgbClr val="001D35"/>
+                </a:solidFill>
+                <a:highlight>
+                  <a:srgbClr val="FFFFFF"/>
+                </a:highlight>
+                <a:latin typeface="Tahoma"/>
+                <a:ea typeface="Tahoma"/>
+                <a:cs typeface="Tahoma"/>
+                <a:sym typeface="Tahoma"/>
+              </a:rPr>
+              <a:t>Połączenie mniejszych sieci</a:t>
+            </a:r>
+            <a:r>
+              <a:rPr lang="pl" sz="1329">
+                <a:solidFill>
+                  <a:srgbClr val="001D35"/>
+                </a:solidFill>
+                <a:highlight>
+                  <a:srgbClr val="FFFFFF"/>
+                </a:highlight>
+                <a:latin typeface="Tahoma"/>
+                <a:ea typeface="Tahoma"/>
+                <a:cs typeface="Tahoma"/>
+                <a:sym typeface="Tahoma"/>
+              </a:rPr>
+              <a:t>: WAN łączy ze sobą mniejsze sieci, takie jak sieci LAN czy sieci metropolitalne (MAN), tworząc spójną całość. </a:t>
+            </a:r>
+            <a:endParaRPr sz="1329">
+              <a:solidFill>
+                <a:srgbClr val="001D35"/>
+              </a:solidFill>
+              <a:highlight>
+                <a:srgbClr val="FFFFFF"/>
+              </a:highlight>
+              <a:latin typeface="Tahoma"/>
+              <a:ea typeface="Tahoma"/>
+              <a:cs typeface="Tahoma"/>
+              <a:sym typeface="Tahoma"/>
+            </a:endParaRPr>
+          </a:p>
+          <a:p>
+            <a:pPr indent="-300334" lvl="0" marL="457200" rtl="0" algn="l">
+              <a:lnSpc>
+                <a:spcPct val="150000"/>
+              </a:lnSpc>
+              <a:spcBef>
+                <a:spcPts val="0"/>
+              </a:spcBef>
+              <a:spcAft>
+                <a:spcPts val="0"/>
+              </a:spcAft>
+              <a:buClr>
+                <a:srgbClr val="001D35"/>
+              </a:buClr>
+              <a:buSzPct val="100000"/>
+              <a:buFont typeface="Arial"/>
+              <a:buChar char="●"/>
+            </a:pPr>
+            <a:r>
+              <a:rPr b="1" lang="pl" sz="1329">
+                <a:solidFill>
+                  <a:srgbClr val="001D35"/>
+                </a:solidFill>
+                <a:highlight>
+                  <a:srgbClr val="FFFFFF"/>
+                </a:highlight>
+                <a:latin typeface="Tahoma"/>
+                <a:ea typeface="Tahoma"/>
+                <a:cs typeface="Tahoma"/>
+                <a:sym typeface="Tahoma"/>
+              </a:rPr>
+              <a:t>Wykorzystanie infrastruktury zewnętrznej</a:t>
+            </a:r>
+            <a:r>
+              <a:rPr lang="pl" sz="1329">
+                <a:solidFill>
+                  <a:srgbClr val="001D35"/>
+                </a:solidFill>
+                <a:highlight>
+                  <a:srgbClr val="FFFFFF"/>
+                </a:highlight>
+                <a:latin typeface="Tahoma"/>
+                <a:ea typeface="Tahoma"/>
+                <a:cs typeface="Tahoma"/>
+                <a:sym typeface="Tahoma"/>
+              </a:rPr>
+              <a:t>: Sieci WAN opierają się na usługach i infrastrukturze udostępnianej przez operatorów telekomunikacyjnych, co umożliwia transmisję danych na duże odległości. </a:t>
+            </a:r>
+            <a:endParaRPr sz="1329">
+              <a:solidFill>
+                <a:srgbClr val="001D35"/>
+              </a:solidFill>
+              <a:highlight>
+                <a:srgbClr val="FFFFFF"/>
+              </a:highlight>
+              <a:latin typeface="Tahoma"/>
+              <a:ea typeface="Tahoma"/>
+              <a:cs typeface="Tahoma"/>
+              <a:sym typeface="Tahoma"/>
+            </a:endParaRPr>
+          </a:p>
+          <a:p>
+            <a:pPr indent="-300334" lvl="0" marL="457200" rtl="0" algn="l">
+              <a:lnSpc>
+                <a:spcPct val="150000"/>
+              </a:lnSpc>
+              <a:spcBef>
+                <a:spcPts val="0"/>
+              </a:spcBef>
+              <a:spcAft>
+                <a:spcPts val="0"/>
+              </a:spcAft>
+              <a:buClr>
+                <a:srgbClr val="001D35"/>
+              </a:buClr>
+              <a:buSzPct val="100000"/>
+              <a:buFont typeface="Arial"/>
+              <a:buChar char="●"/>
+            </a:pPr>
+            <a:r>
+              <a:rPr b="1" lang="pl" sz="1329">
+                <a:solidFill>
+                  <a:srgbClr val="001D35"/>
+                </a:solidFill>
+                <a:highlight>
+                  <a:srgbClr val="FFFFFF"/>
+                </a:highlight>
+                <a:latin typeface="Tahoma"/>
+                <a:ea typeface="Tahoma"/>
+                <a:cs typeface="Tahoma"/>
+                <a:sym typeface="Tahoma"/>
+              </a:rPr>
+              <a:t>Komunikacja między firmami</a:t>
+            </a:r>
+            <a:r>
+              <a:rPr lang="pl" sz="1329">
+                <a:solidFill>
+                  <a:srgbClr val="001D35"/>
+                </a:solidFill>
+                <a:highlight>
+                  <a:srgbClr val="FFFFFF"/>
+                </a:highlight>
+                <a:latin typeface="Tahoma"/>
+                <a:ea typeface="Tahoma"/>
+                <a:cs typeface="Tahoma"/>
+                <a:sym typeface="Tahoma"/>
+              </a:rPr>
+              <a:t>: Przedsiębiorstwa używają sieci WAN do łączenia swoich oddziałów, centrów danych i placówek, co ułatwia wymianę informacji. </a:t>
+            </a:r>
+            <a:endParaRPr sz="1329">
+              <a:solidFill>
+                <a:srgbClr val="001D35"/>
+              </a:solidFill>
+              <a:highlight>
+                <a:srgbClr val="FFFFFF"/>
+              </a:highlight>
+              <a:latin typeface="Tahoma"/>
+              <a:ea typeface="Tahoma"/>
+              <a:cs typeface="Tahoma"/>
+              <a:sym typeface="Tahoma"/>
+            </a:endParaRPr>
+          </a:p>
+          <a:p>
+            <a:pPr indent="-300334" lvl="0" marL="457200" rtl="0" algn="l">
+              <a:lnSpc>
+                <a:spcPct val="150000"/>
+              </a:lnSpc>
+              <a:spcBef>
+                <a:spcPts val="0"/>
+              </a:spcBef>
+              <a:spcAft>
+                <a:spcPts val="0"/>
+              </a:spcAft>
+              <a:buClr>
+                <a:srgbClr val="001D35"/>
+              </a:buClr>
+              <a:buSzPct val="100000"/>
+              <a:buFont typeface="Arial"/>
+              <a:buChar char="●"/>
+            </a:pPr>
+            <a:r>
+              <a:rPr b="1" lang="pl" sz="1329">
+                <a:solidFill>
+                  <a:srgbClr val="001D35"/>
+                </a:solidFill>
+                <a:highlight>
+                  <a:srgbClr val="FFFFFF"/>
+                </a:highlight>
+                <a:latin typeface="Tahoma"/>
+                <a:ea typeface="Tahoma"/>
+                <a:cs typeface="Tahoma"/>
+                <a:sym typeface="Tahoma"/>
+              </a:rPr>
+              <a:t>Podstawa dla Internetu</a:t>
+            </a:r>
+            <a:r>
+              <a:rPr lang="pl" sz="1329">
+                <a:solidFill>
+                  <a:srgbClr val="001D35"/>
+                </a:solidFill>
+                <a:highlight>
+                  <a:srgbClr val="FFFFFF"/>
+                </a:highlight>
+                <a:latin typeface="Tahoma"/>
+                <a:ea typeface="Tahoma"/>
+                <a:cs typeface="Tahoma"/>
+                <a:sym typeface="Tahoma"/>
+              </a:rPr>
+              <a:t>: Największą istniejącą siecią WAN jest globalny Internet, łączący miliony sieci lokalnych na całym świecie. </a:t>
+            </a:r>
+            <a:endParaRPr sz="1329">
+              <a:solidFill>
+                <a:srgbClr val="001D35"/>
+              </a:solidFill>
+              <a:highlight>
+                <a:srgbClr val="FFFFFF"/>
+              </a:highlight>
+              <a:latin typeface="Tahoma"/>
+              <a:ea typeface="Tahoma"/>
+              <a:cs typeface="Tahoma"/>
+              <a:sym typeface="Tahoma"/>
+            </a:endParaRPr>
+          </a:p>
+          <a:p>
+            <a:pPr indent="0" lvl="0" marL="0" rtl="0" algn="l">
+              <a:spcBef>
+                <a:spcPts val="1500"/>
+              </a:spcBef>
+              <a:spcAft>
+                <a:spcPts val="1200"/>
+              </a:spcAft>
+              <a:buNone/>
+            </a:pPr>
+            <a:r>
+              <a:t/>
+            </a:r>
+            <a:endParaRPr/>
+          </a:p>
+        </p:txBody>
+      </p:sp>
+    </p:spTree>
+  </p:cSld>
+  <p:clrMapOvr>
+    <a:masterClrMapping/>
+  </p:clrMapOvr>
+</p:sld>
+</file>
+
+<file path=ppt/slides/slide66.xml><?xml version="1.0" encoding="utf-8"?>
+<p:sld xmlns:a="http://schemas.openxmlformats.org/drawingml/2006/main" xmlns:r="http://schemas.openxmlformats.org/officeDocument/2006/relationships" xmlns:mc="http://schemas.openxmlformats.org/markup-compatibility/2006" xmlns:mv="urn:schemas-microsoft-com:mac:vml" xmlns:p="http://schemas.openxmlformats.org/presentationml/2006/main" xmlns:c="http://schemas.openxmlformats.org/drawingml/2006/chart" xmlns:dgm="http://schemas.openxmlformats.org/drawingml/2006/diagram" xmlns:o="urn:schemas-microsoft-com:office:office" xmlns:v="urn:schemas-microsoft-com:vml" xmlns:pvml="urn:schemas-microsoft-com:office:powerpoint" xmlns:com="http://schemas.openxmlformats.org/drawingml/2006/compatibility" xmlns:p14="http://schemas.microsoft.com/office/powerpoint/2010/main" xmlns:p15="http://schemas.microsoft.com/office/powerpoint/2012/main" xmlns:ahyp="http://schemas.microsoft.com/office/drawing/2018/hyperlinkcolor">
+  <p:cSld>
+    <p:spTree>
+      <p:nvGrpSpPr>
+        <p:cNvPr id="491" name="Shape 491"/>
+        <p:cNvGrpSpPr/>
+        <p:nvPr/>
+      </p:nvGrpSpPr>
+      <p:grpSpPr>
+        <a:xfrm>
+          <a:off x="0" y="0"/>
+          <a:ext cx="0" cy="0"/>
+          <a:chOff x="0" y="0"/>
+          <a:chExt cx="0" cy="0"/>
+        </a:xfrm>
+      </p:grpSpPr>
+      <p:sp>
+        <p:nvSpPr>
+          <p:cNvPr id="492" name="Google Shape;492;p78"/>
+          <p:cNvSpPr txBox="1"/>
+          <p:nvPr>
+            <p:ph type="title"/>
+          </p:nvPr>
+        </p:nvSpPr>
+        <p:spPr>
+          <a:xfrm>
+            <a:off x="729450" y="1318650"/>
+            <a:ext cx="7688700" cy="535200"/>
+          </a:xfrm>
+          <a:prstGeom prst="rect">
+            <a:avLst/>
+          </a:prstGeom>
+        </p:spPr>
+        <p:txBody>
+          <a:bodyPr anchorCtr="0" anchor="t" bIns="91425" lIns="91425" spcFirstLastPara="1" rIns="91425" wrap="square" tIns="91425">
+            <a:noAutofit/>
+          </a:bodyPr>
+          <a:lstStyle/>
+          <a:p>
+            <a:pPr indent="0" lvl="0" marL="0" rtl="0" algn="l">
+              <a:lnSpc>
+                <a:spcPct val="115000"/>
+              </a:lnSpc>
+              <a:spcBef>
+                <a:spcPts val="0"/>
+              </a:spcBef>
+              <a:spcAft>
+                <a:spcPts val="1200"/>
+              </a:spcAft>
+              <a:buNone/>
+            </a:pPr>
+            <a:r>
+              <a:rPr lang="pl" sz="2400">
+                <a:solidFill>
+                  <a:srgbClr val="001D35"/>
+                </a:solidFill>
+                <a:highlight>
+                  <a:srgbClr val="FFFFFF"/>
+                </a:highlight>
+                <a:latin typeface="Tahoma"/>
+                <a:ea typeface="Tahoma"/>
+                <a:cs typeface="Tahoma"/>
+                <a:sym typeface="Tahoma"/>
+              </a:rPr>
+              <a:t>MAN (Metropolitan Area Network)</a:t>
+            </a:r>
+            <a:endParaRPr sz="2400">
+              <a:latin typeface="Tahoma"/>
+              <a:ea typeface="Tahoma"/>
+              <a:cs typeface="Tahoma"/>
+              <a:sym typeface="Tahoma"/>
+            </a:endParaRPr>
+          </a:p>
+        </p:txBody>
+      </p:sp>
+      <p:sp>
+        <p:nvSpPr>
+          <p:cNvPr id="493" name="Google Shape;493;p78"/>
+          <p:cNvSpPr txBox="1"/>
+          <p:nvPr>
+            <p:ph idx="1" type="body"/>
+          </p:nvPr>
+        </p:nvSpPr>
+        <p:spPr>
+          <a:xfrm>
+            <a:off x="729450" y="2078875"/>
+            <a:ext cx="7688700" cy="2261100"/>
+          </a:xfrm>
+          <a:prstGeom prst="rect">
+            <a:avLst/>
+          </a:prstGeom>
+        </p:spPr>
+        <p:txBody>
+          <a:bodyPr anchorCtr="0" anchor="t" bIns="91425" lIns="91425" spcFirstLastPara="1" rIns="91425" wrap="square" tIns="91425">
+            <a:normAutofit/>
+          </a:bodyPr>
+          <a:lstStyle/>
+          <a:p>
+            <a:pPr indent="0" lvl="0" marL="0" rtl="0" algn="l">
+              <a:spcBef>
+                <a:spcPts val="0"/>
+              </a:spcBef>
+              <a:spcAft>
+                <a:spcPts val="0"/>
+              </a:spcAft>
+              <a:buNone/>
+            </a:pPr>
+            <a:r>
+              <a:rPr lang="pl" sz="1200">
+                <a:solidFill>
+                  <a:srgbClr val="001D35"/>
+                </a:solidFill>
+                <a:highlight>
+                  <a:srgbClr val="FFFFFF"/>
+                </a:highlight>
+                <a:latin typeface="Tahoma"/>
+                <a:ea typeface="Tahoma"/>
+                <a:cs typeface="Tahoma"/>
+                <a:sym typeface="Tahoma"/>
+              </a:rPr>
+              <a:t>Czyli </a:t>
+            </a:r>
+            <a:r>
+              <a:rPr b="1" lang="pl" sz="1200">
+                <a:solidFill>
+                  <a:srgbClr val="001D35"/>
+                </a:solidFill>
+                <a:highlight>
+                  <a:srgbClr val="FFFFFF"/>
+                </a:highlight>
+                <a:latin typeface="Tahoma"/>
+                <a:ea typeface="Tahoma"/>
+                <a:cs typeface="Tahoma"/>
+                <a:sym typeface="Tahoma"/>
+              </a:rPr>
+              <a:t>sieć metropolitalna lub miejska, to duża sieć komputerowa obejmująca zasięgiem obszar aglomeracji miejskiej lub całego miasta</a:t>
+            </a:r>
+            <a:r>
+              <a:rPr lang="pl" sz="1200">
+                <a:solidFill>
+                  <a:srgbClr val="001D35"/>
+                </a:solidFill>
+                <a:highlight>
+                  <a:srgbClr val="FFFFFF"/>
+                </a:highlight>
+                <a:latin typeface="Tahoma"/>
+                <a:ea typeface="Tahoma"/>
+                <a:cs typeface="Tahoma"/>
+                <a:sym typeface="Tahoma"/>
+              </a:rPr>
+              <a:t>. </a:t>
+            </a:r>
+            <a:endParaRPr sz="1200">
+              <a:solidFill>
+                <a:srgbClr val="001D35"/>
+              </a:solidFill>
+              <a:highlight>
+                <a:srgbClr val="FFFFFF"/>
+              </a:highlight>
+              <a:latin typeface="Tahoma"/>
+              <a:ea typeface="Tahoma"/>
+              <a:cs typeface="Tahoma"/>
+              <a:sym typeface="Tahoma"/>
+            </a:endParaRPr>
+          </a:p>
+          <a:p>
+            <a:pPr indent="0" lvl="0" marL="0" rtl="0" algn="l">
+              <a:spcBef>
+                <a:spcPts val="1200"/>
+              </a:spcBef>
+              <a:spcAft>
+                <a:spcPts val="0"/>
+              </a:spcAft>
+              <a:buNone/>
+            </a:pPr>
+            <a:r>
+              <a:rPr lang="pl" sz="1200">
+                <a:solidFill>
+                  <a:srgbClr val="001D35"/>
+                </a:solidFill>
+                <a:highlight>
+                  <a:srgbClr val="FFFFFF"/>
+                </a:highlight>
+                <a:latin typeface="Tahoma"/>
+                <a:ea typeface="Tahoma"/>
+                <a:cs typeface="Tahoma"/>
+                <a:sym typeface="Tahoma"/>
+              </a:rPr>
+              <a:t>Umożliwia ona połączenie wielu rozproszonych sieci lokalnych (LAN) za pomocą szybkiej komunikacji, często z wykorzystaniem połączeń światłowodowych. </a:t>
+            </a:r>
+            <a:endParaRPr sz="1200">
+              <a:solidFill>
+                <a:srgbClr val="001D35"/>
+              </a:solidFill>
+              <a:highlight>
+                <a:srgbClr val="FFFFFF"/>
+              </a:highlight>
+              <a:latin typeface="Tahoma"/>
+              <a:ea typeface="Tahoma"/>
+              <a:cs typeface="Tahoma"/>
+              <a:sym typeface="Tahoma"/>
+            </a:endParaRPr>
+          </a:p>
+          <a:p>
+            <a:pPr indent="0" lvl="0" marL="0" rtl="0" algn="l">
+              <a:spcBef>
+                <a:spcPts val="1200"/>
+              </a:spcBef>
+              <a:spcAft>
+                <a:spcPts val="1200"/>
+              </a:spcAft>
+              <a:buNone/>
+            </a:pPr>
+            <a:r>
+              <a:rPr lang="pl" sz="1200">
+                <a:solidFill>
+                  <a:srgbClr val="001D35"/>
+                </a:solidFill>
+                <a:highlight>
+                  <a:srgbClr val="FFFFFF"/>
+                </a:highlight>
+                <a:latin typeface="Tahoma"/>
+                <a:ea typeface="Tahoma"/>
+                <a:cs typeface="Tahoma"/>
+                <a:sym typeface="Tahoma"/>
+              </a:rPr>
+              <a:t>Sieci MAN są używane przez instytucje rządowe, edukacyjne, przedsiębiorstwa oraz dostawców usług internetowych do wymiany danych i tworzenia infrastruktury inteligentnych miast. </a:t>
+            </a:r>
+            <a:endParaRPr>
+              <a:latin typeface="Tahoma"/>
+              <a:ea typeface="Tahoma"/>
+              <a:cs typeface="Tahoma"/>
+              <a:sym typeface="Tahoma"/>
+            </a:endParaRPr>
+          </a:p>
+        </p:txBody>
+      </p:sp>
+    </p:spTree>
+  </p:cSld>
+  <p:clrMapOvr>
+    <a:masterClrMapping/>
+  </p:clrMapOvr>
+</p:sld>
+</file>
+
+<file path=ppt/slides/slide67.xml><?xml version="1.0" encoding="utf-8"?>
+<p:sld xmlns:a="http://schemas.openxmlformats.org/drawingml/2006/main" xmlns:r="http://schemas.openxmlformats.org/officeDocument/2006/relationships" xmlns:mc="http://schemas.openxmlformats.org/markup-compatibility/2006" xmlns:mv="urn:schemas-microsoft-com:mac:vml" xmlns:p="http://schemas.openxmlformats.org/presentationml/2006/main" xmlns:c="http://schemas.openxmlformats.org/drawingml/2006/chart" xmlns:dgm="http://schemas.openxmlformats.org/drawingml/2006/diagram" xmlns:o="urn:schemas-microsoft-com:office:office" xmlns:v="urn:schemas-microsoft-com:vml" xmlns:pvml="urn:schemas-microsoft-com:office:powerpoint" xmlns:com="http://schemas.openxmlformats.org/drawingml/2006/compatibility" xmlns:p14="http://schemas.microsoft.com/office/powerpoint/2010/main" xmlns:p15="http://schemas.microsoft.com/office/powerpoint/2012/main" xmlns:ahyp="http://schemas.microsoft.com/office/drawing/2018/hyperlinkcolor">
+  <p:cSld>
+    <p:spTree>
+      <p:nvGrpSpPr>
+        <p:cNvPr id="497" name="Shape 497"/>
+        <p:cNvGrpSpPr/>
+        <p:nvPr/>
+      </p:nvGrpSpPr>
+      <p:grpSpPr>
+        <a:xfrm>
+          <a:off x="0" y="0"/>
+          <a:ext cx="0" cy="0"/>
+          <a:chOff x="0" y="0"/>
+          <a:chExt cx="0" cy="0"/>
+        </a:xfrm>
+      </p:grpSpPr>
+      <p:sp>
+        <p:nvSpPr>
+          <p:cNvPr id="498" name="Google Shape;498;p79"/>
+          <p:cNvSpPr txBox="1"/>
+          <p:nvPr>
+            <p:ph type="title"/>
+          </p:nvPr>
+        </p:nvSpPr>
+        <p:spPr>
+          <a:xfrm>
+            <a:off x="729450" y="1318650"/>
+            <a:ext cx="7688700" cy="535200"/>
+          </a:xfrm>
+          <a:prstGeom prst="rect">
+            <a:avLst/>
+          </a:prstGeom>
+        </p:spPr>
+        <p:txBody>
+          <a:bodyPr anchorCtr="0" anchor="t" bIns="91425" lIns="91425" spcFirstLastPara="1" rIns="91425" wrap="square" tIns="91425">
+            <a:noAutofit/>
+          </a:bodyPr>
+          <a:lstStyle/>
+          <a:p>
+            <a:pPr indent="0" lvl="0" marL="0" rtl="0" algn="l">
+              <a:lnSpc>
+                <a:spcPct val="140000"/>
+              </a:lnSpc>
+              <a:spcBef>
+                <a:spcPts val="1500"/>
+              </a:spcBef>
+              <a:spcAft>
+                <a:spcPts val="800"/>
+              </a:spcAft>
+              <a:buNone/>
+            </a:pPr>
+            <a:r>
+              <a:rPr lang="pl" sz="2400">
+                <a:solidFill>
+                  <a:srgbClr val="001D35"/>
+                </a:solidFill>
+                <a:highlight>
+                  <a:srgbClr val="FFFFFF"/>
+                </a:highlight>
+                <a:latin typeface="Tahoma"/>
+                <a:ea typeface="Tahoma"/>
+                <a:cs typeface="Tahoma"/>
+                <a:sym typeface="Tahoma"/>
+              </a:rPr>
+              <a:t>Cechy i zastosowania sieci MAN:</a:t>
+            </a:r>
+            <a:endParaRPr sz="3500">
+              <a:latin typeface="Tahoma"/>
+              <a:ea typeface="Tahoma"/>
+              <a:cs typeface="Tahoma"/>
+              <a:sym typeface="Tahoma"/>
+            </a:endParaRPr>
+          </a:p>
+        </p:txBody>
+      </p:sp>
+      <p:sp>
+        <p:nvSpPr>
+          <p:cNvPr id="499" name="Google Shape;499;p79"/>
+          <p:cNvSpPr txBox="1"/>
+          <p:nvPr>
+            <p:ph idx="1" type="body"/>
+          </p:nvPr>
+        </p:nvSpPr>
+        <p:spPr>
+          <a:xfrm>
+            <a:off x="729450" y="2078875"/>
+            <a:ext cx="7688700" cy="2972400"/>
+          </a:xfrm>
+          <a:prstGeom prst="rect">
+            <a:avLst/>
+          </a:prstGeom>
+        </p:spPr>
+        <p:txBody>
+          <a:bodyPr anchorCtr="0" anchor="t" bIns="91425" lIns="91425" spcFirstLastPara="1" rIns="91425" wrap="square" tIns="91425">
+            <a:normAutofit/>
+          </a:bodyPr>
+          <a:lstStyle/>
+          <a:p>
+            <a:pPr indent="-304800" lvl="0" marL="457200" rtl="0" algn="l">
+              <a:lnSpc>
+                <a:spcPct val="150000"/>
+              </a:lnSpc>
+              <a:spcBef>
+                <a:spcPts val="800"/>
+              </a:spcBef>
+              <a:spcAft>
+                <a:spcPts val="0"/>
+              </a:spcAft>
+              <a:buClr>
+                <a:srgbClr val="001D35"/>
+              </a:buClr>
+              <a:buSzPts val="1200"/>
+              <a:buFont typeface="Arial"/>
+              <a:buChar char="●"/>
+            </a:pPr>
+            <a:r>
+              <a:rPr b="1" lang="pl" sz="1200">
+                <a:solidFill>
+                  <a:srgbClr val="001D35"/>
+                </a:solidFill>
+                <a:highlight>
+                  <a:srgbClr val="FFFFFF"/>
+                </a:highlight>
+                <a:latin typeface="Tahoma"/>
+                <a:ea typeface="Tahoma"/>
+                <a:cs typeface="Tahoma"/>
+                <a:sym typeface="Tahoma"/>
+              </a:rPr>
+              <a:t>Zasięg:</a:t>
+            </a:r>
+            <a:r>
+              <a:rPr lang="pl" sz="1200">
+                <a:solidFill>
+                  <a:srgbClr val="001D35"/>
+                </a:solidFill>
+                <a:highlight>
+                  <a:srgbClr val="FFFFFF"/>
+                </a:highlight>
+                <a:latin typeface="Tahoma"/>
+                <a:ea typeface="Tahoma"/>
+                <a:cs typeface="Tahoma"/>
+                <a:sym typeface="Tahoma"/>
+              </a:rPr>
+              <a:t> Obejmuje obszar miasta lub aglomeracji. </a:t>
+            </a:r>
+            <a:endParaRPr sz="1200">
+              <a:solidFill>
+                <a:srgbClr val="001D35"/>
+              </a:solidFill>
+              <a:highlight>
+                <a:srgbClr val="FFFFFF"/>
+              </a:highlight>
+              <a:latin typeface="Tahoma"/>
+              <a:ea typeface="Tahoma"/>
+              <a:cs typeface="Tahoma"/>
+              <a:sym typeface="Tahoma"/>
+            </a:endParaRPr>
+          </a:p>
+          <a:p>
+            <a:pPr indent="-304800" lvl="0" marL="457200" rtl="0" algn="l">
+              <a:lnSpc>
+                <a:spcPct val="150000"/>
+              </a:lnSpc>
+              <a:spcBef>
+                <a:spcPts val="0"/>
+              </a:spcBef>
+              <a:spcAft>
+                <a:spcPts val="0"/>
+              </a:spcAft>
+              <a:buClr>
+                <a:srgbClr val="001D35"/>
+              </a:buClr>
+              <a:buSzPts val="1200"/>
+              <a:buFont typeface="Arial"/>
+              <a:buChar char="●"/>
+            </a:pPr>
+            <a:r>
+              <a:rPr b="1" lang="pl" sz="1200">
+                <a:solidFill>
+                  <a:srgbClr val="001D35"/>
+                </a:solidFill>
+                <a:highlight>
+                  <a:srgbClr val="FFFFFF"/>
+                </a:highlight>
+                <a:latin typeface="Tahoma"/>
+                <a:ea typeface="Tahoma"/>
+                <a:cs typeface="Tahoma"/>
+                <a:sym typeface="Tahoma"/>
+              </a:rPr>
+              <a:t>Połączenia:</a:t>
+            </a:r>
+            <a:r>
+              <a:rPr lang="pl" sz="1200">
+                <a:solidFill>
+                  <a:srgbClr val="001D35"/>
+                </a:solidFill>
+                <a:highlight>
+                  <a:srgbClr val="FFFFFF"/>
+                </a:highlight>
+                <a:latin typeface="Tahoma"/>
+                <a:ea typeface="Tahoma"/>
+                <a:cs typeface="Tahoma"/>
+                <a:sym typeface="Tahoma"/>
+              </a:rPr>
+              <a:t> Łączy ze sobą mniejsze sieci lokalne (LAN). </a:t>
+            </a:r>
+            <a:endParaRPr sz="1200">
+              <a:solidFill>
+                <a:srgbClr val="001D35"/>
+              </a:solidFill>
+              <a:highlight>
+                <a:srgbClr val="FFFFFF"/>
+              </a:highlight>
+              <a:latin typeface="Tahoma"/>
+              <a:ea typeface="Tahoma"/>
+              <a:cs typeface="Tahoma"/>
+              <a:sym typeface="Tahoma"/>
+            </a:endParaRPr>
+          </a:p>
+          <a:p>
+            <a:pPr indent="-304800" lvl="0" marL="457200" rtl="0" algn="l">
+              <a:lnSpc>
+                <a:spcPct val="150000"/>
+              </a:lnSpc>
+              <a:spcBef>
+                <a:spcPts val="0"/>
+              </a:spcBef>
+              <a:spcAft>
+                <a:spcPts val="0"/>
+              </a:spcAft>
+              <a:buClr>
+                <a:srgbClr val="001D35"/>
+              </a:buClr>
+              <a:buSzPts val="1200"/>
+              <a:buFont typeface="Arial"/>
+              <a:buChar char="●"/>
+            </a:pPr>
+            <a:r>
+              <a:rPr b="1" lang="pl" sz="1200">
+                <a:solidFill>
+                  <a:srgbClr val="001D35"/>
+                </a:solidFill>
+                <a:highlight>
+                  <a:srgbClr val="FFFFFF"/>
+                </a:highlight>
+                <a:latin typeface="Tahoma"/>
+                <a:ea typeface="Tahoma"/>
+                <a:cs typeface="Tahoma"/>
+                <a:sym typeface="Tahoma"/>
+              </a:rPr>
+              <a:t>Technologie:</a:t>
+            </a:r>
+            <a:r>
+              <a:rPr lang="pl" sz="1200">
+                <a:solidFill>
+                  <a:srgbClr val="001D35"/>
+                </a:solidFill>
+                <a:highlight>
+                  <a:srgbClr val="FFFFFF"/>
+                </a:highlight>
+                <a:latin typeface="Tahoma"/>
+                <a:ea typeface="Tahoma"/>
+                <a:cs typeface="Tahoma"/>
+                <a:sym typeface="Tahoma"/>
+              </a:rPr>
+              <a:t> Często wykorzystuje połączenia światłowodowe, ale możliwe jest także użycie technologii radiowych. </a:t>
+            </a:r>
+            <a:endParaRPr sz="1200">
+              <a:solidFill>
+                <a:srgbClr val="001D35"/>
+              </a:solidFill>
+              <a:highlight>
+                <a:srgbClr val="FFFFFF"/>
+              </a:highlight>
+              <a:latin typeface="Tahoma"/>
+              <a:ea typeface="Tahoma"/>
+              <a:cs typeface="Tahoma"/>
+              <a:sym typeface="Tahoma"/>
+            </a:endParaRPr>
+          </a:p>
+          <a:p>
+            <a:pPr indent="-304800" lvl="0" marL="457200" rtl="0" algn="l">
+              <a:lnSpc>
+                <a:spcPct val="150000"/>
+              </a:lnSpc>
+              <a:spcBef>
+                <a:spcPts val="0"/>
+              </a:spcBef>
+              <a:spcAft>
+                <a:spcPts val="0"/>
+              </a:spcAft>
+              <a:buClr>
+                <a:srgbClr val="001D35"/>
+              </a:buClr>
+              <a:buSzPts val="1200"/>
+              <a:buFont typeface="Arial"/>
+              <a:buChar char="●"/>
+            </a:pPr>
+            <a:r>
+              <a:rPr b="1" lang="pl" sz="1200">
+                <a:solidFill>
+                  <a:srgbClr val="001D35"/>
+                </a:solidFill>
+                <a:highlight>
+                  <a:srgbClr val="FFFFFF"/>
+                </a:highlight>
+                <a:latin typeface="Tahoma"/>
+                <a:ea typeface="Tahoma"/>
+                <a:cs typeface="Tahoma"/>
+                <a:sym typeface="Tahoma"/>
+              </a:rPr>
+              <a:t>Użytkownicy:</a:t>
+            </a:r>
+            <a:r>
+              <a:rPr lang="pl" sz="1200">
+                <a:solidFill>
+                  <a:srgbClr val="001D35"/>
+                </a:solidFill>
+                <a:highlight>
+                  <a:srgbClr val="FFFFFF"/>
+                </a:highlight>
+                <a:latin typeface="Tahoma"/>
+                <a:ea typeface="Tahoma"/>
+                <a:cs typeface="Tahoma"/>
+                <a:sym typeface="Tahoma"/>
+              </a:rPr>
+              <a:t> Korzystają z nich duże organizacje (rządowe, edukacyjne, prywatne), dostawcy usług internetowych oraz operatorzy telekomunikacyjni. </a:t>
+            </a:r>
+            <a:endParaRPr sz="1200">
+              <a:solidFill>
+                <a:srgbClr val="001D35"/>
+              </a:solidFill>
+              <a:highlight>
+                <a:srgbClr val="FFFFFF"/>
+              </a:highlight>
+              <a:latin typeface="Tahoma"/>
+              <a:ea typeface="Tahoma"/>
+              <a:cs typeface="Tahoma"/>
+              <a:sym typeface="Tahoma"/>
+            </a:endParaRPr>
+          </a:p>
+          <a:p>
+            <a:pPr indent="-304800" lvl="0" marL="457200" rtl="0" algn="l">
+              <a:lnSpc>
+                <a:spcPct val="150000"/>
+              </a:lnSpc>
+              <a:spcBef>
+                <a:spcPts val="0"/>
+              </a:spcBef>
+              <a:spcAft>
+                <a:spcPts val="0"/>
+              </a:spcAft>
+              <a:buClr>
+                <a:srgbClr val="001D35"/>
+              </a:buClr>
+              <a:buSzPts val="1200"/>
+              <a:buFont typeface="Tahoma"/>
+              <a:buChar char="●"/>
+            </a:pPr>
+            <a:r>
+              <a:rPr b="1" lang="pl" sz="1200">
+                <a:solidFill>
+                  <a:srgbClr val="001D35"/>
+                </a:solidFill>
+                <a:highlight>
+                  <a:srgbClr val="FFFFFF"/>
+                </a:highlight>
+                <a:latin typeface="Tahoma"/>
+                <a:ea typeface="Tahoma"/>
+                <a:cs typeface="Tahoma"/>
+                <a:sym typeface="Tahoma"/>
+              </a:rPr>
+              <a:t>Przykłady zastosowań:</a:t>
+            </a:r>
+            <a:endParaRPr b="1" sz="1200">
+              <a:solidFill>
+                <a:srgbClr val="001D35"/>
+              </a:solidFill>
+              <a:highlight>
+                <a:srgbClr val="FFFFFF"/>
+              </a:highlight>
+              <a:latin typeface="Tahoma"/>
+              <a:ea typeface="Tahoma"/>
+              <a:cs typeface="Tahoma"/>
+              <a:sym typeface="Tahoma"/>
+            </a:endParaRPr>
+          </a:p>
+          <a:p>
+            <a:pPr indent="-304800" lvl="1" marL="914400" rtl="0" algn="l">
+              <a:lnSpc>
+                <a:spcPct val="150000"/>
+              </a:lnSpc>
+              <a:spcBef>
+                <a:spcPts val="0"/>
+              </a:spcBef>
+              <a:spcAft>
+                <a:spcPts val="0"/>
+              </a:spcAft>
+              <a:buClr>
+                <a:srgbClr val="001D35"/>
+              </a:buClr>
+              <a:buSzPts val="1200"/>
+              <a:buFont typeface="Tahoma"/>
+              <a:buChar char="●"/>
+            </a:pPr>
+            <a:r>
+              <a:rPr lang="pl" sz="1200">
+                <a:solidFill>
+                  <a:srgbClr val="001D35"/>
+                </a:solidFill>
+                <a:highlight>
+                  <a:srgbClr val="FFFFFF"/>
+                </a:highlight>
+                <a:latin typeface="Tahoma"/>
+                <a:ea typeface="Tahoma"/>
+                <a:cs typeface="Tahoma"/>
+                <a:sym typeface="Tahoma"/>
+              </a:rPr>
+              <a:t>Tworzenie infrastruktury dla inteligentnych miast (smart cities). </a:t>
+            </a:r>
+            <a:endParaRPr sz="1200">
+              <a:solidFill>
+                <a:srgbClr val="001D35"/>
+              </a:solidFill>
+              <a:highlight>
+                <a:srgbClr val="FFFFFF"/>
+              </a:highlight>
+              <a:latin typeface="Tahoma"/>
+              <a:ea typeface="Tahoma"/>
+              <a:cs typeface="Tahoma"/>
+              <a:sym typeface="Tahoma"/>
+            </a:endParaRPr>
+          </a:p>
+          <a:p>
+            <a:pPr indent="-304800" lvl="1" marL="914400" rtl="0" algn="l">
+              <a:lnSpc>
+                <a:spcPct val="150000"/>
+              </a:lnSpc>
+              <a:spcBef>
+                <a:spcPts val="0"/>
+              </a:spcBef>
+              <a:spcAft>
+                <a:spcPts val="0"/>
+              </a:spcAft>
+              <a:buClr>
+                <a:srgbClr val="001D35"/>
+              </a:buClr>
+              <a:buSzPts val="1200"/>
+              <a:buFont typeface="Tahoma"/>
+              <a:buChar char="●"/>
+            </a:pPr>
+            <a:r>
+              <a:rPr lang="pl" sz="1200">
+                <a:solidFill>
+                  <a:srgbClr val="001D35"/>
+                </a:solidFill>
+                <a:highlight>
+                  <a:srgbClr val="FFFFFF"/>
+                </a:highlight>
+                <a:latin typeface="Tahoma"/>
+                <a:ea typeface="Tahoma"/>
+                <a:cs typeface="Tahoma"/>
+                <a:sym typeface="Tahoma"/>
+              </a:rPr>
+              <a:t>Łączenie budynków uniwersyteckich w ramach kampusu. </a:t>
+            </a:r>
+            <a:endParaRPr sz="1200">
+              <a:solidFill>
+                <a:srgbClr val="001D35"/>
+              </a:solidFill>
+              <a:highlight>
+                <a:srgbClr val="FFFFFF"/>
+              </a:highlight>
+              <a:latin typeface="Tahoma"/>
+              <a:ea typeface="Tahoma"/>
+              <a:cs typeface="Tahoma"/>
+              <a:sym typeface="Tahoma"/>
+            </a:endParaRPr>
+          </a:p>
+          <a:p>
+            <a:pPr indent="-304800" lvl="1" marL="914400" rtl="0" algn="l">
+              <a:lnSpc>
+                <a:spcPct val="150000"/>
+              </a:lnSpc>
+              <a:spcBef>
+                <a:spcPts val="0"/>
+              </a:spcBef>
+              <a:spcAft>
+                <a:spcPts val="0"/>
+              </a:spcAft>
+              <a:buClr>
+                <a:srgbClr val="001D35"/>
+              </a:buClr>
+              <a:buSzPts val="1200"/>
+              <a:buFont typeface="Tahoma"/>
+              <a:buChar char="●"/>
+            </a:pPr>
+            <a:r>
+              <a:rPr lang="pl" sz="1200">
+                <a:solidFill>
+                  <a:srgbClr val="001D35"/>
+                </a:solidFill>
+                <a:highlight>
+                  <a:srgbClr val="FFFFFF"/>
+                </a:highlight>
+                <a:latin typeface="Tahoma"/>
+                <a:ea typeface="Tahoma"/>
+                <a:cs typeface="Tahoma"/>
+                <a:sym typeface="Tahoma"/>
+              </a:rPr>
+              <a:t>Zapewnienie szybkiej wymiany danych w ramach dużych organizacji bez udziału stron trzecich. </a:t>
+            </a:r>
+            <a:endParaRPr>
+              <a:latin typeface="Tahoma"/>
+              <a:ea typeface="Tahoma"/>
+              <a:cs typeface="Tahoma"/>
+              <a:sym typeface="Tahoma"/>
+            </a:endParaRPr>
+          </a:p>
+        </p:txBody>
+      </p:sp>
     </p:spTree>
   </p:cSld>
   <p:clrMapOvr>

--- a/ZASTOSOWANIE_INFORMATYKI/1A-gr_2/Zastosowanie informatyki - 1A gr. 2.pptx
+++ b/ZASTOSOWANIE_INFORMATYKI/1A-gr_2/Zastosowanie informatyki - 1A gr. 2.pptx
@@ -75,35 +75,43 @@
     <p:sldId id="320" r:id="rId71"/>
     <p:sldId id="321" r:id="rId72"/>
     <p:sldId id="322" r:id="rId73"/>
+    <p:sldId id="323" r:id="rId74"/>
+    <p:sldId id="324" r:id="rId75"/>
+    <p:sldId id="325" r:id="rId76"/>
+    <p:sldId id="326" r:id="rId77"/>
+    <p:sldId id="327" r:id="rId78"/>
+    <p:sldId id="328" r:id="rId79"/>
+    <p:sldId id="329" r:id="rId80"/>
+    <p:sldId id="330" r:id="rId81"/>
   </p:sldIdLst>
   <p:sldSz cy="5143500" cx="9144000"/>
   <p:notesSz cx="6858000" cy="9144000"/>
   <p:embeddedFontLst>
     <p:embeddedFont>
       <p:font typeface="Raleway"/>
-      <p:regular r:id="rId74"/>
-      <p:bold r:id="rId75"/>
-      <p:italic r:id="rId76"/>
-      <p:boldItalic r:id="rId77"/>
-    </p:embeddedFont>
-    <p:embeddedFont>
-      <p:font typeface="Roboto"/>
-      <p:regular r:id="rId78"/>
-      <p:bold r:id="rId79"/>
-      <p:italic r:id="rId80"/>
-      <p:boldItalic r:id="rId81"/>
-    </p:embeddedFont>
-    <p:embeddedFont>
-      <p:font typeface="Lato"/>
       <p:regular r:id="rId82"/>
       <p:bold r:id="rId83"/>
       <p:italic r:id="rId84"/>
       <p:boldItalic r:id="rId85"/>
     </p:embeddedFont>
     <p:embeddedFont>
-      <p:font typeface="Tahoma"/>
+      <p:font typeface="Roboto"/>
       <p:regular r:id="rId86"/>
       <p:bold r:id="rId87"/>
+      <p:italic r:id="rId88"/>
+      <p:boldItalic r:id="rId89"/>
+    </p:embeddedFont>
+    <p:embeddedFont>
+      <p:font typeface="Lato"/>
+      <p:regular r:id="rId90"/>
+      <p:bold r:id="rId91"/>
+      <p:italic r:id="rId92"/>
+      <p:boldItalic r:id="rId93"/>
+    </p:embeddedFont>
+    <p:embeddedFont>
+      <p:font typeface="Tahoma"/>
+      <p:regular r:id="rId94"/>
+      <p:bold r:id="rId95"/>
     </p:embeddedFont>
   </p:embeddedFontLst>
   <p:defaultTextStyle>
@@ -4943,7 +4951,7 @@
   <p:cSld>
     <p:spTree>
       <p:nvGrpSpPr>
-        <p:cNvPr id="380" name="Shape 380"/>
+        <p:cNvPr id="381" name="Shape 381"/>
         <p:cNvGrpSpPr/>
         <p:nvPr/>
       </p:nvGrpSpPr>
@@ -4957,7 +4965,7 @@
       </p:grpSpPr>
       <p:sp>
         <p:nvSpPr>
-          <p:cNvPr id="381" name="Google Shape;381;g37f9672ca00_0_0:notes"/>
+          <p:cNvPr id="382" name="Google Shape;382;g37f9672ca00_0_0:notes"/>
           <p:cNvSpPr/>
           <p:nvPr>
             <p:ph idx="2" type="sldImg"/>
@@ -4992,7 +5000,7 @@
       </p:sp>
       <p:sp>
         <p:nvSpPr>
-          <p:cNvPr id="382" name="Google Shape;382;g37f9672ca00_0_0:notes"/>
+          <p:cNvPr id="383" name="Google Shape;383;g37f9672ca00_0_0:notes"/>
           <p:cNvSpPr txBox="1"/>
           <p:nvPr>
             <p:ph idx="1" type="body"/>
@@ -5042,7 +5050,7 @@
   <p:cSld>
     <p:spTree>
       <p:nvGrpSpPr>
-        <p:cNvPr id="386" name="Shape 386"/>
+        <p:cNvPr id="387" name="Shape 387"/>
         <p:cNvGrpSpPr/>
         <p:nvPr/>
       </p:nvGrpSpPr>
@@ -5056,7 +5064,7 @@
       </p:grpSpPr>
       <p:sp>
         <p:nvSpPr>
-          <p:cNvPr id="387" name="Google Shape;387;g37f9672ca00_0_6:notes"/>
+          <p:cNvPr id="388" name="Google Shape;388;g37f9672ca00_0_6:notes"/>
           <p:cNvSpPr/>
           <p:nvPr>
             <p:ph idx="2" type="sldImg"/>
@@ -5091,7 +5099,7 @@
       </p:sp>
       <p:sp>
         <p:nvSpPr>
-          <p:cNvPr id="388" name="Google Shape;388;g37f9672ca00_0_6:notes"/>
+          <p:cNvPr id="389" name="Google Shape;389;g37f9672ca00_0_6:notes"/>
           <p:cNvSpPr txBox="1"/>
           <p:nvPr>
             <p:ph idx="1" type="body"/>
@@ -5240,7 +5248,7 @@
   <p:cSld>
     <p:spTree>
       <p:nvGrpSpPr>
-        <p:cNvPr id="392" name="Shape 392"/>
+        <p:cNvPr id="393" name="Shape 393"/>
         <p:cNvGrpSpPr/>
         <p:nvPr/>
       </p:nvGrpSpPr>
@@ -5254,7 +5262,7 @@
       </p:grpSpPr>
       <p:sp>
         <p:nvSpPr>
-          <p:cNvPr id="393" name="Google Shape;393;g37f9672ca00_0_13:notes"/>
+          <p:cNvPr id="394" name="Google Shape;394;g37f9672ca00_0_13:notes"/>
           <p:cNvSpPr/>
           <p:nvPr>
             <p:ph idx="2" type="sldImg"/>
@@ -5289,7 +5297,7 @@
       </p:sp>
       <p:sp>
         <p:nvSpPr>
-          <p:cNvPr id="394" name="Google Shape;394;g37f9672ca00_0_13:notes"/>
+          <p:cNvPr id="395" name="Google Shape;395;g37f9672ca00_0_13:notes"/>
           <p:cNvSpPr txBox="1"/>
           <p:nvPr>
             <p:ph idx="1" type="body"/>
@@ -5339,7 +5347,7 @@
   <p:cSld>
     <p:spTree>
       <p:nvGrpSpPr>
-        <p:cNvPr id="398" name="Shape 398"/>
+        <p:cNvPr id="399" name="Shape 399"/>
         <p:cNvGrpSpPr/>
         <p:nvPr/>
       </p:nvGrpSpPr>
@@ -5353,7 +5361,7 @@
       </p:grpSpPr>
       <p:sp>
         <p:nvSpPr>
-          <p:cNvPr id="399" name="Google Shape;399;g37f9672ca00_0_21:notes"/>
+          <p:cNvPr id="400" name="Google Shape;400;g37f9672ca00_0_21:notes"/>
           <p:cNvSpPr/>
           <p:nvPr>
             <p:ph idx="2" type="sldImg"/>
@@ -5388,7 +5396,7 @@
       </p:sp>
       <p:sp>
         <p:nvSpPr>
-          <p:cNvPr id="400" name="Google Shape;400;g37f9672ca00_0_21:notes"/>
+          <p:cNvPr id="401" name="Google Shape;401;g37f9672ca00_0_21:notes"/>
           <p:cNvSpPr txBox="1"/>
           <p:nvPr>
             <p:ph idx="1" type="body"/>
@@ -5438,7 +5446,7 @@
   <p:cSld>
     <p:spTree>
       <p:nvGrpSpPr>
-        <p:cNvPr id="404" name="Shape 404"/>
+        <p:cNvPr id="405" name="Shape 405"/>
         <p:cNvGrpSpPr/>
         <p:nvPr/>
       </p:nvGrpSpPr>
@@ -5452,7 +5460,7 @@
       </p:grpSpPr>
       <p:sp>
         <p:nvSpPr>
-          <p:cNvPr id="405" name="Google Shape;405;g37f9672ca00_0_29:notes"/>
+          <p:cNvPr id="406" name="Google Shape;406;g37f9672ca00_0_29:notes"/>
           <p:cNvSpPr/>
           <p:nvPr>
             <p:ph idx="2" type="sldImg"/>
@@ -5487,7 +5495,7 @@
       </p:sp>
       <p:sp>
         <p:nvSpPr>
-          <p:cNvPr id="406" name="Google Shape;406;g37f9672ca00_0_29:notes"/>
+          <p:cNvPr id="407" name="Google Shape;407;g37f9672ca00_0_29:notes"/>
           <p:cNvSpPr txBox="1"/>
           <p:nvPr>
             <p:ph idx="1" type="body"/>
@@ -5537,7 +5545,7 @@
   <p:cSld>
     <p:spTree>
       <p:nvGrpSpPr>
-        <p:cNvPr id="410" name="Shape 410"/>
+        <p:cNvPr id="411" name="Shape 411"/>
         <p:cNvGrpSpPr/>
         <p:nvPr/>
       </p:nvGrpSpPr>
@@ -5551,7 +5559,7 @@
       </p:grpSpPr>
       <p:sp>
         <p:nvSpPr>
-          <p:cNvPr id="411" name="Google Shape;411;g37f9672ca00_0_35:notes"/>
+          <p:cNvPr id="412" name="Google Shape;412;g37f9672ca00_0_35:notes"/>
           <p:cNvSpPr/>
           <p:nvPr>
             <p:ph idx="2" type="sldImg"/>
@@ -5586,7 +5594,7 @@
       </p:sp>
       <p:sp>
         <p:nvSpPr>
-          <p:cNvPr id="412" name="Google Shape;412;g37f9672ca00_0_35:notes"/>
+          <p:cNvPr id="413" name="Google Shape;413;g37f9672ca00_0_35:notes"/>
           <p:cNvSpPr txBox="1"/>
           <p:nvPr>
             <p:ph idx="1" type="body"/>
@@ -5636,7 +5644,7 @@
   <p:cSld>
     <p:spTree>
       <p:nvGrpSpPr>
-        <p:cNvPr id="416" name="Shape 416"/>
+        <p:cNvPr id="417" name="Shape 417"/>
         <p:cNvGrpSpPr/>
         <p:nvPr/>
       </p:nvGrpSpPr>
@@ -5650,7 +5658,7 @@
       </p:grpSpPr>
       <p:sp>
         <p:nvSpPr>
-          <p:cNvPr id="417" name="Google Shape;417;g37f9672ca00_0_42:notes"/>
+          <p:cNvPr id="418" name="Google Shape;418;g37f9672ca00_0_42:notes"/>
           <p:cNvSpPr/>
           <p:nvPr>
             <p:ph idx="2" type="sldImg"/>
@@ -5685,7 +5693,7 @@
       </p:sp>
       <p:sp>
         <p:nvSpPr>
-          <p:cNvPr id="418" name="Google Shape;418;g37f9672ca00_0_42:notes"/>
+          <p:cNvPr id="419" name="Google Shape;419;g37f9672ca00_0_42:notes"/>
           <p:cNvSpPr txBox="1"/>
           <p:nvPr>
             <p:ph idx="1" type="body"/>
@@ -5735,7 +5743,7 @@
   <p:cSld>
     <p:spTree>
       <p:nvGrpSpPr>
-        <p:cNvPr id="422" name="Shape 422"/>
+        <p:cNvPr id="423" name="Shape 423"/>
         <p:cNvGrpSpPr/>
         <p:nvPr/>
       </p:nvGrpSpPr>
@@ -5749,7 +5757,7 @@
       </p:grpSpPr>
       <p:sp>
         <p:nvSpPr>
-          <p:cNvPr id="423" name="Google Shape;423;g380f0601fc0_0_10:notes"/>
+          <p:cNvPr id="424" name="Google Shape;424;g380f0601fc0_0_10:notes"/>
           <p:cNvSpPr/>
           <p:nvPr>
             <p:ph idx="2" type="sldImg"/>
@@ -5784,7 +5792,7 @@
       </p:sp>
       <p:sp>
         <p:nvSpPr>
-          <p:cNvPr id="424" name="Google Shape;424;g380f0601fc0_0_10:notes"/>
+          <p:cNvPr id="425" name="Google Shape;425;g380f0601fc0_0_10:notes"/>
           <p:cNvSpPr txBox="1"/>
           <p:nvPr>
             <p:ph idx="1" type="body"/>
@@ -5834,7 +5842,7 @@
   <p:cSld>
     <p:spTree>
       <p:nvGrpSpPr>
-        <p:cNvPr id="428" name="Shape 428"/>
+        <p:cNvPr id="429" name="Shape 429"/>
         <p:cNvGrpSpPr/>
         <p:nvPr/>
       </p:nvGrpSpPr>
@@ -5848,7 +5856,7 @@
       </p:grpSpPr>
       <p:sp>
         <p:nvSpPr>
-          <p:cNvPr id="429" name="Google Shape;429;g380f0601fc0_0_17:notes"/>
+          <p:cNvPr id="430" name="Google Shape;430;g380f0601fc0_0_17:notes"/>
           <p:cNvSpPr/>
           <p:nvPr>
             <p:ph idx="2" type="sldImg"/>
@@ -5883,7 +5891,7 @@
       </p:sp>
       <p:sp>
         <p:nvSpPr>
-          <p:cNvPr id="430" name="Google Shape;430;g380f0601fc0_0_17:notes"/>
+          <p:cNvPr id="431" name="Google Shape;431;g380f0601fc0_0_17:notes"/>
           <p:cNvSpPr txBox="1"/>
           <p:nvPr>
             <p:ph idx="1" type="body"/>
@@ -5933,7 +5941,7 @@
   <p:cSld>
     <p:spTree>
       <p:nvGrpSpPr>
-        <p:cNvPr id="434" name="Shape 434"/>
+        <p:cNvPr id="435" name="Shape 435"/>
         <p:cNvGrpSpPr/>
         <p:nvPr/>
       </p:nvGrpSpPr>
@@ -5947,7 +5955,7 @@
       </p:grpSpPr>
       <p:sp>
         <p:nvSpPr>
-          <p:cNvPr id="435" name="Google Shape;435;g380f0601fc0_0_23:notes"/>
+          <p:cNvPr id="436" name="Google Shape;436;g380f0601fc0_0_23:notes"/>
           <p:cNvSpPr/>
           <p:nvPr>
             <p:ph idx="2" type="sldImg"/>
@@ -5982,7 +5990,7 @@
       </p:sp>
       <p:sp>
         <p:nvSpPr>
-          <p:cNvPr id="436" name="Google Shape;436;g380f0601fc0_0_23:notes"/>
+          <p:cNvPr id="437" name="Google Shape;437;g380f0601fc0_0_23:notes"/>
           <p:cNvSpPr txBox="1"/>
           <p:nvPr>
             <p:ph idx="1" type="body"/>
@@ -6032,7 +6040,7 @@
   <p:cSld>
     <p:spTree>
       <p:nvGrpSpPr>
-        <p:cNvPr id="440" name="Shape 440"/>
+        <p:cNvPr id="441" name="Shape 441"/>
         <p:cNvGrpSpPr/>
         <p:nvPr/>
       </p:nvGrpSpPr>
@@ -6046,7 +6054,7 @@
       </p:grpSpPr>
       <p:sp>
         <p:nvSpPr>
-          <p:cNvPr id="441" name="Google Shape;441;g380f0601fc0_0_29:notes"/>
+          <p:cNvPr id="442" name="Google Shape;442;g380f0601fc0_0_29:notes"/>
           <p:cNvSpPr/>
           <p:nvPr>
             <p:ph idx="2" type="sldImg"/>
@@ -6081,7 +6089,7 @@
       </p:sp>
       <p:sp>
         <p:nvSpPr>
-          <p:cNvPr id="442" name="Google Shape;442;g380f0601fc0_0_29:notes"/>
+          <p:cNvPr id="443" name="Google Shape;443;g380f0601fc0_0_29:notes"/>
           <p:cNvSpPr txBox="1"/>
           <p:nvPr>
             <p:ph idx="1" type="body"/>
@@ -6131,7 +6139,7 @@
   <p:cSld>
     <p:spTree>
       <p:nvGrpSpPr>
-        <p:cNvPr id="446" name="Shape 446"/>
+        <p:cNvPr id="447" name="Shape 447"/>
         <p:cNvGrpSpPr/>
         <p:nvPr/>
       </p:nvGrpSpPr>
@@ -6145,7 +6153,7 @@
       </p:grpSpPr>
       <p:sp>
         <p:nvSpPr>
-          <p:cNvPr id="447" name="Google Shape;447;g380f0601fc0_0_35:notes"/>
+          <p:cNvPr id="448" name="Google Shape;448;g380f0601fc0_0_35:notes"/>
           <p:cNvSpPr/>
           <p:nvPr>
             <p:ph idx="2" type="sldImg"/>
@@ -6180,7 +6188,7 @@
       </p:sp>
       <p:sp>
         <p:nvSpPr>
-          <p:cNvPr id="448" name="Google Shape;448;g380f0601fc0_0_35:notes"/>
+          <p:cNvPr id="449" name="Google Shape;449;g380f0601fc0_0_35:notes"/>
           <p:cNvSpPr txBox="1"/>
           <p:nvPr>
             <p:ph idx="1" type="body"/>
@@ -6329,7 +6337,7 @@
   <p:cSld>
     <p:spTree>
       <p:nvGrpSpPr>
-        <p:cNvPr id="452" name="Shape 452"/>
+        <p:cNvPr id="453" name="Shape 453"/>
         <p:cNvGrpSpPr/>
         <p:nvPr/>
       </p:nvGrpSpPr>
@@ -6343,7 +6351,7 @@
       </p:grpSpPr>
       <p:sp>
         <p:nvSpPr>
-          <p:cNvPr id="453" name="Google Shape;453;g3821305c9e2_0_0:notes"/>
+          <p:cNvPr id="454" name="Google Shape;454;g3821305c9e2_0_0:notes"/>
           <p:cNvSpPr/>
           <p:nvPr>
             <p:ph idx="2" type="sldImg"/>
@@ -6378,7 +6386,7 @@
       </p:sp>
       <p:sp>
         <p:nvSpPr>
-          <p:cNvPr id="454" name="Google Shape;454;g3821305c9e2_0_0:notes"/>
+          <p:cNvPr id="455" name="Google Shape;455;g3821305c9e2_0_0:notes"/>
           <p:cNvSpPr txBox="1"/>
           <p:nvPr>
             <p:ph idx="1" type="body"/>
@@ -6428,7 +6436,7 @@
   <p:cSld>
     <p:spTree>
       <p:nvGrpSpPr>
-        <p:cNvPr id="458" name="Shape 458"/>
+        <p:cNvPr id="459" name="Shape 459"/>
         <p:cNvGrpSpPr/>
         <p:nvPr/>
       </p:nvGrpSpPr>
@@ -6442,7 +6450,7 @@
       </p:grpSpPr>
       <p:sp>
         <p:nvSpPr>
-          <p:cNvPr id="459" name="Google Shape;459;g3821305c9e2_0_7:notes"/>
+          <p:cNvPr id="460" name="Google Shape;460;g3821305c9e2_0_7:notes"/>
           <p:cNvSpPr/>
           <p:nvPr>
             <p:ph idx="2" type="sldImg"/>
@@ -6477,7 +6485,7 @@
       </p:sp>
       <p:sp>
         <p:nvSpPr>
-          <p:cNvPr id="460" name="Google Shape;460;g3821305c9e2_0_7:notes"/>
+          <p:cNvPr id="461" name="Google Shape;461;g3821305c9e2_0_7:notes"/>
           <p:cNvSpPr txBox="1"/>
           <p:nvPr>
             <p:ph idx="1" type="body"/>
@@ -6527,7 +6535,7 @@
   <p:cSld>
     <p:spTree>
       <p:nvGrpSpPr>
-        <p:cNvPr id="464" name="Shape 464"/>
+        <p:cNvPr id="465" name="Shape 465"/>
         <p:cNvGrpSpPr/>
         <p:nvPr/>
       </p:nvGrpSpPr>
@@ -6541,7 +6549,7 @@
       </p:grpSpPr>
       <p:sp>
         <p:nvSpPr>
-          <p:cNvPr id="465" name="Google Shape;465;g3821305c9e2_0_14:notes"/>
+          <p:cNvPr id="466" name="Google Shape;466;g3821305c9e2_0_14:notes"/>
           <p:cNvSpPr/>
           <p:nvPr>
             <p:ph idx="2" type="sldImg"/>
@@ -6576,7 +6584,7 @@
       </p:sp>
       <p:sp>
         <p:nvSpPr>
-          <p:cNvPr id="466" name="Google Shape;466;g3821305c9e2_0_14:notes"/>
+          <p:cNvPr id="467" name="Google Shape;467;g3821305c9e2_0_14:notes"/>
           <p:cNvSpPr txBox="1"/>
           <p:nvPr>
             <p:ph idx="1" type="body"/>
@@ -6626,7 +6634,7 @@
   <p:cSld>
     <p:spTree>
       <p:nvGrpSpPr>
-        <p:cNvPr id="470" name="Shape 470"/>
+        <p:cNvPr id="471" name="Shape 471"/>
         <p:cNvGrpSpPr/>
         <p:nvPr/>
       </p:nvGrpSpPr>
@@ -6640,7 +6648,7 @@
       </p:grpSpPr>
       <p:sp>
         <p:nvSpPr>
-          <p:cNvPr id="471" name="Google Shape;471;g3821305c9e2_0_36:notes"/>
+          <p:cNvPr id="472" name="Google Shape;472;g3821305c9e2_0_36:notes"/>
           <p:cNvSpPr/>
           <p:nvPr>
             <p:ph idx="2" type="sldImg"/>
@@ -6675,7 +6683,7 @@
       </p:sp>
       <p:sp>
         <p:nvSpPr>
-          <p:cNvPr id="472" name="Google Shape;472;g3821305c9e2_0_36:notes"/>
+          <p:cNvPr id="473" name="Google Shape;473;g3821305c9e2_0_36:notes"/>
           <p:cNvSpPr txBox="1"/>
           <p:nvPr>
             <p:ph idx="1" type="body"/>
@@ -6725,7 +6733,7 @@
   <p:cSld>
     <p:spTree>
       <p:nvGrpSpPr>
-        <p:cNvPr id="476" name="Shape 476"/>
+        <p:cNvPr id="477" name="Shape 477"/>
         <p:cNvGrpSpPr/>
         <p:nvPr/>
       </p:nvGrpSpPr>
@@ -6739,7 +6747,7 @@
       </p:grpSpPr>
       <p:sp>
         <p:nvSpPr>
-          <p:cNvPr id="477" name="Google Shape;477;g3821305c9e2_0_21:notes"/>
+          <p:cNvPr id="478" name="Google Shape;478;g3821305c9e2_0_21:notes"/>
           <p:cNvSpPr/>
           <p:nvPr>
             <p:ph idx="2" type="sldImg"/>
@@ -6774,7 +6782,7 @@
       </p:sp>
       <p:sp>
         <p:nvSpPr>
-          <p:cNvPr id="478" name="Google Shape;478;g3821305c9e2_0_21:notes"/>
+          <p:cNvPr id="479" name="Google Shape;479;g3821305c9e2_0_21:notes"/>
           <p:cNvSpPr txBox="1"/>
           <p:nvPr>
             <p:ph idx="1" type="body"/>
@@ -6824,7 +6832,7 @@
   <p:cSld>
     <p:spTree>
       <p:nvGrpSpPr>
-        <p:cNvPr id="482" name="Shape 482"/>
+        <p:cNvPr id="483" name="Shape 483"/>
         <p:cNvGrpSpPr/>
         <p:nvPr/>
       </p:nvGrpSpPr>
@@ -6838,7 +6846,7 @@
       </p:grpSpPr>
       <p:sp>
         <p:nvSpPr>
-          <p:cNvPr id="483" name="Google Shape;483;g3821305c9e2_0_30:notes"/>
+          <p:cNvPr id="484" name="Google Shape;484;g3821305c9e2_0_30:notes"/>
           <p:cNvSpPr/>
           <p:nvPr>
             <p:ph idx="2" type="sldImg"/>
@@ -6873,7 +6881,7 @@
       </p:sp>
       <p:sp>
         <p:nvSpPr>
-          <p:cNvPr id="484" name="Google Shape;484;g3821305c9e2_0_30:notes"/>
+          <p:cNvPr id="485" name="Google Shape;485;g3821305c9e2_0_30:notes"/>
           <p:cNvSpPr txBox="1"/>
           <p:nvPr>
             <p:ph idx="1" type="body"/>
@@ -6923,7 +6931,7 @@
   <p:cSld>
     <p:spTree>
       <p:nvGrpSpPr>
-        <p:cNvPr id="488" name="Shape 488"/>
+        <p:cNvPr id="489" name="Shape 489"/>
         <p:cNvGrpSpPr/>
         <p:nvPr/>
       </p:nvGrpSpPr>
@@ -6937,7 +6945,7 @@
       </p:grpSpPr>
       <p:sp>
         <p:nvSpPr>
-          <p:cNvPr id="489" name="Google Shape;489;g3821305c9e2_0_42:notes"/>
+          <p:cNvPr id="490" name="Google Shape;490;g3821305c9e2_0_42:notes"/>
           <p:cNvSpPr/>
           <p:nvPr>
             <p:ph idx="2" type="sldImg"/>
@@ -6972,7 +6980,7 @@
       </p:sp>
       <p:sp>
         <p:nvSpPr>
-          <p:cNvPr id="490" name="Google Shape;490;g3821305c9e2_0_42:notes"/>
+          <p:cNvPr id="491" name="Google Shape;491;g3821305c9e2_0_42:notes"/>
           <p:cNvSpPr txBox="1"/>
           <p:nvPr>
             <p:ph idx="1" type="body"/>
@@ -7022,7 +7030,7 @@
   <p:cSld>
     <p:spTree>
       <p:nvGrpSpPr>
-        <p:cNvPr id="494" name="Shape 494"/>
+        <p:cNvPr id="495" name="Shape 495"/>
         <p:cNvGrpSpPr/>
         <p:nvPr/>
       </p:nvGrpSpPr>
@@ -7036,7 +7044,7 @@
       </p:grpSpPr>
       <p:sp>
         <p:nvSpPr>
-          <p:cNvPr id="495" name="Google Shape;495;g3821305c9e2_0_48:notes"/>
+          <p:cNvPr id="496" name="Google Shape;496;g3821305c9e2_0_48:notes"/>
           <p:cNvSpPr/>
           <p:nvPr>
             <p:ph idx="2" type="sldImg"/>
@@ -7071,7 +7079,205 @@
       </p:sp>
       <p:sp>
         <p:nvSpPr>
-          <p:cNvPr id="496" name="Google Shape;496;g3821305c9e2_0_48:notes"/>
+          <p:cNvPr id="497" name="Google Shape;497;g3821305c9e2_0_48:notes"/>
+          <p:cNvSpPr txBox="1"/>
+          <p:nvPr>
+            <p:ph idx="1" type="body"/>
+          </p:nvPr>
+        </p:nvSpPr>
+        <p:spPr>
+          <a:xfrm>
+            <a:off x="685800" y="4343400"/>
+            <a:ext cx="5486400" cy="4114800"/>
+          </a:xfrm>
+          <a:prstGeom prst="rect">
+            <a:avLst/>
+          </a:prstGeom>
+        </p:spPr>
+        <p:txBody>
+          <a:bodyPr anchorCtr="0" anchor="t" bIns="91425" lIns="91425" spcFirstLastPara="1" rIns="91425" wrap="square" tIns="91425">
+            <a:noAutofit/>
+          </a:bodyPr>
+          <a:lstStyle/>
+          <a:p>
+            <a:pPr indent="0" lvl="0" marL="0" rtl="0" algn="l">
+              <a:spcBef>
+                <a:spcPts val="0"/>
+              </a:spcBef>
+              <a:spcAft>
+                <a:spcPts val="0"/>
+              </a:spcAft>
+              <a:buNone/>
+            </a:pPr>
+            <a:r>
+              <a:t/>
+            </a:r>
+            <a:endParaRPr/>
+          </a:p>
+        </p:txBody>
+      </p:sp>
+    </p:spTree>
+  </p:cSld>
+  <p:clrMapOvr>
+    <a:masterClrMapping/>
+  </p:clrMapOvr>
+</p:notes>
+</file>
+
+<file path=ppt/notesSlides/notesSlide68.xml><?xml version="1.0" encoding="utf-8"?>
+<p:notes xmlns:a="http://schemas.openxmlformats.org/drawingml/2006/main" xmlns:r="http://schemas.openxmlformats.org/officeDocument/2006/relationships" xmlns:mc="http://schemas.openxmlformats.org/markup-compatibility/2006" xmlns:mv="urn:schemas-microsoft-com:mac:vml" xmlns:p="http://schemas.openxmlformats.org/presentationml/2006/main" xmlns:c="http://schemas.openxmlformats.org/drawingml/2006/chart" xmlns:dgm="http://schemas.openxmlformats.org/drawingml/2006/diagram" xmlns:o="urn:schemas-microsoft-com:office:office" xmlns:v="urn:schemas-microsoft-com:vml" xmlns:pvml="urn:schemas-microsoft-com:office:powerpoint" xmlns:com="http://schemas.openxmlformats.org/drawingml/2006/compatibility" xmlns:p14="http://schemas.microsoft.com/office/powerpoint/2010/main" xmlns:p15="http://schemas.microsoft.com/office/powerpoint/2012/main" xmlns:ahyp="http://schemas.microsoft.com/office/drawing/2018/hyperlinkcolor" showMasterPhAnim="0" showMasterSp="0">
+  <p:cSld>
+    <p:spTree>
+      <p:nvGrpSpPr>
+        <p:cNvPr id="501" name="Shape 501"/>
+        <p:cNvGrpSpPr/>
+        <p:nvPr/>
+      </p:nvGrpSpPr>
+      <p:grpSpPr>
+        <a:xfrm>
+          <a:off x="0" y="0"/>
+          <a:ext cx="0" cy="0"/>
+          <a:chOff x="0" y="0"/>
+          <a:chExt cx="0" cy="0"/>
+        </a:xfrm>
+      </p:grpSpPr>
+      <p:sp>
+        <p:nvSpPr>
+          <p:cNvPr id="502" name="Google Shape;502;g383b8db570d_0_0:notes"/>
+          <p:cNvSpPr/>
+          <p:nvPr>
+            <p:ph idx="2" type="sldImg"/>
+          </p:nvPr>
+        </p:nvSpPr>
+        <p:spPr>
+          <a:xfrm>
+            <a:off x="381300" y="685800"/>
+            <a:ext cx="6096000" cy="3429000"/>
+          </a:xfrm>
+          <a:custGeom>
+            <a:rect b="b" l="l" r="r" t="t"/>
+            <a:pathLst>
+              <a:path extrusionOk="0" h="120000" w="120000">
+                <a:moveTo>
+                  <a:pt x="0" y="0"/>
+                </a:moveTo>
+                <a:lnTo>
+                  <a:pt x="120000" y="0"/>
+                </a:lnTo>
+                <a:lnTo>
+                  <a:pt x="120000" y="120000"/>
+                </a:lnTo>
+                <a:lnTo>
+                  <a:pt x="0" y="120000"/>
+                </a:lnTo>
+                <a:close/>
+              </a:path>
+            </a:pathLst>
+          </a:custGeom>
+        </p:spPr>
+      </p:sp>
+      <p:sp>
+        <p:nvSpPr>
+          <p:cNvPr id="503" name="Google Shape;503;g383b8db570d_0_0:notes"/>
+          <p:cNvSpPr txBox="1"/>
+          <p:nvPr>
+            <p:ph idx="1" type="body"/>
+          </p:nvPr>
+        </p:nvSpPr>
+        <p:spPr>
+          <a:xfrm>
+            <a:off x="685800" y="4343400"/>
+            <a:ext cx="5486400" cy="4114800"/>
+          </a:xfrm>
+          <a:prstGeom prst="rect">
+            <a:avLst/>
+          </a:prstGeom>
+        </p:spPr>
+        <p:txBody>
+          <a:bodyPr anchorCtr="0" anchor="t" bIns="91425" lIns="91425" spcFirstLastPara="1" rIns="91425" wrap="square" tIns="91425">
+            <a:noAutofit/>
+          </a:bodyPr>
+          <a:lstStyle/>
+          <a:p>
+            <a:pPr indent="0" lvl="0" marL="0" rtl="0" algn="l">
+              <a:spcBef>
+                <a:spcPts val="0"/>
+              </a:spcBef>
+              <a:spcAft>
+                <a:spcPts val="0"/>
+              </a:spcAft>
+              <a:buNone/>
+            </a:pPr>
+            <a:r>
+              <a:t/>
+            </a:r>
+            <a:endParaRPr/>
+          </a:p>
+        </p:txBody>
+      </p:sp>
+    </p:spTree>
+  </p:cSld>
+  <p:clrMapOvr>
+    <a:masterClrMapping/>
+  </p:clrMapOvr>
+</p:notes>
+</file>
+
+<file path=ppt/notesSlides/notesSlide69.xml><?xml version="1.0" encoding="utf-8"?>
+<p:notes xmlns:a="http://schemas.openxmlformats.org/drawingml/2006/main" xmlns:r="http://schemas.openxmlformats.org/officeDocument/2006/relationships" xmlns:mc="http://schemas.openxmlformats.org/markup-compatibility/2006" xmlns:mv="urn:schemas-microsoft-com:mac:vml" xmlns:p="http://schemas.openxmlformats.org/presentationml/2006/main" xmlns:c="http://schemas.openxmlformats.org/drawingml/2006/chart" xmlns:dgm="http://schemas.openxmlformats.org/drawingml/2006/diagram" xmlns:o="urn:schemas-microsoft-com:office:office" xmlns:v="urn:schemas-microsoft-com:vml" xmlns:pvml="urn:schemas-microsoft-com:office:powerpoint" xmlns:com="http://schemas.openxmlformats.org/drawingml/2006/compatibility" xmlns:p14="http://schemas.microsoft.com/office/powerpoint/2010/main" xmlns:p15="http://schemas.microsoft.com/office/powerpoint/2012/main" xmlns:ahyp="http://schemas.microsoft.com/office/drawing/2018/hyperlinkcolor" showMasterPhAnim="0" showMasterSp="0">
+  <p:cSld>
+    <p:spTree>
+      <p:nvGrpSpPr>
+        <p:cNvPr id="507" name="Shape 507"/>
+        <p:cNvGrpSpPr/>
+        <p:nvPr/>
+      </p:nvGrpSpPr>
+      <p:grpSpPr>
+        <a:xfrm>
+          <a:off x="0" y="0"/>
+          <a:ext cx="0" cy="0"/>
+          <a:chOff x="0" y="0"/>
+          <a:chExt cx="0" cy="0"/>
+        </a:xfrm>
+      </p:grpSpPr>
+      <p:sp>
+        <p:nvSpPr>
+          <p:cNvPr id="508" name="Google Shape;508;g383b8db570d_0_8:notes"/>
+          <p:cNvSpPr/>
+          <p:nvPr>
+            <p:ph idx="2" type="sldImg"/>
+          </p:nvPr>
+        </p:nvSpPr>
+        <p:spPr>
+          <a:xfrm>
+            <a:off x="381300" y="685800"/>
+            <a:ext cx="6096000" cy="3429000"/>
+          </a:xfrm>
+          <a:custGeom>
+            <a:rect b="b" l="l" r="r" t="t"/>
+            <a:pathLst>
+              <a:path extrusionOk="0" h="120000" w="120000">
+                <a:moveTo>
+                  <a:pt x="0" y="0"/>
+                </a:moveTo>
+                <a:lnTo>
+                  <a:pt x="120000" y="0"/>
+                </a:lnTo>
+                <a:lnTo>
+                  <a:pt x="120000" y="120000"/>
+                </a:lnTo>
+                <a:lnTo>
+                  <a:pt x="0" y="120000"/>
+                </a:lnTo>
+                <a:close/>
+              </a:path>
+            </a:pathLst>
+          </a:custGeom>
+        </p:spPr>
+      </p:sp>
+      <p:sp>
+        <p:nvSpPr>
+          <p:cNvPr id="509" name="Google Shape;509;g383b8db570d_0_8:notes"/>
           <p:cNvSpPr txBox="1"/>
           <p:nvPr>
             <p:ph idx="1" type="body"/>
@@ -7171,6 +7377,600 @@
       <p:sp>
         <p:nvSpPr>
           <p:cNvPr id="122" name="Google Shape;122;g37a7fb0f999_0_208:notes"/>
+          <p:cNvSpPr txBox="1"/>
+          <p:nvPr>
+            <p:ph idx="1" type="body"/>
+          </p:nvPr>
+        </p:nvSpPr>
+        <p:spPr>
+          <a:xfrm>
+            <a:off x="685800" y="4343400"/>
+            <a:ext cx="5486400" cy="4114800"/>
+          </a:xfrm>
+          <a:prstGeom prst="rect">
+            <a:avLst/>
+          </a:prstGeom>
+        </p:spPr>
+        <p:txBody>
+          <a:bodyPr anchorCtr="0" anchor="t" bIns="91425" lIns="91425" spcFirstLastPara="1" rIns="91425" wrap="square" tIns="91425">
+            <a:noAutofit/>
+          </a:bodyPr>
+          <a:lstStyle/>
+          <a:p>
+            <a:pPr indent="0" lvl="0" marL="0" rtl="0" algn="l">
+              <a:spcBef>
+                <a:spcPts val="0"/>
+              </a:spcBef>
+              <a:spcAft>
+                <a:spcPts val="0"/>
+              </a:spcAft>
+              <a:buNone/>
+            </a:pPr>
+            <a:r>
+              <a:t/>
+            </a:r>
+            <a:endParaRPr/>
+          </a:p>
+        </p:txBody>
+      </p:sp>
+    </p:spTree>
+  </p:cSld>
+  <p:clrMapOvr>
+    <a:masterClrMapping/>
+  </p:clrMapOvr>
+</p:notes>
+</file>
+
+<file path=ppt/notesSlides/notesSlide70.xml><?xml version="1.0" encoding="utf-8"?>
+<p:notes xmlns:a="http://schemas.openxmlformats.org/drawingml/2006/main" xmlns:r="http://schemas.openxmlformats.org/officeDocument/2006/relationships" xmlns:mc="http://schemas.openxmlformats.org/markup-compatibility/2006" xmlns:mv="urn:schemas-microsoft-com:mac:vml" xmlns:p="http://schemas.openxmlformats.org/presentationml/2006/main" xmlns:c="http://schemas.openxmlformats.org/drawingml/2006/chart" xmlns:dgm="http://schemas.openxmlformats.org/drawingml/2006/diagram" xmlns:o="urn:schemas-microsoft-com:office:office" xmlns:v="urn:schemas-microsoft-com:vml" xmlns:pvml="urn:schemas-microsoft-com:office:powerpoint" xmlns:com="http://schemas.openxmlformats.org/drawingml/2006/compatibility" xmlns:p14="http://schemas.microsoft.com/office/powerpoint/2010/main" xmlns:p15="http://schemas.microsoft.com/office/powerpoint/2012/main" xmlns:ahyp="http://schemas.microsoft.com/office/drawing/2018/hyperlinkcolor" showMasterPhAnim="0" showMasterSp="0">
+  <p:cSld>
+    <p:spTree>
+      <p:nvGrpSpPr>
+        <p:cNvPr id="513" name="Shape 513"/>
+        <p:cNvGrpSpPr/>
+        <p:nvPr/>
+      </p:nvGrpSpPr>
+      <p:grpSpPr>
+        <a:xfrm>
+          <a:off x="0" y="0"/>
+          <a:ext cx="0" cy="0"/>
+          <a:chOff x="0" y="0"/>
+          <a:chExt cx="0" cy="0"/>
+        </a:xfrm>
+      </p:grpSpPr>
+      <p:sp>
+        <p:nvSpPr>
+          <p:cNvPr id="514" name="Google Shape;514;g383b8db570d_0_19:notes"/>
+          <p:cNvSpPr/>
+          <p:nvPr>
+            <p:ph idx="2" type="sldImg"/>
+          </p:nvPr>
+        </p:nvSpPr>
+        <p:spPr>
+          <a:xfrm>
+            <a:off x="381300" y="685800"/>
+            <a:ext cx="6096000" cy="3429000"/>
+          </a:xfrm>
+          <a:custGeom>
+            <a:rect b="b" l="l" r="r" t="t"/>
+            <a:pathLst>
+              <a:path extrusionOk="0" h="120000" w="120000">
+                <a:moveTo>
+                  <a:pt x="0" y="0"/>
+                </a:moveTo>
+                <a:lnTo>
+                  <a:pt x="120000" y="0"/>
+                </a:lnTo>
+                <a:lnTo>
+                  <a:pt x="120000" y="120000"/>
+                </a:lnTo>
+                <a:lnTo>
+                  <a:pt x="0" y="120000"/>
+                </a:lnTo>
+                <a:close/>
+              </a:path>
+            </a:pathLst>
+          </a:custGeom>
+        </p:spPr>
+      </p:sp>
+      <p:sp>
+        <p:nvSpPr>
+          <p:cNvPr id="515" name="Google Shape;515;g383b8db570d_0_19:notes"/>
+          <p:cNvSpPr txBox="1"/>
+          <p:nvPr>
+            <p:ph idx="1" type="body"/>
+          </p:nvPr>
+        </p:nvSpPr>
+        <p:spPr>
+          <a:xfrm>
+            <a:off x="685800" y="4343400"/>
+            <a:ext cx="5486400" cy="4114800"/>
+          </a:xfrm>
+          <a:prstGeom prst="rect">
+            <a:avLst/>
+          </a:prstGeom>
+        </p:spPr>
+        <p:txBody>
+          <a:bodyPr anchorCtr="0" anchor="t" bIns="91425" lIns="91425" spcFirstLastPara="1" rIns="91425" wrap="square" tIns="91425">
+            <a:noAutofit/>
+          </a:bodyPr>
+          <a:lstStyle/>
+          <a:p>
+            <a:pPr indent="0" lvl="0" marL="0" rtl="0" algn="l">
+              <a:spcBef>
+                <a:spcPts val="0"/>
+              </a:spcBef>
+              <a:spcAft>
+                <a:spcPts val="0"/>
+              </a:spcAft>
+              <a:buNone/>
+            </a:pPr>
+            <a:r>
+              <a:t/>
+            </a:r>
+            <a:endParaRPr/>
+          </a:p>
+        </p:txBody>
+      </p:sp>
+    </p:spTree>
+  </p:cSld>
+  <p:clrMapOvr>
+    <a:masterClrMapping/>
+  </p:clrMapOvr>
+</p:notes>
+</file>
+
+<file path=ppt/notesSlides/notesSlide71.xml><?xml version="1.0" encoding="utf-8"?>
+<p:notes xmlns:a="http://schemas.openxmlformats.org/drawingml/2006/main" xmlns:r="http://schemas.openxmlformats.org/officeDocument/2006/relationships" xmlns:mc="http://schemas.openxmlformats.org/markup-compatibility/2006" xmlns:mv="urn:schemas-microsoft-com:mac:vml" xmlns:p="http://schemas.openxmlformats.org/presentationml/2006/main" xmlns:c="http://schemas.openxmlformats.org/drawingml/2006/chart" xmlns:dgm="http://schemas.openxmlformats.org/drawingml/2006/diagram" xmlns:o="urn:schemas-microsoft-com:office:office" xmlns:v="urn:schemas-microsoft-com:vml" xmlns:pvml="urn:schemas-microsoft-com:office:powerpoint" xmlns:com="http://schemas.openxmlformats.org/drawingml/2006/compatibility" xmlns:p14="http://schemas.microsoft.com/office/powerpoint/2010/main" xmlns:p15="http://schemas.microsoft.com/office/powerpoint/2012/main" xmlns:ahyp="http://schemas.microsoft.com/office/drawing/2018/hyperlinkcolor" showMasterPhAnim="0" showMasterSp="0">
+  <p:cSld>
+    <p:spTree>
+      <p:nvGrpSpPr>
+        <p:cNvPr id="520" name="Shape 520"/>
+        <p:cNvGrpSpPr/>
+        <p:nvPr/>
+      </p:nvGrpSpPr>
+      <p:grpSpPr>
+        <a:xfrm>
+          <a:off x="0" y="0"/>
+          <a:ext cx="0" cy="0"/>
+          <a:chOff x="0" y="0"/>
+          <a:chExt cx="0" cy="0"/>
+        </a:xfrm>
+      </p:grpSpPr>
+      <p:sp>
+        <p:nvSpPr>
+          <p:cNvPr id="521" name="Google Shape;521;g383b8db570d_0_25:notes"/>
+          <p:cNvSpPr/>
+          <p:nvPr>
+            <p:ph idx="2" type="sldImg"/>
+          </p:nvPr>
+        </p:nvSpPr>
+        <p:spPr>
+          <a:xfrm>
+            <a:off x="381300" y="685800"/>
+            <a:ext cx="6096000" cy="3429000"/>
+          </a:xfrm>
+          <a:custGeom>
+            <a:rect b="b" l="l" r="r" t="t"/>
+            <a:pathLst>
+              <a:path extrusionOk="0" h="120000" w="120000">
+                <a:moveTo>
+                  <a:pt x="0" y="0"/>
+                </a:moveTo>
+                <a:lnTo>
+                  <a:pt x="120000" y="0"/>
+                </a:lnTo>
+                <a:lnTo>
+                  <a:pt x="120000" y="120000"/>
+                </a:lnTo>
+                <a:lnTo>
+                  <a:pt x="0" y="120000"/>
+                </a:lnTo>
+                <a:close/>
+              </a:path>
+            </a:pathLst>
+          </a:custGeom>
+        </p:spPr>
+      </p:sp>
+      <p:sp>
+        <p:nvSpPr>
+          <p:cNvPr id="522" name="Google Shape;522;g383b8db570d_0_25:notes"/>
+          <p:cNvSpPr txBox="1"/>
+          <p:nvPr>
+            <p:ph idx="1" type="body"/>
+          </p:nvPr>
+        </p:nvSpPr>
+        <p:spPr>
+          <a:xfrm>
+            <a:off x="685800" y="4343400"/>
+            <a:ext cx="5486400" cy="4114800"/>
+          </a:xfrm>
+          <a:prstGeom prst="rect">
+            <a:avLst/>
+          </a:prstGeom>
+        </p:spPr>
+        <p:txBody>
+          <a:bodyPr anchorCtr="0" anchor="t" bIns="91425" lIns="91425" spcFirstLastPara="1" rIns="91425" wrap="square" tIns="91425">
+            <a:noAutofit/>
+          </a:bodyPr>
+          <a:lstStyle/>
+          <a:p>
+            <a:pPr indent="0" lvl="0" marL="0" rtl="0" algn="l">
+              <a:spcBef>
+                <a:spcPts val="0"/>
+              </a:spcBef>
+              <a:spcAft>
+                <a:spcPts val="0"/>
+              </a:spcAft>
+              <a:buNone/>
+            </a:pPr>
+            <a:r>
+              <a:t/>
+            </a:r>
+            <a:endParaRPr/>
+          </a:p>
+        </p:txBody>
+      </p:sp>
+    </p:spTree>
+  </p:cSld>
+  <p:clrMapOvr>
+    <a:masterClrMapping/>
+  </p:clrMapOvr>
+</p:notes>
+</file>
+
+<file path=ppt/notesSlides/notesSlide72.xml><?xml version="1.0" encoding="utf-8"?>
+<p:notes xmlns:a="http://schemas.openxmlformats.org/drawingml/2006/main" xmlns:r="http://schemas.openxmlformats.org/officeDocument/2006/relationships" xmlns:mc="http://schemas.openxmlformats.org/markup-compatibility/2006" xmlns:mv="urn:schemas-microsoft-com:mac:vml" xmlns:p="http://schemas.openxmlformats.org/presentationml/2006/main" xmlns:c="http://schemas.openxmlformats.org/drawingml/2006/chart" xmlns:dgm="http://schemas.openxmlformats.org/drawingml/2006/diagram" xmlns:o="urn:schemas-microsoft-com:office:office" xmlns:v="urn:schemas-microsoft-com:vml" xmlns:pvml="urn:schemas-microsoft-com:office:powerpoint" xmlns:com="http://schemas.openxmlformats.org/drawingml/2006/compatibility" xmlns:p14="http://schemas.microsoft.com/office/powerpoint/2010/main" xmlns:p15="http://schemas.microsoft.com/office/powerpoint/2012/main" xmlns:ahyp="http://schemas.microsoft.com/office/drawing/2018/hyperlinkcolor" showMasterPhAnim="0" showMasterSp="0">
+  <p:cSld>
+    <p:spTree>
+      <p:nvGrpSpPr>
+        <p:cNvPr id="527" name="Shape 527"/>
+        <p:cNvGrpSpPr/>
+        <p:nvPr/>
+      </p:nvGrpSpPr>
+      <p:grpSpPr>
+        <a:xfrm>
+          <a:off x="0" y="0"/>
+          <a:ext cx="0" cy="0"/>
+          <a:chOff x="0" y="0"/>
+          <a:chExt cx="0" cy="0"/>
+        </a:xfrm>
+      </p:grpSpPr>
+      <p:sp>
+        <p:nvSpPr>
+          <p:cNvPr id="528" name="Google Shape;528;g383b8db570d_0_34:notes"/>
+          <p:cNvSpPr/>
+          <p:nvPr>
+            <p:ph idx="2" type="sldImg"/>
+          </p:nvPr>
+        </p:nvSpPr>
+        <p:spPr>
+          <a:xfrm>
+            <a:off x="381300" y="685800"/>
+            <a:ext cx="6096000" cy="3429000"/>
+          </a:xfrm>
+          <a:custGeom>
+            <a:rect b="b" l="l" r="r" t="t"/>
+            <a:pathLst>
+              <a:path extrusionOk="0" h="120000" w="120000">
+                <a:moveTo>
+                  <a:pt x="0" y="0"/>
+                </a:moveTo>
+                <a:lnTo>
+                  <a:pt x="120000" y="0"/>
+                </a:lnTo>
+                <a:lnTo>
+                  <a:pt x="120000" y="120000"/>
+                </a:lnTo>
+                <a:lnTo>
+                  <a:pt x="0" y="120000"/>
+                </a:lnTo>
+                <a:close/>
+              </a:path>
+            </a:pathLst>
+          </a:custGeom>
+        </p:spPr>
+      </p:sp>
+      <p:sp>
+        <p:nvSpPr>
+          <p:cNvPr id="529" name="Google Shape;529;g383b8db570d_0_34:notes"/>
+          <p:cNvSpPr txBox="1"/>
+          <p:nvPr>
+            <p:ph idx="1" type="body"/>
+          </p:nvPr>
+        </p:nvSpPr>
+        <p:spPr>
+          <a:xfrm>
+            <a:off x="685800" y="4343400"/>
+            <a:ext cx="5486400" cy="4114800"/>
+          </a:xfrm>
+          <a:prstGeom prst="rect">
+            <a:avLst/>
+          </a:prstGeom>
+        </p:spPr>
+        <p:txBody>
+          <a:bodyPr anchorCtr="0" anchor="t" bIns="91425" lIns="91425" spcFirstLastPara="1" rIns="91425" wrap="square" tIns="91425">
+            <a:noAutofit/>
+          </a:bodyPr>
+          <a:lstStyle/>
+          <a:p>
+            <a:pPr indent="0" lvl="0" marL="0" rtl="0" algn="l">
+              <a:spcBef>
+                <a:spcPts val="0"/>
+              </a:spcBef>
+              <a:spcAft>
+                <a:spcPts val="0"/>
+              </a:spcAft>
+              <a:buNone/>
+            </a:pPr>
+            <a:r>
+              <a:t/>
+            </a:r>
+            <a:endParaRPr/>
+          </a:p>
+        </p:txBody>
+      </p:sp>
+    </p:spTree>
+  </p:cSld>
+  <p:clrMapOvr>
+    <a:masterClrMapping/>
+  </p:clrMapOvr>
+</p:notes>
+</file>
+
+<file path=ppt/notesSlides/notesSlide73.xml><?xml version="1.0" encoding="utf-8"?>
+<p:notes xmlns:a="http://schemas.openxmlformats.org/drawingml/2006/main" xmlns:r="http://schemas.openxmlformats.org/officeDocument/2006/relationships" xmlns:mc="http://schemas.openxmlformats.org/markup-compatibility/2006" xmlns:mv="urn:schemas-microsoft-com:mac:vml" xmlns:p="http://schemas.openxmlformats.org/presentationml/2006/main" xmlns:c="http://schemas.openxmlformats.org/drawingml/2006/chart" xmlns:dgm="http://schemas.openxmlformats.org/drawingml/2006/diagram" xmlns:o="urn:schemas-microsoft-com:office:office" xmlns:v="urn:schemas-microsoft-com:vml" xmlns:pvml="urn:schemas-microsoft-com:office:powerpoint" xmlns:com="http://schemas.openxmlformats.org/drawingml/2006/compatibility" xmlns:p14="http://schemas.microsoft.com/office/powerpoint/2010/main" xmlns:p15="http://schemas.microsoft.com/office/powerpoint/2012/main" xmlns:ahyp="http://schemas.microsoft.com/office/drawing/2018/hyperlinkcolor" showMasterPhAnim="0" showMasterSp="0">
+  <p:cSld>
+    <p:spTree>
+      <p:nvGrpSpPr>
+        <p:cNvPr id="534" name="Shape 534"/>
+        <p:cNvGrpSpPr/>
+        <p:nvPr/>
+      </p:nvGrpSpPr>
+      <p:grpSpPr>
+        <a:xfrm>
+          <a:off x="0" y="0"/>
+          <a:ext cx="0" cy="0"/>
+          <a:chOff x="0" y="0"/>
+          <a:chExt cx="0" cy="0"/>
+        </a:xfrm>
+      </p:grpSpPr>
+      <p:sp>
+        <p:nvSpPr>
+          <p:cNvPr id="535" name="Google Shape;535;g383b8db570d_0_41:notes"/>
+          <p:cNvSpPr/>
+          <p:nvPr>
+            <p:ph idx="2" type="sldImg"/>
+          </p:nvPr>
+        </p:nvSpPr>
+        <p:spPr>
+          <a:xfrm>
+            <a:off x="381300" y="685800"/>
+            <a:ext cx="6096000" cy="3429000"/>
+          </a:xfrm>
+          <a:custGeom>
+            <a:rect b="b" l="l" r="r" t="t"/>
+            <a:pathLst>
+              <a:path extrusionOk="0" h="120000" w="120000">
+                <a:moveTo>
+                  <a:pt x="0" y="0"/>
+                </a:moveTo>
+                <a:lnTo>
+                  <a:pt x="120000" y="0"/>
+                </a:lnTo>
+                <a:lnTo>
+                  <a:pt x="120000" y="120000"/>
+                </a:lnTo>
+                <a:lnTo>
+                  <a:pt x="0" y="120000"/>
+                </a:lnTo>
+                <a:close/>
+              </a:path>
+            </a:pathLst>
+          </a:custGeom>
+        </p:spPr>
+      </p:sp>
+      <p:sp>
+        <p:nvSpPr>
+          <p:cNvPr id="536" name="Google Shape;536;g383b8db570d_0_41:notes"/>
+          <p:cNvSpPr txBox="1"/>
+          <p:nvPr>
+            <p:ph idx="1" type="body"/>
+          </p:nvPr>
+        </p:nvSpPr>
+        <p:spPr>
+          <a:xfrm>
+            <a:off x="685800" y="4343400"/>
+            <a:ext cx="5486400" cy="4114800"/>
+          </a:xfrm>
+          <a:prstGeom prst="rect">
+            <a:avLst/>
+          </a:prstGeom>
+        </p:spPr>
+        <p:txBody>
+          <a:bodyPr anchorCtr="0" anchor="t" bIns="91425" lIns="91425" spcFirstLastPara="1" rIns="91425" wrap="square" tIns="91425">
+            <a:noAutofit/>
+          </a:bodyPr>
+          <a:lstStyle/>
+          <a:p>
+            <a:pPr indent="0" lvl="0" marL="0" rtl="0" algn="l">
+              <a:spcBef>
+                <a:spcPts val="0"/>
+              </a:spcBef>
+              <a:spcAft>
+                <a:spcPts val="0"/>
+              </a:spcAft>
+              <a:buNone/>
+            </a:pPr>
+            <a:r>
+              <a:t/>
+            </a:r>
+            <a:endParaRPr/>
+          </a:p>
+        </p:txBody>
+      </p:sp>
+    </p:spTree>
+  </p:cSld>
+  <p:clrMapOvr>
+    <a:masterClrMapping/>
+  </p:clrMapOvr>
+</p:notes>
+</file>
+
+<file path=ppt/notesSlides/notesSlide74.xml><?xml version="1.0" encoding="utf-8"?>
+<p:notes xmlns:a="http://schemas.openxmlformats.org/drawingml/2006/main" xmlns:r="http://schemas.openxmlformats.org/officeDocument/2006/relationships" xmlns:mc="http://schemas.openxmlformats.org/markup-compatibility/2006" xmlns:mv="urn:schemas-microsoft-com:mac:vml" xmlns:p="http://schemas.openxmlformats.org/presentationml/2006/main" xmlns:c="http://schemas.openxmlformats.org/drawingml/2006/chart" xmlns:dgm="http://schemas.openxmlformats.org/drawingml/2006/diagram" xmlns:o="urn:schemas-microsoft-com:office:office" xmlns:v="urn:schemas-microsoft-com:vml" xmlns:pvml="urn:schemas-microsoft-com:office:powerpoint" xmlns:com="http://schemas.openxmlformats.org/drawingml/2006/compatibility" xmlns:p14="http://schemas.microsoft.com/office/powerpoint/2010/main" xmlns:p15="http://schemas.microsoft.com/office/powerpoint/2012/main" xmlns:ahyp="http://schemas.microsoft.com/office/drawing/2018/hyperlinkcolor" showMasterPhAnim="0" showMasterSp="0">
+  <p:cSld>
+    <p:spTree>
+      <p:nvGrpSpPr>
+        <p:cNvPr id="541" name="Shape 541"/>
+        <p:cNvGrpSpPr/>
+        <p:nvPr/>
+      </p:nvGrpSpPr>
+      <p:grpSpPr>
+        <a:xfrm>
+          <a:off x="0" y="0"/>
+          <a:ext cx="0" cy="0"/>
+          <a:chOff x="0" y="0"/>
+          <a:chExt cx="0" cy="0"/>
+        </a:xfrm>
+      </p:grpSpPr>
+      <p:sp>
+        <p:nvSpPr>
+          <p:cNvPr id="542" name="Google Shape;542;g383b8db570d_0_56:notes"/>
+          <p:cNvSpPr/>
+          <p:nvPr>
+            <p:ph idx="2" type="sldImg"/>
+          </p:nvPr>
+        </p:nvSpPr>
+        <p:spPr>
+          <a:xfrm>
+            <a:off x="381300" y="685800"/>
+            <a:ext cx="6096000" cy="3429000"/>
+          </a:xfrm>
+          <a:custGeom>
+            <a:rect b="b" l="l" r="r" t="t"/>
+            <a:pathLst>
+              <a:path extrusionOk="0" h="120000" w="120000">
+                <a:moveTo>
+                  <a:pt x="0" y="0"/>
+                </a:moveTo>
+                <a:lnTo>
+                  <a:pt x="120000" y="0"/>
+                </a:lnTo>
+                <a:lnTo>
+                  <a:pt x="120000" y="120000"/>
+                </a:lnTo>
+                <a:lnTo>
+                  <a:pt x="0" y="120000"/>
+                </a:lnTo>
+                <a:close/>
+              </a:path>
+            </a:pathLst>
+          </a:custGeom>
+        </p:spPr>
+      </p:sp>
+      <p:sp>
+        <p:nvSpPr>
+          <p:cNvPr id="543" name="Google Shape;543;g383b8db570d_0_56:notes"/>
+          <p:cNvSpPr txBox="1"/>
+          <p:nvPr>
+            <p:ph idx="1" type="body"/>
+          </p:nvPr>
+        </p:nvSpPr>
+        <p:spPr>
+          <a:xfrm>
+            <a:off x="685800" y="4343400"/>
+            <a:ext cx="5486400" cy="4114800"/>
+          </a:xfrm>
+          <a:prstGeom prst="rect">
+            <a:avLst/>
+          </a:prstGeom>
+        </p:spPr>
+        <p:txBody>
+          <a:bodyPr anchorCtr="0" anchor="t" bIns="91425" lIns="91425" spcFirstLastPara="1" rIns="91425" wrap="square" tIns="91425">
+            <a:noAutofit/>
+          </a:bodyPr>
+          <a:lstStyle/>
+          <a:p>
+            <a:pPr indent="0" lvl="0" marL="0" rtl="0" algn="l">
+              <a:spcBef>
+                <a:spcPts val="0"/>
+              </a:spcBef>
+              <a:spcAft>
+                <a:spcPts val="0"/>
+              </a:spcAft>
+              <a:buNone/>
+            </a:pPr>
+            <a:r>
+              <a:t/>
+            </a:r>
+            <a:endParaRPr/>
+          </a:p>
+        </p:txBody>
+      </p:sp>
+    </p:spTree>
+  </p:cSld>
+  <p:clrMapOvr>
+    <a:masterClrMapping/>
+  </p:clrMapOvr>
+</p:notes>
+</file>
+
+<file path=ppt/notesSlides/notesSlide75.xml><?xml version="1.0" encoding="utf-8"?>
+<p:notes xmlns:a="http://schemas.openxmlformats.org/drawingml/2006/main" xmlns:r="http://schemas.openxmlformats.org/officeDocument/2006/relationships" xmlns:mc="http://schemas.openxmlformats.org/markup-compatibility/2006" xmlns:mv="urn:schemas-microsoft-com:mac:vml" xmlns:p="http://schemas.openxmlformats.org/presentationml/2006/main" xmlns:c="http://schemas.openxmlformats.org/drawingml/2006/chart" xmlns:dgm="http://schemas.openxmlformats.org/drawingml/2006/diagram" xmlns:o="urn:schemas-microsoft-com:office:office" xmlns:v="urn:schemas-microsoft-com:vml" xmlns:pvml="urn:schemas-microsoft-com:office:powerpoint" xmlns:com="http://schemas.openxmlformats.org/drawingml/2006/compatibility" xmlns:p14="http://schemas.microsoft.com/office/powerpoint/2010/main" xmlns:p15="http://schemas.microsoft.com/office/powerpoint/2012/main" xmlns:ahyp="http://schemas.microsoft.com/office/drawing/2018/hyperlinkcolor" showMasterPhAnim="0" showMasterSp="0">
+  <p:cSld>
+    <p:spTree>
+      <p:nvGrpSpPr>
+        <p:cNvPr id="548" name="Shape 548"/>
+        <p:cNvGrpSpPr/>
+        <p:nvPr/>
+      </p:nvGrpSpPr>
+      <p:grpSpPr>
+        <a:xfrm>
+          <a:off x="0" y="0"/>
+          <a:ext cx="0" cy="0"/>
+          <a:chOff x="0" y="0"/>
+          <a:chExt cx="0" cy="0"/>
+        </a:xfrm>
+      </p:grpSpPr>
+      <p:sp>
+        <p:nvSpPr>
+          <p:cNvPr id="549" name="Google Shape;549;g383b8db570d_0_48:notes"/>
+          <p:cNvSpPr/>
+          <p:nvPr>
+            <p:ph idx="2" type="sldImg"/>
+          </p:nvPr>
+        </p:nvSpPr>
+        <p:spPr>
+          <a:xfrm>
+            <a:off x="381300" y="685800"/>
+            <a:ext cx="6096000" cy="3429000"/>
+          </a:xfrm>
+          <a:custGeom>
+            <a:rect b="b" l="l" r="r" t="t"/>
+            <a:pathLst>
+              <a:path extrusionOk="0" h="120000" w="120000">
+                <a:moveTo>
+                  <a:pt x="0" y="0"/>
+                </a:moveTo>
+                <a:lnTo>
+                  <a:pt x="120000" y="0"/>
+                </a:lnTo>
+                <a:lnTo>
+                  <a:pt x="120000" y="120000"/>
+                </a:lnTo>
+                <a:lnTo>
+                  <a:pt x="0" y="120000"/>
+                </a:lnTo>
+                <a:close/>
+              </a:path>
+            </a:pathLst>
+          </a:custGeom>
+        </p:spPr>
+      </p:sp>
+      <p:sp>
+        <p:nvSpPr>
+          <p:cNvPr id="550" name="Google Shape;550;g383b8db570d_0_48:notes"/>
           <p:cNvSpPr txBox="1"/>
           <p:nvPr>
             <p:ph idx="1" type="body"/>
@@ -28251,7 +29051,7 @@
             <a:tbl>
               <a:tblPr>
                 <a:noFill/>
-                <a:tableStyleId>{6F8C872C-5506-4483-B3A0-E3DF3634D3A8}</a:tableStyleId>
+                <a:tableStyleId>{97166049-1D3A-40A4-B354-E29BE191FF36}</a:tableStyleId>
               </a:tblPr>
               <a:tblGrid>
                 <a:gridCol w="2413000"/>
@@ -28497,7 +29297,7 @@
             <a:tbl>
               <a:tblPr>
                 <a:noFill/>
-                <a:tableStyleId>{6F8C872C-5506-4483-B3A0-E3DF3634D3A8}</a:tableStyleId>
+                <a:tableStyleId>{97166049-1D3A-40A4-B354-E29BE191FF36}</a:tableStyleId>
               </a:tblPr>
               <a:tblGrid>
                 <a:gridCol w="2413000"/>
@@ -28728,6 +29528,34 @@
           </a:graphicData>
         </a:graphic>
       </p:graphicFrame>
+      <p:pic>
+        <p:nvPicPr>
+          <p:cNvPr id="380" name="Google Shape;380;p59"/>
+          <p:cNvPicPr preferRelativeResize="0"/>
+          <p:nvPr/>
+        </p:nvPicPr>
+        <p:blipFill>
+          <a:blip r:embed="rId3">
+            <a:alphaModFix/>
+          </a:blip>
+          <a:stretch>
+            <a:fillRect/>
+          </a:stretch>
+        </p:blipFill>
+        <p:spPr>
+          <a:xfrm>
+            <a:off x="7596700" y="662275"/>
+            <a:ext cx="1191575" cy="1191575"/>
+          </a:xfrm>
+          <a:prstGeom prst="rect">
+            <a:avLst/>
+          </a:prstGeom>
+          <a:noFill/>
+          <a:ln>
+            <a:noFill/>
+          </a:ln>
+        </p:spPr>
+      </p:pic>
     </p:spTree>
   </p:cSld>
   <p:clrMapOvr>
@@ -28741,7 +29569,7 @@
   <p:cSld>
     <p:spTree>
       <p:nvGrpSpPr>
-        <p:cNvPr id="383" name="Shape 383"/>
+        <p:cNvPr id="384" name="Shape 384"/>
         <p:cNvGrpSpPr/>
         <p:nvPr/>
       </p:nvGrpSpPr>
@@ -28755,7 +29583,7 @@
       </p:grpSpPr>
       <p:sp>
         <p:nvSpPr>
-          <p:cNvPr id="384" name="Google Shape;384;p60"/>
+          <p:cNvPr id="385" name="Google Shape;385;p60"/>
           <p:cNvSpPr txBox="1"/>
           <p:nvPr>
             <p:ph type="title"/>
@@ -28857,7 +29685,7 @@
       </p:sp>
       <p:sp>
         <p:nvSpPr>
-          <p:cNvPr id="385" name="Google Shape;385;p60"/>
+          <p:cNvPr id="386" name="Google Shape;386;p60"/>
           <p:cNvSpPr txBox="1"/>
           <p:nvPr>
             <p:ph idx="1" type="body"/>
@@ -28907,7 +29735,7 @@
   <p:cSld>
     <p:spTree>
       <p:nvGrpSpPr>
-        <p:cNvPr id="389" name="Shape 389"/>
+        <p:cNvPr id="390" name="Shape 390"/>
         <p:cNvGrpSpPr/>
         <p:nvPr/>
       </p:nvGrpSpPr>
@@ -28921,7 +29749,7 @@
       </p:grpSpPr>
       <p:sp>
         <p:nvSpPr>
-          <p:cNvPr id="390" name="Google Shape;390;p61"/>
+          <p:cNvPr id="391" name="Google Shape;391;p61"/>
           <p:cNvSpPr txBox="1"/>
           <p:nvPr>
             <p:ph type="title"/>
@@ -28991,7 +29819,7 @@
       </p:sp>
       <p:sp>
         <p:nvSpPr>
-          <p:cNvPr id="391" name="Google Shape;391;p61"/>
+          <p:cNvPr id="392" name="Google Shape;392;p61"/>
           <p:cNvSpPr txBox="1"/>
           <p:nvPr>
             <p:ph idx="1" type="body"/>
@@ -29331,7 +30159,7 @@
   <p:cSld>
     <p:spTree>
       <p:nvGrpSpPr>
-        <p:cNvPr id="395" name="Shape 395"/>
+        <p:cNvPr id="396" name="Shape 396"/>
         <p:cNvGrpSpPr/>
         <p:nvPr/>
       </p:nvGrpSpPr>
@@ -29345,7 +30173,7 @@
       </p:grpSpPr>
       <p:sp>
         <p:nvSpPr>
-          <p:cNvPr id="396" name="Google Shape;396;p62"/>
+          <p:cNvPr id="397" name="Google Shape;397;p62"/>
           <p:cNvSpPr txBox="1"/>
           <p:nvPr>
             <p:ph type="title"/>
@@ -29415,7 +30243,7 @@
       </p:sp>
       <p:sp>
         <p:nvSpPr>
-          <p:cNvPr id="397" name="Google Shape;397;p62"/>
+          <p:cNvPr id="398" name="Google Shape;398;p62"/>
           <p:cNvSpPr txBox="1"/>
           <p:nvPr>
             <p:ph idx="1" type="body"/>
@@ -29928,7 +30756,7 @@
   <p:cSld>
     <p:spTree>
       <p:nvGrpSpPr>
-        <p:cNvPr id="401" name="Shape 401"/>
+        <p:cNvPr id="402" name="Shape 402"/>
         <p:cNvGrpSpPr/>
         <p:nvPr/>
       </p:nvGrpSpPr>
@@ -29942,7 +30770,7 @@
       </p:grpSpPr>
       <p:sp>
         <p:nvSpPr>
-          <p:cNvPr id="402" name="Google Shape;402;p63"/>
+          <p:cNvPr id="403" name="Google Shape;403;p63"/>
           <p:cNvSpPr txBox="1"/>
           <p:nvPr>
             <p:ph type="title"/>
@@ -29998,7 +30826,7 @@
       </p:sp>
       <p:sp>
         <p:nvSpPr>
-          <p:cNvPr id="403" name="Google Shape;403;p63"/>
+          <p:cNvPr id="404" name="Google Shape;404;p63"/>
           <p:cNvSpPr txBox="1"/>
           <p:nvPr>
             <p:ph idx="1" type="body"/>
@@ -30119,7 +30947,7 @@
   <p:cSld>
     <p:spTree>
       <p:nvGrpSpPr>
-        <p:cNvPr id="407" name="Shape 407"/>
+        <p:cNvPr id="408" name="Shape 408"/>
         <p:cNvGrpSpPr/>
         <p:nvPr/>
       </p:nvGrpSpPr>
@@ -30133,7 +30961,7 @@
       </p:grpSpPr>
       <p:sp>
         <p:nvSpPr>
-          <p:cNvPr id="408" name="Google Shape;408;p64"/>
+          <p:cNvPr id="409" name="Google Shape;409;p64"/>
           <p:cNvSpPr txBox="1"/>
           <p:nvPr>
             <p:ph type="title"/>
@@ -30204,7 +31032,7 @@
       </p:sp>
       <p:sp>
         <p:nvSpPr>
-          <p:cNvPr id="409" name="Google Shape;409;p64"/>
+          <p:cNvPr id="410" name="Google Shape;410;p64"/>
           <p:cNvSpPr txBox="1"/>
           <p:nvPr>
             <p:ph idx="1" type="body"/>
@@ -30673,7 +31501,7 @@
   <p:cSld>
     <p:spTree>
       <p:nvGrpSpPr>
-        <p:cNvPr id="413" name="Shape 413"/>
+        <p:cNvPr id="414" name="Shape 414"/>
         <p:cNvGrpSpPr/>
         <p:nvPr/>
       </p:nvGrpSpPr>
@@ -30687,7 +31515,7 @@
       </p:grpSpPr>
       <p:sp>
         <p:nvSpPr>
-          <p:cNvPr id="414" name="Google Shape;414;p65"/>
+          <p:cNvPr id="415" name="Google Shape;415;p65"/>
           <p:cNvSpPr txBox="1"/>
           <p:nvPr>
             <p:ph type="title"/>
@@ -30745,7 +31573,7 @@
       </p:sp>
       <p:sp>
         <p:nvSpPr>
-          <p:cNvPr id="415" name="Google Shape;415;p65"/>
+          <p:cNvPr id="416" name="Google Shape;416;p65"/>
           <p:cNvSpPr txBox="1"/>
           <p:nvPr>
             <p:ph idx="1" type="body"/>
@@ -30894,7 +31722,7 @@
   <p:cSld>
     <p:spTree>
       <p:nvGrpSpPr>
-        <p:cNvPr id="419" name="Shape 419"/>
+        <p:cNvPr id="420" name="Shape 420"/>
         <p:cNvGrpSpPr/>
         <p:nvPr/>
       </p:nvGrpSpPr>
@@ -30908,7 +31736,7 @@
       </p:grpSpPr>
       <p:sp>
         <p:nvSpPr>
-          <p:cNvPr id="420" name="Google Shape;420;p66"/>
+          <p:cNvPr id="421" name="Google Shape;421;p66"/>
           <p:cNvSpPr txBox="1"/>
           <p:nvPr>
             <p:ph type="title"/>
@@ -30966,7 +31794,7 @@
       </p:sp>
       <p:sp>
         <p:nvSpPr>
-          <p:cNvPr id="421" name="Google Shape;421;p66"/>
+          <p:cNvPr id="422" name="Google Shape;422;p66"/>
           <p:cNvSpPr txBox="1"/>
           <p:nvPr>
             <p:ph idx="1" type="body"/>
@@ -31400,7 +32228,7 @@
   <p:cSld>
     <p:spTree>
       <p:nvGrpSpPr>
-        <p:cNvPr id="425" name="Shape 425"/>
+        <p:cNvPr id="426" name="Shape 426"/>
         <p:cNvGrpSpPr/>
         <p:nvPr/>
       </p:nvGrpSpPr>
@@ -31414,7 +32242,7 @@
       </p:grpSpPr>
       <p:sp>
         <p:nvSpPr>
-          <p:cNvPr id="426" name="Google Shape;426;p67"/>
+          <p:cNvPr id="427" name="Google Shape;427;p67"/>
           <p:cNvSpPr txBox="1"/>
           <p:nvPr>
             <p:ph type="title"/>
@@ -31445,6 +32273,10 @@
               <a:buNone/>
             </a:pPr>
             <a:r>
+              <a:rPr lang="pl"/>
+              <a:t>📝</a:t>
+            </a:r>
+            <a:r>
               <a:rPr lang="pl" sz="2400">
                 <a:solidFill>
                   <a:srgbClr val="000000"/>
@@ -31458,7 +32290,7 @@
       </p:sp>
       <p:sp>
         <p:nvSpPr>
-          <p:cNvPr id="427" name="Google Shape;427;p67"/>
+          <p:cNvPr id="428" name="Google Shape;428;p67"/>
           <p:cNvSpPr txBox="1"/>
           <p:nvPr>
             <p:ph idx="1" type="body"/>
@@ -31616,7 +32448,7 @@
   <p:cSld>
     <p:spTree>
       <p:nvGrpSpPr>
-        <p:cNvPr id="431" name="Shape 431"/>
+        <p:cNvPr id="432" name="Shape 432"/>
         <p:cNvGrpSpPr/>
         <p:nvPr/>
       </p:nvGrpSpPr>
@@ -31630,7 +32462,7 @@
       </p:grpSpPr>
       <p:sp>
         <p:nvSpPr>
-          <p:cNvPr id="432" name="Google Shape;432;p68"/>
+          <p:cNvPr id="433" name="Google Shape;433;p68"/>
           <p:cNvSpPr txBox="1"/>
           <p:nvPr>
             <p:ph type="title"/>
@@ -31662,6 +32494,10 @@
             </a:pPr>
             <a:r>
               <a:rPr lang="pl"/>
+              <a:t>📝</a:t>
+            </a:r>
+            <a:r>
+              <a:rPr lang="pl"/>
               <a:t>RODO</a:t>
             </a:r>
             <a:endParaRPr/>
@@ -31670,7 +32506,7 @@
       </p:sp>
       <p:sp>
         <p:nvSpPr>
-          <p:cNvPr id="433" name="Google Shape;433;p68"/>
+          <p:cNvPr id="434" name="Google Shape;434;p68"/>
           <p:cNvSpPr txBox="1"/>
           <p:nvPr>
             <p:ph idx="1" type="body"/>
@@ -31885,7 +32721,7 @@
   <p:cSld>
     <p:spTree>
       <p:nvGrpSpPr>
-        <p:cNvPr id="437" name="Shape 437"/>
+        <p:cNvPr id="438" name="Shape 438"/>
         <p:cNvGrpSpPr/>
         <p:nvPr/>
       </p:nvGrpSpPr>
@@ -31899,7 +32735,7 @@
       </p:grpSpPr>
       <p:sp>
         <p:nvSpPr>
-          <p:cNvPr id="438" name="Google Shape;438;p69"/>
+          <p:cNvPr id="439" name="Google Shape;439;p69"/>
           <p:cNvSpPr txBox="1"/>
           <p:nvPr>
             <p:ph type="title"/>
@@ -31931,6 +32767,10 @@
             </a:pPr>
             <a:r>
               <a:rPr lang="pl"/>
+              <a:t>📝</a:t>
+            </a:r>
+            <a:r>
+              <a:rPr lang="pl"/>
               <a:t>RODO</a:t>
             </a:r>
             <a:endParaRPr/>
@@ -31939,7 +32779,7 @@
       </p:sp>
       <p:sp>
         <p:nvSpPr>
-          <p:cNvPr id="439" name="Google Shape;439;p69"/>
+          <p:cNvPr id="440" name="Google Shape;440;p69"/>
           <p:cNvSpPr txBox="1"/>
           <p:nvPr>
             <p:ph idx="1" type="body"/>
@@ -32276,7 +33116,7 @@
   <p:cSld>
     <p:spTree>
       <p:nvGrpSpPr>
-        <p:cNvPr id="443" name="Shape 443"/>
+        <p:cNvPr id="444" name="Shape 444"/>
         <p:cNvGrpSpPr/>
         <p:nvPr/>
       </p:nvGrpSpPr>
@@ -32290,7 +33130,7 @@
       </p:grpSpPr>
       <p:sp>
         <p:nvSpPr>
-          <p:cNvPr id="444" name="Google Shape;444;p70"/>
+          <p:cNvPr id="445" name="Google Shape;445;p70"/>
           <p:cNvSpPr txBox="1"/>
           <p:nvPr>
             <p:ph type="title"/>
@@ -32330,7 +33170,7 @@
       </p:sp>
       <p:sp>
         <p:nvSpPr>
-          <p:cNvPr id="445" name="Google Shape;445;p70"/>
+          <p:cNvPr id="446" name="Google Shape;446;p70"/>
           <p:cNvSpPr txBox="1"/>
           <p:nvPr>
             <p:ph idx="1" type="body"/>
@@ -32646,7 +33486,7 @@
   <p:cSld>
     <p:spTree>
       <p:nvGrpSpPr>
-        <p:cNvPr id="449" name="Shape 449"/>
+        <p:cNvPr id="450" name="Shape 450"/>
         <p:cNvGrpSpPr/>
         <p:nvPr/>
       </p:nvGrpSpPr>
@@ -32660,7 +33500,7 @@
       </p:grpSpPr>
       <p:sp>
         <p:nvSpPr>
-          <p:cNvPr id="450" name="Google Shape;450;p71"/>
+          <p:cNvPr id="451" name="Google Shape;451;p71"/>
           <p:cNvSpPr txBox="1"/>
           <p:nvPr>
             <p:ph type="title"/>
@@ -32700,7 +33540,7 @@
       </p:sp>
       <p:sp>
         <p:nvSpPr>
-          <p:cNvPr id="451" name="Google Shape;451;p71"/>
+          <p:cNvPr id="452" name="Google Shape;452;p71"/>
           <p:cNvSpPr txBox="1"/>
           <p:nvPr>
             <p:ph idx="1" type="body"/>
@@ -33194,7 +34034,7 @@
   <p:cSld>
     <p:spTree>
       <p:nvGrpSpPr>
-        <p:cNvPr id="455" name="Shape 455"/>
+        <p:cNvPr id="456" name="Shape 456"/>
         <p:cNvGrpSpPr/>
         <p:nvPr/>
       </p:nvGrpSpPr>
@@ -33208,7 +34048,7 @@
       </p:grpSpPr>
       <p:sp>
         <p:nvSpPr>
-          <p:cNvPr id="456" name="Google Shape;456;p72"/>
+          <p:cNvPr id="457" name="Google Shape;457;p72"/>
           <p:cNvSpPr txBox="1"/>
           <p:nvPr>
             <p:ph type="title"/>
@@ -33239,6 +34079,10 @@
               <a:buNone/>
             </a:pPr>
             <a:r>
+              <a:rPr lang="pl"/>
+              <a:t>📝</a:t>
+            </a:r>
+            <a:r>
               <a:rPr lang="pl" sz="2400">
                 <a:solidFill>
                   <a:srgbClr val="001D35"/>
@@ -33264,7 +34108,7 @@
       </p:sp>
       <p:sp>
         <p:nvSpPr>
-          <p:cNvPr id="457" name="Google Shape;457;p72"/>
+          <p:cNvPr id="458" name="Google Shape;458;p72"/>
           <p:cNvSpPr txBox="1"/>
           <p:nvPr>
             <p:ph idx="1" type="body"/>
@@ -33391,7 +34235,7 @@
   <p:cSld>
     <p:spTree>
       <p:nvGrpSpPr>
-        <p:cNvPr id="461" name="Shape 461"/>
+        <p:cNvPr id="462" name="Shape 462"/>
         <p:cNvGrpSpPr/>
         <p:nvPr/>
       </p:nvGrpSpPr>
@@ -33405,7 +34249,7 @@
       </p:grpSpPr>
       <p:sp>
         <p:nvSpPr>
-          <p:cNvPr id="462" name="Google Shape;462;p73"/>
+          <p:cNvPr id="463" name="Google Shape;463;p73"/>
           <p:cNvSpPr txBox="1"/>
           <p:nvPr>
             <p:ph type="title"/>
@@ -33448,7 +34292,26 @@
                 <a:cs typeface="Tahoma"/>
                 <a:sym typeface="Tahoma"/>
               </a:rPr>
-              <a:t> Sieci klasyfikuje się ze względu na zasięg</a:t>
+              <a:t> </a:t>
+            </a:r>
+            <a:r>
+              <a:rPr lang="pl"/>
+              <a:t>📝</a:t>
+            </a:r>
+            <a:r>
+              <a:rPr lang="pl" sz="2400">
+                <a:solidFill>
+                  <a:srgbClr val="001D35"/>
+                </a:solidFill>
+                <a:highlight>
+                  <a:srgbClr val="FFFFFF"/>
+                </a:highlight>
+                <a:latin typeface="Tahoma"/>
+                <a:ea typeface="Tahoma"/>
+                <a:cs typeface="Tahoma"/>
+                <a:sym typeface="Tahoma"/>
+              </a:rPr>
+              <a:t>Sieci klasyfikuje się ze względu na zasięg</a:t>
             </a:r>
             <a:endParaRPr sz="3800">
               <a:latin typeface="Tahoma"/>
@@ -33461,7 +34324,7 @@
       </p:sp>
       <p:sp>
         <p:nvSpPr>
-          <p:cNvPr id="463" name="Google Shape;463;p73"/>
+          <p:cNvPr id="464" name="Google Shape;464;p73"/>
           <p:cNvSpPr txBox="1"/>
           <p:nvPr>
             <p:ph idx="1" type="body"/>
@@ -33727,7 +34590,7 @@
   <p:cSld>
     <p:spTree>
       <p:nvGrpSpPr>
-        <p:cNvPr id="467" name="Shape 467"/>
+        <p:cNvPr id="468" name="Shape 468"/>
         <p:cNvGrpSpPr/>
         <p:nvPr/>
       </p:nvGrpSpPr>
@@ -33741,7 +34604,7 @@
       </p:grpSpPr>
       <p:sp>
         <p:nvSpPr>
-          <p:cNvPr id="468" name="Google Shape;468;p74"/>
+          <p:cNvPr id="469" name="Google Shape;469;p74"/>
           <p:cNvSpPr txBox="1"/>
           <p:nvPr>
             <p:ph type="title"/>
@@ -33829,7 +34692,7 @@
       </p:sp>
       <p:sp>
         <p:nvSpPr>
-          <p:cNvPr id="469" name="Google Shape;469;p74"/>
+          <p:cNvPr id="470" name="Google Shape;470;p74"/>
           <p:cNvSpPr txBox="1"/>
           <p:nvPr>
             <p:ph idx="1" type="body"/>
@@ -34156,7 +35019,7 @@
   <p:cSld>
     <p:spTree>
       <p:nvGrpSpPr>
-        <p:cNvPr id="473" name="Shape 473"/>
+        <p:cNvPr id="474" name="Shape 474"/>
         <p:cNvGrpSpPr/>
         <p:nvPr/>
       </p:nvGrpSpPr>
@@ -34170,7 +35033,7 @@
       </p:grpSpPr>
       <p:sp>
         <p:nvSpPr>
-          <p:cNvPr id="474" name="Google Shape;474;p75"/>
+          <p:cNvPr id="475" name="Google Shape;475;p75"/>
           <p:cNvSpPr txBox="1"/>
           <p:nvPr>
             <p:ph type="title"/>
@@ -34229,7 +35092,7 @@
       </p:sp>
       <p:sp>
         <p:nvSpPr>
-          <p:cNvPr id="475" name="Google Shape;475;p75"/>
+          <p:cNvPr id="476" name="Google Shape;476;p75"/>
           <p:cNvSpPr txBox="1"/>
           <p:nvPr>
             <p:ph idx="1" type="body"/>
@@ -34552,7 +35415,7 @@
   <p:cSld>
     <p:spTree>
       <p:nvGrpSpPr>
-        <p:cNvPr id="479" name="Shape 479"/>
+        <p:cNvPr id="480" name="Shape 480"/>
         <p:cNvGrpSpPr/>
         <p:nvPr/>
       </p:nvGrpSpPr>
@@ -34566,7 +35429,7 @@
       </p:grpSpPr>
       <p:sp>
         <p:nvSpPr>
-          <p:cNvPr id="480" name="Google Shape;480;p76"/>
+          <p:cNvPr id="481" name="Google Shape;481;p76"/>
           <p:cNvSpPr txBox="1"/>
           <p:nvPr>
             <p:ph type="title"/>
@@ -34640,7 +35503,7 @@
       </p:sp>
       <p:sp>
         <p:nvSpPr>
-          <p:cNvPr id="481" name="Google Shape;481;p76"/>
+          <p:cNvPr id="482" name="Google Shape;482;p76"/>
           <p:cNvSpPr txBox="1"/>
           <p:nvPr>
             <p:ph idx="1" type="body"/>
@@ -34805,7 +35668,7 @@
   <p:cSld>
     <p:spTree>
       <p:nvGrpSpPr>
-        <p:cNvPr id="485" name="Shape 485"/>
+        <p:cNvPr id="486" name="Shape 486"/>
         <p:cNvGrpSpPr/>
         <p:nvPr/>
       </p:nvGrpSpPr>
@@ -34819,7 +35682,7 @@
       </p:grpSpPr>
       <p:sp>
         <p:nvSpPr>
-          <p:cNvPr id="486" name="Google Shape;486;p77"/>
+          <p:cNvPr id="487" name="Google Shape;487;p77"/>
           <p:cNvSpPr txBox="1"/>
           <p:nvPr>
             <p:ph type="title"/>
@@ -34878,7 +35741,7 @@
       </p:sp>
       <p:sp>
         <p:nvSpPr>
-          <p:cNvPr id="487" name="Google Shape;487;p77"/>
+          <p:cNvPr id="488" name="Google Shape;488;p77"/>
           <p:cNvSpPr txBox="1"/>
           <p:nvPr>
             <p:ph idx="1" type="body"/>
@@ -35233,7 +36096,7 @@
   <p:cSld>
     <p:spTree>
       <p:nvGrpSpPr>
-        <p:cNvPr id="491" name="Shape 491"/>
+        <p:cNvPr id="492" name="Shape 492"/>
         <p:cNvGrpSpPr/>
         <p:nvPr/>
       </p:nvGrpSpPr>
@@ -35247,7 +36110,7 @@
       </p:grpSpPr>
       <p:sp>
         <p:nvSpPr>
-          <p:cNvPr id="492" name="Google Shape;492;p78"/>
+          <p:cNvPr id="493" name="Google Shape;493;p78"/>
           <p:cNvSpPr txBox="1"/>
           <p:nvPr>
             <p:ph type="title"/>
@@ -35306,7 +36169,7 @@
       </p:sp>
       <p:sp>
         <p:nvSpPr>
-          <p:cNvPr id="493" name="Google Shape;493;p78"/>
+          <p:cNvPr id="494" name="Google Shape;494;p78"/>
           <p:cNvSpPr txBox="1"/>
           <p:nvPr>
             <p:ph idx="1" type="body"/>
@@ -35479,7 +36342,7 @@
   <p:cSld>
     <p:spTree>
       <p:nvGrpSpPr>
-        <p:cNvPr id="497" name="Shape 497"/>
+        <p:cNvPr id="498" name="Shape 498"/>
         <p:cNvGrpSpPr/>
         <p:nvPr/>
       </p:nvGrpSpPr>
@@ -35493,7 +36356,7 @@
       </p:grpSpPr>
       <p:sp>
         <p:nvSpPr>
-          <p:cNvPr id="498" name="Google Shape;498;p79"/>
+          <p:cNvPr id="499" name="Google Shape;499;p79"/>
           <p:cNvSpPr txBox="1"/>
           <p:nvPr>
             <p:ph type="title"/>
@@ -35552,7 +36415,7 @@
       </p:sp>
       <p:sp>
         <p:nvSpPr>
-          <p:cNvPr id="499" name="Google Shape;499;p79"/>
+          <p:cNvPr id="500" name="Google Shape;500;p79"/>
           <p:cNvSpPr txBox="1"/>
           <p:nvPr>
             <p:ph idx="1" type="body"/>
@@ -35992,6 +36855,915 @@
               <a:ea typeface="Tahoma"/>
               <a:cs typeface="Tahoma"/>
               <a:sym typeface="Tahoma"/>
+            </a:endParaRPr>
+          </a:p>
+        </p:txBody>
+      </p:sp>
+    </p:spTree>
+  </p:cSld>
+  <p:clrMapOvr>
+    <a:masterClrMapping/>
+  </p:clrMapOvr>
+</p:sld>
+</file>
+
+<file path=ppt/slides/slide68.xml><?xml version="1.0" encoding="utf-8"?>
+<p:sld xmlns:a="http://schemas.openxmlformats.org/drawingml/2006/main" xmlns:r="http://schemas.openxmlformats.org/officeDocument/2006/relationships" xmlns:mc="http://schemas.openxmlformats.org/markup-compatibility/2006" xmlns:mv="urn:schemas-microsoft-com:mac:vml" xmlns:p="http://schemas.openxmlformats.org/presentationml/2006/main" xmlns:c="http://schemas.openxmlformats.org/drawingml/2006/chart" xmlns:dgm="http://schemas.openxmlformats.org/drawingml/2006/diagram" xmlns:o="urn:schemas-microsoft-com:office:office" xmlns:v="urn:schemas-microsoft-com:vml" xmlns:pvml="urn:schemas-microsoft-com:office:powerpoint" xmlns:com="http://schemas.openxmlformats.org/drawingml/2006/compatibility" xmlns:p14="http://schemas.microsoft.com/office/powerpoint/2010/main" xmlns:p15="http://schemas.microsoft.com/office/powerpoint/2012/main" xmlns:ahyp="http://schemas.microsoft.com/office/drawing/2018/hyperlinkcolor">
+  <p:cSld>
+    <p:spTree>
+      <p:nvGrpSpPr>
+        <p:cNvPr id="504" name="Shape 504"/>
+        <p:cNvGrpSpPr/>
+        <p:nvPr/>
+      </p:nvGrpSpPr>
+      <p:grpSpPr>
+        <a:xfrm>
+          <a:off x="0" y="0"/>
+          <a:ext cx="0" cy="0"/>
+          <a:chOff x="0" y="0"/>
+          <a:chExt cx="0" cy="0"/>
+        </a:xfrm>
+      </p:grpSpPr>
+      <p:sp>
+        <p:nvSpPr>
+          <p:cNvPr id="505" name="Google Shape;505;p80"/>
+          <p:cNvSpPr txBox="1"/>
+          <p:nvPr>
+            <p:ph type="title"/>
+          </p:nvPr>
+        </p:nvSpPr>
+        <p:spPr>
+          <a:xfrm>
+            <a:off x="729450" y="1318650"/>
+            <a:ext cx="7688700" cy="535200"/>
+          </a:xfrm>
+          <a:prstGeom prst="rect">
+            <a:avLst/>
+          </a:prstGeom>
+        </p:spPr>
+        <p:txBody>
+          <a:bodyPr anchorCtr="0" anchor="t" bIns="91425" lIns="91425" spcFirstLastPara="1" rIns="91425" wrap="square" tIns="91425">
+            <a:noAutofit/>
+          </a:bodyPr>
+          <a:lstStyle/>
+          <a:p>
+            <a:pPr indent="0" lvl="0" marL="0" rtl="0" algn="l">
+              <a:lnSpc>
+                <a:spcPct val="115000"/>
+              </a:lnSpc>
+              <a:spcBef>
+                <a:spcPts val="1200"/>
+              </a:spcBef>
+              <a:spcAft>
+                <a:spcPts val="0"/>
+              </a:spcAft>
+              <a:buNone/>
+            </a:pPr>
+            <a:r>
+              <a:rPr lang="pl"/>
+              <a:t>📝</a:t>
+            </a:r>
+            <a:r>
+              <a:rPr lang="pl" sz="2400">
+                <a:latin typeface="Tahoma"/>
+                <a:ea typeface="Tahoma"/>
+                <a:cs typeface="Tahoma"/>
+                <a:sym typeface="Tahoma"/>
+              </a:rPr>
+              <a:t>Topologie sieci komputerowych</a:t>
+            </a:r>
+            <a:endParaRPr sz="2400">
+              <a:latin typeface="Tahoma"/>
+              <a:ea typeface="Tahoma"/>
+              <a:cs typeface="Tahoma"/>
+              <a:sym typeface="Tahoma"/>
+            </a:endParaRPr>
+          </a:p>
+          <a:p>
+            <a:pPr indent="0" lvl="0" marL="0" rtl="0" algn="l">
+              <a:spcBef>
+                <a:spcPts val="1200"/>
+              </a:spcBef>
+              <a:spcAft>
+                <a:spcPts val="0"/>
+              </a:spcAft>
+              <a:buNone/>
+            </a:pPr>
+            <a:r>
+              <a:t/>
+            </a:r>
+            <a:endParaRPr/>
+          </a:p>
+        </p:txBody>
+      </p:sp>
+      <p:sp>
+        <p:nvSpPr>
+          <p:cNvPr id="506" name="Google Shape;506;p80"/>
+          <p:cNvSpPr txBox="1"/>
+          <p:nvPr>
+            <p:ph idx="1" type="body"/>
+          </p:nvPr>
+        </p:nvSpPr>
+        <p:spPr>
+          <a:xfrm>
+            <a:off x="729450" y="2078875"/>
+            <a:ext cx="7688700" cy="2895600"/>
+          </a:xfrm>
+          <a:prstGeom prst="rect">
+            <a:avLst/>
+          </a:prstGeom>
+        </p:spPr>
+        <p:txBody>
+          <a:bodyPr anchorCtr="0" anchor="t" bIns="91425" lIns="91425" spcFirstLastPara="1" rIns="91425" wrap="square" tIns="91425">
+            <a:normAutofit/>
+          </a:bodyPr>
+          <a:lstStyle/>
+          <a:p>
+            <a:pPr indent="0" lvl="0" marL="0" rtl="0" algn="l">
+              <a:spcBef>
+                <a:spcPts val="1200"/>
+              </a:spcBef>
+              <a:spcAft>
+                <a:spcPts val="0"/>
+              </a:spcAft>
+              <a:buNone/>
+            </a:pPr>
+            <a:r>
+              <a:rPr b="1" lang="pl" sz="1200">
+                <a:solidFill>
+                  <a:srgbClr val="171717"/>
+                </a:solidFill>
+                <a:latin typeface="Tahoma"/>
+                <a:ea typeface="Tahoma"/>
+                <a:cs typeface="Tahoma"/>
+                <a:sym typeface="Tahoma"/>
+              </a:rPr>
+              <a:t>to sposoby, w jakie urządzenia</a:t>
+            </a:r>
+            <a:r>
+              <a:rPr lang="pl" sz="1200">
+                <a:solidFill>
+                  <a:srgbClr val="171717"/>
+                </a:solidFill>
+                <a:latin typeface="Tahoma"/>
+                <a:ea typeface="Tahoma"/>
+                <a:cs typeface="Tahoma"/>
+                <a:sym typeface="Tahoma"/>
+              </a:rPr>
+              <a:t> (komputery, serwery, routery, przełączniki itp.) </a:t>
+            </a:r>
+            <a:r>
+              <a:rPr b="1" lang="pl" sz="1200">
+                <a:solidFill>
+                  <a:srgbClr val="171717"/>
+                </a:solidFill>
+                <a:latin typeface="Tahoma"/>
+                <a:ea typeface="Tahoma"/>
+                <a:cs typeface="Tahoma"/>
+                <a:sym typeface="Tahoma"/>
+              </a:rPr>
+              <a:t>są fizycznie lub logicznie połączone w sieci</a:t>
+            </a:r>
+            <a:r>
+              <a:rPr lang="pl" sz="1200">
+                <a:solidFill>
+                  <a:srgbClr val="171717"/>
+                </a:solidFill>
+                <a:latin typeface="Tahoma"/>
+                <a:ea typeface="Tahoma"/>
+                <a:cs typeface="Tahoma"/>
+                <a:sym typeface="Tahoma"/>
+              </a:rPr>
+              <a:t>. Topologia </a:t>
+            </a:r>
+            <a:r>
+              <a:rPr b="1" lang="pl" sz="1200">
+                <a:solidFill>
+                  <a:srgbClr val="171717"/>
+                </a:solidFill>
+                <a:latin typeface="Tahoma"/>
+                <a:ea typeface="Tahoma"/>
+                <a:cs typeface="Tahoma"/>
+                <a:sym typeface="Tahoma"/>
+              </a:rPr>
+              <a:t>określa strukturę połączeń między urządzeniami oraz sposób przepływu danych</a:t>
+            </a:r>
+            <a:r>
+              <a:rPr lang="pl" sz="1200">
+                <a:solidFill>
+                  <a:srgbClr val="171717"/>
+                </a:solidFill>
+                <a:latin typeface="Tahoma"/>
+                <a:ea typeface="Tahoma"/>
+                <a:cs typeface="Tahoma"/>
+                <a:sym typeface="Tahoma"/>
+              </a:rPr>
+              <a:t>. </a:t>
+            </a:r>
+            <a:endParaRPr sz="1200">
+              <a:solidFill>
+                <a:srgbClr val="171717"/>
+              </a:solidFill>
+              <a:latin typeface="Tahoma"/>
+              <a:ea typeface="Tahoma"/>
+              <a:cs typeface="Tahoma"/>
+              <a:sym typeface="Tahoma"/>
+            </a:endParaRPr>
+          </a:p>
+          <a:p>
+            <a:pPr indent="0" lvl="0" marL="0" rtl="0" algn="l">
+              <a:spcBef>
+                <a:spcPts val="1200"/>
+              </a:spcBef>
+              <a:spcAft>
+                <a:spcPts val="0"/>
+              </a:spcAft>
+              <a:buNone/>
+            </a:pPr>
+            <a:r>
+              <a:rPr lang="pl" sz="1200">
+                <a:solidFill>
+                  <a:srgbClr val="171717"/>
+                </a:solidFill>
+                <a:latin typeface="Tahoma"/>
+                <a:ea typeface="Tahoma"/>
+                <a:cs typeface="Tahoma"/>
+                <a:sym typeface="Tahoma"/>
+              </a:rPr>
+              <a:t>Wybór topologii wpływa na wydajność, skalowalność, niezawodność i łatwość zarządzania siecią.</a:t>
+            </a:r>
+            <a:endParaRPr sz="1200">
+              <a:solidFill>
+                <a:srgbClr val="171717"/>
+              </a:solidFill>
+              <a:latin typeface="Tahoma"/>
+              <a:ea typeface="Tahoma"/>
+              <a:cs typeface="Tahoma"/>
+              <a:sym typeface="Tahoma"/>
+            </a:endParaRPr>
+          </a:p>
+          <a:p>
+            <a:pPr indent="0" lvl="0" marL="0" rtl="0" algn="l">
+              <a:spcBef>
+                <a:spcPts val="1200"/>
+              </a:spcBef>
+              <a:spcAft>
+                <a:spcPts val="0"/>
+              </a:spcAft>
+              <a:buNone/>
+            </a:pPr>
+            <a:r>
+              <a:rPr lang="pl" sz="1216">
+                <a:solidFill>
+                  <a:srgbClr val="000000"/>
+                </a:solidFill>
+                <a:latin typeface="Tahoma"/>
+                <a:ea typeface="Tahoma"/>
+                <a:cs typeface="Tahoma"/>
+                <a:sym typeface="Tahoma"/>
+              </a:rPr>
+              <a:t>Topologie dzielimy na:</a:t>
+            </a:r>
+            <a:endParaRPr sz="1216">
+              <a:solidFill>
+                <a:srgbClr val="000000"/>
+              </a:solidFill>
+              <a:latin typeface="Tahoma"/>
+              <a:ea typeface="Tahoma"/>
+              <a:cs typeface="Tahoma"/>
+              <a:sym typeface="Tahoma"/>
+            </a:endParaRPr>
+          </a:p>
+          <a:p>
+            <a:pPr indent="-305829" lvl="0" marL="457200" rtl="0" algn="l">
+              <a:spcBef>
+                <a:spcPts val="1200"/>
+              </a:spcBef>
+              <a:spcAft>
+                <a:spcPts val="0"/>
+              </a:spcAft>
+              <a:buClr>
+                <a:srgbClr val="000000"/>
+              </a:buClr>
+              <a:buSzPts val="1216"/>
+              <a:buFont typeface="Arial"/>
+              <a:buChar char="●"/>
+            </a:pPr>
+            <a:r>
+              <a:rPr b="1" lang="pl" sz="1216">
+                <a:solidFill>
+                  <a:srgbClr val="000000"/>
+                </a:solidFill>
+                <a:latin typeface="Tahoma"/>
+                <a:ea typeface="Tahoma"/>
+                <a:cs typeface="Tahoma"/>
+                <a:sym typeface="Tahoma"/>
+              </a:rPr>
+              <a:t>Fizyczne</a:t>
+            </a:r>
+            <a:r>
+              <a:rPr lang="pl" sz="1216">
+                <a:solidFill>
+                  <a:srgbClr val="000000"/>
+                </a:solidFill>
+                <a:latin typeface="Tahoma"/>
+                <a:ea typeface="Tahoma"/>
+                <a:cs typeface="Tahoma"/>
+                <a:sym typeface="Tahoma"/>
+              </a:rPr>
+              <a:t>: Rzeczywisty układ kabli, urządzeń i połączeń.</a:t>
+            </a:r>
+            <a:endParaRPr sz="1216">
+              <a:solidFill>
+                <a:srgbClr val="000000"/>
+              </a:solidFill>
+              <a:latin typeface="Tahoma"/>
+              <a:ea typeface="Tahoma"/>
+              <a:cs typeface="Tahoma"/>
+              <a:sym typeface="Tahoma"/>
+            </a:endParaRPr>
+          </a:p>
+          <a:p>
+            <a:pPr indent="-305829" lvl="0" marL="457200" rtl="0" algn="l">
+              <a:spcBef>
+                <a:spcPts val="0"/>
+              </a:spcBef>
+              <a:spcAft>
+                <a:spcPts val="0"/>
+              </a:spcAft>
+              <a:buClr>
+                <a:srgbClr val="000000"/>
+              </a:buClr>
+              <a:buSzPts val="1216"/>
+              <a:buFont typeface="Arial"/>
+              <a:buChar char="●"/>
+            </a:pPr>
+            <a:r>
+              <a:rPr b="1" lang="pl" sz="1216">
+                <a:solidFill>
+                  <a:srgbClr val="000000"/>
+                </a:solidFill>
+                <a:latin typeface="Tahoma"/>
+                <a:ea typeface="Tahoma"/>
+                <a:cs typeface="Tahoma"/>
+                <a:sym typeface="Tahoma"/>
+              </a:rPr>
+              <a:t>Logiczne</a:t>
+            </a:r>
+            <a:r>
+              <a:rPr lang="pl" sz="1216">
+                <a:solidFill>
+                  <a:srgbClr val="000000"/>
+                </a:solidFill>
+                <a:latin typeface="Tahoma"/>
+                <a:ea typeface="Tahoma"/>
+                <a:cs typeface="Tahoma"/>
+                <a:sym typeface="Tahoma"/>
+              </a:rPr>
+              <a:t>: Sposób, w jaki dane przepływają w sieci, niezależnie od fizycznego układu (np. sieć może być fizycznie w topologii gwiazdy, ale logicznie w topologii magistrali).</a:t>
+            </a:r>
+            <a:endParaRPr sz="1216">
+              <a:solidFill>
+                <a:srgbClr val="000000"/>
+              </a:solidFill>
+              <a:latin typeface="Tahoma"/>
+              <a:ea typeface="Tahoma"/>
+              <a:cs typeface="Tahoma"/>
+              <a:sym typeface="Tahoma"/>
+            </a:endParaRPr>
+          </a:p>
+          <a:p>
+            <a:pPr indent="0" lvl="0" marL="0" rtl="0" algn="l">
+              <a:spcBef>
+                <a:spcPts val="1200"/>
+              </a:spcBef>
+              <a:spcAft>
+                <a:spcPts val="1200"/>
+              </a:spcAft>
+              <a:buNone/>
+            </a:pPr>
+            <a:r>
+              <a:t/>
+            </a:r>
+            <a:endParaRPr/>
+          </a:p>
+        </p:txBody>
+      </p:sp>
+    </p:spTree>
+  </p:cSld>
+  <p:clrMapOvr>
+    <a:masterClrMapping/>
+  </p:clrMapOvr>
+</p:sld>
+</file>
+
+<file path=ppt/slides/slide69.xml><?xml version="1.0" encoding="utf-8"?>
+<p:sld xmlns:a="http://schemas.openxmlformats.org/drawingml/2006/main" xmlns:r="http://schemas.openxmlformats.org/officeDocument/2006/relationships" xmlns:mc="http://schemas.openxmlformats.org/markup-compatibility/2006" xmlns:mv="urn:schemas-microsoft-com:mac:vml" xmlns:p="http://schemas.openxmlformats.org/presentationml/2006/main" xmlns:c="http://schemas.openxmlformats.org/drawingml/2006/chart" xmlns:dgm="http://schemas.openxmlformats.org/drawingml/2006/diagram" xmlns:o="urn:schemas-microsoft-com:office:office" xmlns:v="urn:schemas-microsoft-com:vml" xmlns:pvml="urn:schemas-microsoft-com:office:powerpoint" xmlns:com="http://schemas.openxmlformats.org/drawingml/2006/compatibility" xmlns:p14="http://schemas.microsoft.com/office/powerpoint/2010/main" xmlns:p15="http://schemas.microsoft.com/office/powerpoint/2012/main" xmlns:ahyp="http://schemas.microsoft.com/office/drawing/2018/hyperlinkcolor">
+  <p:cSld>
+    <p:spTree>
+      <p:nvGrpSpPr>
+        <p:cNvPr id="510" name="Shape 510"/>
+        <p:cNvGrpSpPr/>
+        <p:nvPr/>
+      </p:nvGrpSpPr>
+      <p:grpSpPr>
+        <a:xfrm>
+          <a:off x="0" y="0"/>
+          <a:ext cx="0" cy="0"/>
+          <a:chOff x="0" y="0"/>
+          <a:chExt cx="0" cy="0"/>
+        </a:xfrm>
+      </p:grpSpPr>
+      <p:sp>
+        <p:nvSpPr>
+          <p:cNvPr id="511" name="Google Shape;511;p81"/>
+          <p:cNvSpPr txBox="1"/>
+          <p:nvPr>
+            <p:ph type="title"/>
+          </p:nvPr>
+        </p:nvSpPr>
+        <p:spPr>
+          <a:xfrm>
+            <a:off x="729450" y="1318650"/>
+            <a:ext cx="7688700" cy="535200"/>
+          </a:xfrm>
+          <a:prstGeom prst="rect">
+            <a:avLst/>
+          </a:prstGeom>
+        </p:spPr>
+        <p:txBody>
+          <a:bodyPr anchorCtr="0" anchor="t" bIns="91425" lIns="91425" spcFirstLastPara="1" rIns="91425" wrap="square" tIns="91425">
+            <a:noAutofit/>
+          </a:bodyPr>
+          <a:lstStyle/>
+          <a:p>
+            <a:pPr indent="0" lvl="0" marL="0" rtl="0" algn="l">
+              <a:lnSpc>
+                <a:spcPct val="115000"/>
+              </a:lnSpc>
+              <a:spcBef>
+                <a:spcPts val="1400"/>
+              </a:spcBef>
+              <a:spcAft>
+                <a:spcPts val="0"/>
+              </a:spcAft>
+              <a:buNone/>
+            </a:pPr>
+            <a:r>
+              <a:rPr lang="pl"/>
+              <a:t>📝</a:t>
+            </a:r>
+            <a:r>
+              <a:rPr lang="pl" sz="2400">
+                <a:solidFill>
+                  <a:srgbClr val="000000"/>
+                </a:solidFill>
+                <a:latin typeface="Tahoma"/>
+                <a:ea typeface="Tahoma"/>
+                <a:cs typeface="Tahoma"/>
+                <a:sym typeface="Tahoma"/>
+              </a:rPr>
+              <a:t>Główne topologie sieci komputerowych</a:t>
+            </a:r>
+            <a:endParaRPr sz="2400">
+              <a:solidFill>
+                <a:srgbClr val="000000"/>
+              </a:solidFill>
+              <a:latin typeface="Tahoma"/>
+              <a:ea typeface="Tahoma"/>
+              <a:cs typeface="Tahoma"/>
+              <a:sym typeface="Tahoma"/>
+            </a:endParaRPr>
+          </a:p>
+          <a:p>
+            <a:pPr indent="0" lvl="0" marL="0" rtl="0" algn="l">
+              <a:spcBef>
+                <a:spcPts val="400"/>
+              </a:spcBef>
+              <a:spcAft>
+                <a:spcPts val="0"/>
+              </a:spcAft>
+              <a:buNone/>
+            </a:pPr>
+            <a:r>
+              <a:t/>
+            </a:r>
+            <a:endParaRPr/>
+          </a:p>
+        </p:txBody>
+      </p:sp>
+      <p:sp>
+        <p:nvSpPr>
+          <p:cNvPr id="512" name="Google Shape;512;p81"/>
+          <p:cNvSpPr txBox="1"/>
+          <p:nvPr>
+            <p:ph idx="1" type="body"/>
+          </p:nvPr>
+        </p:nvSpPr>
+        <p:spPr>
+          <a:xfrm>
+            <a:off x="729450" y="2078875"/>
+            <a:ext cx="7688700" cy="2261100"/>
+          </a:xfrm>
+          <a:prstGeom prst="rect">
+            <a:avLst/>
+          </a:prstGeom>
+        </p:spPr>
+        <p:txBody>
+          <a:bodyPr anchorCtr="0" anchor="t" bIns="91425" lIns="91425" spcFirstLastPara="1" rIns="91425" wrap="square" tIns="91425">
+            <a:normAutofit fontScale="25000" lnSpcReduction="20000"/>
+          </a:bodyPr>
+          <a:lstStyle/>
+          <a:p>
+            <a:pPr indent="0" lvl="0" marL="457200" rtl="0" algn="l">
+              <a:lnSpc>
+                <a:spcPct val="100000"/>
+              </a:lnSpc>
+              <a:spcBef>
+                <a:spcPts val="1200"/>
+              </a:spcBef>
+              <a:spcAft>
+                <a:spcPts val="0"/>
+              </a:spcAft>
+              <a:buNone/>
+            </a:pPr>
+            <a:r>
+              <a:rPr b="1" lang="pl" sz="5650">
+                <a:solidFill>
+                  <a:srgbClr val="000000"/>
+                </a:solidFill>
+                <a:latin typeface="Tahoma"/>
+                <a:ea typeface="Tahoma"/>
+                <a:cs typeface="Tahoma"/>
+                <a:sym typeface="Tahoma"/>
+              </a:rPr>
+              <a:t>1. Topologia </a:t>
+            </a:r>
+            <a:r>
+              <a:rPr b="1" lang="pl" sz="5650">
+                <a:solidFill>
+                  <a:srgbClr val="0B5394"/>
+                </a:solidFill>
+                <a:latin typeface="Tahoma"/>
+                <a:ea typeface="Tahoma"/>
+                <a:cs typeface="Tahoma"/>
+                <a:sym typeface="Tahoma"/>
+              </a:rPr>
+              <a:t>magistrali </a:t>
+            </a:r>
+            <a:r>
+              <a:rPr b="1" lang="pl" sz="5650">
+                <a:solidFill>
+                  <a:srgbClr val="000000"/>
+                </a:solidFill>
+                <a:latin typeface="Tahoma"/>
+                <a:ea typeface="Tahoma"/>
+                <a:cs typeface="Tahoma"/>
+                <a:sym typeface="Tahoma"/>
+              </a:rPr>
+              <a:t>(Bus Topology)</a:t>
+            </a:r>
+            <a:endParaRPr b="1" sz="5650">
+              <a:solidFill>
+                <a:srgbClr val="000000"/>
+              </a:solidFill>
+              <a:latin typeface="Tahoma"/>
+              <a:ea typeface="Tahoma"/>
+              <a:cs typeface="Tahoma"/>
+              <a:sym typeface="Tahoma"/>
+            </a:endParaRPr>
+          </a:p>
+          <a:p>
+            <a:pPr indent="0" lvl="0" marL="457200" rtl="0" algn="l">
+              <a:lnSpc>
+                <a:spcPct val="100000"/>
+              </a:lnSpc>
+              <a:spcBef>
+                <a:spcPts val="1200"/>
+              </a:spcBef>
+              <a:spcAft>
+                <a:spcPts val="0"/>
+              </a:spcAft>
+              <a:buNone/>
+            </a:pPr>
+            <a:r>
+              <a:rPr b="1" lang="pl" sz="5650">
+                <a:solidFill>
+                  <a:srgbClr val="000000"/>
+                </a:solidFill>
+                <a:latin typeface="Tahoma"/>
+                <a:ea typeface="Tahoma"/>
+                <a:cs typeface="Tahoma"/>
+                <a:sym typeface="Tahoma"/>
+              </a:rPr>
+              <a:t>2. Topologia </a:t>
+            </a:r>
+            <a:r>
+              <a:rPr b="1" lang="pl" sz="5650">
+                <a:solidFill>
+                  <a:srgbClr val="0B5394"/>
+                </a:solidFill>
+                <a:latin typeface="Tahoma"/>
+                <a:ea typeface="Tahoma"/>
+                <a:cs typeface="Tahoma"/>
+                <a:sym typeface="Tahoma"/>
+              </a:rPr>
+              <a:t>gwiazdy </a:t>
+            </a:r>
+            <a:r>
+              <a:rPr b="1" lang="pl" sz="5650">
+                <a:solidFill>
+                  <a:srgbClr val="000000"/>
+                </a:solidFill>
+                <a:latin typeface="Tahoma"/>
+                <a:ea typeface="Tahoma"/>
+                <a:cs typeface="Tahoma"/>
+                <a:sym typeface="Tahoma"/>
+              </a:rPr>
+              <a:t>(Star Topology)</a:t>
+            </a:r>
+            <a:endParaRPr b="1" sz="5650">
+              <a:solidFill>
+                <a:srgbClr val="000000"/>
+              </a:solidFill>
+              <a:latin typeface="Tahoma"/>
+              <a:ea typeface="Tahoma"/>
+              <a:cs typeface="Tahoma"/>
+              <a:sym typeface="Tahoma"/>
+            </a:endParaRPr>
+          </a:p>
+          <a:p>
+            <a:pPr indent="0" lvl="0" marL="457200" rtl="0" algn="l">
+              <a:lnSpc>
+                <a:spcPct val="100000"/>
+              </a:lnSpc>
+              <a:spcBef>
+                <a:spcPts val="1200"/>
+              </a:spcBef>
+              <a:spcAft>
+                <a:spcPts val="0"/>
+              </a:spcAft>
+              <a:buNone/>
+            </a:pPr>
+            <a:r>
+              <a:rPr b="1" lang="pl" sz="5650">
+                <a:solidFill>
+                  <a:srgbClr val="000000"/>
+                </a:solidFill>
+                <a:latin typeface="Tahoma"/>
+                <a:ea typeface="Tahoma"/>
+                <a:cs typeface="Tahoma"/>
+                <a:sym typeface="Tahoma"/>
+              </a:rPr>
+              <a:t>3. Topologia </a:t>
+            </a:r>
+            <a:r>
+              <a:rPr b="1" lang="pl" sz="5650">
+                <a:solidFill>
+                  <a:srgbClr val="0B5394"/>
+                </a:solidFill>
+                <a:latin typeface="Tahoma"/>
+                <a:ea typeface="Tahoma"/>
+                <a:cs typeface="Tahoma"/>
+                <a:sym typeface="Tahoma"/>
+              </a:rPr>
+              <a:t>pierścienia </a:t>
+            </a:r>
+            <a:r>
+              <a:rPr b="1" lang="pl" sz="5650">
+                <a:solidFill>
+                  <a:srgbClr val="000000"/>
+                </a:solidFill>
+                <a:latin typeface="Tahoma"/>
+                <a:ea typeface="Tahoma"/>
+                <a:cs typeface="Tahoma"/>
+                <a:sym typeface="Tahoma"/>
+              </a:rPr>
+              <a:t>(Ring Topology)</a:t>
+            </a:r>
+            <a:endParaRPr b="1" sz="5650">
+              <a:solidFill>
+                <a:srgbClr val="000000"/>
+              </a:solidFill>
+              <a:latin typeface="Tahoma"/>
+              <a:ea typeface="Tahoma"/>
+              <a:cs typeface="Tahoma"/>
+              <a:sym typeface="Tahoma"/>
+            </a:endParaRPr>
+          </a:p>
+          <a:p>
+            <a:pPr indent="0" lvl="0" marL="457200" rtl="0" algn="l">
+              <a:lnSpc>
+                <a:spcPct val="100000"/>
+              </a:lnSpc>
+              <a:spcBef>
+                <a:spcPts val="1200"/>
+              </a:spcBef>
+              <a:spcAft>
+                <a:spcPts val="0"/>
+              </a:spcAft>
+              <a:buNone/>
+            </a:pPr>
+            <a:r>
+              <a:rPr b="1" lang="pl" sz="5650">
+                <a:solidFill>
+                  <a:srgbClr val="000000"/>
+                </a:solidFill>
+                <a:latin typeface="Tahoma"/>
+                <a:ea typeface="Tahoma"/>
+                <a:cs typeface="Tahoma"/>
+                <a:sym typeface="Tahoma"/>
+              </a:rPr>
+              <a:t>4. Topologia </a:t>
+            </a:r>
+            <a:r>
+              <a:rPr b="1" lang="pl" sz="5650">
+                <a:solidFill>
+                  <a:srgbClr val="0B5394"/>
+                </a:solidFill>
+                <a:latin typeface="Tahoma"/>
+                <a:ea typeface="Tahoma"/>
+                <a:cs typeface="Tahoma"/>
+                <a:sym typeface="Tahoma"/>
+              </a:rPr>
+              <a:t>siatki </a:t>
+            </a:r>
+            <a:r>
+              <a:rPr b="1" lang="pl" sz="5650">
+                <a:solidFill>
+                  <a:srgbClr val="000000"/>
+                </a:solidFill>
+                <a:latin typeface="Tahoma"/>
+                <a:ea typeface="Tahoma"/>
+                <a:cs typeface="Tahoma"/>
+                <a:sym typeface="Tahoma"/>
+              </a:rPr>
+              <a:t>(Mesh Topology)</a:t>
+            </a:r>
+            <a:endParaRPr b="1" sz="5650">
+              <a:solidFill>
+                <a:srgbClr val="000000"/>
+              </a:solidFill>
+              <a:latin typeface="Tahoma"/>
+              <a:ea typeface="Tahoma"/>
+              <a:cs typeface="Tahoma"/>
+              <a:sym typeface="Tahoma"/>
+            </a:endParaRPr>
+          </a:p>
+          <a:p>
+            <a:pPr indent="0" lvl="0" marL="457200" rtl="0" algn="l">
+              <a:lnSpc>
+                <a:spcPct val="100000"/>
+              </a:lnSpc>
+              <a:spcBef>
+                <a:spcPts val="1200"/>
+              </a:spcBef>
+              <a:spcAft>
+                <a:spcPts val="0"/>
+              </a:spcAft>
+              <a:buNone/>
+            </a:pPr>
+            <a:r>
+              <a:rPr b="1" lang="pl" sz="5650">
+                <a:solidFill>
+                  <a:srgbClr val="000000"/>
+                </a:solidFill>
+                <a:latin typeface="Tahoma"/>
+                <a:ea typeface="Tahoma"/>
+                <a:cs typeface="Tahoma"/>
+                <a:sym typeface="Tahoma"/>
+              </a:rPr>
+              <a:t>5. Topologia </a:t>
+            </a:r>
+            <a:r>
+              <a:rPr b="1" lang="pl" sz="5650">
+                <a:solidFill>
+                  <a:srgbClr val="0B5394"/>
+                </a:solidFill>
+                <a:latin typeface="Tahoma"/>
+                <a:ea typeface="Tahoma"/>
+                <a:cs typeface="Tahoma"/>
+                <a:sym typeface="Tahoma"/>
+              </a:rPr>
+              <a:t>drzewa </a:t>
+            </a:r>
+            <a:r>
+              <a:rPr b="1" lang="pl" sz="5650">
+                <a:solidFill>
+                  <a:srgbClr val="000000"/>
+                </a:solidFill>
+                <a:latin typeface="Tahoma"/>
+                <a:ea typeface="Tahoma"/>
+                <a:cs typeface="Tahoma"/>
+                <a:sym typeface="Tahoma"/>
+              </a:rPr>
+              <a:t>(Tree Topology)</a:t>
+            </a:r>
+            <a:endParaRPr b="1" sz="5650">
+              <a:solidFill>
+                <a:srgbClr val="000000"/>
+              </a:solidFill>
+              <a:latin typeface="Tahoma"/>
+              <a:ea typeface="Tahoma"/>
+              <a:cs typeface="Tahoma"/>
+              <a:sym typeface="Tahoma"/>
+            </a:endParaRPr>
+          </a:p>
+          <a:p>
+            <a:pPr indent="-246062" lvl="0" marL="457200" rtl="0" algn="l">
+              <a:spcBef>
+                <a:spcPts val="1200"/>
+              </a:spcBef>
+              <a:spcAft>
+                <a:spcPts val="0"/>
+              </a:spcAft>
+              <a:buClr>
+                <a:srgbClr val="000000"/>
+              </a:buClr>
+              <a:buSzPct val="100000"/>
+              <a:buFont typeface="Arial"/>
+              <a:buChar char="●"/>
+            </a:pPr>
+            <a:r>
+              <a:t/>
+            </a:r>
+            <a:endParaRPr sz="1100">
+              <a:solidFill>
+                <a:srgbClr val="000000"/>
+              </a:solidFill>
+              <a:latin typeface="Arial"/>
+              <a:ea typeface="Arial"/>
+              <a:cs typeface="Arial"/>
+              <a:sym typeface="Arial"/>
+            </a:endParaRPr>
+          </a:p>
+          <a:p>
+            <a:pPr indent="0" lvl="0" marL="0" rtl="0" algn="l">
+              <a:spcBef>
+                <a:spcPts val="1200"/>
+              </a:spcBef>
+              <a:spcAft>
+                <a:spcPts val="0"/>
+              </a:spcAft>
+              <a:buNone/>
+            </a:pPr>
+            <a:r>
+              <a:t/>
+            </a:r>
+            <a:endParaRPr sz="1100">
+              <a:solidFill>
+                <a:srgbClr val="000000"/>
+              </a:solidFill>
+              <a:latin typeface="Arial"/>
+              <a:ea typeface="Arial"/>
+              <a:cs typeface="Arial"/>
+              <a:sym typeface="Arial"/>
+            </a:endParaRPr>
+          </a:p>
+          <a:p>
+            <a:pPr indent="0" lvl="0" marL="0" rtl="0" algn="l">
+              <a:spcBef>
+                <a:spcPts val="1200"/>
+              </a:spcBef>
+              <a:spcAft>
+                <a:spcPts val="0"/>
+              </a:spcAft>
+              <a:buNone/>
+            </a:pPr>
+            <a:r>
+              <a:t/>
+            </a:r>
+            <a:endParaRPr sz="1100">
+              <a:solidFill>
+                <a:srgbClr val="000000"/>
+              </a:solidFill>
+              <a:latin typeface="Arial"/>
+              <a:ea typeface="Arial"/>
+              <a:cs typeface="Arial"/>
+              <a:sym typeface="Arial"/>
+            </a:endParaRPr>
+          </a:p>
+          <a:p>
+            <a:pPr indent="0" lvl="0" marL="0" rtl="0" algn="l">
+              <a:spcBef>
+                <a:spcPts val="1200"/>
+              </a:spcBef>
+              <a:spcAft>
+                <a:spcPts val="1200"/>
+              </a:spcAft>
+              <a:buNone/>
+            </a:pPr>
+            <a:r>
+              <a:t/>
+            </a:r>
+            <a:endParaRPr sz="1100">
+              <a:solidFill>
+                <a:srgbClr val="000000"/>
+              </a:solidFill>
+              <a:latin typeface="Arial"/>
+              <a:ea typeface="Arial"/>
+              <a:cs typeface="Arial"/>
+              <a:sym typeface="Arial"/>
             </a:endParaRPr>
           </a:p>
         </p:txBody>
@@ -36144,6 +37916,3383 @@
           <a:xfrm>
             <a:off x="7596700" y="662275"/>
             <a:ext cx="1191575" cy="1191575"/>
+          </a:xfrm>
+          <a:prstGeom prst="rect">
+            <a:avLst/>
+          </a:prstGeom>
+          <a:noFill/>
+          <a:ln>
+            <a:noFill/>
+          </a:ln>
+        </p:spPr>
+      </p:pic>
+    </p:spTree>
+  </p:cSld>
+  <p:clrMapOvr>
+    <a:masterClrMapping/>
+  </p:clrMapOvr>
+</p:sld>
+</file>
+
+<file path=ppt/slides/slide70.xml><?xml version="1.0" encoding="utf-8"?>
+<p:sld xmlns:a="http://schemas.openxmlformats.org/drawingml/2006/main" xmlns:r="http://schemas.openxmlformats.org/officeDocument/2006/relationships" xmlns:mc="http://schemas.openxmlformats.org/markup-compatibility/2006" xmlns:mv="urn:schemas-microsoft-com:mac:vml" xmlns:p="http://schemas.openxmlformats.org/presentationml/2006/main" xmlns:c="http://schemas.openxmlformats.org/drawingml/2006/chart" xmlns:dgm="http://schemas.openxmlformats.org/drawingml/2006/diagram" xmlns:o="urn:schemas-microsoft-com:office:office" xmlns:v="urn:schemas-microsoft-com:vml" xmlns:pvml="urn:schemas-microsoft-com:office:powerpoint" xmlns:com="http://schemas.openxmlformats.org/drawingml/2006/compatibility" xmlns:p14="http://schemas.microsoft.com/office/powerpoint/2010/main" xmlns:p15="http://schemas.microsoft.com/office/powerpoint/2012/main" xmlns:ahyp="http://schemas.microsoft.com/office/drawing/2018/hyperlinkcolor">
+  <p:cSld>
+    <p:spTree>
+      <p:nvGrpSpPr>
+        <p:cNvPr id="516" name="Shape 516"/>
+        <p:cNvGrpSpPr/>
+        <p:nvPr/>
+      </p:nvGrpSpPr>
+      <p:grpSpPr>
+        <a:xfrm>
+          <a:off x="0" y="0"/>
+          <a:ext cx="0" cy="0"/>
+          <a:chOff x="0" y="0"/>
+          <a:chExt cx="0" cy="0"/>
+        </a:xfrm>
+      </p:grpSpPr>
+      <p:sp>
+        <p:nvSpPr>
+          <p:cNvPr id="517" name="Google Shape;517;p82"/>
+          <p:cNvSpPr txBox="1"/>
+          <p:nvPr>
+            <p:ph type="title"/>
+          </p:nvPr>
+        </p:nvSpPr>
+        <p:spPr>
+          <a:xfrm>
+            <a:off x="729450" y="1318650"/>
+            <a:ext cx="7688700" cy="535200"/>
+          </a:xfrm>
+          <a:prstGeom prst="rect">
+            <a:avLst/>
+          </a:prstGeom>
+        </p:spPr>
+        <p:txBody>
+          <a:bodyPr anchorCtr="0" anchor="t" bIns="91425" lIns="91425" spcFirstLastPara="1" rIns="91425" wrap="square" tIns="91425">
+            <a:noAutofit/>
+          </a:bodyPr>
+          <a:lstStyle/>
+          <a:p>
+            <a:pPr indent="0" lvl="0" marL="0" rtl="0" algn="l">
+              <a:spcBef>
+                <a:spcPts val="1200"/>
+              </a:spcBef>
+              <a:spcAft>
+                <a:spcPts val="200"/>
+              </a:spcAft>
+              <a:buNone/>
+            </a:pPr>
+            <a:r>
+              <a:rPr lang="pl"/>
+              <a:t>📝</a:t>
+            </a:r>
+            <a:r>
+              <a:rPr lang="pl" sz="2400">
+                <a:solidFill>
+                  <a:srgbClr val="000000"/>
+                </a:solidFill>
+                <a:latin typeface="Tahoma"/>
+                <a:ea typeface="Tahoma"/>
+                <a:cs typeface="Tahoma"/>
+                <a:sym typeface="Tahoma"/>
+              </a:rPr>
+              <a:t>Topologia </a:t>
+            </a:r>
+            <a:r>
+              <a:rPr lang="pl" sz="2400">
+                <a:solidFill>
+                  <a:srgbClr val="0B5394"/>
+                </a:solidFill>
+                <a:latin typeface="Tahoma"/>
+                <a:ea typeface="Tahoma"/>
+                <a:cs typeface="Tahoma"/>
+                <a:sym typeface="Tahoma"/>
+              </a:rPr>
+              <a:t>magistrali </a:t>
+            </a:r>
+            <a:r>
+              <a:rPr lang="pl" sz="2400">
+                <a:solidFill>
+                  <a:srgbClr val="000000"/>
+                </a:solidFill>
+                <a:latin typeface="Tahoma"/>
+                <a:ea typeface="Tahoma"/>
+                <a:cs typeface="Tahoma"/>
+                <a:sym typeface="Tahoma"/>
+              </a:rPr>
+              <a:t>(Bus Topology)</a:t>
+            </a:r>
+            <a:endParaRPr sz="2400">
+              <a:latin typeface="Tahoma"/>
+              <a:ea typeface="Tahoma"/>
+              <a:cs typeface="Tahoma"/>
+              <a:sym typeface="Tahoma"/>
+            </a:endParaRPr>
+          </a:p>
+        </p:txBody>
+      </p:sp>
+      <p:sp>
+        <p:nvSpPr>
+          <p:cNvPr id="518" name="Google Shape;518;p82"/>
+          <p:cNvSpPr txBox="1"/>
+          <p:nvPr>
+            <p:ph idx="1" type="body"/>
+          </p:nvPr>
+        </p:nvSpPr>
+        <p:spPr>
+          <a:xfrm>
+            <a:off x="729450" y="2078875"/>
+            <a:ext cx="8373900" cy="2904600"/>
+          </a:xfrm>
+          <a:prstGeom prst="rect">
+            <a:avLst/>
+          </a:prstGeom>
+        </p:spPr>
+        <p:txBody>
+          <a:bodyPr anchorCtr="0" anchor="t" bIns="91425" lIns="91425" spcFirstLastPara="1" rIns="91425" wrap="square" tIns="91425">
+            <a:noAutofit/>
+          </a:bodyPr>
+          <a:lstStyle/>
+          <a:p>
+            <a:pPr indent="0" lvl="0" marL="0" rtl="0" algn="l">
+              <a:lnSpc>
+                <a:spcPct val="95000"/>
+              </a:lnSpc>
+              <a:spcBef>
+                <a:spcPts val="0"/>
+              </a:spcBef>
+              <a:spcAft>
+                <a:spcPts val="0"/>
+              </a:spcAft>
+              <a:buSzPts val="935"/>
+              <a:buNone/>
+            </a:pPr>
+            <a:r>
+              <a:rPr b="1" lang="pl" sz="1000">
+                <a:solidFill>
+                  <a:srgbClr val="0B5394"/>
+                </a:solidFill>
+                <a:latin typeface="Tahoma"/>
+                <a:ea typeface="Tahoma"/>
+                <a:cs typeface="Tahoma"/>
+                <a:sym typeface="Tahoma"/>
+              </a:rPr>
+              <a:t>Wszystkie urządzenia są podłączone do pojedynczego kabla (magistrali), który pełni rolę głównego kanału komunikacyjnego.</a:t>
+            </a:r>
+            <a:endParaRPr b="1" sz="1000">
+              <a:solidFill>
+                <a:srgbClr val="0B5394"/>
+              </a:solidFill>
+              <a:latin typeface="Tahoma"/>
+              <a:ea typeface="Tahoma"/>
+              <a:cs typeface="Tahoma"/>
+              <a:sym typeface="Tahoma"/>
+            </a:endParaRPr>
+          </a:p>
+          <a:p>
+            <a:pPr indent="0" lvl="0" marL="0" rtl="0" algn="l">
+              <a:lnSpc>
+                <a:spcPct val="95000"/>
+              </a:lnSpc>
+              <a:spcBef>
+                <a:spcPts val="1200"/>
+              </a:spcBef>
+              <a:spcAft>
+                <a:spcPts val="0"/>
+              </a:spcAft>
+              <a:buSzPts val="935"/>
+              <a:buNone/>
+            </a:pPr>
+            <a:r>
+              <a:rPr b="1" lang="pl" sz="1000">
+                <a:solidFill>
+                  <a:srgbClr val="000000"/>
+                </a:solidFill>
+                <a:latin typeface="Tahoma"/>
+                <a:ea typeface="Tahoma"/>
+                <a:cs typeface="Tahoma"/>
+                <a:sym typeface="Tahoma"/>
+              </a:rPr>
+              <a:t>Jak działa</a:t>
+            </a:r>
+            <a:r>
+              <a:rPr lang="pl" sz="1000">
+                <a:solidFill>
+                  <a:srgbClr val="000000"/>
+                </a:solidFill>
+                <a:latin typeface="Tahoma"/>
+                <a:ea typeface="Tahoma"/>
+                <a:cs typeface="Tahoma"/>
+                <a:sym typeface="Tahoma"/>
+              </a:rPr>
+              <a:t>: Dane wysyłane przez jedno urządzenie są widoczne dla wszystkich urządzeń w sieci, ale tylko odbiorca z pasującym adresem je przetwarza.</a:t>
+            </a:r>
+            <a:endParaRPr sz="1000">
+              <a:solidFill>
+                <a:srgbClr val="000000"/>
+              </a:solidFill>
+              <a:latin typeface="Tahoma"/>
+              <a:ea typeface="Tahoma"/>
+              <a:cs typeface="Tahoma"/>
+              <a:sym typeface="Tahoma"/>
+            </a:endParaRPr>
+          </a:p>
+          <a:p>
+            <a:pPr indent="0" lvl="0" marL="0" rtl="0" algn="l">
+              <a:lnSpc>
+                <a:spcPct val="100000"/>
+              </a:lnSpc>
+              <a:spcBef>
+                <a:spcPts val="1200"/>
+              </a:spcBef>
+              <a:spcAft>
+                <a:spcPts val="0"/>
+              </a:spcAft>
+              <a:buSzPts val="935"/>
+              <a:buNone/>
+            </a:pPr>
+            <a:r>
+              <a:rPr b="1" lang="pl" sz="1000">
+                <a:solidFill>
+                  <a:srgbClr val="000000"/>
+                </a:solidFill>
+                <a:latin typeface="Tahoma"/>
+                <a:ea typeface="Tahoma"/>
+                <a:cs typeface="Tahoma"/>
+                <a:sym typeface="Tahoma"/>
+              </a:rPr>
+              <a:t>Zalety</a:t>
+            </a:r>
+            <a:r>
+              <a:rPr lang="pl" sz="1000">
+                <a:solidFill>
+                  <a:srgbClr val="000000"/>
+                </a:solidFill>
+                <a:latin typeface="Tahoma"/>
+                <a:ea typeface="Tahoma"/>
+                <a:cs typeface="Tahoma"/>
+                <a:sym typeface="Tahoma"/>
+              </a:rPr>
+              <a:t>:</a:t>
+            </a:r>
+            <a:endParaRPr sz="1000">
+              <a:solidFill>
+                <a:srgbClr val="000000"/>
+              </a:solidFill>
+              <a:latin typeface="Tahoma"/>
+              <a:ea typeface="Tahoma"/>
+              <a:cs typeface="Tahoma"/>
+              <a:sym typeface="Tahoma"/>
+            </a:endParaRPr>
+          </a:p>
+          <a:p>
+            <a:pPr indent="-292100" lvl="0" marL="457200" rtl="0" algn="l">
+              <a:lnSpc>
+                <a:spcPct val="100000"/>
+              </a:lnSpc>
+              <a:spcBef>
+                <a:spcPts val="1200"/>
+              </a:spcBef>
+              <a:spcAft>
+                <a:spcPts val="0"/>
+              </a:spcAft>
+              <a:buClr>
+                <a:srgbClr val="000000"/>
+              </a:buClr>
+              <a:buSzPts val="1000"/>
+              <a:buFont typeface="Tahoma"/>
+              <a:buChar char="●"/>
+            </a:pPr>
+            <a:r>
+              <a:rPr lang="pl" sz="1000">
+                <a:solidFill>
+                  <a:srgbClr val="000000"/>
+                </a:solidFill>
+                <a:latin typeface="Tahoma"/>
+                <a:ea typeface="Tahoma"/>
+                <a:cs typeface="Tahoma"/>
+                <a:sym typeface="Tahoma"/>
+              </a:rPr>
+              <a:t>Prosta i tania w instalacji (mało kabli).</a:t>
+            </a:r>
+            <a:endParaRPr sz="1000">
+              <a:solidFill>
+                <a:srgbClr val="000000"/>
+              </a:solidFill>
+              <a:latin typeface="Tahoma"/>
+              <a:ea typeface="Tahoma"/>
+              <a:cs typeface="Tahoma"/>
+              <a:sym typeface="Tahoma"/>
+            </a:endParaRPr>
+          </a:p>
+          <a:p>
+            <a:pPr indent="-292100" lvl="0" marL="457200" rtl="0" algn="l">
+              <a:lnSpc>
+                <a:spcPct val="100000"/>
+              </a:lnSpc>
+              <a:spcBef>
+                <a:spcPts val="0"/>
+              </a:spcBef>
+              <a:spcAft>
+                <a:spcPts val="0"/>
+              </a:spcAft>
+              <a:buClr>
+                <a:srgbClr val="000000"/>
+              </a:buClr>
+              <a:buSzPts val="1000"/>
+              <a:buFont typeface="Tahoma"/>
+              <a:buChar char="●"/>
+            </a:pPr>
+            <a:r>
+              <a:rPr lang="pl" sz="1000">
+                <a:solidFill>
+                  <a:srgbClr val="000000"/>
+                </a:solidFill>
+                <a:latin typeface="Tahoma"/>
+                <a:ea typeface="Tahoma"/>
+                <a:cs typeface="Tahoma"/>
+                <a:sym typeface="Tahoma"/>
+              </a:rPr>
+              <a:t>Łatwa do wdrożenia w małych sieciach.</a:t>
+            </a:r>
+            <a:endParaRPr sz="1000">
+              <a:solidFill>
+                <a:srgbClr val="000000"/>
+              </a:solidFill>
+              <a:latin typeface="Tahoma"/>
+              <a:ea typeface="Tahoma"/>
+              <a:cs typeface="Tahoma"/>
+              <a:sym typeface="Tahoma"/>
+            </a:endParaRPr>
+          </a:p>
+          <a:p>
+            <a:pPr indent="0" lvl="0" marL="0" rtl="0" algn="l">
+              <a:lnSpc>
+                <a:spcPct val="95000"/>
+              </a:lnSpc>
+              <a:spcBef>
+                <a:spcPts val="1200"/>
+              </a:spcBef>
+              <a:spcAft>
+                <a:spcPts val="0"/>
+              </a:spcAft>
+              <a:buSzPts val="935"/>
+              <a:buNone/>
+            </a:pPr>
+            <a:r>
+              <a:rPr b="1" lang="pl" sz="1000">
+                <a:solidFill>
+                  <a:srgbClr val="000000"/>
+                </a:solidFill>
+                <a:latin typeface="Tahoma"/>
+                <a:ea typeface="Tahoma"/>
+                <a:cs typeface="Tahoma"/>
+                <a:sym typeface="Tahoma"/>
+              </a:rPr>
+              <a:t>Wady</a:t>
+            </a:r>
+            <a:r>
+              <a:rPr lang="pl" sz="1000">
+                <a:solidFill>
+                  <a:srgbClr val="000000"/>
+                </a:solidFill>
+                <a:latin typeface="Tahoma"/>
+                <a:ea typeface="Tahoma"/>
+                <a:cs typeface="Tahoma"/>
+                <a:sym typeface="Tahoma"/>
+              </a:rPr>
+              <a:t>:</a:t>
+            </a:r>
+            <a:endParaRPr sz="1000">
+              <a:solidFill>
+                <a:srgbClr val="000000"/>
+              </a:solidFill>
+              <a:latin typeface="Tahoma"/>
+              <a:ea typeface="Tahoma"/>
+              <a:cs typeface="Tahoma"/>
+              <a:sym typeface="Tahoma"/>
+            </a:endParaRPr>
+          </a:p>
+          <a:p>
+            <a:pPr indent="-292100" lvl="0" marL="457200" rtl="0" algn="l">
+              <a:lnSpc>
+                <a:spcPct val="95000"/>
+              </a:lnSpc>
+              <a:spcBef>
+                <a:spcPts val="1200"/>
+              </a:spcBef>
+              <a:spcAft>
+                <a:spcPts val="0"/>
+              </a:spcAft>
+              <a:buClr>
+                <a:srgbClr val="000000"/>
+              </a:buClr>
+              <a:buSzPts val="1000"/>
+              <a:buFont typeface="Tahoma"/>
+              <a:buChar char="●"/>
+            </a:pPr>
+            <a:r>
+              <a:rPr lang="pl" sz="1000">
+                <a:solidFill>
+                  <a:srgbClr val="000000"/>
+                </a:solidFill>
+                <a:latin typeface="Tahoma"/>
+                <a:ea typeface="Tahoma"/>
+                <a:cs typeface="Tahoma"/>
+                <a:sym typeface="Tahoma"/>
+              </a:rPr>
+              <a:t>Awaria magistrali (np. przerwanie kabla) wyłącza całą sieć.</a:t>
+            </a:r>
+            <a:endParaRPr sz="1000">
+              <a:solidFill>
+                <a:srgbClr val="000000"/>
+              </a:solidFill>
+              <a:latin typeface="Tahoma"/>
+              <a:ea typeface="Tahoma"/>
+              <a:cs typeface="Tahoma"/>
+              <a:sym typeface="Tahoma"/>
+            </a:endParaRPr>
+          </a:p>
+          <a:p>
+            <a:pPr indent="-292100" lvl="0" marL="457200" rtl="0" algn="l">
+              <a:lnSpc>
+                <a:spcPct val="95000"/>
+              </a:lnSpc>
+              <a:spcBef>
+                <a:spcPts val="0"/>
+              </a:spcBef>
+              <a:spcAft>
+                <a:spcPts val="0"/>
+              </a:spcAft>
+              <a:buClr>
+                <a:srgbClr val="000000"/>
+              </a:buClr>
+              <a:buSzPts val="1000"/>
+              <a:buFont typeface="Tahoma"/>
+              <a:buChar char="●"/>
+            </a:pPr>
+            <a:r>
+              <a:rPr lang="pl" sz="1000">
+                <a:solidFill>
+                  <a:srgbClr val="000000"/>
+                </a:solidFill>
+                <a:latin typeface="Tahoma"/>
+                <a:ea typeface="Tahoma"/>
+                <a:cs typeface="Tahoma"/>
+                <a:sym typeface="Tahoma"/>
+              </a:rPr>
+              <a:t>Kolizje danych przy dużym ruchu (wspólny kanał).</a:t>
+            </a:r>
+            <a:endParaRPr sz="1000">
+              <a:solidFill>
+                <a:srgbClr val="000000"/>
+              </a:solidFill>
+              <a:latin typeface="Tahoma"/>
+              <a:ea typeface="Tahoma"/>
+              <a:cs typeface="Tahoma"/>
+              <a:sym typeface="Tahoma"/>
+            </a:endParaRPr>
+          </a:p>
+          <a:p>
+            <a:pPr indent="-292100" lvl="0" marL="457200" rtl="0" algn="l">
+              <a:lnSpc>
+                <a:spcPct val="95000"/>
+              </a:lnSpc>
+              <a:spcBef>
+                <a:spcPts val="0"/>
+              </a:spcBef>
+              <a:spcAft>
+                <a:spcPts val="0"/>
+              </a:spcAft>
+              <a:buClr>
+                <a:srgbClr val="000000"/>
+              </a:buClr>
+              <a:buSzPts val="1000"/>
+              <a:buFont typeface="Tahoma"/>
+              <a:buChar char="●"/>
+            </a:pPr>
+            <a:r>
+              <a:rPr lang="pl" sz="1000">
+                <a:solidFill>
+                  <a:srgbClr val="000000"/>
+                </a:solidFill>
+                <a:latin typeface="Tahoma"/>
+                <a:ea typeface="Tahoma"/>
+                <a:cs typeface="Tahoma"/>
+                <a:sym typeface="Tahoma"/>
+              </a:rPr>
+              <a:t>Trudna do skalowania i diagnozowania błędów.</a:t>
+            </a:r>
+            <a:endParaRPr sz="1000">
+              <a:solidFill>
+                <a:srgbClr val="000000"/>
+              </a:solidFill>
+              <a:latin typeface="Tahoma"/>
+              <a:ea typeface="Tahoma"/>
+              <a:cs typeface="Tahoma"/>
+              <a:sym typeface="Tahoma"/>
+            </a:endParaRPr>
+          </a:p>
+          <a:p>
+            <a:pPr indent="0" lvl="0" marL="0" rtl="0" algn="l">
+              <a:lnSpc>
+                <a:spcPct val="95000"/>
+              </a:lnSpc>
+              <a:spcBef>
+                <a:spcPts val="1200"/>
+              </a:spcBef>
+              <a:spcAft>
+                <a:spcPts val="0"/>
+              </a:spcAft>
+              <a:buSzPts val="935"/>
+              <a:buNone/>
+            </a:pPr>
+            <a:r>
+              <a:rPr b="1" lang="pl" sz="1000">
+                <a:solidFill>
+                  <a:srgbClr val="000000"/>
+                </a:solidFill>
+                <a:latin typeface="Tahoma"/>
+                <a:ea typeface="Tahoma"/>
+                <a:cs typeface="Tahoma"/>
+                <a:sym typeface="Tahoma"/>
+              </a:rPr>
+              <a:t>Zastosowanie</a:t>
+            </a:r>
+            <a:r>
+              <a:rPr lang="pl" sz="1000">
+                <a:solidFill>
+                  <a:srgbClr val="000000"/>
+                </a:solidFill>
+                <a:latin typeface="Tahoma"/>
+                <a:ea typeface="Tahoma"/>
+                <a:cs typeface="Tahoma"/>
+                <a:sym typeface="Tahoma"/>
+              </a:rPr>
+              <a:t>: Małe sieci LAN, np. w małej bibliotece, gdzie kilka komputerów łączy się z jednym serwerem przechowującym dane o książkach</a:t>
+            </a:r>
+            <a:endParaRPr sz="1000">
+              <a:solidFill>
+                <a:srgbClr val="000000"/>
+              </a:solidFill>
+              <a:latin typeface="Tahoma"/>
+              <a:ea typeface="Tahoma"/>
+              <a:cs typeface="Tahoma"/>
+              <a:sym typeface="Tahoma"/>
+            </a:endParaRPr>
+          </a:p>
+          <a:p>
+            <a:pPr indent="0" lvl="0" marL="0" rtl="0" algn="l">
+              <a:lnSpc>
+                <a:spcPct val="95000"/>
+              </a:lnSpc>
+              <a:spcBef>
+                <a:spcPts val="0"/>
+              </a:spcBef>
+              <a:spcAft>
+                <a:spcPts val="1200"/>
+              </a:spcAft>
+              <a:buSzPts val="935"/>
+              <a:buNone/>
+            </a:pPr>
+            <a:r>
+              <a:t/>
+            </a:r>
+            <a:endParaRPr sz="1000">
+              <a:latin typeface="Tahoma"/>
+              <a:ea typeface="Tahoma"/>
+              <a:cs typeface="Tahoma"/>
+              <a:sym typeface="Tahoma"/>
+            </a:endParaRPr>
+          </a:p>
+        </p:txBody>
+      </p:sp>
+      <p:pic>
+        <p:nvPicPr>
+          <p:cNvPr id="519" name="Google Shape;519;p82"/>
+          <p:cNvPicPr preferRelativeResize="0"/>
+          <p:nvPr/>
+        </p:nvPicPr>
+        <p:blipFill>
+          <a:blip r:embed="rId3">
+            <a:alphaModFix/>
+          </a:blip>
+          <a:stretch>
+            <a:fillRect/>
+          </a:stretch>
+        </p:blipFill>
+        <p:spPr>
+          <a:xfrm>
+            <a:off x="6443325" y="3024250"/>
+            <a:ext cx="1379963" cy="1013850"/>
+          </a:xfrm>
+          <a:prstGeom prst="rect">
+            <a:avLst/>
+          </a:prstGeom>
+          <a:noFill/>
+          <a:ln>
+            <a:noFill/>
+          </a:ln>
+        </p:spPr>
+      </p:pic>
+    </p:spTree>
+  </p:cSld>
+  <p:clrMapOvr>
+    <a:masterClrMapping/>
+  </p:clrMapOvr>
+</p:sld>
+</file>
+
+<file path=ppt/slides/slide71.xml><?xml version="1.0" encoding="utf-8"?>
+<p:sld xmlns:a="http://schemas.openxmlformats.org/drawingml/2006/main" xmlns:r="http://schemas.openxmlformats.org/officeDocument/2006/relationships" xmlns:mc="http://schemas.openxmlformats.org/markup-compatibility/2006" xmlns:mv="urn:schemas-microsoft-com:mac:vml" xmlns:p="http://schemas.openxmlformats.org/presentationml/2006/main" xmlns:c="http://schemas.openxmlformats.org/drawingml/2006/chart" xmlns:dgm="http://schemas.openxmlformats.org/drawingml/2006/diagram" xmlns:o="urn:schemas-microsoft-com:office:office" xmlns:v="urn:schemas-microsoft-com:vml" xmlns:pvml="urn:schemas-microsoft-com:office:powerpoint" xmlns:com="http://schemas.openxmlformats.org/drawingml/2006/compatibility" xmlns:p14="http://schemas.microsoft.com/office/powerpoint/2010/main" xmlns:p15="http://schemas.microsoft.com/office/powerpoint/2012/main" xmlns:ahyp="http://schemas.microsoft.com/office/drawing/2018/hyperlinkcolor">
+  <p:cSld>
+    <p:spTree>
+      <p:nvGrpSpPr>
+        <p:cNvPr id="523" name="Shape 523"/>
+        <p:cNvGrpSpPr/>
+        <p:nvPr/>
+      </p:nvGrpSpPr>
+      <p:grpSpPr>
+        <a:xfrm>
+          <a:off x="0" y="0"/>
+          <a:ext cx="0" cy="0"/>
+          <a:chOff x="0" y="0"/>
+          <a:chExt cx="0" cy="0"/>
+        </a:xfrm>
+      </p:grpSpPr>
+      <p:sp>
+        <p:nvSpPr>
+          <p:cNvPr id="524" name="Google Shape;524;p83"/>
+          <p:cNvSpPr txBox="1"/>
+          <p:nvPr>
+            <p:ph type="title"/>
+          </p:nvPr>
+        </p:nvSpPr>
+        <p:spPr>
+          <a:xfrm>
+            <a:off x="729450" y="1318650"/>
+            <a:ext cx="7688700" cy="535200"/>
+          </a:xfrm>
+          <a:prstGeom prst="rect">
+            <a:avLst/>
+          </a:prstGeom>
+        </p:spPr>
+        <p:txBody>
+          <a:bodyPr anchorCtr="0" anchor="t" bIns="91425" lIns="91425" spcFirstLastPara="1" rIns="91425" wrap="square" tIns="91425">
+            <a:noAutofit/>
+          </a:bodyPr>
+          <a:lstStyle/>
+          <a:p>
+            <a:pPr indent="0" lvl="0" marL="0" rtl="0" algn="l">
+              <a:lnSpc>
+                <a:spcPct val="115000"/>
+              </a:lnSpc>
+              <a:spcBef>
+                <a:spcPts val="1200"/>
+              </a:spcBef>
+              <a:spcAft>
+                <a:spcPts val="0"/>
+              </a:spcAft>
+              <a:buSzPts val="990"/>
+              <a:buNone/>
+            </a:pPr>
+            <a:r>
+              <a:rPr lang="pl"/>
+              <a:t>📝</a:t>
+            </a:r>
+            <a:r>
+              <a:rPr lang="pl" sz="2440">
+                <a:latin typeface="Tahoma"/>
+                <a:ea typeface="Tahoma"/>
+                <a:cs typeface="Tahoma"/>
+                <a:sym typeface="Tahoma"/>
+              </a:rPr>
+              <a:t>Topologia </a:t>
+            </a:r>
+            <a:r>
+              <a:rPr lang="pl" sz="2440">
+                <a:solidFill>
+                  <a:srgbClr val="0B5394"/>
+                </a:solidFill>
+                <a:latin typeface="Tahoma"/>
+                <a:ea typeface="Tahoma"/>
+                <a:cs typeface="Tahoma"/>
+                <a:sym typeface="Tahoma"/>
+              </a:rPr>
+              <a:t>gwiazdy </a:t>
+            </a:r>
+            <a:r>
+              <a:rPr lang="pl" sz="2440">
+                <a:latin typeface="Tahoma"/>
+                <a:ea typeface="Tahoma"/>
+                <a:cs typeface="Tahoma"/>
+                <a:sym typeface="Tahoma"/>
+              </a:rPr>
+              <a:t>(Star Topology)</a:t>
+            </a:r>
+            <a:endParaRPr sz="2440">
+              <a:latin typeface="Tahoma"/>
+              <a:ea typeface="Tahoma"/>
+              <a:cs typeface="Tahoma"/>
+              <a:sym typeface="Tahoma"/>
+            </a:endParaRPr>
+          </a:p>
+          <a:p>
+            <a:pPr indent="0" lvl="0" marL="0" rtl="0" algn="l">
+              <a:spcBef>
+                <a:spcPts val="1200"/>
+              </a:spcBef>
+              <a:spcAft>
+                <a:spcPts val="0"/>
+              </a:spcAft>
+              <a:buSzPts val="990"/>
+              <a:buNone/>
+            </a:pPr>
+            <a:r>
+              <a:t/>
+            </a:r>
+            <a:endParaRPr sz="2340"/>
+          </a:p>
+        </p:txBody>
+      </p:sp>
+      <p:sp>
+        <p:nvSpPr>
+          <p:cNvPr id="525" name="Google Shape;525;p83"/>
+          <p:cNvSpPr txBox="1"/>
+          <p:nvPr>
+            <p:ph idx="1" type="body"/>
+          </p:nvPr>
+        </p:nvSpPr>
+        <p:spPr>
+          <a:xfrm>
+            <a:off x="729450" y="2078875"/>
+            <a:ext cx="8062500" cy="3002400"/>
+          </a:xfrm>
+          <a:prstGeom prst="rect">
+            <a:avLst/>
+          </a:prstGeom>
+        </p:spPr>
+        <p:txBody>
+          <a:bodyPr anchorCtr="0" anchor="t" bIns="91425" lIns="91425" spcFirstLastPara="1" rIns="91425" wrap="square" tIns="91425">
+            <a:noAutofit/>
+          </a:bodyPr>
+          <a:lstStyle/>
+          <a:p>
+            <a:pPr indent="0" lvl="0" marL="0" rtl="0" algn="l">
+              <a:lnSpc>
+                <a:spcPct val="95000"/>
+              </a:lnSpc>
+              <a:spcBef>
+                <a:spcPts val="1200"/>
+              </a:spcBef>
+              <a:spcAft>
+                <a:spcPts val="0"/>
+              </a:spcAft>
+              <a:buSzPts val="688"/>
+              <a:buNone/>
+            </a:pPr>
+            <a:r>
+              <a:rPr b="1" lang="pl" sz="1100">
+                <a:solidFill>
+                  <a:srgbClr val="0B5394"/>
+                </a:solidFill>
+                <a:latin typeface="Tahoma"/>
+                <a:ea typeface="Tahoma"/>
+                <a:cs typeface="Tahoma"/>
+                <a:sym typeface="Tahoma"/>
+              </a:rPr>
+              <a:t>Wszystkie urządzenia są podłączone do centralnego punktu, np. przełącznika (switch) lub koncentratora (hub).</a:t>
+            </a:r>
+            <a:endParaRPr b="1" sz="1100">
+              <a:solidFill>
+                <a:srgbClr val="0B5394"/>
+              </a:solidFill>
+              <a:latin typeface="Tahoma"/>
+              <a:ea typeface="Tahoma"/>
+              <a:cs typeface="Tahoma"/>
+              <a:sym typeface="Tahoma"/>
+            </a:endParaRPr>
+          </a:p>
+          <a:p>
+            <a:pPr indent="0" lvl="0" marL="0" rtl="0" algn="l">
+              <a:lnSpc>
+                <a:spcPct val="95000"/>
+              </a:lnSpc>
+              <a:spcBef>
+                <a:spcPts val="1200"/>
+              </a:spcBef>
+              <a:spcAft>
+                <a:spcPts val="0"/>
+              </a:spcAft>
+              <a:buSzPts val="688"/>
+              <a:buNone/>
+            </a:pPr>
+            <a:r>
+              <a:rPr b="1" lang="pl" sz="1100">
+                <a:solidFill>
+                  <a:srgbClr val="000000"/>
+                </a:solidFill>
+                <a:latin typeface="Tahoma"/>
+                <a:ea typeface="Tahoma"/>
+                <a:cs typeface="Tahoma"/>
+                <a:sym typeface="Tahoma"/>
+              </a:rPr>
+              <a:t>Jak działa</a:t>
+            </a:r>
+            <a:r>
+              <a:rPr lang="pl" sz="1100">
+                <a:solidFill>
+                  <a:srgbClr val="000000"/>
+                </a:solidFill>
+                <a:latin typeface="Tahoma"/>
+                <a:ea typeface="Tahoma"/>
+                <a:cs typeface="Tahoma"/>
+                <a:sym typeface="Tahoma"/>
+              </a:rPr>
+              <a:t>: Dane z jednego urządzenia przechodzą przez centralny punkt do odbiorcy. Przełącznik kieruje dane tylko do docelowego urządzenia.</a:t>
+            </a:r>
+            <a:endParaRPr sz="1100">
+              <a:solidFill>
+                <a:srgbClr val="000000"/>
+              </a:solidFill>
+              <a:latin typeface="Tahoma"/>
+              <a:ea typeface="Tahoma"/>
+              <a:cs typeface="Tahoma"/>
+              <a:sym typeface="Tahoma"/>
+            </a:endParaRPr>
+          </a:p>
+          <a:p>
+            <a:pPr indent="0" lvl="0" marL="0" rtl="0" algn="l">
+              <a:lnSpc>
+                <a:spcPct val="95000"/>
+              </a:lnSpc>
+              <a:spcBef>
+                <a:spcPts val="1200"/>
+              </a:spcBef>
+              <a:spcAft>
+                <a:spcPts val="0"/>
+              </a:spcAft>
+              <a:buSzPts val="688"/>
+              <a:buNone/>
+            </a:pPr>
+            <a:r>
+              <a:rPr b="1" lang="pl" sz="1100">
+                <a:solidFill>
+                  <a:srgbClr val="000000"/>
+                </a:solidFill>
+                <a:latin typeface="Tahoma"/>
+                <a:ea typeface="Tahoma"/>
+                <a:cs typeface="Tahoma"/>
+                <a:sym typeface="Tahoma"/>
+              </a:rPr>
+              <a:t>Zalety</a:t>
+            </a:r>
+            <a:r>
+              <a:rPr lang="pl" sz="1100">
+                <a:solidFill>
+                  <a:srgbClr val="000000"/>
+                </a:solidFill>
+                <a:latin typeface="Tahoma"/>
+                <a:ea typeface="Tahoma"/>
+                <a:cs typeface="Tahoma"/>
+                <a:sym typeface="Tahoma"/>
+              </a:rPr>
+              <a:t>:</a:t>
+            </a:r>
+            <a:endParaRPr sz="1100">
+              <a:solidFill>
+                <a:srgbClr val="000000"/>
+              </a:solidFill>
+              <a:latin typeface="Tahoma"/>
+              <a:ea typeface="Tahoma"/>
+              <a:cs typeface="Tahoma"/>
+              <a:sym typeface="Tahoma"/>
+            </a:endParaRPr>
+          </a:p>
+          <a:p>
+            <a:pPr indent="-298450" lvl="0" marL="457200" rtl="0" algn="l">
+              <a:lnSpc>
+                <a:spcPct val="95000"/>
+              </a:lnSpc>
+              <a:spcBef>
+                <a:spcPts val="1200"/>
+              </a:spcBef>
+              <a:spcAft>
+                <a:spcPts val="0"/>
+              </a:spcAft>
+              <a:buClr>
+                <a:srgbClr val="000000"/>
+              </a:buClr>
+              <a:buSzPts val="1100"/>
+              <a:buFont typeface="Tahoma"/>
+              <a:buChar char="●"/>
+            </a:pPr>
+            <a:r>
+              <a:rPr lang="pl" sz="1100">
+                <a:solidFill>
+                  <a:srgbClr val="000000"/>
+                </a:solidFill>
+                <a:latin typeface="Tahoma"/>
+                <a:ea typeface="Tahoma"/>
+                <a:cs typeface="Tahoma"/>
+                <a:sym typeface="Tahoma"/>
+              </a:rPr>
+              <a:t>Łatwa do zarządzania i skalowania (dodanie nowego urządzenia to podłączenie do przełącznika).</a:t>
+            </a:r>
+            <a:endParaRPr sz="1100">
+              <a:solidFill>
+                <a:srgbClr val="000000"/>
+              </a:solidFill>
+              <a:latin typeface="Tahoma"/>
+              <a:ea typeface="Tahoma"/>
+              <a:cs typeface="Tahoma"/>
+              <a:sym typeface="Tahoma"/>
+            </a:endParaRPr>
+          </a:p>
+          <a:p>
+            <a:pPr indent="-298450" lvl="0" marL="457200" rtl="0" algn="l">
+              <a:lnSpc>
+                <a:spcPct val="95000"/>
+              </a:lnSpc>
+              <a:spcBef>
+                <a:spcPts val="0"/>
+              </a:spcBef>
+              <a:spcAft>
+                <a:spcPts val="0"/>
+              </a:spcAft>
+              <a:buClr>
+                <a:srgbClr val="000000"/>
+              </a:buClr>
+              <a:buSzPts val="1100"/>
+              <a:buFont typeface="Tahoma"/>
+              <a:buChar char="●"/>
+            </a:pPr>
+            <a:r>
+              <a:rPr lang="pl" sz="1100">
+                <a:solidFill>
+                  <a:srgbClr val="000000"/>
+                </a:solidFill>
+                <a:latin typeface="Tahoma"/>
+                <a:ea typeface="Tahoma"/>
+                <a:cs typeface="Tahoma"/>
+                <a:sym typeface="Tahoma"/>
+              </a:rPr>
+              <a:t>Awaria jednego urządzenia nie wpływa na resztę sieci.</a:t>
+            </a:r>
+            <a:endParaRPr sz="1100">
+              <a:solidFill>
+                <a:srgbClr val="000000"/>
+              </a:solidFill>
+              <a:latin typeface="Tahoma"/>
+              <a:ea typeface="Tahoma"/>
+              <a:cs typeface="Tahoma"/>
+              <a:sym typeface="Tahoma"/>
+            </a:endParaRPr>
+          </a:p>
+          <a:p>
+            <a:pPr indent="-298450" lvl="0" marL="457200" rtl="0" algn="l">
+              <a:lnSpc>
+                <a:spcPct val="95000"/>
+              </a:lnSpc>
+              <a:spcBef>
+                <a:spcPts val="0"/>
+              </a:spcBef>
+              <a:spcAft>
+                <a:spcPts val="0"/>
+              </a:spcAft>
+              <a:buClr>
+                <a:srgbClr val="000000"/>
+              </a:buClr>
+              <a:buSzPts val="1100"/>
+              <a:buFont typeface="Tahoma"/>
+              <a:buChar char="●"/>
+            </a:pPr>
+            <a:r>
+              <a:rPr lang="pl" sz="1100">
+                <a:solidFill>
+                  <a:srgbClr val="000000"/>
+                </a:solidFill>
+                <a:latin typeface="Tahoma"/>
+                <a:ea typeface="Tahoma"/>
+                <a:cs typeface="Tahoma"/>
+                <a:sym typeface="Tahoma"/>
+              </a:rPr>
+              <a:t>Lepsza wydajność dzięki unikaniu kolizji (w przełącznikach).</a:t>
+            </a:r>
+            <a:endParaRPr sz="1100">
+              <a:solidFill>
+                <a:srgbClr val="000000"/>
+              </a:solidFill>
+              <a:latin typeface="Tahoma"/>
+              <a:ea typeface="Tahoma"/>
+              <a:cs typeface="Tahoma"/>
+              <a:sym typeface="Tahoma"/>
+            </a:endParaRPr>
+          </a:p>
+          <a:p>
+            <a:pPr indent="0" lvl="0" marL="0" rtl="0" algn="l">
+              <a:lnSpc>
+                <a:spcPct val="95000"/>
+              </a:lnSpc>
+              <a:spcBef>
+                <a:spcPts val="1200"/>
+              </a:spcBef>
+              <a:spcAft>
+                <a:spcPts val="0"/>
+              </a:spcAft>
+              <a:buSzPts val="688"/>
+              <a:buNone/>
+            </a:pPr>
+            <a:r>
+              <a:rPr b="1" lang="pl" sz="1100">
+                <a:solidFill>
+                  <a:srgbClr val="000000"/>
+                </a:solidFill>
+                <a:latin typeface="Tahoma"/>
+                <a:ea typeface="Tahoma"/>
+                <a:cs typeface="Tahoma"/>
+                <a:sym typeface="Tahoma"/>
+              </a:rPr>
+              <a:t>Wady</a:t>
+            </a:r>
+            <a:r>
+              <a:rPr lang="pl" sz="1100">
+                <a:solidFill>
+                  <a:srgbClr val="000000"/>
+                </a:solidFill>
+                <a:latin typeface="Tahoma"/>
+                <a:ea typeface="Tahoma"/>
+                <a:cs typeface="Tahoma"/>
+                <a:sym typeface="Tahoma"/>
+              </a:rPr>
+              <a:t>:</a:t>
+            </a:r>
+            <a:endParaRPr sz="1100">
+              <a:solidFill>
+                <a:srgbClr val="000000"/>
+              </a:solidFill>
+              <a:latin typeface="Tahoma"/>
+              <a:ea typeface="Tahoma"/>
+              <a:cs typeface="Tahoma"/>
+              <a:sym typeface="Tahoma"/>
+            </a:endParaRPr>
+          </a:p>
+          <a:p>
+            <a:pPr indent="-298450" lvl="0" marL="457200" rtl="0" algn="l">
+              <a:lnSpc>
+                <a:spcPct val="95000"/>
+              </a:lnSpc>
+              <a:spcBef>
+                <a:spcPts val="1200"/>
+              </a:spcBef>
+              <a:spcAft>
+                <a:spcPts val="0"/>
+              </a:spcAft>
+              <a:buClr>
+                <a:srgbClr val="000000"/>
+              </a:buClr>
+              <a:buSzPts val="1100"/>
+              <a:buFont typeface="Tahoma"/>
+              <a:buChar char="●"/>
+            </a:pPr>
+            <a:r>
+              <a:rPr lang="pl" sz="1100">
+                <a:solidFill>
+                  <a:srgbClr val="000000"/>
+                </a:solidFill>
+                <a:latin typeface="Tahoma"/>
+                <a:ea typeface="Tahoma"/>
+                <a:cs typeface="Tahoma"/>
+                <a:sym typeface="Tahoma"/>
+              </a:rPr>
+              <a:t>Awaria przełącznika zatrzymuje całą sieć.</a:t>
+            </a:r>
+            <a:endParaRPr sz="1100">
+              <a:solidFill>
+                <a:srgbClr val="000000"/>
+              </a:solidFill>
+              <a:latin typeface="Tahoma"/>
+              <a:ea typeface="Tahoma"/>
+              <a:cs typeface="Tahoma"/>
+              <a:sym typeface="Tahoma"/>
+            </a:endParaRPr>
+          </a:p>
+          <a:p>
+            <a:pPr indent="-298450" lvl="0" marL="457200" rtl="0" algn="l">
+              <a:lnSpc>
+                <a:spcPct val="95000"/>
+              </a:lnSpc>
+              <a:spcBef>
+                <a:spcPts val="0"/>
+              </a:spcBef>
+              <a:spcAft>
+                <a:spcPts val="0"/>
+              </a:spcAft>
+              <a:buClr>
+                <a:srgbClr val="000000"/>
+              </a:buClr>
+              <a:buSzPts val="1100"/>
+              <a:buFont typeface="Tahoma"/>
+              <a:buChar char="●"/>
+            </a:pPr>
+            <a:r>
+              <a:rPr lang="pl" sz="1100">
+                <a:solidFill>
+                  <a:srgbClr val="000000"/>
+                </a:solidFill>
+                <a:latin typeface="Tahoma"/>
+                <a:ea typeface="Tahoma"/>
+                <a:cs typeface="Tahoma"/>
+                <a:sym typeface="Tahoma"/>
+              </a:rPr>
+              <a:t>Wymaga więcej kabli niż magistrala, co zwiększa koszt.</a:t>
+            </a:r>
+            <a:endParaRPr sz="1100">
+              <a:solidFill>
+                <a:srgbClr val="000000"/>
+              </a:solidFill>
+              <a:latin typeface="Tahoma"/>
+              <a:ea typeface="Tahoma"/>
+              <a:cs typeface="Tahoma"/>
+              <a:sym typeface="Tahoma"/>
+            </a:endParaRPr>
+          </a:p>
+          <a:p>
+            <a:pPr indent="0" lvl="0" marL="0" rtl="0" algn="l">
+              <a:lnSpc>
+                <a:spcPct val="95000"/>
+              </a:lnSpc>
+              <a:spcBef>
+                <a:spcPts val="1200"/>
+              </a:spcBef>
+              <a:spcAft>
+                <a:spcPts val="0"/>
+              </a:spcAft>
+              <a:buSzPts val="688"/>
+              <a:buNone/>
+            </a:pPr>
+            <a:r>
+              <a:rPr b="1" lang="pl" sz="1100">
+                <a:solidFill>
+                  <a:srgbClr val="000000"/>
+                </a:solidFill>
+                <a:latin typeface="Tahoma"/>
+                <a:ea typeface="Tahoma"/>
+                <a:cs typeface="Tahoma"/>
+                <a:sym typeface="Tahoma"/>
+              </a:rPr>
+              <a:t>Zastosowanie</a:t>
+            </a:r>
+            <a:r>
+              <a:rPr lang="pl" sz="1100">
+                <a:solidFill>
+                  <a:srgbClr val="000000"/>
+                </a:solidFill>
+                <a:latin typeface="Tahoma"/>
+                <a:ea typeface="Tahoma"/>
+                <a:cs typeface="Tahoma"/>
+                <a:sym typeface="Tahoma"/>
+              </a:rPr>
+              <a:t>: Najpopularniejsza topologia w nowoczesnych sieciach LAN</a:t>
+            </a:r>
+            <a:endParaRPr sz="1100">
+              <a:solidFill>
+                <a:srgbClr val="000000"/>
+              </a:solidFill>
+              <a:latin typeface="Tahoma"/>
+              <a:ea typeface="Tahoma"/>
+              <a:cs typeface="Tahoma"/>
+              <a:sym typeface="Tahoma"/>
+            </a:endParaRPr>
+          </a:p>
+          <a:p>
+            <a:pPr indent="0" lvl="0" marL="0" rtl="0" algn="l">
+              <a:lnSpc>
+                <a:spcPct val="95000"/>
+              </a:lnSpc>
+              <a:spcBef>
+                <a:spcPts val="0"/>
+              </a:spcBef>
+              <a:spcAft>
+                <a:spcPts val="1200"/>
+              </a:spcAft>
+              <a:buSzPts val="688"/>
+              <a:buNone/>
+            </a:pPr>
+            <a:r>
+              <a:t/>
+            </a:r>
+            <a:endParaRPr sz="812"/>
+          </a:p>
+        </p:txBody>
+      </p:sp>
+      <p:pic>
+        <p:nvPicPr>
+          <p:cNvPr id="526" name="Google Shape;526;p83"/>
+          <p:cNvPicPr preferRelativeResize="0"/>
+          <p:nvPr/>
+        </p:nvPicPr>
+        <p:blipFill>
+          <a:blip r:embed="rId3">
+            <a:alphaModFix/>
+          </a:blip>
+          <a:stretch>
+            <a:fillRect/>
+          </a:stretch>
+        </p:blipFill>
+        <p:spPr>
+          <a:xfrm>
+            <a:off x="7439788" y="3411075"/>
+            <a:ext cx="1419225" cy="1466850"/>
+          </a:xfrm>
+          <a:prstGeom prst="rect">
+            <a:avLst/>
+          </a:prstGeom>
+          <a:noFill/>
+          <a:ln>
+            <a:noFill/>
+          </a:ln>
+        </p:spPr>
+      </p:pic>
+    </p:spTree>
+  </p:cSld>
+  <p:clrMapOvr>
+    <a:masterClrMapping/>
+  </p:clrMapOvr>
+</p:sld>
+</file>
+
+<file path=ppt/slides/slide72.xml><?xml version="1.0" encoding="utf-8"?>
+<p:sld xmlns:a="http://schemas.openxmlformats.org/drawingml/2006/main" xmlns:r="http://schemas.openxmlformats.org/officeDocument/2006/relationships" xmlns:mc="http://schemas.openxmlformats.org/markup-compatibility/2006" xmlns:mv="urn:schemas-microsoft-com:mac:vml" xmlns:p="http://schemas.openxmlformats.org/presentationml/2006/main" xmlns:c="http://schemas.openxmlformats.org/drawingml/2006/chart" xmlns:dgm="http://schemas.openxmlformats.org/drawingml/2006/diagram" xmlns:o="urn:schemas-microsoft-com:office:office" xmlns:v="urn:schemas-microsoft-com:vml" xmlns:pvml="urn:schemas-microsoft-com:office:powerpoint" xmlns:com="http://schemas.openxmlformats.org/drawingml/2006/compatibility" xmlns:p14="http://schemas.microsoft.com/office/powerpoint/2010/main" xmlns:p15="http://schemas.microsoft.com/office/powerpoint/2012/main" xmlns:ahyp="http://schemas.microsoft.com/office/drawing/2018/hyperlinkcolor">
+  <p:cSld>
+    <p:spTree>
+      <p:nvGrpSpPr>
+        <p:cNvPr id="530" name="Shape 530"/>
+        <p:cNvGrpSpPr/>
+        <p:nvPr/>
+      </p:nvGrpSpPr>
+      <p:grpSpPr>
+        <a:xfrm>
+          <a:off x="0" y="0"/>
+          <a:ext cx="0" cy="0"/>
+          <a:chOff x="0" y="0"/>
+          <a:chExt cx="0" cy="0"/>
+        </a:xfrm>
+      </p:grpSpPr>
+      <p:sp>
+        <p:nvSpPr>
+          <p:cNvPr id="531" name="Google Shape;531;p84"/>
+          <p:cNvSpPr txBox="1"/>
+          <p:nvPr>
+            <p:ph type="title"/>
+          </p:nvPr>
+        </p:nvSpPr>
+        <p:spPr>
+          <a:xfrm>
+            <a:off x="729450" y="1318650"/>
+            <a:ext cx="7688700" cy="535200"/>
+          </a:xfrm>
+          <a:prstGeom prst="rect">
+            <a:avLst/>
+          </a:prstGeom>
+        </p:spPr>
+        <p:txBody>
+          <a:bodyPr anchorCtr="0" anchor="t" bIns="91425" lIns="91425" spcFirstLastPara="1" rIns="91425" wrap="square" tIns="91425">
+            <a:noAutofit/>
+          </a:bodyPr>
+          <a:lstStyle/>
+          <a:p>
+            <a:pPr indent="0" lvl="0" marL="0" rtl="0" algn="l">
+              <a:lnSpc>
+                <a:spcPct val="115000"/>
+              </a:lnSpc>
+              <a:spcBef>
+                <a:spcPts val="1200"/>
+              </a:spcBef>
+              <a:spcAft>
+                <a:spcPts val="0"/>
+              </a:spcAft>
+              <a:buSzPts val="990"/>
+              <a:buNone/>
+            </a:pPr>
+            <a:r>
+              <a:rPr lang="pl"/>
+              <a:t>📝</a:t>
+            </a:r>
+            <a:r>
+              <a:rPr lang="pl" sz="2440">
+                <a:latin typeface="Tahoma"/>
+                <a:ea typeface="Tahoma"/>
+                <a:cs typeface="Tahoma"/>
+                <a:sym typeface="Tahoma"/>
+              </a:rPr>
+              <a:t>Topologia </a:t>
+            </a:r>
+            <a:r>
+              <a:rPr lang="pl" sz="2440">
+                <a:solidFill>
+                  <a:srgbClr val="0B5394"/>
+                </a:solidFill>
+                <a:latin typeface="Tahoma"/>
+                <a:ea typeface="Tahoma"/>
+                <a:cs typeface="Tahoma"/>
+                <a:sym typeface="Tahoma"/>
+              </a:rPr>
+              <a:t>pierścienia </a:t>
+            </a:r>
+            <a:r>
+              <a:rPr lang="pl" sz="2440">
+                <a:latin typeface="Tahoma"/>
+                <a:ea typeface="Tahoma"/>
+                <a:cs typeface="Tahoma"/>
+                <a:sym typeface="Tahoma"/>
+              </a:rPr>
+              <a:t>(Ring Topology)</a:t>
+            </a:r>
+            <a:endParaRPr sz="2440">
+              <a:latin typeface="Tahoma"/>
+              <a:ea typeface="Tahoma"/>
+              <a:cs typeface="Tahoma"/>
+              <a:sym typeface="Tahoma"/>
+            </a:endParaRPr>
+          </a:p>
+          <a:p>
+            <a:pPr indent="0" lvl="0" marL="0" rtl="0" algn="l">
+              <a:spcBef>
+                <a:spcPts val="1200"/>
+              </a:spcBef>
+              <a:spcAft>
+                <a:spcPts val="0"/>
+              </a:spcAft>
+              <a:buSzPts val="990"/>
+              <a:buNone/>
+            </a:pPr>
+            <a:r>
+              <a:t/>
+            </a:r>
+            <a:endParaRPr sz="2340"/>
+          </a:p>
+        </p:txBody>
+      </p:sp>
+      <p:sp>
+        <p:nvSpPr>
+          <p:cNvPr id="532" name="Google Shape;532;p84"/>
+          <p:cNvSpPr txBox="1"/>
+          <p:nvPr>
+            <p:ph idx="1" type="body"/>
+          </p:nvPr>
+        </p:nvSpPr>
+        <p:spPr>
+          <a:xfrm>
+            <a:off x="729450" y="2078875"/>
+            <a:ext cx="8142600" cy="2261100"/>
+          </a:xfrm>
+          <a:prstGeom prst="rect">
+            <a:avLst/>
+          </a:prstGeom>
+        </p:spPr>
+        <p:txBody>
+          <a:bodyPr anchorCtr="0" anchor="t" bIns="91425" lIns="91425" spcFirstLastPara="1" rIns="91425" wrap="square" tIns="91425">
+            <a:noAutofit/>
+          </a:bodyPr>
+          <a:lstStyle/>
+          <a:p>
+            <a:pPr indent="0" lvl="0" marL="0" rtl="0" algn="l">
+              <a:spcBef>
+                <a:spcPts val="0"/>
+              </a:spcBef>
+              <a:spcAft>
+                <a:spcPts val="0"/>
+              </a:spcAft>
+              <a:buNone/>
+            </a:pPr>
+            <a:r>
+              <a:rPr b="1" lang="pl" sz="1100">
+                <a:solidFill>
+                  <a:srgbClr val="0B5394"/>
+                </a:solidFill>
+                <a:latin typeface="Tahoma"/>
+                <a:ea typeface="Tahoma"/>
+                <a:cs typeface="Tahoma"/>
+                <a:sym typeface="Tahoma"/>
+              </a:rPr>
+              <a:t>Każde urządzenie jest połączone z dokładnie dwoma innymi, tworząc zamknięty pierścień.</a:t>
+            </a:r>
+            <a:endParaRPr b="1" sz="1100">
+              <a:solidFill>
+                <a:srgbClr val="0B5394"/>
+              </a:solidFill>
+              <a:latin typeface="Tahoma"/>
+              <a:ea typeface="Tahoma"/>
+              <a:cs typeface="Tahoma"/>
+              <a:sym typeface="Tahoma"/>
+            </a:endParaRPr>
+          </a:p>
+          <a:p>
+            <a:pPr indent="0" lvl="0" marL="0" rtl="0" algn="l">
+              <a:spcBef>
+                <a:spcPts val="1200"/>
+              </a:spcBef>
+              <a:spcAft>
+                <a:spcPts val="0"/>
+              </a:spcAft>
+              <a:buNone/>
+            </a:pPr>
+            <a:r>
+              <a:rPr b="1" lang="pl" sz="1100">
+                <a:solidFill>
+                  <a:srgbClr val="000000"/>
+                </a:solidFill>
+                <a:latin typeface="Tahoma"/>
+                <a:ea typeface="Tahoma"/>
+                <a:cs typeface="Tahoma"/>
+                <a:sym typeface="Tahoma"/>
+              </a:rPr>
+              <a:t>Jak działa</a:t>
+            </a:r>
+            <a:r>
+              <a:rPr lang="pl" sz="1100">
+                <a:solidFill>
+                  <a:srgbClr val="000000"/>
+                </a:solidFill>
+                <a:latin typeface="Tahoma"/>
+                <a:ea typeface="Tahoma"/>
+                <a:cs typeface="Tahoma"/>
+                <a:sym typeface="Tahoma"/>
+              </a:rPr>
+              <a:t>: Dane przesyłane są w jednym kierunku (lub dwóch w podwójnym pierścieniu) od urządzenia do urządzenia, aż dotrą do odbiorcy.</a:t>
+            </a:r>
+            <a:endParaRPr sz="1100">
+              <a:solidFill>
+                <a:srgbClr val="000000"/>
+              </a:solidFill>
+              <a:latin typeface="Tahoma"/>
+              <a:ea typeface="Tahoma"/>
+              <a:cs typeface="Tahoma"/>
+              <a:sym typeface="Tahoma"/>
+            </a:endParaRPr>
+          </a:p>
+          <a:p>
+            <a:pPr indent="0" lvl="0" marL="0" rtl="0" algn="l">
+              <a:spcBef>
+                <a:spcPts val="1200"/>
+              </a:spcBef>
+              <a:spcAft>
+                <a:spcPts val="0"/>
+              </a:spcAft>
+              <a:buNone/>
+            </a:pPr>
+            <a:r>
+              <a:rPr b="1" lang="pl" sz="1100">
+                <a:solidFill>
+                  <a:srgbClr val="000000"/>
+                </a:solidFill>
+                <a:latin typeface="Tahoma"/>
+                <a:ea typeface="Tahoma"/>
+                <a:cs typeface="Tahoma"/>
+                <a:sym typeface="Tahoma"/>
+              </a:rPr>
+              <a:t>Zalety</a:t>
+            </a:r>
+            <a:r>
+              <a:rPr lang="pl" sz="1100">
+                <a:solidFill>
+                  <a:srgbClr val="000000"/>
+                </a:solidFill>
+                <a:latin typeface="Tahoma"/>
+                <a:ea typeface="Tahoma"/>
+                <a:cs typeface="Tahoma"/>
+                <a:sym typeface="Tahoma"/>
+              </a:rPr>
+              <a:t>:</a:t>
+            </a:r>
+            <a:endParaRPr sz="1100">
+              <a:solidFill>
+                <a:srgbClr val="000000"/>
+              </a:solidFill>
+              <a:latin typeface="Tahoma"/>
+              <a:ea typeface="Tahoma"/>
+              <a:cs typeface="Tahoma"/>
+              <a:sym typeface="Tahoma"/>
+            </a:endParaRPr>
+          </a:p>
+          <a:p>
+            <a:pPr indent="-298450" lvl="0" marL="457200" rtl="0" algn="l">
+              <a:spcBef>
+                <a:spcPts val="1200"/>
+              </a:spcBef>
+              <a:spcAft>
+                <a:spcPts val="0"/>
+              </a:spcAft>
+              <a:buClr>
+                <a:srgbClr val="000000"/>
+              </a:buClr>
+              <a:buSzPts val="1100"/>
+              <a:buFont typeface="Tahoma"/>
+              <a:buChar char="●"/>
+            </a:pPr>
+            <a:r>
+              <a:rPr lang="pl" sz="1100">
+                <a:solidFill>
+                  <a:srgbClr val="000000"/>
+                </a:solidFill>
+                <a:latin typeface="Tahoma"/>
+                <a:ea typeface="Tahoma"/>
+                <a:cs typeface="Tahoma"/>
+                <a:sym typeface="Tahoma"/>
+              </a:rPr>
+              <a:t>Równomierne obciążenie sieci (brak kolizji w token ring).</a:t>
+            </a:r>
+            <a:endParaRPr sz="1100">
+              <a:solidFill>
+                <a:srgbClr val="000000"/>
+              </a:solidFill>
+              <a:latin typeface="Tahoma"/>
+              <a:ea typeface="Tahoma"/>
+              <a:cs typeface="Tahoma"/>
+              <a:sym typeface="Tahoma"/>
+            </a:endParaRPr>
+          </a:p>
+          <a:p>
+            <a:pPr indent="-298450" lvl="0" marL="457200" rtl="0" algn="l">
+              <a:spcBef>
+                <a:spcPts val="0"/>
+              </a:spcBef>
+              <a:spcAft>
+                <a:spcPts val="0"/>
+              </a:spcAft>
+              <a:buClr>
+                <a:srgbClr val="000000"/>
+              </a:buClr>
+              <a:buSzPts val="1100"/>
+              <a:buFont typeface="Tahoma"/>
+              <a:buChar char="●"/>
+            </a:pPr>
+            <a:r>
+              <a:rPr lang="pl" sz="1100">
+                <a:solidFill>
+                  <a:srgbClr val="000000"/>
+                </a:solidFill>
+                <a:latin typeface="Tahoma"/>
+                <a:ea typeface="Tahoma"/>
+                <a:cs typeface="Tahoma"/>
+                <a:sym typeface="Tahoma"/>
+              </a:rPr>
+              <a:t>Prosta w przewidywaniu przepływu danych.</a:t>
+            </a:r>
+            <a:endParaRPr sz="1100">
+              <a:solidFill>
+                <a:srgbClr val="000000"/>
+              </a:solidFill>
+              <a:latin typeface="Tahoma"/>
+              <a:ea typeface="Tahoma"/>
+              <a:cs typeface="Tahoma"/>
+              <a:sym typeface="Tahoma"/>
+            </a:endParaRPr>
+          </a:p>
+          <a:p>
+            <a:pPr indent="0" lvl="0" marL="0" rtl="0" algn="l">
+              <a:spcBef>
+                <a:spcPts val="1200"/>
+              </a:spcBef>
+              <a:spcAft>
+                <a:spcPts val="0"/>
+              </a:spcAft>
+              <a:buNone/>
+            </a:pPr>
+            <a:r>
+              <a:rPr b="1" lang="pl" sz="1100">
+                <a:solidFill>
+                  <a:srgbClr val="000000"/>
+                </a:solidFill>
+                <a:latin typeface="Tahoma"/>
+                <a:ea typeface="Tahoma"/>
+                <a:cs typeface="Tahoma"/>
+                <a:sym typeface="Tahoma"/>
+              </a:rPr>
+              <a:t>Wady</a:t>
+            </a:r>
+            <a:r>
+              <a:rPr lang="pl" sz="1100">
+                <a:solidFill>
+                  <a:srgbClr val="000000"/>
+                </a:solidFill>
+                <a:latin typeface="Tahoma"/>
+                <a:ea typeface="Tahoma"/>
+                <a:cs typeface="Tahoma"/>
+                <a:sym typeface="Tahoma"/>
+              </a:rPr>
+              <a:t>:</a:t>
+            </a:r>
+            <a:endParaRPr sz="1100">
+              <a:solidFill>
+                <a:srgbClr val="000000"/>
+              </a:solidFill>
+              <a:latin typeface="Tahoma"/>
+              <a:ea typeface="Tahoma"/>
+              <a:cs typeface="Tahoma"/>
+              <a:sym typeface="Tahoma"/>
+            </a:endParaRPr>
+          </a:p>
+          <a:p>
+            <a:pPr indent="-298450" lvl="0" marL="457200" rtl="0" algn="l">
+              <a:spcBef>
+                <a:spcPts val="1200"/>
+              </a:spcBef>
+              <a:spcAft>
+                <a:spcPts val="0"/>
+              </a:spcAft>
+              <a:buClr>
+                <a:srgbClr val="000000"/>
+              </a:buClr>
+              <a:buSzPts val="1100"/>
+              <a:buFont typeface="Tahoma"/>
+              <a:buChar char="●"/>
+            </a:pPr>
+            <a:r>
+              <a:rPr lang="pl" sz="1100">
+                <a:solidFill>
+                  <a:srgbClr val="000000"/>
+                </a:solidFill>
+                <a:latin typeface="Tahoma"/>
+                <a:ea typeface="Tahoma"/>
+                <a:cs typeface="Tahoma"/>
+                <a:sym typeface="Tahoma"/>
+              </a:rPr>
+              <a:t>Awaria jednego urządzenia może przerwać cały pierścień (chyba że użyto podwójnego pierścienia).</a:t>
+            </a:r>
+            <a:endParaRPr sz="1100">
+              <a:solidFill>
+                <a:srgbClr val="000000"/>
+              </a:solidFill>
+              <a:latin typeface="Tahoma"/>
+              <a:ea typeface="Tahoma"/>
+              <a:cs typeface="Tahoma"/>
+              <a:sym typeface="Tahoma"/>
+            </a:endParaRPr>
+          </a:p>
+          <a:p>
+            <a:pPr indent="-298450" lvl="0" marL="457200" rtl="0" algn="l">
+              <a:spcBef>
+                <a:spcPts val="0"/>
+              </a:spcBef>
+              <a:spcAft>
+                <a:spcPts val="0"/>
+              </a:spcAft>
+              <a:buClr>
+                <a:srgbClr val="000000"/>
+              </a:buClr>
+              <a:buSzPts val="1100"/>
+              <a:buFont typeface="Tahoma"/>
+              <a:buChar char="●"/>
+            </a:pPr>
+            <a:r>
+              <a:rPr lang="pl" sz="1100">
+                <a:solidFill>
+                  <a:srgbClr val="000000"/>
+                </a:solidFill>
+                <a:latin typeface="Tahoma"/>
+                <a:ea typeface="Tahoma"/>
+                <a:cs typeface="Tahoma"/>
+                <a:sym typeface="Tahoma"/>
+              </a:rPr>
+              <a:t>Trudna do rozbudowy (dodanie urządzenia wymaga przerwania pierścienia).</a:t>
+            </a:r>
+            <a:endParaRPr sz="1100">
+              <a:solidFill>
+                <a:srgbClr val="000000"/>
+              </a:solidFill>
+              <a:latin typeface="Tahoma"/>
+              <a:ea typeface="Tahoma"/>
+              <a:cs typeface="Tahoma"/>
+              <a:sym typeface="Tahoma"/>
+            </a:endParaRPr>
+          </a:p>
+          <a:p>
+            <a:pPr indent="0" lvl="0" marL="0" rtl="0" algn="l">
+              <a:spcBef>
+                <a:spcPts val="1200"/>
+              </a:spcBef>
+              <a:spcAft>
+                <a:spcPts val="0"/>
+              </a:spcAft>
+              <a:buNone/>
+            </a:pPr>
+            <a:r>
+              <a:rPr b="1" lang="pl" sz="1100">
+                <a:solidFill>
+                  <a:srgbClr val="000000"/>
+                </a:solidFill>
+                <a:latin typeface="Tahoma"/>
+                <a:ea typeface="Tahoma"/>
+                <a:cs typeface="Tahoma"/>
+                <a:sym typeface="Tahoma"/>
+              </a:rPr>
+              <a:t>Zastosowanie</a:t>
+            </a:r>
+            <a:r>
+              <a:rPr lang="pl" sz="1100">
+                <a:solidFill>
+                  <a:srgbClr val="000000"/>
+                </a:solidFill>
+                <a:latin typeface="Tahoma"/>
+                <a:ea typeface="Tahoma"/>
+                <a:cs typeface="Tahoma"/>
+                <a:sym typeface="Tahoma"/>
+              </a:rPr>
+              <a:t>: Starsze sieci, np. Token Ring w IBM. Rzadziej używana dziś, ale może być w małej bibliotece z prostą siecią.</a:t>
+            </a:r>
+            <a:endParaRPr sz="1100">
+              <a:solidFill>
+                <a:srgbClr val="000000"/>
+              </a:solidFill>
+              <a:latin typeface="Tahoma"/>
+              <a:ea typeface="Tahoma"/>
+              <a:cs typeface="Tahoma"/>
+              <a:sym typeface="Tahoma"/>
+            </a:endParaRPr>
+          </a:p>
+          <a:p>
+            <a:pPr indent="0" lvl="0" marL="0" rtl="0" algn="l">
+              <a:spcBef>
+                <a:spcPts val="0"/>
+              </a:spcBef>
+              <a:spcAft>
+                <a:spcPts val="1200"/>
+              </a:spcAft>
+              <a:buNone/>
+            </a:pPr>
+            <a:r>
+              <a:t/>
+            </a:r>
+            <a:endParaRPr/>
+          </a:p>
+        </p:txBody>
+      </p:sp>
+      <p:pic>
+        <p:nvPicPr>
+          <p:cNvPr id="533" name="Google Shape;533;p84"/>
+          <p:cNvPicPr preferRelativeResize="0"/>
+          <p:nvPr/>
+        </p:nvPicPr>
+        <p:blipFill>
+          <a:blip r:embed="rId3">
+            <a:alphaModFix/>
+          </a:blip>
+          <a:stretch>
+            <a:fillRect/>
+          </a:stretch>
+        </p:blipFill>
+        <p:spPr>
+          <a:xfrm>
+            <a:off x="7315000" y="2805225"/>
+            <a:ext cx="1314450" cy="1371600"/>
+          </a:xfrm>
+          <a:prstGeom prst="rect">
+            <a:avLst/>
+          </a:prstGeom>
+          <a:noFill/>
+          <a:ln>
+            <a:noFill/>
+          </a:ln>
+        </p:spPr>
+      </p:pic>
+    </p:spTree>
+  </p:cSld>
+  <p:clrMapOvr>
+    <a:masterClrMapping/>
+  </p:clrMapOvr>
+</p:sld>
+</file>
+
+<file path=ppt/slides/slide73.xml><?xml version="1.0" encoding="utf-8"?>
+<p:sld xmlns:a="http://schemas.openxmlformats.org/drawingml/2006/main" xmlns:r="http://schemas.openxmlformats.org/officeDocument/2006/relationships" xmlns:mc="http://schemas.openxmlformats.org/markup-compatibility/2006" xmlns:mv="urn:schemas-microsoft-com:mac:vml" xmlns:p="http://schemas.openxmlformats.org/presentationml/2006/main" xmlns:c="http://schemas.openxmlformats.org/drawingml/2006/chart" xmlns:dgm="http://schemas.openxmlformats.org/drawingml/2006/diagram" xmlns:o="urn:schemas-microsoft-com:office:office" xmlns:v="urn:schemas-microsoft-com:vml" xmlns:pvml="urn:schemas-microsoft-com:office:powerpoint" xmlns:com="http://schemas.openxmlformats.org/drawingml/2006/compatibility" xmlns:p14="http://schemas.microsoft.com/office/powerpoint/2010/main" xmlns:p15="http://schemas.microsoft.com/office/powerpoint/2012/main" xmlns:ahyp="http://schemas.microsoft.com/office/drawing/2018/hyperlinkcolor">
+  <p:cSld>
+    <p:spTree>
+      <p:nvGrpSpPr>
+        <p:cNvPr id="537" name="Shape 537"/>
+        <p:cNvGrpSpPr/>
+        <p:nvPr/>
+      </p:nvGrpSpPr>
+      <p:grpSpPr>
+        <a:xfrm>
+          <a:off x="0" y="0"/>
+          <a:ext cx="0" cy="0"/>
+          <a:chOff x="0" y="0"/>
+          <a:chExt cx="0" cy="0"/>
+        </a:xfrm>
+      </p:grpSpPr>
+      <p:sp>
+        <p:nvSpPr>
+          <p:cNvPr id="538" name="Google Shape;538;p85"/>
+          <p:cNvSpPr txBox="1"/>
+          <p:nvPr>
+            <p:ph type="title"/>
+          </p:nvPr>
+        </p:nvSpPr>
+        <p:spPr>
+          <a:xfrm>
+            <a:off x="729450" y="1318650"/>
+            <a:ext cx="7688700" cy="535200"/>
+          </a:xfrm>
+          <a:prstGeom prst="rect">
+            <a:avLst/>
+          </a:prstGeom>
+        </p:spPr>
+        <p:txBody>
+          <a:bodyPr anchorCtr="0" anchor="t" bIns="91425" lIns="91425" spcFirstLastPara="1" rIns="91425" wrap="square" tIns="91425">
+            <a:noAutofit/>
+          </a:bodyPr>
+          <a:lstStyle/>
+          <a:p>
+            <a:pPr indent="0" lvl="0" marL="0" rtl="0" algn="l">
+              <a:lnSpc>
+                <a:spcPct val="115000"/>
+              </a:lnSpc>
+              <a:spcBef>
+                <a:spcPts val="1200"/>
+              </a:spcBef>
+              <a:spcAft>
+                <a:spcPts val="0"/>
+              </a:spcAft>
+              <a:buSzPts val="990"/>
+              <a:buNone/>
+            </a:pPr>
+            <a:r>
+              <a:rPr lang="pl"/>
+              <a:t>📝</a:t>
+            </a:r>
+            <a:r>
+              <a:rPr lang="pl" sz="2440">
+                <a:latin typeface="Tahoma"/>
+                <a:ea typeface="Tahoma"/>
+                <a:cs typeface="Tahoma"/>
+                <a:sym typeface="Tahoma"/>
+              </a:rPr>
+              <a:t>Topologia </a:t>
+            </a:r>
+            <a:r>
+              <a:rPr lang="pl" sz="2440">
+                <a:solidFill>
+                  <a:srgbClr val="0B5394"/>
+                </a:solidFill>
+                <a:latin typeface="Tahoma"/>
+                <a:ea typeface="Tahoma"/>
+                <a:cs typeface="Tahoma"/>
+                <a:sym typeface="Tahoma"/>
+              </a:rPr>
+              <a:t>siatki </a:t>
+            </a:r>
+            <a:r>
+              <a:rPr lang="pl" sz="2440">
+                <a:latin typeface="Tahoma"/>
+                <a:ea typeface="Tahoma"/>
+                <a:cs typeface="Tahoma"/>
+                <a:sym typeface="Tahoma"/>
+              </a:rPr>
+              <a:t>(Mesh Topology</a:t>
+            </a:r>
+            <a:endParaRPr sz="2440">
+              <a:latin typeface="Tahoma"/>
+              <a:ea typeface="Tahoma"/>
+              <a:cs typeface="Tahoma"/>
+              <a:sym typeface="Tahoma"/>
+            </a:endParaRPr>
+          </a:p>
+          <a:p>
+            <a:pPr indent="0" lvl="0" marL="0" rtl="0" algn="l">
+              <a:spcBef>
+                <a:spcPts val="1200"/>
+              </a:spcBef>
+              <a:spcAft>
+                <a:spcPts val="0"/>
+              </a:spcAft>
+              <a:buSzPts val="990"/>
+              <a:buNone/>
+            </a:pPr>
+            <a:r>
+              <a:t/>
+            </a:r>
+            <a:endParaRPr sz="2340"/>
+          </a:p>
+        </p:txBody>
+      </p:sp>
+      <p:sp>
+        <p:nvSpPr>
+          <p:cNvPr id="539" name="Google Shape;539;p85"/>
+          <p:cNvSpPr txBox="1"/>
+          <p:nvPr>
+            <p:ph idx="1" type="body"/>
+          </p:nvPr>
+        </p:nvSpPr>
+        <p:spPr>
+          <a:xfrm>
+            <a:off x="729450" y="2078875"/>
+            <a:ext cx="8285100" cy="2261100"/>
+          </a:xfrm>
+          <a:prstGeom prst="rect">
+            <a:avLst/>
+          </a:prstGeom>
+        </p:spPr>
+        <p:txBody>
+          <a:bodyPr anchorCtr="0" anchor="t" bIns="91425" lIns="91425" spcFirstLastPara="1" rIns="91425" wrap="square" tIns="91425">
+            <a:noAutofit/>
+          </a:bodyPr>
+          <a:lstStyle/>
+          <a:p>
+            <a:pPr indent="0" lvl="0" marL="0" rtl="0" algn="l">
+              <a:spcBef>
+                <a:spcPts val="0"/>
+              </a:spcBef>
+              <a:spcAft>
+                <a:spcPts val="0"/>
+              </a:spcAft>
+              <a:buNone/>
+            </a:pPr>
+            <a:r>
+              <a:rPr b="1" lang="pl" sz="1100">
+                <a:solidFill>
+                  <a:srgbClr val="0B5394"/>
+                </a:solidFill>
+                <a:latin typeface="Tahoma"/>
+                <a:ea typeface="Tahoma"/>
+                <a:cs typeface="Tahoma"/>
+                <a:sym typeface="Tahoma"/>
+              </a:rPr>
+              <a:t>Każde urządzenie jest połączone z wieloma (lub wszystkimi) innymi urządzeniami w sieci (pełna siatka) lub z kilkoma (częściowa siatka).</a:t>
+            </a:r>
+            <a:endParaRPr b="1" sz="1100">
+              <a:solidFill>
+                <a:srgbClr val="0B5394"/>
+              </a:solidFill>
+              <a:latin typeface="Tahoma"/>
+              <a:ea typeface="Tahoma"/>
+              <a:cs typeface="Tahoma"/>
+              <a:sym typeface="Tahoma"/>
+            </a:endParaRPr>
+          </a:p>
+          <a:p>
+            <a:pPr indent="0" lvl="0" marL="0" rtl="0" algn="l">
+              <a:spcBef>
+                <a:spcPts val="1200"/>
+              </a:spcBef>
+              <a:spcAft>
+                <a:spcPts val="0"/>
+              </a:spcAft>
+              <a:buNone/>
+            </a:pPr>
+            <a:r>
+              <a:rPr b="1" lang="pl" sz="1100">
+                <a:solidFill>
+                  <a:srgbClr val="000000"/>
+                </a:solidFill>
+                <a:latin typeface="Tahoma"/>
+                <a:ea typeface="Tahoma"/>
+                <a:cs typeface="Tahoma"/>
+                <a:sym typeface="Tahoma"/>
+              </a:rPr>
+              <a:t>Jak działa</a:t>
+            </a:r>
+            <a:r>
+              <a:rPr lang="pl" sz="1100">
+                <a:solidFill>
+                  <a:srgbClr val="000000"/>
+                </a:solidFill>
+                <a:latin typeface="Tahoma"/>
+                <a:ea typeface="Tahoma"/>
+                <a:cs typeface="Tahoma"/>
+                <a:sym typeface="Tahoma"/>
+              </a:rPr>
+              <a:t>: Dane mogą być przesyłane bezpośrednio między urządzeniami, co zwiększa niezawodność.</a:t>
+            </a:r>
+            <a:endParaRPr sz="1100">
+              <a:solidFill>
+                <a:srgbClr val="000000"/>
+              </a:solidFill>
+              <a:latin typeface="Tahoma"/>
+              <a:ea typeface="Tahoma"/>
+              <a:cs typeface="Tahoma"/>
+              <a:sym typeface="Tahoma"/>
+            </a:endParaRPr>
+          </a:p>
+          <a:p>
+            <a:pPr indent="0" lvl="0" marL="0" rtl="0" algn="l">
+              <a:spcBef>
+                <a:spcPts val="1200"/>
+              </a:spcBef>
+              <a:spcAft>
+                <a:spcPts val="0"/>
+              </a:spcAft>
+              <a:buNone/>
+            </a:pPr>
+            <a:r>
+              <a:rPr b="1" lang="pl" sz="1100">
+                <a:solidFill>
+                  <a:srgbClr val="000000"/>
+                </a:solidFill>
+                <a:latin typeface="Tahoma"/>
+                <a:ea typeface="Tahoma"/>
+                <a:cs typeface="Tahoma"/>
+                <a:sym typeface="Tahoma"/>
+              </a:rPr>
+              <a:t>Zalety</a:t>
+            </a:r>
+            <a:r>
+              <a:rPr lang="pl" sz="1100">
+                <a:solidFill>
+                  <a:srgbClr val="000000"/>
+                </a:solidFill>
+                <a:latin typeface="Tahoma"/>
+                <a:ea typeface="Tahoma"/>
+                <a:cs typeface="Tahoma"/>
+                <a:sym typeface="Tahoma"/>
+              </a:rPr>
+              <a:t>:</a:t>
+            </a:r>
+            <a:endParaRPr sz="1100">
+              <a:solidFill>
+                <a:srgbClr val="000000"/>
+              </a:solidFill>
+              <a:latin typeface="Tahoma"/>
+              <a:ea typeface="Tahoma"/>
+              <a:cs typeface="Tahoma"/>
+              <a:sym typeface="Tahoma"/>
+            </a:endParaRPr>
+          </a:p>
+          <a:p>
+            <a:pPr indent="-298450" lvl="0" marL="457200" rtl="0" algn="l">
+              <a:spcBef>
+                <a:spcPts val="1200"/>
+              </a:spcBef>
+              <a:spcAft>
+                <a:spcPts val="0"/>
+              </a:spcAft>
+              <a:buClr>
+                <a:srgbClr val="000000"/>
+              </a:buClr>
+              <a:buSzPts val="1100"/>
+              <a:buFont typeface="Tahoma"/>
+              <a:buChar char="●"/>
+            </a:pPr>
+            <a:r>
+              <a:rPr lang="pl" sz="1100">
+                <a:solidFill>
+                  <a:srgbClr val="000000"/>
+                </a:solidFill>
+                <a:latin typeface="Tahoma"/>
+                <a:ea typeface="Tahoma"/>
+                <a:cs typeface="Tahoma"/>
+                <a:sym typeface="Tahoma"/>
+              </a:rPr>
+              <a:t>Bardzo wysoka niezawodność – awaria jednego połączenia nie przerywa komunikacji.</a:t>
+            </a:r>
+            <a:endParaRPr sz="1100">
+              <a:solidFill>
+                <a:srgbClr val="000000"/>
+              </a:solidFill>
+              <a:latin typeface="Tahoma"/>
+              <a:ea typeface="Tahoma"/>
+              <a:cs typeface="Tahoma"/>
+              <a:sym typeface="Tahoma"/>
+            </a:endParaRPr>
+          </a:p>
+          <a:p>
+            <a:pPr indent="-298450" lvl="0" marL="457200" rtl="0" algn="l">
+              <a:spcBef>
+                <a:spcPts val="0"/>
+              </a:spcBef>
+              <a:spcAft>
+                <a:spcPts val="0"/>
+              </a:spcAft>
+              <a:buClr>
+                <a:srgbClr val="000000"/>
+              </a:buClr>
+              <a:buSzPts val="1100"/>
+              <a:buFont typeface="Tahoma"/>
+              <a:buChar char="●"/>
+            </a:pPr>
+            <a:r>
+              <a:rPr lang="pl" sz="1100">
+                <a:solidFill>
+                  <a:srgbClr val="000000"/>
+                </a:solidFill>
+                <a:latin typeface="Tahoma"/>
+                <a:ea typeface="Tahoma"/>
+                <a:cs typeface="Tahoma"/>
+                <a:sym typeface="Tahoma"/>
+              </a:rPr>
+              <a:t>Duża przepustowość dzięki wielu ścieżkom.</a:t>
+            </a:r>
+            <a:endParaRPr sz="1100">
+              <a:solidFill>
+                <a:srgbClr val="000000"/>
+              </a:solidFill>
+              <a:latin typeface="Tahoma"/>
+              <a:ea typeface="Tahoma"/>
+              <a:cs typeface="Tahoma"/>
+              <a:sym typeface="Tahoma"/>
+            </a:endParaRPr>
+          </a:p>
+          <a:p>
+            <a:pPr indent="0" lvl="0" marL="0" rtl="0" algn="l">
+              <a:spcBef>
+                <a:spcPts val="1200"/>
+              </a:spcBef>
+              <a:spcAft>
+                <a:spcPts val="0"/>
+              </a:spcAft>
+              <a:buNone/>
+            </a:pPr>
+            <a:r>
+              <a:rPr b="1" lang="pl" sz="1100">
+                <a:solidFill>
+                  <a:srgbClr val="000000"/>
+                </a:solidFill>
+                <a:latin typeface="Tahoma"/>
+                <a:ea typeface="Tahoma"/>
+                <a:cs typeface="Tahoma"/>
+                <a:sym typeface="Tahoma"/>
+              </a:rPr>
+              <a:t>Wady</a:t>
+            </a:r>
+            <a:r>
+              <a:rPr lang="pl" sz="1100">
+                <a:solidFill>
+                  <a:srgbClr val="000000"/>
+                </a:solidFill>
+                <a:latin typeface="Tahoma"/>
+                <a:ea typeface="Tahoma"/>
+                <a:cs typeface="Tahoma"/>
+                <a:sym typeface="Tahoma"/>
+              </a:rPr>
+              <a:t>:</a:t>
+            </a:r>
+            <a:endParaRPr sz="1100">
+              <a:solidFill>
+                <a:srgbClr val="000000"/>
+              </a:solidFill>
+              <a:latin typeface="Tahoma"/>
+              <a:ea typeface="Tahoma"/>
+              <a:cs typeface="Tahoma"/>
+              <a:sym typeface="Tahoma"/>
+            </a:endParaRPr>
+          </a:p>
+          <a:p>
+            <a:pPr indent="-298450" lvl="0" marL="457200" rtl="0" algn="l">
+              <a:spcBef>
+                <a:spcPts val="1200"/>
+              </a:spcBef>
+              <a:spcAft>
+                <a:spcPts val="0"/>
+              </a:spcAft>
+              <a:buClr>
+                <a:srgbClr val="000000"/>
+              </a:buClr>
+              <a:buSzPts val="1100"/>
+              <a:buFont typeface="Tahoma"/>
+              <a:buChar char="●"/>
+            </a:pPr>
+            <a:r>
+              <a:rPr lang="pl" sz="1100">
+                <a:solidFill>
+                  <a:srgbClr val="000000"/>
+                </a:solidFill>
+                <a:latin typeface="Tahoma"/>
+                <a:ea typeface="Tahoma"/>
+                <a:cs typeface="Tahoma"/>
+                <a:sym typeface="Tahoma"/>
+              </a:rPr>
+              <a:t>Bardzo kosztowna (dużo kabli i konfiguracji).</a:t>
+            </a:r>
+            <a:endParaRPr sz="1100">
+              <a:solidFill>
+                <a:srgbClr val="000000"/>
+              </a:solidFill>
+              <a:latin typeface="Tahoma"/>
+              <a:ea typeface="Tahoma"/>
+              <a:cs typeface="Tahoma"/>
+              <a:sym typeface="Tahoma"/>
+            </a:endParaRPr>
+          </a:p>
+          <a:p>
+            <a:pPr indent="-298450" lvl="0" marL="457200" rtl="0" algn="l">
+              <a:spcBef>
+                <a:spcPts val="0"/>
+              </a:spcBef>
+              <a:spcAft>
+                <a:spcPts val="0"/>
+              </a:spcAft>
+              <a:buClr>
+                <a:srgbClr val="000000"/>
+              </a:buClr>
+              <a:buSzPts val="1100"/>
+              <a:buFont typeface="Tahoma"/>
+              <a:buChar char="●"/>
+            </a:pPr>
+            <a:r>
+              <a:rPr lang="pl" sz="1100">
+                <a:solidFill>
+                  <a:srgbClr val="000000"/>
+                </a:solidFill>
+                <a:latin typeface="Tahoma"/>
+                <a:ea typeface="Tahoma"/>
+                <a:cs typeface="Tahoma"/>
+                <a:sym typeface="Tahoma"/>
+              </a:rPr>
+              <a:t>Skomplikowana w zarządzaniu przy dużej liczbie urządzeń.</a:t>
+            </a:r>
+            <a:endParaRPr sz="1100">
+              <a:solidFill>
+                <a:srgbClr val="000000"/>
+              </a:solidFill>
+              <a:latin typeface="Tahoma"/>
+              <a:ea typeface="Tahoma"/>
+              <a:cs typeface="Tahoma"/>
+              <a:sym typeface="Tahoma"/>
+            </a:endParaRPr>
+          </a:p>
+          <a:p>
+            <a:pPr indent="0" lvl="0" marL="0" rtl="0" algn="l">
+              <a:spcBef>
+                <a:spcPts val="1200"/>
+              </a:spcBef>
+              <a:spcAft>
+                <a:spcPts val="0"/>
+              </a:spcAft>
+              <a:buNone/>
+            </a:pPr>
+            <a:r>
+              <a:rPr b="1" lang="pl" sz="1100">
+                <a:solidFill>
+                  <a:srgbClr val="000000"/>
+                </a:solidFill>
+                <a:latin typeface="Tahoma"/>
+                <a:ea typeface="Tahoma"/>
+                <a:cs typeface="Tahoma"/>
+                <a:sym typeface="Tahoma"/>
+              </a:rPr>
+              <a:t>Zastosowanie</a:t>
+            </a:r>
+            <a:r>
+              <a:rPr lang="pl" sz="1100">
+                <a:solidFill>
+                  <a:srgbClr val="000000"/>
+                </a:solidFill>
+                <a:latin typeface="Tahoma"/>
+                <a:ea typeface="Tahoma"/>
+                <a:cs typeface="Tahoma"/>
+                <a:sym typeface="Tahoma"/>
+              </a:rPr>
+              <a:t>: Sieci o wysokim zapotrzebowaniu na niezawodność</a:t>
+            </a:r>
+            <a:endParaRPr sz="1100">
+              <a:latin typeface="Tahoma"/>
+              <a:ea typeface="Tahoma"/>
+              <a:cs typeface="Tahoma"/>
+              <a:sym typeface="Tahoma"/>
+            </a:endParaRPr>
+          </a:p>
+        </p:txBody>
+      </p:sp>
+      <p:pic>
+        <p:nvPicPr>
+          <p:cNvPr id="540" name="Google Shape;540;p85"/>
+          <p:cNvPicPr preferRelativeResize="0"/>
+          <p:nvPr/>
+        </p:nvPicPr>
+        <p:blipFill>
+          <a:blip r:embed="rId3">
+            <a:alphaModFix/>
+          </a:blip>
+          <a:stretch>
+            <a:fillRect/>
+          </a:stretch>
+        </p:blipFill>
+        <p:spPr>
+          <a:xfrm>
+            <a:off x="7296150" y="3685525"/>
+            <a:ext cx="1069295" cy="1013850"/>
+          </a:xfrm>
+          <a:prstGeom prst="rect">
+            <a:avLst/>
+          </a:prstGeom>
+          <a:noFill/>
+          <a:ln>
+            <a:noFill/>
+          </a:ln>
+        </p:spPr>
+      </p:pic>
+    </p:spTree>
+  </p:cSld>
+  <p:clrMapOvr>
+    <a:masterClrMapping/>
+  </p:clrMapOvr>
+</p:sld>
+</file>
+
+<file path=ppt/slides/slide74.xml><?xml version="1.0" encoding="utf-8"?>
+<p:sld xmlns:a="http://schemas.openxmlformats.org/drawingml/2006/main" xmlns:r="http://schemas.openxmlformats.org/officeDocument/2006/relationships" xmlns:mc="http://schemas.openxmlformats.org/markup-compatibility/2006" xmlns:mv="urn:schemas-microsoft-com:mac:vml" xmlns:p="http://schemas.openxmlformats.org/presentationml/2006/main" xmlns:c="http://schemas.openxmlformats.org/drawingml/2006/chart" xmlns:dgm="http://schemas.openxmlformats.org/drawingml/2006/diagram" xmlns:o="urn:schemas-microsoft-com:office:office" xmlns:v="urn:schemas-microsoft-com:vml" xmlns:pvml="urn:schemas-microsoft-com:office:powerpoint" xmlns:com="http://schemas.openxmlformats.org/drawingml/2006/compatibility" xmlns:p14="http://schemas.microsoft.com/office/powerpoint/2010/main" xmlns:p15="http://schemas.microsoft.com/office/powerpoint/2012/main" xmlns:ahyp="http://schemas.microsoft.com/office/drawing/2018/hyperlinkcolor">
+  <p:cSld>
+    <p:spTree>
+      <p:nvGrpSpPr>
+        <p:cNvPr id="544" name="Shape 544"/>
+        <p:cNvGrpSpPr/>
+        <p:nvPr/>
+      </p:nvGrpSpPr>
+      <p:grpSpPr>
+        <a:xfrm>
+          <a:off x="0" y="0"/>
+          <a:ext cx="0" cy="0"/>
+          <a:chOff x="0" y="0"/>
+          <a:chExt cx="0" cy="0"/>
+        </a:xfrm>
+      </p:grpSpPr>
+      <p:sp>
+        <p:nvSpPr>
+          <p:cNvPr id="545" name="Google Shape;545;p86"/>
+          <p:cNvSpPr txBox="1"/>
+          <p:nvPr>
+            <p:ph type="title"/>
+          </p:nvPr>
+        </p:nvSpPr>
+        <p:spPr>
+          <a:xfrm>
+            <a:off x="729450" y="1318650"/>
+            <a:ext cx="7688700" cy="535200"/>
+          </a:xfrm>
+          <a:prstGeom prst="rect">
+            <a:avLst/>
+          </a:prstGeom>
+        </p:spPr>
+        <p:txBody>
+          <a:bodyPr anchorCtr="0" anchor="t" bIns="91425" lIns="91425" spcFirstLastPara="1" rIns="91425" wrap="square" tIns="91425">
+            <a:noAutofit/>
+          </a:bodyPr>
+          <a:lstStyle/>
+          <a:p>
+            <a:pPr indent="0" lvl="0" marL="0" rtl="0" algn="l">
+              <a:lnSpc>
+                <a:spcPct val="115000"/>
+              </a:lnSpc>
+              <a:spcBef>
+                <a:spcPts val="1200"/>
+              </a:spcBef>
+              <a:spcAft>
+                <a:spcPts val="0"/>
+              </a:spcAft>
+              <a:buNone/>
+            </a:pPr>
+            <a:r>
+              <a:rPr lang="pl"/>
+              <a:t>📝</a:t>
+            </a:r>
+            <a:r>
+              <a:rPr lang="pl" sz="2400">
+                <a:latin typeface="Tahoma"/>
+                <a:ea typeface="Tahoma"/>
+                <a:cs typeface="Tahoma"/>
+                <a:sym typeface="Tahoma"/>
+              </a:rPr>
+              <a:t>Topologia </a:t>
+            </a:r>
+            <a:r>
+              <a:rPr lang="pl" sz="2400">
+                <a:solidFill>
+                  <a:srgbClr val="0B5394"/>
+                </a:solidFill>
+                <a:latin typeface="Tahoma"/>
+                <a:ea typeface="Tahoma"/>
+                <a:cs typeface="Tahoma"/>
+                <a:sym typeface="Tahoma"/>
+              </a:rPr>
+              <a:t>drzewa </a:t>
+            </a:r>
+            <a:r>
+              <a:rPr lang="pl" sz="2400">
+                <a:latin typeface="Tahoma"/>
+                <a:ea typeface="Tahoma"/>
+                <a:cs typeface="Tahoma"/>
+                <a:sym typeface="Tahoma"/>
+              </a:rPr>
+              <a:t>(Tree Topology)</a:t>
+            </a:r>
+            <a:endParaRPr sz="2400">
+              <a:latin typeface="Tahoma"/>
+              <a:ea typeface="Tahoma"/>
+              <a:cs typeface="Tahoma"/>
+              <a:sym typeface="Tahoma"/>
+            </a:endParaRPr>
+          </a:p>
+          <a:p>
+            <a:pPr indent="0" lvl="0" marL="0" rtl="0" algn="l">
+              <a:spcBef>
+                <a:spcPts val="1200"/>
+              </a:spcBef>
+              <a:spcAft>
+                <a:spcPts val="0"/>
+              </a:spcAft>
+              <a:buNone/>
+            </a:pPr>
+            <a:r>
+              <a:t/>
+            </a:r>
+            <a:endParaRPr/>
+          </a:p>
+        </p:txBody>
+      </p:sp>
+      <p:sp>
+        <p:nvSpPr>
+          <p:cNvPr id="546" name="Google Shape;546;p86"/>
+          <p:cNvSpPr txBox="1"/>
+          <p:nvPr>
+            <p:ph idx="1" type="body"/>
+          </p:nvPr>
+        </p:nvSpPr>
+        <p:spPr>
+          <a:xfrm>
+            <a:off x="729450" y="2078875"/>
+            <a:ext cx="8107200" cy="2261100"/>
+          </a:xfrm>
+          <a:prstGeom prst="rect">
+            <a:avLst/>
+          </a:prstGeom>
+        </p:spPr>
+        <p:txBody>
+          <a:bodyPr anchorCtr="0" anchor="t" bIns="91425" lIns="91425" spcFirstLastPara="1" rIns="91425" wrap="square" tIns="91425">
+            <a:noAutofit/>
+          </a:bodyPr>
+          <a:lstStyle/>
+          <a:p>
+            <a:pPr indent="0" lvl="0" marL="0" rtl="0" algn="l">
+              <a:lnSpc>
+                <a:spcPct val="95000"/>
+              </a:lnSpc>
+              <a:spcBef>
+                <a:spcPts val="0"/>
+              </a:spcBef>
+              <a:spcAft>
+                <a:spcPts val="0"/>
+              </a:spcAft>
+              <a:buSzPts val="852"/>
+              <a:buNone/>
+            </a:pPr>
+            <a:r>
+              <a:rPr b="1" lang="pl" sz="1100">
+                <a:solidFill>
+                  <a:srgbClr val="0B5394"/>
+                </a:solidFill>
+                <a:latin typeface="Tahoma"/>
+                <a:ea typeface="Tahoma"/>
+                <a:cs typeface="Tahoma"/>
+                <a:sym typeface="Tahoma"/>
+              </a:rPr>
+              <a:t>Hierarchiczna struktura, w której urządzenia są połączone w sposób przypominający drzewo – korzeń (np. główny przełącznik) i gałęzie (podprzełączniki).</a:t>
+            </a:r>
+            <a:endParaRPr b="1" sz="1100">
+              <a:solidFill>
+                <a:srgbClr val="0B5394"/>
+              </a:solidFill>
+              <a:latin typeface="Tahoma"/>
+              <a:ea typeface="Tahoma"/>
+              <a:cs typeface="Tahoma"/>
+              <a:sym typeface="Tahoma"/>
+            </a:endParaRPr>
+          </a:p>
+          <a:p>
+            <a:pPr indent="0" lvl="0" marL="0" rtl="0" algn="l">
+              <a:lnSpc>
+                <a:spcPct val="95000"/>
+              </a:lnSpc>
+              <a:spcBef>
+                <a:spcPts val="1200"/>
+              </a:spcBef>
+              <a:spcAft>
+                <a:spcPts val="0"/>
+              </a:spcAft>
+              <a:buSzPts val="852"/>
+              <a:buNone/>
+            </a:pPr>
+            <a:r>
+              <a:rPr b="1" lang="pl" sz="1100">
+                <a:solidFill>
+                  <a:srgbClr val="000000"/>
+                </a:solidFill>
+                <a:latin typeface="Tahoma"/>
+                <a:ea typeface="Tahoma"/>
+                <a:cs typeface="Tahoma"/>
+                <a:sym typeface="Tahoma"/>
+              </a:rPr>
+              <a:t>Jak działa</a:t>
+            </a:r>
+            <a:r>
+              <a:rPr lang="pl" sz="1100">
+                <a:solidFill>
+                  <a:srgbClr val="000000"/>
+                </a:solidFill>
+                <a:latin typeface="Tahoma"/>
+                <a:ea typeface="Tahoma"/>
+                <a:cs typeface="Tahoma"/>
+                <a:sym typeface="Tahoma"/>
+              </a:rPr>
+              <a:t>: Kombinacja topologii gwiazdy i magistrali – urządzenia w grupach (gwiazdy) łączą się hierarchicznie.</a:t>
+            </a:r>
+            <a:endParaRPr sz="1100">
+              <a:solidFill>
+                <a:srgbClr val="000000"/>
+              </a:solidFill>
+              <a:latin typeface="Tahoma"/>
+              <a:ea typeface="Tahoma"/>
+              <a:cs typeface="Tahoma"/>
+              <a:sym typeface="Tahoma"/>
+            </a:endParaRPr>
+          </a:p>
+          <a:p>
+            <a:pPr indent="0" lvl="0" marL="0" rtl="0" algn="l">
+              <a:lnSpc>
+                <a:spcPct val="95000"/>
+              </a:lnSpc>
+              <a:spcBef>
+                <a:spcPts val="1200"/>
+              </a:spcBef>
+              <a:spcAft>
+                <a:spcPts val="0"/>
+              </a:spcAft>
+              <a:buSzPts val="852"/>
+              <a:buNone/>
+            </a:pPr>
+            <a:r>
+              <a:rPr b="1" lang="pl" sz="1100">
+                <a:solidFill>
+                  <a:srgbClr val="000000"/>
+                </a:solidFill>
+                <a:latin typeface="Tahoma"/>
+                <a:ea typeface="Tahoma"/>
+                <a:cs typeface="Tahoma"/>
+                <a:sym typeface="Tahoma"/>
+              </a:rPr>
+              <a:t>Zalety</a:t>
+            </a:r>
+            <a:r>
+              <a:rPr lang="pl" sz="1100">
+                <a:solidFill>
+                  <a:srgbClr val="000000"/>
+                </a:solidFill>
+                <a:latin typeface="Tahoma"/>
+                <a:ea typeface="Tahoma"/>
+                <a:cs typeface="Tahoma"/>
+                <a:sym typeface="Tahoma"/>
+              </a:rPr>
+              <a:t>:</a:t>
+            </a:r>
+            <a:endParaRPr sz="1100">
+              <a:solidFill>
+                <a:srgbClr val="000000"/>
+              </a:solidFill>
+              <a:latin typeface="Tahoma"/>
+              <a:ea typeface="Tahoma"/>
+              <a:cs typeface="Tahoma"/>
+              <a:sym typeface="Tahoma"/>
+            </a:endParaRPr>
+          </a:p>
+          <a:p>
+            <a:pPr indent="-298450" lvl="0" marL="457200" rtl="0" algn="l">
+              <a:lnSpc>
+                <a:spcPct val="95000"/>
+              </a:lnSpc>
+              <a:spcBef>
+                <a:spcPts val="1200"/>
+              </a:spcBef>
+              <a:spcAft>
+                <a:spcPts val="0"/>
+              </a:spcAft>
+              <a:buClr>
+                <a:srgbClr val="000000"/>
+              </a:buClr>
+              <a:buSzPts val="1100"/>
+              <a:buFont typeface="Tahoma"/>
+              <a:buChar char="●"/>
+            </a:pPr>
+            <a:r>
+              <a:rPr lang="pl" sz="1100">
+                <a:solidFill>
+                  <a:srgbClr val="000000"/>
+                </a:solidFill>
+                <a:latin typeface="Tahoma"/>
+                <a:ea typeface="Tahoma"/>
+                <a:cs typeface="Tahoma"/>
+                <a:sym typeface="Tahoma"/>
+              </a:rPr>
+              <a:t>Łatwa do skalowania (dodawanie nowych gałęzi).</a:t>
+            </a:r>
+            <a:endParaRPr sz="1100">
+              <a:solidFill>
+                <a:srgbClr val="000000"/>
+              </a:solidFill>
+              <a:latin typeface="Tahoma"/>
+              <a:ea typeface="Tahoma"/>
+              <a:cs typeface="Tahoma"/>
+              <a:sym typeface="Tahoma"/>
+            </a:endParaRPr>
+          </a:p>
+          <a:p>
+            <a:pPr indent="-298450" lvl="0" marL="457200" rtl="0" algn="l">
+              <a:lnSpc>
+                <a:spcPct val="95000"/>
+              </a:lnSpc>
+              <a:spcBef>
+                <a:spcPts val="0"/>
+              </a:spcBef>
+              <a:spcAft>
+                <a:spcPts val="0"/>
+              </a:spcAft>
+              <a:buClr>
+                <a:srgbClr val="000000"/>
+              </a:buClr>
+              <a:buSzPts val="1100"/>
+              <a:buFont typeface="Tahoma"/>
+              <a:buChar char="●"/>
+            </a:pPr>
+            <a:r>
+              <a:rPr lang="pl" sz="1100">
+                <a:solidFill>
+                  <a:srgbClr val="000000"/>
+                </a:solidFill>
+                <a:latin typeface="Tahoma"/>
+                <a:ea typeface="Tahoma"/>
+                <a:cs typeface="Tahoma"/>
+                <a:sym typeface="Tahoma"/>
+              </a:rPr>
+              <a:t>Dobra dla dużych sieci z podziałem na segmenty.</a:t>
+            </a:r>
+            <a:endParaRPr sz="1100">
+              <a:solidFill>
+                <a:srgbClr val="000000"/>
+              </a:solidFill>
+              <a:latin typeface="Tahoma"/>
+              <a:ea typeface="Tahoma"/>
+              <a:cs typeface="Tahoma"/>
+              <a:sym typeface="Tahoma"/>
+            </a:endParaRPr>
+          </a:p>
+          <a:p>
+            <a:pPr indent="0" lvl="0" marL="0" rtl="0" algn="l">
+              <a:lnSpc>
+                <a:spcPct val="95000"/>
+              </a:lnSpc>
+              <a:spcBef>
+                <a:spcPts val="1200"/>
+              </a:spcBef>
+              <a:spcAft>
+                <a:spcPts val="0"/>
+              </a:spcAft>
+              <a:buSzPts val="852"/>
+              <a:buNone/>
+            </a:pPr>
+            <a:r>
+              <a:rPr b="1" lang="pl" sz="1100">
+                <a:solidFill>
+                  <a:srgbClr val="000000"/>
+                </a:solidFill>
+                <a:latin typeface="Tahoma"/>
+                <a:ea typeface="Tahoma"/>
+                <a:cs typeface="Tahoma"/>
+                <a:sym typeface="Tahoma"/>
+              </a:rPr>
+              <a:t>Wady</a:t>
+            </a:r>
+            <a:r>
+              <a:rPr lang="pl" sz="1100">
+                <a:solidFill>
+                  <a:srgbClr val="000000"/>
+                </a:solidFill>
+                <a:latin typeface="Tahoma"/>
+                <a:ea typeface="Tahoma"/>
+                <a:cs typeface="Tahoma"/>
+                <a:sym typeface="Tahoma"/>
+              </a:rPr>
+              <a:t>:</a:t>
+            </a:r>
+            <a:endParaRPr sz="1100">
+              <a:solidFill>
+                <a:srgbClr val="000000"/>
+              </a:solidFill>
+              <a:latin typeface="Tahoma"/>
+              <a:ea typeface="Tahoma"/>
+              <a:cs typeface="Tahoma"/>
+              <a:sym typeface="Tahoma"/>
+            </a:endParaRPr>
+          </a:p>
+          <a:p>
+            <a:pPr indent="-298450" lvl="0" marL="457200" rtl="0" algn="l">
+              <a:lnSpc>
+                <a:spcPct val="95000"/>
+              </a:lnSpc>
+              <a:spcBef>
+                <a:spcPts val="1200"/>
+              </a:spcBef>
+              <a:spcAft>
+                <a:spcPts val="0"/>
+              </a:spcAft>
+              <a:buClr>
+                <a:srgbClr val="000000"/>
+              </a:buClr>
+              <a:buSzPts val="1100"/>
+              <a:buFont typeface="Tahoma"/>
+              <a:buChar char="●"/>
+            </a:pPr>
+            <a:r>
+              <a:rPr lang="pl" sz="1100">
+                <a:solidFill>
+                  <a:srgbClr val="000000"/>
+                </a:solidFill>
+                <a:latin typeface="Tahoma"/>
+                <a:ea typeface="Tahoma"/>
+                <a:cs typeface="Tahoma"/>
+                <a:sym typeface="Tahoma"/>
+              </a:rPr>
+              <a:t>Awaria korzenia (głównego przełącznika) przerywa komunikację w całej sieci.</a:t>
+            </a:r>
+            <a:endParaRPr sz="1100">
+              <a:solidFill>
+                <a:srgbClr val="000000"/>
+              </a:solidFill>
+              <a:latin typeface="Tahoma"/>
+              <a:ea typeface="Tahoma"/>
+              <a:cs typeface="Tahoma"/>
+              <a:sym typeface="Tahoma"/>
+            </a:endParaRPr>
+          </a:p>
+          <a:p>
+            <a:pPr indent="-298450" lvl="0" marL="457200" rtl="0" algn="l">
+              <a:lnSpc>
+                <a:spcPct val="95000"/>
+              </a:lnSpc>
+              <a:spcBef>
+                <a:spcPts val="0"/>
+              </a:spcBef>
+              <a:spcAft>
+                <a:spcPts val="0"/>
+              </a:spcAft>
+              <a:buClr>
+                <a:srgbClr val="000000"/>
+              </a:buClr>
+              <a:buSzPts val="1100"/>
+              <a:buFont typeface="Tahoma"/>
+              <a:buChar char="●"/>
+            </a:pPr>
+            <a:r>
+              <a:rPr lang="pl" sz="1100">
+                <a:solidFill>
+                  <a:srgbClr val="000000"/>
+                </a:solidFill>
+                <a:latin typeface="Tahoma"/>
+                <a:ea typeface="Tahoma"/>
+                <a:cs typeface="Tahoma"/>
+                <a:sym typeface="Tahoma"/>
+              </a:rPr>
+              <a:t>Złożona konfiguracja.</a:t>
+            </a:r>
+            <a:endParaRPr sz="1100">
+              <a:solidFill>
+                <a:srgbClr val="000000"/>
+              </a:solidFill>
+              <a:latin typeface="Tahoma"/>
+              <a:ea typeface="Tahoma"/>
+              <a:cs typeface="Tahoma"/>
+              <a:sym typeface="Tahoma"/>
+            </a:endParaRPr>
+          </a:p>
+          <a:p>
+            <a:pPr indent="0" lvl="0" marL="0" rtl="0" algn="l">
+              <a:lnSpc>
+                <a:spcPct val="95000"/>
+              </a:lnSpc>
+              <a:spcBef>
+                <a:spcPts val="1200"/>
+              </a:spcBef>
+              <a:spcAft>
+                <a:spcPts val="0"/>
+              </a:spcAft>
+              <a:buSzPts val="852"/>
+              <a:buNone/>
+            </a:pPr>
+            <a:r>
+              <a:rPr b="1" lang="pl" sz="1100">
+                <a:solidFill>
+                  <a:srgbClr val="000000"/>
+                </a:solidFill>
+                <a:latin typeface="Tahoma"/>
+                <a:ea typeface="Tahoma"/>
+                <a:cs typeface="Tahoma"/>
+                <a:sym typeface="Tahoma"/>
+              </a:rPr>
+              <a:t>Zastosowanie</a:t>
+            </a:r>
+            <a:r>
+              <a:rPr lang="pl" sz="1100">
+                <a:solidFill>
+                  <a:srgbClr val="000000"/>
+                </a:solidFill>
+                <a:latin typeface="Tahoma"/>
+                <a:ea typeface="Tahoma"/>
+                <a:cs typeface="Tahoma"/>
+                <a:sym typeface="Tahoma"/>
+              </a:rPr>
+              <a:t>: Duże sieci LAN, np. w dużej bibliotece z oddziałami, gdzie każdy oddział ma swoją gwiazdę połączoną z głównym serwerem </a:t>
+            </a:r>
+            <a:endParaRPr sz="1100">
+              <a:latin typeface="Tahoma"/>
+              <a:ea typeface="Tahoma"/>
+              <a:cs typeface="Tahoma"/>
+              <a:sym typeface="Tahoma"/>
+            </a:endParaRPr>
+          </a:p>
+        </p:txBody>
+      </p:sp>
+      <p:pic>
+        <p:nvPicPr>
+          <p:cNvPr id="547" name="Google Shape;547;p86"/>
+          <p:cNvPicPr preferRelativeResize="0"/>
+          <p:nvPr/>
+        </p:nvPicPr>
+        <p:blipFill>
+          <a:blip r:embed="rId3">
+            <a:alphaModFix/>
+          </a:blip>
+          <a:stretch>
+            <a:fillRect/>
+          </a:stretch>
+        </p:blipFill>
+        <p:spPr>
+          <a:xfrm>
+            <a:off x="6830975" y="3253575"/>
+            <a:ext cx="976848" cy="1013850"/>
+          </a:xfrm>
+          <a:prstGeom prst="rect">
+            <a:avLst/>
+          </a:prstGeom>
+          <a:noFill/>
+          <a:ln>
+            <a:noFill/>
+          </a:ln>
+        </p:spPr>
+      </p:pic>
+    </p:spTree>
+  </p:cSld>
+  <p:clrMapOvr>
+    <a:masterClrMapping/>
+  </p:clrMapOvr>
+</p:sld>
+</file>
+
+<file path=ppt/slides/slide75.xml><?xml version="1.0" encoding="utf-8"?>
+<p:sld xmlns:a="http://schemas.openxmlformats.org/drawingml/2006/main" xmlns:r="http://schemas.openxmlformats.org/officeDocument/2006/relationships" xmlns:mc="http://schemas.openxmlformats.org/markup-compatibility/2006" xmlns:mv="urn:schemas-microsoft-com:mac:vml" xmlns:p="http://schemas.openxmlformats.org/presentationml/2006/main" xmlns:c="http://schemas.openxmlformats.org/drawingml/2006/chart" xmlns:dgm="http://schemas.openxmlformats.org/drawingml/2006/diagram" xmlns:o="urn:schemas-microsoft-com:office:office" xmlns:v="urn:schemas-microsoft-com:vml" xmlns:pvml="urn:schemas-microsoft-com:office:powerpoint" xmlns:com="http://schemas.openxmlformats.org/drawingml/2006/compatibility" xmlns:p14="http://schemas.microsoft.com/office/powerpoint/2010/main" xmlns:p15="http://schemas.microsoft.com/office/powerpoint/2012/main" xmlns:ahyp="http://schemas.microsoft.com/office/drawing/2018/hyperlinkcolor">
+  <p:cSld>
+    <p:spTree>
+      <p:nvGrpSpPr>
+        <p:cNvPr id="551" name="Shape 551"/>
+        <p:cNvGrpSpPr/>
+        <p:nvPr/>
+      </p:nvGrpSpPr>
+      <p:grpSpPr>
+        <a:xfrm>
+          <a:off x="0" y="0"/>
+          <a:ext cx="0" cy="0"/>
+          <a:chOff x="0" y="0"/>
+          <a:chExt cx="0" cy="0"/>
+        </a:xfrm>
+      </p:grpSpPr>
+      <p:sp>
+        <p:nvSpPr>
+          <p:cNvPr id="552" name="Google Shape;552;p87"/>
+          <p:cNvSpPr txBox="1"/>
+          <p:nvPr>
+            <p:ph type="title"/>
+          </p:nvPr>
+        </p:nvSpPr>
+        <p:spPr>
+          <a:xfrm>
+            <a:off x="729450" y="1318650"/>
+            <a:ext cx="7688700" cy="535200"/>
+          </a:xfrm>
+          <a:prstGeom prst="rect">
+            <a:avLst/>
+          </a:prstGeom>
+        </p:spPr>
+        <p:txBody>
+          <a:bodyPr anchorCtr="0" anchor="t" bIns="91425" lIns="91425" spcFirstLastPara="1" rIns="91425" wrap="square" tIns="91425">
+            <a:noAutofit/>
+          </a:bodyPr>
+          <a:lstStyle/>
+          <a:p>
+            <a:pPr indent="0" lvl="0" marL="0" rtl="0" algn="l">
+              <a:lnSpc>
+                <a:spcPct val="115000"/>
+              </a:lnSpc>
+              <a:spcBef>
+                <a:spcPts val="1200"/>
+              </a:spcBef>
+              <a:spcAft>
+                <a:spcPts val="0"/>
+              </a:spcAft>
+              <a:buSzPts val="990"/>
+              <a:buNone/>
+            </a:pPr>
+            <a:r>
+              <a:rPr lang="pl"/>
+              <a:t>📝</a:t>
+            </a:r>
+            <a:r>
+              <a:rPr lang="pl" sz="2440">
+                <a:latin typeface="Tahoma"/>
+                <a:ea typeface="Tahoma"/>
+                <a:cs typeface="Tahoma"/>
+                <a:sym typeface="Tahoma"/>
+              </a:rPr>
+              <a:t>Topologia </a:t>
+            </a:r>
+            <a:r>
+              <a:rPr lang="pl" sz="2440">
+                <a:solidFill>
+                  <a:srgbClr val="0B5394"/>
+                </a:solidFill>
+                <a:latin typeface="Tahoma"/>
+                <a:ea typeface="Tahoma"/>
+                <a:cs typeface="Tahoma"/>
+                <a:sym typeface="Tahoma"/>
+              </a:rPr>
+              <a:t>hybrydowa </a:t>
+            </a:r>
+            <a:r>
+              <a:rPr lang="pl" sz="2440">
+                <a:latin typeface="Tahoma"/>
+                <a:ea typeface="Tahoma"/>
+                <a:cs typeface="Tahoma"/>
+                <a:sym typeface="Tahoma"/>
+              </a:rPr>
+              <a:t>(Hybrid Topology)</a:t>
+            </a:r>
+            <a:endParaRPr sz="2440">
+              <a:latin typeface="Tahoma"/>
+              <a:ea typeface="Tahoma"/>
+              <a:cs typeface="Tahoma"/>
+              <a:sym typeface="Tahoma"/>
+            </a:endParaRPr>
+          </a:p>
+          <a:p>
+            <a:pPr indent="0" lvl="0" marL="0" rtl="0" algn="l">
+              <a:spcBef>
+                <a:spcPts val="1200"/>
+              </a:spcBef>
+              <a:spcAft>
+                <a:spcPts val="0"/>
+              </a:spcAft>
+              <a:buSzPts val="990"/>
+              <a:buNone/>
+            </a:pPr>
+            <a:r>
+              <a:t/>
+            </a:r>
+            <a:endParaRPr sz="2340"/>
+          </a:p>
+        </p:txBody>
+      </p:sp>
+      <p:sp>
+        <p:nvSpPr>
+          <p:cNvPr id="553" name="Google Shape;553;p87"/>
+          <p:cNvSpPr txBox="1"/>
+          <p:nvPr>
+            <p:ph idx="1" type="body"/>
+          </p:nvPr>
+        </p:nvSpPr>
+        <p:spPr>
+          <a:xfrm>
+            <a:off x="729450" y="2078875"/>
+            <a:ext cx="8249400" cy="2261100"/>
+          </a:xfrm>
+          <a:prstGeom prst="rect">
+            <a:avLst/>
+          </a:prstGeom>
+        </p:spPr>
+        <p:txBody>
+          <a:bodyPr anchorCtr="0" anchor="t" bIns="91425" lIns="91425" spcFirstLastPara="1" rIns="91425" wrap="square" tIns="91425">
+            <a:noAutofit/>
+          </a:bodyPr>
+          <a:lstStyle/>
+          <a:p>
+            <a:pPr indent="0" lvl="0" marL="0" rtl="0" algn="l">
+              <a:spcBef>
+                <a:spcPts val="0"/>
+              </a:spcBef>
+              <a:spcAft>
+                <a:spcPts val="0"/>
+              </a:spcAft>
+              <a:buNone/>
+            </a:pPr>
+            <a:r>
+              <a:rPr b="1" lang="pl" sz="1200">
+                <a:solidFill>
+                  <a:srgbClr val="0B5394"/>
+                </a:solidFill>
+                <a:latin typeface="Tahoma"/>
+                <a:ea typeface="Tahoma"/>
+                <a:cs typeface="Tahoma"/>
+                <a:sym typeface="Tahoma"/>
+              </a:rPr>
+              <a:t>Kombinacja różnych topologii (np. gwiazda + magistrala lub gwiazda + pierścień).</a:t>
+            </a:r>
+            <a:endParaRPr b="1" sz="1200">
+              <a:solidFill>
+                <a:srgbClr val="0B5394"/>
+              </a:solidFill>
+              <a:latin typeface="Tahoma"/>
+              <a:ea typeface="Tahoma"/>
+              <a:cs typeface="Tahoma"/>
+              <a:sym typeface="Tahoma"/>
+            </a:endParaRPr>
+          </a:p>
+          <a:p>
+            <a:pPr indent="0" lvl="0" marL="0" rtl="0" algn="l">
+              <a:spcBef>
+                <a:spcPts val="1200"/>
+              </a:spcBef>
+              <a:spcAft>
+                <a:spcPts val="0"/>
+              </a:spcAft>
+              <a:buNone/>
+            </a:pPr>
+            <a:r>
+              <a:rPr b="1" lang="pl" sz="1200">
+                <a:solidFill>
+                  <a:srgbClr val="000000"/>
+                </a:solidFill>
+                <a:latin typeface="Tahoma"/>
+                <a:ea typeface="Tahoma"/>
+                <a:cs typeface="Tahoma"/>
+                <a:sym typeface="Tahoma"/>
+              </a:rPr>
+              <a:t>Jak działa</a:t>
+            </a:r>
+            <a:r>
+              <a:rPr lang="pl" sz="1200">
+                <a:solidFill>
+                  <a:srgbClr val="000000"/>
+                </a:solidFill>
+                <a:latin typeface="Tahoma"/>
+                <a:ea typeface="Tahoma"/>
+                <a:cs typeface="Tahoma"/>
+                <a:sym typeface="Tahoma"/>
+              </a:rPr>
+              <a:t>: Łączy zalety różnych topologii w zależności od potrzeb.</a:t>
+            </a:r>
+            <a:endParaRPr sz="1200">
+              <a:solidFill>
+                <a:srgbClr val="000000"/>
+              </a:solidFill>
+              <a:latin typeface="Tahoma"/>
+              <a:ea typeface="Tahoma"/>
+              <a:cs typeface="Tahoma"/>
+              <a:sym typeface="Tahoma"/>
+            </a:endParaRPr>
+          </a:p>
+          <a:p>
+            <a:pPr indent="0" lvl="0" marL="0" rtl="0" algn="l">
+              <a:spcBef>
+                <a:spcPts val="1200"/>
+              </a:spcBef>
+              <a:spcAft>
+                <a:spcPts val="0"/>
+              </a:spcAft>
+              <a:buNone/>
+            </a:pPr>
+            <a:r>
+              <a:rPr b="1" lang="pl" sz="1200">
+                <a:solidFill>
+                  <a:srgbClr val="000000"/>
+                </a:solidFill>
+                <a:latin typeface="Tahoma"/>
+                <a:ea typeface="Tahoma"/>
+                <a:cs typeface="Tahoma"/>
+                <a:sym typeface="Tahoma"/>
+              </a:rPr>
+              <a:t>Zalety</a:t>
+            </a:r>
+            <a:r>
+              <a:rPr lang="pl" sz="1200">
+                <a:solidFill>
+                  <a:srgbClr val="000000"/>
+                </a:solidFill>
+                <a:latin typeface="Tahoma"/>
+                <a:ea typeface="Tahoma"/>
+                <a:cs typeface="Tahoma"/>
+                <a:sym typeface="Tahoma"/>
+              </a:rPr>
+              <a:t>:</a:t>
+            </a:r>
+            <a:endParaRPr sz="1200">
+              <a:solidFill>
+                <a:srgbClr val="000000"/>
+              </a:solidFill>
+              <a:latin typeface="Tahoma"/>
+              <a:ea typeface="Tahoma"/>
+              <a:cs typeface="Tahoma"/>
+              <a:sym typeface="Tahoma"/>
+            </a:endParaRPr>
+          </a:p>
+          <a:p>
+            <a:pPr indent="-304800" lvl="0" marL="457200" rtl="0" algn="l">
+              <a:spcBef>
+                <a:spcPts val="1200"/>
+              </a:spcBef>
+              <a:spcAft>
+                <a:spcPts val="0"/>
+              </a:spcAft>
+              <a:buClr>
+                <a:srgbClr val="000000"/>
+              </a:buClr>
+              <a:buSzPts val="1200"/>
+              <a:buFont typeface="Tahoma"/>
+              <a:buChar char="●"/>
+            </a:pPr>
+            <a:r>
+              <a:rPr lang="pl" sz="1200">
+                <a:solidFill>
+                  <a:srgbClr val="000000"/>
+                </a:solidFill>
+                <a:latin typeface="Tahoma"/>
+                <a:ea typeface="Tahoma"/>
+                <a:cs typeface="Tahoma"/>
+                <a:sym typeface="Tahoma"/>
+              </a:rPr>
+              <a:t>Elastyczność – dostosowana do specyficznych wymagań.</a:t>
+            </a:r>
+            <a:endParaRPr sz="1200">
+              <a:solidFill>
+                <a:srgbClr val="000000"/>
+              </a:solidFill>
+              <a:latin typeface="Tahoma"/>
+              <a:ea typeface="Tahoma"/>
+              <a:cs typeface="Tahoma"/>
+              <a:sym typeface="Tahoma"/>
+            </a:endParaRPr>
+          </a:p>
+          <a:p>
+            <a:pPr indent="-304800" lvl="0" marL="457200" rtl="0" algn="l">
+              <a:spcBef>
+                <a:spcPts val="0"/>
+              </a:spcBef>
+              <a:spcAft>
+                <a:spcPts val="0"/>
+              </a:spcAft>
+              <a:buClr>
+                <a:srgbClr val="000000"/>
+              </a:buClr>
+              <a:buSzPts val="1200"/>
+              <a:buFont typeface="Tahoma"/>
+              <a:buChar char="●"/>
+            </a:pPr>
+            <a:r>
+              <a:rPr lang="pl" sz="1200">
+                <a:solidFill>
+                  <a:srgbClr val="000000"/>
+                </a:solidFill>
+                <a:latin typeface="Tahoma"/>
+                <a:ea typeface="Tahoma"/>
+                <a:cs typeface="Tahoma"/>
+                <a:sym typeface="Tahoma"/>
+              </a:rPr>
+              <a:t>Możliwość optymalizacji kosztów i niezawodności.</a:t>
+            </a:r>
+            <a:endParaRPr sz="1200">
+              <a:solidFill>
+                <a:srgbClr val="000000"/>
+              </a:solidFill>
+              <a:latin typeface="Tahoma"/>
+              <a:ea typeface="Tahoma"/>
+              <a:cs typeface="Tahoma"/>
+              <a:sym typeface="Tahoma"/>
+            </a:endParaRPr>
+          </a:p>
+          <a:p>
+            <a:pPr indent="0" lvl="0" marL="0" rtl="0" algn="l">
+              <a:spcBef>
+                <a:spcPts val="1200"/>
+              </a:spcBef>
+              <a:spcAft>
+                <a:spcPts val="0"/>
+              </a:spcAft>
+              <a:buNone/>
+            </a:pPr>
+            <a:r>
+              <a:rPr b="1" lang="pl" sz="1200">
+                <a:solidFill>
+                  <a:srgbClr val="000000"/>
+                </a:solidFill>
+                <a:latin typeface="Tahoma"/>
+                <a:ea typeface="Tahoma"/>
+                <a:cs typeface="Tahoma"/>
+                <a:sym typeface="Tahoma"/>
+              </a:rPr>
+              <a:t>Wady</a:t>
+            </a:r>
+            <a:r>
+              <a:rPr lang="pl" sz="1200">
+                <a:solidFill>
+                  <a:srgbClr val="000000"/>
+                </a:solidFill>
+                <a:latin typeface="Tahoma"/>
+                <a:ea typeface="Tahoma"/>
+                <a:cs typeface="Tahoma"/>
+                <a:sym typeface="Tahoma"/>
+              </a:rPr>
+              <a:t>:</a:t>
+            </a:r>
+            <a:endParaRPr sz="1200">
+              <a:solidFill>
+                <a:srgbClr val="000000"/>
+              </a:solidFill>
+              <a:latin typeface="Tahoma"/>
+              <a:ea typeface="Tahoma"/>
+              <a:cs typeface="Tahoma"/>
+              <a:sym typeface="Tahoma"/>
+            </a:endParaRPr>
+          </a:p>
+          <a:p>
+            <a:pPr indent="-304800" lvl="0" marL="457200" rtl="0" algn="l">
+              <a:spcBef>
+                <a:spcPts val="1200"/>
+              </a:spcBef>
+              <a:spcAft>
+                <a:spcPts val="0"/>
+              </a:spcAft>
+              <a:buClr>
+                <a:srgbClr val="000000"/>
+              </a:buClr>
+              <a:buSzPts val="1200"/>
+              <a:buFont typeface="Tahoma"/>
+              <a:buChar char="●"/>
+            </a:pPr>
+            <a:r>
+              <a:rPr lang="pl" sz="1200">
+                <a:solidFill>
+                  <a:srgbClr val="000000"/>
+                </a:solidFill>
+                <a:latin typeface="Tahoma"/>
+                <a:ea typeface="Tahoma"/>
+                <a:cs typeface="Tahoma"/>
+                <a:sym typeface="Tahoma"/>
+              </a:rPr>
+              <a:t>Złożona w konfiguracji i zarządzaniu.</a:t>
+            </a:r>
+            <a:endParaRPr sz="1200">
+              <a:solidFill>
+                <a:srgbClr val="000000"/>
+              </a:solidFill>
+              <a:latin typeface="Tahoma"/>
+              <a:ea typeface="Tahoma"/>
+              <a:cs typeface="Tahoma"/>
+              <a:sym typeface="Tahoma"/>
+            </a:endParaRPr>
+          </a:p>
+          <a:p>
+            <a:pPr indent="-304800" lvl="0" marL="457200" rtl="0" algn="l">
+              <a:spcBef>
+                <a:spcPts val="0"/>
+              </a:spcBef>
+              <a:spcAft>
+                <a:spcPts val="0"/>
+              </a:spcAft>
+              <a:buClr>
+                <a:srgbClr val="000000"/>
+              </a:buClr>
+              <a:buSzPts val="1200"/>
+              <a:buFont typeface="Tahoma"/>
+              <a:buChar char="●"/>
+            </a:pPr>
+            <a:r>
+              <a:rPr lang="pl" sz="1200">
+                <a:solidFill>
+                  <a:srgbClr val="000000"/>
+                </a:solidFill>
+                <a:latin typeface="Tahoma"/>
+                <a:ea typeface="Tahoma"/>
+                <a:cs typeface="Tahoma"/>
+                <a:sym typeface="Tahoma"/>
+              </a:rPr>
+              <a:t>Trudniejsza diagnostyka błędów.</a:t>
+            </a:r>
+            <a:endParaRPr sz="1200">
+              <a:solidFill>
+                <a:srgbClr val="000000"/>
+              </a:solidFill>
+              <a:latin typeface="Tahoma"/>
+              <a:ea typeface="Tahoma"/>
+              <a:cs typeface="Tahoma"/>
+              <a:sym typeface="Tahoma"/>
+            </a:endParaRPr>
+          </a:p>
+          <a:p>
+            <a:pPr indent="0" lvl="0" marL="0" rtl="0" algn="l">
+              <a:spcBef>
+                <a:spcPts val="1200"/>
+              </a:spcBef>
+              <a:spcAft>
+                <a:spcPts val="0"/>
+              </a:spcAft>
+              <a:buNone/>
+            </a:pPr>
+            <a:r>
+              <a:rPr b="1" lang="pl" sz="1200">
+                <a:solidFill>
+                  <a:srgbClr val="000000"/>
+                </a:solidFill>
+                <a:latin typeface="Tahoma"/>
+                <a:ea typeface="Tahoma"/>
+                <a:cs typeface="Tahoma"/>
+                <a:sym typeface="Tahoma"/>
+              </a:rPr>
+              <a:t>Zastosowanie</a:t>
+            </a:r>
+            <a:r>
+              <a:rPr lang="pl" sz="1200">
+                <a:solidFill>
+                  <a:srgbClr val="000000"/>
+                </a:solidFill>
+                <a:latin typeface="Tahoma"/>
+                <a:ea typeface="Tahoma"/>
+                <a:cs typeface="Tahoma"/>
+                <a:sym typeface="Tahoma"/>
+              </a:rPr>
+              <a:t>: Średnie i duże organizacje, np. biblioteka z centralnym serwerem i różnymi topologiami w oddziałach.</a:t>
+            </a:r>
+            <a:endParaRPr sz="1200">
+              <a:latin typeface="Tahoma"/>
+              <a:ea typeface="Tahoma"/>
+              <a:cs typeface="Tahoma"/>
+              <a:sym typeface="Tahoma"/>
+            </a:endParaRPr>
+          </a:p>
+        </p:txBody>
+      </p:sp>
+      <p:pic>
+        <p:nvPicPr>
+          <p:cNvPr id="554" name="Google Shape;554;p87"/>
+          <p:cNvPicPr preferRelativeResize="0"/>
+          <p:nvPr/>
+        </p:nvPicPr>
+        <p:blipFill>
+          <a:blip r:embed="rId3">
+            <a:alphaModFix/>
+          </a:blip>
+          <a:stretch>
+            <a:fillRect/>
+          </a:stretch>
+        </p:blipFill>
+        <p:spPr>
+          <a:xfrm>
+            <a:off x="6648338" y="2616275"/>
+            <a:ext cx="1628775" cy="1771650"/>
           </a:xfrm>
           <a:prstGeom prst="rect">
             <a:avLst/>
@@ -36471,6 +41620,285 @@
 </file>
 
 <file path=ppt/theme/theme1.xml><?xml version="1.0" encoding="utf-8"?>
+<a:theme xmlns:a="http://schemas.openxmlformats.org/drawingml/2006/main" xmlns:r="http://schemas.openxmlformats.org/officeDocument/2006/relationships">
+  <a:themeElements>
+    <a:clrScheme name="Default">
+      <a:dk1>
+        <a:srgbClr val="000000"/>
+      </a:dk1>
+      <a:lt1>
+        <a:srgbClr val="FFFFFF"/>
+      </a:lt1>
+      <a:dk2>
+        <a:srgbClr val="158158"/>
+      </a:dk2>
+      <a:lt2>
+        <a:srgbClr val="F3F3F3"/>
+      </a:lt2>
+      <a:accent1>
+        <a:srgbClr val="058DC7"/>
+      </a:accent1>
+      <a:accent2>
+        <a:srgbClr val="50B432"/>
+      </a:accent2>
+      <a:accent3>
+        <a:srgbClr val="ED561B"/>
+      </a:accent3>
+      <a:accent4>
+        <a:srgbClr val="EDEF00"/>
+      </a:accent4>
+      <a:accent5>
+        <a:srgbClr val="24CBE5"/>
+      </a:accent5>
+      <a:accent6>
+        <a:srgbClr val="64E572"/>
+      </a:accent6>
+      <a:hlink>
+        <a:srgbClr val="2200CC"/>
+      </a:hlink>
+      <a:folHlink>
+        <a:srgbClr val="551A8B"/>
+      </a:folHlink>
+    </a:clrScheme>
+    <a:fontScheme name="Office">
+      <a:majorFont>
+        <a:latin typeface="Arial"/>
+        <a:ea typeface=""/>
+        <a:cs typeface=""/>
+        <a:font script="Jpan" typeface="ＭＳ Ｐゴシック"/>
+        <a:font script="Hang" typeface="맑은 고딕"/>
+        <a:font script="Hans" typeface="宋体"/>
+        <a:font script="Hant" typeface="新細明體"/>
+        <a:font script="Arab" typeface="Times New Roman"/>
+        <a:font script="Hebr" typeface="Times New Roman"/>
+        <a:font script="Thai" typeface="Angsana New"/>
+        <a:font script="Ethi" typeface="Nyala"/>
+        <a:font script="Beng" typeface="Vrinda"/>
+        <a:font script="Gujr" typeface="Shruti"/>
+        <a:font script="Khmr" typeface="MoolBoran"/>
+        <a:font script="Knda" typeface="Tunga"/>
+        <a:font script="Guru" typeface="Raavi"/>
+        <a:font script="Cans" typeface="Euphemia"/>
+        <a:font script="Cher" typeface="Plantagenet Cherokee"/>
+        <a:font script="Yiii" typeface="Microsoft Yi Baiti"/>
+        <a:font script="Tibt" typeface="Microsoft Himalaya"/>
+        <a:font script="Thaa" typeface="MV Boli"/>
+        <a:font script="Deva" typeface="Mangal"/>
+        <a:font script="Telu" typeface="Gautami"/>
+        <a:font script="Taml" typeface="Latha"/>
+        <a:font script="Syrc" typeface="Estrangelo Edessa"/>
+        <a:font script="Orya" typeface="Kalinga"/>
+        <a:font script="Mlym" typeface="Kartika"/>
+        <a:font script="Laoo" typeface="DokChampa"/>
+        <a:font script="Sinh" typeface="Iskoola Pota"/>
+        <a:font script="Mong" typeface="Mongolian Baiti"/>
+        <a:font script="Viet" typeface="Times New Roman"/>
+        <a:font script="Uigh" typeface="Microsoft Uighur"/>
+        <a:font script="Geor" typeface="Sylfaen"/>
+      </a:majorFont>
+      <a:minorFont>
+        <a:latin typeface="Arial"/>
+        <a:ea typeface=""/>
+        <a:cs typeface=""/>
+        <a:font script="Jpan" typeface="ＭＳ Ｐゴシック"/>
+        <a:font script="Hang" typeface="맑은 고딕"/>
+        <a:font script="Hans" typeface="宋体"/>
+        <a:font script="Hant" typeface="新細明體"/>
+        <a:font script="Arab" typeface="Arial"/>
+        <a:font script="Hebr" typeface="Arial"/>
+        <a:font script="Thai" typeface="Cordia New"/>
+        <a:font script="Ethi" typeface="Nyala"/>
+        <a:font script="Beng" typeface="Vrinda"/>
+        <a:font script="Gujr" typeface="Shruti"/>
+        <a:font script="Khmr" typeface="DaunPenh"/>
+        <a:font script="Knda" typeface="Tunga"/>
+        <a:font script="Guru" typeface="Raavi"/>
+        <a:font script="Cans" typeface="Euphemia"/>
+        <a:font script="Cher" typeface="Plantagenet Cherokee"/>
+        <a:font script="Yiii" typeface="Microsoft Yi Baiti"/>
+        <a:font script="Tibt" typeface="Microsoft Himalaya"/>
+        <a:font script="Thaa" typeface="MV Boli"/>
+        <a:font script="Deva" typeface="Mangal"/>
+        <a:font script="Telu" typeface="Gautami"/>
+        <a:font script="Taml" typeface="Latha"/>
+        <a:font script="Syrc" typeface="Estrangelo Edessa"/>
+        <a:font script="Orya" typeface="Kalinga"/>
+        <a:font script="Mlym" typeface="Kartika"/>
+        <a:font script="Laoo" typeface="DokChampa"/>
+        <a:font script="Sinh" typeface="Iskoola Pota"/>
+        <a:font script="Mong" typeface="Mongolian Baiti"/>
+        <a:font script="Viet" typeface="Arial"/>
+        <a:font script="Uigh" typeface="Microsoft Uighur"/>
+        <a:font script="Geor" typeface="Sylfaen"/>
+      </a:minorFont>
+    </a:fontScheme>
+    <a:fmtScheme name="Office">
+      <a:fillStyleLst>
+        <a:solidFill>
+          <a:schemeClr val="phClr"/>
+        </a:solidFill>
+        <a:gradFill rotWithShape="1">
+          <a:gsLst>
+            <a:gs pos="0">
+              <a:schemeClr val="phClr">
+                <a:tint val="50000"/>
+                <a:satMod val="300000"/>
+              </a:schemeClr>
+            </a:gs>
+            <a:gs pos="35000">
+              <a:schemeClr val="phClr">
+                <a:tint val="37000"/>
+                <a:satMod val="300000"/>
+              </a:schemeClr>
+            </a:gs>
+            <a:gs pos="100000">
+              <a:schemeClr val="phClr">
+                <a:tint val="15000"/>
+                <a:satMod val="350000"/>
+              </a:schemeClr>
+            </a:gs>
+          </a:gsLst>
+          <a:lin ang="16200000" scaled="1"/>
+        </a:gradFill>
+        <a:gradFill rotWithShape="1">
+          <a:gsLst>
+            <a:gs pos="0">
+              <a:schemeClr val="phClr">
+                <a:tint val="100000"/>
+                <a:shade val="100000"/>
+                <a:satMod val="130000"/>
+              </a:schemeClr>
+            </a:gs>
+            <a:gs pos="100000">
+              <a:schemeClr val="phClr">
+                <a:tint val="50000"/>
+                <a:shade val="100000"/>
+                <a:satMod val="350000"/>
+              </a:schemeClr>
+            </a:gs>
+          </a:gsLst>
+          <a:lin ang="16200000" scaled="0"/>
+        </a:gradFill>
+      </a:fillStyleLst>
+      <a:lnStyleLst>
+        <a:ln w="9525" cap="flat" cmpd="sng" algn="ctr">
+          <a:solidFill>
+            <a:schemeClr val="phClr">
+              <a:shade val="95000"/>
+              <a:satMod val="105000"/>
+            </a:schemeClr>
+          </a:solidFill>
+          <a:prstDash val="solid"/>
+        </a:ln>
+        <a:ln w="25400" cap="flat" cmpd="sng" algn="ctr">
+          <a:solidFill>
+            <a:schemeClr val="phClr"/>
+          </a:solidFill>
+          <a:prstDash val="solid"/>
+        </a:ln>
+        <a:ln w="38100" cap="flat" cmpd="sng" algn="ctr">
+          <a:solidFill>
+            <a:schemeClr val="phClr"/>
+          </a:solidFill>
+          <a:prstDash val="solid"/>
+        </a:ln>
+      </a:lnStyleLst>
+      <a:effectStyleLst>
+        <a:effectStyle>
+          <a:effectLst>
+            <a:outerShdw blurRad="40000" dist="20000" dir="5400000" rotWithShape="0">
+              <a:srgbClr val="000000">
+                <a:alpha val="38000"/>
+              </a:srgbClr>
+            </a:outerShdw>
+          </a:effectLst>
+        </a:effectStyle>
+        <a:effectStyle>
+          <a:effectLst>
+            <a:outerShdw blurRad="40000" dist="23000" dir="5400000" rotWithShape="0">
+              <a:srgbClr val="000000">
+                <a:alpha val="35000"/>
+              </a:srgbClr>
+            </a:outerShdw>
+          </a:effectLst>
+        </a:effectStyle>
+        <a:effectStyle>
+          <a:effectLst>
+            <a:outerShdw blurRad="40000" dist="23000" dir="5400000" rotWithShape="0">
+              <a:srgbClr val="000000">
+                <a:alpha val="35000"/>
+              </a:srgbClr>
+            </a:outerShdw>
+          </a:effectLst>
+          <a:scene3d>
+            <a:camera prst="orthographicFront">
+              <a:rot lat="0" lon="0" rev="0"/>
+            </a:camera>
+            <a:lightRig rig="threePt" dir="t">
+              <a:rot lat="0" lon="0" rev="1200000"/>
+            </a:lightRig>
+          </a:scene3d>
+          <a:sp3d>
+            <a:bevelT w="63500" h="25400"/>
+          </a:sp3d>
+        </a:effectStyle>
+      </a:effectStyleLst>
+      <a:bgFillStyleLst>
+        <a:solidFill>
+          <a:schemeClr val="phClr"/>
+        </a:solidFill>
+        <a:gradFill rotWithShape="1">
+          <a:gsLst>
+            <a:gs pos="0">
+              <a:schemeClr val="phClr">
+                <a:tint val="40000"/>
+                <a:satMod val="350000"/>
+              </a:schemeClr>
+            </a:gs>
+            <a:gs pos="40000">
+              <a:schemeClr val="phClr">
+                <a:tint val="45000"/>
+                <a:shade val="99000"/>
+                <a:satMod val="350000"/>
+              </a:schemeClr>
+            </a:gs>
+            <a:gs pos="100000">
+              <a:schemeClr val="phClr">
+                <a:shade val="20000"/>
+                <a:satMod val="255000"/>
+              </a:schemeClr>
+            </a:gs>
+          </a:gsLst>
+          <a:path path="circle">
+            <a:fillToRect l="50000" t="-80000" r="50000" b="180000"/>
+          </a:path>
+        </a:gradFill>
+        <a:gradFill rotWithShape="1">
+          <a:gsLst>
+            <a:gs pos="0">
+              <a:schemeClr val="phClr">
+                <a:tint val="80000"/>
+                <a:satMod val="300000"/>
+              </a:schemeClr>
+            </a:gs>
+            <a:gs pos="100000">
+              <a:schemeClr val="phClr">
+                <a:shade val="30000"/>
+                <a:satMod val="200000"/>
+              </a:schemeClr>
+            </a:gs>
+          </a:gsLst>
+          <a:path path="circle">
+            <a:fillToRect l="50000" t="50000" r="50000" b="50000"/>
+          </a:path>
+        </a:gradFill>
+      </a:bgFillStyleLst>
+    </a:fmtScheme>
+  </a:themeElements>
+</a:theme>
+</file>
+
+<file path=ppt/theme/theme2.xml><?xml version="1.0" encoding="utf-8"?>
 <a:theme xmlns:a="http://schemas.openxmlformats.org/drawingml/2006/main" xmlns:r="http://schemas.openxmlformats.org/officeDocument/2006/relationships" name="Streamline">
   <a:themeElements>
     <a:clrScheme name="Streamline">
@@ -36747,283 +42175,4 @@
     </a:fmtScheme>
   </a:themeElements>
 </a:theme>
-</file>
-
-<file path=ppt/theme/theme2.xml><?xml version="1.0" encoding="utf-8"?>
-<a:theme xmlns:a="http://schemas.openxmlformats.org/drawingml/2006/main" xmlns:r="http://schemas.openxmlformats.org/officeDocument/2006/relationships">
-  <a:themeElements>
-    <a:clrScheme name="Default">
-      <a:dk1>
-        <a:srgbClr val="000000"/>
-      </a:dk1>
-      <a:lt1>
-        <a:srgbClr val="FFFFFF"/>
-      </a:lt1>
-      <a:dk2>
-        <a:srgbClr val="158158"/>
-      </a:dk2>
-      <a:lt2>
-        <a:srgbClr val="F3F3F3"/>
-      </a:lt2>
-      <a:accent1>
-        <a:srgbClr val="058DC7"/>
-      </a:accent1>
-      <a:accent2>
-        <a:srgbClr val="50B432"/>
-      </a:accent2>
-      <a:accent3>
-        <a:srgbClr val="ED561B"/>
-      </a:accent3>
-      <a:accent4>
-        <a:srgbClr val="EDEF00"/>
-      </a:accent4>
-      <a:accent5>
-        <a:srgbClr val="24CBE5"/>
-      </a:accent5>
-      <a:accent6>
-        <a:srgbClr val="64E572"/>
-      </a:accent6>
-      <a:hlink>
-        <a:srgbClr val="2200CC"/>
-      </a:hlink>
-      <a:folHlink>
-        <a:srgbClr val="551A8B"/>
-      </a:folHlink>
-    </a:clrScheme>
-    <a:fontScheme name="Office">
-      <a:majorFont>
-        <a:latin typeface="Arial"/>
-        <a:ea typeface=""/>
-        <a:cs typeface=""/>
-        <a:font script="Jpan" typeface="ＭＳ Ｐゴシック"/>
-        <a:font script="Hang" typeface="맑은 고딕"/>
-        <a:font script="Hans" typeface="宋体"/>
-        <a:font script="Hant" typeface="新細明體"/>
-        <a:font script="Arab" typeface="Times New Roman"/>
-        <a:font script="Hebr" typeface="Times New Roman"/>
-        <a:font script="Thai" typeface="Angsana New"/>
-        <a:font script="Ethi" typeface="Nyala"/>
-        <a:font script="Beng" typeface="Vrinda"/>
-        <a:font script="Gujr" typeface="Shruti"/>
-        <a:font script="Khmr" typeface="MoolBoran"/>
-        <a:font script="Knda" typeface="Tunga"/>
-        <a:font script="Guru" typeface="Raavi"/>
-        <a:font script="Cans" typeface="Euphemia"/>
-        <a:font script="Cher" typeface="Plantagenet Cherokee"/>
-        <a:font script="Yiii" typeface="Microsoft Yi Baiti"/>
-        <a:font script="Tibt" typeface="Microsoft Himalaya"/>
-        <a:font script="Thaa" typeface="MV Boli"/>
-        <a:font script="Deva" typeface="Mangal"/>
-        <a:font script="Telu" typeface="Gautami"/>
-        <a:font script="Taml" typeface="Latha"/>
-        <a:font script="Syrc" typeface="Estrangelo Edessa"/>
-        <a:font script="Orya" typeface="Kalinga"/>
-        <a:font script="Mlym" typeface="Kartika"/>
-        <a:font script="Laoo" typeface="DokChampa"/>
-        <a:font script="Sinh" typeface="Iskoola Pota"/>
-        <a:font script="Mong" typeface="Mongolian Baiti"/>
-        <a:font script="Viet" typeface="Times New Roman"/>
-        <a:font script="Uigh" typeface="Microsoft Uighur"/>
-        <a:font script="Geor" typeface="Sylfaen"/>
-      </a:majorFont>
-      <a:minorFont>
-        <a:latin typeface="Arial"/>
-        <a:ea typeface=""/>
-        <a:cs typeface=""/>
-        <a:font script="Jpan" typeface="ＭＳ Ｐゴシック"/>
-        <a:font script="Hang" typeface="맑은 고딕"/>
-        <a:font script="Hans" typeface="宋体"/>
-        <a:font script="Hant" typeface="新細明體"/>
-        <a:font script="Arab" typeface="Arial"/>
-        <a:font script="Hebr" typeface="Arial"/>
-        <a:font script="Thai" typeface="Cordia New"/>
-        <a:font script="Ethi" typeface="Nyala"/>
-        <a:font script="Beng" typeface="Vrinda"/>
-        <a:font script="Gujr" typeface="Shruti"/>
-        <a:font script="Khmr" typeface="DaunPenh"/>
-        <a:font script="Knda" typeface="Tunga"/>
-        <a:font script="Guru" typeface="Raavi"/>
-        <a:font script="Cans" typeface="Euphemia"/>
-        <a:font script="Cher" typeface="Plantagenet Cherokee"/>
-        <a:font script="Yiii" typeface="Microsoft Yi Baiti"/>
-        <a:font script="Tibt" typeface="Microsoft Himalaya"/>
-        <a:font script="Thaa" typeface="MV Boli"/>
-        <a:font script="Deva" typeface="Mangal"/>
-        <a:font script="Telu" typeface="Gautami"/>
-        <a:font script="Taml" typeface="Latha"/>
-        <a:font script="Syrc" typeface="Estrangelo Edessa"/>
-        <a:font script="Orya" typeface="Kalinga"/>
-        <a:font script="Mlym" typeface="Kartika"/>
-        <a:font script="Laoo" typeface="DokChampa"/>
-        <a:font script="Sinh" typeface="Iskoola Pota"/>
-        <a:font script="Mong" typeface="Mongolian Baiti"/>
-        <a:font script="Viet" typeface="Arial"/>
-        <a:font script="Uigh" typeface="Microsoft Uighur"/>
-        <a:font script="Geor" typeface="Sylfaen"/>
-      </a:minorFont>
-    </a:fontScheme>
-    <a:fmtScheme name="Office">
-      <a:fillStyleLst>
-        <a:solidFill>
-          <a:schemeClr val="phClr"/>
-        </a:solidFill>
-        <a:gradFill rotWithShape="1">
-          <a:gsLst>
-            <a:gs pos="0">
-              <a:schemeClr val="phClr">
-                <a:tint val="50000"/>
-                <a:satMod val="300000"/>
-              </a:schemeClr>
-            </a:gs>
-            <a:gs pos="35000">
-              <a:schemeClr val="phClr">
-                <a:tint val="37000"/>
-                <a:satMod val="300000"/>
-              </a:schemeClr>
-            </a:gs>
-            <a:gs pos="100000">
-              <a:schemeClr val="phClr">
-                <a:tint val="15000"/>
-                <a:satMod val="350000"/>
-              </a:schemeClr>
-            </a:gs>
-          </a:gsLst>
-          <a:lin ang="16200000" scaled="1"/>
-        </a:gradFill>
-        <a:gradFill rotWithShape="1">
-          <a:gsLst>
-            <a:gs pos="0">
-              <a:schemeClr val="phClr">
-                <a:tint val="100000"/>
-                <a:shade val="100000"/>
-                <a:satMod val="130000"/>
-              </a:schemeClr>
-            </a:gs>
-            <a:gs pos="100000">
-              <a:schemeClr val="phClr">
-                <a:tint val="50000"/>
-                <a:shade val="100000"/>
-                <a:satMod val="350000"/>
-              </a:schemeClr>
-            </a:gs>
-          </a:gsLst>
-          <a:lin ang="16200000" scaled="0"/>
-        </a:gradFill>
-      </a:fillStyleLst>
-      <a:lnStyleLst>
-        <a:ln w="9525" cap="flat" cmpd="sng" algn="ctr">
-          <a:solidFill>
-            <a:schemeClr val="phClr">
-              <a:shade val="95000"/>
-              <a:satMod val="105000"/>
-            </a:schemeClr>
-          </a:solidFill>
-          <a:prstDash val="solid"/>
-        </a:ln>
-        <a:ln w="25400" cap="flat" cmpd="sng" algn="ctr">
-          <a:solidFill>
-            <a:schemeClr val="phClr"/>
-          </a:solidFill>
-          <a:prstDash val="solid"/>
-        </a:ln>
-        <a:ln w="38100" cap="flat" cmpd="sng" algn="ctr">
-          <a:solidFill>
-            <a:schemeClr val="phClr"/>
-          </a:solidFill>
-          <a:prstDash val="solid"/>
-        </a:ln>
-      </a:lnStyleLst>
-      <a:effectStyleLst>
-        <a:effectStyle>
-          <a:effectLst>
-            <a:outerShdw blurRad="40000" dist="20000" dir="5400000" rotWithShape="0">
-              <a:srgbClr val="000000">
-                <a:alpha val="38000"/>
-              </a:srgbClr>
-            </a:outerShdw>
-          </a:effectLst>
-        </a:effectStyle>
-        <a:effectStyle>
-          <a:effectLst>
-            <a:outerShdw blurRad="40000" dist="23000" dir="5400000" rotWithShape="0">
-              <a:srgbClr val="000000">
-                <a:alpha val="35000"/>
-              </a:srgbClr>
-            </a:outerShdw>
-          </a:effectLst>
-        </a:effectStyle>
-        <a:effectStyle>
-          <a:effectLst>
-            <a:outerShdw blurRad="40000" dist="23000" dir="5400000" rotWithShape="0">
-              <a:srgbClr val="000000">
-                <a:alpha val="35000"/>
-              </a:srgbClr>
-            </a:outerShdw>
-          </a:effectLst>
-          <a:scene3d>
-            <a:camera prst="orthographicFront">
-              <a:rot lat="0" lon="0" rev="0"/>
-            </a:camera>
-            <a:lightRig rig="threePt" dir="t">
-              <a:rot lat="0" lon="0" rev="1200000"/>
-            </a:lightRig>
-          </a:scene3d>
-          <a:sp3d>
-            <a:bevelT w="63500" h="25400"/>
-          </a:sp3d>
-        </a:effectStyle>
-      </a:effectStyleLst>
-      <a:bgFillStyleLst>
-        <a:solidFill>
-          <a:schemeClr val="phClr"/>
-        </a:solidFill>
-        <a:gradFill rotWithShape="1">
-          <a:gsLst>
-            <a:gs pos="0">
-              <a:schemeClr val="phClr">
-                <a:tint val="40000"/>
-                <a:satMod val="350000"/>
-              </a:schemeClr>
-            </a:gs>
-            <a:gs pos="40000">
-              <a:schemeClr val="phClr">
-                <a:tint val="45000"/>
-                <a:shade val="99000"/>
-                <a:satMod val="350000"/>
-              </a:schemeClr>
-            </a:gs>
-            <a:gs pos="100000">
-              <a:schemeClr val="phClr">
-                <a:shade val="20000"/>
-                <a:satMod val="255000"/>
-              </a:schemeClr>
-            </a:gs>
-          </a:gsLst>
-          <a:path path="circle">
-            <a:fillToRect l="50000" t="-80000" r="50000" b="180000"/>
-          </a:path>
-        </a:gradFill>
-        <a:gradFill rotWithShape="1">
-          <a:gsLst>
-            <a:gs pos="0">
-              <a:schemeClr val="phClr">
-                <a:tint val="80000"/>
-                <a:satMod val="300000"/>
-              </a:schemeClr>
-            </a:gs>
-            <a:gs pos="100000">
-              <a:schemeClr val="phClr">
-                <a:shade val="30000"/>
-                <a:satMod val="200000"/>
-              </a:schemeClr>
-            </a:gs>
-          </a:gsLst>
-          <a:path path="circle">
-            <a:fillToRect l="50000" t="50000" r="50000" b="50000"/>
-          </a:path>
-        </a:gradFill>
-      </a:bgFillStyleLst>
-    </a:fmtScheme>
-  </a:themeElements>
-</a:theme>
 </file>
--- a/ZASTOSOWANIE_INFORMATYKI/1A-gr_2/Zastosowanie informatyki - 1A gr. 2.pptx
+++ b/ZASTOSOWANIE_INFORMATYKI/1A-gr_2/Zastosowanie informatyki - 1A gr. 2.pptx
@@ -83,35 +83,40 @@
     <p:sldId id="328" r:id="rId79"/>
     <p:sldId id="329" r:id="rId80"/>
     <p:sldId id="330" r:id="rId81"/>
+    <p:sldId id="331" r:id="rId82"/>
+    <p:sldId id="332" r:id="rId83"/>
+    <p:sldId id="333" r:id="rId84"/>
+    <p:sldId id="334" r:id="rId85"/>
+    <p:sldId id="335" r:id="rId86"/>
   </p:sldIdLst>
   <p:sldSz cy="5143500" cx="9144000"/>
   <p:notesSz cx="6858000" cy="9144000"/>
   <p:embeddedFontLst>
     <p:embeddedFont>
       <p:font typeface="Raleway"/>
-      <p:regular r:id="rId82"/>
-      <p:bold r:id="rId83"/>
-      <p:italic r:id="rId84"/>
-      <p:boldItalic r:id="rId85"/>
+      <p:regular r:id="rId87"/>
+      <p:bold r:id="rId88"/>
+      <p:italic r:id="rId89"/>
+      <p:boldItalic r:id="rId90"/>
     </p:embeddedFont>
     <p:embeddedFont>
       <p:font typeface="Roboto"/>
-      <p:regular r:id="rId86"/>
-      <p:bold r:id="rId87"/>
-      <p:italic r:id="rId88"/>
-      <p:boldItalic r:id="rId89"/>
+      <p:regular r:id="rId91"/>
+      <p:bold r:id="rId92"/>
+      <p:italic r:id="rId93"/>
+      <p:boldItalic r:id="rId94"/>
     </p:embeddedFont>
     <p:embeddedFont>
       <p:font typeface="Lato"/>
-      <p:regular r:id="rId90"/>
-      <p:bold r:id="rId91"/>
-      <p:italic r:id="rId92"/>
-      <p:boldItalic r:id="rId93"/>
+      <p:regular r:id="rId95"/>
+      <p:bold r:id="rId96"/>
+      <p:italic r:id="rId97"/>
+      <p:boldItalic r:id="rId98"/>
     </p:embeddedFont>
     <p:embeddedFont>
       <p:font typeface="Tahoma"/>
-      <p:regular r:id="rId94"/>
-      <p:bold r:id="rId95"/>
+      <p:regular r:id="rId99"/>
+      <p:bold r:id="rId100"/>
     </p:embeddedFont>
   </p:embeddedFontLst>
   <p:defaultTextStyle>
@@ -8015,6 +8020,402 @@
 </p:notes>
 </file>
 
+<file path=ppt/notesSlides/notesSlide76.xml><?xml version="1.0" encoding="utf-8"?>
+<p:notes xmlns:a="http://schemas.openxmlformats.org/drawingml/2006/main" xmlns:r="http://schemas.openxmlformats.org/officeDocument/2006/relationships" xmlns:mc="http://schemas.openxmlformats.org/markup-compatibility/2006" xmlns:mv="urn:schemas-microsoft-com:mac:vml" xmlns:p="http://schemas.openxmlformats.org/presentationml/2006/main" xmlns:c="http://schemas.openxmlformats.org/drawingml/2006/chart" xmlns:dgm="http://schemas.openxmlformats.org/drawingml/2006/diagram" xmlns:o="urn:schemas-microsoft-com:office:office" xmlns:v="urn:schemas-microsoft-com:vml" xmlns:pvml="urn:schemas-microsoft-com:office:powerpoint" xmlns:com="http://schemas.openxmlformats.org/drawingml/2006/compatibility" xmlns:p14="http://schemas.microsoft.com/office/powerpoint/2010/main" xmlns:p15="http://schemas.microsoft.com/office/powerpoint/2012/main" xmlns:ahyp="http://schemas.microsoft.com/office/drawing/2018/hyperlinkcolor" showMasterPhAnim="0" showMasterSp="0">
+  <p:cSld>
+    <p:spTree>
+      <p:nvGrpSpPr>
+        <p:cNvPr id="555" name="Shape 555"/>
+        <p:cNvGrpSpPr/>
+        <p:nvPr/>
+      </p:nvGrpSpPr>
+      <p:grpSpPr>
+        <a:xfrm>
+          <a:off x="0" y="0"/>
+          <a:ext cx="0" cy="0"/>
+          <a:chOff x="0" y="0"/>
+          <a:chExt cx="0" cy="0"/>
+        </a:xfrm>
+      </p:grpSpPr>
+      <p:sp>
+        <p:nvSpPr>
+          <p:cNvPr id="556" name="Google Shape;556;g366736dc852_0_0:notes"/>
+          <p:cNvSpPr/>
+          <p:nvPr>
+            <p:ph idx="2" type="sldImg"/>
+          </p:nvPr>
+        </p:nvSpPr>
+        <p:spPr>
+          <a:xfrm>
+            <a:off x="381300" y="685800"/>
+            <a:ext cx="6096000" cy="3429000"/>
+          </a:xfrm>
+          <a:custGeom>
+            <a:rect b="b" l="l" r="r" t="t"/>
+            <a:pathLst>
+              <a:path extrusionOk="0" h="120000" w="120000">
+                <a:moveTo>
+                  <a:pt x="0" y="0"/>
+                </a:moveTo>
+                <a:lnTo>
+                  <a:pt x="120000" y="0"/>
+                </a:lnTo>
+                <a:lnTo>
+                  <a:pt x="120000" y="120000"/>
+                </a:lnTo>
+                <a:lnTo>
+                  <a:pt x="0" y="120000"/>
+                </a:lnTo>
+                <a:close/>
+              </a:path>
+            </a:pathLst>
+          </a:custGeom>
+        </p:spPr>
+      </p:sp>
+      <p:sp>
+        <p:nvSpPr>
+          <p:cNvPr id="557" name="Google Shape;557;g366736dc852_0_0:notes"/>
+          <p:cNvSpPr txBox="1"/>
+          <p:nvPr>
+            <p:ph idx="1" type="body"/>
+          </p:nvPr>
+        </p:nvSpPr>
+        <p:spPr>
+          <a:xfrm>
+            <a:off x="685800" y="4343400"/>
+            <a:ext cx="5486400" cy="4114800"/>
+          </a:xfrm>
+          <a:prstGeom prst="rect">
+            <a:avLst/>
+          </a:prstGeom>
+        </p:spPr>
+        <p:txBody>
+          <a:bodyPr anchorCtr="0" anchor="t" bIns="91425" lIns="91425" spcFirstLastPara="1" rIns="91425" wrap="square" tIns="91425">
+            <a:noAutofit/>
+          </a:bodyPr>
+          <a:lstStyle/>
+          <a:p>
+            <a:pPr indent="0" lvl="0" marL="0" rtl="0" algn="l">
+              <a:spcBef>
+                <a:spcPts val="0"/>
+              </a:spcBef>
+              <a:spcAft>
+                <a:spcPts val="0"/>
+              </a:spcAft>
+              <a:buNone/>
+            </a:pPr>
+            <a:r>
+              <a:t/>
+            </a:r>
+            <a:endParaRPr/>
+          </a:p>
+        </p:txBody>
+      </p:sp>
+    </p:spTree>
+  </p:cSld>
+  <p:clrMapOvr>
+    <a:masterClrMapping/>
+  </p:clrMapOvr>
+</p:notes>
+</file>
+
+<file path=ppt/notesSlides/notesSlide77.xml><?xml version="1.0" encoding="utf-8"?>
+<p:notes xmlns:a="http://schemas.openxmlformats.org/drawingml/2006/main" xmlns:r="http://schemas.openxmlformats.org/officeDocument/2006/relationships" xmlns:mc="http://schemas.openxmlformats.org/markup-compatibility/2006" xmlns:mv="urn:schemas-microsoft-com:mac:vml" xmlns:p="http://schemas.openxmlformats.org/presentationml/2006/main" xmlns:c="http://schemas.openxmlformats.org/drawingml/2006/chart" xmlns:dgm="http://schemas.openxmlformats.org/drawingml/2006/diagram" xmlns:o="urn:schemas-microsoft-com:office:office" xmlns:v="urn:schemas-microsoft-com:vml" xmlns:pvml="urn:schemas-microsoft-com:office:powerpoint" xmlns:com="http://schemas.openxmlformats.org/drawingml/2006/compatibility" xmlns:p14="http://schemas.microsoft.com/office/powerpoint/2010/main" xmlns:p15="http://schemas.microsoft.com/office/powerpoint/2012/main" xmlns:ahyp="http://schemas.microsoft.com/office/drawing/2018/hyperlinkcolor" showMasterPhAnim="0" showMasterSp="0">
+  <p:cSld>
+    <p:spTree>
+      <p:nvGrpSpPr>
+        <p:cNvPr id="561" name="Shape 561"/>
+        <p:cNvGrpSpPr/>
+        <p:nvPr/>
+      </p:nvGrpSpPr>
+      <p:grpSpPr>
+        <a:xfrm>
+          <a:off x="0" y="0"/>
+          <a:ext cx="0" cy="0"/>
+          <a:chOff x="0" y="0"/>
+          <a:chExt cx="0" cy="0"/>
+        </a:xfrm>
+      </p:grpSpPr>
+      <p:sp>
+        <p:nvSpPr>
+          <p:cNvPr id="562" name="Google Shape;562;g366736dc852_0_7:notes"/>
+          <p:cNvSpPr/>
+          <p:nvPr>
+            <p:ph idx="2" type="sldImg"/>
+          </p:nvPr>
+        </p:nvSpPr>
+        <p:spPr>
+          <a:xfrm>
+            <a:off x="381300" y="685800"/>
+            <a:ext cx="6096000" cy="3429000"/>
+          </a:xfrm>
+          <a:custGeom>
+            <a:rect b="b" l="l" r="r" t="t"/>
+            <a:pathLst>
+              <a:path extrusionOk="0" h="120000" w="120000">
+                <a:moveTo>
+                  <a:pt x="0" y="0"/>
+                </a:moveTo>
+                <a:lnTo>
+                  <a:pt x="120000" y="0"/>
+                </a:lnTo>
+                <a:lnTo>
+                  <a:pt x="120000" y="120000"/>
+                </a:lnTo>
+                <a:lnTo>
+                  <a:pt x="0" y="120000"/>
+                </a:lnTo>
+                <a:close/>
+              </a:path>
+            </a:pathLst>
+          </a:custGeom>
+        </p:spPr>
+      </p:sp>
+      <p:sp>
+        <p:nvSpPr>
+          <p:cNvPr id="563" name="Google Shape;563;g366736dc852_0_7:notes"/>
+          <p:cNvSpPr txBox="1"/>
+          <p:nvPr>
+            <p:ph idx="1" type="body"/>
+          </p:nvPr>
+        </p:nvSpPr>
+        <p:spPr>
+          <a:xfrm>
+            <a:off x="685800" y="4343400"/>
+            <a:ext cx="5486400" cy="4114800"/>
+          </a:xfrm>
+          <a:prstGeom prst="rect">
+            <a:avLst/>
+          </a:prstGeom>
+        </p:spPr>
+        <p:txBody>
+          <a:bodyPr anchorCtr="0" anchor="t" bIns="91425" lIns="91425" spcFirstLastPara="1" rIns="91425" wrap="square" tIns="91425">
+            <a:noAutofit/>
+          </a:bodyPr>
+          <a:lstStyle/>
+          <a:p>
+            <a:pPr indent="0" lvl="0" marL="0" rtl="0" algn="l">
+              <a:spcBef>
+                <a:spcPts val="0"/>
+              </a:spcBef>
+              <a:spcAft>
+                <a:spcPts val="0"/>
+              </a:spcAft>
+              <a:buNone/>
+            </a:pPr>
+            <a:r>
+              <a:t/>
+            </a:r>
+            <a:endParaRPr/>
+          </a:p>
+        </p:txBody>
+      </p:sp>
+    </p:spTree>
+  </p:cSld>
+  <p:clrMapOvr>
+    <a:masterClrMapping/>
+  </p:clrMapOvr>
+</p:notes>
+</file>
+
+<file path=ppt/notesSlides/notesSlide78.xml><?xml version="1.0" encoding="utf-8"?>
+<p:notes xmlns:a="http://schemas.openxmlformats.org/drawingml/2006/main" xmlns:r="http://schemas.openxmlformats.org/officeDocument/2006/relationships" xmlns:mc="http://schemas.openxmlformats.org/markup-compatibility/2006" xmlns:mv="urn:schemas-microsoft-com:mac:vml" xmlns:p="http://schemas.openxmlformats.org/presentationml/2006/main" xmlns:c="http://schemas.openxmlformats.org/drawingml/2006/chart" xmlns:dgm="http://schemas.openxmlformats.org/drawingml/2006/diagram" xmlns:o="urn:schemas-microsoft-com:office:office" xmlns:v="urn:schemas-microsoft-com:vml" xmlns:pvml="urn:schemas-microsoft-com:office:powerpoint" xmlns:com="http://schemas.openxmlformats.org/drawingml/2006/compatibility" xmlns:p14="http://schemas.microsoft.com/office/powerpoint/2010/main" xmlns:p15="http://schemas.microsoft.com/office/powerpoint/2012/main" xmlns:ahyp="http://schemas.microsoft.com/office/drawing/2018/hyperlinkcolor" showMasterPhAnim="0" showMasterSp="0">
+  <p:cSld>
+    <p:spTree>
+      <p:nvGrpSpPr>
+        <p:cNvPr id="567" name="Shape 567"/>
+        <p:cNvGrpSpPr/>
+        <p:nvPr/>
+      </p:nvGrpSpPr>
+      <p:grpSpPr>
+        <a:xfrm>
+          <a:off x="0" y="0"/>
+          <a:ext cx="0" cy="0"/>
+          <a:chOff x="0" y="0"/>
+          <a:chExt cx="0" cy="0"/>
+        </a:xfrm>
+      </p:grpSpPr>
+      <p:sp>
+        <p:nvSpPr>
+          <p:cNvPr id="568" name="Google Shape;568;g366736dc852_0_14:notes"/>
+          <p:cNvSpPr/>
+          <p:nvPr>
+            <p:ph idx="2" type="sldImg"/>
+          </p:nvPr>
+        </p:nvSpPr>
+        <p:spPr>
+          <a:xfrm>
+            <a:off x="381300" y="685800"/>
+            <a:ext cx="6096000" cy="3429000"/>
+          </a:xfrm>
+          <a:custGeom>
+            <a:rect b="b" l="l" r="r" t="t"/>
+            <a:pathLst>
+              <a:path extrusionOk="0" h="120000" w="120000">
+                <a:moveTo>
+                  <a:pt x="0" y="0"/>
+                </a:moveTo>
+                <a:lnTo>
+                  <a:pt x="120000" y="0"/>
+                </a:lnTo>
+                <a:lnTo>
+                  <a:pt x="120000" y="120000"/>
+                </a:lnTo>
+                <a:lnTo>
+                  <a:pt x="0" y="120000"/>
+                </a:lnTo>
+                <a:close/>
+              </a:path>
+            </a:pathLst>
+          </a:custGeom>
+        </p:spPr>
+      </p:sp>
+      <p:sp>
+        <p:nvSpPr>
+          <p:cNvPr id="569" name="Google Shape;569;g366736dc852_0_14:notes"/>
+          <p:cNvSpPr txBox="1"/>
+          <p:nvPr>
+            <p:ph idx="1" type="body"/>
+          </p:nvPr>
+        </p:nvSpPr>
+        <p:spPr>
+          <a:xfrm>
+            <a:off x="685800" y="4343400"/>
+            <a:ext cx="5486400" cy="4114800"/>
+          </a:xfrm>
+          <a:prstGeom prst="rect">
+            <a:avLst/>
+          </a:prstGeom>
+        </p:spPr>
+        <p:txBody>
+          <a:bodyPr anchorCtr="0" anchor="t" bIns="91425" lIns="91425" spcFirstLastPara="1" rIns="91425" wrap="square" tIns="91425">
+            <a:noAutofit/>
+          </a:bodyPr>
+          <a:lstStyle/>
+          <a:p>
+            <a:pPr indent="0" lvl="0" marL="0" rtl="0" algn="l">
+              <a:spcBef>
+                <a:spcPts val="0"/>
+              </a:spcBef>
+              <a:spcAft>
+                <a:spcPts val="0"/>
+              </a:spcAft>
+              <a:buNone/>
+            </a:pPr>
+            <a:r>
+              <a:t/>
+            </a:r>
+            <a:endParaRPr/>
+          </a:p>
+        </p:txBody>
+      </p:sp>
+    </p:spTree>
+  </p:cSld>
+  <p:clrMapOvr>
+    <a:masterClrMapping/>
+  </p:clrMapOvr>
+</p:notes>
+</file>
+
+<file path=ppt/notesSlides/notesSlide79.xml><?xml version="1.0" encoding="utf-8"?>
+<p:notes xmlns:a="http://schemas.openxmlformats.org/drawingml/2006/main" xmlns:r="http://schemas.openxmlformats.org/officeDocument/2006/relationships" xmlns:mc="http://schemas.openxmlformats.org/markup-compatibility/2006" xmlns:mv="urn:schemas-microsoft-com:mac:vml" xmlns:p="http://schemas.openxmlformats.org/presentationml/2006/main" xmlns:c="http://schemas.openxmlformats.org/drawingml/2006/chart" xmlns:dgm="http://schemas.openxmlformats.org/drawingml/2006/diagram" xmlns:o="urn:schemas-microsoft-com:office:office" xmlns:v="urn:schemas-microsoft-com:vml" xmlns:pvml="urn:schemas-microsoft-com:office:powerpoint" xmlns:com="http://schemas.openxmlformats.org/drawingml/2006/compatibility" xmlns:p14="http://schemas.microsoft.com/office/powerpoint/2010/main" xmlns:p15="http://schemas.microsoft.com/office/powerpoint/2012/main" xmlns:ahyp="http://schemas.microsoft.com/office/drawing/2018/hyperlinkcolor" showMasterPhAnim="0" showMasterSp="0">
+  <p:cSld>
+    <p:spTree>
+      <p:nvGrpSpPr>
+        <p:cNvPr id="573" name="Shape 573"/>
+        <p:cNvGrpSpPr/>
+        <p:nvPr/>
+      </p:nvGrpSpPr>
+      <p:grpSpPr>
+        <a:xfrm>
+          <a:off x="0" y="0"/>
+          <a:ext cx="0" cy="0"/>
+          <a:chOff x="0" y="0"/>
+          <a:chExt cx="0" cy="0"/>
+        </a:xfrm>
+      </p:grpSpPr>
+      <p:sp>
+        <p:nvSpPr>
+          <p:cNvPr id="574" name="Google Shape;574;g366736dc852_0_77:notes"/>
+          <p:cNvSpPr/>
+          <p:nvPr>
+            <p:ph idx="2" type="sldImg"/>
+          </p:nvPr>
+        </p:nvSpPr>
+        <p:spPr>
+          <a:xfrm>
+            <a:off x="381300" y="685800"/>
+            <a:ext cx="6096000" cy="3429000"/>
+          </a:xfrm>
+          <a:custGeom>
+            <a:rect b="b" l="l" r="r" t="t"/>
+            <a:pathLst>
+              <a:path extrusionOk="0" h="120000" w="120000">
+                <a:moveTo>
+                  <a:pt x="0" y="0"/>
+                </a:moveTo>
+                <a:lnTo>
+                  <a:pt x="120000" y="0"/>
+                </a:lnTo>
+                <a:lnTo>
+                  <a:pt x="120000" y="120000"/>
+                </a:lnTo>
+                <a:lnTo>
+                  <a:pt x="0" y="120000"/>
+                </a:lnTo>
+                <a:close/>
+              </a:path>
+            </a:pathLst>
+          </a:custGeom>
+        </p:spPr>
+      </p:sp>
+      <p:sp>
+        <p:nvSpPr>
+          <p:cNvPr id="575" name="Google Shape;575;g366736dc852_0_77:notes"/>
+          <p:cNvSpPr txBox="1"/>
+          <p:nvPr>
+            <p:ph idx="1" type="body"/>
+          </p:nvPr>
+        </p:nvSpPr>
+        <p:spPr>
+          <a:xfrm>
+            <a:off x="685800" y="4343400"/>
+            <a:ext cx="5486400" cy="4114800"/>
+          </a:xfrm>
+          <a:prstGeom prst="rect">
+            <a:avLst/>
+          </a:prstGeom>
+        </p:spPr>
+        <p:txBody>
+          <a:bodyPr anchorCtr="0" anchor="t" bIns="91425" lIns="91425" spcFirstLastPara="1" rIns="91425" wrap="square" tIns="91425">
+            <a:noAutofit/>
+          </a:bodyPr>
+          <a:lstStyle/>
+          <a:p>
+            <a:pPr indent="0" lvl="0" marL="0" rtl="0" algn="l">
+              <a:spcBef>
+                <a:spcPts val="0"/>
+              </a:spcBef>
+              <a:spcAft>
+                <a:spcPts val="0"/>
+              </a:spcAft>
+              <a:buNone/>
+            </a:pPr>
+            <a:r>
+              <a:t/>
+            </a:r>
+            <a:endParaRPr/>
+          </a:p>
+        </p:txBody>
+      </p:sp>
+    </p:spTree>
+  </p:cSld>
+  <p:clrMapOvr>
+    <a:masterClrMapping/>
+  </p:clrMapOvr>
+</p:notes>
+</file>
+
 <file path=ppt/notesSlides/notesSlide8.xml><?xml version="1.0" encoding="utf-8"?>
 <p:notes xmlns:a="http://schemas.openxmlformats.org/drawingml/2006/main" xmlns:r="http://schemas.openxmlformats.org/officeDocument/2006/relationships" xmlns:mc="http://schemas.openxmlformats.org/markup-compatibility/2006" xmlns:mv="urn:schemas-microsoft-com:mac:vml" xmlns:p="http://schemas.openxmlformats.org/presentationml/2006/main" xmlns:c="http://schemas.openxmlformats.org/drawingml/2006/chart" xmlns:dgm="http://schemas.openxmlformats.org/drawingml/2006/diagram" xmlns:o="urn:schemas-microsoft-com:office:office" xmlns:v="urn:schemas-microsoft-com:vml" xmlns:pvml="urn:schemas-microsoft-com:office:powerpoint" xmlns:com="http://schemas.openxmlformats.org/drawingml/2006/compatibility" xmlns:p14="http://schemas.microsoft.com/office/powerpoint/2010/main" xmlns:p15="http://schemas.microsoft.com/office/powerpoint/2012/main" xmlns:ahyp="http://schemas.microsoft.com/office/drawing/2018/hyperlinkcolor" showMasterPhAnim="0" showMasterSp="0">
   <p:cSld>
@@ -8070,6 +8471,105 @@
       <p:sp>
         <p:nvSpPr>
           <p:cNvPr id="129" name="Google Shape;129;g37a7fb0f999_0_224:notes"/>
+          <p:cNvSpPr txBox="1"/>
+          <p:nvPr>
+            <p:ph idx="1" type="body"/>
+          </p:nvPr>
+        </p:nvSpPr>
+        <p:spPr>
+          <a:xfrm>
+            <a:off x="685800" y="4343400"/>
+            <a:ext cx="5486400" cy="4114800"/>
+          </a:xfrm>
+          <a:prstGeom prst="rect">
+            <a:avLst/>
+          </a:prstGeom>
+        </p:spPr>
+        <p:txBody>
+          <a:bodyPr anchorCtr="0" anchor="t" bIns="91425" lIns="91425" spcFirstLastPara="1" rIns="91425" wrap="square" tIns="91425">
+            <a:noAutofit/>
+          </a:bodyPr>
+          <a:lstStyle/>
+          <a:p>
+            <a:pPr indent="0" lvl="0" marL="0" rtl="0" algn="l">
+              <a:spcBef>
+                <a:spcPts val="0"/>
+              </a:spcBef>
+              <a:spcAft>
+                <a:spcPts val="0"/>
+              </a:spcAft>
+              <a:buNone/>
+            </a:pPr>
+            <a:r>
+              <a:t/>
+            </a:r>
+            <a:endParaRPr/>
+          </a:p>
+        </p:txBody>
+      </p:sp>
+    </p:spTree>
+  </p:cSld>
+  <p:clrMapOvr>
+    <a:masterClrMapping/>
+  </p:clrMapOvr>
+</p:notes>
+</file>
+
+<file path=ppt/notesSlides/notesSlide80.xml><?xml version="1.0" encoding="utf-8"?>
+<p:notes xmlns:a="http://schemas.openxmlformats.org/drawingml/2006/main" xmlns:r="http://schemas.openxmlformats.org/officeDocument/2006/relationships" xmlns:mc="http://schemas.openxmlformats.org/markup-compatibility/2006" xmlns:mv="urn:schemas-microsoft-com:mac:vml" xmlns:p="http://schemas.openxmlformats.org/presentationml/2006/main" xmlns:c="http://schemas.openxmlformats.org/drawingml/2006/chart" xmlns:dgm="http://schemas.openxmlformats.org/drawingml/2006/diagram" xmlns:o="urn:schemas-microsoft-com:office:office" xmlns:v="urn:schemas-microsoft-com:vml" xmlns:pvml="urn:schemas-microsoft-com:office:powerpoint" xmlns:com="http://schemas.openxmlformats.org/drawingml/2006/compatibility" xmlns:p14="http://schemas.microsoft.com/office/powerpoint/2010/main" xmlns:p15="http://schemas.microsoft.com/office/powerpoint/2012/main" xmlns:ahyp="http://schemas.microsoft.com/office/drawing/2018/hyperlinkcolor" showMasterPhAnim="0" showMasterSp="0">
+  <p:cSld>
+    <p:spTree>
+      <p:nvGrpSpPr>
+        <p:cNvPr id="580" name="Shape 580"/>
+        <p:cNvGrpSpPr/>
+        <p:nvPr/>
+      </p:nvGrpSpPr>
+      <p:grpSpPr>
+        <a:xfrm>
+          <a:off x="0" y="0"/>
+          <a:ext cx="0" cy="0"/>
+          <a:chOff x="0" y="0"/>
+          <a:chExt cx="0" cy="0"/>
+        </a:xfrm>
+      </p:grpSpPr>
+      <p:sp>
+        <p:nvSpPr>
+          <p:cNvPr id="581" name="Google Shape;581;g366736dc852_0_21:notes"/>
+          <p:cNvSpPr/>
+          <p:nvPr>
+            <p:ph idx="2" type="sldImg"/>
+          </p:nvPr>
+        </p:nvSpPr>
+        <p:spPr>
+          <a:xfrm>
+            <a:off x="381300" y="685800"/>
+            <a:ext cx="6096000" cy="3429000"/>
+          </a:xfrm>
+          <a:custGeom>
+            <a:rect b="b" l="l" r="r" t="t"/>
+            <a:pathLst>
+              <a:path extrusionOk="0" h="120000" w="120000">
+                <a:moveTo>
+                  <a:pt x="0" y="0"/>
+                </a:moveTo>
+                <a:lnTo>
+                  <a:pt x="120000" y="0"/>
+                </a:lnTo>
+                <a:lnTo>
+                  <a:pt x="120000" y="120000"/>
+                </a:lnTo>
+                <a:lnTo>
+                  <a:pt x="0" y="120000"/>
+                </a:lnTo>
+                <a:close/>
+              </a:path>
+            </a:pathLst>
+          </a:custGeom>
+        </p:spPr>
+      </p:sp>
+      <p:sp>
+        <p:nvSpPr>
+          <p:cNvPr id="582" name="Google Shape;582;g366736dc852_0_21:notes"/>
           <p:cNvSpPr txBox="1"/>
           <p:nvPr>
             <p:ph idx="1" type="body"/>
@@ -29051,7 +29551,7 @@
             <a:tbl>
               <a:tblPr>
                 <a:noFill/>
-                <a:tableStyleId>{97166049-1D3A-40A4-B354-E29BE191FF36}</a:tableStyleId>
+                <a:tableStyleId>{DA40C047-EC74-4BEB-96FE-49983B3211F4}</a:tableStyleId>
               </a:tblPr>
               <a:tblGrid>
                 <a:gridCol w="2413000"/>
@@ -29297,7 +29797,7 @@
             <a:tbl>
               <a:tblPr>
                 <a:noFill/>
-                <a:tableStyleId>{97166049-1D3A-40A4-B354-E29BE191FF36}</a:tableStyleId>
+                <a:tableStyleId>{DA40C047-EC74-4BEB-96FE-49983B3211F4}</a:tableStyleId>
               </a:tblPr>
               <a:tblGrid>
                 <a:gridCol w="2413000"/>
@@ -41311,6 +41811,1686 @@
 </p:sld>
 </file>
 
+<file path=ppt/slides/slide76.xml><?xml version="1.0" encoding="utf-8"?>
+<p:sld xmlns:a="http://schemas.openxmlformats.org/drawingml/2006/main" xmlns:r="http://schemas.openxmlformats.org/officeDocument/2006/relationships" xmlns:mc="http://schemas.openxmlformats.org/markup-compatibility/2006" xmlns:mv="urn:schemas-microsoft-com:mac:vml" xmlns:p="http://schemas.openxmlformats.org/presentationml/2006/main" xmlns:c="http://schemas.openxmlformats.org/drawingml/2006/chart" xmlns:dgm="http://schemas.openxmlformats.org/drawingml/2006/diagram" xmlns:o="urn:schemas-microsoft-com:office:office" xmlns:v="urn:schemas-microsoft-com:vml" xmlns:pvml="urn:schemas-microsoft-com:office:powerpoint" xmlns:com="http://schemas.openxmlformats.org/drawingml/2006/compatibility" xmlns:p14="http://schemas.microsoft.com/office/powerpoint/2010/main" xmlns:p15="http://schemas.microsoft.com/office/powerpoint/2012/main" xmlns:ahyp="http://schemas.microsoft.com/office/drawing/2018/hyperlinkcolor">
+  <p:cSld>
+    <p:spTree>
+      <p:nvGrpSpPr>
+        <p:cNvPr id="558" name="Shape 558"/>
+        <p:cNvGrpSpPr/>
+        <p:nvPr/>
+      </p:nvGrpSpPr>
+      <p:grpSpPr>
+        <a:xfrm>
+          <a:off x="0" y="0"/>
+          <a:ext cx="0" cy="0"/>
+          <a:chOff x="0" y="0"/>
+          <a:chExt cx="0" cy="0"/>
+        </a:xfrm>
+      </p:grpSpPr>
+      <p:sp>
+        <p:nvSpPr>
+          <p:cNvPr id="559" name="Google Shape;559;p88"/>
+          <p:cNvSpPr txBox="1"/>
+          <p:nvPr>
+            <p:ph type="title"/>
+          </p:nvPr>
+        </p:nvSpPr>
+        <p:spPr>
+          <a:xfrm>
+            <a:off x="729450" y="1318650"/>
+            <a:ext cx="7688700" cy="535200"/>
+          </a:xfrm>
+          <a:prstGeom prst="rect">
+            <a:avLst/>
+          </a:prstGeom>
+        </p:spPr>
+        <p:txBody>
+          <a:bodyPr anchorCtr="0" anchor="t" bIns="91425" lIns="91425" spcFirstLastPara="1" rIns="91425" wrap="square" tIns="91425">
+            <a:noAutofit/>
+          </a:bodyPr>
+          <a:lstStyle/>
+          <a:p>
+            <a:pPr indent="0" lvl="0" marL="0" rtl="0" algn="l">
+              <a:spcBef>
+                <a:spcPts val="0"/>
+              </a:spcBef>
+              <a:spcAft>
+                <a:spcPts val="0"/>
+              </a:spcAft>
+              <a:buSzPts val="990"/>
+              <a:buNone/>
+            </a:pPr>
+            <a:r>
+              <a:rPr lang="pl" sz="2440">
+                <a:latin typeface="Tahoma"/>
+                <a:ea typeface="Tahoma"/>
+                <a:cs typeface="Tahoma"/>
+                <a:sym typeface="Tahoma"/>
+              </a:rPr>
+              <a:t>Protokoły</a:t>
+            </a:r>
+            <a:r>
+              <a:rPr lang="pl" sz="2440">
+                <a:latin typeface="Tahoma"/>
+                <a:ea typeface="Tahoma"/>
+                <a:cs typeface="Tahoma"/>
+                <a:sym typeface="Tahoma"/>
+              </a:rPr>
+              <a:t> internetowe</a:t>
+            </a:r>
+            <a:endParaRPr sz="2440">
+              <a:latin typeface="Tahoma"/>
+              <a:ea typeface="Tahoma"/>
+              <a:cs typeface="Tahoma"/>
+              <a:sym typeface="Tahoma"/>
+            </a:endParaRPr>
+          </a:p>
+          <a:p>
+            <a:pPr indent="0" lvl="0" marL="0" rtl="0" algn="l">
+              <a:spcBef>
+                <a:spcPts val="0"/>
+              </a:spcBef>
+              <a:spcAft>
+                <a:spcPts val="0"/>
+              </a:spcAft>
+              <a:buSzPts val="990"/>
+              <a:buNone/>
+            </a:pPr>
+            <a:r>
+              <a:t/>
+            </a:r>
+            <a:endParaRPr sz="2340"/>
+          </a:p>
+        </p:txBody>
+      </p:sp>
+      <p:sp>
+        <p:nvSpPr>
+          <p:cNvPr id="560" name="Google Shape;560;p88"/>
+          <p:cNvSpPr txBox="1"/>
+          <p:nvPr>
+            <p:ph idx="1" type="body"/>
+          </p:nvPr>
+        </p:nvSpPr>
+        <p:spPr>
+          <a:xfrm>
+            <a:off x="729450" y="2078875"/>
+            <a:ext cx="7688700" cy="2261100"/>
+          </a:xfrm>
+          <a:prstGeom prst="rect">
+            <a:avLst/>
+          </a:prstGeom>
+        </p:spPr>
+        <p:txBody>
+          <a:bodyPr anchorCtr="0" anchor="t" bIns="91425" lIns="91425" spcFirstLastPara="1" rIns="91425" wrap="square" tIns="91425">
+            <a:normAutofit/>
+          </a:bodyPr>
+          <a:lstStyle/>
+          <a:p>
+            <a:pPr indent="0" lvl="0" marL="0" rtl="0" algn="l">
+              <a:spcBef>
+                <a:spcPts val="0"/>
+              </a:spcBef>
+              <a:spcAft>
+                <a:spcPts val="0"/>
+              </a:spcAft>
+              <a:buNone/>
+            </a:pPr>
+            <a:r>
+              <a:rPr lang="pl" sz="1600">
+                <a:solidFill>
+                  <a:srgbClr val="171717"/>
+                </a:solidFill>
+                <a:latin typeface="Tahoma"/>
+                <a:ea typeface="Tahoma"/>
+                <a:cs typeface="Tahoma"/>
+                <a:sym typeface="Tahoma"/>
+              </a:rPr>
+              <a:t>To </a:t>
+            </a:r>
+            <a:r>
+              <a:rPr b="1" lang="pl" sz="1600">
+                <a:solidFill>
+                  <a:srgbClr val="0B5394"/>
+                </a:solidFill>
+                <a:latin typeface="Tahoma"/>
+                <a:ea typeface="Tahoma"/>
+                <a:cs typeface="Tahoma"/>
+                <a:sym typeface="Tahoma"/>
+              </a:rPr>
+              <a:t>zestawy reguł i standardów, które umożliwiają komunikację między urządzeniami w sieci</a:t>
+            </a:r>
+            <a:r>
+              <a:rPr lang="pl" sz="1600">
+                <a:solidFill>
+                  <a:srgbClr val="171717"/>
+                </a:solidFill>
+                <a:latin typeface="Tahoma"/>
+                <a:ea typeface="Tahoma"/>
+                <a:cs typeface="Tahoma"/>
+                <a:sym typeface="Tahoma"/>
+              </a:rPr>
+              <a:t>, takimi jak komputery, serwery czy smartfony. Pozwalają one na przesyłanie danych w sposób uporządkowany i zrozumiały dla obu stron. </a:t>
+            </a:r>
+            <a:endParaRPr sz="1600">
+              <a:solidFill>
+                <a:srgbClr val="171717"/>
+              </a:solidFill>
+              <a:latin typeface="Tahoma"/>
+              <a:ea typeface="Tahoma"/>
+              <a:cs typeface="Tahoma"/>
+              <a:sym typeface="Tahoma"/>
+            </a:endParaRPr>
+          </a:p>
+          <a:p>
+            <a:pPr indent="0" lvl="0" marL="0" rtl="0" algn="l">
+              <a:spcBef>
+                <a:spcPts val="1200"/>
+              </a:spcBef>
+              <a:spcAft>
+                <a:spcPts val="0"/>
+              </a:spcAft>
+              <a:buNone/>
+            </a:pPr>
+            <a:r>
+              <a:rPr b="1" lang="pl" sz="1600">
+                <a:solidFill>
+                  <a:srgbClr val="0B5394"/>
+                </a:solidFill>
+                <a:latin typeface="Tahoma"/>
+                <a:ea typeface="Tahoma"/>
+                <a:cs typeface="Tahoma"/>
+                <a:sym typeface="Tahoma"/>
+              </a:rPr>
+              <a:t>HTTP i HTTPS</a:t>
+            </a:r>
+            <a:r>
+              <a:rPr lang="pl" sz="1600">
+                <a:solidFill>
+                  <a:srgbClr val="171717"/>
+                </a:solidFill>
+                <a:latin typeface="Tahoma"/>
+                <a:ea typeface="Tahoma"/>
+                <a:cs typeface="Tahoma"/>
+                <a:sym typeface="Tahoma"/>
+              </a:rPr>
+              <a:t> to dwa popularne protokoły używane głównie do komunikacji między przeglądarkami internetowymi a serwerami webowymi.</a:t>
+            </a:r>
+            <a:endParaRPr sz="1600">
+              <a:solidFill>
+                <a:srgbClr val="171717"/>
+              </a:solidFill>
+              <a:latin typeface="Tahoma"/>
+              <a:ea typeface="Tahoma"/>
+              <a:cs typeface="Tahoma"/>
+              <a:sym typeface="Tahoma"/>
+            </a:endParaRPr>
+          </a:p>
+          <a:p>
+            <a:pPr indent="0" lvl="0" marL="0" rtl="0" algn="l">
+              <a:spcBef>
+                <a:spcPts val="1200"/>
+              </a:spcBef>
+              <a:spcAft>
+                <a:spcPts val="1200"/>
+              </a:spcAft>
+              <a:buNone/>
+            </a:pPr>
+            <a:r>
+              <a:t/>
+            </a:r>
+            <a:endParaRPr/>
+          </a:p>
+        </p:txBody>
+      </p:sp>
+    </p:spTree>
+  </p:cSld>
+  <p:clrMapOvr>
+    <a:masterClrMapping/>
+  </p:clrMapOvr>
+</p:sld>
+</file>
+
+<file path=ppt/slides/slide77.xml><?xml version="1.0" encoding="utf-8"?>
+<p:sld xmlns:a="http://schemas.openxmlformats.org/drawingml/2006/main" xmlns:r="http://schemas.openxmlformats.org/officeDocument/2006/relationships" xmlns:mc="http://schemas.openxmlformats.org/markup-compatibility/2006" xmlns:mv="urn:schemas-microsoft-com:mac:vml" xmlns:p="http://schemas.openxmlformats.org/presentationml/2006/main" xmlns:c="http://schemas.openxmlformats.org/drawingml/2006/chart" xmlns:dgm="http://schemas.openxmlformats.org/drawingml/2006/diagram" xmlns:o="urn:schemas-microsoft-com:office:office" xmlns:v="urn:schemas-microsoft-com:vml" xmlns:pvml="urn:schemas-microsoft-com:office:powerpoint" xmlns:com="http://schemas.openxmlformats.org/drawingml/2006/compatibility" xmlns:p14="http://schemas.microsoft.com/office/powerpoint/2010/main" xmlns:p15="http://schemas.microsoft.com/office/powerpoint/2012/main" xmlns:ahyp="http://schemas.microsoft.com/office/drawing/2018/hyperlinkcolor">
+  <p:cSld>
+    <p:spTree>
+      <p:nvGrpSpPr>
+        <p:cNvPr id="564" name="Shape 564"/>
+        <p:cNvGrpSpPr/>
+        <p:nvPr/>
+      </p:nvGrpSpPr>
+      <p:grpSpPr>
+        <a:xfrm>
+          <a:off x="0" y="0"/>
+          <a:ext cx="0" cy="0"/>
+          <a:chOff x="0" y="0"/>
+          <a:chExt cx="0" cy="0"/>
+        </a:xfrm>
+      </p:grpSpPr>
+      <p:sp>
+        <p:nvSpPr>
+          <p:cNvPr id="565" name="Google Shape;565;p89"/>
+          <p:cNvSpPr txBox="1"/>
+          <p:nvPr>
+            <p:ph type="title"/>
+          </p:nvPr>
+        </p:nvSpPr>
+        <p:spPr>
+          <a:xfrm>
+            <a:off x="729450" y="1318650"/>
+            <a:ext cx="7688700" cy="535200"/>
+          </a:xfrm>
+          <a:prstGeom prst="rect">
+            <a:avLst/>
+          </a:prstGeom>
+        </p:spPr>
+        <p:txBody>
+          <a:bodyPr anchorCtr="0" anchor="t" bIns="91425" lIns="91425" spcFirstLastPara="1" rIns="91425" wrap="square" tIns="91425">
+            <a:noAutofit/>
+          </a:bodyPr>
+          <a:lstStyle/>
+          <a:p>
+            <a:pPr indent="0" lvl="0" marL="0" rtl="0" algn="l">
+              <a:spcBef>
+                <a:spcPts val="0"/>
+              </a:spcBef>
+              <a:spcAft>
+                <a:spcPts val="0"/>
+              </a:spcAft>
+              <a:buSzPts val="990"/>
+              <a:buNone/>
+            </a:pPr>
+            <a:r>
+              <a:rPr lang="pl"/>
+              <a:t>📝</a:t>
+            </a:r>
+            <a:r>
+              <a:rPr lang="pl" sz="2440">
+                <a:latin typeface="Tahoma"/>
+                <a:ea typeface="Tahoma"/>
+                <a:cs typeface="Tahoma"/>
+                <a:sym typeface="Tahoma"/>
+              </a:rPr>
+              <a:t>HTTP (Hypertext Transfer Protocol)</a:t>
+            </a:r>
+            <a:endParaRPr sz="2440">
+              <a:latin typeface="Tahoma"/>
+              <a:ea typeface="Tahoma"/>
+              <a:cs typeface="Tahoma"/>
+              <a:sym typeface="Tahoma"/>
+            </a:endParaRPr>
+          </a:p>
+          <a:p>
+            <a:pPr indent="0" lvl="0" marL="0" rtl="0" algn="l">
+              <a:spcBef>
+                <a:spcPts val="0"/>
+              </a:spcBef>
+              <a:spcAft>
+                <a:spcPts val="0"/>
+              </a:spcAft>
+              <a:buSzPts val="990"/>
+              <a:buNone/>
+            </a:pPr>
+            <a:r>
+              <a:t/>
+            </a:r>
+            <a:endParaRPr sz="2340"/>
+          </a:p>
+        </p:txBody>
+      </p:sp>
+      <p:sp>
+        <p:nvSpPr>
+          <p:cNvPr id="566" name="Google Shape;566;p89"/>
+          <p:cNvSpPr txBox="1"/>
+          <p:nvPr>
+            <p:ph idx="1" type="body"/>
+          </p:nvPr>
+        </p:nvSpPr>
+        <p:spPr>
+          <a:xfrm>
+            <a:off x="729450" y="2078875"/>
+            <a:ext cx="7688700" cy="2963700"/>
+          </a:xfrm>
+          <a:prstGeom prst="rect">
+            <a:avLst/>
+          </a:prstGeom>
+        </p:spPr>
+        <p:txBody>
+          <a:bodyPr anchorCtr="0" anchor="t" bIns="91425" lIns="91425" spcFirstLastPara="1" rIns="91425" wrap="square" tIns="91425">
+            <a:noAutofit/>
+          </a:bodyPr>
+          <a:lstStyle/>
+          <a:p>
+            <a:pPr indent="0" lvl="0" marL="0" rtl="0" algn="l">
+              <a:spcBef>
+                <a:spcPts val="0"/>
+              </a:spcBef>
+              <a:spcAft>
+                <a:spcPts val="0"/>
+              </a:spcAft>
+              <a:buNone/>
+            </a:pPr>
+            <a:r>
+              <a:rPr b="1" lang="pl" sz="1200">
+                <a:solidFill>
+                  <a:srgbClr val="000000"/>
+                </a:solidFill>
+                <a:latin typeface="Tahoma"/>
+                <a:ea typeface="Tahoma"/>
+                <a:cs typeface="Tahoma"/>
+                <a:sym typeface="Tahoma"/>
+              </a:rPr>
+              <a:t>Definicja</a:t>
+            </a:r>
+            <a:r>
+              <a:rPr lang="pl" sz="1200">
+                <a:solidFill>
+                  <a:srgbClr val="000000"/>
+                </a:solidFill>
+                <a:latin typeface="Tahoma"/>
+                <a:ea typeface="Tahoma"/>
+                <a:cs typeface="Tahoma"/>
+                <a:sym typeface="Tahoma"/>
+              </a:rPr>
+              <a:t>: </a:t>
+            </a:r>
+            <a:r>
+              <a:rPr b="1" lang="pl" sz="1200">
+                <a:solidFill>
+                  <a:srgbClr val="0B5394"/>
+                </a:solidFill>
+                <a:latin typeface="Tahoma"/>
+                <a:ea typeface="Tahoma"/>
+                <a:cs typeface="Tahoma"/>
+                <a:sym typeface="Tahoma"/>
+              </a:rPr>
+              <a:t>Protokół komunikacyjny internetowy, który określa zasady wymiany informacji między klientem (np. przeglądarką internetową) a serwerem</a:t>
+            </a:r>
+            <a:r>
+              <a:rPr b="1" lang="pl" sz="1200">
+                <a:solidFill>
+                  <a:srgbClr val="0B5394"/>
+                </a:solidFill>
+                <a:highlight>
+                  <a:srgbClr val="FFFFFF"/>
+                </a:highlight>
+                <a:latin typeface="Tahoma"/>
+                <a:ea typeface="Tahoma"/>
+                <a:cs typeface="Tahoma"/>
+                <a:sym typeface="Tahoma"/>
+              </a:rPr>
+              <a:t>.</a:t>
+            </a:r>
+            <a:r>
+              <a:rPr lang="pl" sz="1200">
+                <a:solidFill>
+                  <a:srgbClr val="000000"/>
+                </a:solidFill>
+                <a:latin typeface="Tahoma"/>
+                <a:ea typeface="Tahoma"/>
+                <a:cs typeface="Tahoma"/>
+                <a:sym typeface="Tahoma"/>
+              </a:rPr>
+              <a:t> Został stworzony w 1991 roku przez Tima Bernersa-Lee i jest używany do żądania i odbierania zasobów, takich jak strony HTML, obrazów czy plików.</a:t>
+            </a:r>
+            <a:endParaRPr sz="1200">
+              <a:solidFill>
+                <a:srgbClr val="000000"/>
+              </a:solidFill>
+              <a:latin typeface="Tahoma"/>
+              <a:ea typeface="Tahoma"/>
+              <a:cs typeface="Tahoma"/>
+              <a:sym typeface="Tahoma"/>
+            </a:endParaRPr>
+          </a:p>
+          <a:p>
+            <a:pPr indent="0" lvl="0" marL="0" rtl="0" algn="l">
+              <a:spcBef>
+                <a:spcPts val="600"/>
+              </a:spcBef>
+              <a:spcAft>
+                <a:spcPts val="0"/>
+              </a:spcAft>
+              <a:buNone/>
+            </a:pPr>
+            <a:r>
+              <a:rPr b="1" lang="pl" sz="1200">
+                <a:solidFill>
+                  <a:srgbClr val="000000"/>
+                </a:solidFill>
+                <a:latin typeface="Tahoma"/>
+                <a:ea typeface="Tahoma"/>
+                <a:cs typeface="Tahoma"/>
+                <a:sym typeface="Tahoma"/>
+              </a:rPr>
+              <a:t>Jak działa</a:t>
+            </a:r>
+            <a:r>
+              <a:rPr lang="pl" sz="1200">
+                <a:solidFill>
+                  <a:srgbClr val="000000"/>
+                </a:solidFill>
+                <a:latin typeface="Tahoma"/>
+                <a:ea typeface="Tahoma"/>
+                <a:cs typeface="Tahoma"/>
+                <a:sym typeface="Tahoma"/>
+              </a:rPr>
+              <a:t>: </a:t>
+            </a:r>
+            <a:r>
+              <a:rPr b="1" lang="pl" sz="1200">
+                <a:solidFill>
+                  <a:srgbClr val="0B5394"/>
+                </a:solidFill>
+                <a:latin typeface="Tahoma"/>
+                <a:ea typeface="Tahoma"/>
+                <a:cs typeface="Tahoma"/>
+                <a:sym typeface="Tahoma"/>
+              </a:rPr>
+              <a:t>Gdy wpisujesz adres URL w przeglądarce</a:t>
+            </a:r>
+            <a:r>
+              <a:rPr lang="pl" sz="1200">
+                <a:solidFill>
+                  <a:srgbClr val="000000"/>
+                </a:solidFill>
+                <a:latin typeface="Tahoma"/>
+                <a:ea typeface="Tahoma"/>
+                <a:cs typeface="Tahoma"/>
+                <a:sym typeface="Tahoma"/>
+              </a:rPr>
+              <a:t> (np.</a:t>
+            </a:r>
+            <a:r>
+              <a:rPr lang="pl" sz="1200">
+                <a:solidFill>
+                  <a:srgbClr val="000000"/>
+                </a:solidFill>
+                <a:uFill>
+                  <a:noFill/>
+                </a:uFill>
+                <a:latin typeface="Tahoma"/>
+                <a:ea typeface="Tahoma"/>
+                <a:cs typeface="Tahoma"/>
+                <a:sym typeface="Tahoma"/>
+                <a:hlinkClick r:id="rId3">
+                  <a:extLst>
+                    <a:ext uri="{A12FA001-AC4F-418D-AE19-62706E023703}">
+                      <ahyp:hlinkClr val="tx"/>
+                    </a:ext>
+                  </a:extLst>
+                </a:hlinkClick>
+              </a:rPr>
+              <a:t> http://example.com</a:t>
+            </a:r>
+            <a:r>
+              <a:rPr lang="pl" sz="1200">
+                <a:solidFill>
+                  <a:srgbClr val="000000"/>
+                </a:solidFill>
+                <a:latin typeface="Tahoma"/>
+                <a:ea typeface="Tahoma"/>
+                <a:cs typeface="Tahoma"/>
+                <a:sym typeface="Tahoma"/>
+              </a:rPr>
+              <a:t>), </a:t>
+            </a:r>
+            <a:r>
+              <a:rPr b="1" lang="pl" sz="1200">
+                <a:solidFill>
+                  <a:srgbClr val="0B5394"/>
+                </a:solidFill>
+                <a:latin typeface="Tahoma"/>
+                <a:ea typeface="Tahoma"/>
+                <a:cs typeface="Tahoma"/>
+                <a:sym typeface="Tahoma"/>
+              </a:rPr>
+              <a:t>przeglądarka wysyła żądanie HTTP </a:t>
+            </a:r>
+            <a:r>
+              <a:rPr b="1" lang="pl" sz="1200">
+                <a:solidFill>
+                  <a:srgbClr val="171717"/>
+                </a:solidFill>
+                <a:latin typeface="Tahoma"/>
+                <a:ea typeface="Tahoma"/>
+                <a:cs typeface="Tahoma"/>
+                <a:sym typeface="Tahoma"/>
+              </a:rPr>
+              <a:t>(</a:t>
+            </a:r>
+            <a:r>
+              <a:rPr b="1" lang="pl" sz="1200">
+                <a:solidFill>
+                  <a:srgbClr val="001D35"/>
+                </a:solidFill>
+                <a:highlight>
+                  <a:srgbClr val="FFFFFF"/>
+                </a:highlight>
+                <a:latin typeface="Tahoma"/>
+                <a:ea typeface="Tahoma"/>
+                <a:cs typeface="Tahoma"/>
+                <a:sym typeface="Tahoma"/>
+              </a:rPr>
+              <a:t>Request)</a:t>
+            </a:r>
+            <a:r>
+              <a:rPr b="1" lang="pl" sz="1200">
+                <a:solidFill>
+                  <a:srgbClr val="0B5394"/>
+                </a:solidFill>
+                <a:latin typeface="Tahoma"/>
+                <a:ea typeface="Tahoma"/>
+                <a:cs typeface="Tahoma"/>
+                <a:sym typeface="Tahoma"/>
+              </a:rPr>
+              <a:t> do serwera. Serwer odpowiada</a:t>
+            </a:r>
+            <a:r>
+              <a:rPr b="1" lang="pl" sz="1200">
+                <a:solidFill>
+                  <a:srgbClr val="171717"/>
+                </a:solidFill>
+                <a:latin typeface="Tahoma"/>
+                <a:ea typeface="Tahoma"/>
+                <a:cs typeface="Tahoma"/>
+                <a:sym typeface="Tahoma"/>
+              </a:rPr>
+              <a:t> (</a:t>
+            </a:r>
+            <a:r>
+              <a:rPr b="1" lang="pl" sz="1200">
+                <a:solidFill>
+                  <a:srgbClr val="001D35"/>
+                </a:solidFill>
+                <a:highlight>
+                  <a:srgbClr val="FFFFFF"/>
+                </a:highlight>
+                <a:latin typeface="Tahoma"/>
+                <a:ea typeface="Tahoma"/>
+                <a:cs typeface="Tahoma"/>
+                <a:sym typeface="Tahoma"/>
+              </a:rPr>
+              <a:t>Response)</a:t>
+            </a:r>
+            <a:r>
+              <a:rPr b="1" lang="pl" sz="1200">
+                <a:solidFill>
+                  <a:srgbClr val="0B5394"/>
+                </a:solidFill>
+                <a:latin typeface="Tahoma"/>
+                <a:ea typeface="Tahoma"/>
+                <a:cs typeface="Tahoma"/>
+                <a:sym typeface="Tahoma"/>
+              </a:rPr>
+              <a:t>, wysyłając dane. Komunikacja odbywa się w trybie klient-serwer.</a:t>
+            </a:r>
+            <a:endParaRPr b="1" sz="1200">
+              <a:solidFill>
+                <a:srgbClr val="0B5394"/>
+              </a:solidFill>
+              <a:latin typeface="Tahoma"/>
+              <a:ea typeface="Tahoma"/>
+              <a:cs typeface="Tahoma"/>
+              <a:sym typeface="Tahoma"/>
+            </a:endParaRPr>
+          </a:p>
+          <a:p>
+            <a:pPr indent="0" lvl="0" marL="0" rtl="0" algn="l">
+              <a:spcBef>
+                <a:spcPts val="600"/>
+              </a:spcBef>
+              <a:spcAft>
+                <a:spcPts val="0"/>
+              </a:spcAft>
+              <a:buNone/>
+            </a:pPr>
+            <a:r>
+              <a:rPr b="1" lang="pl" sz="1200">
+                <a:solidFill>
+                  <a:srgbClr val="000000"/>
+                </a:solidFill>
+                <a:latin typeface="Tahoma"/>
+                <a:ea typeface="Tahoma"/>
+                <a:cs typeface="Tahoma"/>
+                <a:sym typeface="Tahoma"/>
+              </a:rPr>
+              <a:t>Wersje</a:t>
+            </a:r>
+            <a:r>
+              <a:rPr lang="pl" sz="1200">
+                <a:solidFill>
+                  <a:srgbClr val="000000"/>
+                </a:solidFill>
+                <a:latin typeface="Tahoma"/>
+                <a:ea typeface="Tahoma"/>
+                <a:cs typeface="Tahoma"/>
+                <a:sym typeface="Tahoma"/>
+              </a:rPr>
+              <a:t>: Najpopularniejsze to HTTP/1.1 (starsza, ale nadal używana) i HTTP/2/HTTP/3 (nowsze, szybsze, z lepszą obsługą wielu żądań jednocześnie).</a:t>
+            </a:r>
+            <a:endParaRPr sz="1200">
+              <a:solidFill>
+                <a:srgbClr val="000000"/>
+              </a:solidFill>
+              <a:latin typeface="Tahoma"/>
+              <a:ea typeface="Tahoma"/>
+              <a:cs typeface="Tahoma"/>
+              <a:sym typeface="Tahoma"/>
+            </a:endParaRPr>
+          </a:p>
+          <a:p>
+            <a:pPr indent="0" lvl="0" marL="0" rtl="0" algn="l">
+              <a:spcBef>
+                <a:spcPts val="600"/>
+              </a:spcBef>
+              <a:spcAft>
+                <a:spcPts val="0"/>
+              </a:spcAft>
+              <a:buNone/>
+            </a:pPr>
+            <a:r>
+              <a:rPr b="1" lang="pl" sz="1200">
+                <a:solidFill>
+                  <a:srgbClr val="000000"/>
+                </a:solidFill>
+                <a:latin typeface="Tahoma"/>
+                <a:ea typeface="Tahoma"/>
+                <a:cs typeface="Tahoma"/>
+                <a:sym typeface="Tahoma"/>
+              </a:rPr>
+              <a:t>Zalety</a:t>
+            </a:r>
+            <a:r>
+              <a:rPr lang="pl" sz="1200">
+                <a:solidFill>
+                  <a:srgbClr val="000000"/>
+                </a:solidFill>
+                <a:latin typeface="Tahoma"/>
+                <a:ea typeface="Tahoma"/>
+                <a:cs typeface="Tahoma"/>
+                <a:sym typeface="Tahoma"/>
+              </a:rPr>
+              <a:t>: Prosty i szybki w implementacji.</a:t>
+            </a:r>
+            <a:endParaRPr sz="1200">
+              <a:solidFill>
+                <a:srgbClr val="000000"/>
+              </a:solidFill>
+              <a:latin typeface="Tahoma"/>
+              <a:ea typeface="Tahoma"/>
+              <a:cs typeface="Tahoma"/>
+              <a:sym typeface="Tahoma"/>
+            </a:endParaRPr>
+          </a:p>
+          <a:p>
+            <a:pPr indent="0" lvl="0" marL="0" rtl="0" algn="l">
+              <a:spcBef>
+                <a:spcPts val="600"/>
+              </a:spcBef>
+              <a:spcAft>
+                <a:spcPts val="0"/>
+              </a:spcAft>
+              <a:buNone/>
+            </a:pPr>
+            <a:r>
+              <a:rPr b="1" lang="pl" sz="1200">
+                <a:solidFill>
+                  <a:srgbClr val="000000"/>
+                </a:solidFill>
+                <a:latin typeface="Tahoma"/>
+                <a:ea typeface="Tahoma"/>
+                <a:cs typeface="Tahoma"/>
+                <a:sym typeface="Tahoma"/>
+              </a:rPr>
+              <a:t>Wady</a:t>
+            </a:r>
+            <a:r>
+              <a:rPr lang="pl" sz="1200">
+                <a:solidFill>
+                  <a:srgbClr val="000000"/>
+                </a:solidFill>
+                <a:latin typeface="Tahoma"/>
+                <a:ea typeface="Tahoma"/>
+                <a:cs typeface="Tahoma"/>
+                <a:sym typeface="Tahoma"/>
+              </a:rPr>
+              <a:t>: </a:t>
+            </a:r>
+            <a:r>
+              <a:rPr b="1" lang="pl" sz="1200">
+                <a:solidFill>
+                  <a:srgbClr val="1155CC"/>
+                </a:solidFill>
+                <a:latin typeface="Tahoma"/>
+                <a:ea typeface="Tahoma"/>
+                <a:cs typeface="Tahoma"/>
+                <a:sym typeface="Tahoma"/>
+              </a:rPr>
+              <a:t>Brak szyfrowania – dane są przesyłane w formie jawnej (plain text)</a:t>
+            </a:r>
+            <a:r>
+              <a:rPr lang="pl" sz="1200">
+                <a:solidFill>
+                  <a:srgbClr val="000000"/>
+                </a:solidFill>
+                <a:latin typeface="Tahoma"/>
+                <a:ea typeface="Tahoma"/>
+                <a:cs typeface="Tahoma"/>
+                <a:sym typeface="Tahoma"/>
+              </a:rPr>
+              <a:t>, co czyni je podatnymi na podsłuchiwanie i ataki (np. man-in-the-middle).</a:t>
+            </a:r>
+            <a:endParaRPr sz="1200">
+              <a:solidFill>
+                <a:srgbClr val="000000"/>
+              </a:solidFill>
+              <a:latin typeface="Tahoma"/>
+              <a:ea typeface="Tahoma"/>
+              <a:cs typeface="Tahoma"/>
+              <a:sym typeface="Tahoma"/>
+            </a:endParaRPr>
+          </a:p>
+          <a:p>
+            <a:pPr indent="0" lvl="0" marL="0" rtl="0" algn="l">
+              <a:spcBef>
+                <a:spcPts val="0"/>
+              </a:spcBef>
+              <a:spcAft>
+                <a:spcPts val="1200"/>
+              </a:spcAft>
+              <a:buNone/>
+            </a:pPr>
+            <a:r>
+              <a:t/>
+            </a:r>
+            <a:endParaRPr/>
+          </a:p>
+        </p:txBody>
+      </p:sp>
+    </p:spTree>
+  </p:cSld>
+  <p:clrMapOvr>
+    <a:masterClrMapping/>
+  </p:clrMapOvr>
+</p:sld>
+</file>
+
+<file path=ppt/slides/slide78.xml><?xml version="1.0" encoding="utf-8"?>
+<p:sld xmlns:a="http://schemas.openxmlformats.org/drawingml/2006/main" xmlns:r="http://schemas.openxmlformats.org/officeDocument/2006/relationships" xmlns:mc="http://schemas.openxmlformats.org/markup-compatibility/2006" xmlns:mv="urn:schemas-microsoft-com:mac:vml" xmlns:p="http://schemas.openxmlformats.org/presentationml/2006/main" xmlns:c="http://schemas.openxmlformats.org/drawingml/2006/chart" xmlns:dgm="http://schemas.openxmlformats.org/drawingml/2006/diagram" xmlns:o="urn:schemas-microsoft-com:office:office" xmlns:v="urn:schemas-microsoft-com:vml" xmlns:pvml="urn:schemas-microsoft-com:office:powerpoint" xmlns:com="http://schemas.openxmlformats.org/drawingml/2006/compatibility" xmlns:p14="http://schemas.microsoft.com/office/powerpoint/2010/main" xmlns:p15="http://schemas.microsoft.com/office/powerpoint/2012/main" xmlns:ahyp="http://schemas.microsoft.com/office/drawing/2018/hyperlinkcolor">
+  <p:cSld>
+    <p:spTree>
+      <p:nvGrpSpPr>
+        <p:cNvPr id="570" name="Shape 570"/>
+        <p:cNvGrpSpPr/>
+        <p:nvPr/>
+      </p:nvGrpSpPr>
+      <p:grpSpPr>
+        <a:xfrm>
+          <a:off x="0" y="0"/>
+          <a:ext cx="0" cy="0"/>
+          <a:chOff x="0" y="0"/>
+          <a:chExt cx="0" cy="0"/>
+        </a:xfrm>
+      </p:grpSpPr>
+      <p:sp>
+        <p:nvSpPr>
+          <p:cNvPr id="571" name="Google Shape;571;p90"/>
+          <p:cNvSpPr txBox="1"/>
+          <p:nvPr>
+            <p:ph type="title"/>
+          </p:nvPr>
+        </p:nvSpPr>
+        <p:spPr>
+          <a:xfrm>
+            <a:off x="729450" y="1318650"/>
+            <a:ext cx="7688700" cy="535200"/>
+          </a:xfrm>
+          <a:prstGeom prst="rect">
+            <a:avLst/>
+          </a:prstGeom>
+        </p:spPr>
+        <p:txBody>
+          <a:bodyPr anchorCtr="0" anchor="t" bIns="91425" lIns="91425" spcFirstLastPara="1" rIns="91425" wrap="square" tIns="91425">
+            <a:normAutofit fontScale="90000"/>
+          </a:bodyPr>
+          <a:lstStyle/>
+          <a:p>
+            <a:pPr indent="0" lvl="0" marL="0" rtl="0" algn="l">
+              <a:lnSpc>
+                <a:spcPct val="120000"/>
+              </a:lnSpc>
+              <a:spcBef>
+                <a:spcPts val="2300"/>
+              </a:spcBef>
+              <a:spcAft>
+                <a:spcPts val="0"/>
+              </a:spcAft>
+              <a:buNone/>
+            </a:pPr>
+            <a:r>
+              <a:rPr lang="pl"/>
+              <a:t>📝</a:t>
+            </a:r>
+            <a:r>
+              <a:rPr lang="pl" sz="2650">
+                <a:solidFill>
+                  <a:srgbClr val="000000"/>
+                </a:solidFill>
+                <a:latin typeface="Tahoma"/>
+                <a:ea typeface="Tahoma"/>
+                <a:cs typeface="Tahoma"/>
+                <a:sym typeface="Tahoma"/>
+              </a:rPr>
+              <a:t>HTTPS (Hypertext Transfer Protocol Secure)</a:t>
+            </a:r>
+            <a:endParaRPr sz="2650">
+              <a:solidFill>
+                <a:srgbClr val="000000"/>
+              </a:solidFill>
+              <a:latin typeface="Tahoma"/>
+              <a:ea typeface="Tahoma"/>
+              <a:cs typeface="Tahoma"/>
+              <a:sym typeface="Tahoma"/>
+            </a:endParaRPr>
+          </a:p>
+          <a:p>
+            <a:pPr indent="0" lvl="0" marL="0" rtl="0" algn="l">
+              <a:lnSpc>
+                <a:spcPct val="115000"/>
+              </a:lnSpc>
+              <a:spcBef>
+                <a:spcPts val="800"/>
+              </a:spcBef>
+              <a:spcAft>
+                <a:spcPts val="0"/>
+              </a:spcAft>
+              <a:buNone/>
+            </a:pPr>
+            <a:r>
+              <a:t/>
+            </a:r>
+            <a:endParaRPr b="0" sz="1100">
+              <a:solidFill>
+                <a:srgbClr val="000000"/>
+              </a:solidFill>
+              <a:latin typeface="Arial"/>
+              <a:ea typeface="Arial"/>
+              <a:cs typeface="Arial"/>
+              <a:sym typeface="Arial"/>
+            </a:endParaRPr>
+          </a:p>
+          <a:p>
+            <a:pPr indent="0" lvl="0" marL="0" rtl="0" algn="l">
+              <a:spcBef>
+                <a:spcPts val="0"/>
+              </a:spcBef>
+              <a:spcAft>
+                <a:spcPts val="0"/>
+              </a:spcAft>
+              <a:buNone/>
+            </a:pPr>
+            <a:r>
+              <a:t/>
+            </a:r>
+            <a:endParaRPr/>
+          </a:p>
+        </p:txBody>
+      </p:sp>
+      <p:sp>
+        <p:nvSpPr>
+          <p:cNvPr id="572" name="Google Shape;572;p90"/>
+          <p:cNvSpPr txBox="1"/>
+          <p:nvPr>
+            <p:ph idx="1" type="body"/>
+          </p:nvPr>
+        </p:nvSpPr>
+        <p:spPr>
+          <a:xfrm>
+            <a:off x="729450" y="2078875"/>
+            <a:ext cx="7688700" cy="3002400"/>
+          </a:xfrm>
+          <a:prstGeom prst="rect">
+            <a:avLst/>
+          </a:prstGeom>
+        </p:spPr>
+        <p:txBody>
+          <a:bodyPr anchorCtr="0" anchor="t" bIns="91425" lIns="91425" spcFirstLastPara="1" rIns="91425" wrap="square" tIns="91425">
+            <a:normAutofit fontScale="85000" lnSpcReduction="20000"/>
+          </a:bodyPr>
+          <a:lstStyle/>
+          <a:p>
+            <a:pPr indent="0" lvl="0" marL="0" rtl="0" algn="l">
+              <a:spcBef>
+                <a:spcPts val="0"/>
+              </a:spcBef>
+              <a:spcAft>
+                <a:spcPts val="0"/>
+              </a:spcAft>
+              <a:buNone/>
+            </a:pPr>
+            <a:r>
+              <a:rPr b="1" lang="pl" sz="1625">
+                <a:solidFill>
+                  <a:srgbClr val="000000"/>
+                </a:solidFill>
+                <a:latin typeface="Tahoma"/>
+                <a:ea typeface="Tahoma"/>
+                <a:cs typeface="Tahoma"/>
+                <a:sym typeface="Tahoma"/>
+              </a:rPr>
+              <a:t>Definicja</a:t>
+            </a:r>
+            <a:r>
+              <a:rPr lang="pl" sz="1625">
+                <a:solidFill>
+                  <a:srgbClr val="000000"/>
+                </a:solidFill>
+                <a:latin typeface="Tahoma"/>
+                <a:ea typeface="Tahoma"/>
+                <a:cs typeface="Tahoma"/>
+                <a:sym typeface="Tahoma"/>
+              </a:rPr>
+              <a:t>: </a:t>
+            </a:r>
+            <a:r>
+              <a:rPr b="1" lang="pl" sz="1625">
+                <a:solidFill>
+                  <a:srgbClr val="0B5394"/>
+                </a:solidFill>
+                <a:latin typeface="Tahoma"/>
+                <a:ea typeface="Tahoma"/>
+                <a:cs typeface="Tahoma"/>
+                <a:sym typeface="Tahoma"/>
+              </a:rPr>
+              <a:t>HTTPS to bezpieczna wersja HTTP, która dodaje warstwę szyfrowania za pomocą protokołów SSL </a:t>
+            </a:r>
+            <a:r>
+              <a:rPr lang="pl" sz="1625">
+                <a:solidFill>
+                  <a:srgbClr val="000000"/>
+                </a:solidFill>
+                <a:latin typeface="Tahoma"/>
+                <a:ea typeface="Tahoma"/>
+                <a:cs typeface="Tahoma"/>
+                <a:sym typeface="Tahoma"/>
+              </a:rPr>
+              <a:t>(Secure Sockets Layer) </a:t>
+            </a:r>
+            <a:r>
+              <a:rPr b="1" lang="pl" sz="1625">
+                <a:solidFill>
+                  <a:srgbClr val="1155CC"/>
+                </a:solidFill>
+                <a:latin typeface="Tahoma"/>
+                <a:ea typeface="Tahoma"/>
+                <a:cs typeface="Tahoma"/>
+                <a:sym typeface="Tahoma"/>
+              </a:rPr>
+              <a:t>lub nowszego TLS</a:t>
+            </a:r>
+            <a:r>
+              <a:rPr lang="pl" sz="1625">
+                <a:solidFill>
+                  <a:srgbClr val="000000"/>
+                </a:solidFill>
+                <a:latin typeface="Tahoma"/>
+                <a:ea typeface="Tahoma"/>
+                <a:cs typeface="Tahoma"/>
+                <a:sym typeface="Tahoma"/>
+              </a:rPr>
+              <a:t> (Transport Layer Security). Został wprowadzony, aby chronić dane przed nieautoryzowanym dostępem.</a:t>
+            </a:r>
+            <a:endParaRPr sz="1625">
+              <a:solidFill>
+                <a:srgbClr val="000000"/>
+              </a:solidFill>
+              <a:latin typeface="Tahoma"/>
+              <a:ea typeface="Tahoma"/>
+              <a:cs typeface="Tahoma"/>
+              <a:sym typeface="Tahoma"/>
+            </a:endParaRPr>
+          </a:p>
+          <a:p>
+            <a:pPr indent="0" lvl="0" marL="0" rtl="0" algn="l">
+              <a:spcBef>
+                <a:spcPts val="600"/>
+              </a:spcBef>
+              <a:spcAft>
+                <a:spcPts val="0"/>
+              </a:spcAft>
+              <a:buNone/>
+            </a:pPr>
+            <a:r>
+              <a:rPr b="1" lang="pl" sz="1625">
+                <a:solidFill>
+                  <a:srgbClr val="000000"/>
+                </a:solidFill>
+                <a:latin typeface="Tahoma"/>
+                <a:ea typeface="Tahoma"/>
+                <a:cs typeface="Tahoma"/>
+                <a:sym typeface="Tahoma"/>
+              </a:rPr>
+              <a:t>Jak działa</a:t>
+            </a:r>
+            <a:r>
+              <a:rPr lang="pl" sz="1625">
+                <a:solidFill>
+                  <a:srgbClr val="000000"/>
+                </a:solidFill>
+                <a:latin typeface="Tahoma"/>
+                <a:ea typeface="Tahoma"/>
+                <a:cs typeface="Tahoma"/>
+                <a:sym typeface="Tahoma"/>
+              </a:rPr>
+              <a:t>: </a:t>
+            </a:r>
+            <a:r>
+              <a:rPr b="1" lang="pl" sz="1625">
+                <a:solidFill>
+                  <a:srgbClr val="0B5394"/>
+                </a:solidFill>
+                <a:latin typeface="Tahoma"/>
+                <a:ea typeface="Tahoma"/>
+                <a:cs typeface="Tahoma"/>
+                <a:sym typeface="Tahoma"/>
+              </a:rPr>
+              <a:t>Działa podobnie jak HTTP, ale połączenie jest szyfrowane</a:t>
+            </a:r>
+            <a:r>
+              <a:rPr lang="pl" sz="1625">
+                <a:solidFill>
+                  <a:srgbClr val="0B5394"/>
+                </a:solidFill>
+                <a:latin typeface="Tahoma"/>
+                <a:ea typeface="Tahoma"/>
+                <a:cs typeface="Tahoma"/>
+                <a:sym typeface="Tahoma"/>
+              </a:rPr>
+              <a:t>.</a:t>
+            </a:r>
+            <a:r>
+              <a:rPr lang="pl" sz="1625">
+                <a:solidFill>
+                  <a:srgbClr val="000000"/>
+                </a:solidFill>
+                <a:latin typeface="Tahoma"/>
+                <a:ea typeface="Tahoma"/>
+                <a:cs typeface="Tahoma"/>
+                <a:sym typeface="Tahoma"/>
+              </a:rPr>
+              <a:t> </a:t>
+            </a:r>
+            <a:r>
+              <a:rPr b="1" lang="pl" sz="1625">
+                <a:solidFill>
+                  <a:srgbClr val="0B5394"/>
+                </a:solidFill>
+                <a:latin typeface="Tahoma"/>
+                <a:ea typeface="Tahoma"/>
+                <a:cs typeface="Tahoma"/>
+                <a:sym typeface="Tahoma"/>
+              </a:rPr>
+              <a:t>Przeglądarka weryfikuje certyfikat SSL/TLS serwera,</a:t>
+            </a:r>
+            <a:r>
+              <a:rPr lang="pl" sz="1625">
+                <a:solidFill>
+                  <a:srgbClr val="000000"/>
+                </a:solidFill>
+                <a:latin typeface="Tahoma"/>
+                <a:ea typeface="Tahoma"/>
+                <a:cs typeface="Tahoma"/>
+                <a:sym typeface="Tahoma"/>
+              </a:rPr>
+              <a:t> który potwierdza autentyczność strony. Adres zaczyna się od https://, a w przeglądarce pojawia się ikona kłódki.</a:t>
+            </a:r>
+            <a:endParaRPr sz="1625">
+              <a:solidFill>
+                <a:srgbClr val="000000"/>
+              </a:solidFill>
+              <a:latin typeface="Tahoma"/>
+              <a:ea typeface="Tahoma"/>
+              <a:cs typeface="Tahoma"/>
+              <a:sym typeface="Tahoma"/>
+            </a:endParaRPr>
+          </a:p>
+          <a:p>
+            <a:pPr indent="0" lvl="0" marL="0" rtl="0" algn="l">
+              <a:spcBef>
+                <a:spcPts val="600"/>
+              </a:spcBef>
+              <a:spcAft>
+                <a:spcPts val="0"/>
+              </a:spcAft>
+              <a:buNone/>
+            </a:pPr>
+            <a:r>
+              <a:rPr b="1" lang="pl" sz="1625">
+                <a:solidFill>
+                  <a:srgbClr val="000000"/>
+                </a:solidFill>
+                <a:latin typeface="Tahoma"/>
+                <a:ea typeface="Tahoma"/>
+                <a:cs typeface="Tahoma"/>
+                <a:sym typeface="Tahoma"/>
+              </a:rPr>
+              <a:t>Zalety</a:t>
+            </a:r>
+            <a:r>
+              <a:rPr lang="pl" sz="1625">
+                <a:solidFill>
+                  <a:srgbClr val="000000"/>
+                </a:solidFill>
+                <a:latin typeface="Tahoma"/>
+                <a:ea typeface="Tahoma"/>
+                <a:cs typeface="Tahoma"/>
+                <a:sym typeface="Tahoma"/>
+              </a:rPr>
+              <a:t>: </a:t>
+            </a:r>
+            <a:r>
+              <a:rPr b="1" lang="pl" sz="1625">
+                <a:solidFill>
+                  <a:srgbClr val="0B5394"/>
+                </a:solidFill>
+                <a:latin typeface="Tahoma"/>
+                <a:ea typeface="Tahoma"/>
+                <a:cs typeface="Tahoma"/>
+                <a:sym typeface="Tahoma"/>
+              </a:rPr>
+              <a:t>Zapewnia poufność</a:t>
+            </a:r>
+            <a:r>
+              <a:rPr lang="pl" sz="1625">
+                <a:solidFill>
+                  <a:srgbClr val="000000"/>
+                </a:solidFill>
+                <a:latin typeface="Tahoma"/>
+                <a:ea typeface="Tahoma"/>
+                <a:cs typeface="Tahoma"/>
+                <a:sym typeface="Tahoma"/>
+              </a:rPr>
+              <a:t> (szyfrowanie danych), </a:t>
+            </a:r>
+            <a:r>
+              <a:rPr b="1" lang="pl" sz="1625">
+                <a:solidFill>
+                  <a:srgbClr val="0B5394"/>
+                </a:solidFill>
+                <a:latin typeface="Tahoma"/>
+                <a:ea typeface="Tahoma"/>
+                <a:cs typeface="Tahoma"/>
+                <a:sym typeface="Tahoma"/>
+              </a:rPr>
+              <a:t>integralność </a:t>
+            </a:r>
+            <a:r>
+              <a:rPr lang="pl" sz="1625">
+                <a:solidFill>
+                  <a:srgbClr val="000000"/>
+                </a:solidFill>
+                <a:latin typeface="Tahoma"/>
+                <a:ea typeface="Tahoma"/>
+                <a:cs typeface="Tahoma"/>
+                <a:sym typeface="Tahoma"/>
+              </a:rPr>
+              <a:t>(dane nie są modyfikowane w trakcie transmisji) i </a:t>
+            </a:r>
+            <a:r>
+              <a:rPr b="1" lang="pl" sz="1625">
+                <a:solidFill>
+                  <a:srgbClr val="0B5394"/>
+                </a:solidFill>
+                <a:latin typeface="Tahoma"/>
+                <a:ea typeface="Tahoma"/>
+                <a:cs typeface="Tahoma"/>
+                <a:sym typeface="Tahoma"/>
+              </a:rPr>
+              <a:t>uwierzytelnianie </a:t>
+            </a:r>
+            <a:r>
+              <a:rPr lang="pl" sz="1625">
+                <a:solidFill>
+                  <a:srgbClr val="000000"/>
+                </a:solidFill>
+                <a:latin typeface="Tahoma"/>
+                <a:ea typeface="Tahoma"/>
+                <a:cs typeface="Tahoma"/>
+                <a:sym typeface="Tahoma"/>
+              </a:rPr>
+              <a:t>(potwierdzenie tożsamości serwera). Jest obowiązkowy dla stron obsługujących płatności, loginy czy dane osobowe.</a:t>
+            </a:r>
+            <a:endParaRPr sz="1625">
+              <a:solidFill>
+                <a:srgbClr val="000000"/>
+              </a:solidFill>
+              <a:latin typeface="Tahoma"/>
+              <a:ea typeface="Tahoma"/>
+              <a:cs typeface="Tahoma"/>
+              <a:sym typeface="Tahoma"/>
+            </a:endParaRPr>
+          </a:p>
+          <a:p>
+            <a:pPr indent="0" lvl="0" marL="0" rtl="0" algn="l">
+              <a:spcBef>
+                <a:spcPts val="600"/>
+              </a:spcBef>
+              <a:spcAft>
+                <a:spcPts val="0"/>
+              </a:spcAft>
+              <a:buNone/>
+            </a:pPr>
+            <a:r>
+              <a:rPr b="1" lang="pl" sz="1625">
+                <a:solidFill>
+                  <a:srgbClr val="000000"/>
+                </a:solidFill>
+                <a:latin typeface="Tahoma"/>
+                <a:ea typeface="Tahoma"/>
+                <a:cs typeface="Tahoma"/>
+                <a:sym typeface="Tahoma"/>
+              </a:rPr>
+              <a:t>Wady</a:t>
+            </a:r>
+            <a:r>
+              <a:rPr lang="pl" sz="1625">
+                <a:solidFill>
+                  <a:srgbClr val="000000"/>
+                </a:solidFill>
+                <a:latin typeface="Tahoma"/>
+                <a:ea typeface="Tahoma"/>
+                <a:cs typeface="Tahoma"/>
+                <a:sym typeface="Tahoma"/>
+              </a:rPr>
+              <a:t>: </a:t>
+            </a:r>
+            <a:r>
+              <a:rPr b="1" lang="pl" sz="1625">
+                <a:solidFill>
+                  <a:srgbClr val="0B5394"/>
+                </a:solidFill>
+                <a:latin typeface="Tahoma"/>
+                <a:ea typeface="Tahoma"/>
+                <a:cs typeface="Tahoma"/>
+                <a:sym typeface="Tahoma"/>
+              </a:rPr>
+              <a:t>Lekko wolniejszy od HTTP ze względu na szyfrowanie</a:t>
+            </a:r>
+            <a:r>
+              <a:rPr lang="pl" sz="1625">
+                <a:solidFill>
+                  <a:srgbClr val="0B5394"/>
+                </a:solidFill>
+                <a:latin typeface="Tahoma"/>
+                <a:ea typeface="Tahoma"/>
+                <a:cs typeface="Tahoma"/>
+                <a:sym typeface="Tahoma"/>
+              </a:rPr>
+              <a:t> </a:t>
+            </a:r>
+            <a:r>
+              <a:rPr lang="pl" sz="1625">
+                <a:solidFill>
+                  <a:srgbClr val="000000"/>
+                </a:solidFill>
+                <a:latin typeface="Tahoma"/>
+                <a:ea typeface="Tahoma"/>
+                <a:cs typeface="Tahoma"/>
+                <a:sym typeface="Tahoma"/>
+              </a:rPr>
+              <a:t>(choć różnica jest minimalna w nowoczesnych systemach). Wymaga certyfikatu, co może być dodatkowym kosztem.</a:t>
+            </a:r>
+            <a:endParaRPr sz="1625">
+              <a:solidFill>
+                <a:srgbClr val="000000"/>
+              </a:solidFill>
+              <a:latin typeface="Tahoma"/>
+              <a:ea typeface="Tahoma"/>
+              <a:cs typeface="Tahoma"/>
+              <a:sym typeface="Tahoma"/>
+            </a:endParaRPr>
+          </a:p>
+          <a:p>
+            <a:pPr indent="0" lvl="0" marL="0" rtl="0" algn="l">
+              <a:spcBef>
+                <a:spcPts val="0"/>
+              </a:spcBef>
+              <a:spcAft>
+                <a:spcPts val="1200"/>
+              </a:spcAft>
+              <a:buNone/>
+            </a:pPr>
+            <a:r>
+              <a:t/>
+            </a:r>
+            <a:endParaRPr/>
+          </a:p>
+        </p:txBody>
+      </p:sp>
+    </p:spTree>
+  </p:cSld>
+  <p:clrMapOvr>
+    <a:masterClrMapping/>
+  </p:clrMapOvr>
+</p:sld>
+</file>
+
+<file path=ppt/slides/slide79.xml><?xml version="1.0" encoding="utf-8"?>
+<p:sld xmlns:a="http://schemas.openxmlformats.org/drawingml/2006/main" xmlns:r="http://schemas.openxmlformats.org/officeDocument/2006/relationships" xmlns:mc="http://schemas.openxmlformats.org/markup-compatibility/2006" xmlns:mv="urn:schemas-microsoft-com:mac:vml" xmlns:p="http://schemas.openxmlformats.org/presentationml/2006/main" xmlns:c="http://schemas.openxmlformats.org/drawingml/2006/chart" xmlns:dgm="http://schemas.openxmlformats.org/drawingml/2006/diagram" xmlns:o="urn:schemas-microsoft-com:office:office" xmlns:v="urn:schemas-microsoft-com:vml" xmlns:pvml="urn:schemas-microsoft-com:office:powerpoint" xmlns:com="http://schemas.openxmlformats.org/drawingml/2006/compatibility" xmlns:p14="http://schemas.microsoft.com/office/powerpoint/2010/main" xmlns:p15="http://schemas.microsoft.com/office/powerpoint/2012/main" xmlns:ahyp="http://schemas.microsoft.com/office/drawing/2018/hyperlinkcolor">
+  <p:cSld>
+    <p:spTree>
+      <p:nvGrpSpPr>
+        <p:cNvPr id="576" name="Shape 576"/>
+        <p:cNvGrpSpPr/>
+        <p:nvPr/>
+      </p:nvGrpSpPr>
+      <p:grpSpPr>
+        <a:xfrm>
+          <a:off x="0" y="0"/>
+          <a:ext cx="0" cy="0"/>
+          <a:chOff x="0" y="0"/>
+          <a:chExt cx="0" cy="0"/>
+        </a:xfrm>
+      </p:grpSpPr>
+      <p:sp>
+        <p:nvSpPr>
+          <p:cNvPr id="577" name="Google Shape;577;p91"/>
+          <p:cNvSpPr txBox="1"/>
+          <p:nvPr>
+            <p:ph type="title"/>
+          </p:nvPr>
+        </p:nvSpPr>
+        <p:spPr>
+          <a:xfrm>
+            <a:off x="729450" y="1318650"/>
+            <a:ext cx="7688700" cy="535200"/>
+          </a:xfrm>
+          <a:prstGeom prst="rect">
+            <a:avLst/>
+          </a:prstGeom>
+        </p:spPr>
+        <p:txBody>
+          <a:bodyPr anchorCtr="0" anchor="t" bIns="91425" lIns="91425" spcFirstLastPara="1" rIns="91425" wrap="square" tIns="91425">
+            <a:noAutofit/>
+          </a:bodyPr>
+          <a:lstStyle/>
+          <a:p>
+            <a:pPr indent="0" lvl="0" marL="0" rtl="0" algn="l">
+              <a:lnSpc>
+                <a:spcPct val="150000"/>
+              </a:lnSpc>
+              <a:spcBef>
+                <a:spcPts val="800"/>
+              </a:spcBef>
+              <a:spcAft>
+                <a:spcPts val="2100"/>
+              </a:spcAft>
+              <a:buNone/>
+            </a:pPr>
+            <a:r>
+              <a:rPr lang="pl" sz="2400">
+                <a:solidFill>
+                  <a:srgbClr val="001D35"/>
+                </a:solidFill>
+                <a:highlight>
+                  <a:srgbClr val="FFFFFF"/>
+                </a:highlight>
+                <a:latin typeface="Tahoma"/>
+                <a:ea typeface="Tahoma"/>
+                <a:cs typeface="Tahoma"/>
+                <a:sym typeface="Tahoma"/>
+              </a:rPr>
+              <a:t>HTTPS i </a:t>
+            </a:r>
+            <a:r>
+              <a:rPr lang="pl" sz="2400">
+                <a:solidFill>
+                  <a:srgbClr val="1F1F1F"/>
+                </a:solidFill>
+                <a:highlight>
+                  <a:srgbClr val="FFFFFF"/>
+                </a:highlight>
+                <a:latin typeface="Tahoma"/>
+                <a:ea typeface="Tahoma"/>
+                <a:cs typeface="Tahoma"/>
+                <a:sym typeface="Tahoma"/>
+              </a:rPr>
+              <a:t>SEO (Search Engine Optimization)</a:t>
+            </a:r>
+            <a:endParaRPr sz="3800">
+              <a:latin typeface="Tahoma"/>
+              <a:ea typeface="Tahoma"/>
+              <a:cs typeface="Tahoma"/>
+              <a:sym typeface="Tahoma"/>
+            </a:endParaRPr>
+          </a:p>
+        </p:txBody>
+      </p:sp>
+      <p:sp>
+        <p:nvSpPr>
+          <p:cNvPr id="578" name="Google Shape;578;p91"/>
+          <p:cNvSpPr txBox="1"/>
+          <p:nvPr>
+            <p:ph idx="1" type="body"/>
+          </p:nvPr>
+        </p:nvSpPr>
+        <p:spPr>
+          <a:xfrm>
+            <a:off x="729450" y="2078875"/>
+            <a:ext cx="7688700" cy="2963700"/>
+          </a:xfrm>
+          <a:prstGeom prst="rect">
+            <a:avLst/>
+          </a:prstGeom>
+        </p:spPr>
+        <p:txBody>
+          <a:bodyPr anchorCtr="0" anchor="t" bIns="91425" lIns="91425" spcFirstLastPara="1" rIns="91425" wrap="square" tIns="91425">
+            <a:noAutofit/>
+          </a:bodyPr>
+          <a:lstStyle/>
+          <a:p>
+            <a:pPr indent="0" lvl="0" marL="0" rtl="0" algn="l">
+              <a:lnSpc>
+                <a:spcPct val="150000"/>
+              </a:lnSpc>
+              <a:spcBef>
+                <a:spcPts val="800"/>
+              </a:spcBef>
+              <a:spcAft>
+                <a:spcPts val="0"/>
+              </a:spcAft>
+              <a:buNone/>
+            </a:pPr>
+            <a:r>
+              <a:rPr b="1" lang="pl" sz="1400">
+                <a:solidFill>
+                  <a:srgbClr val="001D35"/>
+                </a:solidFill>
+                <a:highlight>
+                  <a:srgbClr val="FFFFFF"/>
+                </a:highlight>
+                <a:latin typeface="Tahoma"/>
+                <a:ea typeface="Tahoma"/>
+                <a:cs typeface="Tahoma"/>
+                <a:sym typeface="Tahoma"/>
+              </a:rPr>
+              <a:t>Lepsze pozycjonowanie:</a:t>
+            </a:r>
+            <a:r>
+              <a:rPr lang="pl" sz="1400">
+                <a:solidFill>
+                  <a:srgbClr val="001D35"/>
+                </a:solidFill>
+                <a:highlight>
+                  <a:srgbClr val="FFFFFF"/>
+                </a:highlight>
+                <a:latin typeface="Tahoma"/>
+                <a:ea typeface="Tahoma"/>
+                <a:cs typeface="Tahoma"/>
+                <a:sym typeface="Tahoma"/>
+              </a:rPr>
+              <a:t> Google traktuje HTTPS jako sygnał rankingowy, co może poprawić pozycję strony w wynikach wyszukiwania. </a:t>
+            </a:r>
+            <a:endParaRPr sz="1400">
+              <a:solidFill>
+                <a:srgbClr val="001D35"/>
+              </a:solidFill>
+              <a:highlight>
+                <a:srgbClr val="FFFFFF"/>
+              </a:highlight>
+              <a:latin typeface="Tahoma"/>
+              <a:ea typeface="Tahoma"/>
+              <a:cs typeface="Tahoma"/>
+              <a:sym typeface="Tahoma"/>
+            </a:endParaRPr>
+          </a:p>
+          <a:p>
+            <a:pPr indent="0" lvl="0" marL="0" rtl="0" algn="l">
+              <a:spcBef>
+                <a:spcPts val="2100"/>
+              </a:spcBef>
+              <a:spcAft>
+                <a:spcPts val="1200"/>
+              </a:spcAft>
+              <a:buNone/>
+            </a:pPr>
+            <a:r>
+              <a:rPr lang="pl" sz="1400">
+                <a:solidFill>
+                  <a:srgbClr val="1F1F1F"/>
+                </a:solidFill>
+                <a:highlight>
+                  <a:srgbClr val="FFFFFF"/>
+                </a:highlight>
+                <a:latin typeface="Tahoma"/>
+                <a:ea typeface="Tahoma"/>
+                <a:cs typeface="Tahoma"/>
+                <a:sym typeface="Tahoma"/>
+              </a:rPr>
+              <a:t>HTTPS chroni przed przechwyceniem danych przez osoby trzecie, nie gwarantuje pełnego bezpieczeństwa, ponieważ </a:t>
+            </a:r>
+            <a:r>
+              <a:rPr b="1" lang="pl" sz="1400">
+                <a:solidFill>
+                  <a:srgbClr val="1F1F1F"/>
+                </a:solidFill>
+                <a:highlight>
+                  <a:srgbClr val="FFFFFF"/>
+                </a:highlight>
+                <a:latin typeface="Tahoma"/>
+                <a:ea typeface="Tahoma"/>
+                <a:cs typeface="Tahoma"/>
+                <a:sym typeface="Tahoma"/>
+              </a:rPr>
+              <a:t>sama strona może być złośliwa lub zawierać phishing</a:t>
+            </a:r>
+            <a:r>
+              <a:rPr lang="pl" sz="1400">
+                <a:solidFill>
+                  <a:srgbClr val="1F1F1F"/>
+                </a:solidFill>
+                <a:highlight>
+                  <a:srgbClr val="FFFFFF"/>
+                </a:highlight>
+                <a:latin typeface="Tahoma"/>
+                <a:ea typeface="Tahoma"/>
+                <a:cs typeface="Tahoma"/>
+                <a:sym typeface="Tahoma"/>
+              </a:rPr>
+              <a:t> (forma oszustwa internetowego polegająca na </a:t>
+            </a:r>
+            <a:r>
+              <a:rPr lang="pl" sz="1400">
+                <a:solidFill>
+                  <a:srgbClr val="000000"/>
+                </a:solidFill>
+                <a:latin typeface="Tahoma"/>
+                <a:ea typeface="Tahoma"/>
+                <a:cs typeface="Tahoma"/>
+                <a:sym typeface="Tahoma"/>
+              </a:rPr>
+              <a:t>podszywaniu się pod zaufane instytucje lub osoby w celu wyłudzenia poufnych danych, takich jak loginy, hasła czy dane kart płatniczych, lub nakłonienia ofiary do wykonania określonych działań)</a:t>
+            </a:r>
+            <a:r>
+              <a:rPr lang="pl" sz="1400">
+                <a:solidFill>
+                  <a:srgbClr val="1F1F1F"/>
+                </a:solidFill>
+                <a:highlight>
+                  <a:srgbClr val="FFFFFF"/>
+                </a:highlight>
+                <a:latin typeface="Tahoma"/>
+                <a:ea typeface="Tahoma"/>
+                <a:cs typeface="Tahoma"/>
+                <a:sym typeface="Tahoma"/>
+              </a:rPr>
+              <a:t>.</a:t>
+            </a:r>
+            <a:r>
+              <a:rPr b="1" lang="pl" sz="1400">
+                <a:solidFill>
+                  <a:srgbClr val="7F6000"/>
+                </a:solidFill>
+                <a:highlight>
+                  <a:srgbClr val="FFFFFF"/>
+                </a:highlight>
+                <a:latin typeface="Tahoma"/>
+                <a:ea typeface="Tahoma"/>
+                <a:cs typeface="Tahoma"/>
+                <a:sym typeface="Tahoma"/>
+              </a:rPr>
+              <a:t> Dlatego zawsze należy zachować ostrożność, zwłaszcza przy wprowadzaniu danych wrażliwych, i dokładnie sprawdzać adres URL przed podaniem informacji. </a:t>
+            </a:r>
+            <a:endParaRPr b="1" sz="1400">
+              <a:solidFill>
+                <a:srgbClr val="7F6000"/>
+              </a:solidFill>
+              <a:latin typeface="Tahoma"/>
+              <a:ea typeface="Tahoma"/>
+              <a:cs typeface="Tahoma"/>
+              <a:sym typeface="Tahoma"/>
+            </a:endParaRPr>
+          </a:p>
+        </p:txBody>
+      </p:sp>
+      <p:pic>
+        <p:nvPicPr>
+          <p:cNvPr id="579" name="Google Shape;579;p91"/>
+          <p:cNvPicPr preferRelativeResize="0"/>
+          <p:nvPr/>
+        </p:nvPicPr>
+        <p:blipFill>
+          <a:blip r:embed="rId3">
+            <a:alphaModFix/>
+          </a:blip>
+          <a:stretch>
+            <a:fillRect/>
+          </a:stretch>
+        </p:blipFill>
+        <p:spPr>
+          <a:xfrm>
+            <a:off x="7596700" y="662275"/>
+            <a:ext cx="1191575" cy="1191575"/>
+          </a:xfrm>
+          <a:prstGeom prst="rect">
+            <a:avLst/>
+          </a:prstGeom>
+          <a:noFill/>
+          <a:ln>
+            <a:noFill/>
+          </a:ln>
+        </p:spPr>
+      </p:pic>
+    </p:spTree>
+  </p:cSld>
+  <p:clrMapOvr>
+    <a:masterClrMapping/>
+  </p:clrMapOvr>
+</p:sld>
+</file>
+
 <file path=ppt/slides/slide8.xml><?xml version="1.0" encoding="utf-8"?>
 <p:sld xmlns:a="http://schemas.openxmlformats.org/drawingml/2006/main" xmlns:r="http://schemas.openxmlformats.org/officeDocument/2006/relationships" xmlns:mc="http://schemas.openxmlformats.org/markup-compatibility/2006" xmlns:mv="urn:schemas-microsoft-com:mac:vml" xmlns:p="http://schemas.openxmlformats.org/presentationml/2006/main" xmlns:c="http://schemas.openxmlformats.org/drawingml/2006/chart" xmlns:dgm="http://schemas.openxmlformats.org/drawingml/2006/diagram" xmlns:o="urn:schemas-microsoft-com:office:office" xmlns:v="urn:schemas-microsoft-com:vml" xmlns:pvml="urn:schemas-microsoft-com:office:powerpoint" xmlns:com="http://schemas.openxmlformats.org/drawingml/2006/compatibility" xmlns:p14="http://schemas.microsoft.com/office/powerpoint/2010/main" xmlns:p15="http://schemas.microsoft.com/office/powerpoint/2012/main" xmlns:ahyp="http://schemas.microsoft.com/office/drawing/2018/hyperlinkcolor">
   <p:cSld>
@@ -41498,6 +43678,872 @@
           </a:ln>
         </p:spPr>
       </p:pic>
+    </p:spTree>
+  </p:cSld>
+  <p:clrMapOvr>
+    <a:masterClrMapping/>
+  </p:clrMapOvr>
+</p:sld>
+</file>
+
+<file path=ppt/slides/slide80.xml><?xml version="1.0" encoding="utf-8"?>
+<p:sld xmlns:a="http://schemas.openxmlformats.org/drawingml/2006/main" xmlns:r="http://schemas.openxmlformats.org/officeDocument/2006/relationships" xmlns:mc="http://schemas.openxmlformats.org/markup-compatibility/2006" xmlns:mv="urn:schemas-microsoft-com:mac:vml" xmlns:p="http://schemas.openxmlformats.org/presentationml/2006/main" xmlns:c="http://schemas.openxmlformats.org/drawingml/2006/chart" xmlns:dgm="http://schemas.openxmlformats.org/drawingml/2006/diagram" xmlns:o="urn:schemas-microsoft-com:office:office" xmlns:v="urn:schemas-microsoft-com:vml" xmlns:pvml="urn:schemas-microsoft-com:office:powerpoint" xmlns:com="http://schemas.openxmlformats.org/drawingml/2006/compatibility" xmlns:p14="http://schemas.microsoft.com/office/powerpoint/2010/main" xmlns:p15="http://schemas.microsoft.com/office/powerpoint/2012/main" xmlns:ahyp="http://schemas.microsoft.com/office/drawing/2018/hyperlinkcolor">
+  <p:cSld>
+    <p:spTree>
+      <p:nvGrpSpPr>
+        <p:cNvPr id="583" name="Shape 583"/>
+        <p:cNvGrpSpPr/>
+        <p:nvPr/>
+      </p:nvGrpSpPr>
+      <p:grpSpPr>
+        <a:xfrm>
+          <a:off x="0" y="0"/>
+          <a:ext cx="0" cy="0"/>
+          <a:chOff x="0" y="0"/>
+          <a:chExt cx="0" cy="0"/>
+        </a:xfrm>
+      </p:grpSpPr>
+      <p:sp>
+        <p:nvSpPr>
+          <p:cNvPr id="584" name="Google Shape;584;p92"/>
+          <p:cNvSpPr txBox="1"/>
+          <p:nvPr>
+            <p:ph type="title"/>
+          </p:nvPr>
+        </p:nvSpPr>
+        <p:spPr>
+          <a:xfrm>
+            <a:off x="729450" y="1318650"/>
+            <a:ext cx="7688700" cy="535200"/>
+          </a:xfrm>
+          <a:prstGeom prst="rect">
+            <a:avLst/>
+          </a:prstGeom>
+        </p:spPr>
+        <p:txBody>
+          <a:bodyPr anchorCtr="0" anchor="t" bIns="91425" lIns="91425" spcFirstLastPara="1" rIns="91425" wrap="square" tIns="91425">
+            <a:noAutofit/>
+          </a:bodyPr>
+          <a:lstStyle/>
+          <a:p>
+            <a:pPr indent="0" lvl="0" marL="0" rtl="0" algn="l">
+              <a:lnSpc>
+                <a:spcPct val="120000"/>
+              </a:lnSpc>
+              <a:spcBef>
+                <a:spcPts val="2300"/>
+              </a:spcBef>
+              <a:spcAft>
+                <a:spcPts val="0"/>
+              </a:spcAft>
+              <a:buSzPts val="990"/>
+              <a:buNone/>
+            </a:pPr>
+            <a:r>
+              <a:rPr lang="pl"/>
+              <a:t>📝</a:t>
+            </a:r>
+            <a:r>
+              <a:rPr lang="pl" sz="2400">
+                <a:solidFill>
+                  <a:srgbClr val="000000"/>
+                </a:solidFill>
+                <a:latin typeface="Tahoma"/>
+                <a:ea typeface="Tahoma"/>
+                <a:cs typeface="Tahoma"/>
+                <a:sym typeface="Tahoma"/>
+              </a:rPr>
+              <a:t>Różnice między HTTP a HTTPS</a:t>
+            </a:r>
+            <a:endParaRPr sz="2400">
+              <a:solidFill>
+                <a:srgbClr val="000000"/>
+              </a:solidFill>
+              <a:latin typeface="Tahoma"/>
+              <a:ea typeface="Tahoma"/>
+              <a:cs typeface="Tahoma"/>
+              <a:sym typeface="Tahoma"/>
+            </a:endParaRPr>
+          </a:p>
+          <a:p>
+            <a:pPr indent="0" lvl="0" marL="0" rtl="0" algn="l">
+              <a:spcBef>
+                <a:spcPts val="800"/>
+              </a:spcBef>
+              <a:spcAft>
+                <a:spcPts val="0"/>
+              </a:spcAft>
+              <a:buSzPts val="990"/>
+              <a:buNone/>
+            </a:pPr>
+            <a:r>
+              <a:t/>
+            </a:r>
+            <a:endParaRPr sz="2340"/>
+          </a:p>
+        </p:txBody>
+      </p:sp>
+      <p:sp>
+        <p:nvSpPr>
+          <p:cNvPr id="585" name="Google Shape;585;p92"/>
+          <p:cNvSpPr txBox="1"/>
+          <p:nvPr>
+            <p:ph idx="1" type="body"/>
+          </p:nvPr>
+        </p:nvSpPr>
+        <p:spPr>
+          <a:xfrm>
+            <a:off x="652650" y="2020100"/>
+            <a:ext cx="7765500" cy="3058800"/>
+          </a:xfrm>
+          <a:prstGeom prst="rect">
+            <a:avLst/>
+          </a:prstGeom>
+        </p:spPr>
+        <p:txBody>
+          <a:bodyPr anchorCtr="0" anchor="t" bIns="91425" lIns="91425" spcFirstLastPara="1" rIns="91425" wrap="square" tIns="91425">
+            <a:normAutofit/>
+          </a:bodyPr>
+          <a:lstStyle/>
+          <a:p>
+            <a:pPr indent="0" lvl="0" marL="0" rtl="0" algn="l">
+              <a:spcBef>
+                <a:spcPts val="0"/>
+              </a:spcBef>
+              <a:spcAft>
+                <a:spcPts val="1200"/>
+              </a:spcAft>
+              <a:buNone/>
+            </a:pPr>
+            <a:r>
+              <a:t/>
+            </a:r>
+            <a:endParaRPr/>
+          </a:p>
+        </p:txBody>
+      </p:sp>
+      <p:graphicFrame>
+        <p:nvGraphicFramePr>
+          <p:cNvPr id="586" name="Google Shape;586;p92"/>
+          <p:cNvGraphicFramePr/>
+          <p:nvPr/>
+        </p:nvGraphicFramePr>
+        <p:xfrm>
+          <a:off x="915900" y="2128025"/>
+          <a:ext cx="3000000" cy="3000000"/>
+        </p:xfrm>
+        <a:graphic>
+          <a:graphicData uri="http://schemas.openxmlformats.org/drawingml/2006/table">
+            <a:tbl>
+              <a:tblPr>
+                <a:noFill/>
+                <a:tableStyleId>{DA40C047-EC74-4BEB-96FE-49983B3211F4}</a:tableStyleId>
+              </a:tblPr>
+              <a:tblGrid>
+                <a:gridCol w="1690400"/>
+                <a:gridCol w="2716050"/>
+                <a:gridCol w="2832550"/>
+              </a:tblGrid>
+              <a:tr h="381000">
+                <a:tc>
+                  <a:txBody>
+                    <a:bodyPr/>
+                    <a:lstStyle/>
+                    <a:p>
+                      <a:pPr indent="0" lvl="0" marL="0" rtl="0" algn="l">
+                        <a:spcBef>
+                          <a:spcPts val="0"/>
+                        </a:spcBef>
+                        <a:spcAft>
+                          <a:spcPts val="0"/>
+                        </a:spcAft>
+                        <a:buNone/>
+                      </a:pPr>
+                      <a:r>
+                        <a:rPr b="1" lang="pl">
+                          <a:solidFill>
+                            <a:srgbClr val="0B5394"/>
+                          </a:solidFill>
+                        </a:rPr>
+                        <a:t>Cecha</a:t>
+                      </a:r>
+                      <a:endParaRPr b="1">
+                        <a:solidFill>
+                          <a:srgbClr val="0B5394"/>
+                        </a:solidFill>
+                      </a:endParaRPr>
+                    </a:p>
+                  </a:txBody>
+                  <a:tcPr marT="91425" marB="91425" marR="91425" marL="91425"/>
+                </a:tc>
+                <a:tc>
+                  <a:txBody>
+                    <a:bodyPr/>
+                    <a:lstStyle/>
+                    <a:p>
+                      <a:pPr indent="0" lvl="0" marL="0" rtl="0" algn="l">
+                        <a:spcBef>
+                          <a:spcPts val="0"/>
+                        </a:spcBef>
+                        <a:spcAft>
+                          <a:spcPts val="0"/>
+                        </a:spcAft>
+                        <a:buNone/>
+                      </a:pPr>
+                      <a:r>
+                        <a:rPr b="1" lang="pl">
+                          <a:solidFill>
+                            <a:srgbClr val="0B5394"/>
+                          </a:solidFill>
+                        </a:rPr>
+                        <a:t>HTTP</a:t>
+                      </a:r>
+                      <a:endParaRPr b="1">
+                        <a:solidFill>
+                          <a:srgbClr val="0B5394"/>
+                        </a:solidFill>
+                      </a:endParaRPr>
+                    </a:p>
+                  </a:txBody>
+                  <a:tcPr marT="91425" marB="91425" marR="91425" marL="91425"/>
+                </a:tc>
+                <a:tc>
+                  <a:txBody>
+                    <a:bodyPr/>
+                    <a:lstStyle/>
+                    <a:p>
+                      <a:pPr indent="0" lvl="0" marL="0" rtl="0" algn="l">
+                        <a:spcBef>
+                          <a:spcPts val="0"/>
+                        </a:spcBef>
+                        <a:spcAft>
+                          <a:spcPts val="0"/>
+                        </a:spcAft>
+                        <a:buNone/>
+                      </a:pPr>
+                      <a:r>
+                        <a:rPr b="1" lang="pl">
+                          <a:solidFill>
+                            <a:srgbClr val="0B5394"/>
+                          </a:solidFill>
+                        </a:rPr>
+                        <a:t>HTTPS</a:t>
+                      </a:r>
+                      <a:endParaRPr b="1">
+                        <a:solidFill>
+                          <a:srgbClr val="0B5394"/>
+                        </a:solidFill>
+                      </a:endParaRPr>
+                    </a:p>
+                  </a:txBody>
+                  <a:tcPr marT="91425" marB="91425" marR="91425" marL="91425"/>
+                </a:tc>
+              </a:tr>
+              <a:tr h="381000">
+                <a:tc>
+                  <a:txBody>
+                    <a:bodyPr/>
+                    <a:lstStyle/>
+                    <a:p>
+                      <a:pPr indent="0" lvl="0" marL="0" rtl="0" algn="l">
+                        <a:spcBef>
+                          <a:spcPts val="0"/>
+                        </a:spcBef>
+                        <a:spcAft>
+                          <a:spcPts val="0"/>
+                        </a:spcAft>
+                        <a:buNone/>
+                      </a:pPr>
+                      <a:r>
+                        <a:rPr b="1" lang="pl" sz="1100">
+                          <a:solidFill>
+                            <a:srgbClr val="274E13"/>
+                          </a:solidFill>
+                          <a:latin typeface="Tahoma"/>
+                          <a:ea typeface="Tahoma"/>
+                          <a:cs typeface="Tahoma"/>
+                          <a:sym typeface="Tahoma"/>
+                        </a:rPr>
+                        <a:t>Szyfrowanie danych </a:t>
+                      </a:r>
+                      <a:endParaRPr b="1" sz="1100">
+                        <a:solidFill>
+                          <a:srgbClr val="274E13"/>
+                        </a:solidFill>
+                        <a:latin typeface="Tahoma"/>
+                        <a:ea typeface="Tahoma"/>
+                        <a:cs typeface="Tahoma"/>
+                        <a:sym typeface="Tahoma"/>
+                      </a:endParaRPr>
+                    </a:p>
+                  </a:txBody>
+                  <a:tcPr marT="91425" marB="91425" marR="91425" marL="91425"/>
+                </a:tc>
+                <a:tc>
+                  <a:txBody>
+                    <a:bodyPr/>
+                    <a:lstStyle/>
+                    <a:p>
+                      <a:pPr indent="0" lvl="0" marL="0" rtl="0" algn="l">
+                        <a:spcBef>
+                          <a:spcPts val="0"/>
+                        </a:spcBef>
+                        <a:spcAft>
+                          <a:spcPts val="0"/>
+                        </a:spcAft>
+                        <a:buNone/>
+                      </a:pPr>
+                      <a:r>
+                        <a:rPr lang="pl" sz="1100">
+                          <a:latin typeface="Tahoma"/>
+                          <a:ea typeface="Tahoma"/>
+                          <a:cs typeface="Tahoma"/>
+                          <a:sym typeface="Tahoma"/>
+                        </a:rPr>
+                        <a:t>Brak</a:t>
+                      </a:r>
+                      <a:endParaRPr sz="1100">
+                        <a:latin typeface="Tahoma"/>
+                        <a:ea typeface="Tahoma"/>
+                        <a:cs typeface="Tahoma"/>
+                        <a:sym typeface="Tahoma"/>
+                      </a:endParaRPr>
+                    </a:p>
+                  </a:txBody>
+                  <a:tcPr marT="91425" marB="91425" marR="91425" marL="91425"/>
+                </a:tc>
+                <a:tc>
+                  <a:txBody>
+                    <a:bodyPr/>
+                    <a:lstStyle/>
+                    <a:p>
+                      <a:pPr indent="0" lvl="0" marL="0" rtl="0" algn="l">
+                        <a:spcBef>
+                          <a:spcPts val="0"/>
+                        </a:spcBef>
+                        <a:spcAft>
+                          <a:spcPts val="0"/>
+                        </a:spcAft>
+                        <a:buNone/>
+                      </a:pPr>
+                      <a:r>
+                        <a:rPr lang="pl" sz="1100">
+                          <a:latin typeface="Tahoma"/>
+                          <a:ea typeface="Tahoma"/>
+                          <a:cs typeface="Tahoma"/>
+                          <a:sym typeface="Tahoma"/>
+                        </a:rPr>
+                        <a:t> SSL/TLS</a:t>
+                      </a:r>
+                      <a:endParaRPr sz="1100">
+                        <a:latin typeface="Tahoma"/>
+                        <a:ea typeface="Tahoma"/>
+                        <a:cs typeface="Tahoma"/>
+                        <a:sym typeface="Tahoma"/>
+                      </a:endParaRPr>
+                    </a:p>
+                  </a:txBody>
+                  <a:tcPr marT="91425" marB="91425" marR="91425" marL="91425"/>
+                </a:tc>
+              </a:tr>
+              <a:tr h="381000">
+                <a:tc>
+                  <a:txBody>
+                    <a:bodyPr/>
+                    <a:lstStyle/>
+                    <a:p>
+                      <a:pPr indent="0" lvl="0" marL="0" rtl="0" algn="l">
+                        <a:spcBef>
+                          <a:spcPts val="0"/>
+                        </a:spcBef>
+                        <a:spcAft>
+                          <a:spcPts val="0"/>
+                        </a:spcAft>
+                        <a:buNone/>
+                      </a:pPr>
+                      <a:r>
+                        <a:rPr b="1" lang="pl" sz="1100">
+                          <a:solidFill>
+                            <a:srgbClr val="274E13"/>
+                          </a:solidFill>
+                          <a:latin typeface="Tahoma"/>
+                          <a:ea typeface="Tahoma"/>
+                          <a:cs typeface="Tahoma"/>
+                          <a:sym typeface="Tahoma"/>
+                        </a:rPr>
+                        <a:t>Bezpieczeństwo</a:t>
+                      </a:r>
+                      <a:endParaRPr b="1" sz="1100">
+                        <a:solidFill>
+                          <a:srgbClr val="274E13"/>
+                        </a:solidFill>
+                        <a:latin typeface="Tahoma"/>
+                        <a:ea typeface="Tahoma"/>
+                        <a:cs typeface="Tahoma"/>
+                        <a:sym typeface="Tahoma"/>
+                      </a:endParaRPr>
+                    </a:p>
+                  </a:txBody>
+                  <a:tcPr marT="91425" marB="91425" marR="91425" marL="91425"/>
+                </a:tc>
+                <a:tc>
+                  <a:txBody>
+                    <a:bodyPr/>
+                    <a:lstStyle/>
+                    <a:p>
+                      <a:pPr indent="0" lvl="0" marL="0" rtl="0" algn="l">
+                        <a:spcBef>
+                          <a:spcPts val="0"/>
+                        </a:spcBef>
+                        <a:spcAft>
+                          <a:spcPts val="0"/>
+                        </a:spcAft>
+                        <a:buNone/>
+                      </a:pPr>
+                      <a:r>
+                        <a:rPr lang="pl" sz="1100">
+                          <a:latin typeface="Tahoma"/>
+                          <a:ea typeface="Tahoma"/>
+                          <a:cs typeface="Tahoma"/>
+                          <a:sym typeface="Tahoma"/>
+                        </a:rPr>
+                        <a:t>P</a:t>
+                      </a:r>
+                      <a:r>
+                        <a:rPr lang="pl" sz="1100">
+                          <a:latin typeface="Tahoma"/>
+                          <a:ea typeface="Tahoma"/>
+                          <a:cs typeface="Tahoma"/>
+                          <a:sym typeface="Tahoma"/>
+                        </a:rPr>
+                        <a:t>odatne na podsłuch i ataki MITM</a:t>
+                      </a:r>
+                      <a:endParaRPr sz="1100">
+                        <a:latin typeface="Tahoma"/>
+                        <a:ea typeface="Tahoma"/>
+                        <a:cs typeface="Tahoma"/>
+                        <a:sym typeface="Tahoma"/>
+                      </a:endParaRPr>
+                    </a:p>
+                  </a:txBody>
+                  <a:tcPr marT="91425" marB="91425" marR="91425" marL="91425"/>
+                </a:tc>
+                <a:tc>
+                  <a:txBody>
+                    <a:bodyPr/>
+                    <a:lstStyle/>
+                    <a:p>
+                      <a:pPr indent="0" lvl="0" marL="0" rtl="0" algn="l">
+                        <a:spcBef>
+                          <a:spcPts val="0"/>
+                        </a:spcBef>
+                        <a:spcAft>
+                          <a:spcPts val="0"/>
+                        </a:spcAft>
+                        <a:buNone/>
+                      </a:pPr>
+                      <a:r>
+                        <a:rPr lang="pl" sz="1100">
+                          <a:latin typeface="Tahoma"/>
+                          <a:ea typeface="Tahoma"/>
+                          <a:cs typeface="Tahoma"/>
+                          <a:sym typeface="Tahoma"/>
+                        </a:rPr>
+                        <a:t>C</a:t>
+                      </a:r>
+                      <a:r>
+                        <a:rPr lang="pl" sz="1100">
+                          <a:latin typeface="Tahoma"/>
+                          <a:ea typeface="Tahoma"/>
+                          <a:cs typeface="Tahoma"/>
+                          <a:sym typeface="Tahoma"/>
+                        </a:rPr>
+                        <a:t>ertyfikat SSL/TLS potwierdza serwer, dane integralne</a:t>
+                      </a:r>
+                      <a:endParaRPr sz="1100">
+                        <a:latin typeface="Tahoma"/>
+                        <a:ea typeface="Tahoma"/>
+                        <a:cs typeface="Tahoma"/>
+                        <a:sym typeface="Tahoma"/>
+                      </a:endParaRPr>
+                    </a:p>
+                  </a:txBody>
+                  <a:tcPr marT="91425" marB="91425" marR="91425" marL="91425"/>
+                </a:tc>
+              </a:tr>
+              <a:tr h="381000">
+                <a:tc>
+                  <a:txBody>
+                    <a:bodyPr/>
+                    <a:lstStyle/>
+                    <a:p>
+                      <a:pPr indent="0" lvl="0" marL="0" rtl="0" algn="l">
+                        <a:spcBef>
+                          <a:spcPts val="0"/>
+                        </a:spcBef>
+                        <a:spcAft>
+                          <a:spcPts val="0"/>
+                        </a:spcAft>
+                        <a:buNone/>
+                      </a:pPr>
+                      <a:r>
+                        <a:rPr b="1" lang="pl" sz="1100">
+                          <a:solidFill>
+                            <a:srgbClr val="274E13"/>
+                          </a:solidFill>
+                          <a:latin typeface="Tahoma"/>
+                          <a:ea typeface="Tahoma"/>
+                          <a:cs typeface="Tahoma"/>
+                          <a:sym typeface="Tahoma"/>
+                        </a:rPr>
+                        <a:t>Domyślny port</a:t>
+                      </a:r>
+                      <a:endParaRPr b="1" sz="1100">
+                        <a:solidFill>
+                          <a:srgbClr val="274E13"/>
+                        </a:solidFill>
+                        <a:latin typeface="Tahoma"/>
+                        <a:ea typeface="Tahoma"/>
+                        <a:cs typeface="Tahoma"/>
+                        <a:sym typeface="Tahoma"/>
+                      </a:endParaRPr>
+                    </a:p>
+                  </a:txBody>
+                  <a:tcPr marT="91425" marB="91425" marR="91425" marL="91425"/>
+                </a:tc>
+                <a:tc>
+                  <a:txBody>
+                    <a:bodyPr/>
+                    <a:lstStyle/>
+                    <a:p>
+                      <a:pPr indent="0" lvl="0" marL="0" rtl="0" algn="l">
+                        <a:spcBef>
+                          <a:spcPts val="0"/>
+                        </a:spcBef>
+                        <a:spcAft>
+                          <a:spcPts val="0"/>
+                        </a:spcAft>
+                        <a:buNone/>
+                      </a:pPr>
+                      <a:r>
+                        <a:rPr lang="pl" sz="1100">
+                          <a:latin typeface="Tahoma"/>
+                          <a:ea typeface="Tahoma"/>
+                          <a:cs typeface="Tahoma"/>
+                          <a:sym typeface="Tahoma"/>
+                        </a:rPr>
+                        <a:t>80</a:t>
+                      </a:r>
+                      <a:endParaRPr sz="1100">
+                        <a:latin typeface="Tahoma"/>
+                        <a:ea typeface="Tahoma"/>
+                        <a:cs typeface="Tahoma"/>
+                        <a:sym typeface="Tahoma"/>
+                      </a:endParaRPr>
+                    </a:p>
+                  </a:txBody>
+                  <a:tcPr marT="91425" marB="91425" marR="91425" marL="91425"/>
+                </a:tc>
+                <a:tc>
+                  <a:txBody>
+                    <a:bodyPr/>
+                    <a:lstStyle/>
+                    <a:p>
+                      <a:pPr indent="0" lvl="0" marL="0" rtl="0" algn="l">
+                        <a:spcBef>
+                          <a:spcPts val="0"/>
+                        </a:spcBef>
+                        <a:spcAft>
+                          <a:spcPts val="0"/>
+                        </a:spcAft>
+                        <a:buNone/>
+                      </a:pPr>
+                      <a:r>
+                        <a:rPr lang="pl" sz="1100">
+                          <a:latin typeface="Tahoma"/>
+                          <a:ea typeface="Tahoma"/>
+                          <a:cs typeface="Tahoma"/>
+                          <a:sym typeface="Tahoma"/>
+                        </a:rPr>
+                        <a:t>443</a:t>
+                      </a:r>
+                      <a:endParaRPr sz="1100">
+                        <a:latin typeface="Tahoma"/>
+                        <a:ea typeface="Tahoma"/>
+                        <a:cs typeface="Tahoma"/>
+                        <a:sym typeface="Tahoma"/>
+                      </a:endParaRPr>
+                    </a:p>
+                  </a:txBody>
+                  <a:tcPr marT="91425" marB="91425" marR="91425" marL="91425"/>
+                </a:tc>
+              </a:tr>
+              <a:tr h="381000">
+                <a:tc>
+                  <a:txBody>
+                    <a:bodyPr/>
+                    <a:lstStyle/>
+                    <a:p>
+                      <a:pPr indent="0" lvl="0" marL="0" rtl="0" algn="l">
+                        <a:spcBef>
+                          <a:spcPts val="0"/>
+                        </a:spcBef>
+                        <a:spcAft>
+                          <a:spcPts val="0"/>
+                        </a:spcAft>
+                        <a:buNone/>
+                      </a:pPr>
+                      <a:r>
+                        <a:rPr b="1" lang="pl" sz="1100">
+                          <a:solidFill>
+                            <a:srgbClr val="274E13"/>
+                          </a:solidFill>
+                          <a:latin typeface="Tahoma"/>
+                          <a:ea typeface="Tahoma"/>
+                          <a:cs typeface="Tahoma"/>
+                          <a:sym typeface="Tahoma"/>
+                        </a:rPr>
+                        <a:t>Wydajność</a:t>
+                      </a:r>
+                      <a:endParaRPr b="1" sz="1100">
+                        <a:solidFill>
+                          <a:srgbClr val="274E13"/>
+                        </a:solidFill>
+                        <a:latin typeface="Tahoma"/>
+                        <a:ea typeface="Tahoma"/>
+                        <a:cs typeface="Tahoma"/>
+                        <a:sym typeface="Tahoma"/>
+                      </a:endParaRPr>
+                    </a:p>
+                  </a:txBody>
+                  <a:tcPr marT="91425" marB="91425" marR="91425" marL="91425"/>
+                </a:tc>
+                <a:tc>
+                  <a:txBody>
+                    <a:bodyPr/>
+                    <a:lstStyle/>
+                    <a:p>
+                      <a:pPr indent="0" lvl="0" marL="0" rtl="0" algn="l">
+                        <a:spcBef>
+                          <a:spcPts val="0"/>
+                        </a:spcBef>
+                        <a:spcAft>
+                          <a:spcPts val="0"/>
+                        </a:spcAft>
+                        <a:buNone/>
+                      </a:pPr>
+                      <a:r>
+                        <a:rPr lang="pl" sz="1100">
+                          <a:latin typeface="Tahoma"/>
+                          <a:ea typeface="Tahoma"/>
+                          <a:cs typeface="Tahoma"/>
+                          <a:sym typeface="Tahoma"/>
+                        </a:rPr>
+                        <a:t>Nieco szybsze (brak szyfrowania)</a:t>
+                      </a:r>
+                      <a:endParaRPr sz="1100">
+                        <a:latin typeface="Tahoma"/>
+                        <a:ea typeface="Tahoma"/>
+                        <a:cs typeface="Tahoma"/>
+                        <a:sym typeface="Tahoma"/>
+                      </a:endParaRPr>
+                    </a:p>
+                  </a:txBody>
+                  <a:tcPr marT="91425" marB="91425" marR="91425" marL="91425"/>
+                </a:tc>
+                <a:tc>
+                  <a:txBody>
+                    <a:bodyPr/>
+                    <a:lstStyle/>
+                    <a:p>
+                      <a:pPr indent="0" lvl="0" marL="0" rtl="0" algn="l">
+                        <a:spcBef>
+                          <a:spcPts val="0"/>
+                        </a:spcBef>
+                        <a:spcAft>
+                          <a:spcPts val="0"/>
+                        </a:spcAft>
+                        <a:buNone/>
+                      </a:pPr>
+                      <a:r>
+                        <a:rPr lang="pl" sz="1100">
+                          <a:latin typeface="Tahoma"/>
+                          <a:ea typeface="Tahoma"/>
+                          <a:cs typeface="Tahoma"/>
+                          <a:sym typeface="Tahoma"/>
+                        </a:rPr>
+                        <a:t>Minimalne wolniejsze, ale nowoczesne protokoły niwelują różnice</a:t>
+                      </a:r>
+                      <a:endParaRPr sz="1100">
+                        <a:latin typeface="Tahoma"/>
+                        <a:ea typeface="Tahoma"/>
+                        <a:cs typeface="Tahoma"/>
+                        <a:sym typeface="Tahoma"/>
+                      </a:endParaRPr>
+                    </a:p>
+                  </a:txBody>
+                  <a:tcPr marT="91425" marB="91425" marR="91425" marL="91425"/>
+                </a:tc>
+              </a:tr>
+              <a:tr h="381000">
+                <a:tc>
+                  <a:txBody>
+                    <a:bodyPr/>
+                    <a:lstStyle/>
+                    <a:p>
+                      <a:pPr indent="0" lvl="0" marL="0" rtl="0" algn="l">
+                        <a:spcBef>
+                          <a:spcPts val="0"/>
+                        </a:spcBef>
+                        <a:spcAft>
+                          <a:spcPts val="0"/>
+                        </a:spcAft>
+                        <a:buNone/>
+                      </a:pPr>
+                      <a:r>
+                        <a:rPr b="1" lang="pl" sz="1100">
+                          <a:solidFill>
+                            <a:srgbClr val="274E13"/>
+                          </a:solidFill>
+                          <a:latin typeface="Tahoma"/>
+                          <a:ea typeface="Tahoma"/>
+                          <a:cs typeface="Tahoma"/>
+                          <a:sym typeface="Tahoma"/>
+                        </a:rPr>
+                        <a:t>Wykorzystanie</a:t>
+                      </a:r>
+                      <a:endParaRPr b="1" sz="1100">
+                        <a:solidFill>
+                          <a:srgbClr val="274E13"/>
+                        </a:solidFill>
+                        <a:latin typeface="Tahoma"/>
+                        <a:ea typeface="Tahoma"/>
+                        <a:cs typeface="Tahoma"/>
+                        <a:sym typeface="Tahoma"/>
+                      </a:endParaRPr>
+                    </a:p>
+                  </a:txBody>
+                  <a:tcPr marT="91425" marB="91425" marR="91425" marL="91425"/>
+                </a:tc>
+                <a:tc>
+                  <a:txBody>
+                    <a:bodyPr/>
+                    <a:lstStyle/>
+                    <a:p>
+                      <a:pPr indent="0" lvl="0" marL="0" rtl="0" algn="l">
+                        <a:spcBef>
+                          <a:spcPts val="0"/>
+                        </a:spcBef>
+                        <a:spcAft>
+                          <a:spcPts val="0"/>
+                        </a:spcAft>
+                        <a:buNone/>
+                      </a:pPr>
+                      <a:r>
+                        <a:rPr lang="pl" sz="1100">
+                          <a:latin typeface="Tahoma"/>
+                          <a:ea typeface="Tahoma"/>
+                          <a:cs typeface="Tahoma"/>
+                          <a:sym typeface="Tahoma"/>
+                        </a:rPr>
+                        <a:t>Radko w internecie (testy, sieci lokalne) </a:t>
+                      </a:r>
+                      <a:endParaRPr sz="1100">
+                        <a:latin typeface="Tahoma"/>
+                        <a:ea typeface="Tahoma"/>
+                        <a:cs typeface="Tahoma"/>
+                        <a:sym typeface="Tahoma"/>
+                      </a:endParaRPr>
+                    </a:p>
+                  </a:txBody>
+                  <a:tcPr marT="91425" marB="91425" marR="91425" marL="91425"/>
+                </a:tc>
+                <a:tc>
+                  <a:txBody>
+                    <a:bodyPr/>
+                    <a:lstStyle/>
+                    <a:p>
+                      <a:pPr indent="0" lvl="0" marL="0" rtl="0" algn="l">
+                        <a:spcBef>
+                          <a:spcPts val="0"/>
+                        </a:spcBef>
+                        <a:spcAft>
+                          <a:spcPts val="0"/>
+                        </a:spcAft>
+                        <a:buNone/>
+                      </a:pPr>
+                      <a:r>
+                        <a:rPr lang="pl" sz="1100">
+                          <a:latin typeface="Tahoma"/>
+                          <a:ea typeface="Tahoma"/>
+                          <a:cs typeface="Tahoma"/>
+                          <a:sym typeface="Tahoma"/>
+                        </a:rPr>
+                        <a:t>Standard w sieci(bankowość, sklepy, logowanie, serwery www</a:t>
+                      </a:r>
+                      <a:endParaRPr sz="1100">
+                        <a:latin typeface="Tahoma"/>
+                        <a:ea typeface="Tahoma"/>
+                        <a:cs typeface="Tahoma"/>
+                        <a:sym typeface="Tahoma"/>
+                      </a:endParaRPr>
+                    </a:p>
+                  </a:txBody>
+                  <a:tcPr marT="91425" marB="91425" marR="91425" marL="91425"/>
+                </a:tc>
+              </a:tr>
+            </a:tbl>
+          </a:graphicData>
+        </a:graphic>
+      </p:graphicFrame>
+      <p:graphicFrame>
+        <p:nvGraphicFramePr>
+          <p:cNvPr id="587" name="Google Shape;587;p92"/>
+          <p:cNvGraphicFramePr/>
+          <p:nvPr/>
+        </p:nvGraphicFramePr>
+        <p:xfrm>
+          <a:off x="304800" y="304800"/>
+          <a:ext cx="3000000" cy="3000000"/>
+        </p:xfrm>
+        <a:graphic>
+          <a:graphicData uri="http://schemas.openxmlformats.org/drawingml/2006/table">
+            <a:tbl>
+              <a:tblPr>
+                <a:noFill/>
+                <a:tableStyleId>{B858E2B0-E1D6-4A3C-9EDF-C94859519308}</a:tableStyleId>
+              </a:tblPr>
+              <a:tblGrid>
+                <a:gridCol w="19050"/>
+              </a:tblGrid>
+              <a:tr h="19050">
+                <a:tc>
+                  <a:txBody>
+                    <a:bodyPr/>
+                    <a:lstStyle/>
+                    <a:p>
+                      <a:pPr indent="0" lvl="0" marL="0" rtl="0" algn="l">
+                        <a:spcBef>
+                          <a:spcPts val="0"/>
+                        </a:spcBef>
+                        <a:spcAft>
+                          <a:spcPts val="0"/>
+                        </a:spcAft>
+                        <a:buNone/>
+                      </a:pPr>
+                      <a:r>
+                        <a:t/>
+                      </a:r>
+                      <a:endParaRPr/>
+                    </a:p>
+                  </a:txBody>
+                  <a:tcPr marT="91425" marB="91425" marR="91425" marL="91425"/>
+                </a:tc>
+              </a:tr>
+            </a:tbl>
+          </a:graphicData>
+        </a:graphic>
+      </p:graphicFrame>
     </p:spTree>
   </p:cSld>
   <p:clrMapOvr>

--- a/ZASTOSOWANIE_INFORMATYKI/1A-gr_2/Zastosowanie informatyki - 1A gr. 2.pptx
+++ b/ZASTOSOWANIE_INFORMATYKI/1A-gr_2/Zastosowanie informatyki - 1A gr. 2.pptx
@@ -88,35 +88,44 @@
     <p:sldId id="333" r:id="rId84"/>
     <p:sldId id="334" r:id="rId85"/>
     <p:sldId id="335" r:id="rId86"/>
+    <p:sldId id="336" r:id="rId87"/>
+    <p:sldId id="337" r:id="rId88"/>
+    <p:sldId id="338" r:id="rId89"/>
+    <p:sldId id="339" r:id="rId90"/>
+    <p:sldId id="340" r:id="rId91"/>
+    <p:sldId id="341" r:id="rId92"/>
+    <p:sldId id="342" r:id="rId93"/>
+    <p:sldId id="343" r:id="rId94"/>
+    <p:sldId id="344" r:id="rId95"/>
   </p:sldIdLst>
   <p:sldSz cy="5143500" cx="9144000"/>
   <p:notesSz cx="6858000" cy="9144000"/>
   <p:embeddedFontLst>
     <p:embeddedFont>
       <p:font typeface="Raleway"/>
-      <p:regular r:id="rId87"/>
-      <p:bold r:id="rId88"/>
-      <p:italic r:id="rId89"/>
-      <p:boldItalic r:id="rId90"/>
+      <p:regular r:id="rId96"/>
+      <p:bold r:id="rId97"/>
+      <p:italic r:id="rId98"/>
+      <p:boldItalic r:id="rId99"/>
     </p:embeddedFont>
     <p:embeddedFont>
       <p:font typeface="Roboto"/>
-      <p:regular r:id="rId91"/>
-      <p:bold r:id="rId92"/>
-      <p:italic r:id="rId93"/>
-      <p:boldItalic r:id="rId94"/>
+      <p:regular r:id="rId100"/>
+      <p:bold r:id="rId101"/>
+      <p:italic r:id="rId102"/>
+      <p:boldItalic r:id="rId103"/>
     </p:embeddedFont>
     <p:embeddedFont>
       <p:font typeface="Lato"/>
-      <p:regular r:id="rId95"/>
-      <p:bold r:id="rId96"/>
-      <p:italic r:id="rId97"/>
-      <p:boldItalic r:id="rId98"/>
+      <p:regular r:id="rId104"/>
+      <p:bold r:id="rId105"/>
+      <p:italic r:id="rId106"/>
+      <p:boldItalic r:id="rId107"/>
     </p:embeddedFont>
     <p:embeddedFont>
       <p:font typeface="Tahoma"/>
-      <p:regular r:id="rId99"/>
-      <p:bold r:id="rId100"/>
+      <p:regular r:id="rId108"/>
+      <p:bold r:id="rId109"/>
     </p:embeddedFont>
   </p:embeddedFontLst>
   <p:defaultTextStyle>
@@ -8570,6 +8579,897 @@
       <p:sp>
         <p:nvSpPr>
           <p:cNvPr id="582" name="Google Shape;582;g366736dc852_0_21:notes"/>
+          <p:cNvSpPr txBox="1"/>
+          <p:nvPr>
+            <p:ph idx="1" type="body"/>
+          </p:nvPr>
+        </p:nvSpPr>
+        <p:spPr>
+          <a:xfrm>
+            <a:off x="685800" y="4343400"/>
+            <a:ext cx="5486400" cy="4114800"/>
+          </a:xfrm>
+          <a:prstGeom prst="rect">
+            <a:avLst/>
+          </a:prstGeom>
+        </p:spPr>
+        <p:txBody>
+          <a:bodyPr anchorCtr="0" anchor="t" bIns="91425" lIns="91425" spcFirstLastPara="1" rIns="91425" wrap="square" tIns="91425">
+            <a:noAutofit/>
+          </a:bodyPr>
+          <a:lstStyle/>
+          <a:p>
+            <a:pPr indent="0" lvl="0" marL="0" rtl="0" algn="l">
+              <a:spcBef>
+                <a:spcPts val="0"/>
+              </a:spcBef>
+              <a:spcAft>
+                <a:spcPts val="0"/>
+              </a:spcAft>
+              <a:buNone/>
+            </a:pPr>
+            <a:r>
+              <a:t/>
+            </a:r>
+            <a:endParaRPr/>
+          </a:p>
+        </p:txBody>
+      </p:sp>
+    </p:spTree>
+  </p:cSld>
+  <p:clrMapOvr>
+    <a:masterClrMapping/>
+  </p:clrMapOvr>
+</p:notes>
+</file>
+
+<file path=ppt/notesSlides/notesSlide81.xml><?xml version="1.0" encoding="utf-8"?>
+<p:notes xmlns:a="http://schemas.openxmlformats.org/drawingml/2006/main" xmlns:r="http://schemas.openxmlformats.org/officeDocument/2006/relationships" xmlns:mc="http://schemas.openxmlformats.org/markup-compatibility/2006" xmlns:mv="urn:schemas-microsoft-com:mac:vml" xmlns:p="http://schemas.openxmlformats.org/presentationml/2006/main" xmlns:c="http://schemas.openxmlformats.org/drawingml/2006/chart" xmlns:dgm="http://schemas.openxmlformats.org/drawingml/2006/diagram" xmlns:o="urn:schemas-microsoft-com:office:office" xmlns:v="urn:schemas-microsoft-com:vml" xmlns:pvml="urn:schemas-microsoft-com:office:powerpoint" xmlns:com="http://schemas.openxmlformats.org/drawingml/2006/compatibility" xmlns:p14="http://schemas.microsoft.com/office/powerpoint/2010/main" xmlns:p15="http://schemas.microsoft.com/office/powerpoint/2012/main" xmlns:ahyp="http://schemas.microsoft.com/office/drawing/2018/hyperlinkcolor" showMasterPhAnim="0" showMasterSp="0">
+  <p:cSld>
+    <p:spTree>
+      <p:nvGrpSpPr>
+        <p:cNvPr id="588" name="Shape 588"/>
+        <p:cNvGrpSpPr/>
+        <p:nvPr/>
+      </p:nvGrpSpPr>
+      <p:grpSpPr>
+        <a:xfrm>
+          <a:off x="0" y="0"/>
+          <a:ext cx="0" cy="0"/>
+          <a:chOff x="0" y="0"/>
+          <a:chExt cx="0" cy="0"/>
+        </a:xfrm>
+      </p:grpSpPr>
+      <p:sp>
+        <p:nvSpPr>
+          <p:cNvPr id="589" name="Google Shape;589;g368d3443ed2_0_0:notes"/>
+          <p:cNvSpPr/>
+          <p:nvPr>
+            <p:ph idx="2" type="sldImg"/>
+          </p:nvPr>
+        </p:nvSpPr>
+        <p:spPr>
+          <a:xfrm>
+            <a:off x="381300" y="685800"/>
+            <a:ext cx="6096000" cy="3429000"/>
+          </a:xfrm>
+          <a:custGeom>
+            <a:rect b="b" l="l" r="r" t="t"/>
+            <a:pathLst>
+              <a:path extrusionOk="0" h="120000" w="120000">
+                <a:moveTo>
+                  <a:pt x="0" y="0"/>
+                </a:moveTo>
+                <a:lnTo>
+                  <a:pt x="120000" y="0"/>
+                </a:lnTo>
+                <a:lnTo>
+                  <a:pt x="120000" y="120000"/>
+                </a:lnTo>
+                <a:lnTo>
+                  <a:pt x="0" y="120000"/>
+                </a:lnTo>
+                <a:close/>
+              </a:path>
+            </a:pathLst>
+          </a:custGeom>
+        </p:spPr>
+      </p:sp>
+      <p:sp>
+        <p:nvSpPr>
+          <p:cNvPr id="590" name="Google Shape;590;g368d3443ed2_0_0:notes"/>
+          <p:cNvSpPr txBox="1"/>
+          <p:nvPr>
+            <p:ph idx="1" type="body"/>
+          </p:nvPr>
+        </p:nvSpPr>
+        <p:spPr>
+          <a:xfrm>
+            <a:off x="685800" y="4343400"/>
+            <a:ext cx="5486400" cy="4114800"/>
+          </a:xfrm>
+          <a:prstGeom prst="rect">
+            <a:avLst/>
+          </a:prstGeom>
+        </p:spPr>
+        <p:txBody>
+          <a:bodyPr anchorCtr="0" anchor="t" bIns="91425" lIns="91425" spcFirstLastPara="1" rIns="91425" wrap="square" tIns="91425">
+            <a:noAutofit/>
+          </a:bodyPr>
+          <a:lstStyle/>
+          <a:p>
+            <a:pPr indent="0" lvl="0" marL="0" rtl="0" algn="l">
+              <a:spcBef>
+                <a:spcPts val="0"/>
+              </a:spcBef>
+              <a:spcAft>
+                <a:spcPts val="0"/>
+              </a:spcAft>
+              <a:buNone/>
+            </a:pPr>
+            <a:r>
+              <a:t/>
+            </a:r>
+            <a:endParaRPr/>
+          </a:p>
+        </p:txBody>
+      </p:sp>
+    </p:spTree>
+  </p:cSld>
+  <p:clrMapOvr>
+    <a:masterClrMapping/>
+  </p:clrMapOvr>
+</p:notes>
+</file>
+
+<file path=ppt/notesSlides/notesSlide82.xml><?xml version="1.0" encoding="utf-8"?>
+<p:notes xmlns:a="http://schemas.openxmlformats.org/drawingml/2006/main" xmlns:r="http://schemas.openxmlformats.org/officeDocument/2006/relationships" xmlns:mc="http://schemas.openxmlformats.org/markup-compatibility/2006" xmlns:mv="urn:schemas-microsoft-com:mac:vml" xmlns:p="http://schemas.openxmlformats.org/presentationml/2006/main" xmlns:c="http://schemas.openxmlformats.org/drawingml/2006/chart" xmlns:dgm="http://schemas.openxmlformats.org/drawingml/2006/diagram" xmlns:o="urn:schemas-microsoft-com:office:office" xmlns:v="urn:schemas-microsoft-com:vml" xmlns:pvml="urn:schemas-microsoft-com:office:powerpoint" xmlns:com="http://schemas.openxmlformats.org/drawingml/2006/compatibility" xmlns:p14="http://schemas.microsoft.com/office/powerpoint/2010/main" xmlns:p15="http://schemas.microsoft.com/office/powerpoint/2012/main" xmlns:ahyp="http://schemas.microsoft.com/office/drawing/2018/hyperlinkcolor" showMasterPhAnim="0" showMasterSp="0">
+  <p:cSld>
+    <p:spTree>
+      <p:nvGrpSpPr>
+        <p:cNvPr id="594" name="Shape 594"/>
+        <p:cNvGrpSpPr/>
+        <p:nvPr/>
+      </p:nvGrpSpPr>
+      <p:grpSpPr>
+        <a:xfrm>
+          <a:off x="0" y="0"/>
+          <a:ext cx="0" cy="0"/>
+          <a:chOff x="0" y="0"/>
+          <a:chExt cx="0" cy="0"/>
+        </a:xfrm>
+      </p:grpSpPr>
+      <p:sp>
+        <p:nvSpPr>
+          <p:cNvPr id="595" name="Google Shape;595;g368d3443ed2_0_8:notes"/>
+          <p:cNvSpPr/>
+          <p:nvPr>
+            <p:ph idx="2" type="sldImg"/>
+          </p:nvPr>
+        </p:nvSpPr>
+        <p:spPr>
+          <a:xfrm>
+            <a:off x="381300" y="685800"/>
+            <a:ext cx="6096000" cy="3429000"/>
+          </a:xfrm>
+          <a:custGeom>
+            <a:rect b="b" l="l" r="r" t="t"/>
+            <a:pathLst>
+              <a:path extrusionOk="0" h="120000" w="120000">
+                <a:moveTo>
+                  <a:pt x="0" y="0"/>
+                </a:moveTo>
+                <a:lnTo>
+                  <a:pt x="120000" y="0"/>
+                </a:lnTo>
+                <a:lnTo>
+                  <a:pt x="120000" y="120000"/>
+                </a:lnTo>
+                <a:lnTo>
+                  <a:pt x="0" y="120000"/>
+                </a:lnTo>
+                <a:close/>
+              </a:path>
+            </a:pathLst>
+          </a:custGeom>
+        </p:spPr>
+      </p:sp>
+      <p:sp>
+        <p:nvSpPr>
+          <p:cNvPr id="596" name="Google Shape;596;g368d3443ed2_0_8:notes"/>
+          <p:cNvSpPr txBox="1"/>
+          <p:nvPr>
+            <p:ph idx="1" type="body"/>
+          </p:nvPr>
+        </p:nvSpPr>
+        <p:spPr>
+          <a:xfrm>
+            <a:off x="685800" y="4343400"/>
+            <a:ext cx="5486400" cy="4114800"/>
+          </a:xfrm>
+          <a:prstGeom prst="rect">
+            <a:avLst/>
+          </a:prstGeom>
+        </p:spPr>
+        <p:txBody>
+          <a:bodyPr anchorCtr="0" anchor="t" bIns="91425" lIns="91425" spcFirstLastPara="1" rIns="91425" wrap="square" tIns="91425">
+            <a:noAutofit/>
+          </a:bodyPr>
+          <a:lstStyle/>
+          <a:p>
+            <a:pPr indent="0" lvl="0" marL="0" rtl="0" algn="l">
+              <a:spcBef>
+                <a:spcPts val="0"/>
+              </a:spcBef>
+              <a:spcAft>
+                <a:spcPts val="0"/>
+              </a:spcAft>
+              <a:buNone/>
+            </a:pPr>
+            <a:r>
+              <a:t/>
+            </a:r>
+            <a:endParaRPr/>
+          </a:p>
+        </p:txBody>
+      </p:sp>
+    </p:spTree>
+  </p:cSld>
+  <p:clrMapOvr>
+    <a:masterClrMapping/>
+  </p:clrMapOvr>
+</p:notes>
+</file>
+
+<file path=ppt/notesSlides/notesSlide83.xml><?xml version="1.0" encoding="utf-8"?>
+<p:notes xmlns:a="http://schemas.openxmlformats.org/drawingml/2006/main" xmlns:r="http://schemas.openxmlformats.org/officeDocument/2006/relationships" xmlns:mc="http://schemas.openxmlformats.org/markup-compatibility/2006" xmlns:mv="urn:schemas-microsoft-com:mac:vml" xmlns:p="http://schemas.openxmlformats.org/presentationml/2006/main" xmlns:c="http://schemas.openxmlformats.org/drawingml/2006/chart" xmlns:dgm="http://schemas.openxmlformats.org/drawingml/2006/diagram" xmlns:o="urn:schemas-microsoft-com:office:office" xmlns:v="urn:schemas-microsoft-com:vml" xmlns:pvml="urn:schemas-microsoft-com:office:powerpoint" xmlns:com="http://schemas.openxmlformats.org/drawingml/2006/compatibility" xmlns:p14="http://schemas.microsoft.com/office/powerpoint/2010/main" xmlns:p15="http://schemas.microsoft.com/office/powerpoint/2012/main" xmlns:ahyp="http://schemas.microsoft.com/office/drawing/2018/hyperlinkcolor" showMasterPhAnim="0" showMasterSp="0">
+  <p:cSld>
+    <p:spTree>
+      <p:nvGrpSpPr>
+        <p:cNvPr id="600" name="Shape 600"/>
+        <p:cNvGrpSpPr/>
+        <p:nvPr/>
+      </p:nvGrpSpPr>
+      <p:grpSpPr>
+        <a:xfrm>
+          <a:off x="0" y="0"/>
+          <a:ext cx="0" cy="0"/>
+          <a:chOff x="0" y="0"/>
+          <a:chExt cx="0" cy="0"/>
+        </a:xfrm>
+      </p:grpSpPr>
+      <p:sp>
+        <p:nvSpPr>
+          <p:cNvPr id="601" name="Google Shape;601;g368d3443ed2_0_15:notes"/>
+          <p:cNvSpPr/>
+          <p:nvPr>
+            <p:ph idx="2" type="sldImg"/>
+          </p:nvPr>
+        </p:nvSpPr>
+        <p:spPr>
+          <a:xfrm>
+            <a:off x="381300" y="685800"/>
+            <a:ext cx="6096000" cy="3429000"/>
+          </a:xfrm>
+          <a:custGeom>
+            <a:rect b="b" l="l" r="r" t="t"/>
+            <a:pathLst>
+              <a:path extrusionOk="0" h="120000" w="120000">
+                <a:moveTo>
+                  <a:pt x="0" y="0"/>
+                </a:moveTo>
+                <a:lnTo>
+                  <a:pt x="120000" y="0"/>
+                </a:lnTo>
+                <a:lnTo>
+                  <a:pt x="120000" y="120000"/>
+                </a:lnTo>
+                <a:lnTo>
+                  <a:pt x="0" y="120000"/>
+                </a:lnTo>
+                <a:close/>
+              </a:path>
+            </a:pathLst>
+          </a:custGeom>
+        </p:spPr>
+      </p:sp>
+      <p:sp>
+        <p:nvSpPr>
+          <p:cNvPr id="602" name="Google Shape;602;g368d3443ed2_0_15:notes"/>
+          <p:cNvSpPr txBox="1"/>
+          <p:nvPr>
+            <p:ph idx="1" type="body"/>
+          </p:nvPr>
+        </p:nvSpPr>
+        <p:spPr>
+          <a:xfrm>
+            <a:off x="685800" y="4343400"/>
+            <a:ext cx="5486400" cy="4114800"/>
+          </a:xfrm>
+          <a:prstGeom prst="rect">
+            <a:avLst/>
+          </a:prstGeom>
+        </p:spPr>
+        <p:txBody>
+          <a:bodyPr anchorCtr="0" anchor="t" bIns="91425" lIns="91425" spcFirstLastPara="1" rIns="91425" wrap="square" tIns="91425">
+            <a:noAutofit/>
+          </a:bodyPr>
+          <a:lstStyle/>
+          <a:p>
+            <a:pPr indent="0" lvl="0" marL="0" rtl="0" algn="l">
+              <a:spcBef>
+                <a:spcPts val="0"/>
+              </a:spcBef>
+              <a:spcAft>
+                <a:spcPts val="0"/>
+              </a:spcAft>
+              <a:buNone/>
+            </a:pPr>
+            <a:r>
+              <a:t/>
+            </a:r>
+            <a:endParaRPr/>
+          </a:p>
+        </p:txBody>
+      </p:sp>
+    </p:spTree>
+  </p:cSld>
+  <p:clrMapOvr>
+    <a:masterClrMapping/>
+  </p:clrMapOvr>
+</p:notes>
+</file>
+
+<file path=ppt/notesSlides/notesSlide84.xml><?xml version="1.0" encoding="utf-8"?>
+<p:notes xmlns:a="http://schemas.openxmlformats.org/drawingml/2006/main" xmlns:r="http://schemas.openxmlformats.org/officeDocument/2006/relationships" xmlns:mc="http://schemas.openxmlformats.org/markup-compatibility/2006" xmlns:mv="urn:schemas-microsoft-com:mac:vml" xmlns:p="http://schemas.openxmlformats.org/presentationml/2006/main" xmlns:c="http://schemas.openxmlformats.org/drawingml/2006/chart" xmlns:dgm="http://schemas.openxmlformats.org/drawingml/2006/diagram" xmlns:o="urn:schemas-microsoft-com:office:office" xmlns:v="urn:schemas-microsoft-com:vml" xmlns:pvml="urn:schemas-microsoft-com:office:powerpoint" xmlns:com="http://schemas.openxmlformats.org/drawingml/2006/compatibility" xmlns:p14="http://schemas.microsoft.com/office/powerpoint/2010/main" xmlns:p15="http://schemas.microsoft.com/office/powerpoint/2012/main" xmlns:ahyp="http://schemas.microsoft.com/office/drawing/2018/hyperlinkcolor" showMasterPhAnim="0" showMasterSp="0">
+  <p:cSld>
+    <p:spTree>
+      <p:nvGrpSpPr>
+        <p:cNvPr id="606" name="Shape 606"/>
+        <p:cNvGrpSpPr/>
+        <p:nvPr/>
+      </p:nvGrpSpPr>
+      <p:grpSpPr>
+        <a:xfrm>
+          <a:off x="0" y="0"/>
+          <a:ext cx="0" cy="0"/>
+          <a:chOff x="0" y="0"/>
+          <a:chExt cx="0" cy="0"/>
+        </a:xfrm>
+      </p:grpSpPr>
+      <p:sp>
+        <p:nvSpPr>
+          <p:cNvPr id="607" name="Google Shape;607;g368d3443ed2_0_22:notes"/>
+          <p:cNvSpPr/>
+          <p:nvPr>
+            <p:ph idx="2" type="sldImg"/>
+          </p:nvPr>
+        </p:nvSpPr>
+        <p:spPr>
+          <a:xfrm>
+            <a:off x="381300" y="685800"/>
+            <a:ext cx="6096000" cy="3429000"/>
+          </a:xfrm>
+          <a:custGeom>
+            <a:rect b="b" l="l" r="r" t="t"/>
+            <a:pathLst>
+              <a:path extrusionOk="0" h="120000" w="120000">
+                <a:moveTo>
+                  <a:pt x="0" y="0"/>
+                </a:moveTo>
+                <a:lnTo>
+                  <a:pt x="120000" y="0"/>
+                </a:lnTo>
+                <a:lnTo>
+                  <a:pt x="120000" y="120000"/>
+                </a:lnTo>
+                <a:lnTo>
+                  <a:pt x="0" y="120000"/>
+                </a:lnTo>
+                <a:close/>
+              </a:path>
+            </a:pathLst>
+          </a:custGeom>
+        </p:spPr>
+      </p:sp>
+      <p:sp>
+        <p:nvSpPr>
+          <p:cNvPr id="608" name="Google Shape;608;g368d3443ed2_0_22:notes"/>
+          <p:cNvSpPr txBox="1"/>
+          <p:nvPr>
+            <p:ph idx="1" type="body"/>
+          </p:nvPr>
+        </p:nvSpPr>
+        <p:spPr>
+          <a:xfrm>
+            <a:off x="685800" y="4343400"/>
+            <a:ext cx="5486400" cy="4114800"/>
+          </a:xfrm>
+          <a:prstGeom prst="rect">
+            <a:avLst/>
+          </a:prstGeom>
+        </p:spPr>
+        <p:txBody>
+          <a:bodyPr anchorCtr="0" anchor="t" bIns="91425" lIns="91425" spcFirstLastPara="1" rIns="91425" wrap="square" tIns="91425">
+            <a:noAutofit/>
+          </a:bodyPr>
+          <a:lstStyle/>
+          <a:p>
+            <a:pPr indent="0" lvl="0" marL="0" rtl="0" algn="l">
+              <a:spcBef>
+                <a:spcPts val="0"/>
+              </a:spcBef>
+              <a:spcAft>
+                <a:spcPts val="0"/>
+              </a:spcAft>
+              <a:buNone/>
+            </a:pPr>
+            <a:r>
+              <a:t/>
+            </a:r>
+            <a:endParaRPr/>
+          </a:p>
+        </p:txBody>
+      </p:sp>
+    </p:spTree>
+  </p:cSld>
+  <p:clrMapOvr>
+    <a:masterClrMapping/>
+  </p:clrMapOvr>
+</p:notes>
+</file>
+
+<file path=ppt/notesSlides/notesSlide85.xml><?xml version="1.0" encoding="utf-8"?>
+<p:notes xmlns:a="http://schemas.openxmlformats.org/drawingml/2006/main" xmlns:r="http://schemas.openxmlformats.org/officeDocument/2006/relationships" xmlns:mc="http://schemas.openxmlformats.org/markup-compatibility/2006" xmlns:mv="urn:schemas-microsoft-com:mac:vml" xmlns:p="http://schemas.openxmlformats.org/presentationml/2006/main" xmlns:c="http://schemas.openxmlformats.org/drawingml/2006/chart" xmlns:dgm="http://schemas.openxmlformats.org/drawingml/2006/diagram" xmlns:o="urn:schemas-microsoft-com:office:office" xmlns:v="urn:schemas-microsoft-com:vml" xmlns:pvml="urn:schemas-microsoft-com:office:powerpoint" xmlns:com="http://schemas.openxmlformats.org/drawingml/2006/compatibility" xmlns:p14="http://schemas.microsoft.com/office/powerpoint/2010/main" xmlns:p15="http://schemas.microsoft.com/office/powerpoint/2012/main" xmlns:ahyp="http://schemas.microsoft.com/office/drawing/2018/hyperlinkcolor" showMasterPhAnim="0" showMasterSp="0">
+  <p:cSld>
+    <p:spTree>
+      <p:nvGrpSpPr>
+        <p:cNvPr id="614" name="Shape 614"/>
+        <p:cNvGrpSpPr/>
+        <p:nvPr/>
+      </p:nvGrpSpPr>
+      <p:grpSpPr>
+        <a:xfrm>
+          <a:off x="0" y="0"/>
+          <a:ext cx="0" cy="0"/>
+          <a:chOff x="0" y="0"/>
+          <a:chExt cx="0" cy="0"/>
+        </a:xfrm>
+      </p:grpSpPr>
+      <p:sp>
+        <p:nvSpPr>
+          <p:cNvPr id="615" name="Google Shape;615;g368d3443ed2_0_29:notes"/>
+          <p:cNvSpPr/>
+          <p:nvPr>
+            <p:ph idx="2" type="sldImg"/>
+          </p:nvPr>
+        </p:nvSpPr>
+        <p:spPr>
+          <a:xfrm>
+            <a:off x="381300" y="685800"/>
+            <a:ext cx="6096000" cy="3429000"/>
+          </a:xfrm>
+          <a:custGeom>
+            <a:rect b="b" l="l" r="r" t="t"/>
+            <a:pathLst>
+              <a:path extrusionOk="0" h="120000" w="120000">
+                <a:moveTo>
+                  <a:pt x="0" y="0"/>
+                </a:moveTo>
+                <a:lnTo>
+                  <a:pt x="120000" y="0"/>
+                </a:lnTo>
+                <a:lnTo>
+                  <a:pt x="120000" y="120000"/>
+                </a:lnTo>
+                <a:lnTo>
+                  <a:pt x="0" y="120000"/>
+                </a:lnTo>
+                <a:close/>
+              </a:path>
+            </a:pathLst>
+          </a:custGeom>
+        </p:spPr>
+      </p:sp>
+      <p:sp>
+        <p:nvSpPr>
+          <p:cNvPr id="616" name="Google Shape;616;g368d3443ed2_0_29:notes"/>
+          <p:cNvSpPr txBox="1"/>
+          <p:nvPr>
+            <p:ph idx="1" type="body"/>
+          </p:nvPr>
+        </p:nvSpPr>
+        <p:spPr>
+          <a:xfrm>
+            <a:off x="685800" y="4343400"/>
+            <a:ext cx="5486400" cy="4114800"/>
+          </a:xfrm>
+          <a:prstGeom prst="rect">
+            <a:avLst/>
+          </a:prstGeom>
+        </p:spPr>
+        <p:txBody>
+          <a:bodyPr anchorCtr="0" anchor="t" bIns="91425" lIns="91425" spcFirstLastPara="1" rIns="91425" wrap="square" tIns="91425">
+            <a:noAutofit/>
+          </a:bodyPr>
+          <a:lstStyle/>
+          <a:p>
+            <a:pPr indent="0" lvl="0" marL="0" rtl="0" algn="l">
+              <a:spcBef>
+                <a:spcPts val="0"/>
+              </a:spcBef>
+              <a:spcAft>
+                <a:spcPts val="0"/>
+              </a:spcAft>
+              <a:buNone/>
+            </a:pPr>
+            <a:r>
+              <a:t/>
+            </a:r>
+            <a:endParaRPr/>
+          </a:p>
+        </p:txBody>
+      </p:sp>
+    </p:spTree>
+  </p:cSld>
+  <p:clrMapOvr>
+    <a:masterClrMapping/>
+  </p:clrMapOvr>
+</p:notes>
+</file>
+
+<file path=ppt/notesSlides/notesSlide86.xml><?xml version="1.0" encoding="utf-8"?>
+<p:notes xmlns:a="http://schemas.openxmlformats.org/drawingml/2006/main" xmlns:r="http://schemas.openxmlformats.org/officeDocument/2006/relationships" xmlns:mc="http://schemas.openxmlformats.org/markup-compatibility/2006" xmlns:mv="urn:schemas-microsoft-com:mac:vml" xmlns:p="http://schemas.openxmlformats.org/presentationml/2006/main" xmlns:c="http://schemas.openxmlformats.org/drawingml/2006/chart" xmlns:dgm="http://schemas.openxmlformats.org/drawingml/2006/diagram" xmlns:o="urn:schemas-microsoft-com:office:office" xmlns:v="urn:schemas-microsoft-com:vml" xmlns:pvml="urn:schemas-microsoft-com:office:powerpoint" xmlns:com="http://schemas.openxmlformats.org/drawingml/2006/compatibility" xmlns:p14="http://schemas.microsoft.com/office/powerpoint/2010/main" xmlns:p15="http://schemas.microsoft.com/office/powerpoint/2012/main" xmlns:ahyp="http://schemas.microsoft.com/office/drawing/2018/hyperlinkcolor" showMasterPhAnim="0" showMasterSp="0">
+  <p:cSld>
+    <p:spTree>
+      <p:nvGrpSpPr>
+        <p:cNvPr id="621" name="Shape 621"/>
+        <p:cNvGrpSpPr/>
+        <p:nvPr/>
+      </p:nvGrpSpPr>
+      <p:grpSpPr>
+        <a:xfrm>
+          <a:off x="0" y="0"/>
+          <a:ext cx="0" cy="0"/>
+          <a:chOff x="0" y="0"/>
+          <a:chExt cx="0" cy="0"/>
+        </a:xfrm>
+      </p:grpSpPr>
+      <p:sp>
+        <p:nvSpPr>
+          <p:cNvPr id="622" name="Google Shape;622;g368d3443ed2_0_54:notes"/>
+          <p:cNvSpPr/>
+          <p:nvPr>
+            <p:ph idx="2" type="sldImg"/>
+          </p:nvPr>
+        </p:nvSpPr>
+        <p:spPr>
+          <a:xfrm>
+            <a:off x="381300" y="685800"/>
+            <a:ext cx="6096000" cy="3429000"/>
+          </a:xfrm>
+          <a:custGeom>
+            <a:rect b="b" l="l" r="r" t="t"/>
+            <a:pathLst>
+              <a:path extrusionOk="0" h="120000" w="120000">
+                <a:moveTo>
+                  <a:pt x="0" y="0"/>
+                </a:moveTo>
+                <a:lnTo>
+                  <a:pt x="120000" y="0"/>
+                </a:lnTo>
+                <a:lnTo>
+                  <a:pt x="120000" y="120000"/>
+                </a:lnTo>
+                <a:lnTo>
+                  <a:pt x="0" y="120000"/>
+                </a:lnTo>
+                <a:close/>
+              </a:path>
+            </a:pathLst>
+          </a:custGeom>
+        </p:spPr>
+      </p:sp>
+      <p:sp>
+        <p:nvSpPr>
+          <p:cNvPr id="623" name="Google Shape;623;g368d3443ed2_0_54:notes"/>
+          <p:cNvSpPr txBox="1"/>
+          <p:nvPr>
+            <p:ph idx="1" type="body"/>
+          </p:nvPr>
+        </p:nvSpPr>
+        <p:spPr>
+          <a:xfrm>
+            <a:off x="685800" y="4343400"/>
+            <a:ext cx="5486400" cy="4114800"/>
+          </a:xfrm>
+          <a:prstGeom prst="rect">
+            <a:avLst/>
+          </a:prstGeom>
+        </p:spPr>
+        <p:txBody>
+          <a:bodyPr anchorCtr="0" anchor="t" bIns="91425" lIns="91425" spcFirstLastPara="1" rIns="91425" wrap="square" tIns="91425">
+            <a:noAutofit/>
+          </a:bodyPr>
+          <a:lstStyle/>
+          <a:p>
+            <a:pPr indent="0" lvl="0" marL="0" rtl="0" algn="l">
+              <a:spcBef>
+                <a:spcPts val="0"/>
+              </a:spcBef>
+              <a:spcAft>
+                <a:spcPts val="0"/>
+              </a:spcAft>
+              <a:buNone/>
+            </a:pPr>
+            <a:r>
+              <a:t/>
+            </a:r>
+            <a:endParaRPr/>
+          </a:p>
+        </p:txBody>
+      </p:sp>
+    </p:spTree>
+  </p:cSld>
+  <p:clrMapOvr>
+    <a:masterClrMapping/>
+  </p:clrMapOvr>
+</p:notes>
+</file>
+
+<file path=ppt/notesSlides/notesSlide87.xml><?xml version="1.0" encoding="utf-8"?>
+<p:notes xmlns:a="http://schemas.openxmlformats.org/drawingml/2006/main" xmlns:r="http://schemas.openxmlformats.org/officeDocument/2006/relationships" xmlns:mc="http://schemas.openxmlformats.org/markup-compatibility/2006" xmlns:mv="urn:schemas-microsoft-com:mac:vml" xmlns:p="http://schemas.openxmlformats.org/presentationml/2006/main" xmlns:c="http://schemas.openxmlformats.org/drawingml/2006/chart" xmlns:dgm="http://schemas.openxmlformats.org/drawingml/2006/diagram" xmlns:o="urn:schemas-microsoft-com:office:office" xmlns:v="urn:schemas-microsoft-com:vml" xmlns:pvml="urn:schemas-microsoft-com:office:powerpoint" xmlns:com="http://schemas.openxmlformats.org/drawingml/2006/compatibility" xmlns:p14="http://schemas.microsoft.com/office/powerpoint/2010/main" xmlns:p15="http://schemas.microsoft.com/office/powerpoint/2012/main" xmlns:ahyp="http://schemas.microsoft.com/office/drawing/2018/hyperlinkcolor" showMasterPhAnim="0" showMasterSp="0">
+  <p:cSld>
+    <p:spTree>
+      <p:nvGrpSpPr>
+        <p:cNvPr id="627" name="Shape 627"/>
+        <p:cNvGrpSpPr/>
+        <p:nvPr/>
+      </p:nvGrpSpPr>
+      <p:grpSpPr>
+        <a:xfrm>
+          <a:off x="0" y="0"/>
+          <a:ext cx="0" cy="0"/>
+          <a:chOff x="0" y="0"/>
+          <a:chExt cx="0" cy="0"/>
+        </a:xfrm>
+      </p:grpSpPr>
+      <p:sp>
+        <p:nvSpPr>
+          <p:cNvPr id="628" name="Google Shape;628;g368d3443ed2_0_61:notes"/>
+          <p:cNvSpPr/>
+          <p:nvPr>
+            <p:ph idx="2" type="sldImg"/>
+          </p:nvPr>
+        </p:nvSpPr>
+        <p:spPr>
+          <a:xfrm>
+            <a:off x="381300" y="685800"/>
+            <a:ext cx="6096000" cy="3429000"/>
+          </a:xfrm>
+          <a:custGeom>
+            <a:rect b="b" l="l" r="r" t="t"/>
+            <a:pathLst>
+              <a:path extrusionOk="0" h="120000" w="120000">
+                <a:moveTo>
+                  <a:pt x="0" y="0"/>
+                </a:moveTo>
+                <a:lnTo>
+                  <a:pt x="120000" y="0"/>
+                </a:lnTo>
+                <a:lnTo>
+                  <a:pt x="120000" y="120000"/>
+                </a:lnTo>
+                <a:lnTo>
+                  <a:pt x="0" y="120000"/>
+                </a:lnTo>
+                <a:close/>
+              </a:path>
+            </a:pathLst>
+          </a:custGeom>
+        </p:spPr>
+      </p:sp>
+      <p:sp>
+        <p:nvSpPr>
+          <p:cNvPr id="629" name="Google Shape;629;g368d3443ed2_0_61:notes"/>
+          <p:cNvSpPr txBox="1"/>
+          <p:nvPr>
+            <p:ph idx="1" type="body"/>
+          </p:nvPr>
+        </p:nvSpPr>
+        <p:spPr>
+          <a:xfrm>
+            <a:off x="685800" y="4343400"/>
+            <a:ext cx="5486400" cy="4114800"/>
+          </a:xfrm>
+          <a:prstGeom prst="rect">
+            <a:avLst/>
+          </a:prstGeom>
+        </p:spPr>
+        <p:txBody>
+          <a:bodyPr anchorCtr="0" anchor="t" bIns="91425" lIns="91425" spcFirstLastPara="1" rIns="91425" wrap="square" tIns="91425">
+            <a:noAutofit/>
+          </a:bodyPr>
+          <a:lstStyle/>
+          <a:p>
+            <a:pPr indent="0" lvl="0" marL="0" rtl="0" algn="l">
+              <a:spcBef>
+                <a:spcPts val="0"/>
+              </a:spcBef>
+              <a:spcAft>
+                <a:spcPts val="0"/>
+              </a:spcAft>
+              <a:buNone/>
+            </a:pPr>
+            <a:r>
+              <a:t/>
+            </a:r>
+            <a:endParaRPr/>
+          </a:p>
+        </p:txBody>
+      </p:sp>
+    </p:spTree>
+  </p:cSld>
+  <p:clrMapOvr>
+    <a:masterClrMapping/>
+  </p:clrMapOvr>
+</p:notes>
+</file>
+
+<file path=ppt/notesSlides/notesSlide88.xml><?xml version="1.0" encoding="utf-8"?>
+<p:notes xmlns:a="http://schemas.openxmlformats.org/drawingml/2006/main" xmlns:r="http://schemas.openxmlformats.org/officeDocument/2006/relationships" xmlns:mc="http://schemas.openxmlformats.org/markup-compatibility/2006" xmlns:mv="urn:schemas-microsoft-com:mac:vml" xmlns:p="http://schemas.openxmlformats.org/presentationml/2006/main" xmlns:c="http://schemas.openxmlformats.org/drawingml/2006/chart" xmlns:dgm="http://schemas.openxmlformats.org/drawingml/2006/diagram" xmlns:o="urn:schemas-microsoft-com:office:office" xmlns:v="urn:schemas-microsoft-com:vml" xmlns:pvml="urn:schemas-microsoft-com:office:powerpoint" xmlns:com="http://schemas.openxmlformats.org/drawingml/2006/compatibility" xmlns:p14="http://schemas.microsoft.com/office/powerpoint/2010/main" xmlns:p15="http://schemas.microsoft.com/office/powerpoint/2012/main" xmlns:ahyp="http://schemas.microsoft.com/office/drawing/2018/hyperlinkcolor" showMasterPhAnim="0" showMasterSp="0">
+  <p:cSld>
+    <p:spTree>
+      <p:nvGrpSpPr>
+        <p:cNvPr id="633" name="Shape 633"/>
+        <p:cNvGrpSpPr/>
+        <p:nvPr/>
+      </p:nvGrpSpPr>
+      <p:grpSpPr>
+        <a:xfrm>
+          <a:off x="0" y="0"/>
+          <a:ext cx="0" cy="0"/>
+          <a:chOff x="0" y="0"/>
+          <a:chExt cx="0" cy="0"/>
+        </a:xfrm>
+      </p:grpSpPr>
+      <p:sp>
+        <p:nvSpPr>
+          <p:cNvPr id="634" name="Google Shape;634;g368d3443ed2_0_67:notes"/>
+          <p:cNvSpPr/>
+          <p:nvPr>
+            <p:ph idx="2" type="sldImg"/>
+          </p:nvPr>
+        </p:nvSpPr>
+        <p:spPr>
+          <a:xfrm>
+            <a:off x="381300" y="685800"/>
+            <a:ext cx="6096000" cy="3429000"/>
+          </a:xfrm>
+          <a:custGeom>
+            <a:rect b="b" l="l" r="r" t="t"/>
+            <a:pathLst>
+              <a:path extrusionOk="0" h="120000" w="120000">
+                <a:moveTo>
+                  <a:pt x="0" y="0"/>
+                </a:moveTo>
+                <a:lnTo>
+                  <a:pt x="120000" y="0"/>
+                </a:lnTo>
+                <a:lnTo>
+                  <a:pt x="120000" y="120000"/>
+                </a:lnTo>
+                <a:lnTo>
+                  <a:pt x="0" y="120000"/>
+                </a:lnTo>
+                <a:close/>
+              </a:path>
+            </a:pathLst>
+          </a:custGeom>
+        </p:spPr>
+      </p:sp>
+      <p:sp>
+        <p:nvSpPr>
+          <p:cNvPr id="635" name="Google Shape;635;g368d3443ed2_0_67:notes"/>
+          <p:cNvSpPr txBox="1"/>
+          <p:nvPr>
+            <p:ph idx="1" type="body"/>
+          </p:nvPr>
+        </p:nvSpPr>
+        <p:spPr>
+          <a:xfrm>
+            <a:off x="685800" y="4343400"/>
+            <a:ext cx="5486400" cy="4114800"/>
+          </a:xfrm>
+          <a:prstGeom prst="rect">
+            <a:avLst/>
+          </a:prstGeom>
+        </p:spPr>
+        <p:txBody>
+          <a:bodyPr anchorCtr="0" anchor="t" bIns="91425" lIns="91425" spcFirstLastPara="1" rIns="91425" wrap="square" tIns="91425">
+            <a:noAutofit/>
+          </a:bodyPr>
+          <a:lstStyle/>
+          <a:p>
+            <a:pPr indent="0" lvl="0" marL="0" rtl="0" algn="l">
+              <a:spcBef>
+                <a:spcPts val="0"/>
+              </a:spcBef>
+              <a:spcAft>
+                <a:spcPts val="0"/>
+              </a:spcAft>
+              <a:buNone/>
+            </a:pPr>
+            <a:r>
+              <a:t/>
+            </a:r>
+            <a:endParaRPr/>
+          </a:p>
+        </p:txBody>
+      </p:sp>
+    </p:spTree>
+  </p:cSld>
+  <p:clrMapOvr>
+    <a:masterClrMapping/>
+  </p:clrMapOvr>
+</p:notes>
+</file>
+
+<file path=ppt/notesSlides/notesSlide89.xml><?xml version="1.0" encoding="utf-8"?>
+<p:notes xmlns:a="http://schemas.openxmlformats.org/drawingml/2006/main" xmlns:r="http://schemas.openxmlformats.org/officeDocument/2006/relationships" xmlns:mc="http://schemas.openxmlformats.org/markup-compatibility/2006" xmlns:mv="urn:schemas-microsoft-com:mac:vml" xmlns:p="http://schemas.openxmlformats.org/presentationml/2006/main" xmlns:c="http://schemas.openxmlformats.org/drawingml/2006/chart" xmlns:dgm="http://schemas.openxmlformats.org/drawingml/2006/diagram" xmlns:o="urn:schemas-microsoft-com:office:office" xmlns:v="urn:schemas-microsoft-com:vml" xmlns:pvml="urn:schemas-microsoft-com:office:powerpoint" xmlns:com="http://schemas.openxmlformats.org/drawingml/2006/compatibility" xmlns:p14="http://schemas.microsoft.com/office/powerpoint/2010/main" xmlns:p15="http://schemas.microsoft.com/office/powerpoint/2012/main" xmlns:ahyp="http://schemas.microsoft.com/office/drawing/2018/hyperlinkcolor" showMasterPhAnim="0" showMasterSp="0">
+  <p:cSld>
+    <p:spTree>
+      <p:nvGrpSpPr>
+        <p:cNvPr id="639" name="Shape 639"/>
+        <p:cNvGrpSpPr/>
+        <p:nvPr/>
+      </p:nvGrpSpPr>
+      <p:grpSpPr>
+        <a:xfrm>
+          <a:off x="0" y="0"/>
+          <a:ext cx="0" cy="0"/>
+          <a:chOff x="0" y="0"/>
+          <a:chExt cx="0" cy="0"/>
+        </a:xfrm>
+      </p:grpSpPr>
+      <p:sp>
+        <p:nvSpPr>
+          <p:cNvPr id="640" name="Google Shape;640;g368d3443ed2_0_73:notes"/>
+          <p:cNvSpPr/>
+          <p:nvPr>
+            <p:ph idx="2" type="sldImg"/>
+          </p:nvPr>
+        </p:nvSpPr>
+        <p:spPr>
+          <a:xfrm>
+            <a:off x="381300" y="685800"/>
+            <a:ext cx="6096000" cy="3429000"/>
+          </a:xfrm>
+          <a:custGeom>
+            <a:rect b="b" l="l" r="r" t="t"/>
+            <a:pathLst>
+              <a:path extrusionOk="0" h="120000" w="120000">
+                <a:moveTo>
+                  <a:pt x="0" y="0"/>
+                </a:moveTo>
+                <a:lnTo>
+                  <a:pt x="120000" y="0"/>
+                </a:lnTo>
+                <a:lnTo>
+                  <a:pt x="120000" y="120000"/>
+                </a:lnTo>
+                <a:lnTo>
+                  <a:pt x="0" y="120000"/>
+                </a:lnTo>
+                <a:close/>
+              </a:path>
+            </a:pathLst>
+          </a:custGeom>
+        </p:spPr>
+      </p:sp>
+      <p:sp>
+        <p:nvSpPr>
+          <p:cNvPr id="641" name="Google Shape;641;g368d3443ed2_0_73:notes"/>
           <p:cNvSpPr txBox="1"/>
           <p:nvPr>
             <p:ph idx="1" type="body"/>
@@ -15094,12 +15994,7 @@
               <a:buNone/>
             </a:pPr>
             <a:r>
-              <a:rPr lang="pl"/>
-              <a:t>Charakterystyka</a:t>
-            </a:r>
-            <a:r>
-              <a:rPr lang="pl"/>
-              <a:t> parametrów sprzętu komputerowego </a:t>
+              <a:t/>
             </a:r>
             <a:endParaRPr/>
           </a:p>
@@ -29551,7 +30446,7 @@
             <a:tbl>
               <a:tblPr>
                 <a:noFill/>
-                <a:tableStyleId>{DA40C047-EC74-4BEB-96FE-49983B3211F4}</a:tableStyleId>
+                <a:tableStyleId>{9CFCB0CD-350E-4AD8-8AAE-7EC22C274A30}</a:tableStyleId>
               </a:tblPr>
               <a:tblGrid>
                 <a:gridCol w="2413000"/>
@@ -29797,7 +30692,7 @@
             <a:tbl>
               <a:tblPr>
                 <a:noFill/>
-                <a:tableStyleId>{DA40C047-EC74-4BEB-96FE-49983B3211F4}</a:tableStyleId>
+                <a:tableStyleId>{9CFCB0CD-350E-4AD8-8AAE-7EC22C274A30}</a:tableStyleId>
               </a:tblPr>
               <a:tblGrid>
                 <a:gridCol w="2413000"/>
@@ -43837,7 +44732,7 @@
             <a:tbl>
               <a:tblPr>
                 <a:noFill/>
-                <a:tableStyleId>{DA40C047-EC74-4BEB-96FE-49983B3211F4}</a:tableStyleId>
+                <a:tableStyleId>{9CFCB0CD-350E-4AD8-8AAE-7EC22C274A30}</a:tableStyleId>
               </a:tblPr>
               <a:tblGrid>
                 <a:gridCol w="1690400"/>
@@ -44511,7 +45406,7 @@
             <a:tbl>
               <a:tblPr>
                 <a:noFill/>
-                <a:tableStyleId>{B858E2B0-E1D6-4A3C-9EDF-C94859519308}</a:tableStyleId>
+                <a:tableStyleId>{DFCFB13D-2222-4903-986F-AF3260A43CC6}</a:tableStyleId>
               </a:tblPr>
               <a:tblGrid>
                 <a:gridCol w="19050"/>
@@ -44544,6 +45439,3270 @@
           </a:graphicData>
         </a:graphic>
       </p:graphicFrame>
+    </p:spTree>
+  </p:cSld>
+  <p:clrMapOvr>
+    <a:masterClrMapping/>
+  </p:clrMapOvr>
+</p:sld>
+</file>
+
+<file path=ppt/slides/slide81.xml><?xml version="1.0" encoding="utf-8"?>
+<p:sld xmlns:a="http://schemas.openxmlformats.org/drawingml/2006/main" xmlns:r="http://schemas.openxmlformats.org/officeDocument/2006/relationships" xmlns:mc="http://schemas.openxmlformats.org/markup-compatibility/2006" xmlns:mv="urn:schemas-microsoft-com:mac:vml" xmlns:p="http://schemas.openxmlformats.org/presentationml/2006/main" xmlns:c="http://schemas.openxmlformats.org/drawingml/2006/chart" xmlns:dgm="http://schemas.openxmlformats.org/drawingml/2006/diagram" xmlns:o="urn:schemas-microsoft-com:office:office" xmlns:v="urn:schemas-microsoft-com:vml" xmlns:pvml="urn:schemas-microsoft-com:office:powerpoint" xmlns:com="http://schemas.openxmlformats.org/drawingml/2006/compatibility" xmlns:p14="http://schemas.microsoft.com/office/powerpoint/2010/main" xmlns:p15="http://schemas.microsoft.com/office/powerpoint/2012/main" xmlns:ahyp="http://schemas.microsoft.com/office/drawing/2018/hyperlinkcolor">
+  <p:cSld>
+    <p:spTree>
+      <p:nvGrpSpPr>
+        <p:cNvPr id="591" name="Shape 591"/>
+        <p:cNvGrpSpPr/>
+        <p:nvPr/>
+      </p:nvGrpSpPr>
+      <p:grpSpPr>
+        <a:xfrm>
+          <a:off x="0" y="0"/>
+          <a:ext cx="0" cy="0"/>
+          <a:chOff x="0" y="0"/>
+          <a:chExt cx="0" cy="0"/>
+        </a:xfrm>
+      </p:grpSpPr>
+      <p:sp>
+        <p:nvSpPr>
+          <p:cNvPr id="592" name="Google Shape;592;p93"/>
+          <p:cNvSpPr txBox="1"/>
+          <p:nvPr>
+            <p:ph type="title"/>
+          </p:nvPr>
+        </p:nvSpPr>
+        <p:spPr>
+          <a:xfrm>
+            <a:off x="729450" y="1318650"/>
+            <a:ext cx="7688700" cy="535200"/>
+          </a:xfrm>
+          <a:prstGeom prst="rect">
+            <a:avLst/>
+          </a:prstGeom>
+        </p:spPr>
+        <p:txBody>
+          <a:bodyPr anchorCtr="0" anchor="t" bIns="91425" lIns="91425" spcFirstLastPara="1" rIns="91425" wrap="square" tIns="91425">
+            <a:noAutofit/>
+          </a:bodyPr>
+          <a:lstStyle/>
+          <a:p>
+            <a:pPr indent="0" lvl="0" marL="0" rtl="0" algn="l">
+              <a:lnSpc>
+                <a:spcPct val="115000"/>
+              </a:lnSpc>
+              <a:spcBef>
+                <a:spcPts val="1400"/>
+              </a:spcBef>
+              <a:spcAft>
+                <a:spcPts val="400"/>
+              </a:spcAft>
+              <a:buNone/>
+            </a:pPr>
+            <a:r>
+              <a:rPr lang="pl" sz="2400">
+                <a:solidFill>
+                  <a:srgbClr val="000000"/>
+                </a:solidFill>
+                <a:latin typeface="Tahoma"/>
+                <a:ea typeface="Tahoma"/>
+                <a:cs typeface="Tahoma"/>
+                <a:sym typeface="Tahoma"/>
+              </a:rPr>
+              <a:t>Protokoły internetowe: TCP/IP</a:t>
+            </a:r>
+            <a:endParaRPr sz="2400">
+              <a:latin typeface="Tahoma"/>
+              <a:ea typeface="Tahoma"/>
+              <a:cs typeface="Tahoma"/>
+              <a:sym typeface="Tahoma"/>
+            </a:endParaRPr>
+          </a:p>
+        </p:txBody>
+      </p:sp>
+      <p:sp>
+        <p:nvSpPr>
+          <p:cNvPr id="593" name="Google Shape;593;p93"/>
+          <p:cNvSpPr txBox="1"/>
+          <p:nvPr>
+            <p:ph idx="1" type="body"/>
+          </p:nvPr>
+        </p:nvSpPr>
+        <p:spPr>
+          <a:xfrm>
+            <a:off x="729450" y="2078875"/>
+            <a:ext cx="7688700" cy="2924700"/>
+          </a:xfrm>
+          <a:prstGeom prst="rect">
+            <a:avLst/>
+          </a:prstGeom>
+        </p:spPr>
+        <p:txBody>
+          <a:bodyPr anchorCtr="0" anchor="t" bIns="91425" lIns="91425" spcFirstLastPara="1" rIns="91425" wrap="square" tIns="91425">
+            <a:normAutofit/>
+          </a:bodyPr>
+          <a:lstStyle/>
+          <a:p>
+            <a:pPr indent="0" lvl="0" marL="0" rtl="0" algn="l">
+              <a:lnSpc>
+                <a:spcPct val="100000"/>
+              </a:lnSpc>
+              <a:spcBef>
+                <a:spcPts val="0"/>
+              </a:spcBef>
+              <a:spcAft>
+                <a:spcPts val="0"/>
+              </a:spcAft>
+              <a:buNone/>
+            </a:pPr>
+            <a:r>
+              <a:rPr lang="pl" sz="1200">
+                <a:solidFill>
+                  <a:srgbClr val="171717"/>
+                </a:solidFill>
+                <a:latin typeface="Tahoma"/>
+                <a:ea typeface="Tahoma"/>
+                <a:cs typeface="Tahoma"/>
+                <a:sym typeface="Tahoma"/>
+              </a:rPr>
+              <a:t>TCP/IP to fundamentalny zestaw protokołów komunikacyjnych, który </a:t>
+            </a:r>
+            <a:r>
+              <a:rPr b="1" lang="pl" sz="1200">
+                <a:solidFill>
+                  <a:srgbClr val="0B5394"/>
+                </a:solidFill>
+                <a:latin typeface="Tahoma"/>
+                <a:ea typeface="Tahoma"/>
+                <a:cs typeface="Tahoma"/>
+                <a:sym typeface="Tahoma"/>
+              </a:rPr>
+              <a:t>stanowi podstawę działania internetu i większości sieci komputerowych. Skrót TCP/IP pochodzi od dwóch kluczowych protokołów</a:t>
+            </a:r>
+            <a:r>
+              <a:rPr lang="pl" sz="1200">
+                <a:solidFill>
+                  <a:srgbClr val="171717"/>
+                </a:solidFill>
+                <a:latin typeface="Tahoma"/>
+                <a:ea typeface="Tahoma"/>
+                <a:cs typeface="Tahoma"/>
+                <a:sym typeface="Tahoma"/>
+              </a:rPr>
+              <a:t>: </a:t>
+            </a:r>
+            <a:endParaRPr sz="1200">
+              <a:solidFill>
+                <a:srgbClr val="171717"/>
+              </a:solidFill>
+              <a:latin typeface="Tahoma"/>
+              <a:ea typeface="Tahoma"/>
+              <a:cs typeface="Tahoma"/>
+              <a:sym typeface="Tahoma"/>
+            </a:endParaRPr>
+          </a:p>
+          <a:p>
+            <a:pPr indent="0" lvl="0" marL="0" rtl="0" algn="l">
+              <a:lnSpc>
+                <a:spcPct val="100000"/>
+              </a:lnSpc>
+              <a:spcBef>
+                <a:spcPts val="0"/>
+              </a:spcBef>
+              <a:spcAft>
+                <a:spcPts val="0"/>
+              </a:spcAft>
+              <a:buNone/>
+            </a:pPr>
+            <a:r>
+              <a:t/>
+            </a:r>
+            <a:endParaRPr sz="1200">
+              <a:solidFill>
+                <a:srgbClr val="171717"/>
+              </a:solidFill>
+              <a:latin typeface="Tahoma"/>
+              <a:ea typeface="Tahoma"/>
+              <a:cs typeface="Tahoma"/>
+              <a:sym typeface="Tahoma"/>
+            </a:endParaRPr>
+          </a:p>
+          <a:p>
+            <a:pPr indent="-304800" lvl="0" marL="457200" rtl="0" algn="l">
+              <a:lnSpc>
+                <a:spcPct val="100000"/>
+              </a:lnSpc>
+              <a:spcBef>
+                <a:spcPts val="0"/>
+              </a:spcBef>
+              <a:spcAft>
+                <a:spcPts val="0"/>
+              </a:spcAft>
+              <a:buClr>
+                <a:srgbClr val="7F6000"/>
+              </a:buClr>
+              <a:buSzPts val="1200"/>
+              <a:buFont typeface="Tahoma"/>
+              <a:buChar char="❏"/>
+            </a:pPr>
+            <a:r>
+              <a:rPr b="1" lang="pl" sz="1200">
+                <a:solidFill>
+                  <a:srgbClr val="7F6000"/>
+                </a:solidFill>
+                <a:latin typeface="Tahoma"/>
+                <a:ea typeface="Tahoma"/>
+                <a:cs typeface="Tahoma"/>
+                <a:sym typeface="Tahoma"/>
+              </a:rPr>
+              <a:t>Transmission Control Protocol (TCP)</a:t>
+            </a:r>
+            <a:endParaRPr b="1" sz="1200">
+              <a:solidFill>
+                <a:srgbClr val="7F6000"/>
+              </a:solidFill>
+              <a:latin typeface="Tahoma"/>
+              <a:ea typeface="Tahoma"/>
+              <a:cs typeface="Tahoma"/>
+              <a:sym typeface="Tahoma"/>
+            </a:endParaRPr>
+          </a:p>
+          <a:p>
+            <a:pPr indent="-304800" lvl="0" marL="457200" rtl="0" algn="l">
+              <a:lnSpc>
+                <a:spcPct val="100000"/>
+              </a:lnSpc>
+              <a:spcBef>
+                <a:spcPts val="0"/>
+              </a:spcBef>
+              <a:spcAft>
+                <a:spcPts val="0"/>
+              </a:spcAft>
+              <a:buClr>
+                <a:srgbClr val="7F6000"/>
+              </a:buClr>
+              <a:buSzPts val="1200"/>
+              <a:buFont typeface="Tahoma"/>
+              <a:buChar char="❏"/>
+            </a:pPr>
+            <a:r>
+              <a:rPr b="1" lang="pl" sz="1200">
+                <a:solidFill>
+                  <a:srgbClr val="7F6000"/>
+                </a:solidFill>
+                <a:latin typeface="Tahoma"/>
+                <a:ea typeface="Tahoma"/>
+                <a:cs typeface="Tahoma"/>
+                <a:sym typeface="Tahoma"/>
+              </a:rPr>
+              <a:t>Internet Protocol (IP).</a:t>
+            </a:r>
+            <a:endParaRPr b="1" sz="1200">
+              <a:solidFill>
+                <a:srgbClr val="7F6000"/>
+              </a:solidFill>
+              <a:latin typeface="Tahoma"/>
+              <a:ea typeface="Tahoma"/>
+              <a:cs typeface="Tahoma"/>
+              <a:sym typeface="Tahoma"/>
+            </a:endParaRPr>
+          </a:p>
+          <a:p>
+            <a:pPr indent="0" lvl="0" marL="0" rtl="0" algn="l">
+              <a:spcBef>
+                <a:spcPts val="1200"/>
+              </a:spcBef>
+              <a:spcAft>
+                <a:spcPts val="0"/>
+              </a:spcAft>
+              <a:buNone/>
+            </a:pPr>
+            <a:r>
+              <a:rPr b="1" lang="pl" sz="1200">
+                <a:solidFill>
+                  <a:srgbClr val="38761D"/>
+                </a:solidFill>
+                <a:latin typeface="Tahoma"/>
+                <a:ea typeface="Tahoma"/>
+                <a:cs typeface="Tahoma"/>
+                <a:sym typeface="Tahoma"/>
+              </a:rPr>
+              <a:t>Razem tworzą one model warstwowy,</a:t>
+            </a:r>
+            <a:r>
+              <a:rPr lang="pl" sz="1200">
+                <a:solidFill>
+                  <a:srgbClr val="171717"/>
+                </a:solidFill>
+                <a:latin typeface="Tahoma"/>
+                <a:ea typeface="Tahoma"/>
+                <a:cs typeface="Tahoma"/>
+                <a:sym typeface="Tahoma"/>
+              </a:rPr>
+              <a:t> </a:t>
+            </a:r>
+            <a:r>
+              <a:rPr b="1" lang="pl" sz="1200">
+                <a:solidFill>
+                  <a:srgbClr val="0B5394"/>
+                </a:solidFill>
+                <a:latin typeface="Tahoma"/>
+                <a:ea typeface="Tahoma"/>
+                <a:cs typeface="Tahoma"/>
+                <a:sym typeface="Tahoma"/>
+              </a:rPr>
+              <a:t>który definiuje, jak dane są przesyłane między urządzeniami w sieci</a:t>
+            </a:r>
+            <a:r>
+              <a:rPr lang="pl" sz="1200">
+                <a:solidFill>
+                  <a:srgbClr val="171717"/>
+                </a:solidFill>
+                <a:latin typeface="Tahoma"/>
+                <a:ea typeface="Tahoma"/>
+                <a:cs typeface="Tahoma"/>
+                <a:sym typeface="Tahoma"/>
+              </a:rPr>
+              <a:t>. Model ten został opracowany w latach 70. XX wieku przez Departament Obrony USA (DARPA) w ramach projektu ARPANET, prekursora internetu. </a:t>
+            </a:r>
+            <a:endParaRPr sz="1200">
+              <a:solidFill>
+                <a:srgbClr val="171717"/>
+              </a:solidFill>
+              <a:latin typeface="Tahoma"/>
+              <a:ea typeface="Tahoma"/>
+              <a:cs typeface="Tahoma"/>
+              <a:sym typeface="Tahoma"/>
+            </a:endParaRPr>
+          </a:p>
+          <a:p>
+            <a:pPr indent="0" lvl="0" marL="0" rtl="0" algn="l">
+              <a:spcBef>
+                <a:spcPts val="1200"/>
+              </a:spcBef>
+              <a:spcAft>
+                <a:spcPts val="1200"/>
+              </a:spcAft>
+              <a:buNone/>
+            </a:pPr>
+            <a:r>
+              <a:rPr b="1" lang="pl" sz="1200">
+                <a:solidFill>
+                  <a:srgbClr val="171717"/>
+                </a:solidFill>
+                <a:latin typeface="Tahoma"/>
+                <a:ea typeface="Tahoma"/>
+                <a:cs typeface="Tahoma"/>
+                <a:sym typeface="Tahoma"/>
+              </a:rPr>
+              <a:t>Dziś TCP/IP jest standardem de facto w komunikacji sieciowej, umożliwiającym wymianę danych między komputerami, serwerami i urządzeniami mobilnymi na całym świecie</a:t>
+            </a:r>
+            <a:r>
+              <a:rPr lang="pl" sz="1200">
+                <a:solidFill>
+                  <a:srgbClr val="171717"/>
+                </a:solidFill>
+                <a:latin typeface="Tahoma"/>
+                <a:ea typeface="Tahoma"/>
+                <a:cs typeface="Tahoma"/>
+                <a:sym typeface="Tahoma"/>
+              </a:rPr>
+              <a:t>.</a:t>
+            </a:r>
+            <a:endParaRPr sz="1200">
+              <a:solidFill>
+                <a:srgbClr val="171717"/>
+              </a:solidFill>
+            </a:endParaRPr>
+          </a:p>
+        </p:txBody>
+      </p:sp>
+    </p:spTree>
+  </p:cSld>
+  <p:clrMapOvr>
+    <a:masterClrMapping/>
+  </p:clrMapOvr>
+</p:sld>
+</file>
+
+<file path=ppt/slides/slide82.xml><?xml version="1.0" encoding="utf-8"?>
+<p:sld xmlns:a="http://schemas.openxmlformats.org/drawingml/2006/main" xmlns:r="http://schemas.openxmlformats.org/officeDocument/2006/relationships" xmlns:mc="http://schemas.openxmlformats.org/markup-compatibility/2006" xmlns:mv="urn:schemas-microsoft-com:mac:vml" xmlns:p="http://schemas.openxmlformats.org/presentationml/2006/main" xmlns:c="http://schemas.openxmlformats.org/drawingml/2006/chart" xmlns:dgm="http://schemas.openxmlformats.org/drawingml/2006/diagram" xmlns:o="urn:schemas-microsoft-com:office:office" xmlns:v="urn:schemas-microsoft-com:vml" xmlns:pvml="urn:schemas-microsoft-com:office:powerpoint" xmlns:com="http://schemas.openxmlformats.org/drawingml/2006/compatibility" xmlns:p14="http://schemas.microsoft.com/office/powerpoint/2010/main" xmlns:p15="http://schemas.microsoft.com/office/powerpoint/2012/main" xmlns:ahyp="http://schemas.microsoft.com/office/drawing/2018/hyperlinkcolor">
+  <p:cSld>
+    <p:spTree>
+      <p:nvGrpSpPr>
+        <p:cNvPr id="597" name="Shape 597"/>
+        <p:cNvGrpSpPr/>
+        <p:nvPr/>
+      </p:nvGrpSpPr>
+      <p:grpSpPr>
+        <a:xfrm>
+          <a:off x="0" y="0"/>
+          <a:ext cx="0" cy="0"/>
+          <a:chOff x="0" y="0"/>
+          <a:chExt cx="0" cy="0"/>
+        </a:xfrm>
+      </p:grpSpPr>
+      <p:sp>
+        <p:nvSpPr>
+          <p:cNvPr id="598" name="Google Shape;598;p94"/>
+          <p:cNvSpPr txBox="1"/>
+          <p:nvPr>
+            <p:ph type="title"/>
+          </p:nvPr>
+        </p:nvSpPr>
+        <p:spPr>
+          <a:xfrm>
+            <a:off x="729450" y="1318650"/>
+            <a:ext cx="7688700" cy="535200"/>
+          </a:xfrm>
+          <a:prstGeom prst="rect">
+            <a:avLst/>
+          </a:prstGeom>
+        </p:spPr>
+        <p:txBody>
+          <a:bodyPr anchorCtr="0" anchor="t" bIns="91425" lIns="91425" spcFirstLastPara="1" rIns="91425" wrap="square" tIns="91425">
+            <a:noAutofit/>
+          </a:bodyPr>
+          <a:lstStyle/>
+          <a:p>
+            <a:pPr indent="0" lvl="0" marL="0" rtl="0" algn="l">
+              <a:lnSpc>
+                <a:spcPct val="115000"/>
+              </a:lnSpc>
+              <a:spcBef>
+                <a:spcPts val="1200"/>
+              </a:spcBef>
+              <a:spcAft>
+                <a:spcPts val="200"/>
+              </a:spcAft>
+              <a:buNone/>
+            </a:pPr>
+            <a:r>
+              <a:rPr lang="pl" sz="2400">
+                <a:solidFill>
+                  <a:srgbClr val="000000"/>
+                </a:solidFill>
+                <a:latin typeface="Tahoma"/>
+                <a:ea typeface="Tahoma"/>
+                <a:cs typeface="Tahoma"/>
+                <a:sym typeface="Tahoma"/>
+              </a:rPr>
+              <a:t>Historia i znaczenie TCP/IP</a:t>
+            </a:r>
+            <a:endParaRPr sz="2400">
+              <a:latin typeface="Tahoma"/>
+              <a:ea typeface="Tahoma"/>
+              <a:cs typeface="Tahoma"/>
+              <a:sym typeface="Tahoma"/>
+            </a:endParaRPr>
+          </a:p>
+        </p:txBody>
+      </p:sp>
+      <p:sp>
+        <p:nvSpPr>
+          <p:cNvPr id="599" name="Google Shape;599;p94"/>
+          <p:cNvSpPr txBox="1"/>
+          <p:nvPr>
+            <p:ph idx="1" type="body"/>
+          </p:nvPr>
+        </p:nvSpPr>
+        <p:spPr>
+          <a:xfrm>
+            <a:off x="729450" y="2078875"/>
+            <a:ext cx="7688700" cy="2986800"/>
+          </a:xfrm>
+          <a:prstGeom prst="rect">
+            <a:avLst/>
+          </a:prstGeom>
+        </p:spPr>
+        <p:txBody>
+          <a:bodyPr anchorCtr="0" anchor="t" bIns="91425" lIns="91425" spcFirstLastPara="1" rIns="91425" wrap="square" tIns="91425">
+            <a:normAutofit/>
+          </a:bodyPr>
+          <a:lstStyle/>
+          <a:p>
+            <a:pPr indent="0" lvl="0" marL="0" rtl="0" algn="l">
+              <a:spcBef>
+                <a:spcPts val="1200"/>
+              </a:spcBef>
+              <a:spcAft>
+                <a:spcPts val="0"/>
+              </a:spcAft>
+              <a:buNone/>
+            </a:pPr>
+            <a:r>
+              <a:rPr b="1" lang="pl">
+                <a:solidFill>
+                  <a:srgbClr val="171717"/>
+                </a:solidFill>
+                <a:latin typeface="Tahoma"/>
+                <a:ea typeface="Tahoma"/>
+                <a:cs typeface="Tahoma"/>
+                <a:sym typeface="Tahoma"/>
+              </a:rPr>
+              <a:t>Protokół TCP/IP powstał, aby umożliwić łączenie heterogenicznych sieci, niezależnie od ich struktury sprzętowej</a:t>
+            </a:r>
+            <a:r>
+              <a:rPr lang="pl">
+                <a:solidFill>
+                  <a:srgbClr val="171717"/>
+                </a:solidFill>
+                <a:latin typeface="Tahoma"/>
+                <a:ea typeface="Tahoma"/>
+                <a:cs typeface="Tahoma"/>
+                <a:sym typeface="Tahoma"/>
+              </a:rPr>
+              <a:t>. W przeciwieństwie do modelu OSI (który ma 7 warstw i jest bardziej teoretyczny), </a:t>
+            </a:r>
+            <a:r>
+              <a:rPr b="1" lang="pl">
+                <a:solidFill>
+                  <a:srgbClr val="741B47"/>
+                </a:solidFill>
+                <a:latin typeface="Tahoma"/>
+                <a:ea typeface="Tahoma"/>
+                <a:cs typeface="Tahoma"/>
+                <a:sym typeface="Tahoma"/>
+              </a:rPr>
+              <a:t>TCP/IP jest praktycznym modelem z 4 warstwami, co czyni go prostszym i bardziej efektywnym</a:t>
+            </a:r>
+            <a:r>
+              <a:rPr lang="pl">
+                <a:solidFill>
+                  <a:srgbClr val="171717"/>
+                </a:solidFill>
+                <a:latin typeface="Tahoma"/>
+                <a:ea typeface="Tahoma"/>
+                <a:cs typeface="Tahoma"/>
+                <a:sym typeface="Tahoma"/>
+              </a:rPr>
+              <a:t>. </a:t>
+            </a:r>
+            <a:endParaRPr>
+              <a:solidFill>
+                <a:srgbClr val="171717"/>
+              </a:solidFill>
+              <a:latin typeface="Tahoma"/>
+              <a:ea typeface="Tahoma"/>
+              <a:cs typeface="Tahoma"/>
+              <a:sym typeface="Tahoma"/>
+            </a:endParaRPr>
+          </a:p>
+          <a:p>
+            <a:pPr indent="0" lvl="0" marL="0" rtl="0" algn="l">
+              <a:spcBef>
+                <a:spcPts val="1200"/>
+              </a:spcBef>
+              <a:spcAft>
+                <a:spcPts val="0"/>
+              </a:spcAft>
+              <a:buNone/>
+            </a:pPr>
+            <a:r>
+              <a:rPr b="1" lang="pl">
+                <a:solidFill>
+                  <a:srgbClr val="171717"/>
+                </a:solidFill>
+                <a:latin typeface="Tahoma"/>
+                <a:ea typeface="Tahoma"/>
+                <a:cs typeface="Tahoma"/>
+                <a:sym typeface="Tahoma"/>
+              </a:rPr>
+              <a:t>Jego kluczowa rola polega na definiowaniu "języka" komunikacji w sieciach</a:t>
+            </a:r>
+            <a:r>
+              <a:rPr lang="pl">
+                <a:solidFill>
+                  <a:srgbClr val="171717"/>
+                </a:solidFill>
+                <a:latin typeface="Tahoma"/>
+                <a:ea typeface="Tahoma"/>
+                <a:cs typeface="Tahoma"/>
+                <a:sym typeface="Tahoma"/>
+              </a:rPr>
+              <a:t> – </a:t>
+            </a:r>
+            <a:r>
+              <a:rPr b="1" lang="pl">
+                <a:solidFill>
+                  <a:srgbClr val="7F6000"/>
+                </a:solidFill>
+                <a:latin typeface="Tahoma"/>
+                <a:ea typeface="Tahoma"/>
+                <a:cs typeface="Tahoma"/>
+                <a:sym typeface="Tahoma"/>
+              </a:rPr>
+              <a:t>protokół IP odpowiada za adresowanie i routing pakietów, a TCP zapewnia niezawodną transmisję danych</a:t>
+            </a:r>
+            <a:r>
+              <a:rPr lang="pl">
+                <a:solidFill>
+                  <a:srgbClr val="171717"/>
+                </a:solidFill>
+                <a:latin typeface="Tahoma"/>
+                <a:ea typeface="Tahoma"/>
+                <a:cs typeface="Tahoma"/>
+                <a:sym typeface="Tahoma"/>
+              </a:rPr>
+              <a:t>. </a:t>
+            </a:r>
+            <a:endParaRPr>
+              <a:solidFill>
+                <a:srgbClr val="171717"/>
+              </a:solidFill>
+              <a:latin typeface="Tahoma"/>
+              <a:ea typeface="Tahoma"/>
+              <a:cs typeface="Tahoma"/>
+              <a:sym typeface="Tahoma"/>
+            </a:endParaRPr>
+          </a:p>
+          <a:p>
+            <a:pPr indent="0" lvl="0" marL="0" rtl="0" algn="l">
+              <a:spcBef>
+                <a:spcPts val="1200"/>
+              </a:spcBef>
+              <a:spcAft>
+                <a:spcPts val="0"/>
+              </a:spcAft>
+              <a:buNone/>
+            </a:pPr>
+            <a:r>
+              <a:rPr lang="pl">
+                <a:solidFill>
+                  <a:srgbClr val="0B5394"/>
+                </a:solidFill>
+                <a:latin typeface="Tahoma"/>
+                <a:ea typeface="Tahoma"/>
+                <a:cs typeface="Tahoma"/>
+                <a:sym typeface="Tahoma"/>
+              </a:rPr>
+              <a:t>Bez TCP/IP nie byłoby możliwe przeglądanie stron internetowych, wysyłanie e-maili czy strumieniowanie wideo.</a:t>
+            </a:r>
+            <a:endParaRPr>
+              <a:solidFill>
+                <a:srgbClr val="0B5394"/>
+              </a:solidFill>
+              <a:latin typeface="Tahoma"/>
+              <a:ea typeface="Tahoma"/>
+              <a:cs typeface="Tahoma"/>
+              <a:sym typeface="Tahoma"/>
+            </a:endParaRPr>
+          </a:p>
+          <a:p>
+            <a:pPr indent="0" lvl="0" marL="0" rtl="0" algn="l">
+              <a:spcBef>
+                <a:spcPts val="1200"/>
+              </a:spcBef>
+              <a:spcAft>
+                <a:spcPts val="1200"/>
+              </a:spcAft>
+              <a:buNone/>
+            </a:pPr>
+            <a:r>
+              <a:t/>
+            </a:r>
+            <a:endParaRPr/>
+          </a:p>
+        </p:txBody>
+      </p:sp>
+    </p:spTree>
+  </p:cSld>
+  <p:clrMapOvr>
+    <a:masterClrMapping/>
+  </p:clrMapOvr>
+</p:sld>
+</file>
+
+<file path=ppt/slides/slide83.xml><?xml version="1.0" encoding="utf-8"?>
+<p:sld xmlns:a="http://schemas.openxmlformats.org/drawingml/2006/main" xmlns:r="http://schemas.openxmlformats.org/officeDocument/2006/relationships" xmlns:mc="http://schemas.openxmlformats.org/markup-compatibility/2006" xmlns:mv="urn:schemas-microsoft-com:mac:vml" xmlns:p="http://schemas.openxmlformats.org/presentationml/2006/main" xmlns:c="http://schemas.openxmlformats.org/drawingml/2006/chart" xmlns:dgm="http://schemas.openxmlformats.org/drawingml/2006/diagram" xmlns:o="urn:schemas-microsoft-com:office:office" xmlns:v="urn:schemas-microsoft-com:vml" xmlns:pvml="urn:schemas-microsoft-com:office:powerpoint" xmlns:com="http://schemas.openxmlformats.org/drawingml/2006/compatibility" xmlns:p14="http://schemas.microsoft.com/office/powerpoint/2010/main" xmlns:p15="http://schemas.microsoft.com/office/powerpoint/2012/main" xmlns:ahyp="http://schemas.microsoft.com/office/drawing/2018/hyperlinkcolor">
+  <p:cSld>
+    <p:spTree>
+      <p:nvGrpSpPr>
+        <p:cNvPr id="603" name="Shape 603"/>
+        <p:cNvGrpSpPr/>
+        <p:nvPr/>
+      </p:nvGrpSpPr>
+      <p:grpSpPr>
+        <a:xfrm>
+          <a:off x="0" y="0"/>
+          <a:ext cx="0" cy="0"/>
+          <a:chOff x="0" y="0"/>
+          <a:chExt cx="0" cy="0"/>
+        </a:xfrm>
+      </p:grpSpPr>
+      <p:sp>
+        <p:nvSpPr>
+          <p:cNvPr id="604" name="Google Shape;604;p95"/>
+          <p:cNvSpPr txBox="1"/>
+          <p:nvPr>
+            <p:ph type="title"/>
+          </p:nvPr>
+        </p:nvSpPr>
+        <p:spPr>
+          <a:xfrm>
+            <a:off x="729450" y="1318650"/>
+            <a:ext cx="7688700" cy="535200"/>
+          </a:xfrm>
+          <a:prstGeom prst="rect">
+            <a:avLst/>
+          </a:prstGeom>
+        </p:spPr>
+        <p:txBody>
+          <a:bodyPr anchorCtr="0" anchor="t" bIns="91425" lIns="91425" spcFirstLastPara="1" rIns="91425" wrap="square" tIns="91425">
+            <a:normAutofit fontScale="90000"/>
+          </a:bodyPr>
+          <a:lstStyle/>
+          <a:p>
+            <a:pPr indent="0" lvl="0" marL="0" rtl="0" algn="l">
+              <a:lnSpc>
+                <a:spcPct val="115000"/>
+              </a:lnSpc>
+              <a:spcBef>
+                <a:spcPts val="1200"/>
+              </a:spcBef>
+              <a:spcAft>
+                <a:spcPts val="0"/>
+              </a:spcAft>
+              <a:buNone/>
+            </a:pPr>
+            <a:r>
+              <a:rPr lang="pl"/>
+              <a:t>Model warstwowy TCP/IP</a:t>
+            </a:r>
+            <a:endParaRPr/>
+          </a:p>
+          <a:p>
+            <a:pPr indent="0" lvl="0" marL="0" rtl="0" algn="l">
+              <a:spcBef>
+                <a:spcPts val="1200"/>
+              </a:spcBef>
+              <a:spcAft>
+                <a:spcPts val="0"/>
+              </a:spcAft>
+              <a:buNone/>
+            </a:pPr>
+            <a:r>
+              <a:t/>
+            </a:r>
+            <a:endParaRPr/>
+          </a:p>
+        </p:txBody>
+      </p:sp>
+      <p:sp>
+        <p:nvSpPr>
+          <p:cNvPr id="605" name="Google Shape;605;p95"/>
+          <p:cNvSpPr txBox="1"/>
+          <p:nvPr>
+            <p:ph idx="1" type="body"/>
+          </p:nvPr>
+        </p:nvSpPr>
+        <p:spPr>
+          <a:xfrm>
+            <a:off x="729450" y="2078875"/>
+            <a:ext cx="7688700" cy="3004500"/>
+          </a:xfrm>
+          <a:prstGeom prst="rect">
+            <a:avLst/>
+          </a:prstGeom>
+        </p:spPr>
+        <p:txBody>
+          <a:bodyPr anchorCtr="0" anchor="t" bIns="91425" lIns="91425" spcFirstLastPara="1" rIns="91425" wrap="square" tIns="91425">
+            <a:normAutofit fontScale="77500" lnSpcReduction="20000"/>
+          </a:bodyPr>
+          <a:lstStyle/>
+          <a:p>
+            <a:pPr indent="0" lvl="0" marL="0" rtl="0" algn="l">
+              <a:spcBef>
+                <a:spcPts val="0"/>
+              </a:spcBef>
+              <a:spcAft>
+                <a:spcPts val="0"/>
+              </a:spcAft>
+              <a:buNone/>
+            </a:pPr>
+            <a:r>
+              <a:rPr b="1" lang="pl" sz="1642">
+                <a:solidFill>
+                  <a:srgbClr val="38761D"/>
+                </a:solidFill>
+                <a:highlight>
+                  <a:srgbClr val="FFFFFF"/>
+                </a:highlight>
+                <a:latin typeface="Tahoma"/>
+                <a:ea typeface="Tahoma"/>
+                <a:cs typeface="Tahoma"/>
+                <a:sym typeface="Tahoma"/>
+              </a:rPr>
+              <a:t>Model TCP/IP dzieli komunikację sieciową na cztery warstwy, które współpracują, aby umożliwić wymianę danych między urządzeniami:  </a:t>
+            </a:r>
+            <a:endParaRPr b="1" sz="1642">
+              <a:solidFill>
+                <a:srgbClr val="38761D"/>
+              </a:solidFill>
+              <a:highlight>
+                <a:srgbClr val="FFFFFF"/>
+              </a:highlight>
+              <a:latin typeface="Tahoma"/>
+              <a:ea typeface="Tahoma"/>
+              <a:cs typeface="Tahoma"/>
+              <a:sym typeface="Tahoma"/>
+            </a:endParaRPr>
+          </a:p>
+          <a:p>
+            <a:pPr indent="0" lvl="0" marL="0" rtl="0" algn="l">
+              <a:lnSpc>
+                <a:spcPct val="140000"/>
+              </a:lnSpc>
+              <a:spcBef>
+                <a:spcPts val="1500"/>
+              </a:spcBef>
+              <a:spcAft>
+                <a:spcPts val="0"/>
+              </a:spcAft>
+              <a:buNone/>
+            </a:pPr>
+            <a:r>
+              <a:rPr lang="pl" sz="1642">
+                <a:solidFill>
+                  <a:srgbClr val="171717"/>
+                </a:solidFill>
+                <a:highlight>
+                  <a:srgbClr val="FFFFFF"/>
+                </a:highlight>
+                <a:latin typeface="Tahoma"/>
+                <a:ea typeface="Tahoma"/>
+                <a:cs typeface="Tahoma"/>
+                <a:sym typeface="Tahoma"/>
+              </a:rPr>
+              <a:t>Każda warstwa ma swoje zadania: </a:t>
+            </a:r>
+            <a:endParaRPr sz="1642">
+              <a:solidFill>
+                <a:srgbClr val="171717"/>
+              </a:solidFill>
+              <a:highlight>
+                <a:srgbClr val="FFFFFF"/>
+              </a:highlight>
+              <a:latin typeface="Tahoma"/>
+              <a:ea typeface="Tahoma"/>
+              <a:cs typeface="Tahoma"/>
+              <a:sym typeface="Tahoma"/>
+            </a:endParaRPr>
+          </a:p>
+          <a:p>
+            <a:pPr indent="-309449" lvl="0" marL="457200" rtl="0" algn="l">
+              <a:spcBef>
+                <a:spcPts val="800"/>
+              </a:spcBef>
+              <a:spcAft>
+                <a:spcPts val="0"/>
+              </a:spcAft>
+              <a:buSzPct val="100000"/>
+              <a:buFont typeface="Tahoma"/>
+              <a:buChar char="❏"/>
+            </a:pPr>
+            <a:r>
+              <a:rPr b="1" lang="pl" sz="1642">
+                <a:solidFill>
+                  <a:srgbClr val="7F6000"/>
+                </a:solidFill>
+                <a:latin typeface="Tahoma"/>
+                <a:ea typeface="Tahoma"/>
+                <a:cs typeface="Tahoma"/>
+                <a:sym typeface="Tahoma"/>
+              </a:rPr>
+              <a:t>Warstwa aplikacji</a:t>
+            </a:r>
+            <a:r>
+              <a:rPr lang="pl" sz="1642">
+                <a:solidFill>
+                  <a:srgbClr val="171717"/>
+                </a:solidFill>
+                <a:latin typeface="Tahoma"/>
+                <a:ea typeface="Tahoma"/>
+                <a:cs typeface="Tahoma"/>
+                <a:sym typeface="Tahoma"/>
+              </a:rPr>
+              <a:t>: Odpowiada za usługi sieciowe dla aplikacji użytkownika, takie jak przeglądanie stron internetowych (HTTP) czy wysyłanie poczty (SMTP). </a:t>
+            </a:r>
+            <a:endParaRPr sz="1642">
+              <a:solidFill>
+                <a:srgbClr val="171717"/>
+              </a:solidFill>
+              <a:latin typeface="Tahoma"/>
+              <a:ea typeface="Tahoma"/>
+              <a:cs typeface="Tahoma"/>
+              <a:sym typeface="Tahoma"/>
+            </a:endParaRPr>
+          </a:p>
+          <a:p>
+            <a:pPr indent="-309449" lvl="0" marL="457200" rtl="0" algn="l">
+              <a:spcBef>
+                <a:spcPts val="0"/>
+              </a:spcBef>
+              <a:spcAft>
+                <a:spcPts val="0"/>
+              </a:spcAft>
+              <a:buSzPct val="100000"/>
+              <a:buFont typeface="Tahoma"/>
+              <a:buChar char="❏"/>
+            </a:pPr>
+            <a:r>
+              <a:rPr b="1" lang="pl" sz="1642">
+                <a:solidFill>
+                  <a:srgbClr val="7F6000"/>
+                </a:solidFill>
+                <a:latin typeface="Tahoma"/>
+                <a:ea typeface="Tahoma"/>
+                <a:cs typeface="Tahoma"/>
+                <a:sym typeface="Tahoma"/>
+              </a:rPr>
+              <a:t>Warstwa transportowa</a:t>
+            </a:r>
+            <a:r>
+              <a:rPr lang="pl" sz="1642">
+                <a:solidFill>
+                  <a:srgbClr val="171717"/>
+                </a:solidFill>
+                <a:latin typeface="Tahoma"/>
+                <a:ea typeface="Tahoma"/>
+                <a:cs typeface="Tahoma"/>
+                <a:sym typeface="Tahoma"/>
+              </a:rPr>
+              <a:t>: Zarządza komunikacją między procesami na różnych komputerach, dzieląc dane na pakiety i zapewniając niezawodność (np. za pomocą </a:t>
+            </a:r>
+            <a:r>
+              <a:rPr lang="pl" sz="1642">
+                <a:solidFill>
+                  <a:srgbClr val="171717"/>
+                </a:solidFill>
+                <a:uFill>
+                  <a:noFill/>
+                </a:uFill>
+                <a:latin typeface="Tahoma"/>
+                <a:ea typeface="Tahoma"/>
+                <a:cs typeface="Tahoma"/>
+                <a:sym typeface="Tahoma"/>
+                <a:hlinkClick r:id="rId3">
+                  <a:extLst>
+                    <a:ext uri="{A12FA001-AC4F-418D-AE19-62706E023703}">
+                      <ahyp:hlinkClr val="tx"/>
+                    </a:ext>
+                  </a:extLst>
+                </a:hlinkClick>
+              </a:rPr>
+              <a:t>protokołu TCP</a:t>
+            </a:r>
+            <a:r>
+              <a:rPr lang="pl" sz="1642">
+                <a:solidFill>
+                  <a:srgbClr val="171717"/>
+                </a:solidFill>
+                <a:latin typeface="Tahoma"/>
+                <a:ea typeface="Tahoma"/>
+                <a:cs typeface="Tahoma"/>
+                <a:sym typeface="Tahoma"/>
+              </a:rPr>
+              <a:t> lub szybszego UDP). </a:t>
+            </a:r>
+            <a:endParaRPr sz="1642">
+              <a:solidFill>
+                <a:srgbClr val="171717"/>
+              </a:solidFill>
+              <a:latin typeface="Tahoma"/>
+              <a:ea typeface="Tahoma"/>
+              <a:cs typeface="Tahoma"/>
+              <a:sym typeface="Tahoma"/>
+            </a:endParaRPr>
+          </a:p>
+          <a:p>
+            <a:pPr indent="-309449" lvl="0" marL="457200" rtl="0" algn="l">
+              <a:spcBef>
+                <a:spcPts val="0"/>
+              </a:spcBef>
+              <a:spcAft>
+                <a:spcPts val="0"/>
+              </a:spcAft>
+              <a:buSzPct val="100000"/>
+              <a:buFont typeface="Tahoma"/>
+              <a:buChar char="❏"/>
+            </a:pPr>
+            <a:r>
+              <a:rPr b="1" lang="pl" sz="1642">
+                <a:solidFill>
+                  <a:srgbClr val="7F6000"/>
+                </a:solidFill>
+                <a:latin typeface="Tahoma"/>
+                <a:ea typeface="Tahoma"/>
+                <a:cs typeface="Tahoma"/>
+                <a:sym typeface="Tahoma"/>
+              </a:rPr>
+              <a:t>Warstwa internetowa</a:t>
+            </a:r>
+            <a:r>
+              <a:rPr lang="pl" sz="1642">
+                <a:solidFill>
+                  <a:srgbClr val="171717"/>
+                </a:solidFill>
+                <a:latin typeface="Tahoma"/>
+                <a:ea typeface="Tahoma"/>
+                <a:cs typeface="Tahoma"/>
+                <a:sym typeface="Tahoma"/>
+              </a:rPr>
+              <a:t>: Odpowiada za adresowanie i kierowanie pakietów danych, czyli przesyłanie ich do celu poprzez różne sieci (np. za pomocą </a:t>
+            </a:r>
+            <a:r>
+              <a:rPr lang="pl" sz="1642">
+                <a:solidFill>
+                  <a:srgbClr val="171717"/>
+                </a:solidFill>
+                <a:uFill>
+                  <a:noFill/>
+                </a:uFill>
+                <a:latin typeface="Tahoma"/>
+                <a:ea typeface="Tahoma"/>
+                <a:cs typeface="Tahoma"/>
+                <a:sym typeface="Tahoma"/>
+                <a:hlinkClick r:id="rId4">
+                  <a:extLst>
+                    <a:ext uri="{A12FA001-AC4F-418D-AE19-62706E023703}">
+                      <ahyp:hlinkClr val="tx"/>
+                    </a:ext>
+                  </a:extLst>
+                </a:hlinkClick>
+              </a:rPr>
+              <a:t>protokołu IP</a:t>
+            </a:r>
+            <a:r>
+              <a:rPr lang="pl" sz="1642">
+                <a:solidFill>
+                  <a:srgbClr val="171717"/>
+                </a:solidFill>
+                <a:latin typeface="Tahoma"/>
+                <a:ea typeface="Tahoma"/>
+                <a:cs typeface="Tahoma"/>
+                <a:sym typeface="Tahoma"/>
+              </a:rPr>
+              <a:t>). </a:t>
+            </a:r>
+            <a:endParaRPr sz="1642">
+              <a:solidFill>
+                <a:srgbClr val="171717"/>
+              </a:solidFill>
+              <a:latin typeface="Tahoma"/>
+              <a:ea typeface="Tahoma"/>
+              <a:cs typeface="Tahoma"/>
+              <a:sym typeface="Tahoma"/>
+            </a:endParaRPr>
+          </a:p>
+          <a:p>
+            <a:pPr indent="-309449" lvl="0" marL="457200" rtl="0" algn="l">
+              <a:spcBef>
+                <a:spcPts val="0"/>
+              </a:spcBef>
+              <a:spcAft>
+                <a:spcPts val="0"/>
+              </a:spcAft>
+              <a:buSzPct val="100000"/>
+              <a:buFont typeface="Tahoma"/>
+              <a:buChar char="❏"/>
+            </a:pPr>
+            <a:r>
+              <a:rPr b="1" lang="pl" sz="1642">
+                <a:solidFill>
+                  <a:srgbClr val="7F6000"/>
+                </a:solidFill>
+                <a:latin typeface="Tahoma"/>
+                <a:ea typeface="Tahoma"/>
+                <a:cs typeface="Tahoma"/>
+                <a:sym typeface="Tahoma"/>
+              </a:rPr>
+              <a:t>Warstwa dostępu do sieci</a:t>
+            </a:r>
+            <a:r>
+              <a:rPr lang="pl" sz="1642">
+                <a:solidFill>
+                  <a:srgbClr val="7F6000"/>
+                </a:solidFill>
+                <a:latin typeface="Tahoma"/>
+                <a:ea typeface="Tahoma"/>
+                <a:cs typeface="Tahoma"/>
+                <a:sym typeface="Tahoma"/>
+              </a:rPr>
+              <a:t> </a:t>
+            </a:r>
+            <a:r>
+              <a:rPr lang="pl" sz="1642">
+                <a:solidFill>
+                  <a:srgbClr val="171717"/>
+                </a:solidFill>
+                <a:latin typeface="Tahoma"/>
+                <a:ea typeface="Tahoma"/>
+                <a:cs typeface="Tahoma"/>
+                <a:sym typeface="Tahoma"/>
+              </a:rPr>
+              <a:t>(interfejsu sieciowego): Zajmuje się fizycznym przesyłaniem danych przez medium sieciowe (np. kabel) oraz ich przygotowaniem do transmisji, uwzględniając format i adresowanie fizyczne. </a:t>
+            </a:r>
+            <a:endParaRPr>
+              <a:latin typeface="Tahoma"/>
+              <a:ea typeface="Tahoma"/>
+              <a:cs typeface="Tahoma"/>
+              <a:sym typeface="Tahoma"/>
+            </a:endParaRPr>
+          </a:p>
+        </p:txBody>
+      </p:sp>
+    </p:spTree>
+  </p:cSld>
+  <p:clrMapOvr>
+    <a:masterClrMapping/>
+  </p:clrMapOvr>
+</p:sld>
+</file>
+
+<file path=ppt/slides/slide84.xml><?xml version="1.0" encoding="utf-8"?>
+<p:sld xmlns:a="http://schemas.openxmlformats.org/drawingml/2006/main" xmlns:r="http://schemas.openxmlformats.org/officeDocument/2006/relationships" xmlns:mc="http://schemas.openxmlformats.org/markup-compatibility/2006" xmlns:mv="urn:schemas-microsoft-com:mac:vml" xmlns:p="http://schemas.openxmlformats.org/presentationml/2006/main" xmlns:c="http://schemas.openxmlformats.org/drawingml/2006/chart" xmlns:dgm="http://schemas.openxmlformats.org/drawingml/2006/diagram" xmlns:o="urn:schemas-microsoft-com:office:office" xmlns:v="urn:schemas-microsoft-com:vml" xmlns:pvml="urn:schemas-microsoft-com:office:powerpoint" xmlns:com="http://schemas.openxmlformats.org/drawingml/2006/compatibility" xmlns:p14="http://schemas.microsoft.com/office/powerpoint/2010/main" xmlns:p15="http://schemas.microsoft.com/office/powerpoint/2012/main" xmlns:ahyp="http://schemas.microsoft.com/office/drawing/2018/hyperlinkcolor">
+  <p:cSld>
+    <p:spTree>
+      <p:nvGrpSpPr>
+        <p:cNvPr id="609" name="Shape 609"/>
+        <p:cNvGrpSpPr/>
+        <p:nvPr/>
+      </p:nvGrpSpPr>
+      <p:grpSpPr>
+        <a:xfrm>
+          <a:off x="0" y="0"/>
+          <a:ext cx="0" cy="0"/>
+          <a:chOff x="0" y="0"/>
+          <a:chExt cx="0" cy="0"/>
+        </a:xfrm>
+      </p:grpSpPr>
+      <p:sp>
+        <p:nvSpPr>
+          <p:cNvPr id="610" name="Google Shape;610;p96"/>
+          <p:cNvSpPr txBox="1"/>
+          <p:nvPr>
+            <p:ph type="title"/>
+          </p:nvPr>
+        </p:nvSpPr>
+        <p:spPr>
+          <a:xfrm>
+            <a:off x="729450" y="1318650"/>
+            <a:ext cx="7688700" cy="535200"/>
+          </a:xfrm>
+          <a:prstGeom prst="rect">
+            <a:avLst/>
+          </a:prstGeom>
+        </p:spPr>
+        <p:txBody>
+          <a:bodyPr anchorCtr="0" anchor="t" bIns="91425" lIns="91425" spcFirstLastPara="1" rIns="91425" wrap="square" tIns="91425">
+            <a:normAutofit fontScale="90000"/>
+          </a:bodyPr>
+          <a:lstStyle/>
+          <a:p>
+            <a:pPr indent="0" lvl="0" marL="0" rtl="0" algn="l">
+              <a:spcBef>
+                <a:spcPts val="0"/>
+              </a:spcBef>
+              <a:spcAft>
+                <a:spcPts val="0"/>
+              </a:spcAft>
+              <a:buNone/>
+            </a:pPr>
+            <a:r>
+              <a:t/>
+            </a:r>
+            <a:endParaRPr/>
+          </a:p>
+        </p:txBody>
+      </p:sp>
+      <p:sp>
+        <p:nvSpPr>
+          <p:cNvPr id="611" name="Google Shape;611;p96"/>
+          <p:cNvSpPr txBox="1"/>
+          <p:nvPr>
+            <p:ph idx="1" type="body"/>
+          </p:nvPr>
+        </p:nvSpPr>
+        <p:spPr>
+          <a:xfrm>
+            <a:off x="729450" y="2078875"/>
+            <a:ext cx="7688700" cy="2261100"/>
+          </a:xfrm>
+          <a:prstGeom prst="rect">
+            <a:avLst/>
+          </a:prstGeom>
+        </p:spPr>
+        <p:txBody>
+          <a:bodyPr anchorCtr="0" anchor="t" bIns="91425" lIns="91425" spcFirstLastPara="1" rIns="91425" wrap="square" tIns="91425">
+            <a:normAutofit/>
+          </a:bodyPr>
+          <a:lstStyle/>
+          <a:p>
+            <a:pPr indent="0" lvl="0" marL="0" rtl="0" algn="l">
+              <a:spcBef>
+                <a:spcPts val="0"/>
+              </a:spcBef>
+              <a:spcAft>
+                <a:spcPts val="1200"/>
+              </a:spcAft>
+              <a:buNone/>
+            </a:pPr>
+            <a:r>
+              <a:t/>
+            </a:r>
+            <a:endParaRPr/>
+          </a:p>
+        </p:txBody>
+      </p:sp>
+      <p:pic>
+        <p:nvPicPr>
+          <p:cNvPr id="612" name="Google Shape;612;p96" title="porownanie-iso-osi.jpg"/>
+          <p:cNvPicPr preferRelativeResize="0"/>
+          <p:nvPr/>
+        </p:nvPicPr>
+        <p:blipFill>
+          <a:blip r:embed="rId3">
+            <a:alphaModFix/>
+          </a:blip>
+          <a:stretch>
+            <a:fillRect/>
+          </a:stretch>
+        </p:blipFill>
+        <p:spPr>
+          <a:xfrm>
+            <a:off x="799000" y="1396050"/>
+            <a:ext cx="6509175" cy="2908074"/>
+          </a:xfrm>
+          <a:prstGeom prst="rect">
+            <a:avLst/>
+          </a:prstGeom>
+          <a:noFill/>
+          <a:ln>
+            <a:noFill/>
+          </a:ln>
+        </p:spPr>
+      </p:pic>
+      <p:pic>
+        <p:nvPicPr>
+          <p:cNvPr id="613" name="Google Shape;613;p96"/>
+          <p:cNvPicPr preferRelativeResize="0"/>
+          <p:nvPr/>
+        </p:nvPicPr>
+        <p:blipFill>
+          <a:blip r:embed="rId4">
+            <a:alphaModFix/>
+          </a:blip>
+          <a:stretch>
+            <a:fillRect/>
+          </a:stretch>
+        </p:blipFill>
+        <p:spPr>
+          <a:xfrm>
+            <a:off x="7596700" y="662275"/>
+            <a:ext cx="1191575" cy="1191575"/>
+          </a:xfrm>
+          <a:prstGeom prst="rect">
+            <a:avLst/>
+          </a:prstGeom>
+          <a:noFill/>
+          <a:ln>
+            <a:noFill/>
+          </a:ln>
+        </p:spPr>
+      </p:pic>
+    </p:spTree>
+  </p:cSld>
+  <p:clrMapOvr>
+    <a:masterClrMapping/>
+  </p:clrMapOvr>
+</p:sld>
+</file>
+
+<file path=ppt/slides/slide85.xml><?xml version="1.0" encoding="utf-8"?>
+<p:sld xmlns:a="http://schemas.openxmlformats.org/drawingml/2006/main" xmlns:r="http://schemas.openxmlformats.org/officeDocument/2006/relationships" xmlns:mc="http://schemas.openxmlformats.org/markup-compatibility/2006" xmlns:mv="urn:schemas-microsoft-com:mac:vml" xmlns:p="http://schemas.openxmlformats.org/presentationml/2006/main" xmlns:c="http://schemas.openxmlformats.org/drawingml/2006/chart" xmlns:dgm="http://schemas.openxmlformats.org/drawingml/2006/diagram" xmlns:o="urn:schemas-microsoft-com:office:office" xmlns:v="urn:schemas-microsoft-com:vml" xmlns:pvml="urn:schemas-microsoft-com:office:powerpoint" xmlns:com="http://schemas.openxmlformats.org/drawingml/2006/compatibility" xmlns:p14="http://schemas.microsoft.com/office/powerpoint/2010/main" xmlns:p15="http://schemas.microsoft.com/office/powerpoint/2012/main" xmlns:ahyp="http://schemas.microsoft.com/office/drawing/2018/hyperlinkcolor">
+  <p:cSld>
+    <p:spTree>
+      <p:nvGrpSpPr>
+        <p:cNvPr id="617" name="Shape 617"/>
+        <p:cNvGrpSpPr/>
+        <p:nvPr/>
+      </p:nvGrpSpPr>
+      <p:grpSpPr>
+        <a:xfrm>
+          <a:off x="0" y="0"/>
+          <a:ext cx="0" cy="0"/>
+          <a:chOff x="0" y="0"/>
+          <a:chExt cx="0" cy="0"/>
+        </a:xfrm>
+      </p:grpSpPr>
+      <p:sp>
+        <p:nvSpPr>
+          <p:cNvPr id="618" name="Google Shape;618;p97"/>
+          <p:cNvSpPr txBox="1"/>
+          <p:nvPr>
+            <p:ph type="title"/>
+          </p:nvPr>
+        </p:nvSpPr>
+        <p:spPr>
+          <a:xfrm>
+            <a:off x="729450" y="1318650"/>
+            <a:ext cx="7688700" cy="535200"/>
+          </a:xfrm>
+          <a:prstGeom prst="rect">
+            <a:avLst/>
+          </a:prstGeom>
+        </p:spPr>
+        <p:txBody>
+          <a:bodyPr anchorCtr="0" anchor="t" bIns="91425" lIns="91425" spcFirstLastPara="1" rIns="91425" wrap="square" tIns="91425">
+            <a:normAutofit fontScale="90000"/>
+          </a:bodyPr>
+          <a:lstStyle/>
+          <a:p>
+            <a:pPr indent="0" lvl="0" marL="0" rtl="0" algn="l">
+              <a:lnSpc>
+                <a:spcPct val="115000"/>
+              </a:lnSpc>
+              <a:spcBef>
+                <a:spcPts val="1200"/>
+              </a:spcBef>
+              <a:spcAft>
+                <a:spcPts val="0"/>
+              </a:spcAft>
+              <a:buNone/>
+            </a:pPr>
+            <a:r>
+              <a:rPr lang="pl"/>
+              <a:t>Model warstwowy TCP/IP</a:t>
+            </a:r>
+            <a:endParaRPr/>
+          </a:p>
+          <a:p>
+            <a:pPr indent="0" lvl="0" marL="0" rtl="0" algn="l">
+              <a:spcBef>
+                <a:spcPts val="1200"/>
+              </a:spcBef>
+              <a:spcAft>
+                <a:spcPts val="0"/>
+              </a:spcAft>
+              <a:buNone/>
+            </a:pPr>
+            <a:r>
+              <a:t/>
+            </a:r>
+            <a:endParaRPr/>
+          </a:p>
+        </p:txBody>
+      </p:sp>
+      <p:sp>
+        <p:nvSpPr>
+          <p:cNvPr id="619" name="Google Shape;619;p97"/>
+          <p:cNvSpPr txBox="1"/>
+          <p:nvPr>
+            <p:ph idx="1" type="body"/>
+          </p:nvPr>
+        </p:nvSpPr>
+        <p:spPr>
+          <a:xfrm>
+            <a:off x="729450" y="2078875"/>
+            <a:ext cx="7688700" cy="2261100"/>
+          </a:xfrm>
+          <a:prstGeom prst="rect">
+            <a:avLst/>
+          </a:prstGeom>
+        </p:spPr>
+        <p:txBody>
+          <a:bodyPr anchorCtr="0" anchor="t" bIns="91425" lIns="91425" spcFirstLastPara="1" rIns="91425" wrap="square" tIns="91425">
+            <a:normAutofit/>
+          </a:bodyPr>
+          <a:lstStyle/>
+          <a:p>
+            <a:pPr indent="0" lvl="0" marL="0" rtl="0" algn="l">
+              <a:spcBef>
+                <a:spcPts val="1200"/>
+              </a:spcBef>
+              <a:spcAft>
+                <a:spcPts val="0"/>
+              </a:spcAft>
+              <a:buNone/>
+            </a:pPr>
+            <a:r>
+              <a:rPr lang="pl"/>
+              <a:t> </a:t>
+            </a:r>
+            <a:endParaRPr/>
+          </a:p>
+          <a:p>
+            <a:pPr indent="0" lvl="0" marL="0" rtl="0" algn="l">
+              <a:spcBef>
+                <a:spcPts val="1200"/>
+              </a:spcBef>
+              <a:spcAft>
+                <a:spcPts val="1200"/>
+              </a:spcAft>
+              <a:buNone/>
+            </a:pPr>
+            <a:r>
+              <a:t/>
+            </a:r>
+            <a:endParaRPr/>
+          </a:p>
+        </p:txBody>
+      </p:sp>
+      <p:pic>
+        <p:nvPicPr>
+          <p:cNvPr id="620" name="Google Shape;620;p97"/>
+          <p:cNvPicPr preferRelativeResize="0"/>
+          <p:nvPr/>
+        </p:nvPicPr>
+        <p:blipFill>
+          <a:blip r:embed="rId3">
+            <a:alphaModFix/>
+          </a:blip>
+          <a:stretch>
+            <a:fillRect/>
+          </a:stretch>
+        </p:blipFill>
+        <p:spPr>
+          <a:xfrm>
+            <a:off x="979125" y="1853849"/>
+            <a:ext cx="7439025" cy="3217175"/>
+          </a:xfrm>
+          <a:prstGeom prst="rect">
+            <a:avLst/>
+          </a:prstGeom>
+          <a:noFill/>
+          <a:ln>
+            <a:noFill/>
+          </a:ln>
+        </p:spPr>
+      </p:pic>
+    </p:spTree>
+  </p:cSld>
+  <p:clrMapOvr>
+    <a:masterClrMapping/>
+  </p:clrMapOvr>
+</p:sld>
+</file>
+
+<file path=ppt/slides/slide86.xml><?xml version="1.0" encoding="utf-8"?>
+<p:sld xmlns:a="http://schemas.openxmlformats.org/drawingml/2006/main" xmlns:r="http://schemas.openxmlformats.org/officeDocument/2006/relationships" xmlns:mc="http://schemas.openxmlformats.org/markup-compatibility/2006" xmlns:mv="urn:schemas-microsoft-com:mac:vml" xmlns:p="http://schemas.openxmlformats.org/presentationml/2006/main" xmlns:c="http://schemas.openxmlformats.org/drawingml/2006/chart" xmlns:dgm="http://schemas.openxmlformats.org/drawingml/2006/diagram" xmlns:o="urn:schemas-microsoft-com:office:office" xmlns:v="urn:schemas-microsoft-com:vml" xmlns:pvml="urn:schemas-microsoft-com:office:powerpoint" xmlns:com="http://schemas.openxmlformats.org/drawingml/2006/compatibility" xmlns:p14="http://schemas.microsoft.com/office/powerpoint/2010/main" xmlns:p15="http://schemas.microsoft.com/office/powerpoint/2012/main" xmlns:ahyp="http://schemas.microsoft.com/office/drawing/2018/hyperlinkcolor">
+  <p:cSld>
+    <p:spTree>
+      <p:nvGrpSpPr>
+        <p:cNvPr id="624" name="Shape 624"/>
+        <p:cNvGrpSpPr/>
+        <p:nvPr/>
+      </p:nvGrpSpPr>
+      <p:grpSpPr>
+        <a:xfrm>
+          <a:off x="0" y="0"/>
+          <a:ext cx="0" cy="0"/>
+          <a:chOff x="0" y="0"/>
+          <a:chExt cx="0" cy="0"/>
+        </a:xfrm>
+      </p:grpSpPr>
+      <p:sp>
+        <p:nvSpPr>
+          <p:cNvPr id="625" name="Google Shape;625;p98"/>
+          <p:cNvSpPr txBox="1"/>
+          <p:nvPr>
+            <p:ph type="title"/>
+          </p:nvPr>
+        </p:nvSpPr>
+        <p:spPr>
+          <a:xfrm>
+            <a:off x="729450" y="1318650"/>
+            <a:ext cx="7688700" cy="535200"/>
+          </a:xfrm>
+          <a:prstGeom prst="rect">
+            <a:avLst/>
+          </a:prstGeom>
+        </p:spPr>
+        <p:txBody>
+          <a:bodyPr anchorCtr="0" anchor="t" bIns="91425" lIns="91425" spcFirstLastPara="1" rIns="91425" wrap="square" tIns="91425">
+            <a:normAutofit fontScale="90000"/>
+          </a:bodyPr>
+          <a:lstStyle/>
+          <a:p>
+            <a:pPr indent="0" lvl="0" marL="0" rtl="0" algn="l">
+              <a:lnSpc>
+                <a:spcPct val="115000"/>
+              </a:lnSpc>
+              <a:spcBef>
+                <a:spcPts val="1200"/>
+              </a:spcBef>
+              <a:spcAft>
+                <a:spcPts val="0"/>
+              </a:spcAft>
+              <a:buNone/>
+            </a:pPr>
+            <a:r>
+              <a:rPr lang="pl"/>
+              <a:t>Proces przesyłania danych w TCP/IP</a:t>
+            </a:r>
+            <a:endParaRPr/>
+          </a:p>
+          <a:p>
+            <a:pPr indent="0" lvl="0" marL="0" rtl="0" algn="l">
+              <a:spcBef>
+                <a:spcPts val="1200"/>
+              </a:spcBef>
+              <a:spcAft>
+                <a:spcPts val="0"/>
+              </a:spcAft>
+              <a:buNone/>
+            </a:pPr>
+            <a:r>
+              <a:t/>
+            </a:r>
+            <a:endParaRPr/>
+          </a:p>
+        </p:txBody>
+      </p:sp>
+      <p:sp>
+        <p:nvSpPr>
+          <p:cNvPr id="626" name="Google Shape;626;p98"/>
+          <p:cNvSpPr txBox="1"/>
+          <p:nvPr>
+            <p:ph idx="1" type="body"/>
+          </p:nvPr>
+        </p:nvSpPr>
+        <p:spPr>
+          <a:xfrm>
+            <a:off x="729450" y="2078875"/>
+            <a:ext cx="7688700" cy="2876400"/>
+          </a:xfrm>
+          <a:prstGeom prst="rect">
+            <a:avLst/>
+          </a:prstGeom>
+        </p:spPr>
+        <p:txBody>
+          <a:bodyPr anchorCtr="0" anchor="t" bIns="91425" lIns="91425" spcFirstLastPara="1" rIns="91425" wrap="square" tIns="91425">
+            <a:normAutofit/>
+          </a:bodyPr>
+          <a:lstStyle/>
+          <a:p>
+            <a:pPr indent="0" lvl="0" marL="0" rtl="0" algn="l">
+              <a:spcBef>
+                <a:spcPts val="1200"/>
+              </a:spcBef>
+              <a:spcAft>
+                <a:spcPts val="0"/>
+              </a:spcAft>
+              <a:buNone/>
+            </a:pPr>
+            <a:r>
+              <a:rPr b="1" lang="pl" sz="1400">
+                <a:solidFill>
+                  <a:srgbClr val="0B5394"/>
+                </a:solidFill>
+                <a:latin typeface="Tahoma"/>
+                <a:ea typeface="Tahoma"/>
+                <a:cs typeface="Tahoma"/>
+                <a:sym typeface="Tahoma"/>
+              </a:rPr>
+              <a:t>Proces przesyłania danych w TCP/IP można opisać jako "</a:t>
+            </a:r>
+            <a:r>
+              <a:rPr b="1" lang="pl" sz="1400">
+                <a:solidFill>
+                  <a:srgbClr val="783F04"/>
+                </a:solidFill>
+                <a:latin typeface="Tahoma"/>
+                <a:ea typeface="Tahoma"/>
+                <a:cs typeface="Tahoma"/>
+                <a:sym typeface="Tahoma"/>
+              </a:rPr>
+              <a:t>enkapsulację</a:t>
+            </a:r>
+            <a:r>
+              <a:rPr b="1" lang="pl" sz="1400">
+                <a:solidFill>
+                  <a:srgbClr val="0B5394"/>
+                </a:solidFill>
+                <a:latin typeface="Tahoma"/>
+                <a:ea typeface="Tahoma"/>
+                <a:cs typeface="Tahoma"/>
+                <a:sym typeface="Tahoma"/>
+              </a:rPr>
+              <a:t>" (pakowanie) i "</a:t>
+            </a:r>
+            <a:r>
+              <a:rPr b="1" lang="pl" sz="1400">
+                <a:solidFill>
+                  <a:srgbClr val="783F04"/>
+                </a:solidFill>
+                <a:latin typeface="Tahoma"/>
+                <a:ea typeface="Tahoma"/>
+                <a:cs typeface="Tahoma"/>
+                <a:sym typeface="Tahoma"/>
+              </a:rPr>
+              <a:t>dekapsulację</a:t>
+            </a:r>
+            <a:r>
+              <a:rPr b="1" lang="pl" sz="1400">
+                <a:solidFill>
+                  <a:srgbClr val="0B5394"/>
+                </a:solidFill>
+                <a:latin typeface="Tahoma"/>
+                <a:ea typeface="Tahoma"/>
+                <a:cs typeface="Tahoma"/>
+                <a:sym typeface="Tahoma"/>
+              </a:rPr>
+              <a:t>" (rozpakowywanie):</a:t>
+            </a:r>
+            <a:endParaRPr b="1" sz="1400">
+              <a:solidFill>
+                <a:srgbClr val="0B5394"/>
+              </a:solidFill>
+              <a:latin typeface="Tahoma"/>
+              <a:ea typeface="Tahoma"/>
+              <a:cs typeface="Tahoma"/>
+              <a:sym typeface="Tahoma"/>
+            </a:endParaRPr>
+          </a:p>
+          <a:p>
+            <a:pPr indent="-317500" lvl="0" marL="457200" rtl="0" algn="l">
+              <a:spcBef>
+                <a:spcPts val="1200"/>
+              </a:spcBef>
+              <a:spcAft>
+                <a:spcPts val="0"/>
+              </a:spcAft>
+              <a:buClr>
+                <a:srgbClr val="000000"/>
+              </a:buClr>
+              <a:buSzPts val="1400"/>
+              <a:buFont typeface="Arial"/>
+              <a:buAutoNum type="arabicPeriod"/>
+            </a:pPr>
+            <a:r>
+              <a:rPr b="1" lang="pl" sz="1400">
+                <a:solidFill>
+                  <a:srgbClr val="274E13"/>
+                </a:solidFill>
+                <a:latin typeface="Tahoma"/>
+                <a:ea typeface="Tahoma"/>
+                <a:cs typeface="Tahoma"/>
+                <a:sym typeface="Tahoma"/>
+              </a:rPr>
+              <a:t>Nadawca</a:t>
+            </a:r>
+            <a:r>
+              <a:rPr lang="pl" sz="1400">
+                <a:solidFill>
+                  <a:srgbClr val="000000"/>
+                </a:solidFill>
+                <a:latin typeface="Tahoma"/>
+                <a:ea typeface="Tahoma"/>
+                <a:cs typeface="Tahoma"/>
+                <a:sym typeface="Tahoma"/>
+              </a:rPr>
+              <a:t>: Dane z aplikacji są dzielone na segmenty (TCP/UDP), dodawane nagłówki IP (pakiety), a następnie ramki w warstwie dostępu do sieci.</a:t>
+            </a:r>
+            <a:endParaRPr sz="1400">
+              <a:solidFill>
+                <a:srgbClr val="000000"/>
+              </a:solidFill>
+              <a:latin typeface="Tahoma"/>
+              <a:ea typeface="Tahoma"/>
+              <a:cs typeface="Tahoma"/>
+              <a:sym typeface="Tahoma"/>
+            </a:endParaRPr>
+          </a:p>
+          <a:p>
+            <a:pPr indent="-317500" lvl="0" marL="457200" rtl="0" algn="l">
+              <a:spcBef>
+                <a:spcPts val="0"/>
+              </a:spcBef>
+              <a:spcAft>
+                <a:spcPts val="0"/>
+              </a:spcAft>
+              <a:buClr>
+                <a:srgbClr val="000000"/>
+              </a:buClr>
+              <a:buSzPts val="1400"/>
+              <a:buFont typeface="Arial"/>
+              <a:buAutoNum type="arabicPeriod"/>
+            </a:pPr>
+            <a:r>
+              <a:rPr b="1" lang="pl" sz="1400">
+                <a:solidFill>
+                  <a:srgbClr val="274E13"/>
+                </a:solidFill>
+                <a:latin typeface="Tahoma"/>
+                <a:ea typeface="Tahoma"/>
+                <a:cs typeface="Tahoma"/>
+                <a:sym typeface="Tahoma"/>
+              </a:rPr>
+              <a:t>Transmisja</a:t>
+            </a:r>
+            <a:r>
+              <a:rPr lang="pl" sz="1400">
+                <a:solidFill>
+                  <a:srgbClr val="000000"/>
+                </a:solidFill>
+                <a:latin typeface="Tahoma"/>
+                <a:ea typeface="Tahoma"/>
+                <a:cs typeface="Tahoma"/>
+                <a:sym typeface="Tahoma"/>
+              </a:rPr>
+              <a:t>: Pakiety są routowane przez sieć – IP wybiera ścieżkę, ale nie gwarantuje dostarczenia (to rola TCP).</a:t>
+            </a:r>
+            <a:endParaRPr sz="1400">
+              <a:solidFill>
+                <a:srgbClr val="000000"/>
+              </a:solidFill>
+              <a:latin typeface="Tahoma"/>
+              <a:ea typeface="Tahoma"/>
+              <a:cs typeface="Tahoma"/>
+              <a:sym typeface="Tahoma"/>
+            </a:endParaRPr>
+          </a:p>
+          <a:p>
+            <a:pPr indent="-317500" lvl="0" marL="457200" rtl="0" algn="l">
+              <a:spcBef>
+                <a:spcPts val="0"/>
+              </a:spcBef>
+              <a:spcAft>
+                <a:spcPts val="0"/>
+              </a:spcAft>
+              <a:buClr>
+                <a:srgbClr val="000000"/>
+              </a:buClr>
+              <a:buSzPts val="1400"/>
+              <a:buFont typeface="Arial"/>
+              <a:buAutoNum type="arabicPeriod"/>
+            </a:pPr>
+            <a:r>
+              <a:rPr b="1" lang="pl" sz="1400">
+                <a:solidFill>
+                  <a:srgbClr val="274E13"/>
+                </a:solidFill>
+                <a:latin typeface="Tahoma"/>
+                <a:ea typeface="Tahoma"/>
+                <a:cs typeface="Tahoma"/>
+                <a:sym typeface="Tahoma"/>
+              </a:rPr>
+              <a:t>Odbiorca</a:t>
+            </a:r>
+            <a:r>
+              <a:rPr lang="pl" sz="1400">
+                <a:solidFill>
+                  <a:srgbClr val="000000"/>
+                </a:solidFill>
+                <a:latin typeface="Tahoma"/>
+                <a:ea typeface="Tahoma"/>
+                <a:cs typeface="Tahoma"/>
+                <a:sym typeface="Tahoma"/>
+              </a:rPr>
+              <a:t>: Pakiety są odbierane, sprawdzane na błędy, reassemblowane i dostarczane do aplikacji.</a:t>
+            </a:r>
+            <a:endParaRPr sz="1400">
+              <a:solidFill>
+                <a:srgbClr val="000000"/>
+              </a:solidFill>
+              <a:latin typeface="Tahoma"/>
+              <a:ea typeface="Tahoma"/>
+              <a:cs typeface="Tahoma"/>
+              <a:sym typeface="Tahoma"/>
+            </a:endParaRPr>
+          </a:p>
+          <a:p>
+            <a:pPr indent="0" lvl="0" marL="0" rtl="0" algn="l">
+              <a:spcBef>
+                <a:spcPts val="1200"/>
+              </a:spcBef>
+              <a:spcAft>
+                <a:spcPts val="1200"/>
+              </a:spcAft>
+              <a:buNone/>
+            </a:pPr>
+            <a:r>
+              <a:t/>
+            </a:r>
+            <a:endParaRPr/>
+          </a:p>
+        </p:txBody>
+      </p:sp>
+    </p:spTree>
+  </p:cSld>
+  <p:clrMapOvr>
+    <a:masterClrMapping/>
+  </p:clrMapOvr>
+</p:sld>
+</file>
+
+<file path=ppt/slides/slide87.xml><?xml version="1.0" encoding="utf-8"?>
+<p:sld xmlns:a="http://schemas.openxmlformats.org/drawingml/2006/main" xmlns:r="http://schemas.openxmlformats.org/officeDocument/2006/relationships" xmlns:mc="http://schemas.openxmlformats.org/markup-compatibility/2006" xmlns:mv="urn:schemas-microsoft-com:mac:vml" xmlns:p="http://schemas.openxmlformats.org/presentationml/2006/main" xmlns:c="http://schemas.openxmlformats.org/drawingml/2006/chart" xmlns:dgm="http://schemas.openxmlformats.org/drawingml/2006/diagram" xmlns:o="urn:schemas-microsoft-com:office:office" xmlns:v="urn:schemas-microsoft-com:vml" xmlns:pvml="urn:schemas-microsoft-com:office:powerpoint" xmlns:com="http://schemas.openxmlformats.org/drawingml/2006/compatibility" xmlns:p14="http://schemas.microsoft.com/office/powerpoint/2010/main" xmlns:p15="http://schemas.microsoft.com/office/powerpoint/2012/main" xmlns:ahyp="http://schemas.microsoft.com/office/drawing/2018/hyperlinkcolor">
+  <p:cSld>
+    <p:spTree>
+      <p:nvGrpSpPr>
+        <p:cNvPr id="630" name="Shape 630"/>
+        <p:cNvGrpSpPr/>
+        <p:nvPr/>
+      </p:nvGrpSpPr>
+      <p:grpSpPr>
+        <a:xfrm>
+          <a:off x="0" y="0"/>
+          <a:ext cx="0" cy="0"/>
+          <a:chOff x="0" y="0"/>
+          <a:chExt cx="0" cy="0"/>
+        </a:xfrm>
+      </p:grpSpPr>
+      <p:sp>
+        <p:nvSpPr>
+          <p:cNvPr id="631" name="Google Shape;631;p99"/>
+          <p:cNvSpPr txBox="1"/>
+          <p:nvPr>
+            <p:ph type="title"/>
+          </p:nvPr>
+        </p:nvSpPr>
+        <p:spPr>
+          <a:xfrm>
+            <a:off x="729450" y="1318650"/>
+            <a:ext cx="7688700" cy="535200"/>
+          </a:xfrm>
+          <a:prstGeom prst="rect">
+            <a:avLst/>
+          </a:prstGeom>
+        </p:spPr>
+        <p:txBody>
+          <a:bodyPr anchorCtr="0" anchor="t" bIns="91425" lIns="91425" spcFirstLastPara="1" rIns="91425" wrap="square" tIns="91425">
+            <a:normAutofit fontScale="90000"/>
+          </a:bodyPr>
+          <a:lstStyle/>
+          <a:p>
+            <a:pPr indent="0" lvl="0" marL="0" rtl="0" algn="l">
+              <a:lnSpc>
+                <a:spcPct val="115000"/>
+              </a:lnSpc>
+              <a:spcBef>
+                <a:spcPts val="1200"/>
+              </a:spcBef>
+              <a:spcAft>
+                <a:spcPts val="1200"/>
+              </a:spcAft>
+              <a:buNone/>
+            </a:pPr>
+            <a:r>
+              <a:rPr lang="pl"/>
+              <a:t>Proces przesyłania danych w TCP/IP cd.</a:t>
+            </a:r>
+            <a:endParaRPr/>
+          </a:p>
+        </p:txBody>
+      </p:sp>
+      <p:sp>
+        <p:nvSpPr>
+          <p:cNvPr id="632" name="Google Shape;632;p99"/>
+          <p:cNvSpPr txBox="1"/>
+          <p:nvPr>
+            <p:ph idx="1" type="body"/>
+          </p:nvPr>
+        </p:nvSpPr>
+        <p:spPr>
+          <a:xfrm>
+            <a:off x="729450" y="2078875"/>
+            <a:ext cx="7688700" cy="2261100"/>
+          </a:xfrm>
+          <a:prstGeom prst="rect">
+            <a:avLst/>
+          </a:prstGeom>
+        </p:spPr>
+        <p:txBody>
+          <a:bodyPr anchorCtr="0" anchor="t" bIns="91425" lIns="91425" spcFirstLastPara="1" rIns="91425" wrap="square" tIns="91425">
+            <a:normAutofit/>
+          </a:bodyPr>
+          <a:lstStyle/>
+          <a:p>
+            <a:pPr indent="0" lvl="0" marL="0" rtl="0" algn="l">
+              <a:spcBef>
+                <a:spcPts val="1200"/>
+              </a:spcBef>
+              <a:spcAft>
+                <a:spcPts val="0"/>
+              </a:spcAft>
+              <a:buNone/>
+            </a:pPr>
+            <a:r>
+              <a:rPr lang="pl">
+                <a:solidFill>
+                  <a:srgbClr val="171717"/>
+                </a:solidFill>
+                <a:latin typeface="Tahoma"/>
+                <a:ea typeface="Tahoma"/>
+                <a:cs typeface="Tahoma"/>
+                <a:sym typeface="Tahoma"/>
+              </a:rPr>
+              <a:t>Na przykład, podczas ładowania strony WWW: </a:t>
+            </a:r>
+            <a:endParaRPr>
+              <a:solidFill>
+                <a:srgbClr val="171717"/>
+              </a:solidFill>
+              <a:latin typeface="Tahoma"/>
+              <a:ea typeface="Tahoma"/>
+              <a:cs typeface="Tahoma"/>
+              <a:sym typeface="Tahoma"/>
+            </a:endParaRPr>
+          </a:p>
+          <a:p>
+            <a:pPr indent="0" lvl="0" marL="0" rtl="0" algn="l">
+              <a:spcBef>
+                <a:spcPts val="1200"/>
+              </a:spcBef>
+              <a:spcAft>
+                <a:spcPts val="0"/>
+              </a:spcAft>
+              <a:buNone/>
+            </a:pPr>
+            <a:r>
+              <a:rPr lang="pl">
+                <a:solidFill>
+                  <a:srgbClr val="171717"/>
+                </a:solidFill>
+                <a:latin typeface="Tahoma"/>
+                <a:ea typeface="Tahoma"/>
+                <a:cs typeface="Tahoma"/>
+                <a:sym typeface="Tahoma"/>
+              </a:rPr>
+              <a:t>Przeglądarka wysyła żądanie HTTP (warstwa aplikacyjna), które jest pakowane w segment TCP, pakiet IP i ramkę Ethernet. TCP zapewnia, że dane dotrą w całości i w kolejności, podczas gdy IP obsługuje adresowanie (każde urządzenie ma unikalny adres IP, np. 192.168.1.1).</a:t>
+            </a:r>
+            <a:endParaRPr>
+              <a:solidFill>
+                <a:srgbClr val="171717"/>
+              </a:solidFill>
+              <a:latin typeface="Tahoma"/>
+              <a:ea typeface="Tahoma"/>
+              <a:cs typeface="Tahoma"/>
+              <a:sym typeface="Tahoma"/>
+            </a:endParaRPr>
+          </a:p>
+          <a:p>
+            <a:pPr indent="0" lvl="0" marL="0" rtl="0" algn="l">
+              <a:spcBef>
+                <a:spcPts val="1200"/>
+              </a:spcBef>
+              <a:spcAft>
+                <a:spcPts val="1200"/>
+              </a:spcAft>
+              <a:buNone/>
+            </a:pPr>
+            <a:r>
+              <a:t/>
+            </a:r>
+            <a:endParaRPr/>
+          </a:p>
+        </p:txBody>
+      </p:sp>
+    </p:spTree>
+  </p:cSld>
+  <p:clrMapOvr>
+    <a:masterClrMapping/>
+  </p:clrMapOvr>
+</p:sld>
+</file>
+
+<file path=ppt/slides/slide88.xml><?xml version="1.0" encoding="utf-8"?>
+<p:sld xmlns:a="http://schemas.openxmlformats.org/drawingml/2006/main" xmlns:r="http://schemas.openxmlformats.org/officeDocument/2006/relationships" xmlns:mc="http://schemas.openxmlformats.org/markup-compatibility/2006" xmlns:mv="urn:schemas-microsoft-com:mac:vml" xmlns:p="http://schemas.openxmlformats.org/presentationml/2006/main" xmlns:c="http://schemas.openxmlformats.org/drawingml/2006/chart" xmlns:dgm="http://schemas.openxmlformats.org/drawingml/2006/diagram" xmlns:o="urn:schemas-microsoft-com:office:office" xmlns:v="urn:schemas-microsoft-com:vml" xmlns:pvml="urn:schemas-microsoft-com:office:powerpoint" xmlns:com="http://schemas.openxmlformats.org/drawingml/2006/compatibility" xmlns:p14="http://schemas.microsoft.com/office/powerpoint/2010/main" xmlns:p15="http://schemas.microsoft.com/office/powerpoint/2012/main" xmlns:ahyp="http://schemas.microsoft.com/office/drawing/2018/hyperlinkcolor">
+  <p:cSld>
+    <p:spTree>
+      <p:nvGrpSpPr>
+        <p:cNvPr id="636" name="Shape 636"/>
+        <p:cNvGrpSpPr/>
+        <p:nvPr/>
+      </p:nvGrpSpPr>
+      <p:grpSpPr>
+        <a:xfrm>
+          <a:off x="0" y="0"/>
+          <a:ext cx="0" cy="0"/>
+          <a:chOff x="0" y="0"/>
+          <a:chExt cx="0" cy="0"/>
+        </a:xfrm>
+      </p:grpSpPr>
+      <p:sp>
+        <p:nvSpPr>
+          <p:cNvPr id="637" name="Google Shape;637;p100"/>
+          <p:cNvSpPr txBox="1"/>
+          <p:nvPr>
+            <p:ph type="title"/>
+          </p:nvPr>
+        </p:nvSpPr>
+        <p:spPr>
+          <a:xfrm>
+            <a:off x="729450" y="1318650"/>
+            <a:ext cx="7688700" cy="535200"/>
+          </a:xfrm>
+          <a:prstGeom prst="rect">
+            <a:avLst/>
+          </a:prstGeom>
+        </p:spPr>
+        <p:txBody>
+          <a:bodyPr anchorCtr="0" anchor="t" bIns="91425" lIns="91425" spcFirstLastPara="1" rIns="91425" wrap="square" tIns="91425">
+            <a:noAutofit/>
+          </a:bodyPr>
+          <a:lstStyle/>
+          <a:p>
+            <a:pPr indent="0" lvl="0" marL="0" rtl="0" algn="l">
+              <a:lnSpc>
+                <a:spcPct val="115000"/>
+              </a:lnSpc>
+              <a:spcBef>
+                <a:spcPts val="1200"/>
+              </a:spcBef>
+              <a:spcAft>
+                <a:spcPts val="200"/>
+              </a:spcAft>
+              <a:buNone/>
+            </a:pPr>
+            <a:r>
+              <a:rPr lang="pl" sz="2400">
+                <a:solidFill>
+                  <a:srgbClr val="000000"/>
+                </a:solidFill>
+                <a:latin typeface="Tahoma"/>
+                <a:ea typeface="Tahoma"/>
+                <a:cs typeface="Tahoma"/>
+                <a:sym typeface="Tahoma"/>
+              </a:rPr>
+              <a:t>Kluczowe protokoły w rodzinie TCP/IP</a:t>
+            </a:r>
+            <a:endParaRPr sz="2400">
+              <a:solidFill>
+                <a:srgbClr val="000000"/>
+              </a:solidFill>
+              <a:latin typeface="Tahoma"/>
+              <a:ea typeface="Tahoma"/>
+              <a:cs typeface="Tahoma"/>
+              <a:sym typeface="Tahoma"/>
+            </a:endParaRPr>
+          </a:p>
+        </p:txBody>
+      </p:sp>
+      <p:sp>
+        <p:nvSpPr>
+          <p:cNvPr id="638" name="Google Shape;638;p100"/>
+          <p:cNvSpPr txBox="1"/>
+          <p:nvPr>
+            <p:ph idx="1" type="body"/>
+          </p:nvPr>
+        </p:nvSpPr>
+        <p:spPr>
+          <a:xfrm>
+            <a:off x="729450" y="2078875"/>
+            <a:ext cx="7688700" cy="2261100"/>
+          </a:xfrm>
+          <a:prstGeom prst="rect">
+            <a:avLst/>
+          </a:prstGeom>
+        </p:spPr>
+        <p:txBody>
+          <a:bodyPr anchorCtr="0" anchor="t" bIns="91425" lIns="91425" spcFirstLastPara="1" rIns="91425" wrap="square" tIns="91425">
+            <a:normAutofit/>
+          </a:bodyPr>
+          <a:lstStyle/>
+          <a:p>
+            <a:pPr indent="-304800" lvl="0" marL="457200" rtl="0" algn="l">
+              <a:spcBef>
+                <a:spcPts val="1200"/>
+              </a:spcBef>
+              <a:spcAft>
+                <a:spcPts val="0"/>
+              </a:spcAft>
+              <a:buClr>
+                <a:srgbClr val="000000"/>
+              </a:buClr>
+              <a:buSzPts val="1200"/>
+              <a:buFont typeface="Arial"/>
+              <a:buChar char="❏"/>
+            </a:pPr>
+            <a:r>
+              <a:rPr b="1" lang="pl" sz="1200">
+                <a:solidFill>
+                  <a:srgbClr val="0B5394"/>
+                </a:solidFill>
+                <a:latin typeface="Tahoma"/>
+                <a:ea typeface="Tahoma"/>
+                <a:cs typeface="Tahoma"/>
+                <a:sym typeface="Tahoma"/>
+              </a:rPr>
+              <a:t>IP (Internet Protocol)</a:t>
+            </a:r>
+            <a:r>
+              <a:rPr lang="pl" sz="1200">
+                <a:solidFill>
+                  <a:srgbClr val="000000"/>
+                </a:solidFill>
+                <a:latin typeface="Tahoma"/>
+                <a:ea typeface="Tahoma"/>
+                <a:cs typeface="Tahoma"/>
+                <a:sym typeface="Tahoma"/>
+              </a:rPr>
+              <a:t>: Bezpołączeniowy, odpowiada za routing. Wersja IPv4 używa 32-bitowych adresów, IPv6 – 128-bitowych, co rozwiązuje problem braku adresów.</a:t>
+            </a:r>
+            <a:endParaRPr sz="1200">
+              <a:solidFill>
+                <a:srgbClr val="000000"/>
+              </a:solidFill>
+              <a:latin typeface="Tahoma"/>
+              <a:ea typeface="Tahoma"/>
+              <a:cs typeface="Tahoma"/>
+              <a:sym typeface="Tahoma"/>
+            </a:endParaRPr>
+          </a:p>
+          <a:p>
+            <a:pPr indent="-304800" lvl="0" marL="457200" rtl="0" algn="l">
+              <a:spcBef>
+                <a:spcPts val="0"/>
+              </a:spcBef>
+              <a:spcAft>
+                <a:spcPts val="0"/>
+              </a:spcAft>
+              <a:buClr>
+                <a:srgbClr val="000000"/>
+              </a:buClr>
+              <a:buSzPts val="1200"/>
+              <a:buFont typeface="Arial"/>
+              <a:buChar char="❏"/>
+            </a:pPr>
+            <a:r>
+              <a:rPr b="1" lang="pl" sz="1200">
+                <a:solidFill>
+                  <a:srgbClr val="0B5394"/>
+                </a:solidFill>
+                <a:latin typeface="Tahoma"/>
+                <a:ea typeface="Tahoma"/>
+                <a:cs typeface="Tahoma"/>
+                <a:sym typeface="Tahoma"/>
+              </a:rPr>
+              <a:t>TCP (Transmission Control Protocol)</a:t>
+            </a:r>
+            <a:r>
+              <a:rPr lang="pl" sz="1200">
+                <a:solidFill>
+                  <a:srgbClr val="000000"/>
+                </a:solidFill>
+                <a:latin typeface="Tahoma"/>
+                <a:ea typeface="Tahoma"/>
+                <a:cs typeface="Tahoma"/>
+                <a:sym typeface="Tahoma"/>
+              </a:rPr>
+              <a:t>: Połączeniowy, niezawodny – używa handshake (SYN-ACK), kontroli błędów i retransmisji.</a:t>
+            </a:r>
+            <a:endParaRPr sz="1200">
+              <a:solidFill>
+                <a:srgbClr val="000000"/>
+              </a:solidFill>
+              <a:latin typeface="Tahoma"/>
+              <a:ea typeface="Tahoma"/>
+              <a:cs typeface="Tahoma"/>
+              <a:sym typeface="Tahoma"/>
+            </a:endParaRPr>
+          </a:p>
+          <a:p>
+            <a:pPr indent="-304800" lvl="0" marL="457200" rtl="0" algn="l">
+              <a:spcBef>
+                <a:spcPts val="0"/>
+              </a:spcBef>
+              <a:spcAft>
+                <a:spcPts val="0"/>
+              </a:spcAft>
+              <a:buClr>
+                <a:srgbClr val="000000"/>
+              </a:buClr>
+              <a:buSzPts val="1200"/>
+              <a:buFont typeface="Arial"/>
+              <a:buChar char="❏"/>
+            </a:pPr>
+            <a:r>
+              <a:rPr b="1" lang="pl" sz="1200">
+                <a:solidFill>
+                  <a:srgbClr val="0B5394"/>
+                </a:solidFill>
+                <a:latin typeface="Tahoma"/>
+                <a:ea typeface="Tahoma"/>
+                <a:cs typeface="Tahoma"/>
+                <a:sym typeface="Tahoma"/>
+              </a:rPr>
+              <a:t>UDP (User Datagram Protocol)</a:t>
+            </a:r>
+            <a:r>
+              <a:rPr lang="pl" sz="1200">
+                <a:solidFill>
+                  <a:srgbClr val="000000"/>
+                </a:solidFill>
+                <a:latin typeface="Tahoma"/>
+                <a:ea typeface="Tahoma"/>
+                <a:cs typeface="Tahoma"/>
+                <a:sym typeface="Tahoma"/>
+              </a:rPr>
+              <a:t>: Szybki, ale bez gwarancji dostarczenia – używany w grach online czy streamingu.</a:t>
+            </a:r>
+            <a:endParaRPr sz="1200">
+              <a:solidFill>
+                <a:srgbClr val="000000"/>
+              </a:solidFill>
+              <a:latin typeface="Tahoma"/>
+              <a:ea typeface="Tahoma"/>
+              <a:cs typeface="Tahoma"/>
+              <a:sym typeface="Tahoma"/>
+            </a:endParaRPr>
+          </a:p>
+          <a:p>
+            <a:pPr indent="-304800" lvl="0" marL="457200" rtl="0" algn="l">
+              <a:spcBef>
+                <a:spcPts val="0"/>
+              </a:spcBef>
+              <a:spcAft>
+                <a:spcPts val="0"/>
+              </a:spcAft>
+              <a:buClr>
+                <a:srgbClr val="000000"/>
+              </a:buClr>
+              <a:buSzPts val="1200"/>
+              <a:buFont typeface="Tahoma"/>
+              <a:buChar char="❏"/>
+            </a:pPr>
+            <a:r>
+              <a:rPr lang="pl" sz="1200">
+                <a:solidFill>
+                  <a:srgbClr val="000000"/>
+                </a:solidFill>
+                <a:latin typeface="Tahoma"/>
+                <a:ea typeface="Tahoma"/>
+                <a:cs typeface="Tahoma"/>
+                <a:sym typeface="Tahoma"/>
+              </a:rPr>
+              <a:t>Inne: ICMP (do diagnostyki, np. ping), DNS (tłumaczenie nazw na IP), HTTP (przeglądanie web).</a:t>
+            </a:r>
+            <a:endParaRPr sz="1200">
+              <a:solidFill>
+                <a:srgbClr val="000000"/>
+              </a:solidFill>
+              <a:latin typeface="Tahoma"/>
+              <a:ea typeface="Tahoma"/>
+              <a:cs typeface="Tahoma"/>
+              <a:sym typeface="Tahoma"/>
+            </a:endParaRPr>
+          </a:p>
+          <a:p>
+            <a:pPr indent="0" lvl="0" marL="0" rtl="0" algn="l">
+              <a:spcBef>
+                <a:spcPts val="1200"/>
+              </a:spcBef>
+              <a:spcAft>
+                <a:spcPts val="1200"/>
+              </a:spcAft>
+              <a:buNone/>
+            </a:pPr>
+            <a:r>
+              <a:t/>
+            </a:r>
+            <a:endParaRPr/>
+          </a:p>
+        </p:txBody>
+      </p:sp>
+    </p:spTree>
+  </p:cSld>
+  <p:clrMapOvr>
+    <a:masterClrMapping/>
+  </p:clrMapOvr>
+</p:sld>
+</file>
+
+<file path=ppt/slides/slide89.xml><?xml version="1.0" encoding="utf-8"?>
+<p:sld xmlns:a="http://schemas.openxmlformats.org/drawingml/2006/main" xmlns:r="http://schemas.openxmlformats.org/officeDocument/2006/relationships" xmlns:mc="http://schemas.openxmlformats.org/markup-compatibility/2006" xmlns:mv="urn:schemas-microsoft-com:mac:vml" xmlns:p="http://schemas.openxmlformats.org/presentationml/2006/main" xmlns:c="http://schemas.openxmlformats.org/drawingml/2006/chart" xmlns:dgm="http://schemas.openxmlformats.org/drawingml/2006/diagram" xmlns:o="urn:schemas-microsoft-com:office:office" xmlns:v="urn:schemas-microsoft-com:vml" xmlns:pvml="urn:schemas-microsoft-com:office:powerpoint" xmlns:com="http://schemas.openxmlformats.org/drawingml/2006/compatibility" xmlns:p14="http://schemas.microsoft.com/office/powerpoint/2010/main" xmlns:p15="http://schemas.microsoft.com/office/powerpoint/2012/main" xmlns:ahyp="http://schemas.microsoft.com/office/drawing/2018/hyperlinkcolor">
+  <p:cSld>
+    <p:spTree>
+      <p:nvGrpSpPr>
+        <p:cNvPr id="642" name="Shape 642"/>
+        <p:cNvGrpSpPr/>
+        <p:nvPr/>
+      </p:nvGrpSpPr>
+      <p:grpSpPr>
+        <a:xfrm>
+          <a:off x="0" y="0"/>
+          <a:ext cx="0" cy="0"/>
+          <a:chOff x="0" y="0"/>
+          <a:chExt cx="0" cy="0"/>
+        </a:xfrm>
+      </p:grpSpPr>
+      <p:sp>
+        <p:nvSpPr>
+          <p:cNvPr id="643" name="Google Shape;643;p101"/>
+          <p:cNvSpPr txBox="1"/>
+          <p:nvPr>
+            <p:ph type="title"/>
+          </p:nvPr>
+        </p:nvSpPr>
+        <p:spPr>
+          <a:xfrm>
+            <a:off x="729450" y="1318650"/>
+            <a:ext cx="7688700" cy="535200"/>
+          </a:xfrm>
+          <a:prstGeom prst="rect">
+            <a:avLst/>
+          </a:prstGeom>
+        </p:spPr>
+        <p:txBody>
+          <a:bodyPr anchorCtr="0" anchor="t" bIns="91425" lIns="91425" spcFirstLastPara="1" rIns="91425" wrap="square" tIns="91425">
+            <a:noAutofit/>
+          </a:bodyPr>
+          <a:lstStyle/>
+          <a:p>
+            <a:pPr indent="0" lvl="0" marL="0" rtl="0" algn="l">
+              <a:lnSpc>
+                <a:spcPct val="115000"/>
+              </a:lnSpc>
+              <a:spcBef>
+                <a:spcPts val="1200"/>
+              </a:spcBef>
+              <a:spcAft>
+                <a:spcPts val="200"/>
+              </a:spcAft>
+              <a:buNone/>
+            </a:pPr>
+            <a:r>
+              <a:rPr lang="pl" sz="2400">
+                <a:solidFill>
+                  <a:srgbClr val="000000"/>
+                </a:solidFill>
+                <a:latin typeface="Tahoma"/>
+                <a:ea typeface="Tahoma"/>
+                <a:cs typeface="Tahoma"/>
+                <a:sym typeface="Tahoma"/>
+              </a:rPr>
+              <a:t>Zalety i wady</a:t>
+            </a:r>
+            <a:endParaRPr sz="3900">
+              <a:latin typeface="Tahoma"/>
+              <a:ea typeface="Tahoma"/>
+              <a:cs typeface="Tahoma"/>
+              <a:sym typeface="Tahoma"/>
+            </a:endParaRPr>
+          </a:p>
+        </p:txBody>
+      </p:sp>
+      <p:sp>
+        <p:nvSpPr>
+          <p:cNvPr id="644" name="Google Shape;644;p101"/>
+          <p:cNvSpPr txBox="1"/>
+          <p:nvPr>
+            <p:ph idx="1" type="body"/>
+          </p:nvPr>
+        </p:nvSpPr>
+        <p:spPr>
+          <a:xfrm>
+            <a:off x="679950" y="2078875"/>
+            <a:ext cx="8184600" cy="2999700"/>
+          </a:xfrm>
+          <a:prstGeom prst="rect">
+            <a:avLst/>
+          </a:prstGeom>
+        </p:spPr>
+        <p:txBody>
+          <a:bodyPr anchorCtr="0" anchor="t" bIns="91425" lIns="91425" spcFirstLastPara="1" rIns="91425" wrap="square" tIns="91425">
+            <a:normAutofit fontScale="77500" lnSpcReduction="20000"/>
+          </a:bodyPr>
+          <a:lstStyle/>
+          <a:p>
+            <a:pPr indent="0" lvl="0" marL="457200" rtl="0" algn="ctr">
+              <a:spcBef>
+                <a:spcPts val="0"/>
+              </a:spcBef>
+              <a:spcAft>
+                <a:spcPts val="0"/>
+              </a:spcAft>
+              <a:buNone/>
+            </a:pPr>
+            <a:r>
+              <a:t/>
+            </a:r>
+            <a:endParaRPr b="1" sz="1100">
+              <a:solidFill>
+                <a:srgbClr val="000000"/>
+              </a:solidFill>
+              <a:latin typeface="Arial"/>
+              <a:ea typeface="Arial"/>
+              <a:cs typeface="Arial"/>
+              <a:sym typeface="Arial"/>
+            </a:endParaRPr>
+          </a:p>
+          <a:p>
+            <a:pPr indent="0" lvl="0" marL="0" rtl="0" algn="l">
+              <a:lnSpc>
+                <a:spcPct val="100000"/>
+              </a:lnSpc>
+              <a:spcBef>
+                <a:spcPts val="0"/>
+              </a:spcBef>
+              <a:spcAft>
+                <a:spcPts val="0"/>
+              </a:spcAft>
+              <a:buNone/>
+            </a:pPr>
+            <a:r>
+              <a:rPr lang="pl" sz="1325">
+                <a:solidFill>
+                  <a:srgbClr val="000000"/>
+                </a:solidFill>
+                <a:latin typeface="Tahoma"/>
+                <a:ea typeface="Tahoma"/>
+                <a:cs typeface="Tahoma"/>
+                <a:sym typeface="Tahoma"/>
+              </a:rPr>
+              <a:t>✅ </a:t>
+            </a:r>
+            <a:r>
+              <a:rPr b="1" lang="pl" sz="1325">
+                <a:solidFill>
+                  <a:srgbClr val="000000"/>
+                </a:solidFill>
+                <a:latin typeface="Tahoma"/>
+                <a:ea typeface="Tahoma"/>
+                <a:cs typeface="Tahoma"/>
+                <a:sym typeface="Tahoma"/>
+              </a:rPr>
+              <a:t>Uniwersalny standard</a:t>
+            </a:r>
+            <a:r>
+              <a:rPr lang="pl" sz="1325">
+                <a:solidFill>
+                  <a:srgbClr val="000000"/>
+                </a:solidFill>
+                <a:latin typeface="Tahoma"/>
+                <a:ea typeface="Tahoma"/>
+                <a:cs typeface="Tahoma"/>
+                <a:sym typeface="Tahoma"/>
+              </a:rPr>
+              <a:t> – jest podstawą działania Internetu, powszechnie stosowany na całym świecie.</a:t>
+            </a:r>
+            <a:endParaRPr sz="1325">
+              <a:solidFill>
+                <a:srgbClr val="000000"/>
+              </a:solidFill>
+              <a:latin typeface="Tahoma"/>
+              <a:ea typeface="Tahoma"/>
+              <a:cs typeface="Tahoma"/>
+              <a:sym typeface="Tahoma"/>
+            </a:endParaRPr>
+          </a:p>
+          <a:p>
+            <a:pPr indent="0" lvl="0" marL="0" rtl="0" algn="l">
+              <a:lnSpc>
+                <a:spcPct val="100000"/>
+              </a:lnSpc>
+              <a:spcBef>
+                <a:spcPts val="0"/>
+              </a:spcBef>
+              <a:spcAft>
+                <a:spcPts val="0"/>
+              </a:spcAft>
+              <a:buNone/>
+            </a:pPr>
+            <a:r>
+              <a:t/>
+            </a:r>
+            <a:endParaRPr sz="1325">
+              <a:solidFill>
+                <a:srgbClr val="000000"/>
+              </a:solidFill>
+              <a:latin typeface="Tahoma"/>
+              <a:ea typeface="Tahoma"/>
+              <a:cs typeface="Tahoma"/>
+              <a:sym typeface="Tahoma"/>
+            </a:endParaRPr>
+          </a:p>
+          <a:p>
+            <a:pPr indent="0" lvl="0" marL="0" rtl="0" algn="l">
+              <a:lnSpc>
+                <a:spcPct val="100000"/>
+              </a:lnSpc>
+              <a:spcBef>
+                <a:spcPts val="0"/>
+              </a:spcBef>
+              <a:spcAft>
+                <a:spcPts val="0"/>
+              </a:spcAft>
+              <a:buNone/>
+            </a:pPr>
+            <a:r>
+              <a:rPr lang="pl" sz="1325">
+                <a:solidFill>
+                  <a:srgbClr val="000000"/>
+                </a:solidFill>
+                <a:latin typeface="Tahoma"/>
+                <a:ea typeface="Tahoma"/>
+                <a:cs typeface="Tahoma"/>
+                <a:sym typeface="Tahoma"/>
+              </a:rPr>
+              <a:t>✅ </a:t>
+            </a:r>
+            <a:r>
+              <a:rPr b="1" lang="pl" sz="1325">
+                <a:solidFill>
+                  <a:srgbClr val="000000"/>
+                </a:solidFill>
+                <a:latin typeface="Tahoma"/>
+                <a:ea typeface="Tahoma"/>
+                <a:cs typeface="Tahoma"/>
+                <a:sym typeface="Tahoma"/>
+              </a:rPr>
+              <a:t>Niezależny od sprzętu i systemu operacyjnego</a:t>
+            </a:r>
+            <a:r>
+              <a:rPr lang="pl" sz="1325">
+                <a:solidFill>
+                  <a:srgbClr val="000000"/>
+                </a:solidFill>
+                <a:latin typeface="Tahoma"/>
+                <a:ea typeface="Tahoma"/>
+                <a:cs typeface="Tahoma"/>
+                <a:sym typeface="Tahoma"/>
+              </a:rPr>
+              <a:t> – działa na różnych platformach.</a:t>
+            </a:r>
+            <a:endParaRPr sz="1325">
+              <a:solidFill>
+                <a:srgbClr val="000000"/>
+              </a:solidFill>
+              <a:latin typeface="Tahoma"/>
+              <a:ea typeface="Tahoma"/>
+              <a:cs typeface="Tahoma"/>
+              <a:sym typeface="Tahoma"/>
+            </a:endParaRPr>
+          </a:p>
+          <a:p>
+            <a:pPr indent="0" lvl="0" marL="0" rtl="0" algn="l">
+              <a:lnSpc>
+                <a:spcPct val="100000"/>
+              </a:lnSpc>
+              <a:spcBef>
+                <a:spcPts val="0"/>
+              </a:spcBef>
+              <a:spcAft>
+                <a:spcPts val="0"/>
+              </a:spcAft>
+              <a:buNone/>
+            </a:pPr>
+            <a:r>
+              <a:t/>
+            </a:r>
+            <a:endParaRPr sz="1325">
+              <a:solidFill>
+                <a:srgbClr val="000000"/>
+              </a:solidFill>
+              <a:latin typeface="Tahoma"/>
+              <a:ea typeface="Tahoma"/>
+              <a:cs typeface="Tahoma"/>
+              <a:sym typeface="Tahoma"/>
+            </a:endParaRPr>
+          </a:p>
+          <a:p>
+            <a:pPr indent="0" lvl="0" marL="0" rtl="0" algn="l">
+              <a:lnSpc>
+                <a:spcPct val="100000"/>
+              </a:lnSpc>
+              <a:spcBef>
+                <a:spcPts val="0"/>
+              </a:spcBef>
+              <a:spcAft>
+                <a:spcPts val="0"/>
+              </a:spcAft>
+              <a:buNone/>
+            </a:pPr>
+            <a:r>
+              <a:rPr lang="pl" sz="1325">
+                <a:solidFill>
+                  <a:srgbClr val="000000"/>
+                </a:solidFill>
+                <a:latin typeface="Tahoma"/>
+                <a:ea typeface="Tahoma"/>
+                <a:cs typeface="Tahoma"/>
+                <a:sym typeface="Tahoma"/>
+              </a:rPr>
+              <a:t>✅ </a:t>
+            </a:r>
+            <a:r>
+              <a:rPr b="1" lang="pl" sz="1325">
+                <a:solidFill>
+                  <a:srgbClr val="000000"/>
+                </a:solidFill>
+                <a:latin typeface="Tahoma"/>
+                <a:ea typeface="Tahoma"/>
+                <a:cs typeface="Tahoma"/>
+                <a:sym typeface="Tahoma"/>
+              </a:rPr>
+              <a:t>Możliwość skalowania</a:t>
+            </a:r>
+            <a:r>
+              <a:rPr lang="pl" sz="1325">
+                <a:solidFill>
+                  <a:srgbClr val="000000"/>
+                </a:solidFill>
+                <a:latin typeface="Tahoma"/>
+                <a:ea typeface="Tahoma"/>
+                <a:cs typeface="Tahoma"/>
+                <a:sym typeface="Tahoma"/>
+              </a:rPr>
+              <a:t> – dobrze sprawdza się w małych i bardzo dużych sieciach.</a:t>
+            </a:r>
+            <a:endParaRPr sz="1325">
+              <a:solidFill>
+                <a:srgbClr val="000000"/>
+              </a:solidFill>
+              <a:latin typeface="Tahoma"/>
+              <a:ea typeface="Tahoma"/>
+              <a:cs typeface="Tahoma"/>
+              <a:sym typeface="Tahoma"/>
+            </a:endParaRPr>
+          </a:p>
+          <a:p>
+            <a:pPr indent="0" lvl="0" marL="0" rtl="0" algn="l">
+              <a:lnSpc>
+                <a:spcPct val="100000"/>
+              </a:lnSpc>
+              <a:spcBef>
+                <a:spcPts val="0"/>
+              </a:spcBef>
+              <a:spcAft>
+                <a:spcPts val="0"/>
+              </a:spcAft>
+              <a:buNone/>
+            </a:pPr>
+            <a:r>
+              <a:t/>
+            </a:r>
+            <a:endParaRPr sz="1325">
+              <a:solidFill>
+                <a:srgbClr val="000000"/>
+              </a:solidFill>
+              <a:latin typeface="Tahoma"/>
+              <a:ea typeface="Tahoma"/>
+              <a:cs typeface="Tahoma"/>
+              <a:sym typeface="Tahoma"/>
+            </a:endParaRPr>
+          </a:p>
+          <a:p>
+            <a:pPr indent="0" lvl="0" marL="0" rtl="0" algn="l">
+              <a:lnSpc>
+                <a:spcPct val="100000"/>
+              </a:lnSpc>
+              <a:spcBef>
+                <a:spcPts val="0"/>
+              </a:spcBef>
+              <a:spcAft>
+                <a:spcPts val="0"/>
+              </a:spcAft>
+              <a:buNone/>
+            </a:pPr>
+            <a:r>
+              <a:rPr lang="pl" sz="1325">
+                <a:solidFill>
+                  <a:srgbClr val="000000"/>
+                </a:solidFill>
+                <a:latin typeface="Tahoma"/>
+                <a:ea typeface="Tahoma"/>
+                <a:cs typeface="Tahoma"/>
+                <a:sym typeface="Tahoma"/>
+              </a:rPr>
+              <a:t>✅ </a:t>
+            </a:r>
+            <a:r>
+              <a:rPr b="1" lang="pl" sz="1325">
+                <a:solidFill>
+                  <a:srgbClr val="000000"/>
+                </a:solidFill>
+                <a:latin typeface="Tahoma"/>
+                <a:ea typeface="Tahoma"/>
+                <a:cs typeface="Tahoma"/>
+                <a:sym typeface="Tahoma"/>
+              </a:rPr>
+              <a:t>El</a:t>
+            </a:r>
+            <a:r>
+              <a:rPr b="1" lang="pl" sz="1325">
+                <a:solidFill>
+                  <a:srgbClr val="000000"/>
+                </a:solidFill>
+                <a:latin typeface="Tahoma"/>
+                <a:ea typeface="Tahoma"/>
+                <a:cs typeface="Tahoma"/>
+                <a:sym typeface="Tahoma"/>
+              </a:rPr>
+              <a:t>a</a:t>
+            </a:r>
+            <a:r>
+              <a:rPr b="1" lang="pl" sz="1325">
+                <a:solidFill>
+                  <a:srgbClr val="000000"/>
+                </a:solidFill>
+                <a:latin typeface="Tahoma"/>
+                <a:ea typeface="Tahoma"/>
+                <a:cs typeface="Tahoma"/>
+                <a:sym typeface="Tahoma"/>
+              </a:rPr>
+              <a:t>styczność protokołów</a:t>
+            </a:r>
+            <a:r>
+              <a:rPr lang="pl" sz="1325">
+                <a:solidFill>
+                  <a:srgbClr val="000000"/>
+                </a:solidFill>
+                <a:latin typeface="Tahoma"/>
+                <a:ea typeface="Tahoma"/>
+                <a:cs typeface="Tahoma"/>
+                <a:sym typeface="Tahoma"/>
+              </a:rPr>
+              <a:t> – wiele różnych protokołów do różnych zastosowań (np. TCP, UDP, HTTP, DNS).</a:t>
+            </a:r>
+            <a:endParaRPr sz="1325">
+              <a:solidFill>
+                <a:srgbClr val="000000"/>
+              </a:solidFill>
+              <a:latin typeface="Tahoma"/>
+              <a:ea typeface="Tahoma"/>
+              <a:cs typeface="Tahoma"/>
+              <a:sym typeface="Tahoma"/>
+            </a:endParaRPr>
+          </a:p>
+          <a:p>
+            <a:pPr indent="0" lvl="0" marL="0" rtl="0" algn="l">
+              <a:lnSpc>
+                <a:spcPct val="100000"/>
+              </a:lnSpc>
+              <a:spcBef>
+                <a:spcPts val="0"/>
+              </a:spcBef>
+              <a:spcAft>
+                <a:spcPts val="0"/>
+              </a:spcAft>
+              <a:buNone/>
+            </a:pPr>
+            <a:r>
+              <a:t/>
+            </a:r>
+            <a:endParaRPr sz="1325">
+              <a:solidFill>
+                <a:srgbClr val="000000"/>
+              </a:solidFill>
+              <a:latin typeface="Tahoma"/>
+              <a:ea typeface="Tahoma"/>
+              <a:cs typeface="Tahoma"/>
+              <a:sym typeface="Tahoma"/>
+            </a:endParaRPr>
+          </a:p>
+          <a:p>
+            <a:pPr indent="0" lvl="0" marL="0" rtl="0" algn="l">
+              <a:lnSpc>
+                <a:spcPct val="100000"/>
+              </a:lnSpc>
+              <a:spcBef>
+                <a:spcPts val="0"/>
+              </a:spcBef>
+              <a:spcAft>
+                <a:spcPts val="0"/>
+              </a:spcAft>
+              <a:buNone/>
+            </a:pPr>
+            <a:r>
+              <a:rPr lang="pl" sz="1325">
+                <a:solidFill>
+                  <a:srgbClr val="000000"/>
+                </a:solidFill>
+                <a:latin typeface="Tahoma"/>
+                <a:ea typeface="Tahoma"/>
+                <a:cs typeface="Tahoma"/>
+                <a:sym typeface="Tahoma"/>
+              </a:rPr>
+              <a:t>✅ </a:t>
+            </a:r>
+            <a:r>
+              <a:rPr b="1" lang="pl" sz="1325">
+                <a:solidFill>
+                  <a:srgbClr val="000000"/>
+                </a:solidFill>
+                <a:latin typeface="Tahoma"/>
+                <a:ea typeface="Tahoma"/>
+                <a:cs typeface="Tahoma"/>
+                <a:sym typeface="Tahoma"/>
+              </a:rPr>
+              <a:t>Odporność na awarie</a:t>
+            </a:r>
+            <a:r>
+              <a:rPr lang="pl" sz="1325">
+                <a:solidFill>
+                  <a:srgbClr val="000000"/>
+                </a:solidFill>
+                <a:latin typeface="Tahoma"/>
+                <a:ea typeface="Tahoma"/>
+                <a:cs typeface="Tahoma"/>
+                <a:sym typeface="Tahoma"/>
+              </a:rPr>
+              <a:t> – sieci TCP/IP mogą automatycznie omijać uszkodzone trasy.</a:t>
+            </a:r>
+            <a:endParaRPr sz="1325">
+              <a:solidFill>
+                <a:srgbClr val="000000"/>
+              </a:solidFill>
+              <a:latin typeface="Tahoma"/>
+              <a:ea typeface="Tahoma"/>
+              <a:cs typeface="Tahoma"/>
+              <a:sym typeface="Tahoma"/>
+            </a:endParaRPr>
+          </a:p>
+          <a:p>
+            <a:pPr indent="0" lvl="0" marL="0" rtl="0" algn="l">
+              <a:lnSpc>
+                <a:spcPct val="100000"/>
+              </a:lnSpc>
+              <a:spcBef>
+                <a:spcPts val="0"/>
+              </a:spcBef>
+              <a:spcAft>
+                <a:spcPts val="0"/>
+              </a:spcAft>
+              <a:buNone/>
+            </a:pPr>
+            <a:r>
+              <a:t/>
+            </a:r>
+            <a:endParaRPr sz="1325">
+              <a:solidFill>
+                <a:srgbClr val="000000"/>
+              </a:solidFill>
+              <a:latin typeface="Tahoma"/>
+              <a:ea typeface="Tahoma"/>
+              <a:cs typeface="Tahoma"/>
+              <a:sym typeface="Tahoma"/>
+            </a:endParaRPr>
+          </a:p>
+          <a:p>
+            <a:pPr indent="0" lvl="0" marL="0" rtl="0" algn="l">
+              <a:lnSpc>
+                <a:spcPct val="100000"/>
+              </a:lnSpc>
+              <a:spcBef>
+                <a:spcPts val="0"/>
+              </a:spcBef>
+              <a:spcAft>
+                <a:spcPts val="0"/>
+              </a:spcAft>
+              <a:buNone/>
+            </a:pPr>
+            <a:r>
+              <a:t/>
+            </a:r>
+            <a:endParaRPr sz="1325">
+              <a:solidFill>
+                <a:srgbClr val="000000"/>
+              </a:solidFill>
+              <a:latin typeface="Tahoma"/>
+              <a:ea typeface="Tahoma"/>
+              <a:cs typeface="Tahoma"/>
+              <a:sym typeface="Tahoma"/>
+            </a:endParaRPr>
+          </a:p>
+          <a:p>
+            <a:pPr indent="0" lvl="0" marL="0" rtl="0" algn="l">
+              <a:lnSpc>
+                <a:spcPct val="100000"/>
+              </a:lnSpc>
+              <a:spcBef>
+                <a:spcPts val="0"/>
+              </a:spcBef>
+              <a:spcAft>
+                <a:spcPts val="0"/>
+              </a:spcAft>
+              <a:buNone/>
+            </a:pPr>
+            <a:r>
+              <a:rPr lang="pl" sz="1325">
+                <a:solidFill>
+                  <a:srgbClr val="000000"/>
+                </a:solidFill>
+                <a:latin typeface="Tahoma"/>
+                <a:ea typeface="Tahoma"/>
+                <a:cs typeface="Tahoma"/>
+                <a:sym typeface="Tahoma"/>
+              </a:rPr>
+              <a:t>❌ </a:t>
+            </a:r>
+            <a:r>
+              <a:rPr b="1" lang="pl" sz="1325">
+                <a:solidFill>
+                  <a:srgbClr val="000000"/>
+                </a:solidFill>
+                <a:latin typeface="Tahoma"/>
+                <a:ea typeface="Tahoma"/>
+                <a:cs typeface="Tahoma"/>
+                <a:sym typeface="Tahoma"/>
+              </a:rPr>
+              <a:t>Złożoność</a:t>
+            </a:r>
+            <a:r>
+              <a:rPr lang="pl" sz="1325">
+                <a:solidFill>
+                  <a:srgbClr val="000000"/>
+                </a:solidFill>
+                <a:latin typeface="Tahoma"/>
+                <a:ea typeface="Tahoma"/>
+                <a:cs typeface="Tahoma"/>
+                <a:sym typeface="Tahoma"/>
+              </a:rPr>
+              <a:t> – konfiguracja i zarządzanie mogą być trudne dla początkujących użytkowników.</a:t>
+            </a:r>
+            <a:endParaRPr sz="1325">
+              <a:solidFill>
+                <a:srgbClr val="000000"/>
+              </a:solidFill>
+              <a:latin typeface="Tahoma"/>
+              <a:ea typeface="Tahoma"/>
+              <a:cs typeface="Tahoma"/>
+              <a:sym typeface="Tahoma"/>
+            </a:endParaRPr>
+          </a:p>
+          <a:p>
+            <a:pPr indent="0" lvl="0" marL="0" rtl="0" algn="l">
+              <a:lnSpc>
+                <a:spcPct val="100000"/>
+              </a:lnSpc>
+              <a:spcBef>
+                <a:spcPts val="0"/>
+              </a:spcBef>
+              <a:spcAft>
+                <a:spcPts val="0"/>
+              </a:spcAft>
+              <a:buNone/>
+            </a:pPr>
+            <a:r>
+              <a:t/>
+            </a:r>
+            <a:endParaRPr sz="1325">
+              <a:solidFill>
+                <a:srgbClr val="000000"/>
+              </a:solidFill>
+              <a:latin typeface="Tahoma"/>
+              <a:ea typeface="Tahoma"/>
+              <a:cs typeface="Tahoma"/>
+              <a:sym typeface="Tahoma"/>
+            </a:endParaRPr>
+          </a:p>
+          <a:p>
+            <a:pPr indent="0" lvl="0" marL="0" rtl="0" algn="l">
+              <a:lnSpc>
+                <a:spcPct val="100000"/>
+              </a:lnSpc>
+              <a:spcBef>
+                <a:spcPts val="0"/>
+              </a:spcBef>
+              <a:spcAft>
+                <a:spcPts val="0"/>
+              </a:spcAft>
+              <a:buNone/>
+            </a:pPr>
+            <a:r>
+              <a:rPr lang="pl" sz="1325">
+                <a:solidFill>
+                  <a:srgbClr val="000000"/>
+                </a:solidFill>
+                <a:latin typeface="Tahoma"/>
+                <a:ea typeface="Tahoma"/>
+                <a:cs typeface="Tahoma"/>
+                <a:sym typeface="Tahoma"/>
+              </a:rPr>
+              <a:t>❌ </a:t>
+            </a:r>
+            <a:r>
+              <a:rPr b="1" lang="pl" sz="1325">
+                <a:solidFill>
+                  <a:srgbClr val="000000"/>
+                </a:solidFill>
+                <a:latin typeface="Tahoma"/>
+                <a:ea typeface="Tahoma"/>
+                <a:cs typeface="Tahoma"/>
+                <a:sym typeface="Tahoma"/>
+              </a:rPr>
+              <a:t>Nieprecyzyjny podział warstw</a:t>
+            </a:r>
+            <a:r>
+              <a:rPr lang="pl" sz="1325">
+                <a:solidFill>
+                  <a:srgbClr val="000000"/>
+                </a:solidFill>
+                <a:latin typeface="Tahoma"/>
+                <a:ea typeface="Tahoma"/>
+                <a:cs typeface="Tahoma"/>
+                <a:sym typeface="Tahoma"/>
+              </a:rPr>
+              <a:t> – niektóre funkcje nakładają się między warstwami (np. aplikacja i transport).</a:t>
+            </a:r>
+            <a:endParaRPr sz="1325">
+              <a:solidFill>
+                <a:srgbClr val="000000"/>
+              </a:solidFill>
+              <a:latin typeface="Tahoma"/>
+              <a:ea typeface="Tahoma"/>
+              <a:cs typeface="Tahoma"/>
+              <a:sym typeface="Tahoma"/>
+            </a:endParaRPr>
+          </a:p>
+          <a:p>
+            <a:pPr indent="0" lvl="0" marL="0" rtl="0" algn="l">
+              <a:lnSpc>
+                <a:spcPct val="100000"/>
+              </a:lnSpc>
+              <a:spcBef>
+                <a:spcPts val="0"/>
+              </a:spcBef>
+              <a:spcAft>
+                <a:spcPts val="0"/>
+              </a:spcAft>
+              <a:buNone/>
+            </a:pPr>
+            <a:r>
+              <a:t/>
+            </a:r>
+            <a:endParaRPr sz="1325">
+              <a:solidFill>
+                <a:srgbClr val="000000"/>
+              </a:solidFill>
+              <a:latin typeface="Tahoma"/>
+              <a:ea typeface="Tahoma"/>
+              <a:cs typeface="Tahoma"/>
+              <a:sym typeface="Tahoma"/>
+            </a:endParaRPr>
+          </a:p>
+          <a:p>
+            <a:pPr indent="0" lvl="0" marL="0" rtl="0" algn="l">
+              <a:lnSpc>
+                <a:spcPct val="100000"/>
+              </a:lnSpc>
+              <a:spcBef>
+                <a:spcPts val="0"/>
+              </a:spcBef>
+              <a:spcAft>
+                <a:spcPts val="0"/>
+              </a:spcAft>
+              <a:buNone/>
+            </a:pPr>
+            <a:r>
+              <a:rPr lang="pl" sz="1325">
+                <a:solidFill>
+                  <a:srgbClr val="000000"/>
+                </a:solidFill>
+                <a:latin typeface="Tahoma"/>
+                <a:ea typeface="Tahoma"/>
+                <a:cs typeface="Tahoma"/>
+                <a:sym typeface="Tahoma"/>
+              </a:rPr>
+              <a:t>❌ </a:t>
+            </a:r>
+            <a:r>
+              <a:rPr b="1" lang="pl" sz="1325">
+                <a:solidFill>
+                  <a:srgbClr val="000000"/>
+                </a:solidFill>
+                <a:latin typeface="Tahoma"/>
+                <a:ea typeface="Tahoma"/>
+                <a:cs typeface="Tahoma"/>
+                <a:sym typeface="Tahoma"/>
+              </a:rPr>
+              <a:t>Nie gwarantuje pełnego bezpieczeństwa</a:t>
+            </a:r>
+            <a:r>
+              <a:rPr lang="pl" sz="1325">
+                <a:solidFill>
+                  <a:srgbClr val="000000"/>
+                </a:solidFill>
+                <a:latin typeface="Tahoma"/>
+                <a:ea typeface="Tahoma"/>
+                <a:cs typeface="Tahoma"/>
+                <a:sym typeface="Tahoma"/>
+              </a:rPr>
+              <a:t> – wymaga dodatkowych protokołów (np. HTTPS, IPsec).</a:t>
+            </a:r>
+            <a:endParaRPr sz="1325">
+              <a:solidFill>
+                <a:srgbClr val="000000"/>
+              </a:solidFill>
+              <a:latin typeface="Tahoma"/>
+              <a:ea typeface="Tahoma"/>
+              <a:cs typeface="Tahoma"/>
+              <a:sym typeface="Tahoma"/>
+            </a:endParaRPr>
+          </a:p>
+          <a:p>
+            <a:pPr indent="0" lvl="0" marL="0" rtl="0" algn="l">
+              <a:lnSpc>
+                <a:spcPct val="100000"/>
+              </a:lnSpc>
+              <a:spcBef>
+                <a:spcPts val="0"/>
+              </a:spcBef>
+              <a:spcAft>
+                <a:spcPts val="0"/>
+              </a:spcAft>
+              <a:buNone/>
+            </a:pPr>
+            <a:r>
+              <a:t/>
+            </a:r>
+            <a:endParaRPr sz="1325">
+              <a:solidFill>
+                <a:srgbClr val="000000"/>
+              </a:solidFill>
+              <a:latin typeface="Tahoma"/>
+              <a:ea typeface="Tahoma"/>
+              <a:cs typeface="Tahoma"/>
+              <a:sym typeface="Tahoma"/>
+            </a:endParaRPr>
+          </a:p>
+          <a:p>
+            <a:pPr indent="0" lvl="0" marL="0" rtl="0" algn="l">
+              <a:lnSpc>
+                <a:spcPct val="100000"/>
+              </a:lnSpc>
+              <a:spcBef>
+                <a:spcPts val="0"/>
+              </a:spcBef>
+              <a:spcAft>
+                <a:spcPts val="0"/>
+              </a:spcAft>
+              <a:buNone/>
+            </a:pPr>
+            <a:r>
+              <a:rPr lang="pl" sz="1325">
+                <a:solidFill>
+                  <a:srgbClr val="000000"/>
+                </a:solidFill>
+                <a:latin typeface="Tahoma"/>
+                <a:ea typeface="Tahoma"/>
+                <a:cs typeface="Tahoma"/>
+                <a:sym typeface="Tahoma"/>
+              </a:rPr>
+              <a:t>❌ </a:t>
+            </a:r>
+            <a:r>
+              <a:rPr b="1" lang="pl" sz="1325">
+                <a:solidFill>
+                  <a:srgbClr val="000000"/>
+                </a:solidFill>
+                <a:latin typeface="Tahoma"/>
+                <a:ea typeface="Tahoma"/>
+                <a:cs typeface="Tahoma"/>
+                <a:sym typeface="Tahoma"/>
+              </a:rPr>
+              <a:t>Trudniejszy do zrozumienia</a:t>
+            </a:r>
+            <a:r>
+              <a:rPr lang="pl" sz="1325">
+                <a:solidFill>
+                  <a:srgbClr val="000000"/>
+                </a:solidFill>
+                <a:latin typeface="Tahoma"/>
+                <a:ea typeface="Tahoma"/>
+                <a:cs typeface="Tahoma"/>
+                <a:sym typeface="Tahoma"/>
+              </a:rPr>
+              <a:t> w porównaniu z modelem OSI, który ma bardziej logiczną strukturę.</a:t>
+            </a:r>
+            <a:endParaRPr sz="1325">
+              <a:solidFill>
+                <a:srgbClr val="000000"/>
+              </a:solidFill>
+              <a:latin typeface="Tahoma"/>
+              <a:ea typeface="Tahoma"/>
+              <a:cs typeface="Tahoma"/>
+              <a:sym typeface="Tahoma"/>
+            </a:endParaRPr>
+          </a:p>
+          <a:p>
+            <a:pPr indent="0" lvl="0" marL="0" rtl="0" algn="l">
+              <a:lnSpc>
+                <a:spcPct val="100000"/>
+              </a:lnSpc>
+              <a:spcBef>
+                <a:spcPts val="0"/>
+              </a:spcBef>
+              <a:spcAft>
+                <a:spcPts val="0"/>
+              </a:spcAft>
+              <a:buNone/>
+            </a:pPr>
+            <a:r>
+              <a:t/>
+            </a:r>
+            <a:endParaRPr sz="1325">
+              <a:solidFill>
+                <a:srgbClr val="000000"/>
+              </a:solidFill>
+              <a:latin typeface="Tahoma"/>
+              <a:ea typeface="Tahoma"/>
+              <a:cs typeface="Tahoma"/>
+              <a:sym typeface="Tahoma"/>
+            </a:endParaRPr>
+          </a:p>
+          <a:p>
+            <a:pPr indent="0" lvl="0" marL="0" rtl="0" algn="l">
+              <a:lnSpc>
+                <a:spcPct val="100000"/>
+              </a:lnSpc>
+              <a:spcBef>
+                <a:spcPts val="0"/>
+              </a:spcBef>
+              <a:spcAft>
+                <a:spcPts val="0"/>
+              </a:spcAft>
+              <a:buNone/>
+            </a:pPr>
+            <a:r>
+              <a:rPr lang="pl" sz="1325">
+                <a:solidFill>
+                  <a:srgbClr val="000000"/>
+                </a:solidFill>
+                <a:latin typeface="Tahoma"/>
+                <a:ea typeface="Tahoma"/>
+                <a:cs typeface="Tahoma"/>
+                <a:sym typeface="Tahoma"/>
+              </a:rPr>
+              <a:t>❌ </a:t>
+            </a:r>
+            <a:r>
+              <a:rPr b="1" lang="pl" sz="1325">
+                <a:solidFill>
+                  <a:srgbClr val="000000"/>
+                </a:solidFill>
+                <a:latin typeface="Tahoma"/>
+                <a:ea typeface="Tahoma"/>
+                <a:cs typeface="Tahoma"/>
+                <a:sym typeface="Tahoma"/>
+              </a:rPr>
+              <a:t>Nieoptymalny dla niektórych zastosowań lokalnych</a:t>
+            </a:r>
+            <a:r>
+              <a:rPr lang="pl" sz="1325">
+                <a:solidFill>
+                  <a:srgbClr val="000000"/>
+                </a:solidFill>
+                <a:latin typeface="Tahoma"/>
+                <a:ea typeface="Tahoma"/>
+                <a:cs typeface="Tahoma"/>
+                <a:sym typeface="Tahoma"/>
+              </a:rPr>
+              <a:t> – został zaprojektowany głównie dla komunikacji rozproszonej.</a:t>
+            </a:r>
+            <a:endParaRPr sz="1525">
+              <a:latin typeface="Tahoma"/>
+              <a:ea typeface="Tahoma"/>
+              <a:cs typeface="Tahoma"/>
+              <a:sym typeface="Tahoma"/>
+            </a:endParaRPr>
+          </a:p>
+        </p:txBody>
+      </p:sp>
     </p:spTree>
   </p:cSld>
   <p:clrMapOvr>

--- a/ZASTOSOWANIE_INFORMATYKI/1A-gr_2/Zastosowanie informatyki - 1A gr. 2.pptx
+++ b/ZASTOSOWANIE_INFORMATYKI/1A-gr_2/Zastosowanie informatyki - 1A gr. 2.pptx
@@ -97,35 +97,41 @@
     <p:sldId id="342" r:id="rId93"/>
     <p:sldId id="343" r:id="rId94"/>
     <p:sldId id="344" r:id="rId95"/>
+    <p:sldId id="345" r:id="rId96"/>
+    <p:sldId id="346" r:id="rId97"/>
+    <p:sldId id="347" r:id="rId98"/>
+    <p:sldId id="348" r:id="rId99"/>
+    <p:sldId id="349" r:id="rId100"/>
+    <p:sldId id="350" r:id="rId101"/>
   </p:sldIdLst>
   <p:sldSz cy="5143500" cx="9144000"/>
   <p:notesSz cx="6858000" cy="9144000"/>
   <p:embeddedFontLst>
     <p:embeddedFont>
       <p:font typeface="Raleway"/>
-      <p:regular r:id="rId96"/>
-      <p:bold r:id="rId97"/>
-      <p:italic r:id="rId98"/>
-      <p:boldItalic r:id="rId99"/>
+      <p:regular r:id="rId102"/>
+      <p:bold r:id="rId103"/>
+      <p:italic r:id="rId104"/>
+      <p:boldItalic r:id="rId105"/>
     </p:embeddedFont>
     <p:embeddedFont>
       <p:font typeface="Roboto"/>
-      <p:regular r:id="rId100"/>
-      <p:bold r:id="rId101"/>
-      <p:italic r:id="rId102"/>
-      <p:boldItalic r:id="rId103"/>
+      <p:regular r:id="rId106"/>
+      <p:bold r:id="rId107"/>
+      <p:italic r:id="rId108"/>
+      <p:boldItalic r:id="rId109"/>
     </p:embeddedFont>
     <p:embeddedFont>
       <p:font typeface="Lato"/>
-      <p:regular r:id="rId104"/>
-      <p:bold r:id="rId105"/>
-      <p:italic r:id="rId106"/>
-      <p:boldItalic r:id="rId107"/>
+      <p:regular r:id="rId110"/>
+      <p:bold r:id="rId111"/>
+      <p:italic r:id="rId112"/>
+      <p:boldItalic r:id="rId113"/>
     </p:embeddedFont>
     <p:embeddedFont>
       <p:font typeface="Tahoma"/>
-      <p:regular r:id="rId108"/>
-      <p:bold r:id="rId109"/>
+      <p:regular r:id="rId114"/>
+      <p:bold r:id="rId115"/>
     </p:embeddedFont>
   </p:embeddedFontLst>
   <p:defaultTextStyle>
@@ -9569,6 +9575,600 @@
       <p:sp>
         <p:nvSpPr>
           <p:cNvPr id="137" name="Google Shape;137;g37a7fb0f999_0_214:notes"/>
+          <p:cNvSpPr txBox="1"/>
+          <p:nvPr>
+            <p:ph idx="1" type="body"/>
+          </p:nvPr>
+        </p:nvSpPr>
+        <p:spPr>
+          <a:xfrm>
+            <a:off x="685800" y="4343400"/>
+            <a:ext cx="5486400" cy="4114800"/>
+          </a:xfrm>
+          <a:prstGeom prst="rect">
+            <a:avLst/>
+          </a:prstGeom>
+        </p:spPr>
+        <p:txBody>
+          <a:bodyPr anchorCtr="0" anchor="t" bIns="91425" lIns="91425" spcFirstLastPara="1" rIns="91425" wrap="square" tIns="91425">
+            <a:noAutofit/>
+          </a:bodyPr>
+          <a:lstStyle/>
+          <a:p>
+            <a:pPr indent="0" lvl="0" marL="0" rtl="0" algn="l">
+              <a:spcBef>
+                <a:spcPts val="0"/>
+              </a:spcBef>
+              <a:spcAft>
+                <a:spcPts val="0"/>
+              </a:spcAft>
+              <a:buNone/>
+            </a:pPr>
+            <a:r>
+              <a:t/>
+            </a:r>
+            <a:endParaRPr/>
+          </a:p>
+        </p:txBody>
+      </p:sp>
+    </p:spTree>
+  </p:cSld>
+  <p:clrMapOvr>
+    <a:masterClrMapping/>
+  </p:clrMapOvr>
+</p:notes>
+</file>
+
+<file path=ppt/notesSlides/notesSlide90.xml><?xml version="1.0" encoding="utf-8"?>
+<p:notes xmlns:a="http://schemas.openxmlformats.org/drawingml/2006/main" xmlns:r="http://schemas.openxmlformats.org/officeDocument/2006/relationships" xmlns:mc="http://schemas.openxmlformats.org/markup-compatibility/2006" xmlns:mv="urn:schemas-microsoft-com:mac:vml" xmlns:p="http://schemas.openxmlformats.org/presentationml/2006/main" xmlns:c="http://schemas.openxmlformats.org/drawingml/2006/chart" xmlns:dgm="http://schemas.openxmlformats.org/drawingml/2006/diagram" xmlns:o="urn:schemas-microsoft-com:office:office" xmlns:v="urn:schemas-microsoft-com:vml" xmlns:pvml="urn:schemas-microsoft-com:office:powerpoint" xmlns:com="http://schemas.openxmlformats.org/drawingml/2006/compatibility" xmlns:p14="http://schemas.microsoft.com/office/powerpoint/2010/main" xmlns:p15="http://schemas.microsoft.com/office/powerpoint/2012/main" xmlns:ahyp="http://schemas.microsoft.com/office/drawing/2018/hyperlinkcolor" showMasterPhAnim="0" showMasterSp="0">
+  <p:cSld>
+    <p:spTree>
+      <p:nvGrpSpPr>
+        <p:cNvPr id="645" name="Shape 645"/>
+        <p:cNvGrpSpPr/>
+        <p:nvPr/>
+      </p:nvGrpSpPr>
+      <p:grpSpPr>
+        <a:xfrm>
+          <a:off x="0" y="0"/>
+          <a:ext cx="0" cy="0"/>
+          <a:chOff x="0" y="0"/>
+          <a:chExt cx="0" cy="0"/>
+        </a:xfrm>
+      </p:grpSpPr>
+      <p:sp>
+        <p:nvSpPr>
+          <p:cNvPr id="646" name="Google Shape;646;g38adf739f9f_0_0:notes"/>
+          <p:cNvSpPr/>
+          <p:nvPr>
+            <p:ph idx="2" type="sldImg"/>
+          </p:nvPr>
+        </p:nvSpPr>
+        <p:spPr>
+          <a:xfrm>
+            <a:off x="381300" y="685800"/>
+            <a:ext cx="6096000" cy="3429000"/>
+          </a:xfrm>
+          <a:custGeom>
+            <a:rect b="b" l="l" r="r" t="t"/>
+            <a:pathLst>
+              <a:path extrusionOk="0" h="120000" w="120000">
+                <a:moveTo>
+                  <a:pt x="0" y="0"/>
+                </a:moveTo>
+                <a:lnTo>
+                  <a:pt x="120000" y="0"/>
+                </a:lnTo>
+                <a:lnTo>
+                  <a:pt x="120000" y="120000"/>
+                </a:lnTo>
+                <a:lnTo>
+                  <a:pt x="0" y="120000"/>
+                </a:lnTo>
+                <a:close/>
+              </a:path>
+            </a:pathLst>
+          </a:custGeom>
+        </p:spPr>
+      </p:sp>
+      <p:sp>
+        <p:nvSpPr>
+          <p:cNvPr id="647" name="Google Shape;647;g38adf739f9f_0_0:notes"/>
+          <p:cNvSpPr txBox="1"/>
+          <p:nvPr>
+            <p:ph idx="1" type="body"/>
+          </p:nvPr>
+        </p:nvSpPr>
+        <p:spPr>
+          <a:xfrm>
+            <a:off x="685800" y="4343400"/>
+            <a:ext cx="5486400" cy="4114800"/>
+          </a:xfrm>
+          <a:prstGeom prst="rect">
+            <a:avLst/>
+          </a:prstGeom>
+        </p:spPr>
+        <p:txBody>
+          <a:bodyPr anchorCtr="0" anchor="t" bIns="91425" lIns="91425" spcFirstLastPara="1" rIns="91425" wrap="square" tIns="91425">
+            <a:noAutofit/>
+          </a:bodyPr>
+          <a:lstStyle/>
+          <a:p>
+            <a:pPr indent="0" lvl="0" marL="0" rtl="0" algn="l">
+              <a:spcBef>
+                <a:spcPts val="0"/>
+              </a:spcBef>
+              <a:spcAft>
+                <a:spcPts val="0"/>
+              </a:spcAft>
+              <a:buNone/>
+            </a:pPr>
+            <a:r>
+              <a:t/>
+            </a:r>
+            <a:endParaRPr/>
+          </a:p>
+        </p:txBody>
+      </p:sp>
+    </p:spTree>
+  </p:cSld>
+  <p:clrMapOvr>
+    <a:masterClrMapping/>
+  </p:clrMapOvr>
+</p:notes>
+</file>
+
+<file path=ppt/notesSlides/notesSlide91.xml><?xml version="1.0" encoding="utf-8"?>
+<p:notes xmlns:a="http://schemas.openxmlformats.org/drawingml/2006/main" xmlns:r="http://schemas.openxmlformats.org/officeDocument/2006/relationships" xmlns:mc="http://schemas.openxmlformats.org/markup-compatibility/2006" xmlns:mv="urn:schemas-microsoft-com:mac:vml" xmlns:p="http://schemas.openxmlformats.org/presentationml/2006/main" xmlns:c="http://schemas.openxmlformats.org/drawingml/2006/chart" xmlns:dgm="http://schemas.openxmlformats.org/drawingml/2006/diagram" xmlns:o="urn:schemas-microsoft-com:office:office" xmlns:v="urn:schemas-microsoft-com:vml" xmlns:pvml="urn:schemas-microsoft-com:office:powerpoint" xmlns:com="http://schemas.openxmlformats.org/drawingml/2006/compatibility" xmlns:p14="http://schemas.microsoft.com/office/powerpoint/2010/main" xmlns:p15="http://schemas.microsoft.com/office/powerpoint/2012/main" xmlns:ahyp="http://schemas.microsoft.com/office/drawing/2018/hyperlinkcolor" showMasterPhAnim="0" showMasterSp="0">
+  <p:cSld>
+    <p:spTree>
+      <p:nvGrpSpPr>
+        <p:cNvPr id="651" name="Shape 651"/>
+        <p:cNvGrpSpPr/>
+        <p:nvPr/>
+      </p:nvGrpSpPr>
+      <p:grpSpPr>
+        <a:xfrm>
+          <a:off x="0" y="0"/>
+          <a:ext cx="0" cy="0"/>
+          <a:chOff x="0" y="0"/>
+          <a:chExt cx="0" cy="0"/>
+        </a:xfrm>
+      </p:grpSpPr>
+      <p:sp>
+        <p:nvSpPr>
+          <p:cNvPr id="652" name="Google Shape;652;g38adf739f9f_0_8:notes"/>
+          <p:cNvSpPr/>
+          <p:nvPr>
+            <p:ph idx="2" type="sldImg"/>
+          </p:nvPr>
+        </p:nvSpPr>
+        <p:spPr>
+          <a:xfrm>
+            <a:off x="381300" y="685800"/>
+            <a:ext cx="6096000" cy="3429000"/>
+          </a:xfrm>
+          <a:custGeom>
+            <a:rect b="b" l="l" r="r" t="t"/>
+            <a:pathLst>
+              <a:path extrusionOk="0" h="120000" w="120000">
+                <a:moveTo>
+                  <a:pt x="0" y="0"/>
+                </a:moveTo>
+                <a:lnTo>
+                  <a:pt x="120000" y="0"/>
+                </a:lnTo>
+                <a:lnTo>
+                  <a:pt x="120000" y="120000"/>
+                </a:lnTo>
+                <a:lnTo>
+                  <a:pt x="0" y="120000"/>
+                </a:lnTo>
+                <a:close/>
+              </a:path>
+            </a:pathLst>
+          </a:custGeom>
+        </p:spPr>
+      </p:sp>
+      <p:sp>
+        <p:nvSpPr>
+          <p:cNvPr id="653" name="Google Shape;653;g38adf739f9f_0_8:notes"/>
+          <p:cNvSpPr txBox="1"/>
+          <p:nvPr>
+            <p:ph idx="1" type="body"/>
+          </p:nvPr>
+        </p:nvSpPr>
+        <p:spPr>
+          <a:xfrm>
+            <a:off x="685800" y="4343400"/>
+            <a:ext cx="5486400" cy="4114800"/>
+          </a:xfrm>
+          <a:prstGeom prst="rect">
+            <a:avLst/>
+          </a:prstGeom>
+        </p:spPr>
+        <p:txBody>
+          <a:bodyPr anchorCtr="0" anchor="t" bIns="91425" lIns="91425" spcFirstLastPara="1" rIns="91425" wrap="square" tIns="91425">
+            <a:noAutofit/>
+          </a:bodyPr>
+          <a:lstStyle/>
+          <a:p>
+            <a:pPr indent="0" lvl="0" marL="0" rtl="0" algn="l">
+              <a:spcBef>
+                <a:spcPts val="0"/>
+              </a:spcBef>
+              <a:spcAft>
+                <a:spcPts val="0"/>
+              </a:spcAft>
+              <a:buNone/>
+            </a:pPr>
+            <a:r>
+              <a:t/>
+            </a:r>
+            <a:endParaRPr/>
+          </a:p>
+        </p:txBody>
+      </p:sp>
+    </p:spTree>
+  </p:cSld>
+  <p:clrMapOvr>
+    <a:masterClrMapping/>
+  </p:clrMapOvr>
+</p:notes>
+</file>
+
+<file path=ppt/notesSlides/notesSlide92.xml><?xml version="1.0" encoding="utf-8"?>
+<p:notes xmlns:a="http://schemas.openxmlformats.org/drawingml/2006/main" xmlns:r="http://schemas.openxmlformats.org/officeDocument/2006/relationships" xmlns:mc="http://schemas.openxmlformats.org/markup-compatibility/2006" xmlns:mv="urn:schemas-microsoft-com:mac:vml" xmlns:p="http://schemas.openxmlformats.org/presentationml/2006/main" xmlns:c="http://schemas.openxmlformats.org/drawingml/2006/chart" xmlns:dgm="http://schemas.openxmlformats.org/drawingml/2006/diagram" xmlns:o="urn:schemas-microsoft-com:office:office" xmlns:v="urn:schemas-microsoft-com:vml" xmlns:pvml="urn:schemas-microsoft-com:office:powerpoint" xmlns:com="http://schemas.openxmlformats.org/drawingml/2006/compatibility" xmlns:p14="http://schemas.microsoft.com/office/powerpoint/2010/main" xmlns:p15="http://schemas.microsoft.com/office/powerpoint/2012/main" xmlns:ahyp="http://schemas.microsoft.com/office/drawing/2018/hyperlinkcolor" showMasterPhAnim="0" showMasterSp="0">
+  <p:cSld>
+    <p:spTree>
+      <p:nvGrpSpPr>
+        <p:cNvPr id="657" name="Shape 657"/>
+        <p:cNvGrpSpPr/>
+        <p:nvPr/>
+      </p:nvGrpSpPr>
+      <p:grpSpPr>
+        <a:xfrm>
+          <a:off x="0" y="0"/>
+          <a:ext cx="0" cy="0"/>
+          <a:chOff x="0" y="0"/>
+          <a:chExt cx="0" cy="0"/>
+        </a:xfrm>
+      </p:grpSpPr>
+      <p:sp>
+        <p:nvSpPr>
+          <p:cNvPr id="658" name="Google Shape;658;g38adf739f9f_0_36:notes"/>
+          <p:cNvSpPr/>
+          <p:nvPr>
+            <p:ph idx="2" type="sldImg"/>
+          </p:nvPr>
+        </p:nvSpPr>
+        <p:spPr>
+          <a:xfrm>
+            <a:off x="381300" y="685800"/>
+            <a:ext cx="6096000" cy="3429000"/>
+          </a:xfrm>
+          <a:custGeom>
+            <a:rect b="b" l="l" r="r" t="t"/>
+            <a:pathLst>
+              <a:path extrusionOk="0" h="120000" w="120000">
+                <a:moveTo>
+                  <a:pt x="0" y="0"/>
+                </a:moveTo>
+                <a:lnTo>
+                  <a:pt x="120000" y="0"/>
+                </a:lnTo>
+                <a:lnTo>
+                  <a:pt x="120000" y="120000"/>
+                </a:lnTo>
+                <a:lnTo>
+                  <a:pt x="0" y="120000"/>
+                </a:lnTo>
+                <a:close/>
+              </a:path>
+            </a:pathLst>
+          </a:custGeom>
+        </p:spPr>
+      </p:sp>
+      <p:sp>
+        <p:nvSpPr>
+          <p:cNvPr id="659" name="Google Shape;659;g38adf739f9f_0_36:notes"/>
+          <p:cNvSpPr txBox="1"/>
+          <p:nvPr>
+            <p:ph idx="1" type="body"/>
+          </p:nvPr>
+        </p:nvSpPr>
+        <p:spPr>
+          <a:xfrm>
+            <a:off x="685800" y="4343400"/>
+            <a:ext cx="5486400" cy="4114800"/>
+          </a:xfrm>
+          <a:prstGeom prst="rect">
+            <a:avLst/>
+          </a:prstGeom>
+        </p:spPr>
+        <p:txBody>
+          <a:bodyPr anchorCtr="0" anchor="t" bIns="91425" lIns="91425" spcFirstLastPara="1" rIns="91425" wrap="square" tIns="91425">
+            <a:noAutofit/>
+          </a:bodyPr>
+          <a:lstStyle/>
+          <a:p>
+            <a:pPr indent="0" lvl="0" marL="0" rtl="0" algn="l">
+              <a:spcBef>
+                <a:spcPts val="0"/>
+              </a:spcBef>
+              <a:spcAft>
+                <a:spcPts val="0"/>
+              </a:spcAft>
+              <a:buNone/>
+            </a:pPr>
+            <a:r>
+              <a:t/>
+            </a:r>
+            <a:endParaRPr/>
+          </a:p>
+        </p:txBody>
+      </p:sp>
+    </p:spTree>
+  </p:cSld>
+  <p:clrMapOvr>
+    <a:masterClrMapping/>
+  </p:clrMapOvr>
+</p:notes>
+</file>
+
+<file path=ppt/notesSlides/notesSlide93.xml><?xml version="1.0" encoding="utf-8"?>
+<p:notes xmlns:a="http://schemas.openxmlformats.org/drawingml/2006/main" xmlns:r="http://schemas.openxmlformats.org/officeDocument/2006/relationships" xmlns:mc="http://schemas.openxmlformats.org/markup-compatibility/2006" xmlns:mv="urn:schemas-microsoft-com:mac:vml" xmlns:p="http://schemas.openxmlformats.org/presentationml/2006/main" xmlns:c="http://schemas.openxmlformats.org/drawingml/2006/chart" xmlns:dgm="http://schemas.openxmlformats.org/drawingml/2006/diagram" xmlns:o="urn:schemas-microsoft-com:office:office" xmlns:v="urn:schemas-microsoft-com:vml" xmlns:pvml="urn:schemas-microsoft-com:office:powerpoint" xmlns:com="http://schemas.openxmlformats.org/drawingml/2006/compatibility" xmlns:p14="http://schemas.microsoft.com/office/powerpoint/2010/main" xmlns:p15="http://schemas.microsoft.com/office/powerpoint/2012/main" xmlns:ahyp="http://schemas.microsoft.com/office/drawing/2018/hyperlinkcolor" showMasterPhAnim="0" showMasterSp="0">
+  <p:cSld>
+    <p:spTree>
+      <p:nvGrpSpPr>
+        <p:cNvPr id="663" name="Shape 663"/>
+        <p:cNvGrpSpPr/>
+        <p:nvPr/>
+      </p:nvGrpSpPr>
+      <p:grpSpPr>
+        <a:xfrm>
+          <a:off x="0" y="0"/>
+          <a:ext cx="0" cy="0"/>
+          <a:chOff x="0" y="0"/>
+          <a:chExt cx="0" cy="0"/>
+        </a:xfrm>
+      </p:grpSpPr>
+      <p:sp>
+        <p:nvSpPr>
+          <p:cNvPr id="664" name="Google Shape;664;g38adf739f9f_0_14:notes"/>
+          <p:cNvSpPr/>
+          <p:nvPr>
+            <p:ph idx="2" type="sldImg"/>
+          </p:nvPr>
+        </p:nvSpPr>
+        <p:spPr>
+          <a:xfrm>
+            <a:off x="381300" y="685800"/>
+            <a:ext cx="6096000" cy="3429000"/>
+          </a:xfrm>
+          <a:custGeom>
+            <a:rect b="b" l="l" r="r" t="t"/>
+            <a:pathLst>
+              <a:path extrusionOk="0" h="120000" w="120000">
+                <a:moveTo>
+                  <a:pt x="0" y="0"/>
+                </a:moveTo>
+                <a:lnTo>
+                  <a:pt x="120000" y="0"/>
+                </a:lnTo>
+                <a:lnTo>
+                  <a:pt x="120000" y="120000"/>
+                </a:lnTo>
+                <a:lnTo>
+                  <a:pt x="0" y="120000"/>
+                </a:lnTo>
+                <a:close/>
+              </a:path>
+            </a:pathLst>
+          </a:custGeom>
+        </p:spPr>
+      </p:sp>
+      <p:sp>
+        <p:nvSpPr>
+          <p:cNvPr id="665" name="Google Shape;665;g38adf739f9f_0_14:notes"/>
+          <p:cNvSpPr txBox="1"/>
+          <p:nvPr>
+            <p:ph idx="1" type="body"/>
+          </p:nvPr>
+        </p:nvSpPr>
+        <p:spPr>
+          <a:xfrm>
+            <a:off x="685800" y="4343400"/>
+            <a:ext cx="5486400" cy="4114800"/>
+          </a:xfrm>
+          <a:prstGeom prst="rect">
+            <a:avLst/>
+          </a:prstGeom>
+        </p:spPr>
+        <p:txBody>
+          <a:bodyPr anchorCtr="0" anchor="t" bIns="91425" lIns="91425" spcFirstLastPara="1" rIns="91425" wrap="square" tIns="91425">
+            <a:noAutofit/>
+          </a:bodyPr>
+          <a:lstStyle/>
+          <a:p>
+            <a:pPr indent="0" lvl="0" marL="0" rtl="0" algn="l">
+              <a:spcBef>
+                <a:spcPts val="0"/>
+              </a:spcBef>
+              <a:spcAft>
+                <a:spcPts val="0"/>
+              </a:spcAft>
+              <a:buNone/>
+            </a:pPr>
+            <a:r>
+              <a:t/>
+            </a:r>
+            <a:endParaRPr/>
+          </a:p>
+        </p:txBody>
+      </p:sp>
+    </p:spTree>
+  </p:cSld>
+  <p:clrMapOvr>
+    <a:masterClrMapping/>
+  </p:clrMapOvr>
+</p:notes>
+</file>
+
+<file path=ppt/notesSlides/notesSlide94.xml><?xml version="1.0" encoding="utf-8"?>
+<p:notes xmlns:a="http://schemas.openxmlformats.org/drawingml/2006/main" xmlns:r="http://schemas.openxmlformats.org/officeDocument/2006/relationships" xmlns:mc="http://schemas.openxmlformats.org/markup-compatibility/2006" xmlns:mv="urn:schemas-microsoft-com:mac:vml" xmlns:p="http://schemas.openxmlformats.org/presentationml/2006/main" xmlns:c="http://schemas.openxmlformats.org/drawingml/2006/chart" xmlns:dgm="http://schemas.openxmlformats.org/drawingml/2006/diagram" xmlns:o="urn:schemas-microsoft-com:office:office" xmlns:v="urn:schemas-microsoft-com:vml" xmlns:pvml="urn:schemas-microsoft-com:office:powerpoint" xmlns:com="http://schemas.openxmlformats.org/drawingml/2006/compatibility" xmlns:p14="http://schemas.microsoft.com/office/powerpoint/2010/main" xmlns:p15="http://schemas.microsoft.com/office/powerpoint/2012/main" xmlns:ahyp="http://schemas.microsoft.com/office/drawing/2018/hyperlinkcolor" showMasterPhAnim="0" showMasterSp="0">
+  <p:cSld>
+    <p:spTree>
+      <p:nvGrpSpPr>
+        <p:cNvPr id="669" name="Shape 669"/>
+        <p:cNvGrpSpPr/>
+        <p:nvPr/>
+      </p:nvGrpSpPr>
+      <p:grpSpPr>
+        <a:xfrm>
+          <a:off x="0" y="0"/>
+          <a:ext cx="0" cy="0"/>
+          <a:chOff x="0" y="0"/>
+          <a:chExt cx="0" cy="0"/>
+        </a:xfrm>
+      </p:grpSpPr>
+      <p:sp>
+        <p:nvSpPr>
+          <p:cNvPr id="670" name="Google Shape;670;g38adf739f9f_0_22:notes"/>
+          <p:cNvSpPr/>
+          <p:nvPr>
+            <p:ph idx="2" type="sldImg"/>
+          </p:nvPr>
+        </p:nvSpPr>
+        <p:spPr>
+          <a:xfrm>
+            <a:off x="381300" y="685800"/>
+            <a:ext cx="6096000" cy="3429000"/>
+          </a:xfrm>
+          <a:custGeom>
+            <a:rect b="b" l="l" r="r" t="t"/>
+            <a:pathLst>
+              <a:path extrusionOk="0" h="120000" w="120000">
+                <a:moveTo>
+                  <a:pt x="0" y="0"/>
+                </a:moveTo>
+                <a:lnTo>
+                  <a:pt x="120000" y="0"/>
+                </a:lnTo>
+                <a:lnTo>
+                  <a:pt x="120000" y="120000"/>
+                </a:lnTo>
+                <a:lnTo>
+                  <a:pt x="0" y="120000"/>
+                </a:lnTo>
+                <a:close/>
+              </a:path>
+            </a:pathLst>
+          </a:custGeom>
+        </p:spPr>
+      </p:sp>
+      <p:sp>
+        <p:nvSpPr>
+          <p:cNvPr id="671" name="Google Shape;671;g38adf739f9f_0_22:notes"/>
+          <p:cNvSpPr txBox="1"/>
+          <p:nvPr>
+            <p:ph idx="1" type="body"/>
+          </p:nvPr>
+        </p:nvSpPr>
+        <p:spPr>
+          <a:xfrm>
+            <a:off x="685800" y="4343400"/>
+            <a:ext cx="5486400" cy="4114800"/>
+          </a:xfrm>
+          <a:prstGeom prst="rect">
+            <a:avLst/>
+          </a:prstGeom>
+        </p:spPr>
+        <p:txBody>
+          <a:bodyPr anchorCtr="0" anchor="t" bIns="91425" lIns="91425" spcFirstLastPara="1" rIns="91425" wrap="square" tIns="91425">
+            <a:noAutofit/>
+          </a:bodyPr>
+          <a:lstStyle/>
+          <a:p>
+            <a:pPr indent="0" lvl="0" marL="0" rtl="0" algn="l">
+              <a:spcBef>
+                <a:spcPts val="0"/>
+              </a:spcBef>
+              <a:spcAft>
+                <a:spcPts val="0"/>
+              </a:spcAft>
+              <a:buNone/>
+            </a:pPr>
+            <a:r>
+              <a:t/>
+            </a:r>
+            <a:endParaRPr/>
+          </a:p>
+        </p:txBody>
+      </p:sp>
+    </p:spTree>
+  </p:cSld>
+  <p:clrMapOvr>
+    <a:masterClrMapping/>
+  </p:clrMapOvr>
+</p:notes>
+</file>
+
+<file path=ppt/notesSlides/notesSlide95.xml><?xml version="1.0" encoding="utf-8"?>
+<p:notes xmlns:a="http://schemas.openxmlformats.org/drawingml/2006/main" xmlns:r="http://schemas.openxmlformats.org/officeDocument/2006/relationships" xmlns:mc="http://schemas.openxmlformats.org/markup-compatibility/2006" xmlns:mv="urn:schemas-microsoft-com:mac:vml" xmlns:p="http://schemas.openxmlformats.org/presentationml/2006/main" xmlns:c="http://schemas.openxmlformats.org/drawingml/2006/chart" xmlns:dgm="http://schemas.openxmlformats.org/drawingml/2006/diagram" xmlns:o="urn:schemas-microsoft-com:office:office" xmlns:v="urn:schemas-microsoft-com:vml" xmlns:pvml="urn:schemas-microsoft-com:office:powerpoint" xmlns:com="http://schemas.openxmlformats.org/drawingml/2006/compatibility" xmlns:p14="http://schemas.microsoft.com/office/powerpoint/2010/main" xmlns:p15="http://schemas.microsoft.com/office/powerpoint/2012/main" xmlns:ahyp="http://schemas.microsoft.com/office/drawing/2018/hyperlinkcolor" showMasterPhAnim="0" showMasterSp="0">
+  <p:cSld>
+    <p:spTree>
+      <p:nvGrpSpPr>
+        <p:cNvPr id="675" name="Shape 675"/>
+        <p:cNvGrpSpPr/>
+        <p:nvPr/>
+      </p:nvGrpSpPr>
+      <p:grpSpPr>
+        <a:xfrm>
+          <a:off x="0" y="0"/>
+          <a:ext cx="0" cy="0"/>
+          <a:chOff x="0" y="0"/>
+          <a:chExt cx="0" cy="0"/>
+        </a:xfrm>
+      </p:grpSpPr>
+      <p:sp>
+        <p:nvSpPr>
+          <p:cNvPr id="676" name="Google Shape;676;g38adf739f9f_0_29:notes"/>
+          <p:cNvSpPr/>
+          <p:nvPr>
+            <p:ph idx="2" type="sldImg"/>
+          </p:nvPr>
+        </p:nvSpPr>
+        <p:spPr>
+          <a:xfrm>
+            <a:off x="381300" y="685800"/>
+            <a:ext cx="6096000" cy="3429000"/>
+          </a:xfrm>
+          <a:custGeom>
+            <a:rect b="b" l="l" r="r" t="t"/>
+            <a:pathLst>
+              <a:path extrusionOk="0" h="120000" w="120000">
+                <a:moveTo>
+                  <a:pt x="0" y="0"/>
+                </a:moveTo>
+                <a:lnTo>
+                  <a:pt x="120000" y="0"/>
+                </a:lnTo>
+                <a:lnTo>
+                  <a:pt x="120000" y="120000"/>
+                </a:lnTo>
+                <a:lnTo>
+                  <a:pt x="0" y="120000"/>
+                </a:lnTo>
+                <a:close/>
+              </a:path>
+            </a:pathLst>
+          </a:custGeom>
+        </p:spPr>
+      </p:sp>
+      <p:sp>
+        <p:nvSpPr>
+          <p:cNvPr id="677" name="Google Shape;677;g38adf739f9f_0_29:notes"/>
           <p:cNvSpPr txBox="1"/>
           <p:nvPr>
             <p:ph idx="1" type="body"/>
@@ -30446,7 +31046,7 @@
             <a:tbl>
               <a:tblPr>
                 <a:noFill/>
-                <a:tableStyleId>{9CFCB0CD-350E-4AD8-8AAE-7EC22C274A30}</a:tableStyleId>
+                <a:tableStyleId>{EE95794C-7BF3-45C6-AD0E-91F387E41CAC}</a:tableStyleId>
               </a:tblPr>
               <a:tblGrid>
                 <a:gridCol w="2413000"/>
@@ -30692,7 +31292,7 @@
             <a:tbl>
               <a:tblPr>
                 <a:noFill/>
-                <a:tableStyleId>{9CFCB0CD-350E-4AD8-8AAE-7EC22C274A30}</a:tableStyleId>
+                <a:tableStyleId>{EE95794C-7BF3-45C6-AD0E-91F387E41CAC}</a:tableStyleId>
               </a:tblPr>
               <a:tblGrid>
                 <a:gridCol w="2413000"/>
@@ -44732,7 +45332,7 @@
             <a:tbl>
               <a:tblPr>
                 <a:noFill/>
-                <a:tableStyleId>{9CFCB0CD-350E-4AD8-8AAE-7EC22C274A30}</a:tableStyleId>
+                <a:tableStyleId>{EE95794C-7BF3-45C6-AD0E-91F387E41CAC}</a:tableStyleId>
               </a:tblPr>
               <a:tblGrid>
                 <a:gridCol w="1690400"/>
@@ -45406,7 +46006,7 @@
             <a:tbl>
               <a:tblPr>
                 <a:noFill/>
-                <a:tableStyleId>{DFCFB13D-2222-4903-986F-AF3260A43CC6}</a:tableStyleId>
+                <a:tableStyleId>{00C0243B-BC17-49E2-A4D3-478D727967AB}</a:tableStyleId>
               </a:tblPr>
               <a:tblGrid>
                 <a:gridCol w="19050"/>
@@ -48824,7 +49424,2791 @@
 </p:sld>
 </file>
 
+<file path=ppt/slides/slide90.xml><?xml version="1.0" encoding="utf-8"?>
+<p:sld xmlns:a="http://schemas.openxmlformats.org/drawingml/2006/main" xmlns:r="http://schemas.openxmlformats.org/officeDocument/2006/relationships" xmlns:mc="http://schemas.openxmlformats.org/markup-compatibility/2006" xmlns:mv="urn:schemas-microsoft-com:mac:vml" xmlns:p="http://schemas.openxmlformats.org/presentationml/2006/main" xmlns:c="http://schemas.openxmlformats.org/drawingml/2006/chart" xmlns:dgm="http://schemas.openxmlformats.org/drawingml/2006/diagram" xmlns:o="urn:schemas-microsoft-com:office:office" xmlns:v="urn:schemas-microsoft-com:vml" xmlns:pvml="urn:schemas-microsoft-com:office:powerpoint" xmlns:com="http://schemas.openxmlformats.org/drawingml/2006/compatibility" xmlns:p14="http://schemas.microsoft.com/office/powerpoint/2010/main" xmlns:p15="http://schemas.microsoft.com/office/powerpoint/2012/main" xmlns:ahyp="http://schemas.microsoft.com/office/drawing/2018/hyperlinkcolor">
+  <p:cSld>
+    <p:spTree>
+      <p:nvGrpSpPr>
+        <p:cNvPr id="648" name="Shape 648"/>
+        <p:cNvGrpSpPr/>
+        <p:nvPr/>
+      </p:nvGrpSpPr>
+      <p:grpSpPr>
+        <a:xfrm>
+          <a:off x="0" y="0"/>
+          <a:ext cx="0" cy="0"/>
+          <a:chOff x="0" y="0"/>
+          <a:chExt cx="0" cy="0"/>
+        </a:xfrm>
+      </p:grpSpPr>
+      <p:sp>
+        <p:nvSpPr>
+          <p:cNvPr id="649" name="Google Shape;649;p102"/>
+          <p:cNvSpPr txBox="1"/>
+          <p:nvPr>
+            <p:ph type="title"/>
+          </p:nvPr>
+        </p:nvSpPr>
+        <p:spPr>
+          <a:xfrm>
+            <a:off x="729450" y="1318650"/>
+            <a:ext cx="7688700" cy="535200"/>
+          </a:xfrm>
+          <a:prstGeom prst="rect">
+            <a:avLst/>
+          </a:prstGeom>
+        </p:spPr>
+        <p:txBody>
+          <a:bodyPr anchorCtr="0" anchor="t" bIns="91425" lIns="91425" spcFirstLastPara="1" rIns="91425" wrap="square" tIns="91425">
+            <a:noAutofit/>
+          </a:bodyPr>
+          <a:lstStyle/>
+          <a:p>
+            <a:pPr indent="0" lvl="0" marL="0" rtl="0" algn="l">
+              <a:spcBef>
+                <a:spcPts val="0"/>
+              </a:spcBef>
+              <a:spcAft>
+                <a:spcPts val="0"/>
+              </a:spcAft>
+              <a:buNone/>
+            </a:pPr>
+            <a:r>
+              <a:rPr lang="pl" sz="2400">
+                <a:solidFill>
+                  <a:srgbClr val="000000"/>
+                </a:solidFill>
+                <a:latin typeface="Tahoma"/>
+                <a:ea typeface="Tahoma"/>
+                <a:cs typeface="Tahoma"/>
+                <a:sym typeface="Tahoma"/>
+              </a:rPr>
+              <a:t>Protokół internetowy: </a:t>
+            </a:r>
+            <a:r>
+              <a:rPr lang="pl" sz="2400">
+                <a:solidFill>
+                  <a:srgbClr val="000000"/>
+                </a:solidFill>
+                <a:latin typeface="Tahoma"/>
+                <a:ea typeface="Tahoma"/>
+                <a:cs typeface="Tahoma"/>
+                <a:sym typeface="Tahoma"/>
+              </a:rPr>
+              <a:t>UDP</a:t>
+            </a:r>
+            <a:endParaRPr sz="2400"/>
+          </a:p>
+        </p:txBody>
+      </p:sp>
+      <p:sp>
+        <p:nvSpPr>
+          <p:cNvPr id="650" name="Google Shape;650;p102"/>
+          <p:cNvSpPr txBox="1"/>
+          <p:nvPr>
+            <p:ph idx="1" type="body"/>
+          </p:nvPr>
+        </p:nvSpPr>
+        <p:spPr>
+          <a:xfrm>
+            <a:off x="729450" y="2078875"/>
+            <a:ext cx="7688700" cy="2994900"/>
+          </a:xfrm>
+          <a:prstGeom prst="rect">
+            <a:avLst/>
+          </a:prstGeom>
+        </p:spPr>
+        <p:txBody>
+          <a:bodyPr anchorCtr="0" anchor="t" bIns="91425" lIns="91425" spcFirstLastPara="1" rIns="91425" wrap="square" tIns="91425">
+            <a:normAutofit fontScale="77500" lnSpcReduction="20000"/>
+          </a:bodyPr>
+          <a:lstStyle/>
+          <a:p>
+            <a:pPr indent="0" lvl="0" marL="0" rtl="0" algn="l">
+              <a:spcBef>
+                <a:spcPts val="1200"/>
+              </a:spcBef>
+              <a:spcAft>
+                <a:spcPts val="0"/>
+              </a:spcAft>
+              <a:buNone/>
+            </a:pPr>
+            <a:r>
+              <a:rPr lang="pl" sz="2400">
+                <a:solidFill>
+                  <a:srgbClr val="171717"/>
+                </a:solidFill>
+                <a:latin typeface="Tahoma"/>
+                <a:ea typeface="Tahoma"/>
+                <a:cs typeface="Tahoma"/>
+                <a:sym typeface="Tahoma"/>
+              </a:rPr>
+              <a:t>UDP (User Datagram Protocol) </a:t>
+            </a:r>
+            <a:r>
+              <a:rPr b="1" lang="pl" sz="2400">
+                <a:solidFill>
+                  <a:srgbClr val="0B5394"/>
+                </a:solidFill>
+                <a:latin typeface="Tahoma"/>
+                <a:ea typeface="Tahoma"/>
+                <a:cs typeface="Tahoma"/>
+                <a:sym typeface="Tahoma"/>
+              </a:rPr>
+              <a:t>to jeden z podstawowych protokołów warstwy transportowej w modelu TCP/IP</a:t>
+            </a:r>
+            <a:r>
+              <a:rPr lang="pl" sz="2400">
+                <a:solidFill>
+                  <a:srgbClr val="171717"/>
+                </a:solidFill>
+                <a:latin typeface="Tahoma"/>
+                <a:ea typeface="Tahoma"/>
+                <a:cs typeface="Tahoma"/>
+                <a:sym typeface="Tahoma"/>
+              </a:rPr>
+              <a:t>. </a:t>
+            </a:r>
+            <a:endParaRPr sz="2400">
+              <a:solidFill>
+                <a:srgbClr val="171717"/>
+              </a:solidFill>
+              <a:latin typeface="Tahoma"/>
+              <a:ea typeface="Tahoma"/>
+              <a:cs typeface="Tahoma"/>
+              <a:sym typeface="Tahoma"/>
+            </a:endParaRPr>
+          </a:p>
+          <a:p>
+            <a:pPr indent="0" lvl="0" marL="0" rtl="0" algn="l">
+              <a:spcBef>
+                <a:spcPts val="1200"/>
+              </a:spcBef>
+              <a:spcAft>
+                <a:spcPts val="0"/>
+              </a:spcAft>
+              <a:buNone/>
+            </a:pPr>
+            <a:r>
+              <a:rPr b="1" lang="pl" sz="2400">
+                <a:solidFill>
+                  <a:srgbClr val="171717"/>
+                </a:solidFill>
+                <a:latin typeface="Tahoma"/>
+                <a:ea typeface="Tahoma"/>
+                <a:cs typeface="Tahoma"/>
+                <a:sym typeface="Tahoma"/>
+              </a:rPr>
+              <a:t>Jest to protokół bezpołączeniowy</a:t>
+            </a:r>
+            <a:r>
+              <a:rPr lang="pl" sz="2400">
+                <a:solidFill>
+                  <a:srgbClr val="171717"/>
+                </a:solidFill>
+                <a:latin typeface="Tahoma"/>
+                <a:ea typeface="Tahoma"/>
+                <a:cs typeface="Tahoma"/>
+                <a:sym typeface="Tahoma"/>
+              </a:rPr>
+              <a:t>, co oznacza, </a:t>
+            </a:r>
+            <a:r>
+              <a:rPr b="1" lang="pl" sz="2400">
+                <a:solidFill>
+                  <a:srgbClr val="171717"/>
+                </a:solidFill>
+                <a:latin typeface="Tahoma"/>
+                <a:ea typeface="Tahoma"/>
+                <a:cs typeface="Tahoma"/>
+                <a:sym typeface="Tahoma"/>
+              </a:rPr>
+              <a:t>że nie ustanawia połączenia przed </a:t>
+            </a:r>
+            <a:r>
+              <a:rPr b="1" lang="pl" sz="2400">
+                <a:solidFill>
+                  <a:srgbClr val="171717"/>
+                </a:solidFill>
+                <a:latin typeface="Tahoma"/>
+                <a:ea typeface="Tahoma"/>
+                <a:cs typeface="Tahoma"/>
+                <a:sym typeface="Tahoma"/>
+              </a:rPr>
+              <a:t>wysłaniem</a:t>
+            </a:r>
+            <a:r>
+              <a:rPr b="1" lang="pl" sz="2400">
+                <a:solidFill>
+                  <a:srgbClr val="171717"/>
+                </a:solidFill>
+                <a:latin typeface="Tahoma"/>
+                <a:ea typeface="Tahoma"/>
+                <a:cs typeface="Tahoma"/>
+                <a:sym typeface="Tahoma"/>
+              </a:rPr>
+              <a:t> danych i nie gwarantuje ich dostarczenia</a:t>
+            </a:r>
+            <a:r>
+              <a:rPr lang="pl" sz="2400">
+                <a:solidFill>
+                  <a:srgbClr val="171717"/>
+                </a:solidFill>
+                <a:latin typeface="Tahoma"/>
+                <a:ea typeface="Tahoma"/>
+                <a:cs typeface="Tahoma"/>
+                <a:sym typeface="Tahoma"/>
+              </a:rPr>
+              <a:t>. </a:t>
+            </a:r>
+            <a:endParaRPr sz="2400">
+              <a:solidFill>
+                <a:srgbClr val="171717"/>
+              </a:solidFill>
+              <a:latin typeface="Tahoma"/>
+              <a:ea typeface="Tahoma"/>
+              <a:cs typeface="Tahoma"/>
+              <a:sym typeface="Tahoma"/>
+            </a:endParaRPr>
+          </a:p>
+          <a:p>
+            <a:pPr indent="0" lvl="0" marL="0" rtl="0" algn="l">
+              <a:spcBef>
+                <a:spcPts val="1200"/>
+              </a:spcBef>
+              <a:spcAft>
+                <a:spcPts val="0"/>
+              </a:spcAft>
+              <a:buNone/>
+            </a:pPr>
+            <a:r>
+              <a:rPr lang="pl" sz="2400">
+                <a:solidFill>
+                  <a:srgbClr val="171717"/>
+                </a:solidFill>
+                <a:latin typeface="Tahoma"/>
+                <a:ea typeface="Tahoma"/>
+                <a:cs typeface="Tahoma"/>
+                <a:sym typeface="Tahoma"/>
+              </a:rPr>
+              <a:t>Dane są wysyłane w formie datagramów (pakietów), które zawierają adres źródłowy, docelowy, długość i sumę kontrolną.</a:t>
+            </a:r>
+            <a:endParaRPr sz="2400">
+              <a:solidFill>
+                <a:srgbClr val="171717"/>
+              </a:solidFill>
+              <a:latin typeface="Tahoma"/>
+              <a:ea typeface="Tahoma"/>
+              <a:cs typeface="Tahoma"/>
+              <a:sym typeface="Tahoma"/>
+            </a:endParaRPr>
+          </a:p>
+          <a:p>
+            <a:pPr indent="0" lvl="0" marL="0" rtl="0" algn="l">
+              <a:spcBef>
+                <a:spcPts val="1200"/>
+              </a:spcBef>
+              <a:spcAft>
+                <a:spcPts val="0"/>
+              </a:spcAft>
+              <a:buNone/>
+            </a:pPr>
+            <a:r>
+              <a:t/>
+            </a:r>
+            <a:endParaRPr/>
+          </a:p>
+          <a:p>
+            <a:pPr indent="0" lvl="0" marL="0" rtl="0" algn="l">
+              <a:spcBef>
+                <a:spcPts val="1200"/>
+              </a:spcBef>
+              <a:spcAft>
+                <a:spcPts val="1200"/>
+              </a:spcAft>
+              <a:buNone/>
+            </a:pPr>
+            <a:r>
+              <a:t/>
+            </a:r>
+            <a:endParaRPr/>
+          </a:p>
+        </p:txBody>
+      </p:sp>
+    </p:spTree>
+  </p:cSld>
+  <p:clrMapOvr>
+    <a:masterClrMapping/>
+  </p:clrMapOvr>
+</p:sld>
+</file>
+
+<file path=ppt/slides/slide91.xml><?xml version="1.0" encoding="utf-8"?>
+<p:sld xmlns:a="http://schemas.openxmlformats.org/drawingml/2006/main" xmlns:r="http://schemas.openxmlformats.org/officeDocument/2006/relationships" xmlns:mc="http://schemas.openxmlformats.org/markup-compatibility/2006" xmlns:mv="urn:schemas-microsoft-com:mac:vml" xmlns:p="http://schemas.openxmlformats.org/presentationml/2006/main" xmlns:c="http://schemas.openxmlformats.org/drawingml/2006/chart" xmlns:dgm="http://schemas.openxmlformats.org/drawingml/2006/diagram" xmlns:o="urn:schemas-microsoft-com:office:office" xmlns:v="urn:schemas-microsoft-com:vml" xmlns:pvml="urn:schemas-microsoft-com:office:powerpoint" xmlns:com="http://schemas.openxmlformats.org/drawingml/2006/compatibility" xmlns:p14="http://schemas.microsoft.com/office/powerpoint/2010/main" xmlns:p15="http://schemas.microsoft.com/office/powerpoint/2012/main" xmlns:ahyp="http://schemas.microsoft.com/office/drawing/2018/hyperlinkcolor">
+  <p:cSld>
+    <p:spTree>
+      <p:nvGrpSpPr>
+        <p:cNvPr id="654" name="Shape 654"/>
+        <p:cNvGrpSpPr/>
+        <p:nvPr/>
+      </p:nvGrpSpPr>
+      <p:grpSpPr>
+        <a:xfrm>
+          <a:off x="0" y="0"/>
+          <a:ext cx="0" cy="0"/>
+          <a:chOff x="0" y="0"/>
+          <a:chExt cx="0" cy="0"/>
+        </a:xfrm>
+      </p:grpSpPr>
+      <p:sp>
+        <p:nvSpPr>
+          <p:cNvPr id="655" name="Google Shape;655;p103"/>
+          <p:cNvSpPr txBox="1"/>
+          <p:nvPr>
+            <p:ph type="title"/>
+          </p:nvPr>
+        </p:nvSpPr>
+        <p:spPr>
+          <a:xfrm>
+            <a:off x="729450" y="1318650"/>
+            <a:ext cx="7688700" cy="535200"/>
+          </a:xfrm>
+          <a:prstGeom prst="rect">
+            <a:avLst/>
+          </a:prstGeom>
+        </p:spPr>
+        <p:txBody>
+          <a:bodyPr anchorCtr="0" anchor="t" bIns="91425" lIns="91425" spcFirstLastPara="1" rIns="91425" wrap="square" tIns="91425">
+            <a:normAutofit fontScale="90000"/>
+          </a:bodyPr>
+          <a:lstStyle/>
+          <a:p>
+            <a:pPr indent="0" lvl="0" marL="0" rtl="0" algn="l">
+              <a:spcBef>
+                <a:spcPts val="0"/>
+              </a:spcBef>
+              <a:spcAft>
+                <a:spcPts val="0"/>
+              </a:spcAft>
+              <a:buNone/>
+            </a:pPr>
+            <a:r>
+              <a:rPr lang="pl" sz="2400">
+                <a:solidFill>
+                  <a:srgbClr val="000000"/>
+                </a:solidFill>
+                <a:latin typeface="Tahoma"/>
+                <a:ea typeface="Tahoma"/>
+                <a:cs typeface="Tahoma"/>
+                <a:sym typeface="Tahoma"/>
+              </a:rPr>
+              <a:t>Protokół internetowy: UDP cd.</a:t>
+            </a:r>
+            <a:endParaRPr sz="2400"/>
+          </a:p>
+          <a:p>
+            <a:pPr indent="0" lvl="0" marL="0" rtl="0" algn="l">
+              <a:spcBef>
+                <a:spcPts val="0"/>
+              </a:spcBef>
+              <a:spcAft>
+                <a:spcPts val="0"/>
+              </a:spcAft>
+              <a:buNone/>
+            </a:pPr>
+            <a:r>
+              <a:t/>
+            </a:r>
+            <a:endParaRPr/>
+          </a:p>
+        </p:txBody>
+      </p:sp>
+      <p:sp>
+        <p:nvSpPr>
+          <p:cNvPr id="656" name="Google Shape;656;p103"/>
+          <p:cNvSpPr txBox="1"/>
+          <p:nvPr>
+            <p:ph idx="1" type="body"/>
+          </p:nvPr>
+        </p:nvSpPr>
+        <p:spPr>
+          <a:xfrm>
+            <a:off x="729450" y="2078875"/>
+            <a:ext cx="7688700" cy="2915100"/>
+          </a:xfrm>
+          <a:prstGeom prst="rect">
+            <a:avLst/>
+          </a:prstGeom>
+        </p:spPr>
+        <p:txBody>
+          <a:bodyPr anchorCtr="0" anchor="t" bIns="91425" lIns="91425" spcFirstLastPara="1" rIns="91425" wrap="square" tIns="91425">
+            <a:normAutofit/>
+          </a:bodyPr>
+          <a:lstStyle/>
+          <a:p>
+            <a:pPr indent="0" lvl="0" marL="0" rtl="0" algn="l">
+              <a:spcBef>
+                <a:spcPts val="1200"/>
+              </a:spcBef>
+              <a:spcAft>
+                <a:spcPts val="0"/>
+              </a:spcAft>
+              <a:buNone/>
+            </a:pPr>
+            <a:r>
+              <a:rPr b="1" lang="pl" sz="1600">
+                <a:solidFill>
+                  <a:srgbClr val="274E13"/>
+                </a:solidFill>
+                <a:latin typeface="Tahoma"/>
+                <a:ea typeface="Tahoma"/>
+                <a:cs typeface="Tahoma"/>
+                <a:sym typeface="Tahoma"/>
+              </a:rPr>
+              <a:t>UDP służy do szybkiego przesyłania danych w sieciach komputerowych, gdzie nie jest wymagana gwarancja dostarczenia każdego pakietu ani ich kolejności. </a:t>
+            </a:r>
+            <a:endParaRPr b="1" sz="1600">
+              <a:solidFill>
+                <a:srgbClr val="274E13"/>
+              </a:solidFill>
+              <a:latin typeface="Tahoma"/>
+              <a:ea typeface="Tahoma"/>
+              <a:cs typeface="Tahoma"/>
+              <a:sym typeface="Tahoma"/>
+            </a:endParaRPr>
+          </a:p>
+          <a:p>
+            <a:pPr indent="0" lvl="0" marL="0" rtl="0" algn="l">
+              <a:spcBef>
+                <a:spcPts val="1200"/>
+              </a:spcBef>
+              <a:spcAft>
+                <a:spcPts val="0"/>
+              </a:spcAft>
+              <a:buNone/>
+            </a:pPr>
+            <a:r>
+              <a:rPr lang="pl" sz="1600">
+                <a:solidFill>
+                  <a:srgbClr val="171717"/>
+                </a:solidFill>
+                <a:latin typeface="Tahoma"/>
+                <a:ea typeface="Tahoma"/>
+                <a:cs typeface="Tahoma"/>
+                <a:sym typeface="Tahoma"/>
+              </a:rPr>
+              <a:t>Jest prosty i lekki, co czyni go idealnym do aplikacji, w których prędkość jest ważniejsza niż niezawodność. </a:t>
+            </a:r>
+            <a:r>
+              <a:rPr b="1" lang="pl" sz="1600">
+                <a:solidFill>
+                  <a:srgbClr val="7F6000"/>
+                </a:solidFill>
+                <a:latin typeface="Tahoma"/>
+                <a:ea typeface="Tahoma"/>
+                <a:cs typeface="Tahoma"/>
+                <a:sym typeface="Tahoma"/>
+              </a:rPr>
+              <a:t>W przeciwieństwie do TCP (Transmission Control Protocol), UDP nie obsługuje mechanizmów retransmisji utraconych pakietów, kontroli przepływu czy potwierdzeń odbioru.</a:t>
+            </a:r>
+            <a:endParaRPr b="1" sz="1600">
+              <a:solidFill>
+                <a:srgbClr val="7F6000"/>
+              </a:solidFill>
+              <a:latin typeface="Tahoma"/>
+              <a:ea typeface="Tahoma"/>
+              <a:cs typeface="Tahoma"/>
+              <a:sym typeface="Tahoma"/>
+            </a:endParaRPr>
+          </a:p>
+          <a:p>
+            <a:pPr indent="0" lvl="0" marL="0" rtl="0" algn="l">
+              <a:spcBef>
+                <a:spcPts val="1200"/>
+              </a:spcBef>
+              <a:spcAft>
+                <a:spcPts val="1200"/>
+              </a:spcAft>
+              <a:buNone/>
+            </a:pPr>
+            <a:r>
+              <a:t/>
+            </a:r>
+            <a:endParaRPr/>
+          </a:p>
+        </p:txBody>
+      </p:sp>
+    </p:spTree>
+  </p:cSld>
+  <p:clrMapOvr>
+    <a:masterClrMapping/>
+  </p:clrMapOvr>
+</p:sld>
+</file>
+
+<file path=ppt/slides/slide92.xml><?xml version="1.0" encoding="utf-8"?>
+<p:sld xmlns:a="http://schemas.openxmlformats.org/drawingml/2006/main" xmlns:r="http://schemas.openxmlformats.org/officeDocument/2006/relationships" xmlns:mc="http://schemas.openxmlformats.org/markup-compatibility/2006" xmlns:mv="urn:schemas-microsoft-com:mac:vml" xmlns:p="http://schemas.openxmlformats.org/presentationml/2006/main" xmlns:c="http://schemas.openxmlformats.org/drawingml/2006/chart" xmlns:dgm="http://schemas.openxmlformats.org/drawingml/2006/diagram" xmlns:o="urn:schemas-microsoft-com:office:office" xmlns:v="urn:schemas-microsoft-com:vml" xmlns:pvml="urn:schemas-microsoft-com:office:powerpoint" xmlns:com="http://schemas.openxmlformats.org/drawingml/2006/compatibility" xmlns:p14="http://schemas.microsoft.com/office/powerpoint/2010/main" xmlns:p15="http://schemas.microsoft.com/office/powerpoint/2012/main" xmlns:ahyp="http://schemas.microsoft.com/office/drawing/2018/hyperlinkcolor">
+  <p:cSld>
+    <p:spTree>
+      <p:nvGrpSpPr>
+        <p:cNvPr id="660" name="Shape 660"/>
+        <p:cNvGrpSpPr/>
+        <p:nvPr/>
+      </p:nvGrpSpPr>
+      <p:grpSpPr>
+        <a:xfrm>
+          <a:off x="0" y="0"/>
+          <a:ext cx="0" cy="0"/>
+          <a:chOff x="0" y="0"/>
+          <a:chExt cx="0" cy="0"/>
+        </a:xfrm>
+      </p:grpSpPr>
+      <p:sp>
+        <p:nvSpPr>
+          <p:cNvPr id="661" name="Google Shape;661;p104"/>
+          <p:cNvSpPr txBox="1"/>
+          <p:nvPr>
+            <p:ph type="title"/>
+          </p:nvPr>
+        </p:nvSpPr>
+        <p:spPr>
+          <a:xfrm>
+            <a:off x="729450" y="1318650"/>
+            <a:ext cx="7688700" cy="535200"/>
+          </a:xfrm>
+          <a:prstGeom prst="rect">
+            <a:avLst/>
+          </a:prstGeom>
+        </p:spPr>
+        <p:txBody>
+          <a:bodyPr anchorCtr="0" anchor="t" bIns="91425" lIns="91425" spcFirstLastPara="1" rIns="91425" wrap="square" tIns="91425">
+            <a:noAutofit/>
+          </a:bodyPr>
+          <a:lstStyle/>
+          <a:p>
+            <a:pPr indent="0" lvl="0" marL="0" rtl="0" algn="l">
+              <a:spcBef>
+                <a:spcPts val="0"/>
+              </a:spcBef>
+              <a:spcAft>
+                <a:spcPts val="0"/>
+              </a:spcAft>
+              <a:buNone/>
+            </a:pPr>
+            <a:r>
+              <a:rPr lang="pl" sz="2400">
+                <a:latin typeface="Tahoma"/>
+                <a:ea typeface="Tahoma"/>
+                <a:cs typeface="Tahoma"/>
+                <a:sym typeface="Tahoma"/>
+              </a:rPr>
+              <a:t>Jak działa UDP</a:t>
+            </a:r>
+            <a:endParaRPr sz="2400">
+              <a:latin typeface="Tahoma"/>
+              <a:ea typeface="Tahoma"/>
+              <a:cs typeface="Tahoma"/>
+              <a:sym typeface="Tahoma"/>
+            </a:endParaRPr>
+          </a:p>
+        </p:txBody>
+      </p:sp>
+      <p:sp>
+        <p:nvSpPr>
+          <p:cNvPr id="662" name="Google Shape;662;p104"/>
+          <p:cNvSpPr txBox="1"/>
+          <p:nvPr>
+            <p:ph idx="1" type="body"/>
+          </p:nvPr>
+        </p:nvSpPr>
+        <p:spPr>
+          <a:xfrm>
+            <a:off x="729450" y="2078875"/>
+            <a:ext cx="7688700" cy="2261100"/>
+          </a:xfrm>
+          <a:prstGeom prst="rect">
+            <a:avLst/>
+          </a:prstGeom>
+        </p:spPr>
+        <p:txBody>
+          <a:bodyPr anchorCtr="0" anchor="t" bIns="91425" lIns="91425" spcFirstLastPara="1" rIns="91425" wrap="square" tIns="91425">
+            <a:normAutofit/>
+          </a:bodyPr>
+          <a:lstStyle/>
+          <a:p>
+            <a:pPr indent="0" lvl="0" marL="0" rtl="0" algn="l">
+              <a:spcBef>
+                <a:spcPts val="0"/>
+              </a:spcBef>
+              <a:spcAft>
+                <a:spcPts val="0"/>
+              </a:spcAft>
+              <a:buNone/>
+            </a:pPr>
+            <a:r>
+              <a:rPr lang="pl" sz="1400">
+                <a:solidFill>
+                  <a:srgbClr val="000000"/>
+                </a:solidFill>
+                <a:latin typeface="Tahoma"/>
+                <a:ea typeface="Tahoma"/>
+                <a:cs typeface="Tahoma"/>
+                <a:sym typeface="Tahoma"/>
+              </a:rPr>
+              <a:t>Kiedy aplikacja chce przesłać dane, </a:t>
+            </a:r>
+            <a:r>
+              <a:rPr b="1" lang="pl" sz="1400">
+                <a:solidFill>
+                  <a:srgbClr val="000000"/>
+                </a:solidFill>
+                <a:latin typeface="Tahoma"/>
+                <a:ea typeface="Tahoma"/>
+                <a:cs typeface="Tahoma"/>
+                <a:sym typeface="Tahoma"/>
+              </a:rPr>
+              <a:t>UDP po prostu wysyła pakiety</a:t>
+            </a:r>
+            <a:r>
+              <a:rPr lang="pl" sz="1400">
+                <a:solidFill>
+                  <a:srgbClr val="000000"/>
+                </a:solidFill>
+                <a:latin typeface="Tahoma"/>
+                <a:ea typeface="Tahoma"/>
+                <a:cs typeface="Tahoma"/>
+                <a:sym typeface="Tahoma"/>
+              </a:rPr>
+              <a:t> do odbiorcy – </a:t>
+            </a:r>
+            <a:r>
+              <a:rPr b="1" lang="pl" sz="1400">
+                <a:solidFill>
+                  <a:srgbClr val="000000"/>
+                </a:solidFill>
+                <a:latin typeface="Tahoma"/>
+                <a:ea typeface="Tahoma"/>
+                <a:cs typeface="Tahoma"/>
+                <a:sym typeface="Tahoma"/>
+              </a:rPr>
+              <a:t>bez wcześniejszego nawiązywania połączenia</a:t>
+            </a:r>
+            <a:r>
+              <a:rPr lang="pl" sz="1400">
+                <a:solidFill>
+                  <a:srgbClr val="000000"/>
+                </a:solidFill>
+                <a:latin typeface="Tahoma"/>
+                <a:ea typeface="Tahoma"/>
+                <a:cs typeface="Tahoma"/>
+                <a:sym typeface="Tahoma"/>
+              </a:rPr>
+              <a:t> i </a:t>
+            </a:r>
+            <a:r>
+              <a:rPr b="1" lang="pl" sz="1400">
+                <a:solidFill>
+                  <a:srgbClr val="000000"/>
+                </a:solidFill>
+                <a:latin typeface="Tahoma"/>
+                <a:ea typeface="Tahoma"/>
+                <a:cs typeface="Tahoma"/>
+                <a:sym typeface="Tahoma"/>
+              </a:rPr>
+              <a:t>bez sprawdzania</a:t>
+            </a:r>
+            <a:r>
+              <a:rPr lang="pl" sz="1400">
+                <a:solidFill>
+                  <a:srgbClr val="000000"/>
+                </a:solidFill>
+                <a:latin typeface="Tahoma"/>
+                <a:ea typeface="Tahoma"/>
+                <a:cs typeface="Tahoma"/>
+                <a:sym typeface="Tahoma"/>
+              </a:rPr>
+              <a:t>, czy odbiorca je otrzymał.</a:t>
+            </a:r>
+            <a:br>
+              <a:rPr lang="pl" sz="1400">
+                <a:solidFill>
+                  <a:srgbClr val="000000"/>
+                </a:solidFill>
+                <a:latin typeface="Tahoma"/>
+                <a:ea typeface="Tahoma"/>
+                <a:cs typeface="Tahoma"/>
+                <a:sym typeface="Tahoma"/>
+              </a:rPr>
+            </a:br>
+            <a:endParaRPr sz="1400">
+              <a:solidFill>
+                <a:srgbClr val="000000"/>
+              </a:solidFill>
+              <a:latin typeface="Tahoma"/>
+              <a:ea typeface="Tahoma"/>
+              <a:cs typeface="Tahoma"/>
+              <a:sym typeface="Tahoma"/>
+            </a:endParaRPr>
+          </a:p>
+          <a:p>
+            <a:pPr indent="0" lvl="0" marL="0" rtl="0" algn="l">
+              <a:spcBef>
+                <a:spcPts val="1200"/>
+              </a:spcBef>
+              <a:spcAft>
+                <a:spcPts val="0"/>
+              </a:spcAft>
+              <a:buNone/>
+            </a:pPr>
+            <a:r>
+              <a:rPr lang="pl" sz="1400">
+                <a:solidFill>
+                  <a:srgbClr val="000000"/>
+                </a:solidFill>
+                <a:latin typeface="Tahoma"/>
+                <a:ea typeface="Tahoma"/>
+                <a:cs typeface="Tahoma"/>
+                <a:sym typeface="Tahoma"/>
+              </a:rPr>
+              <a:t>Każdy pakiet (datagram) zawiera:</a:t>
+            </a:r>
+            <a:endParaRPr sz="1400">
+              <a:solidFill>
+                <a:srgbClr val="000000"/>
+              </a:solidFill>
+              <a:latin typeface="Tahoma"/>
+              <a:ea typeface="Tahoma"/>
+              <a:cs typeface="Tahoma"/>
+              <a:sym typeface="Tahoma"/>
+            </a:endParaRPr>
+          </a:p>
+          <a:p>
+            <a:pPr indent="-317500" lvl="0" marL="457200" rtl="0" algn="l">
+              <a:spcBef>
+                <a:spcPts val="1200"/>
+              </a:spcBef>
+              <a:spcAft>
+                <a:spcPts val="0"/>
+              </a:spcAft>
+              <a:buClr>
+                <a:srgbClr val="000000"/>
+              </a:buClr>
+              <a:buSzPts val="1400"/>
+              <a:buFont typeface="Tahoma"/>
+              <a:buChar char="●"/>
+            </a:pPr>
+            <a:r>
+              <a:rPr lang="pl" sz="1400">
+                <a:solidFill>
+                  <a:srgbClr val="000000"/>
+                </a:solidFill>
+                <a:latin typeface="Tahoma"/>
+                <a:ea typeface="Tahoma"/>
+                <a:cs typeface="Tahoma"/>
+                <a:sym typeface="Tahoma"/>
+              </a:rPr>
+              <a:t>adres nadawcy i odbiorcy,</a:t>
+            </a:r>
+            <a:endParaRPr sz="1400">
+              <a:solidFill>
+                <a:srgbClr val="000000"/>
+              </a:solidFill>
+              <a:latin typeface="Tahoma"/>
+              <a:ea typeface="Tahoma"/>
+              <a:cs typeface="Tahoma"/>
+              <a:sym typeface="Tahoma"/>
+            </a:endParaRPr>
+          </a:p>
+          <a:p>
+            <a:pPr indent="-317500" lvl="0" marL="457200" rtl="0" algn="l">
+              <a:spcBef>
+                <a:spcPts val="0"/>
+              </a:spcBef>
+              <a:spcAft>
+                <a:spcPts val="0"/>
+              </a:spcAft>
+              <a:buClr>
+                <a:srgbClr val="000000"/>
+              </a:buClr>
+              <a:buSzPts val="1400"/>
+              <a:buFont typeface="Tahoma"/>
+              <a:buChar char="●"/>
+            </a:pPr>
+            <a:r>
+              <a:rPr lang="pl" sz="1400">
+                <a:solidFill>
+                  <a:srgbClr val="000000"/>
+                </a:solidFill>
+                <a:latin typeface="Tahoma"/>
+                <a:ea typeface="Tahoma"/>
+                <a:cs typeface="Tahoma"/>
+                <a:sym typeface="Tahoma"/>
+              </a:rPr>
+              <a:t>porty (numer identyfikujący aplikację po obu stronach),</a:t>
+            </a:r>
+            <a:endParaRPr sz="1400">
+              <a:solidFill>
+                <a:srgbClr val="000000"/>
+              </a:solidFill>
+              <a:latin typeface="Tahoma"/>
+              <a:ea typeface="Tahoma"/>
+              <a:cs typeface="Tahoma"/>
+              <a:sym typeface="Tahoma"/>
+            </a:endParaRPr>
+          </a:p>
+          <a:p>
+            <a:pPr indent="-317500" lvl="0" marL="457200" rtl="0" algn="l">
+              <a:spcBef>
+                <a:spcPts val="0"/>
+              </a:spcBef>
+              <a:spcAft>
+                <a:spcPts val="0"/>
+              </a:spcAft>
+              <a:buClr>
+                <a:srgbClr val="000000"/>
+              </a:buClr>
+              <a:buSzPts val="1400"/>
+              <a:buFont typeface="Tahoma"/>
+              <a:buChar char="●"/>
+            </a:pPr>
+            <a:r>
+              <a:rPr lang="pl" sz="1400">
+                <a:solidFill>
+                  <a:srgbClr val="000000"/>
+                </a:solidFill>
+                <a:latin typeface="Tahoma"/>
+                <a:ea typeface="Tahoma"/>
+                <a:cs typeface="Tahoma"/>
+                <a:sym typeface="Tahoma"/>
+              </a:rPr>
+              <a:t>dane (np. fragment filmu, dźwięku, wiadomości itp.).</a:t>
+            </a:r>
+            <a:endParaRPr sz="1400">
+              <a:latin typeface="Tahoma"/>
+              <a:ea typeface="Tahoma"/>
+              <a:cs typeface="Tahoma"/>
+              <a:sym typeface="Tahoma"/>
+            </a:endParaRPr>
+          </a:p>
+        </p:txBody>
+      </p:sp>
+    </p:spTree>
+  </p:cSld>
+  <p:clrMapOvr>
+    <a:masterClrMapping/>
+  </p:clrMapOvr>
+</p:sld>
+</file>
+
+<file path=ppt/slides/slide93.xml><?xml version="1.0" encoding="utf-8"?>
+<p:sld xmlns:a="http://schemas.openxmlformats.org/drawingml/2006/main" xmlns:r="http://schemas.openxmlformats.org/officeDocument/2006/relationships" xmlns:mc="http://schemas.openxmlformats.org/markup-compatibility/2006" xmlns:mv="urn:schemas-microsoft-com:mac:vml" xmlns:p="http://schemas.openxmlformats.org/presentationml/2006/main" xmlns:c="http://schemas.openxmlformats.org/drawingml/2006/chart" xmlns:dgm="http://schemas.openxmlformats.org/drawingml/2006/diagram" xmlns:o="urn:schemas-microsoft-com:office:office" xmlns:v="urn:schemas-microsoft-com:vml" xmlns:pvml="urn:schemas-microsoft-com:office:powerpoint" xmlns:com="http://schemas.openxmlformats.org/drawingml/2006/compatibility" xmlns:p14="http://schemas.microsoft.com/office/powerpoint/2010/main" xmlns:p15="http://schemas.microsoft.com/office/powerpoint/2012/main" xmlns:ahyp="http://schemas.microsoft.com/office/drawing/2018/hyperlinkcolor">
+  <p:cSld>
+    <p:spTree>
+      <p:nvGrpSpPr>
+        <p:cNvPr id="666" name="Shape 666"/>
+        <p:cNvGrpSpPr/>
+        <p:nvPr/>
+      </p:nvGrpSpPr>
+      <p:grpSpPr>
+        <a:xfrm>
+          <a:off x="0" y="0"/>
+          <a:ext cx="0" cy="0"/>
+          <a:chOff x="0" y="0"/>
+          <a:chExt cx="0" cy="0"/>
+        </a:xfrm>
+      </p:grpSpPr>
+      <p:sp>
+        <p:nvSpPr>
+          <p:cNvPr id="667" name="Google Shape;667;p105"/>
+          <p:cNvSpPr txBox="1"/>
+          <p:nvPr>
+            <p:ph type="title"/>
+          </p:nvPr>
+        </p:nvSpPr>
+        <p:spPr>
+          <a:xfrm>
+            <a:off x="729450" y="1318650"/>
+            <a:ext cx="7688700" cy="535200"/>
+          </a:xfrm>
+          <a:prstGeom prst="rect">
+            <a:avLst/>
+          </a:prstGeom>
+        </p:spPr>
+        <p:txBody>
+          <a:bodyPr anchorCtr="0" anchor="t" bIns="91425" lIns="91425" spcFirstLastPara="1" rIns="91425" wrap="square" tIns="91425">
+            <a:noAutofit/>
+          </a:bodyPr>
+          <a:lstStyle/>
+          <a:p>
+            <a:pPr indent="0" lvl="0" marL="0" rtl="0" algn="l">
+              <a:lnSpc>
+                <a:spcPct val="115000"/>
+              </a:lnSpc>
+              <a:spcBef>
+                <a:spcPts val="1200"/>
+              </a:spcBef>
+              <a:spcAft>
+                <a:spcPts val="200"/>
+              </a:spcAft>
+              <a:buNone/>
+            </a:pPr>
+            <a:r>
+              <a:rPr lang="pl" sz="2400">
+                <a:solidFill>
+                  <a:srgbClr val="000000"/>
+                </a:solidFill>
+                <a:latin typeface="Tahoma"/>
+                <a:ea typeface="Tahoma"/>
+                <a:cs typeface="Tahoma"/>
+                <a:sym typeface="Tahoma"/>
+              </a:rPr>
+              <a:t>Zastosowania UDP</a:t>
+            </a:r>
+            <a:endParaRPr sz="2400">
+              <a:latin typeface="Tahoma"/>
+              <a:ea typeface="Tahoma"/>
+              <a:cs typeface="Tahoma"/>
+              <a:sym typeface="Tahoma"/>
+            </a:endParaRPr>
+          </a:p>
+        </p:txBody>
+      </p:sp>
+      <p:sp>
+        <p:nvSpPr>
+          <p:cNvPr id="668" name="Google Shape;668;p105"/>
+          <p:cNvSpPr txBox="1"/>
+          <p:nvPr>
+            <p:ph idx="1" type="body"/>
+          </p:nvPr>
+        </p:nvSpPr>
+        <p:spPr>
+          <a:xfrm>
+            <a:off x="729450" y="2078875"/>
+            <a:ext cx="8361300" cy="3014700"/>
+          </a:xfrm>
+          <a:prstGeom prst="rect">
+            <a:avLst/>
+          </a:prstGeom>
+        </p:spPr>
+        <p:txBody>
+          <a:bodyPr anchorCtr="0" anchor="t" bIns="91425" lIns="91425" spcFirstLastPara="1" rIns="91425" wrap="square" tIns="91425">
+            <a:normAutofit fontScale="77500" lnSpcReduction="20000"/>
+          </a:bodyPr>
+          <a:lstStyle/>
+          <a:p>
+            <a:pPr indent="0" lvl="0" marL="0" rtl="0" algn="l">
+              <a:lnSpc>
+                <a:spcPct val="100000"/>
+              </a:lnSpc>
+              <a:spcBef>
+                <a:spcPts val="400"/>
+              </a:spcBef>
+              <a:spcAft>
+                <a:spcPts val="0"/>
+              </a:spcAft>
+              <a:buNone/>
+            </a:pPr>
+            <a:r>
+              <a:rPr lang="pl" sz="2000">
+                <a:solidFill>
+                  <a:srgbClr val="171717"/>
+                </a:solidFill>
+                <a:latin typeface="Tahoma"/>
+                <a:ea typeface="Tahoma"/>
+                <a:cs typeface="Tahoma"/>
+                <a:sym typeface="Tahoma"/>
+              </a:rPr>
+              <a:t>UDP jest szeroko używany w scenariuszach wymagających niskiego opóźnienia i wysokiej wydajności, takich jak:</a:t>
+            </a:r>
+            <a:endParaRPr sz="2000">
+              <a:solidFill>
+                <a:srgbClr val="171717"/>
+              </a:solidFill>
+              <a:latin typeface="Tahoma"/>
+              <a:ea typeface="Tahoma"/>
+              <a:cs typeface="Tahoma"/>
+              <a:sym typeface="Tahoma"/>
+            </a:endParaRPr>
+          </a:p>
+          <a:p>
+            <a:pPr indent="-327025" lvl="0" marL="457200" rtl="0" algn="l">
+              <a:lnSpc>
+                <a:spcPct val="100000"/>
+              </a:lnSpc>
+              <a:spcBef>
+                <a:spcPts val="400"/>
+              </a:spcBef>
+              <a:spcAft>
+                <a:spcPts val="0"/>
+              </a:spcAft>
+              <a:buClr>
+                <a:srgbClr val="171717"/>
+              </a:buClr>
+              <a:buSzPct val="100000"/>
+              <a:buFont typeface="Tahoma"/>
+              <a:buChar char="●"/>
+            </a:pPr>
+            <a:r>
+              <a:rPr b="1" lang="pl" sz="2000">
+                <a:solidFill>
+                  <a:srgbClr val="7F6000"/>
+                </a:solidFill>
+                <a:latin typeface="Tahoma"/>
+                <a:ea typeface="Tahoma"/>
+                <a:cs typeface="Tahoma"/>
+                <a:sym typeface="Tahoma"/>
+              </a:rPr>
+              <a:t>Streaming wideo i audio</a:t>
+            </a:r>
+            <a:r>
+              <a:rPr lang="pl" sz="2000">
+                <a:solidFill>
+                  <a:srgbClr val="171717"/>
+                </a:solidFill>
+                <a:latin typeface="Tahoma"/>
+                <a:ea typeface="Tahoma"/>
+                <a:cs typeface="Tahoma"/>
+                <a:sym typeface="Tahoma"/>
+              </a:rPr>
+              <a:t>: Aplikacje jak YouTube, Netflix czy VoIP (np. Skype, Zoom) – utrata pojedynczego pakietu nie psuje całego strumienia, a prędkość jest kluczowa.</a:t>
+            </a:r>
+            <a:endParaRPr sz="2000">
+              <a:solidFill>
+                <a:srgbClr val="171717"/>
+              </a:solidFill>
+              <a:latin typeface="Tahoma"/>
+              <a:ea typeface="Tahoma"/>
+              <a:cs typeface="Tahoma"/>
+              <a:sym typeface="Tahoma"/>
+            </a:endParaRPr>
+          </a:p>
+          <a:p>
+            <a:pPr indent="-327025" lvl="0" marL="457200" rtl="0" algn="l">
+              <a:lnSpc>
+                <a:spcPct val="100000"/>
+              </a:lnSpc>
+              <a:spcBef>
+                <a:spcPts val="400"/>
+              </a:spcBef>
+              <a:spcAft>
+                <a:spcPts val="0"/>
+              </a:spcAft>
+              <a:buClr>
+                <a:srgbClr val="171717"/>
+              </a:buClr>
+              <a:buSzPct val="100000"/>
+              <a:buFont typeface="Tahoma"/>
+              <a:buChar char="●"/>
+            </a:pPr>
+            <a:r>
+              <a:rPr b="1" lang="pl" sz="2000">
+                <a:solidFill>
+                  <a:srgbClr val="7F6000"/>
+                </a:solidFill>
+                <a:latin typeface="Tahoma"/>
+                <a:ea typeface="Tahoma"/>
+                <a:cs typeface="Tahoma"/>
+                <a:sym typeface="Tahoma"/>
+              </a:rPr>
+              <a:t>Gry online</a:t>
+            </a:r>
+            <a:r>
+              <a:rPr lang="pl" sz="2000">
+                <a:solidFill>
+                  <a:srgbClr val="171717"/>
+                </a:solidFill>
+                <a:latin typeface="Tahoma"/>
+                <a:ea typeface="Tahoma"/>
+                <a:cs typeface="Tahoma"/>
+                <a:sym typeface="Tahoma"/>
+              </a:rPr>
+              <a:t>: Gry multiplayer (np. Fortnite, Counter-Strike) – szybka transmisja pozycji graczy, gdzie opóźnienie jest krytyczne.</a:t>
+            </a:r>
+            <a:endParaRPr sz="2000">
+              <a:solidFill>
+                <a:srgbClr val="171717"/>
+              </a:solidFill>
+              <a:latin typeface="Tahoma"/>
+              <a:ea typeface="Tahoma"/>
+              <a:cs typeface="Tahoma"/>
+              <a:sym typeface="Tahoma"/>
+            </a:endParaRPr>
+          </a:p>
+          <a:p>
+            <a:pPr indent="-327025" lvl="0" marL="457200" rtl="0" algn="l">
+              <a:lnSpc>
+                <a:spcPct val="100000"/>
+              </a:lnSpc>
+              <a:spcBef>
+                <a:spcPts val="400"/>
+              </a:spcBef>
+              <a:spcAft>
+                <a:spcPts val="0"/>
+              </a:spcAft>
+              <a:buClr>
+                <a:srgbClr val="171717"/>
+              </a:buClr>
+              <a:buSzPct val="100000"/>
+              <a:buFont typeface="Tahoma"/>
+              <a:buChar char="●"/>
+            </a:pPr>
+            <a:r>
+              <a:rPr b="1" lang="pl" sz="2000">
+                <a:solidFill>
+                  <a:srgbClr val="7F6000"/>
+                </a:solidFill>
+                <a:latin typeface="Tahoma"/>
+                <a:ea typeface="Tahoma"/>
+                <a:cs typeface="Tahoma"/>
+                <a:sym typeface="Tahoma"/>
+              </a:rPr>
+              <a:t>DNS (Domain Name System)</a:t>
+            </a:r>
+            <a:r>
+              <a:rPr lang="pl" sz="2000">
+                <a:solidFill>
+                  <a:srgbClr val="171717"/>
+                </a:solidFill>
+                <a:latin typeface="Tahoma"/>
+                <a:ea typeface="Tahoma"/>
+                <a:cs typeface="Tahoma"/>
+                <a:sym typeface="Tahoma"/>
+              </a:rPr>
+              <a:t>: Zapytania o adresy IP – proste i szybkie.</a:t>
+            </a:r>
+            <a:endParaRPr sz="2000">
+              <a:solidFill>
+                <a:srgbClr val="171717"/>
+              </a:solidFill>
+              <a:latin typeface="Tahoma"/>
+              <a:ea typeface="Tahoma"/>
+              <a:cs typeface="Tahoma"/>
+              <a:sym typeface="Tahoma"/>
+            </a:endParaRPr>
+          </a:p>
+          <a:p>
+            <a:pPr indent="-327025" lvl="0" marL="457200" rtl="0" algn="l">
+              <a:lnSpc>
+                <a:spcPct val="100000"/>
+              </a:lnSpc>
+              <a:spcBef>
+                <a:spcPts val="400"/>
+              </a:spcBef>
+              <a:spcAft>
+                <a:spcPts val="0"/>
+              </a:spcAft>
+              <a:buClr>
+                <a:srgbClr val="171717"/>
+              </a:buClr>
+              <a:buSzPct val="100000"/>
+              <a:buFont typeface="Tahoma"/>
+              <a:buChar char="●"/>
+            </a:pPr>
+            <a:r>
+              <a:rPr b="1" lang="pl" sz="2000">
+                <a:solidFill>
+                  <a:srgbClr val="7F6000"/>
+                </a:solidFill>
+                <a:latin typeface="Tahoma"/>
+                <a:ea typeface="Tahoma"/>
+                <a:cs typeface="Tahoma"/>
+                <a:sym typeface="Tahoma"/>
+              </a:rPr>
+              <a:t>DHCP (Dynamic Host Configuration Protocol)</a:t>
+            </a:r>
+            <a:r>
+              <a:rPr lang="pl" sz="2000">
+                <a:solidFill>
+                  <a:srgbClr val="171717"/>
+                </a:solidFill>
+                <a:latin typeface="Tahoma"/>
+                <a:ea typeface="Tahoma"/>
+                <a:cs typeface="Tahoma"/>
+                <a:sym typeface="Tahoma"/>
+              </a:rPr>
+              <a:t>: Przydzielanie adresów IP w sieciach lokalnych.</a:t>
+            </a:r>
+            <a:endParaRPr sz="2000">
+              <a:solidFill>
+                <a:srgbClr val="171717"/>
+              </a:solidFill>
+              <a:latin typeface="Tahoma"/>
+              <a:ea typeface="Tahoma"/>
+              <a:cs typeface="Tahoma"/>
+              <a:sym typeface="Tahoma"/>
+            </a:endParaRPr>
+          </a:p>
+          <a:p>
+            <a:pPr indent="-327025" lvl="0" marL="457200" rtl="0" algn="l">
+              <a:lnSpc>
+                <a:spcPct val="100000"/>
+              </a:lnSpc>
+              <a:spcBef>
+                <a:spcPts val="400"/>
+              </a:spcBef>
+              <a:spcAft>
+                <a:spcPts val="0"/>
+              </a:spcAft>
+              <a:buClr>
+                <a:srgbClr val="171717"/>
+              </a:buClr>
+              <a:buSzPct val="100000"/>
+              <a:buFont typeface="Tahoma"/>
+              <a:buChar char="●"/>
+            </a:pPr>
+            <a:r>
+              <a:rPr b="1" lang="pl" sz="2000">
+                <a:solidFill>
+                  <a:srgbClr val="7F6000"/>
+                </a:solidFill>
+                <a:latin typeface="Tahoma"/>
+                <a:ea typeface="Tahoma"/>
+                <a:cs typeface="Tahoma"/>
+                <a:sym typeface="Tahoma"/>
+              </a:rPr>
+              <a:t>NTP (Network Time Protocol)</a:t>
+            </a:r>
+            <a:r>
+              <a:rPr lang="pl" sz="2000">
+                <a:solidFill>
+                  <a:srgbClr val="171717"/>
+                </a:solidFill>
+                <a:latin typeface="Tahoma"/>
+                <a:ea typeface="Tahoma"/>
+                <a:cs typeface="Tahoma"/>
+                <a:sym typeface="Tahoma"/>
+              </a:rPr>
+              <a:t>: Synchronizacja czasu między urządzeniami.</a:t>
+            </a:r>
+            <a:endParaRPr sz="2000">
+              <a:solidFill>
+                <a:srgbClr val="171717"/>
+              </a:solidFill>
+              <a:latin typeface="Tahoma"/>
+              <a:ea typeface="Tahoma"/>
+              <a:cs typeface="Tahoma"/>
+              <a:sym typeface="Tahoma"/>
+            </a:endParaRPr>
+          </a:p>
+          <a:p>
+            <a:pPr indent="-327025" lvl="0" marL="457200" rtl="0" algn="l">
+              <a:lnSpc>
+                <a:spcPct val="100000"/>
+              </a:lnSpc>
+              <a:spcBef>
+                <a:spcPts val="400"/>
+              </a:spcBef>
+              <a:spcAft>
+                <a:spcPts val="0"/>
+              </a:spcAft>
+              <a:buClr>
+                <a:srgbClr val="171717"/>
+              </a:buClr>
+              <a:buSzPct val="100000"/>
+              <a:buFont typeface="Tahoma"/>
+              <a:buChar char="●"/>
+            </a:pPr>
+            <a:r>
+              <a:rPr b="1" lang="pl" sz="2000">
+                <a:solidFill>
+                  <a:srgbClr val="7F6000"/>
+                </a:solidFill>
+                <a:latin typeface="Tahoma"/>
+                <a:ea typeface="Tahoma"/>
+                <a:cs typeface="Tahoma"/>
+                <a:sym typeface="Tahoma"/>
+              </a:rPr>
+              <a:t>Multicast i broadcast</a:t>
+            </a:r>
+            <a:r>
+              <a:rPr lang="pl" sz="2000">
+                <a:solidFill>
+                  <a:srgbClr val="171717"/>
+                </a:solidFill>
+                <a:latin typeface="Tahoma"/>
+                <a:ea typeface="Tahoma"/>
+                <a:cs typeface="Tahoma"/>
+                <a:sym typeface="Tahoma"/>
+              </a:rPr>
+              <a:t>: Wysyłanie danych do wielu odbiorców jednocześnie, np. w transmisjach na żywo.</a:t>
+            </a:r>
+            <a:endParaRPr sz="2000">
+              <a:solidFill>
+                <a:srgbClr val="171717"/>
+              </a:solidFill>
+              <a:latin typeface="Tahoma"/>
+              <a:ea typeface="Tahoma"/>
+              <a:cs typeface="Tahoma"/>
+              <a:sym typeface="Tahoma"/>
+            </a:endParaRPr>
+          </a:p>
+          <a:p>
+            <a:pPr indent="0" lvl="0" marL="0" rtl="0" algn="l">
+              <a:spcBef>
+                <a:spcPts val="400"/>
+              </a:spcBef>
+              <a:spcAft>
+                <a:spcPts val="1200"/>
+              </a:spcAft>
+              <a:buNone/>
+            </a:pPr>
+            <a:r>
+              <a:t/>
+            </a:r>
+            <a:endParaRPr/>
+          </a:p>
+        </p:txBody>
+      </p:sp>
+    </p:spTree>
+  </p:cSld>
+  <p:clrMapOvr>
+    <a:masterClrMapping/>
+  </p:clrMapOvr>
+</p:sld>
+</file>
+
+<file path=ppt/slides/slide94.xml><?xml version="1.0" encoding="utf-8"?>
+<p:sld xmlns:a="http://schemas.openxmlformats.org/drawingml/2006/main" xmlns:r="http://schemas.openxmlformats.org/officeDocument/2006/relationships" xmlns:mc="http://schemas.openxmlformats.org/markup-compatibility/2006" xmlns:mv="urn:schemas-microsoft-com:mac:vml" xmlns:p="http://schemas.openxmlformats.org/presentationml/2006/main" xmlns:c="http://schemas.openxmlformats.org/drawingml/2006/chart" xmlns:dgm="http://schemas.openxmlformats.org/drawingml/2006/diagram" xmlns:o="urn:schemas-microsoft-com:office:office" xmlns:v="urn:schemas-microsoft-com:vml" xmlns:pvml="urn:schemas-microsoft-com:office:powerpoint" xmlns:com="http://schemas.openxmlformats.org/drawingml/2006/compatibility" xmlns:p14="http://schemas.microsoft.com/office/powerpoint/2010/main" xmlns:p15="http://schemas.microsoft.com/office/powerpoint/2012/main" xmlns:ahyp="http://schemas.microsoft.com/office/drawing/2018/hyperlinkcolor">
+  <p:cSld>
+    <p:spTree>
+      <p:nvGrpSpPr>
+        <p:cNvPr id="672" name="Shape 672"/>
+        <p:cNvGrpSpPr/>
+        <p:nvPr/>
+      </p:nvGrpSpPr>
+      <p:grpSpPr>
+        <a:xfrm>
+          <a:off x="0" y="0"/>
+          <a:ext cx="0" cy="0"/>
+          <a:chOff x="0" y="0"/>
+          <a:chExt cx="0" cy="0"/>
+        </a:xfrm>
+      </p:grpSpPr>
+      <p:sp>
+        <p:nvSpPr>
+          <p:cNvPr id="673" name="Google Shape;673;p106"/>
+          <p:cNvSpPr txBox="1"/>
+          <p:nvPr>
+            <p:ph type="title"/>
+          </p:nvPr>
+        </p:nvSpPr>
+        <p:spPr>
+          <a:xfrm>
+            <a:off x="729450" y="1318650"/>
+            <a:ext cx="7688700" cy="535200"/>
+          </a:xfrm>
+          <a:prstGeom prst="rect">
+            <a:avLst/>
+          </a:prstGeom>
+        </p:spPr>
+        <p:txBody>
+          <a:bodyPr anchorCtr="0" anchor="t" bIns="91425" lIns="91425" spcFirstLastPara="1" rIns="91425" wrap="square" tIns="91425">
+            <a:noAutofit/>
+          </a:bodyPr>
+          <a:lstStyle/>
+          <a:p>
+            <a:pPr indent="0" lvl="0" marL="0" rtl="0" algn="l">
+              <a:lnSpc>
+                <a:spcPct val="115000"/>
+              </a:lnSpc>
+              <a:spcBef>
+                <a:spcPts val="1400"/>
+              </a:spcBef>
+              <a:spcAft>
+                <a:spcPts val="400"/>
+              </a:spcAft>
+              <a:buNone/>
+            </a:pPr>
+            <a:r>
+              <a:rPr lang="pl" sz="2400">
+                <a:solidFill>
+                  <a:srgbClr val="000000"/>
+                </a:solidFill>
+                <a:latin typeface="Tahoma"/>
+                <a:ea typeface="Tahoma"/>
+                <a:cs typeface="Tahoma"/>
+                <a:sym typeface="Tahoma"/>
+              </a:rPr>
+              <a:t>🟢 Zalety protokołu UDP</a:t>
+            </a:r>
+            <a:endParaRPr sz="2400">
+              <a:latin typeface="Tahoma"/>
+              <a:ea typeface="Tahoma"/>
+              <a:cs typeface="Tahoma"/>
+              <a:sym typeface="Tahoma"/>
+            </a:endParaRPr>
+          </a:p>
+        </p:txBody>
+      </p:sp>
+      <p:sp>
+        <p:nvSpPr>
+          <p:cNvPr id="674" name="Google Shape;674;p106"/>
+          <p:cNvSpPr txBox="1"/>
+          <p:nvPr>
+            <p:ph idx="1" type="body"/>
+          </p:nvPr>
+        </p:nvSpPr>
+        <p:spPr>
+          <a:xfrm>
+            <a:off x="99675" y="2068900"/>
+            <a:ext cx="8971200" cy="3074700"/>
+          </a:xfrm>
+          <a:prstGeom prst="rect">
+            <a:avLst/>
+          </a:prstGeom>
+        </p:spPr>
+        <p:txBody>
+          <a:bodyPr anchorCtr="0" anchor="t" bIns="91425" lIns="91425" spcFirstLastPara="1" rIns="91425" wrap="square" tIns="91425">
+            <a:noAutofit/>
+          </a:bodyPr>
+          <a:lstStyle/>
+          <a:p>
+            <a:pPr indent="0" lvl="0" marL="0" rtl="0" algn="l">
+              <a:lnSpc>
+                <a:spcPct val="100000"/>
+              </a:lnSpc>
+              <a:spcBef>
+                <a:spcPts val="0"/>
+              </a:spcBef>
+              <a:spcAft>
+                <a:spcPts val="0"/>
+              </a:spcAft>
+              <a:buNone/>
+            </a:pPr>
+            <a:r>
+              <a:rPr b="1" lang="pl" sz="1200">
+                <a:solidFill>
+                  <a:srgbClr val="38761D"/>
+                </a:solidFill>
+                <a:latin typeface="Tahoma"/>
+                <a:ea typeface="Tahoma"/>
+                <a:cs typeface="Tahoma"/>
+                <a:sym typeface="Tahoma"/>
+              </a:rPr>
+              <a:t>Szybkość transmisji</a:t>
+            </a:r>
+            <a:endParaRPr b="1" sz="1200">
+              <a:solidFill>
+                <a:srgbClr val="38761D"/>
+              </a:solidFill>
+              <a:latin typeface="Tahoma"/>
+              <a:ea typeface="Tahoma"/>
+              <a:cs typeface="Tahoma"/>
+              <a:sym typeface="Tahoma"/>
+            </a:endParaRPr>
+          </a:p>
+          <a:p>
+            <a:pPr indent="-304800" lvl="0" marL="457200" rtl="0" algn="l">
+              <a:lnSpc>
+                <a:spcPct val="100000"/>
+              </a:lnSpc>
+              <a:spcBef>
+                <a:spcPts val="0"/>
+              </a:spcBef>
+              <a:spcAft>
+                <a:spcPts val="0"/>
+              </a:spcAft>
+              <a:buClr>
+                <a:srgbClr val="000000"/>
+              </a:buClr>
+              <a:buSzPts val="1200"/>
+              <a:buFont typeface="Arial"/>
+              <a:buChar char="●"/>
+            </a:pPr>
+            <a:r>
+              <a:rPr lang="pl" sz="1200">
+                <a:solidFill>
+                  <a:srgbClr val="000000"/>
+                </a:solidFill>
+                <a:latin typeface="Tahoma"/>
+                <a:ea typeface="Tahoma"/>
+                <a:cs typeface="Tahoma"/>
+                <a:sym typeface="Tahoma"/>
+              </a:rPr>
+              <a:t>UDP nie wprowadza mechanizmów kontroli błędów, potwierdzeń ani retransmisji, co sprawia, że jest </a:t>
+            </a:r>
+            <a:r>
+              <a:rPr b="1" lang="pl" sz="1200">
+                <a:solidFill>
+                  <a:srgbClr val="000000"/>
+                </a:solidFill>
+                <a:latin typeface="Tahoma"/>
+                <a:ea typeface="Tahoma"/>
+                <a:cs typeface="Tahoma"/>
+                <a:sym typeface="Tahoma"/>
+              </a:rPr>
+              <a:t>znacznie szybszy</a:t>
+            </a:r>
+            <a:r>
+              <a:rPr lang="pl" sz="1200">
+                <a:solidFill>
+                  <a:srgbClr val="000000"/>
+                </a:solidFill>
+                <a:latin typeface="Tahoma"/>
+                <a:ea typeface="Tahoma"/>
+                <a:cs typeface="Tahoma"/>
+                <a:sym typeface="Tahoma"/>
+              </a:rPr>
+              <a:t> niż TCP.</a:t>
+            </a:r>
+            <a:endParaRPr sz="1200">
+              <a:solidFill>
+                <a:srgbClr val="000000"/>
+              </a:solidFill>
+              <a:latin typeface="Tahoma"/>
+              <a:ea typeface="Tahoma"/>
+              <a:cs typeface="Tahoma"/>
+              <a:sym typeface="Tahoma"/>
+            </a:endParaRPr>
+          </a:p>
+          <a:p>
+            <a:pPr indent="-304800" lvl="0" marL="457200" rtl="0" algn="l">
+              <a:lnSpc>
+                <a:spcPct val="100000"/>
+              </a:lnSpc>
+              <a:spcBef>
+                <a:spcPts val="0"/>
+              </a:spcBef>
+              <a:spcAft>
+                <a:spcPts val="0"/>
+              </a:spcAft>
+              <a:buClr>
+                <a:srgbClr val="000000"/>
+              </a:buClr>
+              <a:buSzPts val="1200"/>
+              <a:buFont typeface="Arial"/>
+              <a:buChar char="●"/>
+            </a:pPr>
+            <a:r>
+              <a:rPr lang="pl" sz="1200">
+                <a:solidFill>
+                  <a:srgbClr val="000000"/>
+                </a:solidFill>
+                <a:latin typeface="Tahoma"/>
+                <a:ea typeface="Tahoma"/>
+                <a:cs typeface="Tahoma"/>
+                <a:sym typeface="Tahoma"/>
+              </a:rPr>
+              <a:t>Idealny do zastosowań, gdzie </a:t>
+            </a:r>
+            <a:r>
+              <a:rPr b="1" lang="pl" sz="1200">
+                <a:solidFill>
+                  <a:srgbClr val="000000"/>
+                </a:solidFill>
+                <a:latin typeface="Tahoma"/>
+                <a:ea typeface="Tahoma"/>
+                <a:cs typeface="Tahoma"/>
+                <a:sym typeface="Tahoma"/>
+              </a:rPr>
+              <a:t>czas reakcji</a:t>
+            </a:r>
+            <a:r>
+              <a:rPr lang="pl" sz="1200">
+                <a:solidFill>
+                  <a:srgbClr val="000000"/>
+                </a:solidFill>
+                <a:latin typeface="Tahoma"/>
+                <a:ea typeface="Tahoma"/>
+                <a:cs typeface="Tahoma"/>
+                <a:sym typeface="Tahoma"/>
+              </a:rPr>
+              <a:t> jest ważniejszy niż niezawodność (np. gry online, VoIP, transmisje wideo).</a:t>
+            </a:r>
+            <a:endParaRPr sz="1200">
+              <a:solidFill>
+                <a:srgbClr val="000000"/>
+              </a:solidFill>
+              <a:latin typeface="Tahoma"/>
+              <a:ea typeface="Tahoma"/>
+              <a:cs typeface="Tahoma"/>
+              <a:sym typeface="Tahoma"/>
+            </a:endParaRPr>
+          </a:p>
+          <a:p>
+            <a:pPr indent="0" lvl="0" marL="0" rtl="0" algn="l">
+              <a:lnSpc>
+                <a:spcPct val="100000"/>
+              </a:lnSpc>
+              <a:spcBef>
+                <a:spcPts val="0"/>
+              </a:spcBef>
+              <a:spcAft>
+                <a:spcPts val="0"/>
+              </a:spcAft>
+              <a:buNone/>
+            </a:pPr>
+            <a:r>
+              <a:rPr b="1" lang="pl" sz="1200">
+                <a:solidFill>
+                  <a:srgbClr val="38761D"/>
+                </a:solidFill>
+                <a:latin typeface="Tahoma"/>
+                <a:ea typeface="Tahoma"/>
+                <a:cs typeface="Tahoma"/>
+                <a:sym typeface="Tahoma"/>
+              </a:rPr>
+              <a:t>Niski narzut protokołu</a:t>
+            </a:r>
+            <a:endParaRPr b="1" sz="1200">
+              <a:solidFill>
+                <a:srgbClr val="38761D"/>
+              </a:solidFill>
+              <a:latin typeface="Tahoma"/>
+              <a:ea typeface="Tahoma"/>
+              <a:cs typeface="Tahoma"/>
+              <a:sym typeface="Tahoma"/>
+            </a:endParaRPr>
+          </a:p>
+          <a:p>
+            <a:pPr indent="-304800" lvl="0" marL="457200" rtl="0" algn="l">
+              <a:lnSpc>
+                <a:spcPct val="100000"/>
+              </a:lnSpc>
+              <a:spcBef>
+                <a:spcPts val="0"/>
+              </a:spcBef>
+              <a:spcAft>
+                <a:spcPts val="0"/>
+              </a:spcAft>
+              <a:buClr>
+                <a:srgbClr val="000000"/>
+              </a:buClr>
+              <a:buSzPts val="1200"/>
+              <a:buFont typeface="Arial"/>
+              <a:buChar char="●"/>
+            </a:pPr>
+            <a:r>
+              <a:rPr lang="pl" sz="1200">
+                <a:solidFill>
+                  <a:srgbClr val="000000"/>
+                </a:solidFill>
+                <a:latin typeface="Tahoma"/>
+                <a:ea typeface="Tahoma"/>
+                <a:cs typeface="Tahoma"/>
+                <a:sym typeface="Tahoma"/>
+              </a:rPr>
+              <a:t>Nagłówek UDP ma tylko </a:t>
+            </a:r>
+            <a:r>
+              <a:rPr b="1" lang="pl" sz="1200">
+                <a:solidFill>
+                  <a:srgbClr val="000000"/>
+                </a:solidFill>
+                <a:latin typeface="Tahoma"/>
+                <a:ea typeface="Tahoma"/>
+                <a:cs typeface="Tahoma"/>
+                <a:sym typeface="Tahoma"/>
+              </a:rPr>
+              <a:t>8 bajtów</a:t>
+            </a:r>
+            <a:r>
+              <a:rPr lang="pl" sz="1200">
+                <a:solidFill>
+                  <a:srgbClr val="000000"/>
+                </a:solidFill>
+                <a:latin typeface="Tahoma"/>
+                <a:ea typeface="Tahoma"/>
+                <a:cs typeface="Tahoma"/>
+                <a:sym typeface="Tahoma"/>
+              </a:rPr>
+              <a:t>, co minimalizuje obciążenie sieci i zwiększa efektywność przesyłu.</a:t>
+            </a:r>
+            <a:endParaRPr sz="1200">
+              <a:solidFill>
+                <a:srgbClr val="000000"/>
+              </a:solidFill>
+              <a:latin typeface="Tahoma"/>
+              <a:ea typeface="Tahoma"/>
+              <a:cs typeface="Tahoma"/>
+              <a:sym typeface="Tahoma"/>
+            </a:endParaRPr>
+          </a:p>
+          <a:p>
+            <a:pPr indent="0" lvl="0" marL="0" rtl="0" algn="l">
+              <a:lnSpc>
+                <a:spcPct val="100000"/>
+              </a:lnSpc>
+              <a:spcBef>
+                <a:spcPts val="0"/>
+              </a:spcBef>
+              <a:spcAft>
+                <a:spcPts val="0"/>
+              </a:spcAft>
+              <a:buNone/>
+            </a:pPr>
+            <a:r>
+              <a:rPr b="1" lang="pl" sz="1200">
+                <a:solidFill>
+                  <a:srgbClr val="38761D"/>
+                </a:solidFill>
+                <a:latin typeface="Tahoma"/>
+                <a:ea typeface="Tahoma"/>
+                <a:cs typeface="Tahoma"/>
+                <a:sym typeface="Tahoma"/>
+              </a:rPr>
+              <a:t>Brak zestawiania połączenia (bezpołączeniowość)</a:t>
+            </a:r>
+            <a:endParaRPr b="1" sz="1200">
+              <a:solidFill>
+                <a:srgbClr val="38761D"/>
+              </a:solidFill>
+              <a:latin typeface="Tahoma"/>
+              <a:ea typeface="Tahoma"/>
+              <a:cs typeface="Tahoma"/>
+              <a:sym typeface="Tahoma"/>
+            </a:endParaRPr>
+          </a:p>
+          <a:p>
+            <a:pPr indent="-304800" lvl="0" marL="457200" rtl="0" algn="l">
+              <a:lnSpc>
+                <a:spcPct val="100000"/>
+              </a:lnSpc>
+              <a:spcBef>
+                <a:spcPts val="0"/>
+              </a:spcBef>
+              <a:spcAft>
+                <a:spcPts val="0"/>
+              </a:spcAft>
+              <a:buClr>
+                <a:srgbClr val="000000"/>
+              </a:buClr>
+              <a:buSzPts val="1200"/>
+              <a:buFont typeface="Tahoma"/>
+              <a:buChar char="●"/>
+            </a:pPr>
+            <a:r>
+              <a:rPr lang="pl" sz="1200">
+                <a:solidFill>
+                  <a:srgbClr val="000000"/>
+                </a:solidFill>
+                <a:latin typeface="Tahoma"/>
+                <a:ea typeface="Tahoma"/>
+                <a:cs typeface="Tahoma"/>
+                <a:sym typeface="Tahoma"/>
+              </a:rPr>
+              <a:t>Nie trzeba ustanawiać połączenia (jak w TCP – 3-way handshake), dzięki czemu dane mogą być wysyłane natychmiast.</a:t>
+            </a:r>
+            <a:endParaRPr sz="1200">
+              <a:solidFill>
+                <a:srgbClr val="000000"/>
+              </a:solidFill>
+              <a:latin typeface="Tahoma"/>
+              <a:ea typeface="Tahoma"/>
+              <a:cs typeface="Tahoma"/>
+              <a:sym typeface="Tahoma"/>
+            </a:endParaRPr>
+          </a:p>
+          <a:p>
+            <a:pPr indent="0" lvl="0" marL="0" rtl="0" algn="l">
+              <a:lnSpc>
+                <a:spcPct val="100000"/>
+              </a:lnSpc>
+              <a:spcBef>
+                <a:spcPts val="0"/>
+              </a:spcBef>
+              <a:spcAft>
+                <a:spcPts val="0"/>
+              </a:spcAft>
+              <a:buNone/>
+            </a:pPr>
+            <a:r>
+              <a:rPr b="1" lang="pl" sz="1200">
+                <a:solidFill>
+                  <a:srgbClr val="38761D"/>
+                </a:solidFill>
+                <a:latin typeface="Tahoma"/>
+                <a:ea typeface="Tahoma"/>
+                <a:cs typeface="Tahoma"/>
+                <a:sym typeface="Tahoma"/>
+              </a:rPr>
+              <a:t>Obsługa broadcastu i multicastu</a:t>
+            </a:r>
+            <a:endParaRPr b="1" sz="1200">
+              <a:solidFill>
+                <a:srgbClr val="38761D"/>
+              </a:solidFill>
+              <a:latin typeface="Tahoma"/>
+              <a:ea typeface="Tahoma"/>
+              <a:cs typeface="Tahoma"/>
+              <a:sym typeface="Tahoma"/>
+            </a:endParaRPr>
+          </a:p>
+          <a:p>
+            <a:pPr indent="-304800" lvl="0" marL="457200" rtl="0" algn="l">
+              <a:lnSpc>
+                <a:spcPct val="100000"/>
+              </a:lnSpc>
+              <a:spcBef>
+                <a:spcPts val="0"/>
+              </a:spcBef>
+              <a:spcAft>
+                <a:spcPts val="0"/>
+              </a:spcAft>
+              <a:buClr>
+                <a:srgbClr val="000000"/>
+              </a:buClr>
+              <a:buSzPts val="1200"/>
+              <a:buFont typeface="Tahoma"/>
+              <a:buChar char="●"/>
+            </a:pPr>
+            <a:r>
+              <a:rPr lang="pl" sz="1200">
+                <a:solidFill>
+                  <a:srgbClr val="000000"/>
+                </a:solidFill>
+                <a:latin typeface="Tahoma"/>
+                <a:ea typeface="Tahoma"/>
+                <a:cs typeface="Tahoma"/>
+                <a:sym typeface="Tahoma"/>
+              </a:rPr>
+              <a:t>UDP pozwala wysyłać pakiety do wielu odbiorców jednocześnie (broadcast/multicast), co jest przydatne np. w transmisjach strumieniowych lub komunikacji sieciowej w grach.</a:t>
+            </a:r>
+            <a:endParaRPr sz="1200">
+              <a:solidFill>
+                <a:srgbClr val="000000"/>
+              </a:solidFill>
+              <a:latin typeface="Tahoma"/>
+              <a:ea typeface="Tahoma"/>
+              <a:cs typeface="Tahoma"/>
+              <a:sym typeface="Tahoma"/>
+            </a:endParaRPr>
+          </a:p>
+          <a:p>
+            <a:pPr indent="0" lvl="0" marL="0" rtl="0" algn="l">
+              <a:lnSpc>
+                <a:spcPct val="100000"/>
+              </a:lnSpc>
+              <a:spcBef>
+                <a:spcPts val="0"/>
+              </a:spcBef>
+              <a:spcAft>
+                <a:spcPts val="0"/>
+              </a:spcAft>
+              <a:buNone/>
+            </a:pPr>
+            <a:r>
+              <a:rPr b="1" lang="pl" sz="1200">
+                <a:solidFill>
+                  <a:srgbClr val="38761D"/>
+                </a:solidFill>
+                <a:latin typeface="Tahoma"/>
+                <a:ea typeface="Tahoma"/>
+                <a:cs typeface="Tahoma"/>
+                <a:sym typeface="Tahoma"/>
+              </a:rPr>
+              <a:t>Prostota implementacji</a:t>
+            </a:r>
+            <a:endParaRPr b="1" sz="1200">
+              <a:solidFill>
+                <a:srgbClr val="38761D"/>
+              </a:solidFill>
+              <a:latin typeface="Tahoma"/>
+              <a:ea typeface="Tahoma"/>
+              <a:cs typeface="Tahoma"/>
+              <a:sym typeface="Tahoma"/>
+            </a:endParaRPr>
+          </a:p>
+          <a:p>
+            <a:pPr indent="-304800" lvl="0" marL="457200" rtl="0" algn="l">
+              <a:lnSpc>
+                <a:spcPct val="100000"/>
+              </a:lnSpc>
+              <a:spcBef>
+                <a:spcPts val="0"/>
+              </a:spcBef>
+              <a:spcAft>
+                <a:spcPts val="0"/>
+              </a:spcAft>
+              <a:buClr>
+                <a:srgbClr val="000000"/>
+              </a:buClr>
+              <a:buSzPts val="1200"/>
+              <a:buFont typeface="Arial"/>
+              <a:buChar char="●"/>
+            </a:pPr>
+            <a:r>
+              <a:rPr lang="pl" sz="1200">
+                <a:solidFill>
+                  <a:srgbClr val="000000"/>
+                </a:solidFill>
+                <a:latin typeface="Tahoma"/>
+                <a:ea typeface="Tahoma"/>
+                <a:cs typeface="Tahoma"/>
+                <a:sym typeface="Tahoma"/>
+              </a:rPr>
+              <a:t>Ze względu na brak złożonych mechanizmów sterowania przepływem, UDP jest </a:t>
+            </a:r>
+            <a:r>
+              <a:rPr b="1" lang="pl" sz="1200">
+                <a:solidFill>
+                  <a:srgbClr val="000000"/>
+                </a:solidFill>
+                <a:latin typeface="Tahoma"/>
+                <a:ea typeface="Tahoma"/>
+                <a:cs typeface="Tahoma"/>
+                <a:sym typeface="Tahoma"/>
+              </a:rPr>
+              <a:t>łatwy do implementacji</a:t>
+            </a:r>
+            <a:r>
+              <a:rPr lang="pl" sz="1200">
+                <a:solidFill>
+                  <a:srgbClr val="000000"/>
+                </a:solidFill>
+                <a:latin typeface="Tahoma"/>
+                <a:ea typeface="Tahoma"/>
+                <a:cs typeface="Tahoma"/>
+                <a:sym typeface="Tahoma"/>
+              </a:rPr>
+              <a:t> w aplikacjach.</a:t>
+            </a:r>
+            <a:endParaRPr sz="1200">
+              <a:latin typeface="Tahoma"/>
+              <a:ea typeface="Tahoma"/>
+              <a:cs typeface="Tahoma"/>
+              <a:sym typeface="Tahoma"/>
+            </a:endParaRPr>
+          </a:p>
+        </p:txBody>
+      </p:sp>
+    </p:spTree>
+  </p:cSld>
+  <p:clrMapOvr>
+    <a:masterClrMapping/>
+  </p:clrMapOvr>
+</p:sld>
+</file>
+
+<file path=ppt/slides/slide95.xml><?xml version="1.0" encoding="utf-8"?>
+<p:sld xmlns:a="http://schemas.openxmlformats.org/drawingml/2006/main" xmlns:r="http://schemas.openxmlformats.org/officeDocument/2006/relationships" xmlns:mc="http://schemas.openxmlformats.org/markup-compatibility/2006" xmlns:mv="urn:schemas-microsoft-com:mac:vml" xmlns:p="http://schemas.openxmlformats.org/presentationml/2006/main" xmlns:c="http://schemas.openxmlformats.org/drawingml/2006/chart" xmlns:dgm="http://schemas.openxmlformats.org/drawingml/2006/diagram" xmlns:o="urn:schemas-microsoft-com:office:office" xmlns:v="urn:schemas-microsoft-com:vml" xmlns:pvml="urn:schemas-microsoft-com:office:powerpoint" xmlns:com="http://schemas.openxmlformats.org/drawingml/2006/compatibility" xmlns:p14="http://schemas.microsoft.com/office/powerpoint/2010/main" xmlns:p15="http://schemas.microsoft.com/office/powerpoint/2012/main" xmlns:ahyp="http://schemas.microsoft.com/office/drawing/2018/hyperlinkcolor">
+  <p:cSld>
+    <p:spTree>
+      <p:nvGrpSpPr>
+        <p:cNvPr id="678" name="Shape 678"/>
+        <p:cNvGrpSpPr/>
+        <p:nvPr/>
+      </p:nvGrpSpPr>
+      <p:grpSpPr>
+        <a:xfrm>
+          <a:off x="0" y="0"/>
+          <a:ext cx="0" cy="0"/>
+          <a:chOff x="0" y="0"/>
+          <a:chExt cx="0" cy="0"/>
+        </a:xfrm>
+      </p:grpSpPr>
+      <p:sp>
+        <p:nvSpPr>
+          <p:cNvPr id="679" name="Google Shape;679;p107"/>
+          <p:cNvSpPr txBox="1"/>
+          <p:nvPr>
+            <p:ph type="title"/>
+          </p:nvPr>
+        </p:nvSpPr>
+        <p:spPr>
+          <a:xfrm>
+            <a:off x="729450" y="1318650"/>
+            <a:ext cx="7688700" cy="535200"/>
+          </a:xfrm>
+          <a:prstGeom prst="rect">
+            <a:avLst/>
+          </a:prstGeom>
+        </p:spPr>
+        <p:txBody>
+          <a:bodyPr anchorCtr="0" anchor="t" bIns="91425" lIns="91425" spcFirstLastPara="1" rIns="91425" wrap="square" tIns="91425">
+            <a:noAutofit/>
+          </a:bodyPr>
+          <a:lstStyle/>
+          <a:p>
+            <a:pPr indent="0" lvl="0" marL="0" rtl="0" algn="l">
+              <a:lnSpc>
+                <a:spcPct val="115000"/>
+              </a:lnSpc>
+              <a:spcBef>
+                <a:spcPts val="1400"/>
+              </a:spcBef>
+              <a:spcAft>
+                <a:spcPts val="400"/>
+              </a:spcAft>
+              <a:buNone/>
+            </a:pPr>
+            <a:r>
+              <a:rPr lang="pl" sz="2400">
+                <a:solidFill>
+                  <a:srgbClr val="000000"/>
+                </a:solidFill>
+                <a:latin typeface="Tahoma"/>
+                <a:ea typeface="Tahoma"/>
+                <a:cs typeface="Tahoma"/>
+                <a:sym typeface="Tahoma"/>
+              </a:rPr>
+              <a:t>🔴 Wady protokołu UDP</a:t>
+            </a:r>
+            <a:endParaRPr sz="2400">
+              <a:latin typeface="Tahoma"/>
+              <a:ea typeface="Tahoma"/>
+              <a:cs typeface="Tahoma"/>
+              <a:sym typeface="Tahoma"/>
+            </a:endParaRPr>
+          </a:p>
+        </p:txBody>
+      </p:sp>
+      <p:sp>
+        <p:nvSpPr>
+          <p:cNvPr id="680" name="Google Shape;680;p107"/>
+          <p:cNvSpPr txBox="1"/>
+          <p:nvPr>
+            <p:ph idx="1" type="body"/>
+          </p:nvPr>
+        </p:nvSpPr>
+        <p:spPr>
+          <a:xfrm>
+            <a:off x="119625" y="2078875"/>
+            <a:ext cx="8941200" cy="3004800"/>
+          </a:xfrm>
+          <a:prstGeom prst="rect">
+            <a:avLst/>
+          </a:prstGeom>
+        </p:spPr>
+        <p:txBody>
+          <a:bodyPr anchorCtr="0" anchor="t" bIns="91425" lIns="91425" spcFirstLastPara="1" rIns="91425" wrap="square" tIns="91425">
+            <a:noAutofit/>
+          </a:bodyPr>
+          <a:lstStyle/>
+          <a:p>
+            <a:pPr indent="0" lvl="0" marL="0" rtl="0" algn="l">
+              <a:lnSpc>
+                <a:spcPct val="95000"/>
+              </a:lnSpc>
+              <a:spcBef>
+                <a:spcPts val="0"/>
+              </a:spcBef>
+              <a:spcAft>
+                <a:spcPts val="0"/>
+              </a:spcAft>
+              <a:buNone/>
+            </a:pPr>
+            <a:r>
+              <a:rPr b="1" lang="pl" sz="1500">
+                <a:solidFill>
+                  <a:srgbClr val="990000"/>
+                </a:solidFill>
+                <a:latin typeface="Tahoma"/>
+                <a:ea typeface="Tahoma"/>
+                <a:cs typeface="Tahoma"/>
+                <a:sym typeface="Tahoma"/>
+              </a:rPr>
+              <a:t>Brak gwarancji dostarczenia danych</a:t>
+            </a:r>
+            <a:endParaRPr b="1" sz="1500">
+              <a:solidFill>
+                <a:srgbClr val="990000"/>
+              </a:solidFill>
+              <a:latin typeface="Tahoma"/>
+              <a:ea typeface="Tahoma"/>
+              <a:cs typeface="Tahoma"/>
+              <a:sym typeface="Tahoma"/>
+            </a:endParaRPr>
+          </a:p>
+          <a:p>
+            <a:pPr indent="-323850" lvl="0" marL="457200" rtl="0" algn="l">
+              <a:lnSpc>
+                <a:spcPct val="95000"/>
+              </a:lnSpc>
+              <a:spcBef>
+                <a:spcPts val="0"/>
+              </a:spcBef>
+              <a:spcAft>
+                <a:spcPts val="0"/>
+              </a:spcAft>
+              <a:buClr>
+                <a:srgbClr val="000000"/>
+              </a:buClr>
+              <a:buSzPts val="1500"/>
+              <a:buFont typeface="Arial"/>
+              <a:buChar char="●"/>
+            </a:pPr>
+            <a:r>
+              <a:rPr lang="pl" sz="1500">
+                <a:solidFill>
+                  <a:srgbClr val="000000"/>
+                </a:solidFill>
+                <a:latin typeface="Tahoma"/>
+                <a:ea typeface="Tahoma"/>
+                <a:cs typeface="Tahoma"/>
+                <a:sym typeface="Tahoma"/>
+              </a:rPr>
+              <a:t>Pakiety mogą się zgubić, dotrzeć w złej kolejności lub zostać zduplikowane — UDP tego </a:t>
+            </a:r>
+            <a:r>
+              <a:rPr b="1" lang="pl" sz="1500">
+                <a:solidFill>
+                  <a:srgbClr val="000000"/>
+                </a:solidFill>
+                <a:latin typeface="Tahoma"/>
+                <a:ea typeface="Tahoma"/>
+                <a:cs typeface="Tahoma"/>
+                <a:sym typeface="Tahoma"/>
+              </a:rPr>
+              <a:t>nie wykryje ani nie poprawi</a:t>
+            </a:r>
+            <a:r>
+              <a:rPr lang="pl" sz="1500">
+                <a:solidFill>
+                  <a:srgbClr val="000000"/>
+                </a:solidFill>
+                <a:latin typeface="Tahoma"/>
+                <a:ea typeface="Tahoma"/>
+                <a:cs typeface="Tahoma"/>
+                <a:sym typeface="Tahoma"/>
+              </a:rPr>
+              <a:t>.</a:t>
+            </a:r>
+            <a:endParaRPr sz="1500">
+              <a:solidFill>
+                <a:srgbClr val="000000"/>
+              </a:solidFill>
+              <a:latin typeface="Tahoma"/>
+              <a:ea typeface="Tahoma"/>
+              <a:cs typeface="Tahoma"/>
+              <a:sym typeface="Tahoma"/>
+            </a:endParaRPr>
+          </a:p>
+          <a:p>
+            <a:pPr indent="0" lvl="0" marL="0" rtl="0" algn="l">
+              <a:lnSpc>
+                <a:spcPct val="95000"/>
+              </a:lnSpc>
+              <a:spcBef>
+                <a:spcPts val="0"/>
+              </a:spcBef>
+              <a:spcAft>
+                <a:spcPts val="0"/>
+              </a:spcAft>
+              <a:buNone/>
+            </a:pPr>
+            <a:r>
+              <a:rPr b="1" lang="pl" sz="1500">
+                <a:solidFill>
+                  <a:srgbClr val="990000"/>
+                </a:solidFill>
+                <a:latin typeface="Tahoma"/>
+                <a:ea typeface="Tahoma"/>
+                <a:cs typeface="Tahoma"/>
+                <a:sym typeface="Tahoma"/>
+              </a:rPr>
+              <a:t>Brak kontroli przepływu i przeciążenia</a:t>
+            </a:r>
+            <a:endParaRPr b="1" sz="1500">
+              <a:solidFill>
+                <a:srgbClr val="990000"/>
+              </a:solidFill>
+              <a:latin typeface="Tahoma"/>
+              <a:ea typeface="Tahoma"/>
+              <a:cs typeface="Tahoma"/>
+              <a:sym typeface="Tahoma"/>
+            </a:endParaRPr>
+          </a:p>
+          <a:p>
+            <a:pPr indent="-323850" lvl="0" marL="457200" rtl="0" algn="l">
+              <a:lnSpc>
+                <a:spcPct val="95000"/>
+              </a:lnSpc>
+              <a:spcBef>
+                <a:spcPts val="0"/>
+              </a:spcBef>
+              <a:spcAft>
+                <a:spcPts val="0"/>
+              </a:spcAft>
+              <a:buClr>
+                <a:srgbClr val="000000"/>
+              </a:buClr>
+              <a:buSzPts val="1500"/>
+              <a:buFont typeface="Tahoma"/>
+              <a:buChar char="●"/>
+            </a:pPr>
+            <a:r>
+              <a:rPr lang="pl" sz="1500">
+                <a:solidFill>
+                  <a:srgbClr val="000000"/>
+                </a:solidFill>
+                <a:latin typeface="Tahoma"/>
+                <a:ea typeface="Tahoma"/>
+                <a:cs typeface="Tahoma"/>
+                <a:sym typeface="Tahoma"/>
+              </a:rPr>
+              <a:t>W przeciwieństwie do TCP, UDP nie reaguje na przeciążenie sieci; może to prowadzić do utraty pakietów przy dużym ruchu.</a:t>
+            </a:r>
+            <a:endParaRPr sz="1500">
+              <a:solidFill>
+                <a:srgbClr val="000000"/>
+              </a:solidFill>
+              <a:latin typeface="Tahoma"/>
+              <a:ea typeface="Tahoma"/>
+              <a:cs typeface="Tahoma"/>
+              <a:sym typeface="Tahoma"/>
+            </a:endParaRPr>
+          </a:p>
+          <a:p>
+            <a:pPr indent="0" lvl="0" marL="0" rtl="0" algn="l">
+              <a:lnSpc>
+                <a:spcPct val="95000"/>
+              </a:lnSpc>
+              <a:spcBef>
+                <a:spcPts val="0"/>
+              </a:spcBef>
+              <a:spcAft>
+                <a:spcPts val="0"/>
+              </a:spcAft>
+              <a:buNone/>
+            </a:pPr>
+            <a:r>
+              <a:rPr b="1" lang="pl" sz="1500">
+                <a:solidFill>
+                  <a:srgbClr val="990000"/>
+                </a:solidFill>
+                <a:latin typeface="Tahoma"/>
+                <a:ea typeface="Tahoma"/>
+                <a:cs typeface="Tahoma"/>
+                <a:sym typeface="Tahoma"/>
+              </a:rPr>
+              <a:t>Brak potwierdzeń odbioru</a:t>
+            </a:r>
+            <a:endParaRPr b="1" sz="1500">
+              <a:solidFill>
+                <a:srgbClr val="990000"/>
+              </a:solidFill>
+              <a:latin typeface="Tahoma"/>
+              <a:ea typeface="Tahoma"/>
+              <a:cs typeface="Tahoma"/>
+              <a:sym typeface="Tahoma"/>
+            </a:endParaRPr>
+          </a:p>
+          <a:p>
+            <a:pPr indent="-323850" lvl="0" marL="457200" rtl="0" algn="l">
+              <a:lnSpc>
+                <a:spcPct val="95000"/>
+              </a:lnSpc>
+              <a:spcBef>
+                <a:spcPts val="0"/>
+              </a:spcBef>
+              <a:spcAft>
+                <a:spcPts val="0"/>
+              </a:spcAft>
+              <a:buClr>
+                <a:srgbClr val="000000"/>
+              </a:buClr>
+              <a:buSzPts val="1500"/>
+              <a:buFont typeface="Tahoma"/>
+              <a:buChar char="●"/>
+            </a:pPr>
+            <a:r>
+              <a:rPr lang="pl" sz="1500">
+                <a:solidFill>
+                  <a:srgbClr val="000000"/>
+                </a:solidFill>
+                <a:latin typeface="Tahoma"/>
+                <a:ea typeface="Tahoma"/>
+                <a:cs typeface="Tahoma"/>
+                <a:sym typeface="Tahoma"/>
+              </a:rPr>
+              <a:t>Nadawca nie wie, czy dane zostały poprawnie odebrane przez odbiorcę.</a:t>
+            </a:r>
+            <a:endParaRPr sz="1500">
+              <a:solidFill>
+                <a:srgbClr val="000000"/>
+              </a:solidFill>
+              <a:latin typeface="Tahoma"/>
+              <a:ea typeface="Tahoma"/>
+              <a:cs typeface="Tahoma"/>
+              <a:sym typeface="Tahoma"/>
+            </a:endParaRPr>
+          </a:p>
+          <a:p>
+            <a:pPr indent="0" lvl="0" marL="0" rtl="0" algn="l">
+              <a:lnSpc>
+                <a:spcPct val="95000"/>
+              </a:lnSpc>
+              <a:spcBef>
+                <a:spcPts val="0"/>
+              </a:spcBef>
+              <a:spcAft>
+                <a:spcPts val="0"/>
+              </a:spcAft>
+              <a:buNone/>
+            </a:pPr>
+            <a:r>
+              <a:rPr b="1" lang="pl" sz="1500">
+                <a:solidFill>
+                  <a:srgbClr val="990000"/>
+                </a:solidFill>
+                <a:latin typeface="Tahoma"/>
+                <a:ea typeface="Tahoma"/>
+                <a:cs typeface="Tahoma"/>
+                <a:sym typeface="Tahoma"/>
+              </a:rPr>
+              <a:t>Mniejsza niezawodność</a:t>
+            </a:r>
+            <a:endParaRPr b="1" sz="1500">
+              <a:solidFill>
+                <a:srgbClr val="990000"/>
+              </a:solidFill>
+              <a:latin typeface="Tahoma"/>
+              <a:ea typeface="Tahoma"/>
+              <a:cs typeface="Tahoma"/>
+              <a:sym typeface="Tahoma"/>
+            </a:endParaRPr>
+          </a:p>
+          <a:p>
+            <a:pPr indent="-323850" lvl="0" marL="457200" rtl="0" algn="l">
+              <a:lnSpc>
+                <a:spcPct val="95000"/>
+              </a:lnSpc>
+              <a:spcBef>
+                <a:spcPts val="0"/>
+              </a:spcBef>
+              <a:spcAft>
+                <a:spcPts val="0"/>
+              </a:spcAft>
+              <a:buClr>
+                <a:srgbClr val="000000"/>
+              </a:buClr>
+              <a:buSzPts val="1500"/>
+              <a:buFont typeface="Tahoma"/>
+              <a:buChar char="●"/>
+            </a:pPr>
+            <a:r>
+              <a:rPr lang="pl" sz="1500">
+                <a:solidFill>
+                  <a:srgbClr val="000000"/>
+                </a:solidFill>
+                <a:latin typeface="Tahoma"/>
+                <a:ea typeface="Tahoma"/>
+                <a:cs typeface="Tahoma"/>
+                <a:sym typeface="Tahoma"/>
+              </a:rPr>
+              <a:t>Konieczność samodzielnego implementowania mechanizmów niezawodności (np. retransmisji, kontroli błędów) w aplikacji, jeśli są potrzebne.</a:t>
+            </a:r>
+            <a:endParaRPr sz="1500">
+              <a:solidFill>
+                <a:srgbClr val="000000"/>
+              </a:solidFill>
+              <a:latin typeface="Tahoma"/>
+              <a:ea typeface="Tahoma"/>
+              <a:cs typeface="Tahoma"/>
+              <a:sym typeface="Tahoma"/>
+            </a:endParaRPr>
+          </a:p>
+          <a:p>
+            <a:pPr indent="0" lvl="0" marL="0" rtl="0" algn="l">
+              <a:lnSpc>
+                <a:spcPct val="95000"/>
+              </a:lnSpc>
+              <a:spcBef>
+                <a:spcPts val="0"/>
+              </a:spcBef>
+              <a:spcAft>
+                <a:spcPts val="0"/>
+              </a:spcAft>
+              <a:buNone/>
+            </a:pPr>
+            <a:r>
+              <a:rPr b="1" lang="pl" sz="1500">
+                <a:solidFill>
+                  <a:srgbClr val="990000"/>
+                </a:solidFill>
+                <a:latin typeface="Tahoma"/>
+                <a:ea typeface="Tahoma"/>
+                <a:cs typeface="Tahoma"/>
+                <a:sym typeface="Tahoma"/>
+              </a:rPr>
+              <a:t>Brak zapewnienia kolejności danych</a:t>
+            </a:r>
+            <a:endParaRPr b="1" sz="1500">
+              <a:solidFill>
+                <a:srgbClr val="990000"/>
+              </a:solidFill>
+              <a:latin typeface="Tahoma"/>
+              <a:ea typeface="Tahoma"/>
+              <a:cs typeface="Tahoma"/>
+              <a:sym typeface="Tahoma"/>
+            </a:endParaRPr>
+          </a:p>
+          <a:p>
+            <a:pPr indent="-323850" lvl="0" marL="457200" rtl="0" algn="l">
+              <a:lnSpc>
+                <a:spcPct val="95000"/>
+              </a:lnSpc>
+              <a:spcBef>
+                <a:spcPts val="0"/>
+              </a:spcBef>
+              <a:spcAft>
+                <a:spcPts val="0"/>
+              </a:spcAft>
+              <a:buClr>
+                <a:srgbClr val="000000"/>
+              </a:buClr>
+              <a:buSzPts val="1500"/>
+              <a:buFont typeface="Tahoma"/>
+              <a:buChar char="●"/>
+            </a:pPr>
+            <a:r>
+              <a:rPr lang="pl" sz="1500">
+                <a:solidFill>
+                  <a:srgbClr val="000000"/>
+                </a:solidFill>
+                <a:latin typeface="Tahoma"/>
+                <a:ea typeface="Tahoma"/>
+                <a:cs typeface="Tahoma"/>
+                <a:sym typeface="Tahoma"/>
+              </a:rPr>
+              <a:t>Kolej</a:t>
+            </a:r>
+            <a:r>
+              <a:rPr lang="pl" sz="1500">
+                <a:solidFill>
+                  <a:srgbClr val="000000"/>
+                </a:solidFill>
+                <a:latin typeface="Tahoma"/>
+                <a:ea typeface="Tahoma"/>
+                <a:cs typeface="Tahoma"/>
+                <a:sym typeface="Tahoma"/>
+              </a:rPr>
+              <a:t>n</a:t>
+            </a:r>
+            <a:r>
+              <a:rPr lang="pl" sz="1500">
+                <a:solidFill>
+                  <a:srgbClr val="000000"/>
+                </a:solidFill>
+                <a:latin typeface="Tahoma"/>
+                <a:ea typeface="Tahoma"/>
+                <a:cs typeface="Tahoma"/>
+                <a:sym typeface="Tahoma"/>
+              </a:rPr>
+              <a:t>ość </a:t>
+            </a:r>
+            <a:r>
+              <a:rPr lang="pl" sz="1500">
+                <a:solidFill>
+                  <a:srgbClr val="000000"/>
+                </a:solidFill>
+                <a:latin typeface="Tahoma"/>
+                <a:ea typeface="Tahoma"/>
+                <a:cs typeface="Tahoma"/>
+                <a:sym typeface="Tahoma"/>
+              </a:rPr>
+              <a:t>przesłanych</a:t>
+            </a:r>
+            <a:r>
+              <a:rPr lang="pl" sz="1500">
+                <a:solidFill>
+                  <a:srgbClr val="000000"/>
+                </a:solidFill>
+                <a:latin typeface="Tahoma"/>
+                <a:ea typeface="Tahoma"/>
+                <a:cs typeface="Tahoma"/>
+                <a:sym typeface="Tahoma"/>
+              </a:rPr>
+              <a:t> pakietów może być różna od kolejności odbioru.</a:t>
+            </a:r>
+            <a:endParaRPr sz="1700">
+              <a:latin typeface="Tahoma"/>
+              <a:ea typeface="Tahoma"/>
+              <a:cs typeface="Tahoma"/>
+              <a:sym typeface="Tahoma"/>
+            </a:endParaRPr>
+          </a:p>
+        </p:txBody>
+      </p:sp>
+    </p:spTree>
+  </p:cSld>
+  <p:clrMapOvr>
+    <a:masterClrMapping/>
+  </p:clrMapOvr>
+</p:sld>
+</file>
+
 <file path=ppt/theme/theme1.xml><?xml version="1.0" encoding="utf-8"?>
+<a:theme xmlns:a="http://schemas.openxmlformats.org/drawingml/2006/main" xmlns:r="http://schemas.openxmlformats.org/officeDocument/2006/relationships" name="Streamline">
+  <a:themeElements>
+    <a:clrScheme name="Streamline">
+      <a:dk1>
+        <a:srgbClr val="1A9988"/>
+      </a:dk1>
+      <a:lt1>
+        <a:srgbClr val="FFFFFF"/>
+      </a:lt1>
+      <a:dk2>
+        <a:srgbClr val="1A1A1A"/>
+      </a:dk2>
+      <a:lt2>
+        <a:srgbClr val="E9EDEE"/>
+      </a:lt2>
+      <a:accent1>
+        <a:srgbClr val="595959"/>
+      </a:accent1>
+      <a:accent2>
+        <a:srgbClr val="6AA4C8"/>
+      </a:accent2>
+      <a:accent3>
+        <a:srgbClr val="EB5600"/>
+      </a:accent3>
+      <a:accent4>
+        <a:srgbClr val="A2FFE8"/>
+      </a:accent4>
+      <a:accent5>
+        <a:srgbClr val="1C3678"/>
+      </a:accent5>
+      <a:accent6>
+        <a:srgbClr val="FFB8A2"/>
+      </a:accent6>
+      <a:hlink>
+        <a:srgbClr val="1C3678"/>
+      </a:hlink>
+      <a:folHlink>
+        <a:srgbClr val="1C3678"/>
+      </a:folHlink>
+    </a:clrScheme>
+    <a:fontScheme name="Office">
+      <a:majorFont>
+        <a:latin typeface="Arial"/>
+        <a:ea typeface=""/>
+        <a:cs typeface=""/>
+        <a:font script="Jpan" typeface="ＭＳ Ｐゴシック"/>
+        <a:font script="Hang" typeface="맑은 고딕"/>
+        <a:font script="Hans" typeface="宋体"/>
+        <a:font script="Hant" typeface="新細明體"/>
+        <a:font script="Arab" typeface="Times New Roman"/>
+        <a:font script="Hebr" typeface="Times New Roman"/>
+        <a:font script="Thai" typeface="Angsana New"/>
+        <a:font script="Ethi" typeface="Nyala"/>
+        <a:font script="Beng" typeface="Vrinda"/>
+        <a:font script="Gujr" typeface="Shruti"/>
+        <a:font script="Khmr" typeface="MoolBoran"/>
+        <a:font script="Knda" typeface="Tunga"/>
+        <a:font script="Guru" typeface="Raavi"/>
+        <a:font script="Cans" typeface="Euphemia"/>
+        <a:font script="Cher" typeface="Plantagenet Cherokee"/>
+        <a:font script="Yiii" typeface="Microsoft Yi Baiti"/>
+        <a:font script="Tibt" typeface="Microsoft Himalaya"/>
+        <a:font script="Thaa" typeface="MV Boli"/>
+        <a:font script="Deva" typeface="Mangal"/>
+        <a:font script="Telu" typeface="Gautami"/>
+        <a:font script="Taml" typeface="Latha"/>
+        <a:font script="Syrc" typeface="Estrangelo Edessa"/>
+        <a:font script="Orya" typeface="Kalinga"/>
+        <a:font script="Mlym" typeface="Kartika"/>
+        <a:font script="Laoo" typeface="DokChampa"/>
+        <a:font script="Sinh" typeface="Iskoola Pota"/>
+        <a:font script="Mong" typeface="Mongolian Baiti"/>
+        <a:font script="Viet" typeface="Times New Roman"/>
+        <a:font script="Uigh" typeface="Microsoft Uighur"/>
+        <a:font script="Geor" typeface="Sylfaen"/>
+      </a:majorFont>
+      <a:minorFont>
+        <a:latin typeface="Arial"/>
+        <a:ea typeface=""/>
+        <a:cs typeface=""/>
+        <a:font script="Jpan" typeface="ＭＳ Ｐゴシック"/>
+        <a:font script="Hang" typeface="맑은 고딕"/>
+        <a:font script="Hans" typeface="宋体"/>
+        <a:font script="Hant" typeface="新細明體"/>
+        <a:font script="Arab" typeface="Arial"/>
+        <a:font script="Hebr" typeface="Arial"/>
+        <a:font script="Thai" typeface="Cordia New"/>
+        <a:font script="Ethi" typeface="Nyala"/>
+        <a:font script="Beng" typeface="Vrinda"/>
+        <a:font script="Gujr" typeface="Shruti"/>
+        <a:font script="Khmr" typeface="DaunPenh"/>
+        <a:font script="Knda" typeface="Tunga"/>
+        <a:font script="Guru" typeface="Raavi"/>
+        <a:font script="Cans" typeface="Euphemia"/>
+        <a:font script="Cher" typeface="Plantagenet Cherokee"/>
+        <a:font script="Yiii" typeface="Microsoft Yi Baiti"/>
+        <a:font script="Tibt" typeface="Microsoft Himalaya"/>
+        <a:font script="Thaa" typeface="MV Boli"/>
+        <a:font script="Deva" typeface="Mangal"/>
+        <a:font script="Telu" typeface="Gautami"/>
+        <a:font script="Taml" typeface="Latha"/>
+        <a:font script="Syrc" typeface="Estrangelo Edessa"/>
+        <a:font script="Orya" typeface="Kalinga"/>
+        <a:font script="Mlym" typeface="Kartika"/>
+        <a:font script="Laoo" typeface="DokChampa"/>
+        <a:font script="Sinh" typeface="Iskoola Pota"/>
+        <a:font script="Mong" typeface="Mongolian Baiti"/>
+        <a:font script="Viet" typeface="Arial"/>
+        <a:font script="Uigh" typeface="Microsoft Uighur"/>
+        <a:font script="Geor" typeface="Sylfaen"/>
+      </a:minorFont>
+    </a:fontScheme>
+    <a:fmtScheme name="Office">
+      <a:fillStyleLst>
+        <a:solidFill>
+          <a:schemeClr val="phClr"/>
+        </a:solidFill>
+        <a:gradFill rotWithShape="1">
+          <a:gsLst>
+            <a:gs pos="0">
+              <a:schemeClr val="phClr">
+                <a:tint val="50000"/>
+                <a:satMod val="300000"/>
+              </a:schemeClr>
+            </a:gs>
+            <a:gs pos="35000">
+              <a:schemeClr val="phClr">
+                <a:tint val="37000"/>
+                <a:satMod val="300000"/>
+              </a:schemeClr>
+            </a:gs>
+            <a:gs pos="100000">
+              <a:schemeClr val="phClr">
+                <a:tint val="15000"/>
+                <a:satMod val="350000"/>
+              </a:schemeClr>
+            </a:gs>
+          </a:gsLst>
+          <a:lin ang="16200000" scaled="1"/>
+        </a:gradFill>
+        <a:gradFill rotWithShape="1">
+          <a:gsLst>
+            <a:gs pos="0">
+              <a:schemeClr val="phClr">
+                <a:tint val="100000"/>
+                <a:shade val="100000"/>
+                <a:satMod val="130000"/>
+              </a:schemeClr>
+            </a:gs>
+            <a:gs pos="100000">
+              <a:schemeClr val="phClr">
+                <a:tint val="50000"/>
+                <a:shade val="100000"/>
+                <a:satMod val="350000"/>
+              </a:schemeClr>
+            </a:gs>
+          </a:gsLst>
+          <a:lin ang="16200000" scaled="0"/>
+        </a:gradFill>
+      </a:fillStyleLst>
+      <a:lnStyleLst>
+        <a:ln w="9525" cap="flat" cmpd="sng" algn="ctr">
+          <a:solidFill>
+            <a:schemeClr val="phClr">
+              <a:shade val="95000"/>
+              <a:satMod val="105000"/>
+            </a:schemeClr>
+          </a:solidFill>
+          <a:prstDash val="solid"/>
+        </a:ln>
+        <a:ln w="25400" cap="flat" cmpd="sng" algn="ctr">
+          <a:solidFill>
+            <a:schemeClr val="phClr"/>
+          </a:solidFill>
+          <a:prstDash val="solid"/>
+        </a:ln>
+        <a:ln w="38100" cap="flat" cmpd="sng" algn="ctr">
+          <a:solidFill>
+            <a:schemeClr val="phClr"/>
+          </a:solidFill>
+          <a:prstDash val="solid"/>
+        </a:ln>
+      </a:lnStyleLst>
+      <a:effectStyleLst>
+        <a:effectStyle>
+          <a:effectLst>
+            <a:outerShdw blurRad="40000" dist="20000" dir="5400000" rotWithShape="0">
+              <a:srgbClr val="000000">
+                <a:alpha val="38000"/>
+              </a:srgbClr>
+            </a:outerShdw>
+          </a:effectLst>
+        </a:effectStyle>
+        <a:effectStyle>
+          <a:effectLst>
+            <a:outerShdw blurRad="40000" dist="23000" dir="5400000" rotWithShape="0">
+              <a:srgbClr val="000000">
+                <a:alpha val="35000"/>
+              </a:srgbClr>
+            </a:outerShdw>
+          </a:effectLst>
+        </a:effectStyle>
+        <a:effectStyle>
+          <a:effectLst>
+            <a:outerShdw blurRad="40000" dist="23000" dir="5400000" rotWithShape="0">
+              <a:srgbClr val="000000">
+                <a:alpha val="35000"/>
+              </a:srgbClr>
+            </a:outerShdw>
+          </a:effectLst>
+          <a:scene3d>
+            <a:camera prst="orthographicFront">
+              <a:rot lat="0" lon="0" rev="0"/>
+            </a:camera>
+            <a:lightRig rig="threePt" dir="t">
+              <a:rot lat="0" lon="0" rev="1200000"/>
+            </a:lightRig>
+          </a:scene3d>
+          <a:sp3d>
+            <a:bevelT w="63500" h="25400"/>
+          </a:sp3d>
+        </a:effectStyle>
+      </a:effectStyleLst>
+      <a:bgFillStyleLst>
+        <a:solidFill>
+          <a:schemeClr val="phClr"/>
+        </a:solidFill>
+        <a:gradFill rotWithShape="1">
+          <a:gsLst>
+            <a:gs pos="0">
+              <a:schemeClr val="phClr">
+                <a:tint val="40000"/>
+                <a:satMod val="350000"/>
+              </a:schemeClr>
+            </a:gs>
+            <a:gs pos="40000">
+              <a:schemeClr val="phClr">
+                <a:tint val="45000"/>
+                <a:shade val="99000"/>
+                <a:satMod val="350000"/>
+              </a:schemeClr>
+            </a:gs>
+            <a:gs pos="100000">
+              <a:schemeClr val="phClr">
+                <a:shade val="20000"/>
+                <a:satMod val="255000"/>
+              </a:schemeClr>
+            </a:gs>
+          </a:gsLst>
+          <a:path path="circle">
+            <a:fillToRect l="50000" t="-80000" r="50000" b="180000"/>
+          </a:path>
+        </a:gradFill>
+        <a:gradFill rotWithShape="1">
+          <a:gsLst>
+            <a:gs pos="0">
+              <a:schemeClr val="phClr">
+                <a:tint val="80000"/>
+                <a:satMod val="300000"/>
+              </a:schemeClr>
+            </a:gs>
+            <a:gs pos="100000">
+              <a:schemeClr val="phClr">
+                <a:shade val="30000"/>
+                <a:satMod val="200000"/>
+              </a:schemeClr>
+            </a:gs>
+          </a:gsLst>
+          <a:path path="circle">
+            <a:fillToRect l="50000" t="50000" r="50000" b="50000"/>
+          </a:path>
+        </a:gradFill>
+      </a:bgFillStyleLst>
+    </a:fmtScheme>
+  </a:themeElements>
+</a:theme>
+</file>
+
+<file path=ppt/theme/theme2.xml><?xml version="1.0" encoding="utf-8"?>
 <a:theme xmlns:a="http://schemas.openxmlformats.org/drawingml/2006/main" xmlns:r="http://schemas.openxmlformats.org/officeDocument/2006/relationships">
   <a:themeElements>
     <a:clrScheme name="Default">
@@ -49101,283 +52485,4 @@
     </a:fmtScheme>
   </a:themeElements>
 </a:theme>
-</file>
-
-<file path=ppt/theme/theme2.xml><?xml version="1.0" encoding="utf-8"?>
-<a:theme xmlns:a="http://schemas.openxmlformats.org/drawingml/2006/main" xmlns:r="http://schemas.openxmlformats.org/officeDocument/2006/relationships" name="Streamline">
-  <a:themeElements>
-    <a:clrScheme name="Streamline">
-      <a:dk1>
-        <a:srgbClr val="1A9988"/>
-      </a:dk1>
-      <a:lt1>
-        <a:srgbClr val="FFFFFF"/>
-      </a:lt1>
-      <a:dk2>
-        <a:srgbClr val="1A1A1A"/>
-      </a:dk2>
-      <a:lt2>
-        <a:srgbClr val="E9EDEE"/>
-      </a:lt2>
-      <a:accent1>
-        <a:srgbClr val="595959"/>
-      </a:accent1>
-      <a:accent2>
-        <a:srgbClr val="6AA4C8"/>
-      </a:accent2>
-      <a:accent3>
-        <a:srgbClr val="EB5600"/>
-      </a:accent3>
-      <a:accent4>
-        <a:srgbClr val="A2FFE8"/>
-      </a:accent4>
-      <a:accent5>
-        <a:srgbClr val="1C3678"/>
-      </a:accent5>
-      <a:accent6>
-        <a:srgbClr val="FFB8A2"/>
-      </a:accent6>
-      <a:hlink>
-        <a:srgbClr val="1C3678"/>
-      </a:hlink>
-      <a:folHlink>
-        <a:srgbClr val="1C3678"/>
-      </a:folHlink>
-    </a:clrScheme>
-    <a:fontScheme name="Office">
-      <a:majorFont>
-        <a:latin typeface="Arial"/>
-        <a:ea typeface=""/>
-        <a:cs typeface=""/>
-        <a:font script="Jpan" typeface="ＭＳ Ｐゴシック"/>
-        <a:font script="Hang" typeface="맑은 고딕"/>
-        <a:font script="Hans" typeface="宋体"/>
-        <a:font script="Hant" typeface="新細明體"/>
-        <a:font script="Arab" typeface="Times New Roman"/>
-        <a:font script="Hebr" typeface="Times New Roman"/>
-        <a:font script="Thai" typeface="Angsana New"/>
-        <a:font script="Ethi" typeface="Nyala"/>
-        <a:font script="Beng" typeface="Vrinda"/>
-        <a:font script="Gujr" typeface="Shruti"/>
-        <a:font script="Khmr" typeface="MoolBoran"/>
-        <a:font script="Knda" typeface="Tunga"/>
-        <a:font script="Guru" typeface="Raavi"/>
-        <a:font script="Cans" typeface="Euphemia"/>
-        <a:font script="Cher" typeface="Plantagenet Cherokee"/>
-        <a:font script="Yiii" typeface="Microsoft Yi Baiti"/>
-        <a:font script="Tibt" typeface="Microsoft Himalaya"/>
-        <a:font script="Thaa" typeface="MV Boli"/>
-        <a:font script="Deva" typeface="Mangal"/>
-        <a:font script="Telu" typeface="Gautami"/>
-        <a:font script="Taml" typeface="Latha"/>
-        <a:font script="Syrc" typeface="Estrangelo Edessa"/>
-        <a:font script="Orya" typeface="Kalinga"/>
-        <a:font script="Mlym" typeface="Kartika"/>
-        <a:font script="Laoo" typeface="DokChampa"/>
-        <a:font script="Sinh" typeface="Iskoola Pota"/>
-        <a:font script="Mong" typeface="Mongolian Baiti"/>
-        <a:font script="Viet" typeface="Times New Roman"/>
-        <a:font script="Uigh" typeface="Microsoft Uighur"/>
-        <a:font script="Geor" typeface="Sylfaen"/>
-      </a:majorFont>
-      <a:minorFont>
-        <a:latin typeface="Arial"/>
-        <a:ea typeface=""/>
-        <a:cs typeface=""/>
-        <a:font script="Jpan" typeface="ＭＳ Ｐゴシック"/>
-        <a:font script="Hang" typeface="맑은 고딕"/>
-        <a:font script="Hans" typeface="宋体"/>
-        <a:font script="Hant" typeface="新細明體"/>
-        <a:font script="Arab" typeface="Arial"/>
-        <a:font script="Hebr" typeface="Arial"/>
-        <a:font script="Thai" typeface="Cordia New"/>
-        <a:font script="Ethi" typeface="Nyala"/>
-        <a:font script="Beng" typeface="Vrinda"/>
-        <a:font script="Gujr" typeface="Shruti"/>
-        <a:font script="Khmr" typeface="DaunPenh"/>
-        <a:font script="Knda" typeface="Tunga"/>
-        <a:font script="Guru" typeface="Raavi"/>
-        <a:font script="Cans" typeface="Euphemia"/>
-        <a:font script="Cher" typeface="Plantagenet Cherokee"/>
-        <a:font script="Yiii" typeface="Microsoft Yi Baiti"/>
-        <a:font script="Tibt" typeface="Microsoft Himalaya"/>
-        <a:font script="Thaa" typeface="MV Boli"/>
-        <a:font script="Deva" typeface="Mangal"/>
-        <a:font script="Telu" typeface="Gautami"/>
-        <a:font script="Taml" typeface="Latha"/>
-        <a:font script="Syrc" typeface="Estrangelo Edessa"/>
-        <a:font script="Orya" typeface="Kalinga"/>
-        <a:font script="Mlym" typeface="Kartika"/>
-        <a:font script="Laoo" typeface="DokChampa"/>
-        <a:font script="Sinh" typeface="Iskoola Pota"/>
-        <a:font script="Mong" typeface="Mongolian Baiti"/>
-        <a:font script="Viet" typeface="Arial"/>
-        <a:font script="Uigh" typeface="Microsoft Uighur"/>
-        <a:font script="Geor" typeface="Sylfaen"/>
-      </a:minorFont>
-    </a:fontScheme>
-    <a:fmtScheme name="Office">
-      <a:fillStyleLst>
-        <a:solidFill>
-          <a:schemeClr val="phClr"/>
-        </a:solidFill>
-        <a:gradFill rotWithShape="1">
-          <a:gsLst>
-            <a:gs pos="0">
-              <a:schemeClr val="phClr">
-                <a:tint val="50000"/>
-                <a:satMod val="300000"/>
-              </a:schemeClr>
-            </a:gs>
-            <a:gs pos="35000">
-              <a:schemeClr val="phClr">
-                <a:tint val="37000"/>
-                <a:satMod val="300000"/>
-              </a:schemeClr>
-            </a:gs>
-            <a:gs pos="100000">
-              <a:schemeClr val="phClr">
-                <a:tint val="15000"/>
-                <a:satMod val="350000"/>
-              </a:schemeClr>
-            </a:gs>
-          </a:gsLst>
-          <a:lin ang="16200000" scaled="1"/>
-        </a:gradFill>
-        <a:gradFill rotWithShape="1">
-          <a:gsLst>
-            <a:gs pos="0">
-              <a:schemeClr val="phClr">
-                <a:tint val="100000"/>
-                <a:shade val="100000"/>
-                <a:satMod val="130000"/>
-              </a:schemeClr>
-            </a:gs>
-            <a:gs pos="100000">
-              <a:schemeClr val="phClr">
-                <a:tint val="50000"/>
-                <a:shade val="100000"/>
-                <a:satMod val="350000"/>
-              </a:schemeClr>
-            </a:gs>
-          </a:gsLst>
-          <a:lin ang="16200000" scaled="0"/>
-        </a:gradFill>
-      </a:fillStyleLst>
-      <a:lnStyleLst>
-        <a:ln w="9525" cap="flat" cmpd="sng" algn="ctr">
-          <a:solidFill>
-            <a:schemeClr val="phClr">
-              <a:shade val="95000"/>
-              <a:satMod val="105000"/>
-            </a:schemeClr>
-          </a:solidFill>
-          <a:prstDash val="solid"/>
-        </a:ln>
-        <a:ln w="25400" cap="flat" cmpd="sng" algn="ctr">
-          <a:solidFill>
-            <a:schemeClr val="phClr"/>
-          </a:solidFill>
-          <a:prstDash val="solid"/>
-        </a:ln>
-        <a:ln w="38100" cap="flat" cmpd="sng" algn="ctr">
-          <a:solidFill>
-            <a:schemeClr val="phClr"/>
-          </a:solidFill>
-          <a:prstDash val="solid"/>
-        </a:ln>
-      </a:lnStyleLst>
-      <a:effectStyleLst>
-        <a:effectStyle>
-          <a:effectLst>
-            <a:outerShdw blurRad="40000" dist="20000" dir="5400000" rotWithShape="0">
-              <a:srgbClr val="000000">
-                <a:alpha val="38000"/>
-              </a:srgbClr>
-            </a:outerShdw>
-          </a:effectLst>
-        </a:effectStyle>
-        <a:effectStyle>
-          <a:effectLst>
-            <a:outerShdw blurRad="40000" dist="23000" dir="5400000" rotWithShape="0">
-              <a:srgbClr val="000000">
-                <a:alpha val="35000"/>
-              </a:srgbClr>
-            </a:outerShdw>
-          </a:effectLst>
-        </a:effectStyle>
-        <a:effectStyle>
-          <a:effectLst>
-            <a:outerShdw blurRad="40000" dist="23000" dir="5400000" rotWithShape="0">
-              <a:srgbClr val="000000">
-                <a:alpha val="35000"/>
-              </a:srgbClr>
-            </a:outerShdw>
-          </a:effectLst>
-          <a:scene3d>
-            <a:camera prst="orthographicFront">
-              <a:rot lat="0" lon="0" rev="0"/>
-            </a:camera>
-            <a:lightRig rig="threePt" dir="t">
-              <a:rot lat="0" lon="0" rev="1200000"/>
-            </a:lightRig>
-          </a:scene3d>
-          <a:sp3d>
-            <a:bevelT w="63500" h="25400"/>
-          </a:sp3d>
-        </a:effectStyle>
-      </a:effectStyleLst>
-      <a:bgFillStyleLst>
-        <a:solidFill>
-          <a:schemeClr val="phClr"/>
-        </a:solidFill>
-        <a:gradFill rotWithShape="1">
-          <a:gsLst>
-            <a:gs pos="0">
-              <a:schemeClr val="phClr">
-                <a:tint val="40000"/>
-                <a:satMod val="350000"/>
-              </a:schemeClr>
-            </a:gs>
-            <a:gs pos="40000">
-              <a:schemeClr val="phClr">
-                <a:tint val="45000"/>
-                <a:shade val="99000"/>
-                <a:satMod val="350000"/>
-              </a:schemeClr>
-            </a:gs>
-            <a:gs pos="100000">
-              <a:schemeClr val="phClr">
-                <a:shade val="20000"/>
-                <a:satMod val="255000"/>
-              </a:schemeClr>
-            </a:gs>
-          </a:gsLst>
-          <a:path path="circle">
-            <a:fillToRect l="50000" t="-80000" r="50000" b="180000"/>
-          </a:path>
-        </a:gradFill>
-        <a:gradFill rotWithShape="1">
-          <a:gsLst>
-            <a:gs pos="0">
-              <a:schemeClr val="phClr">
-                <a:tint val="80000"/>
-                <a:satMod val="300000"/>
-              </a:schemeClr>
-            </a:gs>
-            <a:gs pos="100000">
-              <a:schemeClr val="phClr">
-                <a:shade val="30000"/>
-                <a:satMod val="200000"/>
-              </a:schemeClr>
-            </a:gs>
-          </a:gsLst>
-          <a:path path="circle">
-            <a:fillToRect l="50000" t="50000" r="50000" b="50000"/>
-          </a:path>
-        </a:gradFill>
-      </a:bgFillStyleLst>
-    </a:fmtScheme>
-  </a:themeElements>
-</a:theme>
 </file>
--- a/ZASTOSOWANIE_INFORMATYKI/1A-gr_2/Zastosowanie informatyki - 1A gr. 2.pptx
+++ b/ZASTOSOWANIE_INFORMATYKI/1A-gr_2/Zastosowanie informatyki - 1A gr. 2.pptx
@@ -103,35 +103,36 @@
     <p:sldId id="348" r:id="rId99"/>
     <p:sldId id="349" r:id="rId100"/>
     <p:sldId id="350" r:id="rId101"/>
+    <p:sldId id="351" r:id="rId102"/>
   </p:sldIdLst>
   <p:sldSz cy="5143500" cx="9144000"/>
   <p:notesSz cx="6858000" cy="9144000"/>
   <p:embeddedFontLst>
     <p:embeddedFont>
       <p:font typeface="Raleway"/>
-      <p:regular r:id="rId102"/>
-      <p:bold r:id="rId103"/>
-      <p:italic r:id="rId104"/>
-      <p:boldItalic r:id="rId105"/>
+      <p:regular r:id="rId103"/>
+      <p:bold r:id="rId104"/>
+      <p:italic r:id="rId105"/>
+      <p:boldItalic r:id="rId106"/>
     </p:embeddedFont>
     <p:embeddedFont>
       <p:font typeface="Roboto"/>
-      <p:regular r:id="rId106"/>
-      <p:bold r:id="rId107"/>
-      <p:italic r:id="rId108"/>
-      <p:boldItalic r:id="rId109"/>
+      <p:regular r:id="rId107"/>
+      <p:bold r:id="rId108"/>
+      <p:italic r:id="rId109"/>
+      <p:boldItalic r:id="rId110"/>
     </p:embeddedFont>
     <p:embeddedFont>
       <p:font typeface="Lato"/>
-      <p:regular r:id="rId110"/>
-      <p:bold r:id="rId111"/>
-      <p:italic r:id="rId112"/>
-      <p:boldItalic r:id="rId113"/>
+      <p:regular r:id="rId111"/>
+      <p:bold r:id="rId112"/>
+      <p:italic r:id="rId113"/>
+      <p:boldItalic r:id="rId114"/>
     </p:embeddedFont>
     <p:embeddedFont>
       <p:font typeface="Tahoma"/>
-      <p:regular r:id="rId114"/>
-      <p:bold r:id="rId115"/>
+      <p:regular r:id="rId115"/>
+      <p:bold r:id="rId116"/>
     </p:embeddedFont>
   </p:embeddedFontLst>
   <p:defaultTextStyle>
@@ -10169,6 +10170,105 @@
       <p:sp>
         <p:nvSpPr>
           <p:cNvPr id="677" name="Google Shape;677;g38adf739f9f_0_29:notes"/>
+          <p:cNvSpPr txBox="1"/>
+          <p:nvPr>
+            <p:ph idx="1" type="body"/>
+          </p:nvPr>
+        </p:nvSpPr>
+        <p:spPr>
+          <a:xfrm>
+            <a:off x="685800" y="4343400"/>
+            <a:ext cx="5486400" cy="4114800"/>
+          </a:xfrm>
+          <a:prstGeom prst="rect">
+            <a:avLst/>
+          </a:prstGeom>
+        </p:spPr>
+        <p:txBody>
+          <a:bodyPr anchorCtr="0" anchor="t" bIns="91425" lIns="91425" spcFirstLastPara="1" rIns="91425" wrap="square" tIns="91425">
+            <a:noAutofit/>
+          </a:bodyPr>
+          <a:lstStyle/>
+          <a:p>
+            <a:pPr indent="0" lvl="0" marL="0" rtl="0" algn="l">
+              <a:spcBef>
+                <a:spcPts val="0"/>
+              </a:spcBef>
+              <a:spcAft>
+                <a:spcPts val="0"/>
+              </a:spcAft>
+              <a:buNone/>
+            </a:pPr>
+            <a:r>
+              <a:t/>
+            </a:r>
+            <a:endParaRPr/>
+          </a:p>
+        </p:txBody>
+      </p:sp>
+    </p:spTree>
+  </p:cSld>
+  <p:clrMapOvr>
+    <a:masterClrMapping/>
+  </p:clrMapOvr>
+</p:notes>
+</file>
+
+<file path=ppt/notesSlides/notesSlide96.xml><?xml version="1.0" encoding="utf-8"?>
+<p:notes xmlns:a="http://schemas.openxmlformats.org/drawingml/2006/main" xmlns:r="http://schemas.openxmlformats.org/officeDocument/2006/relationships" xmlns:mc="http://schemas.openxmlformats.org/markup-compatibility/2006" xmlns:mv="urn:schemas-microsoft-com:mac:vml" xmlns:p="http://schemas.openxmlformats.org/presentationml/2006/main" xmlns:c="http://schemas.openxmlformats.org/drawingml/2006/chart" xmlns:dgm="http://schemas.openxmlformats.org/drawingml/2006/diagram" xmlns:o="urn:schemas-microsoft-com:office:office" xmlns:v="urn:schemas-microsoft-com:vml" xmlns:pvml="urn:schemas-microsoft-com:office:powerpoint" xmlns:com="http://schemas.openxmlformats.org/drawingml/2006/compatibility" xmlns:p14="http://schemas.microsoft.com/office/powerpoint/2010/main" xmlns:p15="http://schemas.microsoft.com/office/powerpoint/2012/main" xmlns:ahyp="http://schemas.microsoft.com/office/drawing/2018/hyperlinkcolor" showMasterPhAnim="0" showMasterSp="0">
+  <p:cSld>
+    <p:spTree>
+      <p:nvGrpSpPr>
+        <p:cNvPr id="681" name="Shape 681"/>
+        <p:cNvGrpSpPr/>
+        <p:nvPr/>
+      </p:nvGrpSpPr>
+      <p:grpSpPr>
+        <a:xfrm>
+          <a:off x="0" y="0"/>
+          <a:ext cx="0" cy="0"/>
+          <a:chOff x="0" y="0"/>
+          <a:chExt cx="0" cy="0"/>
+        </a:xfrm>
+      </p:grpSpPr>
+      <p:sp>
+        <p:nvSpPr>
+          <p:cNvPr id="682" name="Google Shape;682;g38dc4e7bec6_0_0:notes"/>
+          <p:cNvSpPr/>
+          <p:nvPr>
+            <p:ph idx="2" type="sldImg"/>
+          </p:nvPr>
+        </p:nvSpPr>
+        <p:spPr>
+          <a:xfrm>
+            <a:off x="381300" y="685800"/>
+            <a:ext cx="6096000" cy="3429000"/>
+          </a:xfrm>
+          <a:custGeom>
+            <a:rect b="b" l="l" r="r" t="t"/>
+            <a:pathLst>
+              <a:path extrusionOk="0" h="120000" w="120000">
+                <a:moveTo>
+                  <a:pt x="0" y="0"/>
+                </a:moveTo>
+                <a:lnTo>
+                  <a:pt x="120000" y="0"/>
+                </a:lnTo>
+                <a:lnTo>
+                  <a:pt x="120000" y="120000"/>
+                </a:lnTo>
+                <a:lnTo>
+                  <a:pt x="0" y="120000"/>
+                </a:lnTo>
+                <a:close/>
+              </a:path>
+            </a:pathLst>
+          </a:custGeom>
+        </p:spPr>
+      </p:sp>
+      <p:sp>
+        <p:nvSpPr>
+          <p:cNvPr id="683" name="Google Shape;683;g38dc4e7bec6_0_0:notes"/>
           <p:cNvSpPr txBox="1"/>
           <p:nvPr>
             <p:ph idx="1" type="body"/>
@@ -31046,7 +31146,7 @@
             <a:tbl>
               <a:tblPr>
                 <a:noFill/>
-                <a:tableStyleId>{EE95794C-7BF3-45C6-AD0E-91F387E41CAC}</a:tableStyleId>
+                <a:tableStyleId>{EA44DA6F-ED90-40EC-BD29-93980F9F0271}</a:tableStyleId>
               </a:tblPr>
               <a:tblGrid>
                 <a:gridCol w="2413000"/>
@@ -31292,7 +31392,7 @@
             <a:tbl>
               <a:tblPr>
                 <a:noFill/>
-                <a:tableStyleId>{EE95794C-7BF3-45C6-AD0E-91F387E41CAC}</a:tableStyleId>
+                <a:tableStyleId>{EA44DA6F-ED90-40EC-BD29-93980F9F0271}</a:tableStyleId>
               </a:tblPr>
               <a:tblGrid>
                 <a:gridCol w="2413000"/>
@@ -45332,7 +45432,7 @@
             <a:tbl>
               <a:tblPr>
                 <a:noFill/>
-                <a:tableStyleId>{EE95794C-7BF3-45C6-AD0E-91F387E41CAC}</a:tableStyleId>
+                <a:tableStyleId>{EA44DA6F-ED90-40EC-BD29-93980F9F0271}</a:tableStyleId>
               </a:tblPr>
               <a:tblGrid>
                 <a:gridCol w="1690400"/>
@@ -46006,7 +46106,7 @@
             <a:tbl>
               <a:tblPr>
                 <a:noFill/>
-                <a:tableStyleId>{00C0243B-BC17-49E2-A4D3-478D727967AB}</a:tableStyleId>
+                <a:tableStyleId>{062DDBB7-2BD1-4B81-895B-DE9DAD388B81}</a:tableStyleId>
               </a:tblPr>
               <a:tblGrid>
                 <a:gridCol w="19050"/>
@@ -51918,6 +52018,110 @@
               <a:cs typeface="Tahoma"/>
               <a:sym typeface="Tahoma"/>
             </a:endParaRPr>
+          </a:p>
+        </p:txBody>
+      </p:sp>
+    </p:spTree>
+  </p:cSld>
+  <p:clrMapOvr>
+    <a:masterClrMapping/>
+  </p:clrMapOvr>
+</p:sld>
+</file>
+
+<file path=ppt/slides/slide96.xml><?xml version="1.0" encoding="utf-8"?>
+<p:sld xmlns:a="http://schemas.openxmlformats.org/drawingml/2006/main" xmlns:r="http://schemas.openxmlformats.org/officeDocument/2006/relationships" xmlns:mc="http://schemas.openxmlformats.org/markup-compatibility/2006" xmlns:mv="urn:schemas-microsoft-com:mac:vml" xmlns:p="http://schemas.openxmlformats.org/presentationml/2006/main" xmlns:c="http://schemas.openxmlformats.org/drawingml/2006/chart" xmlns:dgm="http://schemas.openxmlformats.org/drawingml/2006/diagram" xmlns:o="urn:schemas-microsoft-com:office:office" xmlns:v="urn:schemas-microsoft-com:vml" xmlns:pvml="urn:schemas-microsoft-com:office:powerpoint" xmlns:com="http://schemas.openxmlformats.org/drawingml/2006/compatibility" xmlns:p14="http://schemas.microsoft.com/office/powerpoint/2010/main" xmlns:p15="http://schemas.microsoft.com/office/powerpoint/2012/main" xmlns:ahyp="http://schemas.microsoft.com/office/drawing/2018/hyperlinkcolor">
+  <p:cSld>
+    <p:spTree>
+      <p:nvGrpSpPr>
+        <p:cNvPr id="684" name="Shape 684"/>
+        <p:cNvGrpSpPr/>
+        <p:nvPr/>
+      </p:nvGrpSpPr>
+      <p:grpSpPr>
+        <a:xfrm>
+          <a:off x="0" y="0"/>
+          <a:ext cx="0" cy="0"/>
+          <a:chOff x="0" y="0"/>
+          <a:chExt cx="0" cy="0"/>
+        </a:xfrm>
+      </p:grpSpPr>
+      <p:sp>
+        <p:nvSpPr>
+          <p:cNvPr id="685" name="Google Shape;685;p108"/>
+          <p:cNvSpPr txBox="1"/>
+          <p:nvPr>
+            <p:ph type="title"/>
+          </p:nvPr>
+        </p:nvSpPr>
+        <p:spPr>
+          <a:xfrm>
+            <a:off x="729450" y="1318650"/>
+            <a:ext cx="7688700" cy="535200"/>
+          </a:xfrm>
+          <a:prstGeom prst="rect">
+            <a:avLst/>
+          </a:prstGeom>
+        </p:spPr>
+        <p:txBody>
+          <a:bodyPr anchorCtr="0" anchor="t" bIns="91425" lIns="91425" spcFirstLastPara="1" rIns="91425" wrap="square" tIns="91425">
+            <a:normAutofit fontScale="90000"/>
+          </a:bodyPr>
+          <a:lstStyle/>
+          <a:p>
+            <a:pPr indent="0" lvl="0" marL="0" rtl="0" algn="l">
+              <a:spcBef>
+                <a:spcPts val="0"/>
+              </a:spcBef>
+              <a:spcAft>
+                <a:spcPts val="0"/>
+              </a:spcAft>
+              <a:buNone/>
+            </a:pPr>
+            <a:r>
+              <a:rPr lang="pl"/>
+              <a:t>Przykładowy test</a:t>
+            </a:r>
+            <a:endParaRPr/>
+          </a:p>
+        </p:txBody>
+      </p:sp>
+      <p:sp>
+        <p:nvSpPr>
+          <p:cNvPr id="686" name="Google Shape;686;p108"/>
+          <p:cNvSpPr txBox="1"/>
+          <p:nvPr>
+            <p:ph idx="1" type="body"/>
+          </p:nvPr>
+        </p:nvSpPr>
+        <p:spPr>
+          <a:xfrm>
+            <a:off x="729450" y="2078875"/>
+            <a:ext cx="7688700" cy="2261100"/>
+          </a:xfrm>
+          <a:prstGeom prst="rect">
+            <a:avLst/>
+          </a:prstGeom>
+        </p:spPr>
+        <p:txBody>
+          <a:bodyPr anchorCtr="0" anchor="t" bIns="91425" lIns="91425" spcFirstLastPara="1" rIns="91425" wrap="square" tIns="91425">
+            <a:normAutofit/>
+          </a:bodyPr>
+          <a:lstStyle/>
+          <a:p>
+            <a:pPr indent="0" lvl="0" marL="0" rtl="0" algn="l">
+              <a:spcBef>
+                <a:spcPts val="0"/>
+              </a:spcBef>
+              <a:spcAft>
+                <a:spcPts val="1200"/>
+              </a:spcAft>
+              <a:buNone/>
+            </a:pPr>
+            <a:r>
+              <a:t/>
+            </a:r>
+            <a:endParaRPr/>
           </a:p>
         </p:txBody>
       </p:sp>

--- a/ZASTOSOWANIE_INFORMATYKI/1A-gr_2/Zastosowanie informatyki - 1A gr. 2.pptx
+++ b/ZASTOSOWANIE_INFORMATYKI/1A-gr_2/Zastosowanie informatyki - 1A gr. 2.pptx
@@ -31146,7 +31146,7 @@
             <a:tbl>
               <a:tblPr>
                 <a:noFill/>
-                <a:tableStyleId>{EA44DA6F-ED90-40EC-BD29-93980F9F0271}</a:tableStyleId>
+                <a:tableStyleId>{60E87210-BC8D-4C23-9A33-883BE9542810}</a:tableStyleId>
               </a:tblPr>
               <a:tblGrid>
                 <a:gridCol w="2413000"/>
@@ -31392,7 +31392,7 @@
             <a:tbl>
               <a:tblPr>
                 <a:noFill/>
-                <a:tableStyleId>{EA44DA6F-ED90-40EC-BD29-93980F9F0271}</a:tableStyleId>
+                <a:tableStyleId>{60E87210-BC8D-4C23-9A33-883BE9542810}</a:tableStyleId>
               </a:tblPr>
               <a:tblGrid>
                 <a:gridCol w="2413000"/>
@@ -31879,6 +31879,10 @@
               <a:buNone/>
             </a:pPr>
             <a:r>
+              <a:rPr lang="pl"/>
+              <a:t>📝</a:t>
+            </a:r>
+            <a:r>
               <a:rPr lang="pl" sz="2440">
                 <a:latin typeface="Tahoma"/>
                 <a:ea typeface="Tahoma"/>
@@ -32899,6 +32903,10 @@
               <a:buNone/>
             </a:pPr>
             <a:r>
+              <a:rPr lang="pl"/>
+              <a:t>📝</a:t>
+            </a:r>
+            <a:r>
               <a:rPr lang="pl" sz="2400">
                 <a:solidFill>
                   <a:srgbClr val="000000"/>
@@ -33645,6 +33653,10 @@
             </a:pPr>
             <a:r>
               <a:rPr lang="pl"/>
+              <a:t>📝</a:t>
+            </a:r>
+            <a:r>
+              <a:rPr lang="pl"/>
               <a:t>Microsoft Azure</a:t>
             </a:r>
             <a:endParaRPr/>
@@ -35257,6 +35269,10 @@
             </a:pPr>
             <a:r>
               <a:rPr lang="pl"/>
+              <a:t>📝</a:t>
+            </a:r>
+            <a:r>
+              <a:rPr lang="pl"/>
               <a:t>RODO</a:t>
             </a:r>
             <a:endParaRPr/>
@@ -35625,6 +35641,10 @@
               </a:spcAft>
               <a:buNone/>
             </a:pPr>
+            <a:r>
+              <a:rPr lang="pl"/>
+              <a:t>📝</a:t>
+            </a:r>
             <a:r>
               <a:rPr lang="pl"/>
               <a:t>RODO</a:t>
@@ -36730,6 +36750,10 @@
               <a:buNone/>
             </a:pPr>
             <a:r>
+              <a:rPr lang="pl"/>
+              <a:t>📝</a:t>
+            </a:r>
+            <a:r>
               <a:rPr lang="pl" sz="2400">
                 <a:solidFill>
                   <a:srgbClr val="001D35"/>
@@ -37558,6 +37582,10 @@
               <a:buNone/>
             </a:pPr>
             <a:r>
+              <a:rPr lang="pl"/>
+              <a:t>📝</a:t>
+            </a:r>
+            <a:r>
               <a:rPr lang="pl" sz="2440">
                 <a:latin typeface="Tahoma"/>
                 <a:ea typeface="Tahoma"/>
@@ -38238,6 +38266,10 @@
               </a:spcAft>
               <a:buNone/>
             </a:pPr>
+            <a:r>
+              <a:rPr lang="pl"/>
+              <a:t>📝</a:t>
+            </a:r>
             <a:r>
               <a:rPr lang="pl" sz="2400">
                 <a:solidFill>
@@ -45432,7 +45464,7 @@
             <a:tbl>
               <a:tblPr>
                 <a:noFill/>
-                <a:tableStyleId>{EA44DA6F-ED90-40EC-BD29-93980F9F0271}</a:tableStyleId>
+                <a:tableStyleId>{60E87210-BC8D-4C23-9A33-883BE9542810}</a:tableStyleId>
               </a:tblPr>
               <a:tblGrid>
                 <a:gridCol w="1690400"/>
@@ -46106,7 +46138,7 @@
             <a:tbl>
               <a:tblPr>
                 <a:noFill/>
-                <a:tableStyleId>{062DDBB7-2BD1-4B81-895B-DE9DAD388B81}</a:tableStyleId>
+                <a:tableStyleId>{F1BDC346-8811-414C-AF4A-51267E177B7F}</a:tableStyleId>
               </a:tblPr>
               <a:tblGrid>
                 <a:gridCol w="19050"/>
@@ -46200,6 +46232,10 @@
               <a:buNone/>
             </a:pPr>
             <a:r>
+              <a:rPr lang="pl"/>
+              <a:t>📝</a:t>
+            </a:r>
+            <a:r>
               <a:rPr lang="pl" sz="2400">
                 <a:solidFill>
                   <a:srgbClr val="000000"/>
@@ -46865,6 +46901,10 @@
               </a:spcAft>
               <a:buNone/>
             </a:pPr>
+            <a:r>
+              <a:rPr lang="pl"/>
+              <a:t>📝</a:t>
+            </a:r>
             <a:r>
               <a:rPr lang="pl"/>
               <a:t>Model warstwowy TCP/IP</a:t>
@@ -47473,7 +47513,7 @@
             </a:pPr>
             <a:r>
               <a:rPr lang="pl"/>
-              <a:t>Model warstwowy TCP/IP</a:t>
+              <a:t>📝Model warstwowy TCP/IP</a:t>
             </a:r>
             <a:endParaRPr/>
           </a:p>
@@ -48158,6 +48198,10 @@
               <a:buNone/>
             </a:pPr>
             <a:r>
+              <a:rPr lang="pl"/>
+              <a:t>📝</a:t>
+            </a:r>
+            <a:r>
               <a:rPr lang="pl" sz="2400">
                 <a:solidFill>
                   <a:srgbClr val="000000"/>
@@ -49574,6 +49618,10 @@
               <a:buNone/>
             </a:pPr>
             <a:r>
+              <a:rPr lang="pl"/>
+              <a:t>📝</a:t>
+            </a:r>
+            <a:r>
               <a:rPr lang="pl" sz="2400">
                 <a:solidFill>
                   <a:srgbClr val="000000"/>
@@ -49893,6 +49941,10 @@
               <a:buNone/>
             </a:pPr>
             <a:r>
+              <a:rPr lang="pl"/>
+              <a:t>📝</a:t>
+            </a:r>
+            <a:r>
               <a:rPr lang="pl" sz="2400">
                 <a:solidFill>
                   <a:srgbClr val="000000"/>
@@ -50095,6 +50147,10 @@
               </a:spcAft>
               <a:buNone/>
             </a:pPr>
+            <a:r>
+              <a:rPr lang="pl"/>
+              <a:t>📝</a:t>
+            </a:r>
             <a:r>
               <a:rPr lang="pl" sz="2400">
                 <a:latin typeface="Tahoma"/>
